--- a/HemTools Tutorial.pptx
+++ b/HemTools Tutorial.pptx
@@ -6,18 +6,26 @@
   </p:sldMasterIdLst>
   <p:sldIdLst>
     <p:sldId id="256" r:id="rId2"/>
-    <p:sldId id="257" r:id="rId3"/>
+    <p:sldId id="276" r:id="rId3"/>
     <p:sldId id="258" r:id="rId4"/>
-    <p:sldId id="259" r:id="rId5"/>
-    <p:sldId id="260" r:id="rId6"/>
-    <p:sldId id="261" r:id="rId7"/>
-    <p:sldId id="262" r:id="rId8"/>
-    <p:sldId id="263" r:id="rId9"/>
-    <p:sldId id="264" r:id="rId10"/>
-    <p:sldId id="265" r:id="rId11"/>
-    <p:sldId id="266" r:id="rId12"/>
-    <p:sldId id="267" r:id="rId13"/>
-    <p:sldId id="268" r:id="rId14"/>
+    <p:sldId id="270" r:id="rId5"/>
+    <p:sldId id="271" r:id="rId6"/>
+    <p:sldId id="272" r:id="rId7"/>
+    <p:sldId id="273" r:id="rId8"/>
+    <p:sldId id="274" r:id="rId9"/>
+    <p:sldId id="275" r:id="rId10"/>
+    <p:sldId id="269" r:id="rId11"/>
+    <p:sldId id="257" r:id="rId12"/>
+    <p:sldId id="259" r:id="rId13"/>
+    <p:sldId id="260" r:id="rId14"/>
+    <p:sldId id="261" r:id="rId15"/>
+    <p:sldId id="262" r:id="rId16"/>
+    <p:sldId id="263" r:id="rId17"/>
+    <p:sldId id="264" r:id="rId18"/>
+    <p:sldId id="265" r:id="rId19"/>
+    <p:sldId id="266" r:id="rId20"/>
+    <p:sldId id="267" r:id="rId21"/>
+    <p:sldId id="268" r:id="rId22"/>
   </p:sldIdLst>
   <p:sldSz cx="12192000" cy="6858000"/>
   <p:notesSz cx="6858000" cy="9144000"/>
@@ -116,6 +124,11 @@
       </a:defRPr>
     </a:lvl9pPr>
   </p:defaultTextStyle>
+  <p:extLst>
+    <p:ext uri="{EFAFB233-063F-42B5-8137-9DF3F51BA10A}">
+      <p15:sldGuideLst xmlns:p15="http://schemas.microsoft.com/office/powerpoint/2012/main"/>
+    </p:ext>
+  </p:extLst>
 </p:presentation>
 </file>
 
@@ -266,7 +279,7 @@
           <a:p>
             <a:fld id="{B06731B9-2535-4D77-BE06-7E4BBBA09F2A}" type="datetimeFigureOut">
               <a:rPr lang="en-US" smtClean="0"/>
-              <a:t>4/2/2019</a:t>
+              <a:t>4/14/2019</a:t>
             </a:fld>
             <a:endParaRPr lang="en-US"/>
           </a:p>
@@ -464,7 +477,7 @@
           <a:p>
             <a:fld id="{B06731B9-2535-4D77-BE06-7E4BBBA09F2A}" type="datetimeFigureOut">
               <a:rPr lang="en-US" smtClean="0"/>
-              <a:t>4/2/2019</a:t>
+              <a:t>4/14/2019</a:t>
             </a:fld>
             <a:endParaRPr lang="en-US"/>
           </a:p>
@@ -672,7 +685,7 @@
           <a:p>
             <a:fld id="{B06731B9-2535-4D77-BE06-7E4BBBA09F2A}" type="datetimeFigureOut">
               <a:rPr lang="en-US" smtClean="0"/>
-              <a:t>4/2/2019</a:t>
+              <a:t>4/14/2019</a:t>
             </a:fld>
             <a:endParaRPr lang="en-US"/>
           </a:p>
@@ -870,7 +883,7 @@
           <a:p>
             <a:fld id="{B06731B9-2535-4D77-BE06-7E4BBBA09F2A}" type="datetimeFigureOut">
               <a:rPr lang="en-US" smtClean="0"/>
-              <a:t>4/2/2019</a:t>
+              <a:t>4/14/2019</a:t>
             </a:fld>
             <a:endParaRPr lang="en-US"/>
           </a:p>
@@ -1145,7 +1158,7 @@
           <a:p>
             <a:fld id="{B06731B9-2535-4D77-BE06-7E4BBBA09F2A}" type="datetimeFigureOut">
               <a:rPr lang="en-US" smtClean="0"/>
-              <a:t>4/2/2019</a:t>
+              <a:t>4/14/2019</a:t>
             </a:fld>
             <a:endParaRPr lang="en-US"/>
           </a:p>
@@ -1410,7 +1423,7 @@
           <a:p>
             <a:fld id="{B06731B9-2535-4D77-BE06-7E4BBBA09F2A}" type="datetimeFigureOut">
               <a:rPr lang="en-US" smtClean="0"/>
-              <a:t>4/2/2019</a:t>
+              <a:t>4/14/2019</a:t>
             </a:fld>
             <a:endParaRPr lang="en-US"/>
           </a:p>
@@ -1822,7 +1835,7 @@
           <a:p>
             <a:fld id="{B06731B9-2535-4D77-BE06-7E4BBBA09F2A}" type="datetimeFigureOut">
               <a:rPr lang="en-US" smtClean="0"/>
-              <a:t>4/2/2019</a:t>
+              <a:t>4/14/2019</a:t>
             </a:fld>
             <a:endParaRPr lang="en-US"/>
           </a:p>
@@ -1963,7 +1976,7 @@
           <a:p>
             <a:fld id="{B06731B9-2535-4D77-BE06-7E4BBBA09F2A}" type="datetimeFigureOut">
               <a:rPr lang="en-US" smtClean="0"/>
-              <a:t>4/2/2019</a:t>
+              <a:t>4/14/2019</a:t>
             </a:fld>
             <a:endParaRPr lang="en-US"/>
           </a:p>
@@ -2076,7 +2089,7 @@
           <a:p>
             <a:fld id="{B06731B9-2535-4D77-BE06-7E4BBBA09F2A}" type="datetimeFigureOut">
               <a:rPr lang="en-US" smtClean="0"/>
-              <a:t>4/2/2019</a:t>
+              <a:t>4/14/2019</a:t>
             </a:fld>
             <a:endParaRPr lang="en-US"/>
           </a:p>
@@ -2387,7 +2400,7 @@
           <a:p>
             <a:fld id="{B06731B9-2535-4D77-BE06-7E4BBBA09F2A}" type="datetimeFigureOut">
               <a:rPr lang="en-US" smtClean="0"/>
-              <a:t>4/2/2019</a:t>
+              <a:t>4/14/2019</a:t>
             </a:fld>
             <a:endParaRPr lang="en-US"/>
           </a:p>
@@ -2675,7 +2688,7 @@
           <a:p>
             <a:fld id="{B06731B9-2535-4D77-BE06-7E4BBBA09F2A}" type="datetimeFigureOut">
               <a:rPr lang="en-US" smtClean="0"/>
-              <a:t>4/2/2019</a:t>
+              <a:t>4/14/2019</a:t>
             </a:fld>
             <a:endParaRPr lang="en-US"/>
           </a:p>
@@ -2916,7 +2929,7 @@
           <a:p>
             <a:fld id="{B06731B9-2535-4D77-BE06-7E4BBBA09F2A}" type="datetimeFigureOut">
               <a:rPr lang="en-US" smtClean="0"/>
-              <a:t>4/2/2019</a:t>
+              <a:t>4/14/2019</a:t>
             </a:fld>
             <a:endParaRPr lang="en-US"/>
           </a:p>
@@ -3425,7 +3438,7 @@
           <p:cNvPr id="2" name="Title 1">
             <a:extLst>
               <a:ext uri="{FF2B5EF4-FFF2-40B4-BE49-F238E27FC236}">
-                <a16:creationId xmlns:a16="http://schemas.microsoft.com/office/drawing/2014/main" id="{0AFD2B6C-3F2D-4A1F-8936-ECA641AD200D}"/>
+                <a16:creationId xmlns:a16="http://schemas.microsoft.com/office/drawing/2014/main" id="{18B92BD7-553C-4A3D-9FE1-4EEC4FD77322}"/>
               </a:ext>
             </a:extLst>
           </p:cNvPr>
@@ -3441,7 +3454,10 @@
           <a:bodyPr/>
           <a:lstStyle/>
           <a:p>
-            <a:endParaRPr lang="en-US"/>
+            <a:r>
+              <a:rPr lang="en-US" dirty="0"/>
+              <a:t>Materials		</a:t>
+            </a:r>
           </a:p>
         </p:txBody>
       </p:sp>
@@ -3450,7 +3466,7 @@
           <p:cNvPr id="3" name="Content Placeholder 2">
             <a:extLst>
               <a:ext uri="{FF2B5EF4-FFF2-40B4-BE49-F238E27FC236}">
-                <a16:creationId xmlns:a16="http://schemas.microsoft.com/office/drawing/2014/main" id="{52752CB9-238A-4812-80A8-D4F6AD17F416}"/>
+                <a16:creationId xmlns:a16="http://schemas.microsoft.com/office/drawing/2014/main" id="{CAB31F55-2E83-4FFF-BBF8-F7069746625D}"/>
               </a:ext>
             </a:extLst>
           </p:cNvPr>
@@ -3466,14 +3482,44 @@
           <a:bodyPr/>
           <a:lstStyle/>
           <a:p>
-            <a:endParaRPr lang="en-US"/>
+            <a:r>
+              <a:rPr lang="en-US" dirty="0"/>
+              <a:t>Handouts</a:t>
+            </a:r>
+          </a:p>
+          <a:p>
+            <a:r>
+              <a:rPr lang="en-US" dirty="0"/>
+              <a:t>Questionnaire</a:t>
+            </a:r>
+          </a:p>
+          <a:p>
+            <a:r>
+              <a:rPr lang="en-US" dirty="0"/>
+              <a:t>Online doc</a:t>
+            </a:r>
+          </a:p>
+          <a:p>
+            <a:r>
+              <a:rPr lang="en-US" dirty="0"/>
+              <a:t>Terminal</a:t>
+            </a:r>
+          </a:p>
+          <a:p>
+            <a:r>
+              <a:rPr lang="en-US" dirty="0"/>
+              <a:t>Ppt</a:t>
+            </a:r>
+          </a:p>
+          <a:p>
+            <a:endParaRPr lang="en-US" dirty="0"/>
           </a:p>
         </p:txBody>
       </p:sp>
     </p:spTree>
     <p:extLst>
       <p:ext uri="{BB962C8B-B14F-4D97-AF65-F5344CB8AC3E}">
-        <p14:creationId xmlns:p14="http://schemas.microsoft.com/office/powerpoint/2010/main" val="244501545"/>
+        <p14:creationId xmlns:p14="http://schemas.microsoft.com/office/powerpoint/2010/main" val="1730204385"/>
       </p:ext>
     </p:extLst>
   </p:cSld>
@@ -3505,7 +3551,7 @@
           <p:cNvPr id="2" name="Title 1">
             <a:extLst>
               <a:ext uri="{FF2B5EF4-FFF2-40B4-BE49-F238E27FC236}">
-                <a16:creationId xmlns:a16="http://schemas.microsoft.com/office/drawing/2014/main" id="{A2C5BC2B-DEEC-49EE-B6C5-A26F785C8CAE}"/>
+                <a16:creationId xmlns:a16="http://schemas.microsoft.com/office/drawing/2014/main" id="{2075DC17-8697-49D6-97F8-73889DD435FA}"/>
               </a:ext>
             </a:extLst>
           </p:cNvPr>
@@ -3521,7 +3567,10 @@
           <a:bodyPr/>
           <a:lstStyle/>
           <a:p>
-            <a:endParaRPr lang="en-US"/>
+            <a:r>
+              <a:rPr lang="en-US" dirty="0"/>
+              <a:t>Software requirements analysis</a:t>
+            </a:r>
           </a:p>
         </p:txBody>
       </p:sp>
@@ -3530,7 +3579,7 @@
           <p:cNvPr id="3" name="Content Placeholder 2">
             <a:extLst>
               <a:ext uri="{FF2B5EF4-FFF2-40B4-BE49-F238E27FC236}">
-                <a16:creationId xmlns:a16="http://schemas.microsoft.com/office/drawing/2014/main" id="{FD086441-F7A3-49B4-BB99-64DF26FF8E53}"/>
+                <a16:creationId xmlns:a16="http://schemas.microsoft.com/office/drawing/2014/main" id="{6E7D4C32-4496-4085-BF95-75FF1991E6A6}"/>
               </a:ext>
             </a:extLst>
           </p:cNvPr>
@@ -3541,19 +3590,108 @@
             <p:ph idx="1"/>
           </p:nvPr>
         </p:nvSpPr>
-        <p:spPr/>
-        <p:txBody>
-          <a:bodyPr/>
-          <a:lstStyle/>
-          <a:p>
-            <a:endParaRPr lang="en-US"/>
+        <p:spPr>
+          <a:xfrm>
+            <a:off x="838200" y="1825624"/>
+            <a:ext cx="10515600" cy="4944291"/>
+          </a:xfrm>
+        </p:spPr>
+        <p:txBody>
+          <a:bodyPr>
+            <a:normAutofit lnSpcReduction="10000"/>
+          </a:bodyPr>
+          <a:lstStyle/>
+          <a:p>
+            <a:r>
+              <a:rPr lang="en-US" dirty="0"/>
+              <a:t>Adapting and automating previous pipelines</a:t>
+            </a:r>
+          </a:p>
+          <a:p>
+            <a:r>
+              <a:rPr lang="en-US" dirty="0"/>
+              <a:t>Minimizing computation time</a:t>
+            </a:r>
+          </a:p>
+          <a:p>
+            <a:r>
+              <a:rPr lang="en-US" dirty="0"/>
+              <a:t>Creating user-friendly interface</a:t>
+            </a:r>
+          </a:p>
+          <a:p>
+            <a:pPr lvl="1"/>
+            <a:r>
+              <a:rPr lang="en-US" dirty="0"/>
+              <a:t>Online end-user documentation</a:t>
+            </a:r>
+          </a:p>
+          <a:p>
+            <a:pPr lvl="1"/>
+            <a:r>
+              <a:rPr lang="en-US" dirty="0"/>
+              <a:t>Email notification system</a:t>
+            </a:r>
+          </a:p>
+          <a:p>
+            <a:pPr lvl="1"/>
+            <a:r>
+              <a:rPr lang="en-US" dirty="0"/>
+              <a:t>Bug/Error notification system</a:t>
+            </a:r>
+          </a:p>
+          <a:p>
+            <a:pPr lvl="1"/>
+            <a:r>
+              <a:rPr lang="en-US" dirty="0"/>
+              <a:t>Visually-appealing reports</a:t>
+            </a:r>
+          </a:p>
+          <a:p>
+            <a:pPr lvl="1"/>
+            <a:endParaRPr lang="en-US" dirty="0"/>
+          </a:p>
+          <a:p>
+            <a:r>
+              <a:rPr lang="en-US" dirty="0"/>
+              <a:t>Reducing user’s mental effort  </a:t>
+            </a:r>
+          </a:p>
+          <a:p>
+            <a:pPr lvl="1"/>
+            <a:r>
+              <a:rPr lang="en-US" dirty="0"/>
+              <a:t>Free of installation &amp; ready to use</a:t>
+            </a:r>
+          </a:p>
+          <a:p>
+            <a:pPr lvl="1"/>
+            <a:r>
+              <a:rPr lang="en-US" dirty="0"/>
+              <a:t>Simple input files preparation</a:t>
+            </a:r>
+          </a:p>
+          <a:p>
+            <a:pPr lvl="1"/>
+            <a:r>
+              <a:rPr lang="en-US" dirty="0"/>
+              <a:t>Easy search for appropriate APIs</a:t>
+            </a:r>
+          </a:p>
+          <a:p>
+            <a:pPr lvl="1"/>
+            <a:endParaRPr lang="en-US" dirty="0"/>
+          </a:p>
+          <a:p>
+            <a:pPr lvl="1"/>
+            <a:endParaRPr lang="en-US" dirty="0"/>
           </a:p>
         </p:txBody>
       </p:sp>
     </p:spTree>
     <p:extLst>
       <p:ext uri="{BB962C8B-B14F-4D97-AF65-F5344CB8AC3E}">
-        <p14:creationId xmlns:p14="http://schemas.microsoft.com/office/powerpoint/2010/main" val="3358588205"/>
+        <p14:creationId xmlns:p14="http://schemas.microsoft.com/office/powerpoint/2010/main" val="3943673360"/>
       </p:ext>
     </p:extLst>
   </p:cSld>
@@ -3585,7 +3723,7 @@
           <p:cNvPr id="2" name="Title 1">
             <a:extLst>
               <a:ext uri="{FF2B5EF4-FFF2-40B4-BE49-F238E27FC236}">
-                <a16:creationId xmlns:a16="http://schemas.microsoft.com/office/drawing/2014/main" id="{471735B4-6033-4727-A189-1D63F97BD785}"/>
+                <a16:creationId xmlns:a16="http://schemas.microsoft.com/office/drawing/2014/main" id="{9C87775C-559D-4E96-9FAB-9904F9A04E19}"/>
               </a:ext>
             </a:extLst>
           </p:cNvPr>
@@ -3601,7 +3739,10 @@
           <a:bodyPr/>
           <a:lstStyle/>
           <a:p>
-            <a:endParaRPr lang="en-US"/>
+            <a:r>
+              <a:rPr lang="en-US" dirty="0"/>
+              <a:t>Linux 101</a:t>
+            </a:r>
           </a:p>
         </p:txBody>
       </p:sp>
@@ -3610,7 +3751,7 @@
           <p:cNvPr id="3" name="Content Placeholder 2">
             <a:extLst>
               <a:ext uri="{FF2B5EF4-FFF2-40B4-BE49-F238E27FC236}">
-                <a16:creationId xmlns:a16="http://schemas.microsoft.com/office/drawing/2014/main" id="{B720DC06-4000-4238-BE83-1C35DF886A93}"/>
+                <a16:creationId xmlns:a16="http://schemas.microsoft.com/office/drawing/2014/main" id="{895A7F71-E7CB-4CD8-A8A1-C163C0F6A6E4}"/>
               </a:ext>
             </a:extLst>
           </p:cNvPr>
@@ -3633,7 +3774,7 @@
     </p:spTree>
     <p:extLst>
       <p:ext uri="{BB962C8B-B14F-4D97-AF65-F5344CB8AC3E}">
-        <p14:creationId xmlns:p14="http://schemas.microsoft.com/office/powerpoint/2010/main" val="191438340"/>
+        <p14:creationId xmlns:p14="http://schemas.microsoft.com/office/powerpoint/2010/main" val="646229792"/>
       </p:ext>
     </p:extLst>
   </p:cSld>
@@ -3665,7 +3806,7 @@
           <p:cNvPr id="2" name="Title 1">
             <a:extLst>
               <a:ext uri="{FF2B5EF4-FFF2-40B4-BE49-F238E27FC236}">
-                <a16:creationId xmlns:a16="http://schemas.microsoft.com/office/drawing/2014/main" id="{19D7858D-73B5-451D-AFC2-7D386720412C}"/>
+                <a16:creationId xmlns:a16="http://schemas.microsoft.com/office/drawing/2014/main" id="{BF30E243-E41F-4AB6-811E-7D3D625BE204}"/>
               </a:ext>
             </a:extLst>
           </p:cNvPr>
@@ -3690,7 +3831,7 @@
           <p:cNvPr id="3" name="Content Placeholder 2">
             <a:extLst>
               <a:ext uri="{FF2B5EF4-FFF2-40B4-BE49-F238E27FC236}">
-                <a16:creationId xmlns:a16="http://schemas.microsoft.com/office/drawing/2014/main" id="{CF7A41FB-E544-49F5-857D-92FF76C45E42}"/>
+                <a16:creationId xmlns:a16="http://schemas.microsoft.com/office/drawing/2014/main" id="{B7EFCA1B-4EFB-434E-8F89-D1DB1B0FCB82}"/>
               </a:ext>
             </a:extLst>
           </p:cNvPr>
@@ -3713,7 +3854,490 @@
     </p:spTree>
     <p:extLst>
       <p:ext uri="{BB962C8B-B14F-4D97-AF65-F5344CB8AC3E}">
-        <p14:creationId xmlns:p14="http://schemas.microsoft.com/office/powerpoint/2010/main" val="1484918750"/>
+        <p14:creationId xmlns:p14="http://schemas.microsoft.com/office/powerpoint/2010/main" val="3678665510"/>
+      </p:ext>
+    </p:extLst>
+  </p:cSld>
+  <p:clrMapOvr>
+    <a:masterClrMapping/>
+  </p:clrMapOvr>
+</p:sld>
+</file>
+
+<file path=ppt/slides/slide14.xml><?xml version="1.0" encoding="utf-8"?>
+<p:sld xmlns:a="http://schemas.openxmlformats.org/drawingml/2006/main" xmlns:r="http://schemas.openxmlformats.org/officeDocument/2006/relationships" xmlns:p="http://schemas.openxmlformats.org/presentationml/2006/main">
+  <p:cSld>
+    <p:spTree>
+      <p:nvGrpSpPr>
+        <p:cNvPr id="1" name=""/>
+        <p:cNvGrpSpPr/>
+        <p:nvPr/>
+      </p:nvGrpSpPr>
+      <p:grpSpPr>
+        <a:xfrm>
+          <a:off x="0" y="0"/>
+          <a:ext cx="0" cy="0"/>
+          <a:chOff x="0" y="0"/>
+          <a:chExt cx="0" cy="0"/>
+        </a:xfrm>
+      </p:grpSpPr>
+      <p:sp>
+        <p:nvSpPr>
+          <p:cNvPr id="2" name="Title 1">
+            <a:extLst>
+              <a:ext uri="{FF2B5EF4-FFF2-40B4-BE49-F238E27FC236}">
+                <a16:creationId xmlns:a16="http://schemas.microsoft.com/office/drawing/2014/main" id="{2410D0D2-75EB-48A5-B504-0D0356EB6C4E}"/>
+              </a:ext>
+            </a:extLst>
+          </p:cNvPr>
+          <p:cNvSpPr>
+            <a:spLocks noGrp="1"/>
+          </p:cNvSpPr>
+          <p:nvPr>
+            <p:ph type="title"/>
+          </p:nvPr>
+        </p:nvSpPr>
+        <p:spPr/>
+        <p:txBody>
+          <a:bodyPr/>
+          <a:lstStyle/>
+          <a:p>
+            <a:r>
+              <a:rPr lang="en-US" dirty="0"/>
+              <a:t>CUT &amp; RUN example</a:t>
+            </a:r>
+          </a:p>
+        </p:txBody>
+      </p:sp>
+      <p:sp>
+        <p:nvSpPr>
+          <p:cNvPr id="3" name="Content Placeholder 2">
+            <a:extLst>
+              <a:ext uri="{FF2B5EF4-FFF2-40B4-BE49-F238E27FC236}">
+                <a16:creationId xmlns:a16="http://schemas.microsoft.com/office/drawing/2014/main" id="{91415104-750D-4A71-81EE-175E2AFCC880}"/>
+              </a:ext>
+            </a:extLst>
+          </p:cNvPr>
+          <p:cNvSpPr>
+            <a:spLocks noGrp="1"/>
+          </p:cNvSpPr>
+          <p:nvPr>
+            <p:ph idx="1"/>
+          </p:nvPr>
+        </p:nvSpPr>
+        <p:spPr/>
+        <p:txBody>
+          <a:bodyPr/>
+          <a:lstStyle/>
+          <a:p>
+            <a:endParaRPr lang="en-US"/>
+          </a:p>
+        </p:txBody>
+      </p:sp>
+    </p:spTree>
+    <p:extLst>
+      <p:ext uri="{BB962C8B-B14F-4D97-AF65-F5344CB8AC3E}">
+        <p14:creationId xmlns:p14="http://schemas.microsoft.com/office/powerpoint/2010/main" val="1367050823"/>
+      </p:ext>
+    </p:extLst>
+  </p:cSld>
+  <p:clrMapOvr>
+    <a:masterClrMapping/>
+  </p:clrMapOvr>
+</p:sld>
+</file>
+
+<file path=ppt/slides/slide15.xml><?xml version="1.0" encoding="utf-8"?>
+<p:sld xmlns:a="http://schemas.openxmlformats.org/drawingml/2006/main" xmlns:r="http://schemas.openxmlformats.org/officeDocument/2006/relationships" xmlns:p="http://schemas.openxmlformats.org/presentationml/2006/main">
+  <p:cSld>
+    <p:spTree>
+      <p:nvGrpSpPr>
+        <p:cNvPr id="1" name=""/>
+        <p:cNvGrpSpPr/>
+        <p:nvPr/>
+      </p:nvGrpSpPr>
+      <p:grpSpPr>
+        <a:xfrm>
+          <a:off x="0" y="0"/>
+          <a:ext cx="0" cy="0"/>
+          <a:chOff x="0" y="0"/>
+          <a:chExt cx="0" cy="0"/>
+        </a:xfrm>
+      </p:grpSpPr>
+      <p:sp>
+        <p:nvSpPr>
+          <p:cNvPr id="2" name="Title 1">
+            <a:extLst>
+              <a:ext uri="{FF2B5EF4-FFF2-40B4-BE49-F238E27FC236}">
+                <a16:creationId xmlns:a16="http://schemas.microsoft.com/office/drawing/2014/main" id="{4D1A330E-AB09-43E6-BBA1-E89C7300DB1C}"/>
+              </a:ext>
+            </a:extLst>
+          </p:cNvPr>
+          <p:cNvSpPr>
+            <a:spLocks noGrp="1"/>
+          </p:cNvSpPr>
+          <p:nvPr>
+            <p:ph type="title"/>
+          </p:nvPr>
+        </p:nvSpPr>
+        <p:spPr/>
+        <p:txBody>
+          <a:bodyPr/>
+          <a:lstStyle/>
+          <a:p>
+            <a:endParaRPr lang="en-US"/>
+          </a:p>
+        </p:txBody>
+      </p:sp>
+      <p:sp>
+        <p:nvSpPr>
+          <p:cNvPr id="3" name="Content Placeholder 2">
+            <a:extLst>
+              <a:ext uri="{FF2B5EF4-FFF2-40B4-BE49-F238E27FC236}">
+                <a16:creationId xmlns:a16="http://schemas.microsoft.com/office/drawing/2014/main" id="{9579253A-45A7-4238-AAE0-6946A8093D51}"/>
+              </a:ext>
+            </a:extLst>
+          </p:cNvPr>
+          <p:cNvSpPr>
+            <a:spLocks noGrp="1"/>
+          </p:cNvSpPr>
+          <p:nvPr>
+            <p:ph idx="1"/>
+          </p:nvPr>
+        </p:nvSpPr>
+        <p:spPr/>
+        <p:txBody>
+          <a:bodyPr/>
+          <a:lstStyle/>
+          <a:p>
+            <a:endParaRPr lang="en-US"/>
+          </a:p>
+        </p:txBody>
+      </p:sp>
+    </p:spTree>
+    <p:extLst>
+      <p:ext uri="{BB962C8B-B14F-4D97-AF65-F5344CB8AC3E}">
+        <p14:creationId xmlns:p14="http://schemas.microsoft.com/office/powerpoint/2010/main" val="2195159436"/>
+      </p:ext>
+    </p:extLst>
+  </p:cSld>
+  <p:clrMapOvr>
+    <a:masterClrMapping/>
+  </p:clrMapOvr>
+</p:sld>
+</file>
+
+<file path=ppt/slides/slide16.xml><?xml version="1.0" encoding="utf-8"?>
+<p:sld xmlns:a="http://schemas.openxmlformats.org/drawingml/2006/main" xmlns:r="http://schemas.openxmlformats.org/officeDocument/2006/relationships" xmlns:p="http://schemas.openxmlformats.org/presentationml/2006/main">
+  <p:cSld>
+    <p:spTree>
+      <p:nvGrpSpPr>
+        <p:cNvPr id="1" name=""/>
+        <p:cNvGrpSpPr/>
+        <p:nvPr/>
+      </p:nvGrpSpPr>
+      <p:grpSpPr>
+        <a:xfrm>
+          <a:off x="0" y="0"/>
+          <a:ext cx="0" cy="0"/>
+          <a:chOff x="0" y="0"/>
+          <a:chExt cx="0" cy="0"/>
+        </a:xfrm>
+      </p:grpSpPr>
+      <p:sp>
+        <p:nvSpPr>
+          <p:cNvPr id="2" name="Title 1">
+            <a:extLst>
+              <a:ext uri="{FF2B5EF4-FFF2-40B4-BE49-F238E27FC236}">
+                <a16:creationId xmlns:a16="http://schemas.microsoft.com/office/drawing/2014/main" id="{B0E5B5FB-D096-4060-9B99-386CE7229307}"/>
+              </a:ext>
+            </a:extLst>
+          </p:cNvPr>
+          <p:cNvSpPr>
+            <a:spLocks noGrp="1"/>
+          </p:cNvSpPr>
+          <p:nvPr>
+            <p:ph type="title"/>
+          </p:nvPr>
+        </p:nvSpPr>
+        <p:spPr/>
+        <p:txBody>
+          <a:bodyPr/>
+          <a:lstStyle/>
+          <a:p>
+            <a:endParaRPr lang="en-US"/>
+          </a:p>
+        </p:txBody>
+      </p:sp>
+      <p:sp>
+        <p:nvSpPr>
+          <p:cNvPr id="3" name="Content Placeholder 2">
+            <a:extLst>
+              <a:ext uri="{FF2B5EF4-FFF2-40B4-BE49-F238E27FC236}">
+                <a16:creationId xmlns:a16="http://schemas.microsoft.com/office/drawing/2014/main" id="{9199B12A-1512-4297-8892-AA70B7D7447F}"/>
+              </a:ext>
+            </a:extLst>
+          </p:cNvPr>
+          <p:cNvSpPr>
+            <a:spLocks noGrp="1"/>
+          </p:cNvSpPr>
+          <p:nvPr>
+            <p:ph idx="1"/>
+          </p:nvPr>
+        </p:nvSpPr>
+        <p:spPr/>
+        <p:txBody>
+          <a:bodyPr/>
+          <a:lstStyle/>
+          <a:p>
+            <a:endParaRPr lang="en-US"/>
+          </a:p>
+        </p:txBody>
+      </p:sp>
+    </p:spTree>
+    <p:extLst>
+      <p:ext uri="{BB962C8B-B14F-4D97-AF65-F5344CB8AC3E}">
+        <p14:creationId xmlns:p14="http://schemas.microsoft.com/office/powerpoint/2010/main" val="997304681"/>
+      </p:ext>
+    </p:extLst>
+  </p:cSld>
+  <p:clrMapOvr>
+    <a:masterClrMapping/>
+  </p:clrMapOvr>
+</p:sld>
+</file>
+
+<file path=ppt/slides/slide17.xml><?xml version="1.0" encoding="utf-8"?>
+<p:sld xmlns:a="http://schemas.openxmlformats.org/drawingml/2006/main" xmlns:r="http://schemas.openxmlformats.org/officeDocument/2006/relationships" xmlns:p="http://schemas.openxmlformats.org/presentationml/2006/main">
+  <p:cSld>
+    <p:spTree>
+      <p:nvGrpSpPr>
+        <p:cNvPr id="1" name=""/>
+        <p:cNvGrpSpPr/>
+        <p:nvPr/>
+      </p:nvGrpSpPr>
+      <p:grpSpPr>
+        <a:xfrm>
+          <a:off x="0" y="0"/>
+          <a:ext cx="0" cy="0"/>
+          <a:chOff x="0" y="0"/>
+          <a:chExt cx="0" cy="0"/>
+        </a:xfrm>
+      </p:grpSpPr>
+      <p:sp>
+        <p:nvSpPr>
+          <p:cNvPr id="2" name="Title 1">
+            <a:extLst>
+              <a:ext uri="{FF2B5EF4-FFF2-40B4-BE49-F238E27FC236}">
+                <a16:creationId xmlns:a16="http://schemas.microsoft.com/office/drawing/2014/main" id="{B6380AE6-1C85-4482-BF45-AF5B693B88FE}"/>
+              </a:ext>
+            </a:extLst>
+          </p:cNvPr>
+          <p:cNvSpPr>
+            <a:spLocks noGrp="1"/>
+          </p:cNvSpPr>
+          <p:nvPr>
+            <p:ph type="title"/>
+          </p:nvPr>
+        </p:nvSpPr>
+        <p:spPr/>
+        <p:txBody>
+          <a:bodyPr/>
+          <a:lstStyle/>
+          <a:p>
+            <a:endParaRPr lang="en-US"/>
+          </a:p>
+        </p:txBody>
+      </p:sp>
+      <p:sp>
+        <p:nvSpPr>
+          <p:cNvPr id="3" name="Content Placeholder 2">
+            <a:extLst>
+              <a:ext uri="{FF2B5EF4-FFF2-40B4-BE49-F238E27FC236}">
+                <a16:creationId xmlns:a16="http://schemas.microsoft.com/office/drawing/2014/main" id="{C328AE24-37EF-4B54-9CEA-F816B96C5615}"/>
+              </a:ext>
+            </a:extLst>
+          </p:cNvPr>
+          <p:cNvSpPr>
+            <a:spLocks noGrp="1"/>
+          </p:cNvSpPr>
+          <p:nvPr>
+            <p:ph idx="1"/>
+          </p:nvPr>
+        </p:nvSpPr>
+        <p:spPr/>
+        <p:txBody>
+          <a:bodyPr/>
+          <a:lstStyle/>
+          <a:p>
+            <a:endParaRPr lang="en-US"/>
+          </a:p>
+        </p:txBody>
+      </p:sp>
+    </p:spTree>
+    <p:extLst>
+      <p:ext uri="{BB962C8B-B14F-4D97-AF65-F5344CB8AC3E}">
+        <p14:creationId xmlns:p14="http://schemas.microsoft.com/office/powerpoint/2010/main" val="1048469740"/>
+      </p:ext>
+    </p:extLst>
+  </p:cSld>
+  <p:clrMapOvr>
+    <a:masterClrMapping/>
+  </p:clrMapOvr>
+</p:sld>
+</file>
+
+<file path=ppt/slides/slide18.xml><?xml version="1.0" encoding="utf-8"?>
+<p:sld xmlns:a="http://schemas.openxmlformats.org/drawingml/2006/main" xmlns:r="http://schemas.openxmlformats.org/officeDocument/2006/relationships" xmlns:p="http://schemas.openxmlformats.org/presentationml/2006/main">
+  <p:cSld>
+    <p:spTree>
+      <p:nvGrpSpPr>
+        <p:cNvPr id="1" name=""/>
+        <p:cNvGrpSpPr/>
+        <p:nvPr/>
+      </p:nvGrpSpPr>
+      <p:grpSpPr>
+        <a:xfrm>
+          <a:off x="0" y="0"/>
+          <a:ext cx="0" cy="0"/>
+          <a:chOff x="0" y="0"/>
+          <a:chExt cx="0" cy="0"/>
+        </a:xfrm>
+      </p:grpSpPr>
+      <p:sp>
+        <p:nvSpPr>
+          <p:cNvPr id="2" name="Title 1">
+            <a:extLst>
+              <a:ext uri="{FF2B5EF4-FFF2-40B4-BE49-F238E27FC236}">
+                <a16:creationId xmlns:a16="http://schemas.microsoft.com/office/drawing/2014/main" id="{0AFD2B6C-3F2D-4A1F-8936-ECA641AD200D}"/>
+              </a:ext>
+            </a:extLst>
+          </p:cNvPr>
+          <p:cNvSpPr>
+            <a:spLocks noGrp="1"/>
+          </p:cNvSpPr>
+          <p:nvPr>
+            <p:ph type="title"/>
+          </p:nvPr>
+        </p:nvSpPr>
+        <p:spPr/>
+        <p:txBody>
+          <a:bodyPr/>
+          <a:lstStyle/>
+          <a:p>
+            <a:endParaRPr lang="en-US"/>
+          </a:p>
+        </p:txBody>
+      </p:sp>
+      <p:sp>
+        <p:nvSpPr>
+          <p:cNvPr id="3" name="Content Placeholder 2">
+            <a:extLst>
+              <a:ext uri="{FF2B5EF4-FFF2-40B4-BE49-F238E27FC236}">
+                <a16:creationId xmlns:a16="http://schemas.microsoft.com/office/drawing/2014/main" id="{52752CB9-238A-4812-80A8-D4F6AD17F416}"/>
+              </a:ext>
+            </a:extLst>
+          </p:cNvPr>
+          <p:cNvSpPr>
+            <a:spLocks noGrp="1"/>
+          </p:cNvSpPr>
+          <p:nvPr>
+            <p:ph idx="1"/>
+          </p:nvPr>
+        </p:nvSpPr>
+        <p:spPr/>
+        <p:txBody>
+          <a:bodyPr/>
+          <a:lstStyle/>
+          <a:p>
+            <a:endParaRPr lang="en-US"/>
+          </a:p>
+        </p:txBody>
+      </p:sp>
+    </p:spTree>
+    <p:extLst>
+      <p:ext uri="{BB962C8B-B14F-4D97-AF65-F5344CB8AC3E}">
+        <p14:creationId xmlns:p14="http://schemas.microsoft.com/office/powerpoint/2010/main" val="244501545"/>
+      </p:ext>
+    </p:extLst>
+  </p:cSld>
+  <p:clrMapOvr>
+    <a:masterClrMapping/>
+  </p:clrMapOvr>
+</p:sld>
+</file>
+
+<file path=ppt/slides/slide19.xml><?xml version="1.0" encoding="utf-8"?>
+<p:sld xmlns:a="http://schemas.openxmlformats.org/drawingml/2006/main" xmlns:r="http://schemas.openxmlformats.org/officeDocument/2006/relationships" xmlns:p="http://schemas.openxmlformats.org/presentationml/2006/main">
+  <p:cSld>
+    <p:spTree>
+      <p:nvGrpSpPr>
+        <p:cNvPr id="1" name=""/>
+        <p:cNvGrpSpPr/>
+        <p:nvPr/>
+      </p:nvGrpSpPr>
+      <p:grpSpPr>
+        <a:xfrm>
+          <a:off x="0" y="0"/>
+          <a:ext cx="0" cy="0"/>
+          <a:chOff x="0" y="0"/>
+          <a:chExt cx="0" cy="0"/>
+        </a:xfrm>
+      </p:grpSpPr>
+      <p:sp>
+        <p:nvSpPr>
+          <p:cNvPr id="2" name="Title 1">
+            <a:extLst>
+              <a:ext uri="{FF2B5EF4-FFF2-40B4-BE49-F238E27FC236}">
+                <a16:creationId xmlns:a16="http://schemas.microsoft.com/office/drawing/2014/main" id="{A2C5BC2B-DEEC-49EE-B6C5-A26F785C8CAE}"/>
+              </a:ext>
+            </a:extLst>
+          </p:cNvPr>
+          <p:cNvSpPr>
+            <a:spLocks noGrp="1"/>
+          </p:cNvSpPr>
+          <p:nvPr>
+            <p:ph type="title"/>
+          </p:nvPr>
+        </p:nvSpPr>
+        <p:spPr/>
+        <p:txBody>
+          <a:bodyPr/>
+          <a:lstStyle/>
+          <a:p>
+            <a:endParaRPr lang="en-US"/>
+          </a:p>
+        </p:txBody>
+      </p:sp>
+      <p:sp>
+        <p:nvSpPr>
+          <p:cNvPr id="3" name="Content Placeholder 2">
+            <a:extLst>
+              <a:ext uri="{FF2B5EF4-FFF2-40B4-BE49-F238E27FC236}">
+                <a16:creationId xmlns:a16="http://schemas.microsoft.com/office/drawing/2014/main" id="{FD086441-F7A3-49B4-BB99-64DF26FF8E53}"/>
+              </a:ext>
+            </a:extLst>
+          </p:cNvPr>
+          <p:cNvSpPr>
+            <a:spLocks noGrp="1"/>
+          </p:cNvSpPr>
+          <p:nvPr>
+            <p:ph idx="1"/>
+          </p:nvPr>
+        </p:nvSpPr>
+        <p:spPr/>
+        <p:txBody>
+          <a:bodyPr/>
+          <a:lstStyle/>
+          <a:p>
+            <a:endParaRPr lang="en-US"/>
+          </a:p>
+        </p:txBody>
+      </p:sp>
+    </p:spTree>
+    <p:extLst>
+      <p:ext uri="{BB962C8B-B14F-4D97-AF65-F5344CB8AC3E}">
+        <p14:creationId xmlns:p14="http://schemas.microsoft.com/office/powerpoint/2010/main" val="3358588205"/>
       </p:ext>
     </p:extLst>
   </p:cSld>
@@ -3745,7 +4369,7 @@
           <p:cNvPr id="2" name="Title 1">
             <a:extLst>
               <a:ext uri="{FF2B5EF4-FFF2-40B4-BE49-F238E27FC236}">
-                <a16:creationId xmlns:a16="http://schemas.microsoft.com/office/drawing/2014/main" id="{2075DC17-8697-49D6-97F8-73889DD435FA}"/>
+                <a16:creationId xmlns:a16="http://schemas.microsoft.com/office/drawing/2014/main" id="{D8F610CE-BE7A-44A6-B054-D1D2AFFDF021}"/>
               </a:ext>
             </a:extLst>
           </p:cNvPr>
@@ -3763,7 +4387,7 @@
           <a:p>
             <a:r>
               <a:rPr lang="en-US" dirty="0"/>
-              <a:t>Software requirements analysis</a:t>
+              <a:t>Outline</a:t>
             </a:r>
           </a:p>
         </p:txBody>
@@ -3773,7 +4397,7 @@
           <p:cNvPr id="3" name="Content Placeholder 2">
             <a:extLst>
               <a:ext uri="{FF2B5EF4-FFF2-40B4-BE49-F238E27FC236}">
-                <a16:creationId xmlns:a16="http://schemas.microsoft.com/office/drawing/2014/main" id="{6E7D4C32-4496-4085-BF95-75FF1991E6A6}"/>
+                <a16:creationId xmlns:a16="http://schemas.microsoft.com/office/drawing/2014/main" id="{5036624E-8899-4554-8B13-DBBDE6E3E18B}"/>
               </a:ext>
             </a:extLst>
           </p:cNvPr>
@@ -3784,108 +4408,226 @@
             <p:ph idx="1"/>
           </p:nvPr>
         </p:nvSpPr>
-        <p:spPr>
-          <a:xfrm>
-            <a:off x="838200" y="1825624"/>
-            <a:ext cx="10515600" cy="4944291"/>
-          </a:xfrm>
-        </p:spPr>
-        <p:txBody>
-          <a:bodyPr>
-            <a:normAutofit lnSpcReduction="10000"/>
-          </a:bodyPr>
+        <p:spPr/>
+        <p:txBody>
+          <a:bodyPr/>
           <a:lstStyle/>
           <a:p>
             <a:r>
               <a:rPr lang="en-US" dirty="0"/>
-              <a:t>Adapting and automating previous pipelines</a:t>
+              <a:t>Software overview</a:t>
             </a:r>
           </a:p>
           <a:p>
             <a:r>
               <a:rPr lang="en-US" dirty="0"/>
-              <a:t>Minimizing computation time</a:t>
+              <a:t>General principles</a:t>
             </a:r>
           </a:p>
           <a:p>
             <a:r>
               <a:rPr lang="en-US" dirty="0"/>
-              <a:t>Creating user-friendly interface</a:t>
+              <a:t>Examples</a:t>
             </a:r>
           </a:p>
           <a:p>
             <a:pPr lvl="1"/>
             <a:r>
               <a:rPr lang="en-US" dirty="0"/>
-              <a:t>Online end-user documentation</a:t>
+              <a:t>ATAC-seq</a:t>
             </a:r>
           </a:p>
           <a:p>
             <a:pPr lvl="1"/>
             <a:r>
+              <a:rPr lang="en-US" dirty="0" err="1"/>
+              <a:t>ChIP</a:t>
+            </a:r>
+            <a:r>
               <a:rPr lang="en-US" dirty="0"/>
-              <a:t>Email notification system</a:t>
+              <a:t>-seq</a:t>
             </a:r>
           </a:p>
           <a:p>
             <a:pPr lvl="1"/>
             <a:r>
               <a:rPr lang="en-US" dirty="0"/>
-              <a:t>Bug/Error notification system</a:t>
+              <a:t>CUT &amp; RUN</a:t>
             </a:r>
           </a:p>
           <a:p>
             <a:pPr lvl="1"/>
             <a:r>
               <a:rPr lang="en-US" dirty="0"/>
-              <a:t>Visually-appealing reports</a:t>
-            </a:r>
-          </a:p>
-          <a:p>
-            <a:pPr lvl="1"/>
-            <a:endParaRPr lang="en-US" dirty="0"/>
-          </a:p>
-          <a:p>
-            <a:r>
-              <a:rPr lang="en-US" dirty="0"/>
-              <a:t>Reducing user’s mental effort  </a:t>
-            </a:r>
-          </a:p>
-          <a:p>
-            <a:pPr lvl="1"/>
-            <a:r>
-              <a:rPr lang="en-US" dirty="0"/>
-              <a:t>Free of installation &amp; ready to use</a:t>
-            </a:r>
-          </a:p>
-          <a:p>
-            <a:pPr lvl="1"/>
-            <a:r>
-              <a:rPr lang="en-US" dirty="0"/>
-              <a:t>Simple input files preparation</a:t>
-            </a:r>
-          </a:p>
-          <a:p>
-            <a:pPr lvl="1"/>
-            <a:r>
-              <a:rPr lang="en-US" dirty="0"/>
-              <a:t>Easy search for appropriate APIs</a:t>
-            </a:r>
-          </a:p>
-          <a:p>
-            <a:pPr lvl="1"/>
-            <a:endParaRPr lang="en-US" dirty="0"/>
-          </a:p>
-          <a:p>
-            <a:pPr lvl="1"/>
-            <a:endParaRPr lang="en-US" dirty="0"/>
+              <a:t>CRISPR-seq</a:t>
+            </a:r>
           </a:p>
         </p:txBody>
       </p:sp>
     </p:spTree>
     <p:extLst>
       <p:ext uri="{BB962C8B-B14F-4D97-AF65-F5344CB8AC3E}">
-        <p14:creationId xmlns:p14="http://schemas.microsoft.com/office/powerpoint/2010/main" val="3943673360"/>
+        <p14:creationId xmlns:p14="http://schemas.microsoft.com/office/powerpoint/2010/main" val="984044736"/>
+      </p:ext>
+    </p:extLst>
+  </p:cSld>
+  <p:clrMapOvr>
+    <a:masterClrMapping/>
+  </p:clrMapOvr>
+</p:sld>
+</file>
+
+<file path=ppt/slides/slide20.xml><?xml version="1.0" encoding="utf-8"?>
+<p:sld xmlns:a="http://schemas.openxmlformats.org/drawingml/2006/main" xmlns:r="http://schemas.openxmlformats.org/officeDocument/2006/relationships" xmlns:p="http://schemas.openxmlformats.org/presentationml/2006/main">
+  <p:cSld>
+    <p:spTree>
+      <p:nvGrpSpPr>
+        <p:cNvPr id="1" name=""/>
+        <p:cNvGrpSpPr/>
+        <p:nvPr/>
+      </p:nvGrpSpPr>
+      <p:grpSpPr>
+        <a:xfrm>
+          <a:off x="0" y="0"/>
+          <a:ext cx="0" cy="0"/>
+          <a:chOff x="0" y="0"/>
+          <a:chExt cx="0" cy="0"/>
+        </a:xfrm>
+      </p:grpSpPr>
+      <p:sp>
+        <p:nvSpPr>
+          <p:cNvPr id="2" name="Title 1">
+            <a:extLst>
+              <a:ext uri="{FF2B5EF4-FFF2-40B4-BE49-F238E27FC236}">
+                <a16:creationId xmlns:a16="http://schemas.microsoft.com/office/drawing/2014/main" id="{471735B4-6033-4727-A189-1D63F97BD785}"/>
+              </a:ext>
+            </a:extLst>
+          </p:cNvPr>
+          <p:cNvSpPr>
+            <a:spLocks noGrp="1"/>
+          </p:cNvSpPr>
+          <p:nvPr>
+            <p:ph type="title"/>
+          </p:nvPr>
+        </p:nvSpPr>
+        <p:spPr/>
+        <p:txBody>
+          <a:bodyPr/>
+          <a:lstStyle/>
+          <a:p>
+            <a:endParaRPr lang="en-US"/>
+          </a:p>
+        </p:txBody>
+      </p:sp>
+      <p:sp>
+        <p:nvSpPr>
+          <p:cNvPr id="3" name="Content Placeholder 2">
+            <a:extLst>
+              <a:ext uri="{FF2B5EF4-FFF2-40B4-BE49-F238E27FC236}">
+                <a16:creationId xmlns:a16="http://schemas.microsoft.com/office/drawing/2014/main" id="{B720DC06-4000-4238-BE83-1C35DF886A93}"/>
+              </a:ext>
+            </a:extLst>
+          </p:cNvPr>
+          <p:cNvSpPr>
+            <a:spLocks noGrp="1"/>
+          </p:cNvSpPr>
+          <p:nvPr>
+            <p:ph idx="1"/>
+          </p:nvPr>
+        </p:nvSpPr>
+        <p:spPr/>
+        <p:txBody>
+          <a:bodyPr/>
+          <a:lstStyle/>
+          <a:p>
+            <a:endParaRPr lang="en-US"/>
+          </a:p>
+        </p:txBody>
+      </p:sp>
+    </p:spTree>
+    <p:extLst>
+      <p:ext uri="{BB962C8B-B14F-4D97-AF65-F5344CB8AC3E}">
+        <p14:creationId xmlns:p14="http://schemas.microsoft.com/office/powerpoint/2010/main" val="191438340"/>
+      </p:ext>
+    </p:extLst>
+  </p:cSld>
+  <p:clrMapOvr>
+    <a:masterClrMapping/>
+  </p:clrMapOvr>
+</p:sld>
+</file>
+
+<file path=ppt/slides/slide21.xml><?xml version="1.0" encoding="utf-8"?>
+<p:sld xmlns:a="http://schemas.openxmlformats.org/drawingml/2006/main" xmlns:r="http://schemas.openxmlformats.org/officeDocument/2006/relationships" xmlns:p="http://schemas.openxmlformats.org/presentationml/2006/main">
+  <p:cSld>
+    <p:spTree>
+      <p:nvGrpSpPr>
+        <p:cNvPr id="1" name=""/>
+        <p:cNvGrpSpPr/>
+        <p:nvPr/>
+      </p:nvGrpSpPr>
+      <p:grpSpPr>
+        <a:xfrm>
+          <a:off x="0" y="0"/>
+          <a:ext cx="0" cy="0"/>
+          <a:chOff x="0" y="0"/>
+          <a:chExt cx="0" cy="0"/>
+        </a:xfrm>
+      </p:grpSpPr>
+      <p:sp>
+        <p:nvSpPr>
+          <p:cNvPr id="2" name="Title 1">
+            <a:extLst>
+              <a:ext uri="{FF2B5EF4-FFF2-40B4-BE49-F238E27FC236}">
+                <a16:creationId xmlns:a16="http://schemas.microsoft.com/office/drawing/2014/main" id="{19D7858D-73B5-451D-AFC2-7D386720412C}"/>
+              </a:ext>
+            </a:extLst>
+          </p:cNvPr>
+          <p:cNvSpPr>
+            <a:spLocks noGrp="1"/>
+          </p:cNvSpPr>
+          <p:nvPr>
+            <p:ph type="title"/>
+          </p:nvPr>
+        </p:nvSpPr>
+        <p:spPr/>
+        <p:txBody>
+          <a:bodyPr/>
+          <a:lstStyle/>
+          <a:p>
+            <a:endParaRPr lang="en-US"/>
+          </a:p>
+        </p:txBody>
+      </p:sp>
+      <p:sp>
+        <p:nvSpPr>
+          <p:cNvPr id="3" name="Content Placeholder 2">
+            <a:extLst>
+              <a:ext uri="{FF2B5EF4-FFF2-40B4-BE49-F238E27FC236}">
+                <a16:creationId xmlns:a16="http://schemas.microsoft.com/office/drawing/2014/main" id="{CF7A41FB-E544-49F5-857D-92FF76C45E42}"/>
+              </a:ext>
+            </a:extLst>
+          </p:cNvPr>
+          <p:cNvSpPr>
+            <a:spLocks noGrp="1"/>
+          </p:cNvSpPr>
+          <p:nvPr>
+            <p:ph idx="1"/>
+          </p:nvPr>
+        </p:nvSpPr>
+        <p:spPr/>
+        <p:txBody>
+          <a:bodyPr/>
+          <a:lstStyle/>
+          <a:p>
+            <a:endParaRPr lang="en-US"/>
+          </a:p>
+        </p:txBody>
+      </p:sp>
+    </p:spTree>
+    <p:extLst>
+      <p:ext uri="{BB962C8B-B14F-4D97-AF65-F5344CB8AC3E}">
+        <p14:creationId xmlns:p14="http://schemas.microsoft.com/office/powerpoint/2010/main" val="1484918750"/>
       </p:ext>
     </p:extLst>
   </p:cSld>
@@ -3912,6 +4654,42 @@
           <a:chExt cx="0" cy="0"/>
         </a:xfrm>
       </p:grpSpPr>
+      <p:pic>
+        <p:nvPicPr>
+          <p:cNvPr id="5" name="Picture 4">
+            <a:extLst>
+              <a:ext uri="{FF2B5EF4-FFF2-40B4-BE49-F238E27FC236}">
+                <a16:creationId xmlns:a16="http://schemas.microsoft.com/office/drawing/2014/main" id="{C46AABB2-5831-4A52-AF13-31168FECAFD3}"/>
+              </a:ext>
+            </a:extLst>
+          </p:cNvPr>
+          <p:cNvPicPr>
+            <a:picLocks noChangeAspect="1"/>
+          </p:cNvPicPr>
+          <p:nvPr/>
+        </p:nvPicPr>
+        <p:blipFill>
+          <a:blip r:embed="rId2">
+            <a:extLst>
+              <a:ext uri="{28A0092B-C50C-407E-A947-70E740481C1C}">
+                <a14:useLocalDpi xmlns:a14="http://schemas.microsoft.com/office/drawing/2010/main" val="0"/>
+              </a:ext>
+            </a:extLst>
+          </a:blip>
+          <a:stretch>
+            <a:fillRect/>
+          </a:stretch>
+        </p:blipFill>
+        <p:spPr>
+          <a:xfrm>
+            <a:off x="467591" y="3522951"/>
+            <a:ext cx="10973944" cy="3335049"/>
+          </a:xfrm>
+          <a:prstGeom prst="rect">
+            <a:avLst/>
+          </a:prstGeom>
+        </p:spPr>
+      </p:pic>
       <p:sp>
         <p:nvSpPr>
           <p:cNvPr id="2" name="Title 1">
@@ -3933,7 +4711,10 @@
           <a:bodyPr/>
           <a:lstStyle/>
           <a:p>
-            <a:endParaRPr lang="en-US"/>
+            <a:r>
+              <a:rPr lang="en-US" dirty="0"/>
+              <a:t>Software overview</a:t>
+            </a:r>
           </a:p>
         </p:txBody>
       </p:sp>
@@ -3953,15 +4734,79 @@
             <p:ph idx="1"/>
           </p:nvPr>
         </p:nvSpPr>
-        <p:spPr/>
-        <p:txBody>
-          <a:bodyPr/>
-          <a:lstStyle/>
-          <a:p>
-            <a:endParaRPr lang="en-US"/>
-          </a:p>
-        </p:txBody>
-      </p:sp>
+        <p:spPr>
+          <a:xfrm>
+            <a:off x="326472" y="1690688"/>
+            <a:ext cx="10515600" cy="4351338"/>
+          </a:xfrm>
+        </p:spPr>
+        <p:txBody>
+          <a:bodyPr>
+            <a:normAutofit/>
+          </a:bodyPr>
+          <a:lstStyle/>
+          <a:p>
+            <a:r>
+              <a:rPr lang="en-US" dirty="0"/>
+              <a:t>Minimizing computation time</a:t>
+            </a:r>
+          </a:p>
+          <a:p>
+            <a:pPr lvl="1"/>
+            <a:r>
+              <a:rPr lang="en-US" dirty="0"/>
+              <a:t>A tree of jobs</a:t>
+            </a:r>
+          </a:p>
+          <a:p>
+            <a:pPr lvl="1"/>
+            <a:endParaRPr lang="en-US" dirty="0"/>
+          </a:p>
+          <a:p>
+            <a:pPr lvl="1"/>
+            <a:endParaRPr lang="en-US" dirty="0"/>
+          </a:p>
+          <a:p>
+            <a:endParaRPr lang="en-US" dirty="0"/>
+          </a:p>
+        </p:txBody>
+      </p:sp>
+      <p:pic>
+        <p:nvPicPr>
+          <p:cNvPr id="7" name="Picture 6">
+            <a:extLst>
+              <a:ext uri="{FF2B5EF4-FFF2-40B4-BE49-F238E27FC236}">
+                <a16:creationId xmlns:a16="http://schemas.microsoft.com/office/drawing/2014/main" id="{26EF1E42-80D2-43A5-92BF-36BBA92D25B0}"/>
+              </a:ext>
+            </a:extLst>
+          </p:cNvPr>
+          <p:cNvPicPr>
+            <a:picLocks noChangeAspect="1"/>
+          </p:cNvPicPr>
+          <p:nvPr/>
+        </p:nvPicPr>
+        <p:blipFill>
+          <a:blip r:embed="rId3">
+            <a:extLst>
+              <a:ext uri="{28A0092B-C50C-407E-A947-70E740481C1C}">
+                <a14:useLocalDpi xmlns:a14="http://schemas.microsoft.com/office/drawing/2010/main" val="0"/>
+              </a:ext>
+            </a:extLst>
+          </a:blip>
+          <a:stretch>
+            <a:fillRect/>
+          </a:stretch>
+        </p:blipFill>
+        <p:spPr>
+          <a:xfrm>
+            <a:off x="5523809" y="1027906"/>
+            <a:ext cx="6517189" cy="3029975"/>
+          </a:xfrm>
+          <a:prstGeom prst="rect">
+            <a:avLst/>
+          </a:prstGeom>
+        </p:spPr>
+      </p:pic>
     </p:spTree>
     <p:extLst>
       <p:ext uri="{BB962C8B-B14F-4D97-AF65-F5344CB8AC3E}">
@@ -3997,7 +4842,7 @@
           <p:cNvPr id="2" name="Title 1">
             <a:extLst>
               <a:ext uri="{FF2B5EF4-FFF2-40B4-BE49-F238E27FC236}">
-                <a16:creationId xmlns:a16="http://schemas.microsoft.com/office/drawing/2014/main" id="{9C87775C-559D-4E96-9FAB-9904F9A04E19}"/>
+                <a16:creationId xmlns:a16="http://schemas.microsoft.com/office/drawing/2014/main" id="{7BCD65A1-C8C9-4466-9317-79343F78ABE5}"/>
               </a:ext>
             </a:extLst>
           </p:cNvPr>
@@ -4015,7 +4860,7 @@
           <a:p>
             <a:r>
               <a:rPr lang="en-US" dirty="0"/>
-              <a:t>Linux 101</a:t>
+              <a:t>Software overview</a:t>
             </a:r>
           </a:p>
         </p:txBody>
@@ -4025,7 +4870,7 @@
           <p:cNvPr id="3" name="Content Placeholder 2">
             <a:extLst>
               <a:ext uri="{FF2B5EF4-FFF2-40B4-BE49-F238E27FC236}">
-                <a16:creationId xmlns:a16="http://schemas.microsoft.com/office/drawing/2014/main" id="{895A7F71-E7CB-4CD8-A8A1-C163C0F6A6E4}"/>
+                <a16:creationId xmlns:a16="http://schemas.microsoft.com/office/drawing/2014/main" id="{CAFC10A0-D3EE-4689-A712-1066982A2B20}"/>
               </a:ext>
             </a:extLst>
           </p:cNvPr>
@@ -4036,19 +4881,133 @@
             <p:ph idx="1"/>
           </p:nvPr>
         </p:nvSpPr>
-        <p:spPr/>
-        <p:txBody>
-          <a:bodyPr/>
-          <a:lstStyle/>
-          <a:p>
-            <a:endParaRPr lang="en-US"/>
-          </a:p>
-        </p:txBody>
-      </p:sp>
+        <p:spPr>
+          <a:xfrm>
+            <a:off x="326472" y="1690688"/>
+            <a:ext cx="10515600" cy="4351338"/>
+          </a:xfrm>
+        </p:spPr>
+        <p:txBody>
+          <a:bodyPr>
+            <a:normAutofit/>
+          </a:bodyPr>
+          <a:lstStyle/>
+          <a:p>
+            <a:r>
+              <a:rPr lang="en-US" dirty="0">
+                <a:solidFill>
+                  <a:schemeClr val="bg2">
+                    <a:lumMod val="75000"/>
+                  </a:schemeClr>
+                </a:solidFill>
+              </a:rPr>
+              <a:t>Minimizing computation time</a:t>
+            </a:r>
+          </a:p>
+          <a:p>
+            <a:pPr lvl="1"/>
+            <a:r>
+              <a:rPr lang="en-US" dirty="0">
+                <a:solidFill>
+                  <a:schemeClr val="bg2">
+                    <a:lumMod val="75000"/>
+                  </a:schemeClr>
+                </a:solidFill>
+              </a:rPr>
+              <a:t>A tree of sub-jobs</a:t>
+            </a:r>
+          </a:p>
+          <a:p>
+            <a:r>
+              <a:rPr lang="en-US" dirty="0"/>
+              <a:t>Creating user-friendly interface</a:t>
+            </a:r>
+          </a:p>
+          <a:p>
+            <a:pPr lvl="1"/>
+            <a:r>
+              <a:rPr lang="en-US" dirty="0"/>
+              <a:t>Online documentation</a:t>
+            </a:r>
+          </a:p>
+          <a:p>
+            <a:pPr lvl="2"/>
+            <a:r>
+              <a:rPr lang="en-US" dirty="0">
+                <a:hlinkClick r:id="rId2"/>
+              </a:rPr>
+              <a:t>https://hemtools.readthedocs.io</a:t>
+            </a:r>
+            <a:endParaRPr lang="en-US" dirty="0"/>
+          </a:p>
+          <a:p>
+            <a:pPr lvl="1"/>
+            <a:r>
+              <a:rPr lang="en-US" dirty="0"/>
+              <a:t>Email notification system</a:t>
+            </a:r>
+          </a:p>
+          <a:p>
+            <a:pPr lvl="1"/>
+            <a:r>
+              <a:rPr lang="en-US" dirty="0"/>
+              <a:t>Bug/Error notification system</a:t>
+            </a:r>
+          </a:p>
+          <a:p>
+            <a:pPr lvl="1"/>
+            <a:r>
+              <a:rPr lang="en-US" dirty="0"/>
+              <a:t>Visually-appealing reports</a:t>
+            </a:r>
+          </a:p>
+          <a:p>
+            <a:pPr lvl="1"/>
+            <a:endParaRPr lang="en-US" dirty="0"/>
+          </a:p>
+          <a:p>
+            <a:pPr lvl="1"/>
+            <a:endParaRPr lang="en-US" dirty="0"/>
+          </a:p>
+          <a:p>
+            <a:endParaRPr lang="en-US" dirty="0"/>
+          </a:p>
+        </p:txBody>
+      </p:sp>
+      <p:pic>
+        <p:nvPicPr>
+          <p:cNvPr id="6" name="Picture 5">
+            <a:extLst>
+              <a:ext uri="{FF2B5EF4-FFF2-40B4-BE49-F238E27FC236}">
+                <a16:creationId xmlns:a16="http://schemas.microsoft.com/office/drawing/2014/main" id="{C4BC0805-761C-48CC-9798-69B82DD7EE93}"/>
+              </a:ext>
+            </a:extLst>
+          </p:cNvPr>
+          <p:cNvPicPr>
+            <a:picLocks noChangeAspect="1"/>
+          </p:cNvPicPr>
+          <p:nvPr/>
+        </p:nvPicPr>
+        <p:blipFill>
+          <a:blip r:embed="rId3"/>
+          <a:stretch>
+            <a:fillRect/>
+          </a:stretch>
+        </p:blipFill>
+        <p:spPr>
+          <a:xfrm>
+            <a:off x="6255391" y="365125"/>
+            <a:ext cx="5264996" cy="3807119"/>
+          </a:xfrm>
+          <a:prstGeom prst="rect">
+            <a:avLst/>
+          </a:prstGeom>
+        </p:spPr>
+      </p:pic>
     </p:spTree>
     <p:extLst>
       <p:ext uri="{BB962C8B-B14F-4D97-AF65-F5344CB8AC3E}">
-        <p14:creationId xmlns:p14="http://schemas.microsoft.com/office/powerpoint/2010/main" val="646229792"/>
+        <p14:creationId xmlns:p14="http://schemas.microsoft.com/office/powerpoint/2010/main" val="199578239"/>
       </p:ext>
     </p:extLst>
   </p:cSld>
@@ -4080,7 +5039,7 @@
           <p:cNvPr id="2" name="Title 1">
             <a:extLst>
               <a:ext uri="{FF2B5EF4-FFF2-40B4-BE49-F238E27FC236}">
-                <a16:creationId xmlns:a16="http://schemas.microsoft.com/office/drawing/2014/main" id="{BF30E243-E41F-4AB6-811E-7D3D625BE204}"/>
+                <a16:creationId xmlns:a16="http://schemas.microsoft.com/office/drawing/2014/main" id="{7BCD65A1-C8C9-4466-9317-79343F78ABE5}"/>
               </a:ext>
             </a:extLst>
           </p:cNvPr>
@@ -4096,7 +5055,10 @@
           <a:bodyPr/>
           <a:lstStyle/>
           <a:p>
-            <a:endParaRPr lang="en-US"/>
+            <a:r>
+              <a:rPr lang="en-US" dirty="0"/>
+              <a:t>Software overview</a:t>
+            </a:r>
           </a:p>
         </p:txBody>
       </p:sp>
@@ -4105,7 +5067,7 @@
           <p:cNvPr id="3" name="Content Placeholder 2">
             <a:extLst>
               <a:ext uri="{FF2B5EF4-FFF2-40B4-BE49-F238E27FC236}">
-                <a16:creationId xmlns:a16="http://schemas.microsoft.com/office/drawing/2014/main" id="{B7EFCA1B-4EFB-434E-8F89-D1DB1B0FCB82}"/>
+                <a16:creationId xmlns:a16="http://schemas.microsoft.com/office/drawing/2014/main" id="{CAFC10A0-D3EE-4689-A712-1066982A2B20}"/>
               </a:ext>
             </a:extLst>
           </p:cNvPr>
@@ -4116,19 +5078,170 @@
             <p:ph idx="1"/>
           </p:nvPr>
         </p:nvSpPr>
-        <p:spPr/>
-        <p:txBody>
-          <a:bodyPr/>
-          <a:lstStyle/>
-          <a:p>
-            <a:endParaRPr lang="en-US"/>
+        <p:spPr>
+          <a:xfrm>
+            <a:off x="326472" y="1715855"/>
+            <a:ext cx="10515600" cy="4351338"/>
+          </a:xfrm>
+        </p:spPr>
+        <p:txBody>
+          <a:bodyPr>
+            <a:normAutofit lnSpcReduction="10000"/>
+          </a:bodyPr>
+          <a:lstStyle/>
+          <a:p>
+            <a:r>
+              <a:rPr lang="en-US" dirty="0">
+                <a:solidFill>
+                  <a:schemeClr val="bg2">
+                    <a:lumMod val="75000"/>
+                  </a:schemeClr>
+                </a:solidFill>
+              </a:rPr>
+              <a:t>Minimizing computation time</a:t>
+            </a:r>
+          </a:p>
+          <a:p>
+            <a:pPr lvl="1"/>
+            <a:r>
+              <a:rPr lang="en-US" dirty="0">
+                <a:solidFill>
+                  <a:schemeClr val="bg2">
+                    <a:lumMod val="75000"/>
+                  </a:schemeClr>
+                </a:solidFill>
+              </a:rPr>
+              <a:t>A tree of sub-jobs</a:t>
+            </a:r>
+          </a:p>
+          <a:p>
+            <a:r>
+              <a:rPr lang="en-US" dirty="0">
+                <a:solidFill>
+                  <a:schemeClr val="bg2">
+                    <a:lumMod val="75000"/>
+                  </a:schemeClr>
+                </a:solidFill>
+              </a:rPr>
+              <a:t>Creating user-friendly interface</a:t>
+            </a:r>
+          </a:p>
+          <a:p>
+            <a:pPr lvl="1"/>
+            <a:r>
+              <a:rPr lang="en-US" dirty="0">
+                <a:solidFill>
+                  <a:schemeClr val="bg2">
+                    <a:lumMod val="75000"/>
+                  </a:schemeClr>
+                </a:solidFill>
+              </a:rPr>
+              <a:t>Online documentation</a:t>
+            </a:r>
+          </a:p>
+          <a:p>
+            <a:pPr lvl="2"/>
+            <a:r>
+              <a:rPr lang="en-US" dirty="0">
+                <a:solidFill>
+                  <a:schemeClr val="bg2">
+                    <a:lumMod val="75000"/>
+                  </a:schemeClr>
+                </a:solidFill>
+                <a:hlinkClick r:id="rId2">
+                  <a:extLst>
+                    <a:ext uri="{A12FA001-AC4F-418D-AE19-62706E023703}">
+                      <ahyp:hlinkClr xmlns:ahyp="http://schemas.microsoft.com/office/drawing/2018/hyperlinkcolor" val="tx"/>
+                    </a:ext>
+                  </a:extLst>
+                </a:hlinkClick>
+              </a:rPr>
+              <a:t>https://hemtools.readthedocs.io</a:t>
+            </a:r>
+            <a:endParaRPr lang="en-US" dirty="0">
+              <a:solidFill>
+                <a:schemeClr val="bg2">
+                  <a:lumMod val="75000"/>
+                </a:schemeClr>
+              </a:solidFill>
+            </a:endParaRPr>
+          </a:p>
+          <a:p>
+            <a:pPr lvl="1"/>
+            <a:r>
+              <a:rPr lang="en-US" dirty="0">
+                <a:solidFill>
+                  <a:schemeClr val="bg2">
+                    <a:lumMod val="75000"/>
+                  </a:schemeClr>
+                </a:solidFill>
+              </a:rPr>
+              <a:t>Email notification system</a:t>
+            </a:r>
+          </a:p>
+          <a:p>
+            <a:pPr lvl="1"/>
+            <a:r>
+              <a:rPr lang="en-US" dirty="0">
+                <a:solidFill>
+                  <a:schemeClr val="bg2">
+                    <a:lumMod val="75000"/>
+                  </a:schemeClr>
+                </a:solidFill>
+              </a:rPr>
+              <a:t>Bug/Error notification system</a:t>
+            </a:r>
+          </a:p>
+          <a:p>
+            <a:pPr lvl="1"/>
+            <a:r>
+              <a:rPr lang="en-US" dirty="0">
+                <a:solidFill>
+                  <a:schemeClr val="bg2">
+                    <a:lumMod val="75000"/>
+                  </a:schemeClr>
+                </a:solidFill>
+              </a:rPr>
+              <a:t>Visually-appealing reports</a:t>
+            </a:r>
+          </a:p>
+          <a:p>
+            <a:r>
+              <a:rPr lang="en-US" dirty="0"/>
+              <a:t>Reducing user’s mental effort  </a:t>
+            </a:r>
+          </a:p>
+          <a:p>
+            <a:pPr lvl="1"/>
+            <a:r>
+              <a:rPr lang="en-US" dirty="0"/>
+              <a:t>Free of installation</a:t>
+            </a:r>
+          </a:p>
+          <a:p>
+            <a:pPr lvl="1"/>
+            <a:r>
+              <a:rPr lang="en-US" dirty="0"/>
+              <a:t>Simple input files preparation</a:t>
+            </a:r>
+          </a:p>
+          <a:p>
+            <a:pPr lvl="1"/>
+            <a:endParaRPr lang="en-US" dirty="0"/>
+          </a:p>
+          <a:p>
+            <a:pPr lvl="1"/>
+            <a:endParaRPr lang="en-US" dirty="0"/>
+          </a:p>
+          <a:p>
+            <a:endParaRPr lang="en-US" dirty="0"/>
           </a:p>
         </p:txBody>
       </p:sp>
     </p:spTree>
     <p:extLst>
       <p:ext uri="{BB962C8B-B14F-4D97-AF65-F5344CB8AC3E}">
-        <p14:creationId xmlns:p14="http://schemas.microsoft.com/office/powerpoint/2010/main" val="3678665510"/>
+        <p14:creationId xmlns:p14="http://schemas.microsoft.com/office/powerpoint/2010/main" val="456748884"/>
       </p:ext>
     </p:extLst>
   </p:cSld>
@@ -4160,7 +5273,7 @@
           <p:cNvPr id="2" name="Title 1">
             <a:extLst>
               <a:ext uri="{FF2B5EF4-FFF2-40B4-BE49-F238E27FC236}">
-                <a16:creationId xmlns:a16="http://schemas.microsoft.com/office/drawing/2014/main" id="{2410D0D2-75EB-48A5-B504-0D0356EB6C4E}"/>
+                <a16:creationId xmlns:a16="http://schemas.microsoft.com/office/drawing/2014/main" id="{15AD1A34-A8B2-48D0-951F-79751EADEEC7}"/>
               </a:ext>
             </a:extLst>
           </p:cNvPr>
@@ -4178,7 +5291,7 @@
           <a:p>
             <a:r>
               <a:rPr lang="en-US" dirty="0"/>
-              <a:t>CUT &amp; RUN example</a:t>
+              <a:t>General principles</a:t>
             </a:r>
           </a:p>
         </p:txBody>
@@ -4188,7 +5301,7 @@
           <p:cNvPr id="3" name="Content Placeholder 2">
             <a:extLst>
               <a:ext uri="{FF2B5EF4-FFF2-40B4-BE49-F238E27FC236}">
-                <a16:creationId xmlns:a16="http://schemas.microsoft.com/office/drawing/2014/main" id="{91415104-750D-4A71-81EE-175E2AFCC880}"/>
+                <a16:creationId xmlns:a16="http://schemas.microsoft.com/office/drawing/2014/main" id="{0BBFE8CB-EE31-4B7B-8AD9-AC66241D81BD}"/>
               </a:ext>
             </a:extLst>
           </p:cNvPr>
@@ -4204,14 +5317,302 @@
           <a:bodyPr/>
           <a:lstStyle/>
           <a:p>
-            <a:endParaRPr lang="en-US"/>
+            <a:r>
+              <a:rPr lang="en-US" dirty="0"/>
+              <a:t>Command format</a:t>
+            </a:r>
+          </a:p>
+          <a:p>
+            <a:pPr lvl="1"/>
+            <a:r>
+              <a:rPr lang="en-US" dirty="0" err="1"/>
+              <a:t>HemTools</a:t>
+            </a:r>
+            <a:r>
+              <a:rPr lang="en-US" dirty="0"/>
+              <a:t>   </a:t>
+            </a:r>
+            <a:r>
+              <a:rPr lang="en-US" dirty="0" err="1"/>
+              <a:t>subcmd</a:t>
+            </a:r>
+            <a:r>
+              <a:rPr lang="en-US" dirty="0"/>
+              <a:t>   </a:t>
+            </a:r>
+            <a:r>
+              <a:rPr lang="en-US" dirty="0" err="1"/>
+              <a:t>some_required_parameters</a:t>
+            </a:r>
+            <a:br>
+              <a:rPr lang="en-US" dirty="0"/>
+            </a:br>
+            <a:endParaRPr lang="en-US" dirty="0"/>
+          </a:p>
+          <a:p>
+            <a:pPr lvl="1"/>
+            <a:r>
+              <a:rPr lang="en-US" sz="1800" dirty="0" err="1">
+                <a:latin typeface="Consolas" panose="020B0609020204030204" pitchFamily="49" charset="0"/>
+                <a:cs typeface="Consolas" panose="020B0609020204030204" pitchFamily="49" charset="0"/>
+              </a:rPr>
+              <a:t>HemTools</a:t>
+            </a:r>
+            <a:r>
+              <a:rPr lang="en-US" sz="1800" dirty="0">
+                <a:latin typeface="Consolas" panose="020B0609020204030204" pitchFamily="49" charset="0"/>
+                <a:cs typeface="Consolas" panose="020B0609020204030204" pitchFamily="49" charset="0"/>
+              </a:rPr>
+              <a:t> </a:t>
+            </a:r>
+            <a:r>
+              <a:rPr lang="en-US" sz="1800" dirty="0" err="1">
+                <a:latin typeface="Consolas" panose="020B0609020204030204" pitchFamily="49" charset="0"/>
+                <a:cs typeface="Consolas" panose="020B0609020204030204" pitchFamily="49" charset="0"/>
+              </a:rPr>
+              <a:t>atac_seq</a:t>
+            </a:r>
+            <a:r>
+              <a:rPr lang="en-US" sz="1800" dirty="0">
+                <a:latin typeface="Consolas" panose="020B0609020204030204" pitchFamily="49" charset="0"/>
+                <a:cs typeface="Consolas" panose="020B0609020204030204" pitchFamily="49" charset="0"/>
+              </a:rPr>
+              <a:t> -f </a:t>
+            </a:r>
+            <a:r>
+              <a:rPr lang="en-US" sz="1800" dirty="0" err="1">
+                <a:latin typeface="Consolas" panose="020B0609020204030204" pitchFamily="49" charset="0"/>
+                <a:cs typeface="Consolas" panose="020B0609020204030204" pitchFamily="49" charset="0"/>
+              </a:rPr>
+              <a:t>fastq.tsv</a:t>
+            </a:r>
+            <a:br>
+              <a:rPr lang="en-US" sz="1800" dirty="0">
+                <a:latin typeface="Consolas" panose="020B0609020204030204" pitchFamily="49" charset="0"/>
+                <a:cs typeface="Consolas" panose="020B0609020204030204" pitchFamily="49" charset="0"/>
+              </a:rPr>
+            </a:br>
+            <a:endParaRPr lang="en-US" sz="1800" dirty="0">
+              <a:latin typeface="Consolas" panose="020B0609020204030204" pitchFamily="49" charset="0"/>
+              <a:cs typeface="Consolas" panose="020B0609020204030204" pitchFamily="49" charset="0"/>
+            </a:endParaRPr>
+          </a:p>
+          <a:p>
+            <a:pPr lvl="1"/>
+            <a:r>
+              <a:rPr lang="en-US" sz="1800" dirty="0" err="1">
+                <a:latin typeface="Consolas" panose="020B0609020204030204" pitchFamily="49" charset="0"/>
+                <a:cs typeface="Consolas" panose="020B0609020204030204" pitchFamily="49" charset="0"/>
+              </a:rPr>
+              <a:t>HemTools</a:t>
+            </a:r>
+            <a:r>
+              <a:rPr lang="en-US" sz="1800" dirty="0">
+                <a:latin typeface="Consolas" panose="020B0609020204030204" pitchFamily="49" charset="0"/>
+                <a:cs typeface="Consolas" panose="020B0609020204030204" pitchFamily="49" charset="0"/>
+              </a:rPr>
+              <a:t> </a:t>
+            </a:r>
+            <a:r>
+              <a:rPr lang="en-US" sz="1800" dirty="0" err="1">
+                <a:latin typeface="Consolas" panose="020B0609020204030204" pitchFamily="49" charset="0"/>
+                <a:cs typeface="Consolas" panose="020B0609020204030204" pitchFamily="49" charset="0"/>
+              </a:rPr>
+              <a:t>cut_run</a:t>
+            </a:r>
+            <a:r>
+              <a:rPr lang="en-US" sz="1800" dirty="0">
+                <a:latin typeface="Consolas" panose="020B0609020204030204" pitchFamily="49" charset="0"/>
+                <a:cs typeface="Consolas" panose="020B0609020204030204" pitchFamily="49" charset="0"/>
+              </a:rPr>
+              <a:t> -f </a:t>
+            </a:r>
+            <a:r>
+              <a:rPr lang="en-US" sz="1800" dirty="0" err="1">
+                <a:latin typeface="Consolas" panose="020B0609020204030204" pitchFamily="49" charset="0"/>
+                <a:cs typeface="Consolas" panose="020B0609020204030204" pitchFamily="49" charset="0"/>
+              </a:rPr>
+              <a:t>fastq.tsv</a:t>
+            </a:r>
+            <a:r>
+              <a:rPr lang="en-US" sz="1800" dirty="0">
+                <a:latin typeface="Consolas" panose="020B0609020204030204" pitchFamily="49" charset="0"/>
+                <a:cs typeface="Consolas" panose="020B0609020204030204" pitchFamily="49" charset="0"/>
+              </a:rPr>
+              <a:t> -d </a:t>
+            </a:r>
+            <a:r>
+              <a:rPr lang="en-US" sz="1800" dirty="0" err="1">
+                <a:latin typeface="Consolas" panose="020B0609020204030204" pitchFamily="49" charset="0"/>
+                <a:cs typeface="Consolas" panose="020B0609020204030204" pitchFamily="49" charset="0"/>
+              </a:rPr>
+              <a:t>peakcall.tsv</a:t>
+            </a:r>
+            <a:br>
+              <a:rPr lang="en-US" sz="1800" dirty="0">
+                <a:latin typeface="Consolas" panose="020B0609020204030204" pitchFamily="49" charset="0"/>
+                <a:cs typeface="Consolas" panose="020B0609020204030204" pitchFamily="49" charset="0"/>
+              </a:rPr>
+            </a:br>
+            <a:endParaRPr lang="en-US" sz="1800" dirty="0">
+              <a:latin typeface="Consolas" panose="020B0609020204030204" pitchFamily="49" charset="0"/>
+              <a:cs typeface="Consolas" panose="020B0609020204030204" pitchFamily="49" charset="0"/>
+            </a:endParaRPr>
+          </a:p>
+          <a:p>
+            <a:pPr lvl="1"/>
+            <a:r>
+              <a:rPr lang="en-US" sz="1800" dirty="0" err="1">
+                <a:latin typeface="Consolas" panose="020B0609020204030204" pitchFamily="49" charset="0"/>
+                <a:cs typeface="Consolas" panose="020B0609020204030204" pitchFamily="49" charset="0"/>
+              </a:rPr>
+              <a:t>HemTools</a:t>
+            </a:r>
+            <a:r>
+              <a:rPr lang="en-US" sz="1800" dirty="0">
+                <a:latin typeface="Consolas" panose="020B0609020204030204" pitchFamily="49" charset="0"/>
+                <a:cs typeface="Consolas" panose="020B0609020204030204" pitchFamily="49" charset="0"/>
+              </a:rPr>
+              <a:t> </a:t>
+            </a:r>
+            <a:r>
+              <a:rPr lang="en-US" sz="1800" dirty="0" err="1">
+                <a:latin typeface="Consolas" panose="020B0609020204030204" pitchFamily="49" charset="0"/>
+                <a:cs typeface="Consolas" panose="020B0609020204030204" pitchFamily="49" charset="0"/>
+              </a:rPr>
+              <a:t>chip_seq_single</a:t>
+            </a:r>
+            <a:r>
+              <a:rPr lang="en-US" sz="1800" dirty="0">
+                <a:latin typeface="Consolas" panose="020B0609020204030204" pitchFamily="49" charset="0"/>
+                <a:cs typeface="Consolas" panose="020B0609020204030204" pitchFamily="49" charset="0"/>
+              </a:rPr>
+              <a:t> -f </a:t>
+            </a:r>
+            <a:r>
+              <a:rPr lang="en-US" sz="1800" dirty="0" err="1">
+                <a:latin typeface="Consolas" panose="020B0609020204030204" pitchFamily="49" charset="0"/>
+                <a:cs typeface="Consolas" panose="020B0609020204030204" pitchFamily="49" charset="0"/>
+              </a:rPr>
+              <a:t>fastq.tsv</a:t>
+            </a:r>
+            <a:r>
+              <a:rPr lang="en-US" sz="1800" dirty="0">
+                <a:latin typeface="Consolas" panose="020B0609020204030204" pitchFamily="49" charset="0"/>
+                <a:cs typeface="Consolas" panose="020B0609020204030204" pitchFamily="49" charset="0"/>
+              </a:rPr>
+              <a:t> -d </a:t>
+            </a:r>
+            <a:r>
+              <a:rPr lang="en-US" sz="1800" dirty="0" err="1">
+                <a:latin typeface="Consolas" panose="020B0609020204030204" pitchFamily="49" charset="0"/>
+                <a:cs typeface="Consolas" panose="020B0609020204030204" pitchFamily="49" charset="0"/>
+              </a:rPr>
+              <a:t>peakcall.tsv</a:t>
+            </a:r>
+            <a:br>
+              <a:rPr lang="en-US" sz="1800" dirty="0">
+                <a:latin typeface="Consolas" panose="020B0609020204030204" pitchFamily="49" charset="0"/>
+                <a:cs typeface="Consolas" panose="020B0609020204030204" pitchFamily="49" charset="0"/>
+              </a:rPr>
+            </a:br>
+            <a:endParaRPr lang="en-US" sz="1800" dirty="0">
+              <a:latin typeface="Consolas" panose="020B0609020204030204" pitchFamily="49" charset="0"/>
+              <a:cs typeface="Consolas" panose="020B0609020204030204" pitchFamily="49" charset="0"/>
+            </a:endParaRPr>
+          </a:p>
+          <a:p>
+            <a:pPr lvl="1"/>
+            <a:r>
+              <a:rPr lang="en-US" sz="1800" dirty="0" err="1">
+                <a:latin typeface="Consolas" panose="020B0609020204030204" pitchFamily="49" charset="0"/>
+                <a:cs typeface="Consolas" panose="020B0609020204030204" pitchFamily="49" charset="0"/>
+              </a:rPr>
+              <a:t>HemTools</a:t>
+            </a:r>
+            <a:r>
+              <a:rPr lang="en-US" sz="1800" dirty="0">
+                <a:latin typeface="Consolas" panose="020B0609020204030204" pitchFamily="49" charset="0"/>
+                <a:cs typeface="Consolas" panose="020B0609020204030204" pitchFamily="49" charset="0"/>
+              </a:rPr>
+              <a:t> </a:t>
+            </a:r>
+            <a:r>
+              <a:rPr lang="en-US" sz="1800" dirty="0" err="1">
+                <a:latin typeface="Consolas" panose="020B0609020204030204" pitchFamily="49" charset="0"/>
+                <a:cs typeface="Consolas" panose="020B0609020204030204" pitchFamily="49" charset="0"/>
+              </a:rPr>
+              <a:t>chip_seq_pair</a:t>
+            </a:r>
+            <a:r>
+              <a:rPr lang="en-US" sz="1800" dirty="0">
+                <a:latin typeface="Consolas" panose="020B0609020204030204" pitchFamily="49" charset="0"/>
+                <a:cs typeface="Consolas" panose="020B0609020204030204" pitchFamily="49" charset="0"/>
+              </a:rPr>
+              <a:t> -f </a:t>
+            </a:r>
+            <a:r>
+              <a:rPr lang="en-US" sz="1800" dirty="0" err="1">
+                <a:latin typeface="Consolas" panose="020B0609020204030204" pitchFamily="49" charset="0"/>
+                <a:cs typeface="Consolas" panose="020B0609020204030204" pitchFamily="49" charset="0"/>
+              </a:rPr>
+              <a:t>fastq.tsv</a:t>
+            </a:r>
+            <a:r>
+              <a:rPr lang="en-US" sz="1800" dirty="0">
+                <a:latin typeface="Consolas" panose="020B0609020204030204" pitchFamily="49" charset="0"/>
+                <a:cs typeface="Consolas" panose="020B0609020204030204" pitchFamily="49" charset="0"/>
+              </a:rPr>
+              <a:t> -d </a:t>
+            </a:r>
+            <a:r>
+              <a:rPr lang="en-US" sz="1800" dirty="0" err="1">
+                <a:latin typeface="Consolas" panose="020B0609020204030204" pitchFamily="49" charset="0"/>
+                <a:cs typeface="Consolas" panose="020B0609020204030204" pitchFamily="49" charset="0"/>
+              </a:rPr>
+              <a:t>peakcall.tsv</a:t>
+            </a:r>
+            <a:endParaRPr lang="en-US" sz="1800" dirty="0">
+              <a:latin typeface="Consolas" panose="020B0609020204030204" pitchFamily="49" charset="0"/>
+              <a:cs typeface="Consolas" panose="020B0609020204030204" pitchFamily="49" charset="0"/>
+            </a:endParaRPr>
+          </a:p>
+          <a:p>
+            <a:pPr lvl="1"/>
+            <a:endParaRPr lang="en-US" sz="1800" dirty="0">
+              <a:highlight>
+                <a:srgbClr val="C0C0C0"/>
+              </a:highlight>
+              <a:latin typeface="Consolas" panose="020B0609020204030204" pitchFamily="49" charset="0"/>
+              <a:cs typeface="Consolas" panose="020B0609020204030204" pitchFamily="49" charset="0"/>
+            </a:endParaRPr>
+          </a:p>
+          <a:p>
+            <a:pPr lvl="1"/>
+            <a:r>
+              <a:rPr lang="en-US" sz="1800" dirty="0" err="1">
+                <a:latin typeface="Consolas" panose="020B0609020204030204" pitchFamily="49" charset="0"/>
+                <a:cs typeface="Consolas" panose="020B0609020204030204" pitchFamily="49" charset="0"/>
+              </a:rPr>
+              <a:t>Subcmd</a:t>
+            </a:r>
+            <a:r>
+              <a:rPr lang="en-US" sz="1800" dirty="0">
+                <a:latin typeface="Consolas" panose="020B0609020204030204" pitchFamily="49" charset="0"/>
+                <a:cs typeface="Consolas" panose="020B0609020204030204" pitchFamily="49" charset="0"/>
+              </a:rPr>
+              <a:t> is case-insensitive</a:t>
+            </a:r>
+          </a:p>
+          <a:p>
+            <a:endParaRPr lang="en-US" dirty="0"/>
           </a:p>
         </p:txBody>
       </p:sp>
     </p:spTree>
     <p:extLst>
       <p:ext uri="{BB962C8B-B14F-4D97-AF65-F5344CB8AC3E}">
-        <p14:creationId xmlns:p14="http://schemas.microsoft.com/office/powerpoint/2010/main" val="1367050823"/>
+        <p14:creationId xmlns:p14="http://schemas.microsoft.com/office/powerpoint/2010/main" val="2098964821"/>
       </p:ext>
     </p:extLst>
   </p:cSld>
@@ -4243,7 +5644,7 @@
           <p:cNvPr id="2" name="Title 1">
             <a:extLst>
               <a:ext uri="{FF2B5EF4-FFF2-40B4-BE49-F238E27FC236}">
-                <a16:creationId xmlns:a16="http://schemas.microsoft.com/office/drawing/2014/main" id="{4D1A330E-AB09-43E6-BBA1-E89C7300DB1C}"/>
+                <a16:creationId xmlns:a16="http://schemas.microsoft.com/office/drawing/2014/main" id="{15AD1A34-A8B2-48D0-951F-79751EADEEC7}"/>
               </a:ext>
             </a:extLst>
           </p:cNvPr>
@@ -4259,7 +5660,10 @@
           <a:bodyPr/>
           <a:lstStyle/>
           <a:p>
-            <a:endParaRPr lang="en-US"/>
+            <a:r>
+              <a:rPr lang="en-US" dirty="0"/>
+              <a:t>General principles</a:t>
+            </a:r>
           </a:p>
         </p:txBody>
       </p:sp>
@@ -4268,7 +5672,7 @@
           <p:cNvPr id="3" name="Content Placeholder 2">
             <a:extLst>
               <a:ext uri="{FF2B5EF4-FFF2-40B4-BE49-F238E27FC236}">
-                <a16:creationId xmlns:a16="http://schemas.microsoft.com/office/drawing/2014/main" id="{9579253A-45A7-4238-AAE0-6946A8093D51}"/>
+                <a16:creationId xmlns:a16="http://schemas.microsoft.com/office/drawing/2014/main" id="{0BBFE8CB-EE31-4B7B-8AD9-AC66241D81BD}"/>
               </a:ext>
             </a:extLst>
           </p:cNvPr>
@@ -4284,14 +5688,397 @@
           <a:bodyPr/>
           <a:lstStyle/>
           <a:p>
-            <a:endParaRPr lang="en-US"/>
+            <a:r>
+              <a:rPr lang="en-US" dirty="0"/>
+              <a:t>Command format</a:t>
+            </a:r>
+          </a:p>
+          <a:p>
+            <a:pPr lvl="1"/>
+            <a:r>
+              <a:rPr lang="en-US" sz="1800" dirty="0" err="1">
+                <a:latin typeface="Consolas" panose="020B0609020204030204" pitchFamily="49" charset="0"/>
+                <a:cs typeface="Consolas" panose="020B0609020204030204" pitchFamily="49" charset="0"/>
+              </a:rPr>
+              <a:t>HemTools</a:t>
+            </a:r>
+            <a:r>
+              <a:rPr lang="en-US" sz="1800" dirty="0">
+                <a:latin typeface="Consolas" panose="020B0609020204030204" pitchFamily="49" charset="0"/>
+                <a:cs typeface="Consolas" panose="020B0609020204030204" pitchFamily="49" charset="0"/>
+              </a:rPr>
+              <a:t> </a:t>
+            </a:r>
+            <a:r>
+              <a:rPr lang="en-US" sz="1800" dirty="0" err="1">
+                <a:latin typeface="Consolas" panose="020B0609020204030204" pitchFamily="49" charset="0"/>
+                <a:cs typeface="Consolas" panose="020B0609020204030204" pitchFamily="49" charset="0"/>
+              </a:rPr>
+              <a:t>atac_seq</a:t>
+            </a:r>
+            <a:r>
+              <a:rPr lang="en-US" sz="1800" dirty="0">
+                <a:latin typeface="Consolas" panose="020B0609020204030204" pitchFamily="49" charset="0"/>
+                <a:cs typeface="Consolas" panose="020B0609020204030204" pitchFamily="49" charset="0"/>
+              </a:rPr>
+              <a:t> -f </a:t>
+            </a:r>
+            <a:r>
+              <a:rPr lang="en-US" sz="1800" dirty="0" err="1">
+                <a:latin typeface="Consolas" panose="020B0609020204030204" pitchFamily="49" charset="0"/>
+                <a:cs typeface="Consolas" panose="020B0609020204030204" pitchFamily="49" charset="0"/>
+              </a:rPr>
+              <a:t>fastq.tsv</a:t>
+            </a:r>
+            <a:endParaRPr lang="en-US" sz="1800" dirty="0">
+              <a:latin typeface="Consolas" panose="020B0609020204030204" pitchFamily="49" charset="0"/>
+              <a:cs typeface="Consolas" panose="020B0609020204030204" pitchFamily="49" charset="0"/>
+            </a:endParaRPr>
+          </a:p>
+          <a:p>
+            <a:pPr lvl="1"/>
+            <a:r>
+              <a:rPr lang="en-US" sz="1800" dirty="0" err="1">
+                <a:latin typeface="Consolas" panose="020B0609020204030204" pitchFamily="49" charset="0"/>
+                <a:cs typeface="Consolas" panose="020B0609020204030204" pitchFamily="49" charset="0"/>
+              </a:rPr>
+              <a:t>HemTools</a:t>
+            </a:r>
+            <a:r>
+              <a:rPr lang="en-US" sz="1800" dirty="0">
+                <a:latin typeface="Consolas" panose="020B0609020204030204" pitchFamily="49" charset="0"/>
+                <a:cs typeface="Consolas" panose="020B0609020204030204" pitchFamily="49" charset="0"/>
+              </a:rPr>
+              <a:t> </a:t>
+            </a:r>
+            <a:r>
+              <a:rPr lang="en-US" sz="1800" dirty="0" err="1">
+                <a:latin typeface="Consolas" panose="020B0609020204030204" pitchFamily="49" charset="0"/>
+                <a:cs typeface="Consolas" panose="020B0609020204030204" pitchFamily="49" charset="0"/>
+              </a:rPr>
+              <a:t>cut_run</a:t>
+            </a:r>
+            <a:r>
+              <a:rPr lang="en-US" sz="1800" dirty="0">
+                <a:latin typeface="Consolas" panose="020B0609020204030204" pitchFamily="49" charset="0"/>
+                <a:cs typeface="Consolas" panose="020B0609020204030204" pitchFamily="49" charset="0"/>
+              </a:rPr>
+              <a:t> -f </a:t>
+            </a:r>
+            <a:r>
+              <a:rPr lang="en-US" sz="1800" dirty="0" err="1">
+                <a:latin typeface="Consolas" panose="020B0609020204030204" pitchFamily="49" charset="0"/>
+                <a:cs typeface="Consolas" panose="020B0609020204030204" pitchFamily="49" charset="0"/>
+              </a:rPr>
+              <a:t>fastq.tsv</a:t>
+            </a:r>
+            <a:r>
+              <a:rPr lang="en-US" sz="1800" dirty="0">
+                <a:latin typeface="Consolas" panose="020B0609020204030204" pitchFamily="49" charset="0"/>
+                <a:cs typeface="Consolas" panose="020B0609020204030204" pitchFamily="49" charset="0"/>
+              </a:rPr>
+              <a:t> -d </a:t>
+            </a:r>
+            <a:r>
+              <a:rPr lang="en-US" sz="1800" dirty="0" err="1">
+                <a:latin typeface="Consolas" panose="020B0609020204030204" pitchFamily="49" charset="0"/>
+                <a:cs typeface="Consolas" panose="020B0609020204030204" pitchFamily="49" charset="0"/>
+              </a:rPr>
+              <a:t>peakcall.tsv</a:t>
+            </a:r>
+            <a:endParaRPr lang="en-US" sz="1800" dirty="0">
+              <a:latin typeface="Consolas" panose="020B0609020204030204" pitchFamily="49" charset="0"/>
+              <a:cs typeface="Consolas" panose="020B0609020204030204" pitchFamily="49" charset="0"/>
+            </a:endParaRPr>
+          </a:p>
+          <a:p>
+            <a:pPr lvl="1"/>
+            <a:r>
+              <a:rPr lang="en-US" sz="1800" dirty="0" err="1">
+                <a:latin typeface="Consolas" panose="020B0609020204030204" pitchFamily="49" charset="0"/>
+                <a:cs typeface="Consolas" panose="020B0609020204030204" pitchFamily="49" charset="0"/>
+              </a:rPr>
+              <a:t>HemTools</a:t>
+            </a:r>
+            <a:r>
+              <a:rPr lang="en-US" sz="1800" dirty="0">
+                <a:latin typeface="Consolas" panose="020B0609020204030204" pitchFamily="49" charset="0"/>
+                <a:cs typeface="Consolas" panose="020B0609020204030204" pitchFamily="49" charset="0"/>
+              </a:rPr>
+              <a:t> </a:t>
+            </a:r>
+            <a:r>
+              <a:rPr lang="en-US" sz="1800" dirty="0" err="1">
+                <a:latin typeface="Consolas" panose="020B0609020204030204" pitchFamily="49" charset="0"/>
+                <a:cs typeface="Consolas" panose="020B0609020204030204" pitchFamily="49" charset="0"/>
+              </a:rPr>
+              <a:t>chip_seq_single</a:t>
+            </a:r>
+            <a:r>
+              <a:rPr lang="en-US" sz="1800" dirty="0">
+                <a:latin typeface="Consolas" panose="020B0609020204030204" pitchFamily="49" charset="0"/>
+                <a:cs typeface="Consolas" panose="020B0609020204030204" pitchFamily="49" charset="0"/>
+              </a:rPr>
+              <a:t> -f </a:t>
+            </a:r>
+            <a:r>
+              <a:rPr lang="en-US" sz="1800" dirty="0" err="1">
+                <a:latin typeface="Consolas" panose="020B0609020204030204" pitchFamily="49" charset="0"/>
+                <a:cs typeface="Consolas" panose="020B0609020204030204" pitchFamily="49" charset="0"/>
+              </a:rPr>
+              <a:t>fastq.tsv</a:t>
+            </a:r>
+            <a:r>
+              <a:rPr lang="en-US" sz="1800" dirty="0">
+                <a:latin typeface="Consolas" panose="020B0609020204030204" pitchFamily="49" charset="0"/>
+                <a:cs typeface="Consolas" panose="020B0609020204030204" pitchFamily="49" charset="0"/>
+              </a:rPr>
+              <a:t> -d </a:t>
+            </a:r>
+            <a:r>
+              <a:rPr lang="en-US" sz="1800" dirty="0" err="1">
+                <a:latin typeface="Consolas" panose="020B0609020204030204" pitchFamily="49" charset="0"/>
+                <a:cs typeface="Consolas" panose="020B0609020204030204" pitchFamily="49" charset="0"/>
+              </a:rPr>
+              <a:t>peakcall.tsv</a:t>
+            </a:r>
+            <a:endParaRPr lang="en-US" sz="1800" dirty="0">
+              <a:latin typeface="Consolas" panose="020B0609020204030204" pitchFamily="49" charset="0"/>
+              <a:cs typeface="Consolas" panose="020B0609020204030204" pitchFamily="49" charset="0"/>
+            </a:endParaRPr>
+          </a:p>
+          <a:p>
+            <a:pPr lvl="1"/>
+            <a:r>
+              <a:rPr lang="en-US" sz="1800" dirty="0" err="1">
+                <a:latin typeface="Consolas" panose="020B0609020204030204" pitchFamily="49" charset="0"/>
+                <a:cs typeface="Consolas" panose="020B0609020204030204" pitchFamily="49" charset="0"/>
+              </a:rPr>
+              <a:t>HemTools</a:t>
+            </a:r>
+            <a:r>
+              <a:rPr lang="en-US" sz="1800" dirty="0">
+                <a:latin typeface="Consolas" panose="020B0609020204030204" pitchFamily="49" charset="0"/>
+                <a:cs typeface="Consolas" panose="020B0609020204030204" pitchFamily="49" charset="0"/>
+              </a:rPr>
+              <a:t> </a:t>
+            </a:r>
+            <a:r>
+              <a:rPr lang="en-US" sz="1800" dirty="0" err="1">
+                <a:latin typeface="Consolas" panose="020B0609020204030204" pitchFamily="49" charset="0"/>
+                <a:cs typeface="Consolas" panose="020B0609020204030204" pitchFamily="49" charset="0"/>
+              </a:rPr>
+              <a:t>chip_seq_pair</a:t>
+            </a:r>
+            <a:r>
+              <a:rPr lang="en-US" sz="1800" dirty="0">
+                <a:latin typeface="Consolas" panose="020B0609020204030204" pitchFamily="49" charset="0"/>
+                <a:cs typeface="Consolas" panose="020B0609020204030204" pitchFamily="49" charset="0"/>
+              </a:rPr>
+              <a:t> -f </a:t>
+            </a:r>
+            <a:r>
+              <a:rPr lang="en-US" sz="1800" dirty="0" err="1">
+                <a:latin typeface="Consolas" panose="020B0609020204030204" pitchFamily="49" charset="0"/>
+                <a:cs typeface="Consolas" panose="020B0609020204030204" pitchFamily="49" charset="0"/>
+              </a:rPr>
+              <a:t>fastq.tsv</a:t>
+            </a:r>
+            <a:r>
+              <a:rPr lang="en-US" sz="1800" dirty="0">
+                <a:latin typeface="Consolas" panose="020B0609020204030204" pitchFamily="49" charset="0"/>
+                <a:cs typeface="Consolas" panose="020B0609020204030204" pitchFamily="49" charset="0"/>
+              </a:rPr>
+              <a:t> -d </a:t>
+            </a:r>
+            <a:r>
+              <a:rPr lang="en-US" sz="1800" dirty="0" err="1">
+                <a:latin typeface="Consolas" panose="020B0609020204030204" pitchFamily="49" charset="0"/>
+                <a:cs typeface="Consolas" panose="020B0609020204030204" pitchFamily="49" charset="0"/>
+              </a:rPr>
+              <a:t>peakcall.tsv</a:t>
+            </a:r>
+            <a:endParaRPr lang="en-US" sz="1800" dirty="0">
+              <a:highlight>
+                <a:srgbClr val="C0C0C0"/>
+              </a:highlight>
+              <a:latin typeface="Consolas" panose="020B0609020204030204" pitchFamily="49" charset="0"/>
+              <a:cs typeface="Consolas" panose="020B0609020204030204" pitchFamily="49" charset="0"/>
+            </a:endParaRPr>
+          </a:p>
+          <a:p>
+            <a:r>
+              <a:rPr lang="en-US" dirty="0"/>
+              <a:t>Input format (</a:t>
+            </a:r>
+            <a:r>
+              <a:rPr lang="en-US" dirty="0" err="1"/>
+              <a:t>tsv</a:t>
+            </a:r>
+            <a:r>
+              <a:rPr lang="en-US" dirty="0"/>
+              <a:t>, tab-separated values)</a:t>
+            </a:r>
+          </a:p>
+          <a:p>
+            <a:pPr marL="0" indent="0">
+              <a:buNone/>
+            </a:pPr>
+            <a:endParaRPr lang="en-US" dirty="0"/>
+          </a:p>
+        </p:txBody>
+      </p:sp>
+      <p:pic>
+        <p:nvPicPr>
+          <p:cNvPr id="5" name="Picture 4">
+            <a:extLst>
+              <a:ext uri="{FF2B5EF4-FFF2-40B4-BE49-F238E27FC236}">
+                <a16:creationId xmlns:a16="http://schemas.microsoft.com/office/drawing/2014/main" id="{D5E8DA78-8DF1-4480-8E81-EFE3DA380020}"/>
+              </a:ext>
+            </a:extLst>
+          </p:cNvPr>
+          <p:cNvPicPr>
+            <a:picLocks noChangeAspect="1"/>
+          </p:cNvPicPr>
+          <p:nvPr/>
+        </p:nvPicPr>
+        <p:blipFill>
+          <a:blip r:embed="rId2">
+            <a:extLst>
+              <a:ext uri="{28A0092B-C50C-407E-A947-70E740481C1C}">
+                <a14:useLocalDpi xmlns:a14="http://schemas.microsoft.com/office/drawing/2010/main" val="0"/>
+              </a:ext>
+            </a:extLst>
+          </a:blip>
+          <a:stretch>
+            <a:fillRect/>
+          </a:stretch>
+        </p:blipFill>
+        <p:spPr>
+          <a:xfrm>
+            <a:off x="50334" y="4604391"/>
+            <a:ext cx="7508147" cy="1415868"/>
+          </a:xfrm>
+          <a:prstGeom prst="rect">
+            <a:avLst/>
+          </a:prstGeom>
+        </p:spPr>
+      </p:pic>
+      <p:sp>
+        <p:nvSpPr>
+          <p:cNvPr id="6" name="Rectangle 5">
+            <a:extLst>
+              <a:ext uri="{FF2B5EF4-FFF2-40B4-BE49-F238E27FC236}">
+                <a16:creationId xmlns:a16="http://schemas.microsoft.com/office/drawing/2014/main" id="{7450E78C-F44E-449B-9EE5-8445CA27129B}"/>
+              </a:ext>
+            </a:extLst>
+          </p:cNvPr>
+          <p:cNvSpPr/>
+          <p:nvPr/>
+        </p:nvSpPr>
+        <p:spPr>
+          <a:xfrm>
+            <a:off x="8854622" y="4114926"/>
+            <a:ext cx="2418739" cy="369332"/>
+          </a:xfrm>
+          <a:prstGeom prst="rect">
+            <a:avLst/>
+          </a:prstGeom>
+        </p:spPr>
+        <p:txBody>
+          <a:bodyPr wrap="none">
+            <a:spAutoFit/>
+          </a:bodyPr>
+          <a:lstStyle/>
+          <a:p>
+            <a:pPr lvl="1"/>
+            <a:r>
+              <a:rPr lang="en-US" dirty="0"/>
+              <a:t>-d, --</a:t>
+            </a:r>
+            <a:r>
+              <a:rPr lang="en-US" dirty="0" err="1"/>
+              <a:t>design_matrix</a:t>
+            </a:r>
+            <a:endParaRPr lang="en-US" dirty="0"/>
+          </a:p>
+        </p:txBody>
+      </p:sp>
+      <p:pic>
+        <p:nvPicPr>
+          <p:cNvPr id="7" name="Picture 6">
+            <a:extLst>
+              <a:ext uri="{FF2B5EF4-FFF2-40B4-BE49-F238E27FC236}">
+                <a16:creationId xmlns:a16="http://schemas.microsoft.com/office/drawing/2014/main" id="{24EF94A9-7256-4C7A-9930-6B0E9F79D6E3}"/>
+              </a:ext>
+            </a:extLst>
+          </p:cNvPr>
+          <p:cNvPicPr>
+            <a:picLocks noChangeAspect="1"/>
+          </p:cNvPicPr>
+          <p:nvPr/>
+        </p:nvPicPr>
+        <p:blipFill>
+          <a:blip r:embed="rId3">
+            <a:extLst>
+              <a:ext uri="{28A0092B-C50C-407E-A947-70E740481C1C}">
+                <a14:useLocalDpi xmlns:a14="http://schemas.microsoft.com/office/drawing/2010/main" val="0"/>
+              </a:ext>
+            </a:extLst>
+          </a:blip>
+          <a:stretch>
+            <a:fillRect/>
+          </a:stretch>
+        </p:blipFill>
+        <p:spPr>
+          <a:xfrm>
+            <a:off x="7688061" y="4604391"/>
+            <a:ext cx="4453605" cy="1355802"/>
+          </a:xfrm>
+          <a:prstGeom prst="rect">
+            <a:avLst/>
+          </a:prstGeom>
+        </p:spPr>
+      </p:pic>
+      <p:sp>
+        <p:nvSpPr>
+          <p:cNvPr id="8" name="Rectangle 7">
+            <a:extLst>
+              <a:ext uri="{FF2B5EF4-FFF2-40B4-BE49-F238E27FC236}">
+                <a16:creationId xmlns:a16="http://schemas.microsoft.com/office/drawing/2014/main" id="{827B86C4-4A9A-4EFC-8272-A390A39E32DD}"/>
+              </a:ext>
+            </a:extLst>
+          </p:cNvPr>
+          <p:cNvSpPr/>
+          <p:nvPr/>
+        </p:nvSpPr>
+        <p:spPr>
+          <a:xfrm>
+            <a:off x="2566075" y="4235059"/>
+            <a:ext cx="1520224" cy="369332"/>
+          </a:xfrm>
+          <a:prstGeom prst="rect">
+            <a:avLst/>
+          </a:prstGeom>
+        </p:spPr>
+        <p:txBody>
+          <a:bodyPr wrap="none">
+            <a:spAutoFit/>
+          </a:bodyPr>
+          <a:lstStyle/>
+          <a:p>
+            <a:pPr lvl="1"/>
+            <a:r>
+              <a:rPr lang="en-US" dirty="0"/>
+              <a:t>-f, --input</a:t>
+            </a:r>
           </a:p>
         </p:txBody>
       </p:sp>
     </p:spTree>
     <p:extLst>
       <p:ext uri="{BB962C8B-B14F-4D97-AF65-F5344CB8AC3E}">
-        <p14:creationId xmlns:p14="http://schemas.microsoft.com/office/powerpoint/2010/main" val="2195159436"/>
+        <p14:creationId xmlns:p14="http://schemas.microsoft.com/office/powerpoint/2010/main" val="498713462"/>
       </p:ext>
     </p:extLst>
   </p:cSld>
@@ -4323,7 +6110,7 @@
           <p:cNvPr id="2" name="Title 1">
             <a:extLst>
               <a:ext uri="{FF2B5EF4-FFF2-40B4-BE49-F238E27FC236}">
-                <a16:creationId xmlns:a16="http://schemas.microsoft.com/office/drawing/2014/main" id="{B0E5B5FB-D096-4060-9B99-386CE7229307}"/>
+                <a16:creationId xmlns:a16="http://schemas.microsoft.com/office/drawing/2014/main" id="{15AD1A34-A8B2-48D0-951F-79751EADEEC7}"/>
               </a:ext>
             </a:extLst>
           </p:cNvPr>
@@ -4339,7 +6126,10 @@
           <a:bodyPr/>
           <a:lstStyle/>
           <a:p>
-            <a:endParaRPr lang="en-US"/>
+            <a:r>
+              <a:rPr lang="en-US" dirty="0"/>
+              <a:t>General principles</a:t>
+            </a:r>
           </a:p>
         </p:txBody>
       </p:sp>
@@ -4348,7 +6138,7 @@
           <p:cNvPr id="3" name="Content Placeholder 2">
             <a:extLst>
               <a:ext uri="{FF2B5EF4-FFF2-40B4-BE49-F238E27FC236}">
-                <a16:creationId xmlns:a16="http://schemas.microsoft.com/office/drawing/2014/main" id="{9199B12A-1512-4297-8892-AA70B7D7447F}"/>
+                <a16:creationId xmlns:a16="http://schemas.microsoft.com/office/drawing/2014/main" id="{0BBFE8CB-EE31-4B7B-8AD9-AC66241D81BD}"/>
               </a:ext>
             </a:extLst>
           </p:cNvPr>
@@ -4364,14 +6154,23 @@
           <a:bodyPr/>
           <a:lstStyle/>
           <a:p>
-            <a:endParaRPr lang="en-US"/>
+            <a:r>
+              <a:rPr lang="en-US" dirty="0"/>
+              <a:t>Output format</a:t>
+            </a:r>
+          </a:p>
+          <a:p>
+            <a:endParaRPr lang="en-US" dirty="0"/>
+          </a:p>
+          <a:p>
+            <a:endParaRPr lang="en-US" dirty="0"/>
           </a:p>
         </p:txBody>
       </p:sp>
     </p:spTree>
     <p:extLst>
       <p:ext uri="{BB962C8B-B14F-4D97-AF65-F5344CB8AC3E}">
-        <p14:creationId xmlns:p14="http://schemas.microsoft.com/office/powerpoint/2010/main" val="997304681"/>
+        <p14:creationId xmlns:p14="http://schemas.microsoft.com/office/powerpoint/2010/main" val="141717846"/>
       </p:ext>
     </p:extLst>
   </p:cSld>
@@ -4403,7 +6202,7 @@
           <p:cNvPr id="2" name="Title 1">
             <a:extLst>
               <a:ext uri="{FF2B5EF4-FFF2-40B4-BE49-F238E27FC236}">
-                <a16:creationId xmlns:a16="http://schemas.microsoft.com/office/drawing/2014/main" id="{B6380AE6-1C85-4482-BF45-AF5B693B88FE}"/>
+                <a16:creationId xmlns:a16="http://schemas.microsoft.com/office/drawing/2014/main" id="{15AD1A34-A8B2-48D0-951F-79751EADEEC7}"/>
               </a:ext>
             </a:extLst>
           </p:cNvPr>
@@ -4419,7 +6218,10 @@
           <a:bodyPr/>
           <a:lstStyle/>
           <a:p>
-            <a:endParaRPr lang="en-US"/>
+            <a:r>
+              <a:rPr lang="en-US" dirty="0"/>
+              <a:t>General principles</a:t>
+            </a:r>
           </a:p>
         </p:txBody>
       </p:sp>
@@ -4428,7 +6230,7 @@
           <p:cNvPr id="3" name="Content Placeholder 2">
             <a:extLst>
               <a:ext uri="{FF2B5EF4-FFF2-40B4-BE49-F238E27FC236}">
-                <a16:creationId xmlns:a16="http://schemas.microsoft.com/office/drawing/2014/main" id="{C328AE24-37EF-4B54-9CEA-F816B96C5615}"/>
+                <a16:creationId xmlns:a16="http://schemas.microsoft.com/office/drawing/2014/main" id="{0BBFE8CB-EE31-4B7B-8AD9-AC66241D81BD}"/>
               </a:ext>
             </a:extLst>
           </p:cNvPr>
@@ -4444,14 +6246,23 @@
           <a:bodyPr/>
           <a:lstStyle/>
           <a:p>
-            <a:endParaRPr lang="en-US"/>
+            <a:r>
+              <a:rPr lang="en-US" dirty="0"/>
+              <a:t>Report bugs</a:t>
+            </a:r>
+          </a:p>
+          <a:p>
+            <a:endParaRPr lang="en-US" dirty="0"/>
+          </a:p>
+          <a:p>
+            <a:endParaRPr lang="en-US" dirty="0"/>
           </a:p>
         </p:txBody>
       </p:sp>
     </p:spTree>
     <p:extLst>
       <p:ext uri="{BB962C8B-B14F-4D97-AF65-F5344CB8AC3E}">
-        <p14:creationId xmlns:p14="http://schemas.microsoft.com/office/powerpoint/2010/main" val="1048469740"/>
+        <p14:creationId xmlns:p14="http://schemas.microsoft.com/office/powerpoint/2010/main" val="3923719557"/>
       </p:ext>
     </p:extLst>
   </p:cSld>

--- a/HemTools Tutorial.pptx
+++ b/HemTools Tutorial.pptx
@@ -9,23 +9,24 @@
     <p:sldId id="276" r:id="rId3"/>
     <p:sldId id="258" r:id="rId4"/>
     <p:sldId id="270" r:id="rId5"/>
-    <p:sldId id="271" r:id="rId6"/>
-    <p:sldId id="272" r:id="rId7"/>
-    <p:sldId id="273" r:id="rId8"/>
-    <p:sldId id="274" r:id="rId9"/>
-    <p:sldId id="275" r:id="rId10"/>
-    <p:sldId id="269" r:id="rId11"/>
-    <p:sldId id="257" r:id="rId12"/>
-    <p:sldId id="259" r:id="rId13"/>
-    <p:sldId id="260" r:id="rId14"/>
-    <p:sldId id="261" r:id="rId15"/>
-    <p:sldId id="262" r:id="rId16"/>
-    <p:sldId id="263" r:id="rId17"/>
-    <p:sldId id="264" r:id="rId18"/>
-    <p:sldId id="265" r:id="rId19"/>
-    <p:sldId id="266" r:id="rId20"/>
-    <p:sldId id="267" r:id="rId21"/>
-    <p:sldId id="268" r:id="rId22"/>
+    <p:sldId id="277" r:id="rId6"/>
+    <p:sldId id="271" r:id="rId7"/>
+    <p:sldId id="272" r:id="rId8"/>
+    <p:sldId id="273" r:id="rId9"/>
+    <p:sldId id="274" r:id="rId10"/>
+    <p:sldId id="275" r:id="rId11"/>
+    <p:sldId id="269" r:id="rId12"/>
+    <p:sldId id="257" r:id="rId13"/>
+    <p:sldId id="259" r:id="rId14"/>
+    <p:sldId id="260" r:id="rId15"/>
+    <p:sldId id="261" r:id="rId16"/>
+    <p:sldId id="262" r:id="rId17"/>
+    <p:sldId id="263" r:id="rId18"/>
+    <p:sldId id="264" r:id="rId19"/>
+    <p:sldId id="265" r:id="rId20"/>
+    <p:sldId id="266" r:id="rId21"/>
+    <p:sldId id="267" r:id="rId22"/>
+    <p:sldId id="268" r:id="rId23"/>
   </p:sldIdLst>
   <p:sldSz cx="12192000" cy="6858000"/>
   <p:notesSz cx="6858000" cy="9144000"/>
@@ -279,7 +280,7 @@
           <a:p>
             <a:fld id="{B06731B9-2535-4D77-BE06-7E4BBBA09F2A}" type="datetimeFigureOut">
               <a:rPr lang="en-US" smtClean="0"/>
-              <a:t>4/14/2019</a:t>
+              <a:t>4/15/2019</a:t>
             </a:fld>
             <a:endParaRPr lang="en-US"/>
           </a:p>
@@ -477,7 +478,7 @@
           <a:p>
             <a:fld id="{B06731B9-2535-4D77-BE06-7E4BBBA09F2A}" type="datetimeFigureOut">
               <a:rPr lang="en-US" smtClean="0"/>
-              <a:t>4/14/2019</a:t>
+              <a:t>4/15/2019</a:t>
             </a:fld>
             <a:endParaRPr lang="en-US"/>
           </a:p>
@@ -685,7 +686,7 @@
           <a:p>
             <a:fld id="{B06731B9-2535-4D77-BE06-7E4BBBA09F2A}" type="datetimeFigureOut">
               <a:rPr lang="en-US" smtClean="0"/>
-              <a:t>4/14/2019</a:t>
+              <a:t>4/15/2019</a:t>
             </a:fld>
             <a:endParaRPr lang="en-US"/>
           </a:p>
@@ -883,7 +884,7 @@
           <a:p>
             <a:fld id="{B06731B9-2535-4D77-BE06-7E4BBBA09F2A}" type="datetimeFigureOut">
               <a:rPr lang="en-US" smtClean="0"/>
-              <a:t>4/14/2019</a:t>
+              <a:t>4/15/2019</a:t>
             </a:fld>
             <a:endParaRPr lang="en-US"/>
           </a:p>
@@ -1158,7 +1159,7 @@
           <a:p>
             <a:fld id="{B06731B9-2535-4D77-BE06-7E4BBBA09F2A}" type="datetimeFigureOut">
               <a:rPr lang="en-US" smtClean="0"/>
-              <a:t>4/14/2019</a:t>
+              <a:t>4/15/2019</a:t>
             </a:fld>
             <a:endParaRPr lang="en-US"/>
           </a:p>
@@ -1423,7 +1424,7 @@
           <a:p>
             <a:fld id="{B06731B9-2535-4D77-BE06-7E4BBBA09F2A}" type="datetimeFigureOut">
               <a:rPr lang="en-US" smtClean="0"/>
-              <a:t>4/14/2019</a:t>
+              <a:t>4/15/2019</a:t>
             </a:fld>
             <a:endParaRPr lang="en-US"/>
           </a:p>
@@ -1835,7 +1836,7 @@
           <a:p>
             <a:fld id="{B06731B9-2535-4D77-BE06-7E4BBBA09F2A}" type="datetimeFigureOut">
               <a:rPr lang="en-US" smtClean="0"/>
-              <a:t>4/14/2019</a:t>
+              <a:t>4/15/2019</a:t>
             </a:fld>
             <a:endParaRPr lang="en-US"/>
           </a:p>
@@ -1976,7 +1977,7 @@
           <a:p>
             <a:fld id="{B06731B9-2535-4D77-BE06-7E4BBBA09F2A}" type="datetimeFigureOut">
               <a:rPr lang="en-US" smtClean="0"/>
-              <a:t>4/14/2019</a:t>
+              <a:t>4/15/2019</a:t>
             </a:fld>
             <a:endParaRPr lang="en-US"/>
           </a:p>
@@ -2089,7 +2090,7 @@
           <a:p>
             <a:fld id="{B06731B9-2535-4D77-BE06-7E4BBBA09F2A}" type="datetimeFigureOut">
               <a:rPr lang="en-US" smtClean="0"/>
-              <a:t>4/14/2019</a:t>
+              <a:t>4/15/2019</a:t>
             </a:fld>
             <a:endParaRPr lang="en-US"/>
           </a:p>
@@ -2400,7 +2401,7 @@
           <a:p>
             <a:fld id="{B06731B9-2535-4D77-BE06-7E4BBBA09F2A}" type="datetimeFigureOut">
               <a:rPr lang="en-US" smtClean="0"/>
-              <a:t>4/14/2019</a:t>
+              <a:t>4/15/2019</a:t>
             </a:fld>
             <a:endParaRPr lang="en-US"/>
           </a:p>
@@ -2688,7 +2689,7 @@
           <a:p>
             <a:fld id="{B06731B9-2535-4D77-BE06-7E4BBBA09F2A}" type="datetimeFigureOut">
               <a:rPr lang="en-US" smtClean="0"/>
-              <a:t>4/14/2019</a:t>
+              <a:t>4/15/2019</a:t>
             </a:fld>
             <a:endParaRPr lang="en-US"/>
           </a:p>
@@ -2929,7 +2930,7 @@
           <a:p>
             <a:fld id="{B06731B9-2535-4D77-BE06-7E4BBBA09F2A}" type="datetimeFigureOut">
               <a:rPr lang="en-US" smtClean="0"/>
-              <a:t>4/14/2019</a:t>
+              <a:t>4/15/2019</a:t>
             </a:fld>
             <a:endParaRPr lang="en-US"/>
           </a:p>
@@ -3438,7 +3439,7 @@
           <p:cNvPr id="2" name="Title 1">
             <a:extLst>
               <a:ext uri="{FF2B5EF4-FFF2-40B4-BE49-F238E27FC236}">
-                <a16:creationId xmlns:a16="http://schemas.microsoft.com/office/drawing/2014/main" id="{18B92BD7-553C-4A3D-9FE1-4EEC4FD77322}"/>
+                <a16:creationId xmlns:a16="http://schemas.microsoft.com/office/drawing/2014/main" id="{15AD1A34-A8B2-48D0-951F-79751EADEEC7}"/>
               </a:ext>
             </a:extLst>
           </p:cNvPr>
@@ -3456,7 +3457,7 @@
           <a:p>
             <a:r>
               <a:rPr lang="en-US" dirty="0"/>
-              <a:t>Materials		</a:t>
+              <a:t>General principles</a:t>
             </a:r>
           </a:p>
         </p:txBody>
@@ -3466,7 +3467,7 @@
           <p:cNvPr id="3" name="Content Placeholder 2">
             <a:extLst>
               <a:ext uri="{FF2B5EF4-FFF2-40B4-BE49-F238E27FC236}">
-                <a16:creationId xmlns:a16="http://schemas.microsoft.com/office/drawing/2014/main" id="{CAB31F55-2E83-4FFF-BBF8-F7069746625D}"/>
+                <a16:creationId xmlns:a16="http://schemas.microsoft.com/office/drawing/2014/main" id="{0BBFE8CB-EE31-4B7B-8AD9-AC66241D81BD}"/>
               </a:ext>
             </a:extLst>
           </p:cNvPr>
@@ -3484,32 +3485,11 @@
           <a:p>
             <a:r>
               <a:rPr lang="en-US" dirty="0"/>
-              <a:t>Handouts</a:t>
-            </a:r>
-          </a:p>
-          <a:p>
-            <a:r>
-              <a:rPr lang="en-US" dirty="0"/>
-              <a:t>Questionnaire</a:t>
-            </a:r>
-          </a:p>
-          <a:p>
-            <a:r>
-              <a:rPr lang="en-US" dirty="0"/>
-              <a:t>Online doc</a:t>
-            </a:r>
-          </a:p>
-          <a:p>
-            <a:r>
-              <a:rPr lang="en-US" dirty="0"/>
-              <a:t>Terminal</a:t>
-            </a:r>
-          </a:p>
-          <a:p>
-            <a:r>
-              <a:rPr lang="en-US" dirty="0"/>
-              <a:t>Ppt</a:t>
-            </a:r>
+              <a:t>Report bugs</a:t>
+            </a:r>
+          </a:p>
+          <a:p>
+            <a:endParaRPr lang="en-US" dirty="0"/>
           </a:p>
           <a:p>
             <a:endParaRPr lang="en-US" dirty="0"/>
@@ -3519,7 +3499,7 @@
     </p:spTree>
     <p:extLst>
       <p:ext uri="{BB962C8B-B14F-4D97-AF65-F5344CB8AC3E}">
-        <p14:creationId xmlns:p14="http://schemas.microsoft.com/office/powerpoint/2010/main" val="1730204385"/>
+        <p14:creationId xmlns:p14="http://schemas.microsoft.com/office/powerpoint/2010/main" val="3923719557"/>
       </p:ext>
     </p:extLst>
   </p:cSld>
@@ -3551,7 +3531,7 @@
           <p:cNvPr id="2" name="Title 1">
             <a:extLst>
               <a:ext uri="{FF2B5EF4-FFF2-40B4-BE49-F238E27FC236}">
-                <a16:creationId xmlns:a16="http://schemas.microsoft.com/office/drawing/2014/main" id="{2075DC17-8697-49D6-97F8-73889DD435FA}"/>
+                <a16:creationId xmlns:a16="http://schemas.microsoft.com/office/drawing/2014/main" id="{18B92BD7-553C-4A3D-9FE1-4EEC4FD77322}"/>
               </a:ext>
             </a:extLst>
           </p:cNvPr>
@@ -3569,7 +3549,7 @@
           <a:p>
             <a:r>
               <a:rPr lang="en-US" dirty="0"/>
-              <a:t>Software requirements analysis</a:t>
+              <a:t>Materials		</a:t>
             </a:r>
           </a:p>
         </p:txBody>
@@ -3579,7 +3559,7 @@
           <p:cNvPr id="3" name="Content Placeholder 2">
             <a:extLst>
               <a:ext uri="{FF2B5EF4-FFF2-40B4-BE49-F238E27FC236}">
-                <a16:creationId xmlns:a16="http://schemas.microsoft.com/office/drawing/2014/main" id="{6E7D4C32-4496-4085-BF95-75FF1991E6A6}"/>
+                <a16:creationId xmlns:a16="http://schemas.microsoft.com/office/drawing/2014/main" id="{CAB31F55-2E83-4FFF-BBF8-F7069746625D}"/>
               </a:ext>
             </a:extLst>
           </p:cNvPr>
@@ -3590,100 +3570,41 @@
             <p:ph idx="1"/>
           </p:nvPr>
         </p:nvSpPr>
-        <p:spPr>
-          <a:xfrm>
-            <a:off x="838200" y="1825624"/>
-            <a:ext cx="10515600" cy="4944291"/>
-          </a:xfrm>
-        </p:spPr>
-        <p:txBody>
-          <a:bodyPr>
-            <a:normAutofit lnSpcReduction="10000"/>
-          </a:bodyPr>
+        <p:spPr/>
+        <p:txBody>
+          <a:bodyPr/>
           <a:lstStyle/>
           <a:p>
             <a:r>
               <a:rPr lang="en-US" dirty="0"/>
-              <a:t>Adapting and automating previous pipelines</a:t>
+              <a:t>Handouts</a:t>
             </a:r>
           </a:p>
           <a:p>
             <a:r>
               <a:rPr lang="en-US" dirty="0"/>
-              <a:t>Minimizing computation time</a:t>
+              <a:t>Questionnaire</a:t>
             </a:r>
           </a:p>
           <a:p>
             <a:r>
               <a:rPr lang="en-US" dirty="0"/>
-              <a:t>Creating user-friendly interface</a:t>
-            </a:r>
-          </a:p>
-          <a:p>
-            <a:pPr lvl="1"/>
+              <a:t>Online doc</a:t>
+            </a:r>
+          </a:p>
+          <a:p>
             <a:r>
               <a:rPr lang="en-US" dirty="0"/>
-              <a:t>Online end-user documentation</a:t>
-            </a:r>
-          </a:p>
-          <a:p>
-            <a:pPr lvl="1"/>
+              <a:t>Terminal</a:t>
+            </a:r>
+          </a:p>
+          <a:p>
             <a:r>
               <a:rPr lang="en-US" dirty="0"/>
-              <a:t>Email notification system</a:t>
-            </a:r>
-          </a:p>
-          <a:p>
-            <a:pPr lvl="1"/>
-            <a:r>
-              <a:rPr lang="en-US" dirty="0"/>
-              <a:t>Bug/Error notification system</a:t>
-            </a:r>
-          </a:p>
-          <a:p>
-            <a:pPr lvl="1"/>
-            <a:r>
-              <a:rPr lang="en-US" dirty="0"/>
-              <a:t>Visually-appealing reports</a:t>
-            </a:r>
-          </a:p>
-          <a:p>
-            <a:pPr lvl="1"/>
-            <a:endParaRPr lang="en-US" dirty="0"/>
-          </a:p>
-          <a:p>
-            <a:r>
-              <a:rPr lang="en-US" dirty="0"/>
-              <a:t>Reducing user’s mental effort  </a:t>
-            </a:r>
-          </a:p>
-          <a:p>
-            <a:pPr lvl="1"/>
-            <a:r>
-              <a:rPr lang="en-US" dirty="0"/>
-              <a:t>Free of installation &amp; ready to use</a:t>
-            </a:r>
-          </a:p>
-          <a:p>
-            <a:pPr lvl="1"/>
-            <a:r>
-              <a:rPr lang="en-US" dirty="0"/>
-              <a:t>Simple input files preparation</a:t>
-            </a:r>
-          </a:p>
-          <a:p>
-            <a:pPr lvl="1"/>
-            <a:r>
-              <a:rPr lang="en-US" dirty="0"/>
-              <a:t>Easy search for appropriate APIs</a:t>
-            </a:r>
-          </a:p>
-          <a:p>
-            <a:pPr lvl="1"/>
-            <a:endParaRPr lang="en-US" dirty="0"/>
-          </a:p>
-          <a:p>
-            <a:pPr lvl="1"/>
+              <a:t>Ppt</a:t>
+            </a:r>
+          </a:p>
+          <a:p>
             <a:endParaRPr lang="en-US" dirty="0"/>
           </a:p>
         </p:txBody>
@@ -3691,7 +3612,7 @@
     </p:spTree>
     <p:extLst>
       <p:ext uri="{BB962C8B-B14F-4D97-AF65-F5344CB8AC3E}">
-        <p14:creationId xmlns:p14="http://schemas.microsoft.com/office/powerpoint/2010/main" val="3943673360"/>
+        <p14:creationId xmlns:p14="http://schemas.microsoft.com/office/powerpoint/2010/main" val="1730204385"/>
       </p:ext>
     </p:extLst>
   </p:cSld>
@@ -3723,7 +3644,7 @@
           <p:cNvPr id="2" name="Title 1">
             <a:extLst>
               <a:ext uri="{FF2B5EF4-FFF2-40B4-BE49-F238E27FC236}">
-                <a16:creationId xmlns:a16="http://schemas.microsoft.com/office/drawing/2014/main" id="{9C87775C-559D-4E96-9FAB-9904F9A04E19}"/>
+                <a16:creationId xmlns:a16="http://schemas.microsoft.com/office/drawing/2014/main" id="{2075DC17-8697-49D6-97F8-73889DD435FA}"/>
               </a:ext>
             </a:extLst>
           </p:cNvPr>
@@ -3741,7 +3662,7 @@
           <a:p>
             <a:r>
               <a:rPr lang="en-US" dirty="0"/>
-              <a:t>Linux 101</a:t>
+              <a:t>Software requirements analysis</a:t>
             </a:r>
           </a:p>
         </p:txBody>
@@ -3751,7 +3672,7 @@
           <p:cNvPr id="3" name="Content Placeholder 2">
             <a:extLst>
               <a:ext uri="{FF2B5EF4-FFF2-40B4-BE49-F238E27FC236}">
-                <a16:creationId xmlns:a16="http://schemas.microsoft.com/office/drawing/2014/main" id="{895A7F71-E7CB-4CD8-A8A1-C163C0F6A6E4}"/>
+                <a16:creationId xmlns:a16="http://schemas.microsoft.com/office/drawing/2014/main" id="{6E7D4C32-4496-4085-BF95-75FF1991E6A6}"/>
               </a:ext>
             </a:extLst>
           </p:cNvPr>
@@ -3762,19 +3683,108 @@
             <p:ph idx="1"/>
           </p:nvPr>
         </p:nvSpPr>
-        <p:spPr/>
-        <p:txBody>
-          <a:bodyPr/>
-          <a:lstStyle/>
-          <a:p>
-            <a:endParaRPr lang="en-US"/>
+        <p:spPr>
+          <a:xfrm>
+            <a:off x="838200" y="1825624"/>
+            <a:ext cx="10515600" cy="4944291"/>
+          </a:xfrm>
+        </p:spPr>
+        <p:txBody>
+          <a:bodyPr>
+            <a:normAutofit lnSpcReduction="10000"/>
+          </a:bodyPr>
+          <a:lstStyle/>
+          <a:p>
+            <a:r>
+              <a:rPr lang="en-US" dirty="0"/>
+              <a:t>Adapting and automating previous pipelines</a:t>
+            </a:r>
+          </a:p>
+          <a:p>
+            <a:r>
+              <a:rPr lang="en-US" dirty="0"/>
+              <a:t>Minimizing computation time</a:t>
+            </a:r>
+          </a:p>
+          <a:p>
+            <a:r>
+              <a:rPr lang="en-US" dirty="0"/>
+              <a:t>Creating user-friendly interface</a:t>
+            </a:r>
+          </a:p>
+          <a:p>
+            <a:pPr lvl="1"/>
+            <a:r>
+              <a:rPr lang="en-US" dirty="0"/>
+              <a:t>Online end-user documentation</a:t>
+            </a:r>
+          </a:p>
+          <a:p>
+            <a:pPr lvl="1"/>
+            <a:r>
+              <a:rPr lang="en-US" dirty="0"/>
+              <a:t>Email notification system</a:t>
+            </a:r>
+          </a:p>
+          <a:p>
+            <a:pPr lvl="1"/>
+            <a:r>
+              <a:rPr lang="en-US" dirty="0"/>
+              <a:t>Bug/Error notification system</a:t>
+            </a:r>
+          </a:p>
+          <a:p>
+            <a:pPr lvl="1"/>
+            <a:r>
+              <a:rPr lang="en-US" dirty="0"/>
+              <a:t>Visually-appealing reports</a:t>
+            </a:r>
+          </a:p>
+          <a:p>
+            <a:pPr lvl="1"/>
+            <a:endParaRPr lang="en-US" dirty="0"/>
+          </a:p>
+          <a:p>
+            <a:r>
+              <a:rPr lang="en-US" dirty="0"/>
+              <a:t>Reducing user’s mental effort  </a:t>
+            </a:r>
+          </a:p>
+          <a:p>
+            <a:pPr lvl="1"/>
+            <a:r>
+              <a:rPr lang="en-US" dirty="0"/>
+              <a:t>Free of installation &amp; ready to use</a:t>
+            </a:r>
+          </a:p>
+          <a:p>
+            <a:pPr lvl="1"/>
+            <a:r>
+              <a:rPr lang="en-US" dirty="0"/>
+              <a:t>Simple input files preparation</a:t>
+            </a:r>
+          </a:p>
+          <a:p>
+            <a:pPr lvl="1"/>
+            <a:r>
+              <a:rPr lang="en-US" dirty="0"/>
+              <a:t>Easy search for appropriate APIs</a:t>
+            </a:r>
+          </a:p>
+          <a:p>
+            <a:pPr lvl="1"/>
+            <a:endParaRPr lang="en-US" dirty="0"/>
+          </a:p>
+          <a:p>
+            <a:pPr lvl="1"/>
+            <a:endParaRPr lang="en-US" dirty="0"/>
           </a:p>
         </p:txBody>
       </p:sp>
     </p:spTree>
     <p:extLst>
       <p:ext uri="{BB962C8B-B14F-4D97-AF65-F5344CB8AC3E}">
-        <p14:creationId xmlns:p14="http://schemas.microsoft.com/office/powerpoint/2010/main" val="646229792"/>
+        <p14:creationId xmlns:p14="http://schemas.microsoft.com/office/powerpoint/2010/main" val="3943673360"/>
       </p:ext>
     </p:extLst>
   </p:cSld>
@@ -3806,7 +3816,7 @@
           <p:cNvPr id="2" name="Title 1">
             <a:extLst>
               <a:ext uri="{FF2B5EF4-FFF2-40B4-BE49-F238E27FC236}">
-                <a16:creationId xmlns:a16="http://schemas.microsoft.com/office/drawing/2014/main" id="{BF30E243-E41F-4AB6-811E-7D3D625BE204}"/>
+                <a16:creationId xmlns:a16="http://schemas.microsoft.com/office/drawing/2014/main" id="{9C87775C-559D-4E96-9FAB-9904F9A04E19}"/>
               </a:ext>
             </a:extLst>
           </p:cNvPr>
@@ -3822,7 +3832,10 @@
           <a:bodyPr/>
           <a:lstStyle/>
           <a:p>
-            <a:endParaRPr lang="en-US"/>
+            <a:r>
+              <a:rPr lang="en-US" dirty="0"/>
+              <a:t>Linux 101</a:t>
+            </a:r>
           </a:p>
         </p:txBody>
       </p:sp>
@@ -3831,7 +3844,7 @@
           <p:cNvPr id="3" name="Content Placeholder 2">
             <a:extLst>
               <a:ext uri="{FF2B5EF4-FFF2-40B4-BE49-F238E27FC236}">
-                <a16:creationId xmlns:a16="http://schemas.microsoft.com/office/drawing/2014/main" id="{B7EFCA1B-4EFB-434E-8F89-D1DB1B0FCB82}"/>
+                <a16:creationId xmlns:a16="http://schemas.microsoft.com/office/drawing/2014/main" id="{895A7F71-E7CB-4CD8-A8A1-C163C0F6A6E4}"/>
               </a:ext>
             </a:extLst>
           </p:cNvPr>
@@ -3854,7 +3867,7 @@
     </p:spTree>
     <p:extLst>
       <p:ext uri="{BB962C8B-B14F-4D97-AF65-F5344CB8AC3E}">
-        <p14:creationId xmlns:p14="http://schemas.microsoft.com/office/powerpoint/2010/main" val="3678665510"/>
+        <p14:creationId xmlns:p14="http://schemas.microsoft.com/office/powerpoint/2010/main" val="646229792"/>
       </p:ext>
     </p:extLst>
   </p:cSld>
@@ -3886,7 +3899,7 @@
           <p:cNvPr id="2" name="Title 1">
             <a:extLst>
               <a:ext uri="{FF2B5EF4-FFF2-40B4-BE49-F238E27FC236}">
-                <a16:creationId xmlns:a16="http://schemas.microsoft.com/office/drawing/2014/main" id="{2410D0D2-75EB-48A5-B504-0D0356EB6C4E}"/>
+                <a16:creationId xmlns:a16="http://schemas.microsoft.com/office/drawing/2014/main" id="{BF30E243-E41F-4AB6-811E-7D3D625BE204}"/>
               </a:ext>
             </a:extLst>
           </p:cNvPr>
@@ -3902,10 +3915,7 @@
           <a:bodyPr/>
           <a:lstStyle/>
           <a:p>
-            <a:r>
-              <a:rPr lang="en-US" dirty="0"/>
-              <a:t>CUT &amp; RUN example</a:t>
-            </a:r>
+            <a:endParaRPr lang="en-US"/>
           </a:p>
         </p:txBody>
       </p:sp>
@@ -3914,7 +3924,7 @@
           <p:cNvPr id="3" name="Content Placeholder 2">
             <a:extLst>
               <a:ext uri="{FF2B5EF4-FFF2-40B4-BE49-F238E27FC236}">
-                <a16:creationId xmlns:a16="http://schemas.microsoft.com/office/drawing/2014/main" id="{91415104-750D-4A71-81EE-175E2AFCC880}"/>
+                <a16:creationId xmlns:a16="http://schemas.microsoft.com/office/drawing/2014/main" id="{B7EFCA1B-4EFB-434E-8F89-D1DB1B0FCB82}"/>
               </a:ext>
             </a:extLst>
           </p:cNvPr>
@@ -3937,7 +3947,7 @@
     </p:spTree>
     <p:extLst>
       <p:ext uri="{BB962C8B-B14F-4D97-AF65-F5344CB8AC3E}">
-        <p14:creationId xmlns:p14="http://schemas.microsoft.com/office/powerpoint/2010/main" val="1367050823"/>
+        <p14:creationId xmlns:p14="http://schemas.microsoft.com/office/powerpoint/2010/main" val="3678665510"/>
       </p:ext>
     </p:extLst>
   </p:cSld>
@@ -3969,7 +3979,7 @@
           <p:cNvPr id="2" name="Title 1">
             <a:extLst>
               <a:ext uri="{FF2B5EF4-FFF2-40B4-BE49-F238E27FC236}">
-                <a16:creationId xmlns:a16="http://schemas.microsoft.com/office/drawing/2014/main" id="{4D1A330E-AB09-43E6-BBA1-E89C7300DB1C}"/>
+                <a16:creationId xmlns:a16="http://schemas.microsoft.com/office/drawing/2014/main" id="{2410D0D2-75EB-48A5-B504-0D0356EB6C4E}"/>
               </a:ext>
             </a:extLst>
           </p:cNvPr>
@@ -3985,7 +3995,10 @@
           <a:bodyPr/>
           <a:lstStyle/>
           <a:p>
-            <a:endParaRPr lang="en-US"/>
+            <a:r>
+              <a:rPr lang="en-US" dirty="0"/>
+              <a:t>CUT &amp; RUN example</a:t>
+            </a:r>
           </a:p>
         </p:txBody>
       </p:sp>
@@ -3994,7 +4007,7 @@
           <p:cNvPr id="3" name="Content Placeholder 2">
             <a:extLst>
               <a:ext uri="{FF2B5EF4-FFF2-40B4-BE49-F238E27FC236}">
-                <a16:creationId xmlns:a16="http://schemas.microsoft.com/office/drawing/2014/main" id="{9579253A-45A7-4238-AAE0-6946A8093D51}"/>
+                <a16:creationId xmlns:a16="http://schemas.microsoft.com/office/drawing/2014/main" id="{91415104-750D-4A71-81EE-175E2AFCC880}"/>
               </a:ext>
             </a:extLst>
           </p:cNvPr>
@@ -4017,7 +4030,7 @@
     </p:spTree>
     <p:extLst>
       <p:ext uri="{BB962C8B-B14F-4D97-AF65-F5344CB8AC3E}">
-        <p14:creationId xmlns:p14="http://schemas.microsoft.com/office/powerpoint/2010/main" val="2195159436"/>
+        <p14:creationId xmlns:p14="http://schemas.microsoft.com/office/powerpoint/2010/main" val="1367050823"/>
       </p:ext>
     </p:extLst>
   </p:cSld>
@@ -4049,7 +4062,7 @@
           <p:cNvPr id="2" name="Title 1">
             <a:extLst>
               <a:ext uri="{FF2B5EF4-FFF2-40B4-BE49-F238E27FC236}">
-                <a16:creationId xmlns:a16="http://schemas.microsoft.com/office/drawing/2014/main" id="{B0E5B5FB-D096-4060-9B99-386CE7229307}"/>
+                <a16:creationId xmlns:a16="http://schemas.microsoft.com/office/drawing/2014/main" id="{4D1A330E-AB09-43E6-BBA1-E89C7300DB1C}"/>
               </a:ext>
             </a:extLst>
           </p:cNvPr>
@@ -4074,7 +4087,7 @@
           <p:cNvPr id="3" name="Content Placeholder 2">
             <a:extLst>
               <a:ext uri="{FF2B5EF4-FFF2-40B4-BE49-F238E27FC236}">
-                <a16:creationId xmlns:a16="http://schemas.microsoft.com/office/drawing/2014/main" id="{9199B12A-1512-4297-8892-AA70B7D7447F}"/>
+                <a16:creationId xmlns:a16="http://schemas.microsoft.com/office/drawing/2014/main" id="{9579253A-45A7-4238-AAE0-6946A8093D51}"/>
               </a:ext>
             </a:extLst>
           </p:cNvPr>
@@ -4097,7 +4110,7 @@
     </p:spTree>
     <p:extLst>
       <p:ext uri="{BB962C8B-B14F-4D97-AF65-F5344CB8AC3E}">
-        <p14:creationId xmlns:p14="http://schemas.microsoft.com/office/powerpoint/2010/main" val="997304681"/>
+        <p14:creationId xmlns:p14="http://schemas.microsoft.com/office/powerpoint/2010/main" val="2195159436"/>
       </p:ext>
     </p:extLst>
   </p:cSld>
@@ -4129,7 +4142,7 @@
           <p:cNvPr id="2" name="Title 1">
             <a:extLst>
               <a:ext uri="{FF2B5EF4-FFF2-40B4-BE49-F238E27FC236}">
-                <a16:creationId xmlns:a16="http://schemas.microsoft.com/office/drawing/2014/main" id="{B6380AE6-1C85-4482-BF45-AF5B693B88FE}"/>
+                <a16:creationId xmlns:a16="http://schemas.microsoft.com/office/drawing/2014/main" id="{B0E5B5FB-D096-4060-9B99-386CE7229307}"/>
               </a:ext>
             </a:extLst>
           </p:cNvPr>
@@ -4154,7 +4167,7 @@
           <p:cNvPr id="3" name="Content Placeholder 2">
             <a:extLst>
               <a:ext uri="{FF2B5EF4-FFF2-40B4-BE49-F238E27FC236}">
-                <a16:creationId xmlns:a16="http://schemas.microsoft.com/office/drawing/2014/main" id="{C328AE24-37EF-4B54-9CEA-F816B96C5615}"/>
+                <a16:creationId xmlns:a16="http://schemas.microsoft.com/office/drawing/2014/main" id="{9199B12A-1512-4297-8892-AA70B7D7447F}"/>
               </a:ext>
             </a:extLst>
           </p:cNvPr>
@@ -4177,7 +4190,7 @@
     </p:spTree>
     <p:extLst>
       <p:ext uri="{BB962C8B-B14F-4D97-AF65-F5344CB8AC3E}">
-        <p14:creationId xmlns:p14="http://schemas.microsoft.com/office/powerpoint/2010/main" val="1048469740"/>
+        <p14:creationId xmlns:p14="http://schemas.microsoft.com/office/powerpoint/2010/main" val="997304681"/>
       </p:ext>
     </p:extLst>
   </p:cSld>
@@ -4209,7 +4222,7 @@
           <p:cNvPr id="2" name="Title 1">
             <a:extLst>
               <a:ext uri="{FF2B5EF4-FFF2-40B4-BE49-F238E27FC236}">
-                <a16:creationId xmlns:a16="http://schemas.microsoft.com/office/drawing/2014/main" id="{0AFD2B6C-3F2D-4A1F-8936-ECA641AD200D}"/>
+                <a16:creationId xmlns:a16="http://schemas.microsoft.com/office/drawing/2014/main" id="{B6380AE6-1C85-4482-BF45-AF5B693B88FE}"/>
               </a:ext>
             </a:extLst>
           </p:cNvPr>
@@ -4234,7 +4247,7 @@
           <p:cNvPr id="3" name="Content Placeholder 2">
             <a:extLst>
               <a:ext uri="{FF2B5EF4-FFF2-40B4-BE49-F238E27FC236}">
-                <a16:creationId xmlns:a16="http://schemas.microsoft.com/office/drawing/2014/main" id="{52752CB9-238A-4812-80A8-D4F6AD17F416}"/>
+                <a16:creationId xmlns:a16="http://schemas.microsoft.com/office/drawing/2014/main" id="{C328AE24-37EF-4B54-9CEA-F816B96C5615}"/>
               </a:ext>
             </a:extLst>
           </p:cNvPr>
@@ -4257,7 +4270,7 @@
     </p:spTree>
     <p:extLst>
       <p:ext uri="{BB962C8B-B14F-4D97-AF65-F5344CB8AC3E}">
-        <p14:creationId xmlns:p14="http://schemas.microsoft.com/office/powerpoint/2010/main" val="244501545"/>
+        <p14:creationId xmlns:p14="http://schemas.microsoft.com/office/powerpoint/2010/main" val="1048469740"/>
       </p:ext>
     </p:extLst>
   </p:cSld>
@@ -4289,7 +4302,7 @@
           <p:cNvPr id="2" name="Title 1">
             <a:extLst>
               <a:ext uri="{FF2B5EF4-FFF2-40B4-BE49-F238E27FC236}">
-                <a16:creationId xmlns:a16="http://schemas.microsoft.com/office/drawing/2014/main" id="{A2C5BC2B-DEEC-49EE-B6C5-A26F785C8CAE}"/>
+                <a16:creationId xmlns:a16="http://schemas.microsoft.com/office/drawing/2014/main" id="{0AFD2B6C-3F2D-4A1F-8936-ECA641AD200D}"/>
               </a:ext>
             </a:extLst>
           </p:cNvPr>
@@ -4314,7 +4327,7 @@
           <p:cNvPr id="3" name="Content Placeholder 2">
             <a:extLst>
               <a:ext uri="{FF2B5EF4-FFF2-40B4-BE49-F238E27FC236}">
-                <a16:creationId xmlns:a16="http://schemas.microsoft.com/office/drawing/2014/main" id="{FD086441-F7A3-49B4-BB99-64DF26FF8E53}"/>
+                <a16:creationId xmlns:a16="http://schemas.microsoft.com/office/drawing/2014/main" id="{52752CB9-238A-4812-80A8-D4F6AD17F416}"/>
               </a:ext>
             </a:extLst>
           </p:cNvPr>
@@ -4337,7 +4350,7 @@
     </p:spTree>
     <p:extLst>
       <p:ext uri="{BB962C8B-B14F-4D97-AF65-F5344CB8AC3E}">
-        <p14:creationId xmlns:p14="http://schemas.microsoft.com/office/powerpoint/2010/main" val="3358588205"/>
+        <p14:creationId xmlns:p14="http://schemas.microsoft.com/office/powerpoint/2010/main" val="244501545"/>
       </p:ext>
     </p:extLst>
   </p:cSld>
@@ -4499,6 +4512,86 @@
           <p:cNvPr id="2" name="Title 1">
             <a:extLst>
               <a:ext uri="{FF2B5EF4-FFF2-40B4-BE49-F238E27FC236}">
+                <a16:creationId xmlns:a16="http://schemas.microsoft.com/office/drawing/2014/main" id="{A2C5BC2B-DEEC-49EE-B6C5-A26F785C8CAE}"/>
+              </a:ext>
+            </a:extLst>
+          </p:cNvPr>
+          <p:cNvSpPr>
+            <a:spLocks noGrp="1"/>
+          </p:cNvSpPr>
+          <p:nvPr>
+            <p:ph type="title"/>
+          </p:nvPr>
+        </p:nvSpPr>
+        <p:spPr/>
+        <p:txBody>
+          <a:bodyPr/>
+          <a:lstStyle/>
+          <a:p>
+            <a:endParaRPr lang="en-US"/>
+          </a:p>
+        </p:txBody>
+      </p:sp>
+      <p:sp>
+        <p:nvSpPr>
+          <p:cNvPr id="3" name="Content Placeholder 2">
+            <a:extLst>
+              <a:ext uri="{FF2B5EF4-FFF2-40B4-BE49-F238E27FC236}">
+                <a16:creationId xmlns:a16="http://schemas.microsoft.com/office/drawing/2014/main" id="{FD086441-F7A3-49B4-BB99-64DF26FF8E53}"/>
+              </a:ext>
+            </a:extLst>
+          </p:cNvPr>
+          <p:cNvSpPr>
+            <a:spLocks noGrp="1"/>
+          </p:cNvSpPr>
+          <p:nvPr>
+            <p:ph idx="1"/>
+          </p:nvPr>
+        </p:nvSpPr>
+        <p:spPr/>
+        <p:txBody>
+          <a:bodyPr/>
+          <a:lstStyle/>
+          <a:p>
+            <a:endParaRPr lang="en-US"/>
+          </a:p>
+        </p:txBody>
+      </p:sp>
+    </p:spTree>
+    <p:extLst>
+      <p:ext uri="{BB962C8B-B14F-4D97-AF65-F5344CB8AC3E}">
+        <p14:creationId xmlns:p14="http://schemas.microsoft.com/office/powerpoint/2010/main" val="3358588205"/>
+      </p:ext>
+    </p:extLst>
+  </p:cSld>
+  <p:clrMapOvr>
+    <a:masterClrMapping/>
+  </p:clrMapOvr>
+</p:sld>
+</file>
+
+<file path=ppt/slides/slide21.xml><?xml version="1.0" encoding="utf-8"?>
+<p:sld xmlns:a="http://schemas.openxmlformats.org/drawingml/2006/main" xmlns:r="http://schemas.openxmlformats.org/officeDocument/2006/relationships" xmlns:p="http://schemas.openxmlformats.org/presentationml/2006/main">
+  <p:cSld>
+    <p:spTree>
+      <p:nvGrpSpPr>
+        <p:cNvPr id="1" name=""/>
+        <p:cNvGrpSpPr/>
+        <p:nvPr/>
+      </p:nvGrpSpPr>
+      <p:grpSpPr>
+        <a:xfrm>
+          <a:off x="0" y="0"/>
+          <a:ext cx="0" cy="0"/>
+          <a:chOff x="0" y="0"/>
+          <a:chExt cx="0" cy="0"/>
+        </a:xfrm>
+      </p:grpSpPr>
+      <p:sp>
+        <p:nvSpPr>
+          <p:cNvPr id="2" name="Title 1">
+            <a:extLst>
+              <a:ext uri="{FF2B5EF4-FFF2-40B4-BE49-F238E27FC236}">
                 <a16:creationId xmlns:a16="http://schemas.microsoft.com/office/drawing/2014/main" id="{471735B4-6033-4727-A189-1D63F97BD785}"/>
               </a:ext>
             </a:extLst>
@@ -4557,7 +4650,7 @@
 </p:sld>
 </file>
 
-<file path=ppt/slides/slide21.xml><?xml version="1.0" encoding="utf-8"?>
+<file path=ppt/slides/slide22.xml><?xml version="1.0" encoding="utf-8"?>
 <p:sld xmlns:a="http://schemas.openxmlformats.org/drawingml/2006/main" xmlns:r="http://schemas.openxmlformats.org/officeDocument/2006/relationships" xmlns:p="http://schemas.openxmlformats.org/presentationml/2006/main">
   <p:cSld>
     <p:spTree>
@@ -4656,10 +4749,10 @@
       </p:grpSpPr>
       <p:pic>
         <p:nvPicPr>
-          <p:cNvPr id="5" name="Picture 4">
-            <a:extLst>
-              <a:ext uri="{FF2B5EF4-FFF2-40B4-BE49-F238E27FC236}">
-                <a16:creationId xmlns:a16="http://schemas.microsoft.com/office/drawing/2014/main" id="{C46AABB2-5831-4A52-AF13-31168FECAFD3}"/>
+          <p:cNvPr id="6" name="Content Placeholder 10">
+            <a:extLst>
+              <a:ext uri="{FF2B5EF4-FFF2-40B4-BE49-F238E27FC236}">
+                <a16:creationId xmlns:a16="http://schemas.microsoft.com/office/drawing/2014/main" id="{B25E8274-5791-414B-88BB-53AED94BF6B8}"/>
               </a:ext>
             </a:extLst>
           </p:cNvPr>
@@ -4674,6 +4767,9 @@
               <a:ext uri="{28A0092B-C50C-407E-A947-70E740481C1C}">
                 <a14:useLocalDpi xmlns:a14="http://schemas.microsoft.com/office/drawing/2010/main" val="0"/>
               </a:ext>
+              <a:ext uri="{96DAC541-7B7A-43D3-8B79-37D633B846F1}">
+                <asvg:svgBlip xmlns:asvg="http://schemas.microsoft.com/office/drawing/2016/SVG/main" r:embed="rId3"/>
+              </a:ext>
             </a:extLst>
           </a:blip>
           <a:stretch>
@@ -4682,8 +4778,8 @@
         </p:blipFill>
         <p:spPr>
           <a:xfrm>
-            <a:off x="467591" y="3522951"/>
-            <a:ext cx="10973944" cy="3335049"/>
+            <a:off x="20591" y="3659656"/>
+            <a:ext cx="12195876" cy="3707933"/>
           </a:xfrm>
           <a:prstGeom prst="rect">
             <a:avLst/>
@@ -4786,7 +4882,7 @@
           <p:nvPr/>
         </p:nvPicPr>
         <p:blipFill>
-          <a:blip r:embed="rId3">
+          <a:blip r:embed="rId4">
             <a:extLst>
               <a:ext uri="{28A0092B-C50C-407E-A947-70E740481C1C}">
                 <a14:useLocalDpi xmlns:a14="http://schemas.microsoft.com/office/drawing/2010/main" val="0"/>
@@ -4799,8 +4895,38 @@
         </p:blipFill>
         <p:spPr>
           <a:xfrm>
-            <a:off x="5523809" y="1027906"/>
+            <a:off x="5523809" y="1220852"/>
             <a:ext cx="6517189" cy="3029975"/>
+          </a:xfrm>
+          <a:prstGeom prst="rect">
+            <a:avLst/>
+          </a:prstGeom>
+        </p:spPr>
+      </p:pic>
+      <p:pic>
+        <p:nvPicPr>
+          <p:cNvPr id="8" name="Content Placeholder 3">
+            <a:extLst>
+              <a:ext uri="{FF2B5EF4-FFF2-40B4-BE49-F238E27FC236}">
+                <a16:creationId xmlns:a16="http://schemas.microsoft.com/office/drawing/2014/main" id="{C248C636-3C56-4888-B43D-0C7744801B97}"/>
+              </a:ext>
+            </a:extLst>
+          </p:cNvPr>
+          <p:cNvPicPr>
+            <a:picLocks noChangeAspect="1"/>
+          </p:cNvPicPr>
+          <p:nvPr/>
+        </p:nvPicPr>
+        <p:blipFill>
+          <a:blip r:embed="rId5"/>
+          <a:stretch>
+            <a:fillRect/>
+          </a:stretch>
+        </p:blipFill>
+        <p:spPr>
+          <a:xfrm>
+            <a:off x="838200" y="2665988"/>
+            <a:ext cx="3812438" cy="1987335"/>
           </a:xfrm>
           <a:prstGeom prst="rect">
             <a:avLst/>
@@ -4942,27 +5068,6 @@
           </a:p>
           <a:p>
             <a:pPr lvl="1"/>
-            <a:r>
-              <a:rPr lang="en-US" dirty="0"/>
-              <a:t>Email notification system</a:t>
-            </a:r>
-          </a:p>
-          <a:p>
-            <a:pPr lvl="1"/>
-            <a:r>
-              <a:rPr lang="en-US" dirty="0"/>
-              <a:t>Bug/Error notification system</a:t>
-            </a:r>
-          </a:p>
-          <a:p>
-            <a:pPr lvl="1"/>
-            <a:r>
-              <a:rPr lang="en-US" dirty="0"/>
-              <a:t>Visually-appealing reports</a:t>
-            </a:r>
-          </a:p>
-          <a:p>
-            <a:pPr lvl="1"/>
             <a:endParaRPr lang="en-US" dirty="0"/>
           </a:p>
           <a:p>
@@ -4996,8 +5101,8 @@
         </p:blipFill>
         <p:spPr>
           <a:xfrm>
-            <a:off x="6255391" y="365125"/>
-            <a:ext cx="5264996" cy="3807119"/>
+            <a:off x="5402510" y="1265999"/>
+            <a:ext cx="6604932" cy="4776027"/>
           </a:xfrm>
           <a:prstGeom prst="rect">
             <a:avLst/>
@@ -5080,13 +5185,13 @@
         </p:nvSpPr>
         <p:spPr>
           <a:xfrm>
-            <a:off x="326472" y="1715855"/>
+            <a:off x="326472" y="1690688"/>
             <a:ext cx="10515600" cy="4351338"/>
           </a:xfrm>
         </p:spPr>
         <p:txBody>
           <a:bodyPr>
-            <a:normAutofit lnSpcReduction="10000"/>
+            <a:normAutofit/>
           </a:bodyPr>
           <a:lstStyle/>
           <a:p>
@@ -5116,113 +5221,46 @@
           </a:p>
           <a:p>
             <a:r>
+              <a:rPr lang="en-US" dirty="0"/>
+              <a:t>Creating user-friendly interface</a:t>
+            </a:r>
+          </a:p>
+          <a:p>
+            <a:pPr lvl="1"/>
+            <a:r>
+              <a:rPr lang="en-US" dirty="0"/>
+              <a:t>Online documentation</a:t>
+            </a:r>
+          </a:p>
+          <a:p>
+            <a:pPr lvl="2"/>
+            <a:r>
               <a:rPr lang="en-US" dirty="0">
-                <a:solidFill>
-                  <a:schemeClr val="bg2">
-                    <a:lumMod val="75000"/>
-                  </a:schemeClr>
-                </a:solidFill>
-              </a:rPr>
-              <a:t>Creating user-friendly interface</a:t>
-            </a:r>
+                <a:hlinkClick r:id="rId2"/>
+              </a:rPr>
+              <a:t>https://hemtools.readthedocs.io</a:t>
+            </a:r>
+            <a:endParaRPr lang="en-US" dirty="0"/>
           </a:p>
           <a:p>
             <a:pPr lvl="1"/>
             <a:r>
-              <a:rPr lang="en-US" dirty="0">
-                <a:solidFill>
-                  <a:schemeClr val="bg2">
-                    <a:lumMod val="75000"/>
-                  </a:schemeClr>
-                </a:solidFill>
-              </a:rPr>
-              <a:t>Online documentation</a:t>
-            </a:r>
-          </a:p>
-          <a:p>
-            <a:pPr lvl="2"/>
-            <a:r>
-              <a:rPr lang="en-US" dirty="0">
-                <a:solidFill>
-                  <a:schemeClr val="bg2">
-                    <a:lumMod val="75000"/>
-                  </a:schemeClr>
-                </a:solidFill>
-                <a:hlinkClick r:id="rId2">
-                  <a:extLst>
-                    <a:ext uri="{A12FA001-AC4F-418D-AE19-62706E023703}">
-                      <ahyp:hlinkClr xmlns:ahyp="http://schemas.microsoft.com/office/drawing/2018/hyperlinkcolor" val="tx"/>
-                    </a:ext>
-                  </a:extLst>
-                </a:hlinkClick>
-              </a:rPr>
-              <a:t>https://hemtools.readthedocs.io</a:t>
-            </a:r>
-            <a:endParaRPr lang="en-US" dirty="0">
-              <a:solidFill>
-                <a:schemeClr val="bg2">
-                  <a:lumMod val="75000"/>
-                </a:schemeClr>
-              </a:solidFill>
-            </a:endParaRPr>
+              <a:rPr lang="en-US" dirty="0"/>
+              <a:t>Email notification system</a:t>
+            </a:r>
           </a:p>
           <a:p>
             <a:pPr lvl="1"/>
             <a:r>
-              <a:rPr lang="en-US" dirty="0">
-                <a:solidFill>
-                  <a:schemeClr val="bg2">
-                    <a:lumMod val="75000"/>
-                  </a:schemeClr>
-                </a:solidFill>
-              </a:rPr>
-              <a:t>Email notification system</a:t>
+              <a:rPr lang="en-US" dirty="0"/>
+              <a:t>Bug/Error notification system</a:t>
             </a:r>
           </a:p>
           <a:p>
             <a:pPr lvl="1"/>
             <a:r>
-              <a:rPr lang="en-US" dirty="0">
-                <a:solidFill>
-                  <a:schemeClr val="bg2">
-                    <a:lumMod val="75000"/>
-                  </a:schemeClr>
-                </a:solidFill>
-              </a:rPr>
-              <a:t>Bug/Error notification system</a:t>
-            </a:r>
-          </a:p>
-          <a:p>
-            <a:pPr lvl="1"/>
-            <a:r>
-              <a:rPr lang="en-US" dirty="0">
-                <a:solidFill>
-                  <a:schemeClr val="bg2">
-                    <a:lumMod val="75000"/>
-                  </a:schemeClr>
-                </a:solidFill>
-              </a:rPr>
+              <a:rPr lang="en-US" dirty="0"/>
               <a:t>Visually-appealing reports</a:t>
-            </a:r>
-          </a:p>
-          <a:p>
-            <a:r>
-              <a:rPr lang="en-US" dirty="0"/>
-              <a:t>Reducing user’s mental effort  </a:t>
-            </a:r>
-          </a:p>
-          <a:p>
-            <a:pPr lvl="1"/>
-            <a:r>
-              <a:rPr lang="en-US" dirty="0"/>
-              <a:t>Free of installation</a:t>
-            </a:r>
-          </a:p>
-          <a:p>
-            <a:pPr lvl="1"/>
-            <a:r>
-              <a:rPr lang="en-US" dirty="0"/>
-              <a:t>Simple input files preparation</a:t>
             </a:r>
           </a:p>
           <a:p>
@@ -5238,10 +5276,70 @@
           </a:p>
         </p:txBody>
       </p:sp>
+      <p:pic>
+        <p:nvPicPr>
+          <p:cNvPr id="5" name="Picture 4">
+            <a:extLst>
+              <a:ext uri="{FF2B5EF4-FFF2-40B4-BE49-F238E27FC236}">
+                <a16:creationId xmlns:a16="http://schemas.microsoft.com/office/drawing/2014/main" id="{45100F05-DBEB-4AF0-909C-6DC8BEBF016D}"/>
+              </a:ext>
+            </a:extLst>
+          </p:cNvPr>
+          <p:cNvPicPr>
+            <a:picLocks noChangeAspect="1"/>
+          </p:cNvPicPr>
+          <p:nvPr/>
+        </p:nvPicPr>
+        <p:blipFill>
+          <a:blip r:embed="rId3"/>
+          <a:stretch>
+            <a:fillRect/>
+          </a:stretch>
+        </p:blipFill>
+        <p:spPr>
+          <a:xfrm>
+            <a:off x="5392078" y="66385"/>
+            <a:ext cx="6473450" cy="3799972"/>
+          </a:xfrm>
+          <a:prstGeom prst="rect">
+            <a:avLst/>
+          </a:prstGeom>
+        </p:spPr>
+      </p:pic>
+      <p:pic>
+        <p:nvPicPr>
+          <p:cNvPr id="7" name="Picture 6">
+            <a:extLst>
+              <a:ext uri="{FF2B5EF4-FFF2-40B4-BE49-F238E27FC236}">
+                <a16:creationId xmlns:a16="http://schemas.microsoft.com/office/drawing/2014/main" id="{2827844D-EC35-4324-B56F-6C1758AAF7F3}"/>
+              </a:ext>
+            </a:extLst>
+          </p:cNvPr>
+          <p:cNvPicPr>
+            <a:picLocks noChangeAspect="1"/>
+          </p:cNvPicPr>
+          <p:nvPr/>
+        </p:nvPicPr>
+        <p:blipFill>
+          <a:blip r:embed="rId4"/>
+          <a:stretch>
+            <a:fillRect/>
+          </a:stretch>
+        </p:blipFill>
+        <p:spPr>
+          <a:xfrm>
+            <a:off x="5392078" y="2332603"/>
+            <a:ext cx="4951373" cy="3664987"/>
+          </a:xfrm>
+          <a:prstGeom prst="rect">
+            <a:avLst/>
+          </a:prstGeom>
+        </p:spPr>
+      </p:pic>
     </p:spTree>
     <p:extLst>
       <p:ext uri="{BB962C8B-B14F-4D97-AF65-F5344CB8AC3E}">
-        <p14:creationId xmlns:p14="http://schemas.microsoft.com/office/powerpoint/2010/main" val="456748884"/>
+        <p14:creationId xmlns:p14="http://schemas.microsoft.com/office/powerpoint/2010/main" val="2244302008"/>
       </p:ext>
     </p:extLst>
   </p:cSld>
@@ -5273,7 +5371,7 @@
           <p:cNvPr id="2" name="Title 1">
             <a:extLst>
               <a:ext uri="{FF2B5EF4-FFF2-40B4-BE49-F238E27FC236}">
-                <a16:creationId xmlns:a16="http://schemas.microsoft.com/office/drawing/2014/main" id="{15AD1A34-A8B2-48D0-951F-79751EADEEC7}"/>
+                <a16:creationId xmlns:a16="http://schemas.microsoft.com/office/drawing/2014/main" id="{7BCD65A1-C8C9-4466-9317-79343F78ABE5}"/>
               </a:ext>
             </a:extLst>
           </p:cNvPr>
@@ -5291,7 +5389,7 @@
           <a:p>
             <a:r>
               <a:rPr lang="en-US" dirty="0"/>
-              <a:t>General principles</a:t>
+              <a:t>Software overview</a:t>
             </a:r>
           </a:p>
         </p:txBody>
@@ -5301,7 +5399,7 @@
           <p:cNvPr id="3" name="Content Placeholder 2">
             <a:extLst>
               <a:ext uri="{FF2B5EF4-FFF2-40B4-BE49-F238E27FC236}">
-                <a16:creationId xmlns:a16="http://schemas.microsoft.com/office/drawing/2014/main" id="{0BBFE8CB-EE31-4B7B-8AD9-AC66241D81BD}"/>
+                <a16:creationId xmlns:a16="http://schemas.microsoft.com/office/drawing/2014/main" id="{CAFC10A0-D3EE-4689-A712-1066982A2B20}"/>
               </a:ext>
             </a:extLst>
           </p:cNvPr>
@@ -5312,297 +5410,160 @@
             <p:ph idx="1"/>
           </p:nvPr>
         </p:nvSpPr>
-        <p:spPr/>
-        <p:txBody>
-          <a:bodyPr/>
-          <a:lstStyle/>
+        <p:spPr>
+          <a:xfrm>
+            <a:off x="326472" y="1715855"/>
+            <a:ext cx="10515600" cy="4351338"/>
+          </a:xfrm>
+        </p:spPr>
+        <p:txBody>
+          <a:bodyPr>
+            <a:normAutofit lnSpcReduction="10000"/>
+          </a:bodyPr>
+          <a:lstStyle/>
+          <a:p>
+            <a:r>
+              <a:rPr lang="en-US" dirty="0">
+                <a:solidFill>
+                  <a:schemeClr val="bg2">
+                    <a:lumMod val="75000"/>
+                  </a:schemeClr>
+                </a:solidFill>
+              </a:rPr>
+              <a:t>Minimizing computation time</a:t>
+            </a:r>
+          </a:p>
+          <a:p>
+            <a:pPr lvl="1"/>
+            <a:r>
+              <a:rPr lang="en-US" dirty="0">
+                <a:solidFill>
+                  <a:schemeClr val="bg2">
+                    <a:lumMod val="75000"/>
+                  </a:schemeClr>
+                </a:solidFill>
+              </a:rPr>
+              <a:t>A tree of sub-jobs</a:t>
+            </a:r>
+          </a:p>
+          <a:p>
+            <a:r>
+              <a:rPr lang="en-US" dirty="0">
+                <a:solidFill>
+                  <a:schemeClr val="bg2">
+                    <a:lumMod val="75000"/>
+                  </a:schemeClr>
+                </a:solidFill>
+              </a:rPr>
+              <a:t>Creating user-friendly interface</a:t>
+            </a:r>
+          </a:p>
+          <a:p>
+            <a:pPr lvl="1"/>
+            <a:r>
+              <a:rPr lang="en-US" dirty="0">
+                <a:solidFill>
+                  <a:schemeClr val="bg2">
+                    <a:lumMod val="75000"/>
+                  </a:schemeClr>
+                </a:solidFill>
+              </a:rPr>
+              <a:t>Online documentation</a:t>
+            </a:r>
+          </a:p>
+          <a:p>
+            <a:pPr lvl="2"/>
+            <a:r>
+              <a:rPr lang="en-US" dirty="0">
+                <a:solidFill>
+                  <a:schemeClr val="bg2">
+                    <a:lumMod val="75000"/>
+                  </a:schemeClr>
+                </a:solidFill>
+                <a:hlinkClick r:id="rId2">
+                  <a:extLst>
+                    <a:ext uri="{A12FA001-AC4F-418D-AE19-62706E023703}">
+                      <ahyp:hlinkClr xmlns:ahyp="http://schemas.microsoft.com/office/drawing/2018/hyperlinkcolor" val="tx"/>
+                    </a:ext>
+                  </a:extLst>
+                </a:hlinkClick>
+              </a:rPr>
+              <a:t>https://hemtools.readthedocs.io</a:t>
+            </a:r>
+            <a:endParaRPr lang="en-US" dirty="0">
+              <a:solidFill>
+                <a:schemeClr val="bg2">
+                  <a:lumMod val="75000"/>
+                </a:schemeClr>
+              </a:solidFill>
+            </a:endParaRPr>
+          </a:p>
+          <a:p>
+            <a:pPr lvl="1"/>
+            <a:r>
+              <a:rPr lang="en-US" dirty="0">
+                <a:solidFill>
+                  <a:schemeClr val="bg2">
+                    <a:lumMod val="75000"/>
+                  </a:schemeClr>
+                </a:solidFill>
+              </a:rPr>
+              <a:t>Email notification system</a:t>
+            </a:r>
+          </a:p>
+          <a:p>
+            <a:pPr lvl="1"/>
+            <a:r>
+              <a:rPr lang="en-US" dirty="0">
+                <a:solidFill>
+                  <a:schemeClr val="bg2">
+                    <a:lumMod val="75000"/>
+                  </a:schemeClr>
+                </a:solidFill>
+              </a:rPr>
+              <a:t>Bug/Error notification system</a:t>
+            </a:r>
+          </a:p>
+          <a:p>
+            <a:pPr lvl="1"/>
+            <a:r>
+              <a:rPr lang="en-US" dirty="0">
+                <a:solidFill>
+                  <a:schemeClr val="bg2">
+                    <a:lumMod val="75000"/>
+                  </a:schemeClr>
+                </a:solidFill>
+              </a:rPr>
+              <a:t>Visually-appealing reports</a:t>
+            </a:r>
+          </a:p>
           <a:p>
             <a:r>
               <a:rPr lang="en-US" dirty="0"/>
-              <a:t>Command format</a:t>
+              <a:t>Reducing user’s mental effort  </a:t>
             </a:r>
           </a:p>
           <a:p>
             <a:pPr lvl="1"/>
             <a:r>
-              <a:rPr lang="en-US" dirty="0" err="1"/>
-              <a:t>HemTools</a:t>
-            </a:r>
-            <a:r>
               <a:rPr lang="en-US" dirty="0"/>
-              <a:t>   </a:t>
-            </a:r>
-            <a:r>
-              <a:rPr lang="en-US" dirty="0" err="1"/>
-              <a:t>subcmd</a:t>
-            </a:r>
+              <a:t>Free of installation</a:t>
+            </a:r>
+          </a:p>
+          <a:p>
+            <a:pPr lvl="1"/>
             <a:r>
               <a:rPr lang="en-US" dirty="0"/>
-              <a:t>   </a:t>
-            </a:r>
-            <a:r>
-              <a:rPr lang="en-US" dirty="0" err="1"/>
-              <a:t>some_required_parameters</a:t>
-            </a:r>
-            <a:br>
-              <a:rPr lang="en-US" dirty="0"/>
-            </a:br>
+              <a:t>Simple input files preparation</a:t>
+            </a:r>
+          </a:p>
+          <a:p>
+            <a:pPr lvl="1"/>
             <a:endParaRPr lang="en-US" dirty="0"/>
           </a:p>
           <a:p>
             <a:pPr lvl="1"/>
-            <a:r>
-              <a:rPr lang="en-US" sz="1800" dirty="0" err="1">
-                <a:latin typeface="Consolas" panose="020B0609020204030204" pitchFamily="49" charset="0"/>
-                <a:cs typeface="Consolas" panose="020B0609020204030204" pitchFamily="49" charset="0"/>
-              </a:rPr>
-              <a:t>HemTools</a:t>
-            </a:r>
-            <a:r>
-              <a:rPr lang="en-US" sz="1800" dirty="0">
-                <a:latin typeface="Consolas" panose="020B0609020204030204" pitchFamily="49" charset="0"/>
-                <a:cs typeface="Consolas" panose="020B0609020204030204" pitchFamily="49" charset="0"/>
-              </a:rPr>
-              <a:t> </a:t>
-            </a:r>
-            <a:r>
-              <a:rPr lang="en-US" sz="1800" dirty="0" err="1">
-                <a:latin typeface="Consolas" panose="020B0609020204030204" pitchFamily="49" charset="0"/>
-                <a:cs typeface="Consolas" panose="020B0609020204030204" pitchFamily="49" charset="0"/>
-              </a:rPr>
-              <a:t>atac_seq</a:t>
-            </a:r>
-            <a:r>
-              <a:rPr lang="en-US" sz="1800" dirty="0">
-                <a:latin typeface="Consolas" panose="020B0609020204030204" pitchFamily="49" charset="0"/>
-                <a:cs typeface="Consolas" panose="020B0609020204030204" pitchFamily="49" charset="0"/>
-              </a:rPr>
-              <a:t> -f </a:t>
-            </a:r>
-            <a:r>
-              <a:rPr lang="en-US" sz="1800" dirty="0" err="1">
-                <a:latin typeface="Consolas" panose="020B0609020204030204" pitchFamily="49" charset="0"/>
-                <a:cs typeface="Consolas" panose="020B0609020204030204" pitchFamily="49" charset="0"/>
-              </a:rPr>
-              <a:t>fastq.tsv</a:t>
-            </a:r>
-            <a:br>
-              <a:rPr lang="en-US" sz="1800" dirty="0">
-                <a:latin typeface="Consolas" panose="020B0609020204030204" pitchFamily="49" charset="0"/>
-                <a:cs typeface="Consolas" panose="020B0609020204030204" pitchFamily="49" charset="0"/>
-              </a:rPr>
-            </a:br>
-            <a:endParaRPr lang="en-US" sz="1800" dirty="0">
-              <a:latin typeface="Consolas" panose="020B0609020204030204" pitchFamily="49" charset="0"/>
-              <a:cs typeface="Consolas" panose="020B0609020204030204" pitchFamily="49" charset="0"/>
-            </a:endParaRPr>
-          </a:p>
-          <a:p>
-            <a:pPr lvl="1"/>
-            <a:r>
-              <a:rPr lang="en-US" sz="1800" dirty="0" err="1">
-                <a:latin typeface="Consolas" panose="020B0609020204030204" pitchFamily="49" charset="0"/>
-                <a:cs typeface="Consolas" panose="020B0609020204030204" pitchFamily="49" charset="0"/>
-              </a:rPr>
-              <a:t>HemTools</a:t>
-            </a:r>
-            <a:r>
-              <a:rPr lang="en-US" sz="1800" dirty="0">
-                <a:latin typeface="Consolas" panose="020B0609020204030204" pitchFamily="49" charset="0"/>
-                <a:cs typeface="Consolas" panose="020B0609020204030204" pitchFamily="49" charset="0"/>
-              </a:rPr>
-              <a:t> </a:t>
-            </a:r>
-            <a:r>
-              <a:rPr lang="en-US" sz="1800" dirty="0" err="1">
-                <a:latin typeface="Consolas" panose="020B0609020204030204" pitchFamily="49" charset="0"/>
-                <a:cs typeface="Consolas" panose="020B0609020204030204" pitchFamily="49" charset="0"/>
-              </a:rPr>
-              <a:t>cut_run</a:t>
-            </a:r>
-            <a:r>
-              <a:rPr lang="en-US" sz="1800" dirty="0">
-                <a:latin typeface="Consolas" panose="020B0609020204030204" pitchFamily="49" charset="0"/>
-                <a:cs typeface="Consolas" panose="020B0609020204030204" pitchFamily="49" charset="0"/>
-              </a:rPr>
-              <a:t> -f </a:t>
-            </a:r>
-            <a:r>
-              <a:rPr lang="en-US" sz="1800" dirty="0" err="1">
-                <a:latin typeface="Consolas" panose="020B0609020204030204" pitchFamily="49" charset="0"/>
-                <a:cs typeface="Consolas" panose="020B0609020204030204" pitchFamily="49" charset="0"/>
-              </a:rPr>
-              <a:t>fastq.tsv</a:t>
-            </a:r>
-            <a:r>
-              <a:rPr lang="en-US" sz="1800" dirty="0">
-                <a:latin typeface="Consolas" panose="020B0609020204030204" pitchFamily="49" charset="0"/>
-                <a:cs typeface="Consolas" panose="020B0609020204030204" pitchFamily="49" charset="0"/>
-              </a:rPr>
-              <a:t> -d </a:t>
-            </a:r>
-            <a:r>
-              <a:rPr lang="en-US" sz="1800" dirty="0" err="1">
-                <a:latin typeface="Consolas" panose="020B0609020204030204" pitchFamily="49" charset="0"/>
-                <a:cs typeface="Consolas" panose="020B0609020204030204" pitchFamily="49" charset="0"/>
-              </a:rPr>
-              <a:t>peakcall.tsv</a:t>
-            </a:r>
-            <a:br>
-              <a:rPr lang="en-US" sz="1800" dirty="0">
-                <a:latin typeface="Consolas" panose="020B0609020204030204" pitchFamily="49" charset="0"/>
-                <a:cs typeface="Consolas" panose="020B0609020204030204" pitchFamily="49" charset="0"/>
-              </a:rPr>
-            </a:br>
-            <a:endParaRPr lang="en-US" sz="1800" dirty="0">
-              <a:latin typeface="Consolas" panose="020B0609020204030204" pitchFamily="49" charset="0"/>
-              <a:cs typeface="Consolas" panose="020B0609020204030204" pitchFamily="49" charset="0"/>
-            </a:endParaRPr>
-          </a:p>
-          <a:p>
-            <a:pPr lvl="1"/>
-            <a:r>
-              <a:rPr lang="en-US" sz="1800" dirty="0" err="1">
-                <a:latin typeface="Consolas" panose="020B0609020204030204" pitchFamily="49" charset="0"/>
-                <a:cs typeface="Consolas" panose="020B0609020204030204" pitchFamily="49" charset="0"/>
-              </a:rPr>
-              <a:t>HemTools</a:t>
-            </a:r>
-            <a:r>
-              <a:rPr lang="en-US" sz="1800" dirty="0">
-                <a:latin typeface="Consolas" panose="020B0609020204030204" pitchFamily="49" charset="0"/>
-                <a:cs typeface="Consolas" panose="020B0609020204030204" pitchFamily="49" charset="0"/>
-              </a:rPr>
-              <a:t> </a:t>
-            </a:r>
-            <a:r>
-              <a:rPr lang="en-US" sz="1800" dirty="0" err="1">
-                <a:latin typeface="Consolas" panose="020B0609020204030204" pitchFamily="49" charset="0"/>
-                <a:cs typeface="Consolas" panose="020B0609020204030204" pitchFamily="49" charset="0"/>
-              </a:rPr>
-              <a:t>chip_seq_single</a:t>
-            </a:r>
-            <a:r>
-              <a:rPr lang="en-US" sz="1800" dirty="0">
-                <a:latin typeface="Consolas" panose="020B0609020204030204" pitchFamily="49" charset="0"/>
-                <a:cs typeface="Consolas" panose="020B0609020204030204" pitchFamily="49" charset="0"/>
-              </a:rPr>
-              <a:t> -f </a:t>
-            </a:r>
-            <a:r>
-              <a:rPr lang="en-US" sz="1800" dirty="0" err="1">
-                <a:latin typeface="Consolas" panose="020B0609020204030204" pitchFamily="49" charset="0"/>
-                <a:cs typeface="Consolas" panose="020B0609020204030204" pitchFamily="49" charset="0"/>
-              </a:rPr>
-              <a:t>fastq.tsv</a:t>
-            </a:r>
-            <a:r>
-              <a:rPr lang="en-US" sz="1800" dirty="0">
-                <a:latin typeface="Consolas" panose="020B0609020204030204" pitchFamily="49" charset="0"/>
-                <a:cs typeface="Consolas" panose="020B0609020204030204" pitchFamily="49" charset="0"/>
-              </a:rPr>
-              <a:t> -d </a:t>
-            </a:r>
-            <a:r>
-              <a:rPr lang="en-US" sz="1800" dirty="0" err="1">
-                <a:latin typeface="Consolas" panose="020B0609020204030204" pitchFamily="49" charset="0"/>
-                <a:cs typeface="Consolas" panose="020B0609020204030204" pitchFamily="49" charset="0"/>
-              </a:rPr>
-              <a:t>peakcall.tsv</a:t>
-            </a:r>
-            <a:br>
-              <a:rPr lang="en-US" sz="1800" dirty="0">
-                <a:latin typeface="Consolas" panose="020B0609020204030204" pitchFamily="49" charset="0"/>
-                <a:cs typeface="Consolas" panose="020B0609020204030204" pitchFamily="49" charset="0"/>
-              </a:rPr>
-            </a:br>
-            <a:endParaRPr lang="en-US" sz="1800" dirty="0">
-              <a:latin typeface="Consolas" panose="020B0609020204030204" pitchFamily="49" charset="0"/>
-              <a:cs typeface="Consolas" panose="020B0609020204030204" pitchFamily="49" charset="0"/>
-            </a:endParaRPr>
-          </a:p>
-          <a:p>
-            <a:pPr lvl="1"/>
-            <a:r>
-              <a:rPr lang="en-US" sz="1800" dirty="0" err="1">
-                <a:latin typeface="Consolas" panose="020B0609020204030204" pitchFamily="49" charset="0"/>
-                <a:cs typeface="Consolas" panose="020B0609020204030204" pitchFamily="49" charset="0"/>
-              </a:rPr>
-              <a:t>HemTools</a:t>
-            </a:r>
-            <a:r>
-              <a:rPr lang="en-US" sz="1800" dirty="0">
-                <a:latin typeface="Consolas" panose="020B0609020204030204" pitchFamily="49" charset="0"/>
-                <a:cs typeface="Consolas" panose="020B0609020204030204" pitchFamily="49" charset="0"/>
-              </a:rPr>
-              <a:t> </a:t>
-            </a:r>
-            <a:r>
-              <a:rPr lang="en-US" sz="1800" dirty="0" err="1">
-                <a:latin typeface="Consolas" panose="020B0609020204030204" pitchFamily="49" charset="0"/>
-                <a:cs typeface="Consolas" panose="020B0609020204030204" pitchFamily="49" charset="0"/>
-              </a:rPr>
-              <a:t>chip_seq_pair</a:t>
-            </a:r>
-            <a:r>
-              <a:rPr lang="en-US" sz="1800" dirty="0">
-                <a:latin typeface="Consolas" panose="020B0609020204030204" pitchFamily="49" charset="0"/>
-                <a:cs typeface="Consolas" panose="020B0609020204030204" pitchFamily="49" charset="0"/>
-              </a:rPr>
-              <a:t> -f </a:t>
-            </a:r>
-            <a:r>
-              <a:rPr lang="en-US" sz="1800" dirty="0" err="1">
-                <a:latin typeface="Consolas" panose="020B0609020204030204" pitchFamily="49" charset="0"/>
-                <a:cs typeface="Consolas" panose="020B0609020204030204" pitchFamily="49" charset="0"/>
-              </a:rPr>
-              <a:t>fastq.tsv</a:t>
-            </a:r>
-            <a:r>
-              <a:rPr lang="en-US" sz="1800" dirty="0">
-                <a:latin typeface="Consolas" panose="020B0609020204030204" pitchFamily="49" charset="0"/>
-                <a:cs typeface="Consolas" panose="020B0609020204030204" pitchFamily="49" charset="0"/>
-              </a:rPr>
-              <a:t> -d </a:t>
-            </a:r>
-            <a:r>
-              <a:rPr lang="en-US" sz="1800" dirty="0" err="1">
-                <a:latin typeface="Consolas" panose="020B0609020204030204" pitchFamily="49" charset="0"/>
-                <a:cs typeface="Consolas" panose="020B0609020204030204" pitchFamily="49" charset="0"/>
-              </a:rPr>
-              <a:t>peakcall.tsv</a:t>
-            </a:r>
-            <a:endParaRPr lang="en-US" sz="1800" dirty="0">
-              <a:latin typeface="Consolas" panose="020B0609020204030204" pitchFamily="49" charset="0"/>
-              <a:cs typeface="Consolas" panose="020B0609020204030204" pitchFamily="49" charset="0"/>
-            </a:endParaRPr>
-          </a:p>
-          <a:p>
-            <a:pPr lvl="1"/>
-            <a:endParaRPr lang="en-US" sz="1800" dirty="0">
-              <a:highlight>
-                <a:srgbClr val="C0C0C0"/>
-              </a:highlight>
-              <a:latin typeface="Consolas" panose="020B0609020204030204" pitchFamily="49" charset="0"/>
-              <a:cs typeface="Consolas" panose="020B0609020204030204" pitchFamily="49" charset="0"/>
-            </a:endParaRPr>
-          </a:p>
-          <a:p>
-            <a:pPr lvl="1"/>
-            <a:r>
-              <a:rPr lang="en-US" sz="1800" dirty="0" err="1">
-                <a:latin typeface="Consolas" panose="020B0609020204030204" pitchFamily="49" charset="0"/>
-                <a:cs typeface="Consolas" panose="020B0609020204030204" pitchFamily="49" charset="0"/>
-              </a:rPr>
-              <a:t>Subcmd</a:t>
-            </a:r>
-            <a:r>
-              <a:rPr lang="en-US" sz="1800" dirty="0">
-                <a:latin typeface="Consolas" panose="020B0609020204030204" pitchFamily="49" charset="0"/>
-                <a:cs typeface="Consolas" panose="020B0609020204030204" pitchFamily="49" charset="0"/>
-              </a:rPr>
-              <a:t> is case-insensitive</a:t>
-            </a:r>
+            <a:endParaRPr lang="en-US" dirty="0"/>
           </a:p>
           <a:p>
             <a:endParaRPr lang="en-US" dirty="0"/>
@@ -5612,7 +5573,7 @@
     </p:spTree>
     <p:extLst>
       <p:ext uri="{BB962C8B-B14F-4D97-AF65-F5344CB8AC3E}">
-        <p14:creationId xmlns:p14="http://schemas.microsoft.com/office/powerpoint/2010/main" val="2098964821"/>
+        <p14:creationId xmlns:p14="http://schemas.microsoft.com/office/powerpoint/2010/main" val="456748884"/>
       </p:ext>
     </p:extLst>
   </p:cSld>
@@ -5696,6 +5657,33 @@
           <a:p>
             <a:pPr lvl="1"/>
             <a:r>
+              <a:rPr lang="en-US" dirty="0" err="1"/>
+              <a:t>HemTools</a:t>
+            </a:r>
+            <a:r>
+              <a:rPr lang="en-US" dirty="0"/>
+              <a:t>   </a:t>
+            </a:r>
+            <a:r>
+              <a:rPr lang="en-US" dirty="0" err="1"/>
+              <a:t>subcmd</a:t>
+            </a:r>
+            <a:r>
+              <a:rPr lang="en-US" dirty="0"/>
+              <a:t>   </a:t>
+            </a:r>
+            <a:r>
+              <a:rPr lang="en-US" dirty="0" err="1"/>
+              <a:t>some_required_parameters</a:t>
+            </a:r>
+            <a:br>
+              <a:rPr lang="en-US" dirty="0"/>
+            </a:br>
+            <a:endParaRPr lang="en-US" dirty="0"/>
+          </a:p>
+          <a:p>
+            <a:pPr lvl="1"/>
+            <a:r>
               <a:rPr lang="en-US" sz="1800" dirty="0" err="1">
                 <a:latin typeface="Consolas" panose="020B0609020204030204" pitchFamily="49" charset="0"/>
                 <a:cs typeface="Consolas" panose="020B0609020204030204" pitchFamily="49" charset="0"/>
@@ -5730,6 +5718,12 @@
               </a:rPr>
               <a:t>fastq.tsv</a:t>
             </a:r>
+            <a:br>
+              <a:rPr lang="en-US" sz="1800" dirty="0">
+                <a:latin typeface="Consolas" panose="020B0609020204030204" pitchFamily="49" charset="0"/>
+                <a:cs typeface="Consolas" panose="020B0609020204030204" pitchFamily="49" charset="0"/>
+              </a:rPr>
+            </a:br>
             <a:endParaRPr lang="en-US" sz="1800" dirty="0">
               <a:latin typeface="Consolas" panose="020B0609020204030204" pitchFamily="49" charset="0"/>
               <a:cs typeface="Consolas" panose="020B0609020204030204" pitchFamily="49" charset="0"/>
@@ -5786,6 +5780,12 @@
               </a:rPr>
               <a:t>peakcall.tsv</a:t>
             </a:r>
+            <a:br>
+              <a:rPr lang="en-US" sz="1800" dirty="0">
+                <a:latin typeface="Consolas" panose="020B0609020204030204" pitchFamily="49" charset="0"/>
+                <a:cs typeface="Consolas" panose="020B0609020204030204" pitchFamily="49" charset="0"/>
+              </a:rPr>
+            </a:br>
             <a:endParaRPr lang="en-US" sz="1800" dirty="0">
               <a:latin typeface="Consolas" panose="020B0609020204030204" pitchFamily="49" charset="0"/>
               <a:cs typeface="Consolas" panose="020B0609020204030204" pitchFamily="49" charset="0"/>
@@ -5842,6 +5842,12 @@
               </a:rPr>
               <a:t>peakcall.tsv</a:t>
             </a:r>
+            <a:br>
+              <a:rPr lang="en-US" sz="1800" dirty="0">
+                <a:latin typeface="Consolas" panose="020B0609020204030204" pitchFamily="49" charset="0"/>
+                <a:cs typeface="Consolas" panose="020B0609020204030204" pitchFamily="49" charset="0"/>
+              </a:rPr>
+            </a:br>
             <a:endParaRPr lang="en-US" sz="1800" dirty="0">
               <a:latin typeface="Consolas" panose="020B0609020204030204" pitchFamily="49" charset="0"/>
               <a:cs typeface="Consolas" panose="020B0609020204030204" pitchFamily="49" charset="0"/>
@@ -5898,6 +5904,13 @@
               </a:rPr>
               <a:t>peakcall.tsv</a:t>
             </a:r>
+            <a:endParaRPr lang="en-US" sz="1800" dirty="0">
+              <a:latin typeface="Consolas" panose="020B0609020204030204" pitchFamily="49" charset="0"/>
+              <a:cs typeface="Consolas" panose="020B0609020204030204" pitchFamily="49" charset="0"/>
+            </a:endParaRPr>
+          </a:p>
+          <a:p>
+            <a:pPr lvl="1"/>
             <a:endParaRPr lang="en-US" sz="1800" dirty="0">
               <a:highlight>
                 <a:srgbClr val="C0C0C0"/>
@@ -5907,178 +5920,31 @@
             </a:endParaRPr>
           </a:p>
           <a:p>
-            <a:r>
-              <a:rPr lang="en-US" dirty="0"/>
-              <a:t>Input format (</a:t>
-            </a:r>
-            <a:r>
-              <a:rPr lang="en-US" dirty="0" err="1"/>
-              <a:t>tsv</a:t>
-            </a:r>
-            <a:r>
-              <a:rPr lang="en-US" dirty="0"/>
-              <a:t>, tab-separated values)</a:t>
-            </a:r>
-          </a:p>
-          <a:p>
-            <a:pPr marL="0" indent="0">
-              <a:buNone/>
-            </a:pPr>
+            <a:pPr lvl="1"/>
+            <a:r>
+              <a:rPr lang="en-US" sz="1800" dirty="0" err="1">
+                <a:latin typeface="Consolas" panose="020B0609020204030204" pitchFamily="49" charset="0"/>
+                <a:cs typeface="Consolas" panose="020B0609020204030204" pitchFamily="49" charset="0"/>
+              </a:rPr>
+              <a:t>Subcmd</a:t>
+            </a:r>
+            <a:r>
+              <a:rPr lang="en-US" sz="1800" dirty="0">
+                <a:latin typeface="Consolas" panose="020B0609020204030204" pitchFamily="49" charset="0"/>
+                <a:cs typeface="Consolas" panose="020B0609020204030204" pitchFamily="49" charset="0"/>
+              </a:rPr>
+              <a:t> is case-insensitive</a:t>
+            </a:r>
+          </a:p>
+          <a:p>
             <a:endParaRPr lang="en-US" dirty="0"/>
-          </a:p>
-        </p:txBody>
-      </p:sp>
-      <p:pic>
-        <p:nvPicPr>
-          <p:cNvPr id="5" name="Picture 4">
-            <a:extLst>
-              <a:ext uri="{FF2B5EF4-FFF2-40B4-BE49-F238E27FC236}">
-                <a16:creationId xmlns:a16="http://schemas.microsoft.com/office/drawing/2014/main" id="{D5E8DA78-8DF1-4480-8E81-EFE3DA380020}"/>
-              </a:ext>
-            </a:extLst>
-          </p:cNvPr>
-          <p:cNvPicPr>
-            <a:picLocks noChangeAspect="1"/>
-          </p:cNvPicPr>
-          <p:nvPr/>
-        </p:nvPicPr>
-        <p:blipFill>
-          <a:blip r:embed="rId2">
-            <a:extLst>
-              <a:ext uri="{28A0092B-C50C-407E-A947-70E740481C1C}">
-                <a14:useLocalDpi xmlns:a14="http://schemas.microsoft.com/office/drawing/2010/main" val="0"/>
-              </a:ext>
-            </a:extLst>
-          </a:blip>
-          <a:stretch>
-            <a:fillRect/>
-          </a:stretch>
-        </p:blipFill>
-        <p:spPr>
-          <a:xfrm>
-            <a:off x="50334" y="4604391"/>
-            <a:ext cx="7508147" cy="1415868"/>
-          </a:xfrm>
-          <a:prstGeom prst="rect">
-            <a:avLst/>
-          </a:prstGeom>
-        </p:spPr>
-      </p:pic>
-      <p:sp>
-        <p:nvSpPr>
-          <p:cNvPr id="6" name="Rectangle 5">
-            <a:extLst>
-              <a:ext uri="{FF2B5EF4-FFF2-40B4-BE49-F238E27FC236}">
-                <a16:creationId xmlns:a16="http://schemas.microsoft.com/office/drawing/2014/main" id="{7450E78C-F44E-449B-9EE5-8445CA27129B}"/>
-              </a:ext>
-            </a:extLst>
-          </p:cNvPr>
-          <p:cNvSpPr/>
-          <p:nvPr/>
-        </p:nvSpPr>
-        <p:spPr>
-          <a:xfrm>
-            <a:off x="8854622" y="4114926"/>
-            <a:ext cx="2418739" cy="369332"/>
-          </a:xfrm>
-          <a:prstGeom prst="rect">
-            <a:avLst/>
-          </a:prstGeom>
-        </p:spPr>
-        <p:txBody>
-          <a:bodyPr wrap="none">
-            <a:spAutoFit/>
-          </a:bodyPr>
-          <a:lstStyle/>
-          <a:p>
-            <a:pPr lvl="1"/>
-            <a:r>
-              <a:rPr lang="en-US" dirty="0"/>
-              <a:t>-d, --</a:t>
-            </a:r>
-            <a:r>
-              <a:rPr lang="en-US" dirty="0" err="1"/>
-              <a:t>design_matrix</a:t>
-            </a:r>
-            <a:endParaRPr lang="en-US" dirty="0"/>
-          </a:p>
-        </p:txBody>
-      </p:sp>
-      <p:pic>
-        <p:nvPicPr>
-          <p:cNvPr id="7" name="Picture 6">
-            <a:extLst>
-              <a:ext uri="{FF2B5EF4-FFF2-40B4-BE49-F238E27FC236}">
-                <a16:creationId xmlns:a16="http://schemas.microsoft.com/office/drawing/2014/main" id="{24EF94A9-7256-4C7A-9930-6B0E9F79D6E3}"/>
-              </a:ext>
-            </a:extLst>
-          </p:cNvPr>
-          <p:cNvPicPr>
-            <a:picLocks noChangeAspect="1"/>
-          </p:cNvPicPr>
-          <p:nvPr/>
-        </p:nvPicPr>
-        <p:blipFill>
-          <a:blip r:embed="rId3">
-            <a:extLst>
-              <a:ext uri="{28A0092B-C50C-407E-A947-70E740481C1C}">
-                <a14:useLocalDpi xmlns:a14="http://schemas.microsoft.com/office/drawing/2010/main" val="0"/>
-              </a:ext>
-            </a:extLst>
-          </a:blip>
-          <a:stretch>
-            <a:fillRect/>
-          </a:stretch>
-        </p:blipFill>
-        <p:spPr>
-          <a:xfrm>
-            <a:off x="7688061" y="4604391"/>
-            <a:ext cx="4453605" cy="1355802"/>
-          </a:xfrm>
-          <a:prstGeom prst="rect">
-            <a:avLst/>
-          </a:prstGeom>
-        </p:spPr>
-      </p:pic>
-      <p:sp>
-        <p:nvSpPr>
-          <p:cNvPr id="8" name="Rectangle 7">
-            <a:extLst>
-              <a:ext uri="{FF2B5EF4-FFF2-40B4-BE49-F238E27FC236}">
-                <a16:creationId xmlns:a16="http://schemas.microsoft.com/office/drawing/2014/main" id="{827B86C4-4A9A-4EFC-8272-A390A39E32DD}"/>
-              </a:ext>
-            </a:extLst>
-          </p:cNvPr>
-          <p:cNvSpPr/>
-          <p:nvPr/>
-        </p:nvSpPr>
-        <p:spPr>
-          <a:xfrm>
-            <a:off x="2566075" y="4235059"/>
-            <a:ext cx="1520224" cy="369332"/>
-          </a:xfrm>
-          <a:prstGeom prst="rect">
-            <a:avLst/>
-          </a:prstGeom>
-        </p:spPr>
-        <p:txBody>
-          <a:bodyPr wrap="none">
-            <a:spAutoFit/>
-          </a:bodyPr>
-          <a:lstStyle/>
-          <a:p>
-            <a:pPr lvl="1"/>
-            <a:r>
-              <a:rPr lang="en-US" dirty="0"/>
-              <a:t>-f, --input</a:t>
-            </a:r>
           </a:p>
         </p:txBody>
       </p:sp>
     </p:spTree>
     <p:extLst>
       <p:ext uri="{BB962C8B-B14F-4D97-AF65-F5344CB8AC3E}">
-        <p14:creationId xmlns:p14="http://schemas.microsoft.com/office/powerpoint/2010/main" val="498713462"/>
+        <p14:creationId xmlns:p14="http://schemas.microsoft.com/office/powerpoint/2010/main" val="2098964821"/>
       </p:ext>
     </p:extLst>
   </p:cSld>
@@ -6156,21 +6022,395 @@
           <a:p>
             <a:r>
               <a:rPr lang="en-US" dirty="0"/>
-              <a:t>Output format</a:t>
-            </a:r>
-          </a:p>
-          <a:p>
+              <a:t>Command format</a:t>
+            </a:r>
+          </a:p>
+          <a:p>
+            <a:pPr lvl="1"/>
+            <a:r>
+              <a:rPr lang="en-US" sz="1800" dirty="0" err="1">
+                <a:latin typeface="Consolas" panose="020B0609020204030204" pitchFamily="49" charset="0"/>
+                <a:cs typeface="Consolas" panose="020B0609020204030204" pitchFamily="49" charset="0"/>
+              </a:rPr>
+              <a:t>HemTools</a:t>
+            </a:r>
+            <a:r>
+              <a:rPr lang="en-US" sz="1800" dirty="0">
+                <a:latin typeface="Consolas" panose="020B0609020204030204" pitchFamily="49" charset="0"/>
+                <a:cs typeface="Consolas" panose="020B0609020204030204" pitchFamily="49" charset="0"/>
+              </a:rPr>
+              <a:t> </a:t>
+            </a:r>
+            <a:r>
+              <a:rPr lang="en-US" sz="1800" dirty="0" err="1">
+                <a:latin typeface="Consolas" panose="020B0609020204030204" pitchFamily="49" charset="0"/>
+                <a:cs typeface="Consolas" panose="020B0609020204030204" pitchFamily="49" charset="0"/>
+              </a:rPr>
+              <a:t>atac_seq</a:t>
+            </a:r>
+            <a:r>
+              <a:rPr lang="en-US" sz="1800" dirty="0">
+                <a:latin typeface="Consolas" panose="020B0609020204030204" pitchFamily="49" charset="0"/>
+                <a:cs typeface="Consolas" panose="020B0609020204030204" pitchFamily="49" charset="0"/>
+              </a:rPr>
+              <a:t> -f </a:t>
+            </a:r>
+            <a:r>
+              <a:rPr lang="en-US" sz="1800" dirty="0" err="1">
+                <a:latin typeface="Consolas" panose="020B0609020204030204" pitchFamily="49" charset="0"/>
+                <a:cs typeface="Consolas" panose="020B0609020204030204" pitchFamily="49" charset="0"/>
+              </a:rPr>
+              <a:t>fastq.tsv</a:t>
+            </a:r>
+            <a:endParaRPr lang="en-US" sz="1800" dirty="0">
+              <a:latin typeface="Consolas" panose="020B0609020204030204" pitchFamily="49" charset="0"/>
+              <a:cs typeface="Consolas" panose="020B0609020204030204" pitchFamily="49" charset="0"/>
+            </a:endParaRPr>
+          </a:p>
+          <a:p>
+            <a:pPr lvl="1"/>
+            <a:r>
+              <a:rPr lang="en-US" sz="1800" dirty="0" err="1">
+                <a:latin typeface="Consolas" panose="020B0609020204030204" pitchFamily="49" charset="0"/>
+                <a:cs typeface="Consolas" panose="020B0609020204030204" pitchFamily="49" charset="0"/>
+              </a:rPr>
+              <a:t>HemTools</a:t>
+            </a:r>
+            <a:r>
+              <a:rPr lang="en-US" sz="1800" dirty="0">
+                <a:latin typeface="Consolas" panose="020B0609020204030204" pitchFamily="49" charset="0"/>
+                <a:cs typeface="Consolas" panose="020B0609020204030204" pitchFamily="49" charset="0"/>
+              </a:rPr>
+              <a:t> </a:t>
+            </a:r>
+            <a:r>
+              <a:rPr lang="en-US" sz="1800" dirty="0" err="1">
+                <a:latin typeface="Consolas" panose="020B0609020204030204" pitchFamily="49" charset="0"/>
+                <a:cs typeface="Consolas" panose="020B0609020204030204" pitchFamily="49" charset="0"/>
+              </a:rPr>
+              <a:t>cut_run</a:t>
+            </a:r>
+            <a:r>
+              <a:rPr lang="en-US" sz="1800" dirty="0">
+                <a:latin typeface="Consolas" panose="020B0609020204030204" pitchFamily="49" charset="0"/>
+                <a:cs typeface="Consolas" panose="020B0609020204030204" pitchFamily="49" charset="0"/>
+              </a:rPr>
+              <a:t> -f </a:t>
+            </a:r>
+            <a:r>
+              <a:rPr lang="en-US" sz="1800" dirty="0" err="1">
+                <a:latin typeface="Consolas" panose="020B0609020204030204" pitchFamily="49" charset="0"/>
+                <a:cs typeface="Consolas" panose="020B0609020204030204" pitchFamily="49" charset="0"/>
+              </a:rPr>
+              <a:t>fastq.tsv</a:t>
+            </a:r>
+            <a:r>
+              <a:rPr lang="en-US" sz="1800" dirty="0">
+                <a:latin typeface="Consolas" panose="020B0609020204030204" pitchFamily="49" charset="0"/>
+                <a:cs typeface="Consolas" panose="020B0609020204030204" pitchFamily="49" charset="0"/>
+              </a:rPr>
+              <a:t> -d </a:t>
+            </a:r>
+            <a:r>
+              <a:rPr lang="en-US" sz="1800" dirty="0" err="1">
+                <a:latin typeface="Consolas" panose="020B0609020204030204" pitchFamily="49" charset="0"/>
+                <a:cs typeface="Consolas" panose="020B0609020204030204" pitchFamily="49" charset="0"/>
+              </a:rPr>
+              <a:t>peakcall.tsv</a:t>
+            </a:r>
+            <a:endParaRPr lang="en-US" sz="1800" dirty="0">
+              <a:latin typeface="Consolas" panose="020B0609020204030204" pitchFamily="49" charset="0"/>
+              <a:cs typeface="Consolas" panose="020B0609020204030204" pitchFamily="49" charset="0"/>
+            </a:endParaRPr>
+          </a:p>
+          <a:p>
+            <a:pPr lvl="1"/>
+            <a:r>
+              <a:rPr lang="en-US" sz="1800" dirty="0" err="1">
+                <a:latin typeface="Consolas" panose="020B0609020204030204" pitchFamily="49" charset="0"/>
+                <a:cs typeface="Consolas" panose="020B0609020204030204" pitchFamily="49" charset="0"/>
+              </a:rPr>
+              <a:t>HemTools</a:t>
+            </a:r>
+            <a:r>
+              <a:rPr lang="en-US" sz="1800" dirty="0">
+                <a:latin typeface="Consolas" panose="020B0609020204030204" pitchFamily="49" charset="0"/>
+                <a:cs typeface="Consolas" panose="020B0609020204030204" pitchFamily="49" charset="0"/>
+              </a:rPr>
+              <a:t> </a:t>
+            </a:r>
+            <a:r>
+              <a:rPr lang="en-US" sz="1800" dirty="0" err="1">
+                <a:latin typeface="Consolas" panose="020B0609020204030204" pitchFamily="49" charset="0"/>
+                <a:cs typeface="Consolas" panose="020B0609020204030204" pitchFamily="49" charset="0"/>
+              </a:rPr>
+              <a:t>chip_seq_single</a:t>
+            </a:r>
+            <a:r>
+              <a:rPr lang="en-US" sz="1800" dirty="0">
+                <a:latin typeface="Consolas" panose="020B0609020204030204" pitchFamily="49" charset="0"/>
+                <a:cs typeface="Consolas" panose="020B0609020204030204" pitchFamily="49" charset="0"/>
+              </a:rPr>
+              <a:t> -f </a:t>
+            </a:r>
+            <a:r>
+              <a:rPr lang="en-US" sz="1800" dirty="0" err="1">
+                <a:latin typeface="Consolas" panose="020B0609020204030204" pitchFamily="49" charset="0"/>
+                <a:cs typeface="Consolas" panose="020B0609020204030204" pitchFamily="49" charset="0"/>
+              </a:rPr>
+              <a:t>fastq.tsv</a:t>
+            </a:r>
+            <a:r>
+              <a:rPr lang="en-US" sz="1800" dirty="0">
+                <a:latin typeface="Consolas" panose="020B0609020204030204" pitchFamily="49" charset="0"/>
+                <a:cs typeface="Consolas" panose="020B0609020204030204" pitchFamily="49" charset="0"/>
+              </a:rPr>
+              <a:t> -d </a:t>
+            </a:r>
+            <a:r>
+              <a:rPr lang="en-US" sz="1800" dirty="0" err="1">
+                <a:latin typeface="Consolas" panose="020B0609020204030204" pitchFamily="49" charset="0"/>
+                <a:cs typeface="Consolas" panose="020B0609020204030204" pitchFamily="49" charset="0"/>
+              </a:rPr>
+              <a:t>peakcall.tsv</a:t>
+            </a:r>
+            <a:endParaRPr lang="en-US" sz="1800" dirty="0">
+              <a:latin typeface="Consolas" panose="020B0609020204030204" pitchFamily="49" charset="0"/>
+              <a:cs typeface="Consolas" panose="020B0609020204030204" pitchFamily="49" charset="0"/>
+            </a:endParaRPr>
+          </a:p>
+          <a:p>
+            <a:pPr lvl="1"/>
+            <a:r>
+              <a:rPr lang="en-US" sz="1800" dirty="0" err="1">
+                <a:latin typeface="Consolas" panose="020B0609020204030204" pitchFamily="49" charset="0"/>
+                <a:cs typeface="Consolas" panose="020B0609020204030204" pitchFamily="49" charset="0"/>
+              </a:rPr>
+              <a:t>HemTools</a:t>
+            </a:r>
+            <a:r>
+              <a:rPr lang="en-US" sz="1800" dirty="0">
+                <a:latin typeface="Consolas" panose="020B0609020204030204" pitchFamily="49" charset="0"/>
+                <a:cs typeface="Consolas" panose="020B0609020204030204" pitchFamily="49" charset="0"/>
+              </a:rPr>
+              <a:t> </a:t>
+            </a:r>
+            <a:r>
+              <a:rPr lang="en-US" sz="1800" dirty="0" err="1">
+                <a:latin typeface="Consolas" panose="020B0609020204030204" pitchFamily="49" charset="0"/>
+                <a:cs typeface="Consolas" panose="020B0609020204030204" pitchFamily="49" charset="0"/>
+              </a:rPr>
+              <a:t>chip_seq_pair</a:t>
+            </a:r>
+            <a:r>
+              <a:rPr lang="en-US" sz="1800" dirty="0">
+                <a:latin typeface="Consolas" panose="020B0609020204030204" pitchFamily="49" charset="0"/>
+                <a:cs typeface="Consolas" panose="020B0609020204030204" pitchFamily="49" charset="0"/>
+              </a:rPr>
+              <a:t> -f </a:t>
+            </a:r>
+            <a:r>
+              <a:rPr lang="en-US" sz="1800" dirty="0" err="1">
+                <a:latin typeface="Consolas" panose="020B0609020204030204" pitchFamily="49" charset="0"/>
+                <a:cs typeface="Consolas" panose="020B0609020204030204" pitchFamily="49" charset="0"/>
+              </a:rPr>
+              <a:t>fastq.tsv</a:t>
+            </a:r>
+            <a:r>
+              <a:rPr lang="en-US" sz="1800" dirty="0">
+                <a:latin typeface="Consolas" panose="020B0609020204030204" pitchFamily="49" charset="0"/>
+                <a:cs typeface="Consolas" panose="020B0609020204030204" pitchFamily="49" charset="0"/>
+              </a:rPr>
+              <a:t> -d </a:t>
+            </a:r>
+            <a:r>
+              <a:rPr lang="en-US" sz="1800" dirty="0" err="1">
+                <a:latin typeface="Consolas" panose="020B0609020204030204" pitchFamily="49" charset="0"/>
+                <a:cs typeface="Consolas" panose="020B0609020204030204" pitchFamily="49" charset="0"/>
+              </a:rPr>
+              <a:t>peakcall.tsv</a:t>
+            </a:r>
+            <a:endParaRPr lang="en-US" sz="1800" dirty="0">
+              <a:highlight>
+                <a:srgbClr val="C0C0C0"/>
+              </a:highlight>
+              <a:latin typeface="Consolas" panose="020B0609020204030204" pitchFamily="49" charset="0"/>
+              <a:cs typeface="Consolas" panose="020B0609020204030204" pitchFamily="49" charset="0"/>
+            </a:endParaRPr>
+          </a:p>
+          <a:p>
+            <a:r>
+              <a:rPr lang="en-US" dirty="0"/>
+              <a:t>Input format (</a:t>
+            </a:r>
+            <a:r>
+              <a:rPr lang="en-US" dirty="0" err="1"/>
+              <a:t>tsv</a:t>
+            </a:r>
+            <a:r>
+              <a:rPr lang="en-US" dirty="0"/>
+              <a:t>, tab-separated values)</a:t>
+            </a:r>
+          </a:p>
+          <a:p>
+            <a:pPr marL="0" indent="0">
+              <a:buNone/>
+            </a:pPr>
             <a:endParaRPr lang="en-US" dirty="0"/>
           </a:p>
-          <a:p>
+        </p:txBody>
+      </p:sp>
+      <p:pic>
+        <p:nvPicPr>
+          <p:cNvPr id="5" name="Picture 4">
+            <a:extLst>
+              <a:ext uri="{FF2B5EF4-FFF2-40B4-BE49-F238E27FC236}">
+                <a16:creationId xmlns:a16="http://schemas.microsoft.com/office/drawing/2014/main" id="{D5E8DA78-8DF1-4480-8E81-EFE3DA380020}"/>
+              </a:ext>
+            </a:extLst>
+          </p:cNvPr>
+          <p:cNvPicPr>
+            <a:picLocks noChangeAspect="1"/>
+          </p:cNvPicPr>
+          <p:nvPr/>
+        </p:nvPicPr>
+        <p:blipFill>
+          <a:blip r:embed="rId2">
+            <a:extLst>
+              <a:ext uri="{28A0092B-C50C-407E-A947-70E740481C1C}">
+                <a14:useLocalDpi xmlns:a14="http://schemas.microsoft.com/office/drawing/2010/main" val="0"/>
+              </a:ext>
+            </a:extLst>
+          </a:blip>
+          <a:stretch>
+            <a:fillRect/>
+          </a:stretch>
+        </p:blipFill>
+        <p:spPr>
+          <a:xfrm>
+            <a:off x="50334" y="4604391"/>
+            <a:ext cx="7508147" cy="1415868"/>
+          </a:xfrm>
+          <a:prstGeom prst="rect">
+            <a:avLst/>
+          </a:prstGeom>
+        </p:spPr>
+      </p:pic>
+      <p:sp>
+        <p:nvSpPr>
+          <p:cNvPr id="6" name="Rectangle 5">
+            <a:extLst>
+              <a:ext uri="{FF2B5EF4-FFF2-40B4-BE49-F238E27FC236}">
+                <a16:creationId xmlns:a16="http://schemas.microsoft.com/office/drawing/2014/main" id="{7450E78C-F44E-449B-9EE5-8445CA27129B}"/>
+              </a:ext>
+            </a:extLst>
+          </p:cNvPr>
+          <p:cNvSpPr/>
+          <p:nvPr/>
+        </p:nvSpPr>
+        <p:spPr>
+          <a:xfrm>
+            <a:off x="8854622" y="4114926"/>
+            <a:ext cx="2418739" cy="369332"/>
+          </a:xfrm>
+          <a:prstGeom prst="rect">
+            <a:avLst/>
+          </a:prstGeom>
+        </p:spPr>
+        <p:txBody>
+          <a:bodyPr wrap="none">
+            <a:spAutoFit/>
+          </a:bodyPr>
+          <a:lstStyle/>
+          <a:p>
+            <a:pPr lvl="1"/>
+            <a:r>
+              <a:rPr lang="en-US" dirty="0"/>
+              <a:t>-d, --</a:t>
+            </a:r>
+            <a:r>
+              <a:rPr lang="en-US" dirty="0" err="1"/>
+              <a:t>design_matrix</a:t>
+            </a:r>
             <a:endParaRPr lang="en-US" dirty="0"/>
+          </a:p>
+        </p:txBody>
+      </p:sp>
+      <p:pic>
+        <p:nvPicPr>
+          <p:cNvPr id="7" name="Picture 6">
+            <a:extLst>
+              <a:ext uri="{FF2B5EF4-FFF2-40B4-BE49-F238E27FC236}">
+                <a16:creationId xmlns:a16="http://schemas.microsoft.com/office/drawing/2014/main" id="{24EF94A9-7256-4C7A-9930-6B0E9F79D6E3}"/>
+              </a:ext>
+            </a:extLst>
+          </p:cNvPr>
+          <p:cNvPicPr>
+            <a:picLocks noChangeAspect="1"/>
+          </p:cNvPicPr>
+          <p:nvPr/>
+        </p:nvPicPr>
+        <p:blipFill>
+          <a:blip r:embed="rId3">
+            <a:extLst>
+              <a:ext uri="{28A0092B-C50C-407E-A947-70E740481C1C}">
+                <a14:useLocalDpi xmlns:a14="http://schemas.microsoft.com/office/drawing/2010/main" val="0"/>
+              </a:ext>
+            </a:extLst>
+          </a:blip>
+          <a:stretch>
+            <a:fillRect/>
+          </a:stretch>
+        </p:blipFill>
+        <p:spPr>
+          <a:xfrm>
+            <a:off x="7688061" y="4604391"/>
+            <a:ext cx="4453605" cy="1355802"/>
+          </a:xfrm>
+          <a:prstGeom prst="rect">
+            <a:avLst/>
+          </a:prstGeom>
+        </p:spPr>
+      </p:pic>
+      <p:sp>
+        <p:nvSpPr>
+          <p:cNvPr id="8" name="Rectangle 7">
+            <a:extLst>
+              <a:ext uri="{FF2B5EF4-FFF2-40B4-BE49-F238E27FC236}">
+                <a16:creationId xmlns:a16="http://schemas.microsoft.com/office/drawing/2014/main" id="{827B86C4-4A9A-4EFC-8272-A390A39E32DD}"/>
+              </a:ext>
+            </a:extLst>
+          </p:cNvPr>
+          <p:cNvSpPr/>
+          <p:nvPr/>
+        </p:nvSpPr>
+        <p:spPr>
+          <a:xfrm>
+            <a:off x="2566075" y="4235059"/>
+            <a:ext cx="1520224" cy="369332"/>
+          </a:xfrm>
+          <a:prstGeom prst="rect">
+            <a:avLst/>
+          </a:prstGeom>
+        </p:spPr>
+        <p:txBody>
+          <a:bodyPr wrap="none">
+            <a:spAutoFit/>
+          </a:bodyPr>
+          <a:lstStyle/>
+          <a:p>
+            <a:pPr lvl="1"/>
+            <a:r>
+              <a:rPr lang="en-US" dirty="0"/>
+              <a:t>-f, --input</a:t>
+            </a:r>
           </a:p>
         </p:txBody>
       </p:sp>
     </p:spTree>
     <p:extLst>
       <p:ext uri="{BB962C8B-B14F-4D97-AF65-F5344CB8AC3E}">
-        <p14:creationId xmlns:p14="http://schemas.microsoft.com/office/powerpoint/2010/main" val="141717846"/>
+        <p14:creationId xmlns:p14="http://schemas.microsoft.com/office/powerpoint/2010/main" val="498713462"/>
       </p:ext>
     </p:extLst>
   </p:cSld>
@@ -6248,7 +6488,7 @@
           <a:p>
             <a:r>
               <a:rPr lang="en-US" dirty="0"/>
-              <a:t>Report bugs</a:t>
+              <a:t>Output format</a:t>
             </a:r>
           </a:p>
           <a:p>
@@ -6262,7 +6502,7 @@
     </p:spTree>
     <p:extLst>
       <p:ext uri="{BB962C8B-B14F-4D97-AF65-F5344CB8AC3E}">
-        <p14:creationId xmlns:p14="http://schemas.microsoft.com/office/powerpoint/2010/main" val="3923719557"/>
+        <p14:creationId xmlns:p14="http://schemas.microsoft.com/office/powerpoint/2010/main" val="141717846"/>
       </p:ext>
     </p:extLst>
   </p:cSld>

--- a/HemTools Tutorial.pptx
+++ b/HemTools Tutorial.pptx
@@ -10,23 +10,27 @@
     <p:sldId id="258" r:id="rId4"/>
     <p:sldId id="270" r:id="rId5"/>
     <p:sldId id="277" r:id="rId6"/>
-    <p:sldId id="271" r:id="rId7"/>
-    <p:sldId id="272" r:id="rId8"/>
-    <p:sldId id="273" r:id="rId9"/>
-    <p:sldId id="274" r:id="rId10"/>
-    <p:sldId id="275" r:id="rId11"/>
-    <p:sldId id="269" r:id="rId12"/>
-    <p:sldId id="257" r:id="rId13"/>
-    <p:sldId id="259" r:id="rId14"/>
-    <p:sldId id="260" r:id="rId15"/>
+    <p:sldId id="278" r:id="rId7"/>
+    <p:sldId id="280" r:id="rId8"/>
+    <p:sldId id="271" r:id="rId9"/>
+    <p:sldId id="272" r:id="rId10"/>
+    <p:sldId id="281" r:id="rId11"/>
+    <p:sldId id="273" r:id="rId12"/>
+    <p:sldId id="282" r:id="rId13"/>
+    <p:sldId id="274" r:id="rId14"/>
+    <p:sldId id="275" r:id="rId15"/>
     <p:sldId id="261" r:id="rId16"/>
-    <p:sldId id="262" r:id="rId17"/>
-    <p:sldId id="263" r:id="rId18"/>
-    <p:sldId id="264" r:id="rId19"/>
-    <p:sldId id="265" r:id="rId20"/>
-    <p:sldId id="266" r:id="rId21"/>
-    <p:sldId id="267" r:id="rId22"/>
-    <p:sldId id="268" r:id="rId23"/>
+    <p:sldId id="269" r:id="rId17"/>
+    <p:sldId id="257" r:id="rId18"/>
+    <p:sldId id="259" r:id="rId19"/>
+    <p:sldId id="260" r:id="rId20"/>
+    <p:sldId id="262" r:id="rId21"/>
+    <p:sldId id="263" r:id="rId22"/>
+    <p:sldId id="264" r:id="rId23"/>
+    <p:sldId id="265" r:id="rId24"/>
+    <p:sldId id="266" r:id="rId25"/>
+    <p:sldId id="267" r:id="rId26"/>
+    <p:sldId id="268" r:id="rId27"/>
   </p:sldIdLst>
   <p:sldSz cx="12192000" cy="6858000"/>
   <p:notesSz cx="6858000" cy="9144000"/>
@@ -280,7 +284,7 @@
           <a:p>
             <a:fld id="{B06731B9-2535-4D77-BE06-7E4BBBA09F2A}" type="datetimeFigureOut">
               <a:rPr lang="en-US" smtClean="0"/>
-              <a:t>4/15/2019</a:t>
+              <a:t>4/17/2019</a:t>
             </a:fld>
             <a:endParaRPr lang="en-US"/>
           </a:p>
@@ -478,7 +482,7 @@
           <a:p>
             <a:fld id="{B06731B9-2535-4D77-BE06-7E4BBBA09F2A}" type="datetimeFigureOut">
               <a:rPr lang="en-US" smtClean="0"/>
-              <a:t>4/15/2019</a:t>
+              <a:t>4/17/2019</a:t>
             </a:fld>
             <a:endParaRPr lang="en-US"/>
           </a:p>
@@ -686,7 +690,7 @@
           <a:p>
             <a:fld id="{B06731B9-2535-4D77-BE06-7E4BBBA09F2A}" type="datetimeFigureOut">
               <a:rPr lang="en-US" smtClean="0"/>
-              <a:t>4/15/2019</a:t>
+              <a:t>4/17/2019</a:t>
             </a:fld>
             <a:endParaRPr lang="en-US"/>
           </a:p>
@@ -884,7 +888,7 @@
           <a:p>
             <a:fld id="{B06731B9-2535-4D77-BE06-7E4BBBA09F2A}" type="datetimeFigureOut">
               <a:rPr lang="en-US" smtClean="0"/>
-              <a:t>4/15/2019</a:t>
+              <a:t>4/17/2019</a:t>
             </a:fld>
             <a:endParaRPr lang="en-US"/>
           </a:p>
@@ -1159,7 +1163,7 @@
           <a:p>
             <a:fld id="{B06731B9-2535-4D77-BE06-7E4BBBA09F2A}" type="datetimeFigureOut">
               <a:rPr lang="en-US" smtClean="0"/>
-              <a:t>4/15/2019</a:t>
+              <a:t>4/17/2019</a:t>
             </a:fld>
             <a:endParaRPr lang="en-US"/>
           </a:p>
@@ -1424,7 +1428,7 @@
           <a:p>
             <a:fld id="{B06731B9-2535-4D77-BE06-7E4BBBA09F2A}" type="datetimeFigureOut">
               <a:rPr lang="en-US" smtClean="0"/>
-              <a:t>4/15/2019</a:t>
+              <a:t>4/17/2019</a:t>
             </a:fld>
             <a:endParaRPr lang="en-US"/>
           </a:p>
@@ -1836,7 +1840,7 @@
           <a:p>
             <a:fld id="{B06731B9-2535-4D77-BE06-7E4BBBA09F2A}" type="datetimeFigureOut">
               <a:rPr lang="en-US" smtClean="0"/>
-              <a:t>4/15/2019</a:t>
+              <a:t>4/17/2019</a:t>
             </a:fld>
             <a:endParaRPr lang="en-US"/>
           </a:p>
@@ -1977,7 +1981,7 @@
           <a:p>
             <a:fld id="{B06731B9-2535-4D77-BE06-7E4BBBA09F2A}" type="datetimeFigureOut">
               <a:rPr lang="en-US" smtClean="0"/>
-              <a:t>4/15/2019</a:t>
+              <a:t>4/17/2019</a:t>
             </a:fld>
             <a:endParaRPr lang="en-US"/>
           </a:p>
@@ -2090,7 +2094,7 @@
           <a:p>
             <a:fld id="{B06731B9-2535-4D77-BE06-7E4BBBA09F2A}" type="datetimeFigureOut">
               <a:rPr lang="en-US" smtClean="0"/>
-              <a:t>4/15/2019</a:t>
+              <a:t>4/17/2019</a:t>
             </a:fld>
             <a:endParaRPr lang="en-US"/>
           </a:p>
@@ -2401,7 +2405,7 @@
           <a:p>
             <a:fld id="{B06731B9-2535-4D77-BE06-7E4BBBA09F2A}" type="datetimeFigureOut">
               <a:rPr lang="en-US" smtClean="0"/>
-              <a:t>4/15/2019</a:t>
+              <a:t>4/17/2019</a:t>
             </a:fld>
             <a:endParaRPr lang="en-US"/>
           </a:p>
@@ -2689,7 +2693,7 @@
           <a:p>
             <a:fld id="{B06731B9-2535-4D77-BE06-7E4BBBA09F2A}" type="datetimeFigureOut">
               <a:rPr lang="en-US" smtClean="0"/>
-              <a:t>4/15/2019</a:t>
+              <a:t>4/17/2019</a:t>
             </a:fld>
             <a:endParaRPr lang="en-US"/>
           </a:p>
@@ -2930,7 +2934,7 @@
           <a:p>
             <a:fld id="{B06731B9-2535-4D77-BE06-7E4BBBA09F2A}" type="datetimeFigureOut">
               <a:rPr lang="en-US" smtClean="0"/>
-              <a:t>4/15/2019</a:t>
+              <a:t>4/17/2019</a:t>
             </a:fld>
             <a:endParaRPr lang="en-US"/>
           </a:p>
@@ -3478,18 +3482,302 @@
             <p:ph idx="1"/>
           </p:nvPr>
         </p:nvSpPr>
-        <p:spPr/>
+        <p:spPr>
+          <a:xfrm>
+            <a:off x="838200" y="1825625"/>
+            <a:ext cx="10515600" cy="4351338"/>
+          </a:xfrm>
+        </p:spPr>
         <p:txBody>
           <a:bodyPr/>
           <a:lstStyle/>
           <a:p>
             <a:r>
               <a:rPr lang="en-US" dirty="0"/>
-              <a:t>Report bugs</a:t>
-            </a:r>
-          </a:p>
-          <a:p>
+              <a:t>Command format</a:t>
+            </a:r>
+          </a:p>
+          <a:p>
+            <a:pPr lvl="1"/>
+            <a:r>
+              <a:rPr lang="en-US" dirty="0" err="1"/>
+              <a:t>HemTools</a:t>
+            </a:r>
+            <a:r>
+              <a:rPr lang="en-US" dirty="0"/>
+              <a:t>   </a:t>
+            </a:r>
+            <a:r>
+              <a:rPr lang="en-US" dirty="0" err="1"/>
+              <a:t>subcmd</a:t>
+            </a:r>
+            <a:r>
+              <a:rPr lang="en-US" dirty="0"/>
+              <a:t>   </a:t>
+            </a:r>
+            <a:r>
+              <a:rPr lang="en-US" dirty="0" err="1"/>
+              <a:t>some_required_parameters</a:t>
+            </a:r>
+            <a:br>
+              <a:rPr lang="en-US" dirty="0"/>
+            </a:br>
             <a:endParaRPr lang="en-US" dirty="0"/>
+          </a:p>
+          <a:p>
+            <a:pPr lvl="1"/>
+            <a:r>
+              <a:rPr lang="en-US" sz="1800" dirty="0" err="1">
+                <a:latin typeface="Consolas" panose="020B0609020204030204" pitchFamily="49" charset="0"/>
+                <a:cs typeface="Consolas" panose="020B0609020204030204" pitchFamily="49" charset="0"/>
+              </a:rPr>
+              <a:t>HemTools</a:t>
+            </a:r>
+            <a:r>
+              <a:rPr lang="en-US" sz="1800" dirty="0">
+                <a:latin typeface="Consolas" panose="020B0609020204030204" pitchFamily="49" charset="0"/>
+                <a:cs typeface="Consolas" panose="020B0609020204030204" pitchFamily="49" charset="0"/>
+              </a:rPr>
+              <a:t> </a:t>
+            </a:r>
+            <a:r>
+              <a:rPr lang="en-US" sz="1800" dirty="0" err="1">
+                <a:latin typeface="Consolas" panose="020B0609020204030204" pitchFamily="49" charset="0"/>
+                <a:cs typeface="Consolas" panose="020B0609020204030204" pitchFamily="49" charset="0"/>
+              </a:rPr>
+              <a:t>atac_seq</a:t>
+            </a:r>
+            <a:r>
+              <a:rPr lang="en-US" sz="1800" dirty="0">
+                <a:latin typeface="Consolas" panose="020B0609020204030204" pitchFamily="49" charset="0"/>
+                <a:cs typeface="Consolas" panose="020B0609020204030204" pitchFamily="49" charset="0"/>
+              </a:rPr>
+              <a:t> -f </a:t>
+            </a:r>
+            <a:r>
+              <a:rPr lang="en-US" sz="1800" dirty="0" err="1">
+                <a:latin typeface="Consolas" panose="020B0609020204030204" pitchFamily="49" charset="0"/>
+                <a:cs typeface="Consolas" panose="020B0609020204030204" pitchFamily="49" charset="0"/>
+              </a:rPr>
+              <a:t>fastq.tsv</a:t>
+            </a:r>
+            <a:br>
+              <a:rPr lang="en-US" sz="1800" dirty="0">
+                <a:latin typeface="Consolas" panose="020B0609020204030204" pitchFamily="49" charset="0"/>
+                <a:cs typeface="Consolas" panose="020B0609020204030204" pitchFamily="49" charset="0"/>
+              </a:rPr>
+            </a:br>
+            <a:endParaRPr lang="en-US" sz="1800" dirty="0">
+              <a:latin typeface="Consolas" panose="020B0609020204030204" pitchFamily="49" charset="0"/>
+              <a:cs typeface="Consolas" panose="020B0609020204030204" pitchFamily="49" charset="0"/>
+            </a:endParaRPr>
+          </a:p>
+          <a:p>
+            <a:pPr lvl="1"/>
+            <a:r>
+              <a:rPr lang="en-US" sz="1800" dirty="0" err="1">
+                <a:latin typeface="Consolas" panose="020B0609020204030204" pitchFamily="49" charset="0"/>
+                <a:cs typeface="Consolas" panose="020B0609020204030204" pitchFamily="49" charset="0"/>
+              </a:rPr>
+              <a:t>HemTools</a:t>
+            </a:r>
+            <a:r>
+              <a:rPr lang="en-US" sz="1800" dirty="0">
+                <a:latin typeface="Consolas" panose="020B0609020204030204" pitchFamily="49" charset="0"/>
+                <a:cs typeface="Consolas" panose="020B0609020204030204" pitchFamily="49" charset="0"/>
+              </a:rPr>
+              <a:t> </a:t>
+            </a:r>
+            <a:r>
+              <a:rPr lang="en-US" sz="1800" dirty="0" err="1">
+                <a:latin typeface="Consolas" panose="020B0609020204030204" pitchFamily="49" charset="0"/>
+                <a:cs typeface="Consolas" panose="020B0609020204030204" pitchFamily="49" charset="0"/>
+              </a:rPr>
+              <a:t>cut_run</a:t>
+            </a:r>
+            <a:r>
+              <a:rPr lang="en-US" sz="1800" dirty="0">
+                <a:latin typeface="Consolas" panose="020B0609020204030204" pitchFamily="49" charset="0"/>
+                <a:cs typeface="Consolas" panose="020B0609020204030204" pitchFamily="49" charset="0"/>
+              </a:rPr>
+              <a:t> -f </a:t>
+            </a:r>
+            <a:r>
+              <a:rPr lang="en-US" sz="1800" dirty="0" err="1">
+                <a:latin typeface="Consolas" panose="020B0609020204030204" pitchFamily="49" charset="0"/>
+                <a:cs typeface="Consolas" panose="020B0609020204030204" pitchFamily="49" charset="0"/>
+              </a:rPr>
+              <a:t>fastq.tsv</a:t>
+            </a:r>
+            <a:r>
+              <a:rPr lang="en-US" sz="1800" dirty="0">
+                <a:latin typeface="Consolas" panose="020B0609020204030204" pitchFamily="49" charset="0"/>
+                <a:cs typeface="Consolas" panose="020B0609020204030204" pitchFamily="49" charset="0"/>
+              </a:rPr>
+              <a:t> -d </a:t>
+            </a:r>
+            <a:r>
+              <a:rPr lang="en-US" sz="1800" dirty="0" err="1">
+                <a:latin typeface="Consolas" panose="020B0609020204030204" pitchFamily="49" charset="0"/>
+                <a:cs typeface="Consolas" panose="020B0609020204030204" pitchFamily="49" charset="0"/>
+              </a:rPr>
+              <a:t>peakcall.tsv</a:t>
+            </a:r>
+            <a:br>
+              <a:rPr lang="en-US" sz="1800" dirty="0">
+                <a:latin typeface="Consolas" panose="020B0609020204030204" pitchFamily="49" charset="0"/>
+                <a:cs typeface="Consolas" panose="020B0609020204030204" pitchFamily="49" charset="0"/>
+              </a:rPr>
+            </a:br>
+            <a:endParaRPr lang="en-US" sz="1800" dirty="0">
+              <a:latin typeface="Consolas" panose="020B0609020204030204" pitchFamily="49" charset="0"/>
+              <a:cs typeface="Consolas" panose="020B0609020204030204" pitchFamily="49" charset="0"/>
+            </a:endParaRPr>
+          </a:p>
+          <a:p>
+            <a:pPr lvl="1"/>
+            <a:r>
+              <a:rPr lang="en-US" sz="1800" dirty="0" err="1">
+                <a:latin typeface="Consolas" panose="020B0609020204030204" pitchFamily="49" charset="0"/>
+                <a:cs typeface="Consolas" panose="020B0609020204030204" pitchFamily="49" charset="0"/>
+              </a:rPr>
+              <a:t>HemTools</a:t>
+            </a:r>
+            <a:r>
+              <a:rPr lang="en-US" sz="1800" dirty="0">
+                <a:latin typeface="Consolas" panose="020B0609020204030204" pitchFamily="49" charset="0"/>
+                <a:cs typeface="Consolas" panose="020B0609020204030204" pitchFamily="49" charset="0"/>
+              </a:rPr>
+              <a:t> </a:t>
+            </a:r>
+            <a:r>
+              <a:rPr lang="en-US" sz="1800" dirty="0" err="1">
+                <a:latin typeface="Consolas" panose="020B0609020204030204" pitchFamily="49" charset="0"/>
+                <a:cs typeface="Consolas" panose="020B0609020204030204" pitchFamily="49" charset="0"/>
+              </a:rPr>
+              <a:t>chip_sEQ_Single</a:t>
+            </a:r>
+            <a:r>
+              <a:rPr lang="en-US" sz="1800" dirty="0">
+                <a:latin typeface="Consolas" panose="020B0609020204030204" pitchFamily="49" charset="0"/>
+                <a:cs typeface="Consolas" panose="020B0609020204030204" pitchFamily="49" charset="0"/>
+              </a:rPr>
+              <a:t> -f </a:t>
+            </a:r>
+            <a:r>
+              <a:rPr lang="en-US" sz="1800" dirty="0" err="1">
+                <a:latin typeface="Consolas" panose="020B0609020204030204" pitchFamily="49" charset="0"/>
+                <a:cs typeface="Consolas" panose="020B0609020204030204" pitchFamily="49" charset="0"/>
+              </a:rPr>
+              <a:t>fastq.tsv</a:t>
+            </a:r>
+            <a:r>
+              <a:rPr lang="en-US" sz="1800" dirty="0">
+                <a:latin typeface="Consolas" panose="020B0609020204030204" pitchFamily="49" charset="0"/>
+                <a:cs typeface="Consolas" panose="020B0609020204030204" pitchFamily="49" charset="0"/>
+              </a:rPr>
+              <a:t> -d </a:t>
+            </a:r>
+            <a:r>
+              <a:rPr lang="en-US" sz="1800" dirty="0" err="1">
+                <a:latin typeface="Consolas" panose="020B0609020204030204" pitchFamily="49" charset="0"/>
+                <a:cs typeface="Consolas" panose="020B0609020204030204" pitchFamily="49" charset="0"/>
+              </a:rPr>
+              <a:t>peakcall.tsv</a:t>
+            </a:r>
+            <a:br>
+              <a:rPr lang="en-US" sz="1800" dirty="0">
+                <a:latin typeface="Consolas" panose="020B0609020204030204" pitchFamily="49" charset="0"/>
+                <a:cs typeface="Consolas" panose="020B0609020204030204" pitchFamily="49" charset="0"/>
+              </a:rPr>
+            </a:br>
+            <a:endParaRPr lang="en-US" sz="1800" dirty="0">
+              <a:latin typeface="Consolas" panose="020B0609020204030204" pitchFamily="49" charset="0"/>
+              <a:cs typeface="Consolas" panose="020B0609020204030204" pitchFamily="49" charset="0"/>
+            </a:endParaRPr>
+          </a:p>
+          <a:p>
+            <a:pPr lvl="1"/>
+            <a:r>
+              <a:rPr lang="en-US" sz="1800" dirty="0" err="1">
+                <a:latin typeface="Consolas" panose="020B0609020204030204" pitchFamily="49" charset="0"/>
+                <a:cs typeface="Consolas" panose="020B0609020204030204" pitchFamily="49" charset="0"/>
+              </a:rPr>
+              <a:t>HemTools</a:t>
+            </a:r>
+            <a:r>
+              <a:rPr lang="en-US" sz="1800" dirty="0">
+                <a:latin typeface="Consolas" panose="020B0609020204030204" pitchFamily="49" charset="0"/>
+                <a:cs typeface="Consolas" panose="020B0609020204030204" pitchFamily="49" charset="0"/>
+              </a:rPr>
+              <a:t> </a:t>
+            </a:r>
+            <a:r>
+              <a:rPr lang="en-US" sz="1800" dirty="0" err="1">
+                <a:latin typeface="Consolas" panose="020B0609020204030204" pitchFamily="49" charset="0"/>
+                <a:cs typeface="Consolas" panose="020B0609020204030204" pitchFamily="49" charset="0"/>
+              </a:rPr>
+              <a:t>chip_seq_pair</a:t>
+            </a:r>
+            <a:r>
+              <a:rPr lang="en-US" sz="1800" dirty="0">
+                <a:latin typeface="Consolas" panose="020B0609020204030204" pitchFamily="49" charset="0"/>
+                <a:cs typeface="Consolas" panose="020B0609020204030204" pitchFamily="49" charset="0"/>
+              </a:rPr>
+              <a:t> -f </a:t>
+            </a:r>
+            <a:r>
+              <a:rPr lang="en-US" sz="1800" dirty="0" err="1">
+                <a:latin typeface="Consolas" panose="020B0609020204030204" pitchFamily="49" charset="0"/>
+                <a:cs typeface="Consolas" panose="020B0609020204030204" pitchFamily="49" charset="0"/>
+              </a:rPr>
+              <a:t>fastq.tsv</a:t>
+            </a:r>
+            <a:r>
+              <a:rPr lang="en-US" sz="1800" dirty="0">
+                <a:latin typeface="Consolas" panose="020B0609020204030204" pitchFamily="49" charset="0"/>
+                <a:cs typeface="Consolas" panose="020B0609020204030204" pitchFamily="49" charset="0"/>
+              </a:rPr>
+              <a:t> -d </a:t>
+            </a:r>
+            <a:r>
+              <a:rPr lang="en-US" sz="1800" dirty="0" err="1">
+                <a:latin typeface="Consolas" panose="020B0609020204030204" pitchFamily="49" charset="0"/>
+                <a:cs typeface="Consolas" panose="020B0609020204030204" pitchFamily="49" charset="0"/>
+              </a:rPr>
+              <a:t>peakcall.tsv</a:t>
+            </a:r>
+            <a:endParaRPr lang="en-US" sz="1800" dirty="0">
+              <a:latin typeface="Consolas" panose="020B0609020204030204" pitchFamily="49" charset="0"/>
+              <a:cs typeface="Consolas" panose="020B0609020204030204" pitchFamily="49" charset="0"/>
+            </a:endParaRPr>
+          </a:p>
+          <a:p>
+            <a:pPr lvl="1"/>
+            <a:endParaRPr lang="en-US" sz="1800" dirty="0">
+              <a:highlight>
+                <a:srgbClr val="C0C0C0"/>
+              </a:highlight>
+              <a:latin typeface="Consolas" panose="020B0609020204030204" pitchFamily="49" charset="0"/>
+              <a:cs typeface="Consolas" panose="020B0609020204030204" pitchFamily="49" charset="0"/>
+            </a:endParaRPr>
+          </a:p>
+          <a:p>
+            <a:pPr lvl="1"/>
+            <a:r>
+              <a:rPr lang="en-US" sz="1800" dirty="0" err="1">
+                <a:latin typeface="Consolas" panose="020B0609020204030204" pitchFamily="49" charset="0"/>
+                <a:cs typeface="Consolas" panose="020B0609020204030204" pitchFamily="49" charset="0"/>
+              </a:rPr>
+              <a:t>SuBcMd</a:t>
+            </a:r>
+            <a:r>
+              <a:rPr lang="en-US" sz="1800" dirty="0">
+                <a:latin typeface="Consolas" panose="020B0609020204030204" pitchFamily="49" charset="0"/>
+                <a:cs typeface="Consolas" panose="020B0609020204030204" pitchFamily="49" charset="0"/>
+              </a:rPr>
+              <a:t> is case-insensitive</a:t>
+            </a:r>
           </a:p>
           <a:p>
             <a:endParaRPr lang="en-US" dirty="0"/>
@@ -3499,7 +3787,7 @@
     </p:spTree>
     <p:extLst>
       <p:ext uri="{BB962C8B-B14F-4D97-AF65-F5344CB8AC3E}">
-        <p14:creationId xmlns:p14="http://schemas.microsoft.com/office/powerpoint/2010/main" val="3923719557"/>
+        <p14:creationId xmlns:p14="http://schemas.microsoft.com/office/powerpoint/2010/main" val="1781342097"/>
       </p:ext>
     </p:extLst>
   </p:cSld>
@@ -3531,7 +3819,7 @@
           <p:cNvPr id="2" name="Title 1">
             <a:extLst>
               <a:ext uri="{FF2B5EF4-FFF2-40B4-BE49-F238E27FC236}">
-                <a16:creationId xmlns:a16="http://schemas.microsoft.com/office/drawing/2014/main" id="{18B92BD7-553C-4A3D-9FE1-4EEC4FD77322}"/>
+                <a16:creationId xmlns:a16="http://schemas.microsoft.com/office/drawing/2014/main" id="{15AD1A34-A8B2-48D0-951F-79751EADEEC7}"/>
               </a:ext>
             </a:extLst>
           </p:cNvPr>
@@ -3549,7 +3837,7 @@
           <a:p>
             <a:r>
               <a:rPr lang="en-US" dirty="0"/>
-              <a:t>Materials		</a:t>
+              <a:t>General principles</a:t>
             </a:r>
           </a:p>
         </p:txBody>
@@ -3559,7 +3847,7 @@
           <p:cNvPr id="3" name="Content Placeholder 2">
             <a:extLst>
               <a:ext uri="{FF2B5EF4-FFF2-40B4-BE49-F238E27FC236}">
-                <a16:creationId xmlns:a16="http://schemas.microsoft.com/office/drawing/2014/main" id="{CAB31F55-2E83-4FFF-BBF8-F7069746625D}"/>
+                <a16:creationId xmlns:a16="http://schemas.microsoft.com/office/drawing/2014/main" id="{0BBFE8CB-EE31-4B7B-8AD9-AC66241D81BD}"/>
               </a:ext>
             </a:extLst>
           </p:cNvPr>
@@ -3570,49 +3858,349 @@
             <p:ph idx="1"/>
           </p:nvPr>
         </p:nvSpPr>
-        <p:spPr/>
+        <p:spPr>
+          <a:xfrm>
+            <a:off x="838200" y="1825625"/>
+            <a:ext cx="4642757" cy="4351338"/>
+          </a:xfrm>
+        </p:spPr>
         <p:txBody>
           <a:bodyPr/>
           <a:lstStyle/>
           <a:p>
             <a:r>
               <a:rPr lang="en-US" dirty="0"/>
-              <a:t>Handouts</a:t>
-            </a:r>
-          </a:p>
-          <a:p>
-            <a:r>
-              <a:rPr lang="en-US" dirty="0"/>
-              <a:t>Questionnaire</a:t>
-            </a:r>
-          </a:p>
-          <a:p>
-            <a:r>
-              <a:rPr lang="en-US" dirty="0"/>
-              <a:t>Online doc</a:t>
-            </a:r>
-          </a:p>
-          <a:p>
-            <a:r>
-              <a:rPr lang="en-US" dirty="0"/>
-              <a:t>Terminal</a:t>
-            </a:r>
-          </a:p>
-          <a:p>
-            <a:r>
-              <a:rPr lang="en-US" dirty="0"/>
-              <a:t>Ppt</a:t>
-            </a:r>
-          </a:p>
-          <a:p>
+              <a:t>Required parameters</a:t>
+            </a:r>
+          </a:p>
+          <a:p>
+            <a:pPr lvl="1"/>
+            <a:r>
+              <a:rPr lang="en-US" sz="1800" dirty="0" err="1">
+                <a:latin typeface="Consolas" panose="020B0609020204030204" pitchFamily="49" charset="0"/>
+                <a:cs typeface="Consolas" panose="020B0609020204030204" pitchFamily="49" charset="0"/>
+              </a:rPr>
+              <a:t>HemTools</a:t>
+            </a:r>
+            <a:r>
+              <a:rPr lang="en-US" sz="1800" dirty="0">
+                <a:latin typeface="Consolas" panose="020B0609020204030204" pitchFamily="49" charset="0"/>
+                <a:cs typeface="Consolas" panose="020B0609020204030204" pitchFamily="49" charset="0"/>
+              </a:rPr>
+              <a:t> </a:t>
+            </a:r>
+            <a:r>
+              <a:rPr lang="en-US" sz="1800" dirty="0" err="1">
+                <a:latin typeface="Consolas" panose="020B0609020204030204" pitchFamily="49" charset="0"/>
+                <a:cs typeface="Consolas" panose="020B0609020204030204" pitchFamily="49" charset="0"/>
+              </a:rPr>
+              <a:t>atac_seq</a:t>
+            </a:r>
+            <a:r>
+              <a:rPr lang="en-US" sz="1800" dirty="0">
+                <a:latin typeface="Consolas" panose="020B0609020204030204" pitchFamily="49" charset="0"/>
+                <a:cs typeface="Consolas" panose="020B0609020204030204" pitchFamily="49" charset="0"/>
+              </a:rPr>
+              <a:t> -f </a:t>
+            </a:r>
+            <a:r>
+              <a:rPr lang="en-US" sz="1800" dirty="0" err="1">
+                <a:latin typeface="Consolas" panose="020B0609020204030204" pitchFamily="49" charset="0"/>
+                <a:cs typeface="Consolas" panose="020B0609020204030204" pitchFamily="49" charset="0"/>
+              </a:rPr>
+              <a:t>fastq.tsv</a:t>
+            </a:r>
+            <a:endParaRPr lang="en-US" sz="1800" dirty="0">
+              <a:latin typeface="Consolas" panose="020B0609020204030204" pitchFamily="49" charset="0"/>
+              <a:cs typeface="Consolas" panose="020B0609020204030204" pitchFamily="49" charset="0"/>
+            </a:endParaRPr>
+          </a:p>
+          <a:p>
+            <a:pPr lvl="1"/>
+            <a:endParaRPr lang="en-US" sz="1800" dirty="0">
+              <a:latin typeface="Consolas" panose="020B0609020204030204" pitchFamily="49" charset="0"/>
+              <a:cs typeface="Consolas" panose="020B0609020204030204" pitchFamily="49" charset="0"/>
+            </a:endParaRPr>
+          </a:p>
+          <a:p>
+            <a:pPr lvl="1"/>
+            <a:r>
+              <a:rPr lang="en-US" sz="1800" dirty="0" err="1">
+                <a:latin typeface="Consolas" panose="020B0609020204030204" pitchFamily="49" charset="0"/>
+                <a:cs typeface="Consolas" panose="020B0609020204030204" pitchFamily="49" charset="0"/>
+              </a:rPr>
+              <a:t>HemTools</a:t>
+            </a:r>
+            <a:r>
+              <a:rPr lang="en-US" sz="1800" dirty="0">
+                <a:latin typeface="Consolas" panose="020B0609020204030204" pitchFamily="49" charset="0"/>
+                <a:cs typeface="Consolas" panose="020B0609020204030204" pitchFamily="49" charset="0"/>
+              </a:rPr>
+              <a:t> </a:t>
+            </a:r>
+            <a:r>
+              <a:rPr lang="en-US" sz="1800" dirty="0" err="1">
+                <a:latin typeface="Consolas" panose="020B0609020204030204" pitchFamily="49" charset="0"/>
+                <a:cs typeface="Consolas" panose="020B0609020204030204" pitchFamily="49" charset="0"/>
+              </a:rPr>
+              <a:t>cut_run</a:t>
+            </a:r>
+            <a:r>
+              <a:rPr lang="en-US" sz="1800" dirty="0">
+                <a:latin typeface="Consolas" panose="020B0609020204030204" pitchFamily="49" charset="0"/>
+                <a:cs typeface="Consolas" panose="020B0609020204030204" pitchFamily="49" charset="0"/>
+              </a:rPr>
+              <a:t> -f </a:t>
+            </a:r>
+            <a:r>
+              <a:rPr lang="en-US" sz="1800" dirty="0" err="1">
+                <a:latin typeface="Consolas" panose="020B0609020204030204" pitchFamily="49" charset="0"/>
+                <a:cs typeface="Consolas" panose="020B0609020204030204" pitchFamily="49" charset="0"/>
+              </a:rPr>
+              <a:t>fastq.tsv</a:t>
+            </a:r>
+            <a:r>
+              <a:rPr lang="en-US" sz="1800" dirty="0">
+                <a:latin typeface="Consolas" panose="020B0609020204030204" pitchFamily="49" charset="0"/>
+                <a:cs typeface="Consolas" panose="020B0609020204030204" pitchFamily="49" charset="0"/>
+              </a:rPr>
+              <a:t> -d </a:t>
+            </a:r>
+            <a:r>
+              <a:rPr lang="en-US" sz="1800" dirty="0" err="1">
+                <a:latin typeface="Consolas" panose="020B0609020204030204" pitchFamily="49" charset="0"/>
+                <a:cs typeface="Consolas" panose="020B0609020204030204" pitchFamily="49" charset="0"/>
+              </a:rPr>
+              <a:t>peakcall.tsv</a:t>
+            </a:r>
+            <a:endParaRPr lang="en-US" sz="1800" dirty="0">
+              <a:latin typeface="Consolas" panose="020B0609020204030204" pitchFamily="49" charset="0"/>
+              <a:cs typeface="Consolas" panose="020B0609020204030204" pitchFamily="49" charset="0"/>
+            </a:endParaRPr>
+          </a:p>
+          <a:p>
+            <a:pPr lvl="1"/>
+            <a:endParaRPr lang="en-US" sz="1800" dirty="0">
+              <a:latin typeface="Consolas" panose="020B0609020204030204" pitchFamily="49" charset="0"/>
+              <a:cs typeface="Consolas" panose="020B0609020204030204" pitchFamily="49" charset="0"/>
+            </a:endParaRPr>
+          </a:p>
+          <a:p>
+            <a:pPr lvl="1"/>
+            <a:r>
+              <a:rPr lang="en-US" sz="1800" dirty="0" err="1">
+                <a:latin typeface="Consolas" panose="020B0609020204030204" pitchFamily="49" charset="0"/>
+                <a:cs typeface="Consolas" panose="020B0609020204030204" pitchFamily="49" charset="0"/>
+              </a:rPr>
+              <a:t>HemTools</a:t>
+            </a:r>
+            <a:r>
+              <a:rPr lang="en-US" sz="1800" dirty="0">
+                <a:latin typeface="Consolas" panose="020B0609020204030204" pitchFamily="49" charset="0"/>
+                <a:cs typeface="Consolas" panose="020B0609020204030204" pitchFamily="49" charset="0"/>
+              </a:rPr>
+              <a:t> </a:t>
+            </a:r>
+            <a:r>
+              <a:rPr lang="en-US" sz="1800" dirty="0" err="1">
+                <a:latin typeface="Consolas" panose="020B0609020204030204" pitchFamily="49" charset="0"/>
+                <a:cs typeface="Consolas" panose="020B0609020204030204" pitchFamily="49" charset="0"/>
+              </a:rPr>
+              <a:t>chip_seq_single</a:t>
+            </a:r>
+            <a:r>
+              <a:rPr lang="en-US" sz="1800" dirty="0">
+                <a:latin typeface="Consolas" panose="020B0609020204030204" pitchFamily="49" charset="0"/>
+                <a:cs typeface="Consolas" panose="020B0609020204030204" pitchFamily="49" charset="0"/>
+              </a:rPr>
+              <a:t> -f </a:t>
+            </a:r>
+            <a:r>
+              <a:rPr lang="en-US" sz="1800" dirty="0" err="1">
+                <a:latin typeface="Consolas" panose="020B0609020204030204" pitchFamily="49" charset="0"/>
+                <a:cs typeface="Consolas" panose="020B0609020204030204" pitchFamily="49" charset="0"/>
+              </a:rPr>
+              <a:t>fastq.tsv</a:t>
+            </a:r>
+            <a:r>
+              <a:rPr lang="en-US" sz="1800" dirty="0">
+                <a:latin typeface="Consolas" panose="020B0609020204030204" pitchFamily="49" charset="0"/>
+                <a:cs typeface="Consolas" panose="020B0609020204030204" pitchFamily="49" charset="0"/>
+              </a:rPr>
+              <a:t> -d </a:t>
+            </a:r>
+            <a:r>
+              <a:rPr lang="en-US" sz="1800" dirty="0" err="1">
+                <a:latin typeface="Consolas" panose="020B0609020204030204" pitchFamily="49" charset="0"/>
+                <a:cs typeface="Consolas" panose="020B0609020204030204" pitchFamily="49" charset="0"/>
+              </a:rPr>
+              <a:t>peakcall.tsv</a:t>
+            </a:r>
+            <a:endParaRPr lang="en-US" sz="1800" dirty="0">
+              <a:latin typeface="Consolas" panose="020B0609020204030204" pitchFamily="49" charset="0"/>
+              <a:cs typeface="Consolas" panose="020B0609020204030204" pitchFamily="49" charset="0"/>
+            </a:endParaRPr>
+          </a:p>
+          <a:p>
+            <a:pPr lvl="1"/>
+            <a:endParaRPr lang="en-US" sz="1800" dirty="0">
+              <a:latin typeface="Consolas" panose="020B0609020204030204" pitchFamily="49" charset="0"/>
+              <a:cs typeface="Consolas" panose="020B0609020204030204" pitchFamily="49" charset="0"/>
+            </a:endParaRPr>
+          </a:p>
+          <a:p>
+            <a:pPr lvl="1"/>
+            <a:r>
+              <a:rPr lang="en-US" sz="1800" dirty="0" err="1">
+                <a:latin typeface="Consolas" panose="020B0609020204030204" pitchFamily="49" charset="0"/>
+                <a:cs typeface="Consolas" panose="020B0609020204030204" pitchFamily="49" charset="0"/>
+              </a:rPr>
+              <a:t>HemTools</a:t>
+            </a:r>
+            <a:r>
+              <a:rPr lang="en-US" sz="1800" dirty="0">
+                <a:latin typeface="Consolas" panose="020B0609020204030204" pitchFamily="49" charset="0"/>
+                <a:cs typeface="Consolas" panose="020B0609020204030204" pitchFamily="49" charset="0"/>
+              </a:rPr>
+              <a:t> </a:t>
+            </a:r>
+            <a:r>
+              <a:rPr lang="en-US" sz="1800" dirty="0" err="1">
+                <a:latin typeface="Consolas" panose="020B0609020204030204" pitchFamily="49" charset="0"/>
+                <a:cs typeface="Consolas" panose="020B0609020204030204" pitchFamily="49" charset="0"/>
+              </a:rPr>
+              <a:t>chip_seq_pair</a:t>
+            </a:r>
+            <a:r>
+              <a:rPr lang="en-US" sz="1800" dirty="0">
+                <a:latin typeface="Consolas" panose="020B0609020204030204" pitchFamily="49" charset="0"/>
+                <a:cs typeface="Consolas" panose="020B0609020204030204" pitchFamily="49" charset="0"/>
+              </a:rPr>
+              <a:t> -f </a:t>
+            </a:r>
+            <a:r>
+              <a:rPr lang="en-US" sz="1800" dirty="0" err="1">
+                <a:latin typeface="Consolas" panose="020B0609020204030204" pitchFamily="49" charset="0"/>
+                <a:cs typeface="Consolas" panose="020B0609020204030204" pitchFamily="49" charset="0"/>
+              </a:rPr>
+              <a:t>fastq.tsv</a:t>
+            </a:r>
+            <a:r>
+              <a:rPr lang="en-US" sz="1800" dirty="0">
+                <a:latin typeface="Consolas" panose="020B0609020204030204" pitchFamily="49" charset="0"/>
+                <a:cs typeface="Consolas" panose="020B0609020204030204" pitchFamily="49" charset="0"/>
+              </a:rPr>
+              <a:t> -d </a:t>
+            </a:r>
+            <a:r>
+              <a:rPr lang="en-US" sz="1800" dirty="0" err="1">
+                <a:latin typeface="Consolas" panose="020B0609020204030204" pitchFamily="49" charset="0"/>
+                <a:cs typeface="Consolas" panose="020B0609020204030204" pitchFamily="49" charset="0"/>
+              </a:rPr>
+              <a:t>peakcall.tsv</a:t>
+            </a:r>
+            <a:endParaRPr lang="en-US" sz="1800" dirty="0">
+              <a:highlight>
+                <a:srgbClr val="C0C0C0"/>
+              </a:highlight>
+              <a:latin typeface="Consolas" panose="020B0609020204030204" pitchFamily="49" charset="0"/>
+              <a:cs typeface="Consolas" panose="020B0609020204030204" pitchFamily="49" charset="0"/>
+            </a:endParaRPr>
+          </a:p>
+          <a:p>
+            <a:pPr marL="0" indent="0">
+              <a:buNone/>
+            </a:pPr>
             <a:endParaRPr lang="en-US" dirty="0"/>
+          </a:p>
+        </p:txBody>
+      </p:sp>
+      <p:pic>
+        <p:nvPicPr>
+          <p:cNvPr id="9" name="Picture 8">
+            <a:extLst>
+              <a:ext uri="{FF2B5EF4-FFF2-40B4-BE49-F238E27FC236}">
+                <a16:creationId xmlns:a16="http://schemas.microsoft.com/office/drawing/2014/main" id="{AE9236BD-9307-4323-9EBF-AD6C140C9E7A}"/>
+              </a:ext>
+            </a:extLst>
+          </p:cNvPr>
+          <p:cNvPicPr>
+            <a:picLocks noChangeAspect="1"/>
+          </p:cNvPicPr>
+          <p:nvPr/>
+        </p:nvPicPr>
+        <p:blipFill>
+          <a:blip r:embed="rId2"/>
+          <a:stretch>
+            <a:fillRect/>
+          </a:stretch>
+        </p:blipFill>
+        <p:spPr>
+          <a:xfrm>
+            <a:off x="5480957" y="505748"/>
+            <a:ext cx="6563936" cy="5987127"/>
+          </a:xfrm>
+          <a:prstGeom prst="rect">
+            <a:avLst/>
+          </a:prstGeom>
+        </p:spPr>
+      </p:pic>
+      <p:sp>
+        <p:nvSpPr>
+          <p:cNvPr id="4" name="Rectangle 3">
+            <a:extLst>
+              <a:ext uri="{FF2B5EF4-FFF2-40B4-BE49-F238E27FC236}">
+                <a16:creationId xmlns:a16="http://schemas.microsoft.com/office/drawing/2014/main" id="{EFE7B173-0803-4D86-B053-2F94F2B47CE3}"/>
+              </a:ext>
+            </a:extLst>
+          </p:cNvPr>
+          <p:cNvSpPr/>
+          <p:nvPr/>
+        </p:nvSpPr>
+        <p:spPr>
+          <a:xfrm>
+            <a:off x="5589037" y="4683967"/>
+            <a:ext cx="6307494" cy="942392"/>
+          </a:xfrm>
+          <a:prstGeom prst="rect">
+            <a:avLst/>
+          </a:prstGeom>
+          <a:noFill/>
+          <a:ln>
+            <a:solidFill>
+              <a:srgbClr val="FF0000"/>
+            </a:solidFill>
+          </a:ln>
+        </p:spPr>
+        <p:style>
+          <a:lnRef idx="2">
+            <a:schemeClr val="accent1">
+              <a:shade val="50000"/>
+            </a:schemeClr>
+          </a:lnRef>
+          <a:fillRef idx="1">
+            <a:schemeClr val="accent1"/>
+          </a:fillRef>
+          <a:effectRef idx="0">
+            <a:schemeClr val="accent1"/>
+          </a:effectRef>
+          <a:fontRef idx="minor">
+            <a:schemeClr val="lt1"/>
+          </a:fontRef>
+        </p:style>
+        <p:txBody>
+          <a:bodyPr rtlCol="0" anchor="ctr"/>
+          <a:lstStyle/>
+          <a:p>
+            <a:pPr algn="ctr"/>
+            <a:endParaRPr lang="en-US"/>
           </a:p>
         </p:txBody>
       </p:sp>
     </p:spTree>
     <p:extLst>
       <p:ext uri="{BB962C8B-B14F-4D97-AF65-F5344CB8AC3E}">
-        <p14:creationId xmlns:p14="http://schemas.microsoft.com/office/powerpoint/2010/main" val="1730204385"/>
+        <p14:creationId xmlns:p14="http://schemas.microsoft.com/office/powerpoint/2010/main" val="498713462"/>
       </p:ext>
     </p:extLst>
   </p:cSld>
@@ -3644,7 +4232,7 @@
           <p:cNvPr id="2" name="Title 1">
             <a:extLst>
               <a:ext uri="{FF2B5EF4-FFF2-40B4-BE49-F238E27FC236}">
-                <a16:creationId xmlns:a16="http://schemas.microsoft.com/office/drawing/2014/main" id="{2075DC17-8697-49D6-97F8-73889DD435FA}"/>
+                <a16:creationId xmlns:a16="http://schemas.microsoft.com/office/drawing/2014/main" id="{15AD1A34-A8B2-48D0-951F-79751EADEEC7}"/>
               </a:ext>
             </a:extLst>
           </p:cNvPr>
@@ -3662,7 +4250,7 @@
           <a:p>
             <a:r>
               <a:rPr lang="en-US" dirty="0"/>
-              <a:t>Software requirements analysis</a:t>
+              <a:t>General principles</a:t>
             </a:r>
           </a:p>
         </p:txBody>
@@ -3672,7 +4260,7 @@
           <p:cNvPr id="3" name="Content Placeholder 2">
             <a:extLst>
               <a:ext uri="{FF2B5EF4-FFF2-40B4-BE49-F238E27FC236}">
-                <a16:creationId xmlns:a16="http://schemas.microsoft.com/office/drawing/2014/main" id="{6E7D4C32-4496-4085-BF95-75FF1991E6A6}"/>
+                <a16:creationId xmlns:a16="http://schemas.microsoft.com/office/drawing/2014/main" id="{0BBFE8CB-EE31-4B7B-8AD9-AC66241D81BD}"/>
               </a:ext>
             </a:extLst>
           </p:cNvPr>
@@ -3683,108 +4271,402 @@
             <p:ph idx="1"/>
           </p:nvPr>
         </p:nvSpPr>
+        <p:spPr/>
+        <p:txBody>
+          <a:bodyPr/>
+          <a:lstStyle/>
+          <a:p>
+            <a:r>
+              <a:rPr lang="en-US" dirty="0"/>
+              <a:t>Command format</a:t>
+            </a:r>
+          </a:p>
+          <a:p>
+            <a:pPr lvl="1"/>
+            <a:r>
+              <a:rPr lang="en-US" sz="1800" dirty="0" err="1">
+                <a:latin typeface="Consolas" panose="020B0609020204030204" pitchFamily="49" charset="0"/>
+                <a:cs typeface="Consolas" panose="020B0609020204030204" pitchFamily="49" charset="0"/>
+              </a:rPr>
+              <a:t>HemTools</a:t>
+            </a:r>
+            <a:r>
+              <a:rPr lang="en-US" sz="1800" dirty="0">
+                <a:latin typeface="Consolas" panose="020B0609020204030204" pitchFamily="49" charset="0"/>
+                <a:cs typeface="Consolas" panose="020B0609020204030204" pitchFamily="49" charset="0"/>
+              </a:rPr>
+              <a:t> </a:t>
+            </a:r>
+            <a:r>
+              <a:rPr lang="en-US" sz="1800" dirty="0" err="1">
+                <a:latin typeface="Consolas" panose="020B0609020204030204" pitchFamily="49" charset="0"/>
+                <a:cs typeface="Consolas" panose="020B0609020204030204" pitchFamily="49" charset="0"/>
+              </a:rPr>
+              <a:t>atac_seq</a:t>
+            </a:r>
+            <a:r>
+              <a:rPr lang="en-US" sz="1800" dirty="0">
+                <a:latin typeface="Consolas" panose="020B0609020204030204" pitchFamily="49" charset="0"/>
+                <a:cs typeface="Consolas" panose="020B0609020204030204" pitchFamily="49" charset="0"/>
+              </a:rPr>
+              <a:t> -f </a:t>
+            </a:r>
+            <a:r>
+              <a:rPr lang="en-US" sz="1800" dirty="0" err="1">
+                <a:latin typeface="Consolas" panose="020B0609020204030204" pitchFamily="49" charset="0"/>
+                <a:cs typeface="Consolas" panose="020B0609020204030204" pitchFamily="49" charset="0"/>
+              </a:rPr>
+              <a:t>fastq.tsv</a:t>
+            </a:r>
+            <a:endParaRPr lang="en-US" sz="1800" dirty="0">
+              <a:latin typeface="Consolas" panose="020B0609020204030204" pitchFamily="49" charset="0"/>
+              <a:cs typeface="Consolas" panose="020B0609020204030204" pitchFamily="49" charset="0"/>
+            </a:endParaRPr>
+          </a:p>
+          <a:p>
+            <a:pPr lvl="1"/>
+            <a:r>
+              <a:rPr lang="en-US" sz="1800" dirty="0" err="1">
+                <a:latin typeface="Consolas" panose="020B0609020204030204" pitchFamily="49" charset="0"/>
+                <a:cs typeface="Consolas" panose="020B0609020204030204" pitchFamily="49" charset="0"/>
+              </a:rPr>
+              <a:t>HemTools</a:t>
+            </a:r>
+            <a:r>
+              <a:rPr lang="en-US" sz="1800" dirty="0">
+                <a:latin typeface="Consolas" panose="020B0609020204030204" pitchFamily="49" charset="0"/>
+                <a:cs typeface="Consolas" panose="020B0609020204030204" pitchFamily="49" charset="0"/>
+              </a:rPr>
+              <a:t> </a:t>
+            </a:r>
+            <a:r>
+              <a:rPr lang="en-US" sz="1800" dirty="0" err="1">
+                <a:latin typeface="Consolas" panose="020B0609020204030204" pitchFamily="49" charset="0"/>
+                <a:cs typeface="Consolas" panose="020B0609020204030204" pitchFamily="49" charset="0"/>
+              </a:rPr>
+              <a:t>cut_run</a:t>
+            </a:r>
+            <a:r>
+              <a:rPr lang="en-US" sz="1800" dirty="0">
+                <a:latin typeface="Consolas" panose="020B0609020204030204" pitchFamily="49" charset="0"/>
+                <a:cs typeface="Consolas" panose="020B0609020204030204" pitchFamily="49" charset="0"/>
+              </a:rPr>
+              <a:t> -f </a:t>
+            </a:r>
+            <a:r>
+              <a:rPr lang="en-US" sz="1800" dirty="0" err="1">
+                <a:latin typeface="Consolas" panose="020B0609020204030204" pitchFamily="49" charset="0"/>
+                <a:cs typeface="Consolas" panose="020B0609020204030204" pitchFamily="49" charset="0"/>
+              </a:rPr>
+              <a:t>fastq.tsv</a:t>
+            </a:r>
+            <a:r>
+              <a:rPr lang="en-US" sz="1800" dirty="0">
+                <a:latin typeface="Consolas" panose="020B0609020204030204" pitchFamily="49" charset="0"/>
+                <a:cs typeface="Consolas" panose="020B0609020204030204" pitchFamily="49" charset="0"/>
+              </a:rPr>
+              <a:t> -d </a:t>
+            </a:r>
+            <a:r>
+              <a:rPr lang="en-US" sz="1800" dirty="0" err="1">
+                <a:latin typeface="Consolas" panose="020B0609020204030204" pitchFamily="49" charset="0"/>
+                <a:cs typeface="Consolas" panose="020B0609020204030204" pitchFamily="49" charset="0"/>
+              </a:rPr>
+              <a:t>peakcall.tsv</a:t>
+            </a:r>
+            <a:endParaRPr lang="en-US" sz="1800" dirty="0">
+              <a:latin typeface="Consolas" panose="020B0609020204030204" pitchFamily="49" charset="0"/>
+              <a:cs typeface="Consolas" panose="020B0609020204030204" pitchFamily="49" charset="0"/>
+            </a:endParaRPr>
+          </a:p>
+          <a:p>
+            <a:pPr lvl="1"/>
+            <a:r>
+              <a:rPr lang="en-US" sz="1800" dirty="0" err="1">
+                <a:latin typeface="Consolas" panose="020B0609020204030204" pitchFamily="49" charset="0"/>
+                <a:cs typeface="Consolas" panose="020B0609020204030204" pitchFamily="49" charset="0"/>
+              </a:rPr>
+              <a:t>HemTools</a:t>
+            </a:r>
+            <a:r>
+              <a:rPr lang="en-US" sz="1800" dirty="0">
+                <a:latin typeface="Consolas" panose="020B0609020204030204" pitchFamily="49" charset="0"/>
+                <a:cs typeface="Consolas" panose="020B0609020204030204" pitchFamily="49" charset="0"/>
+              </a:rPr>
+              <a:t> </a:t>
+            </a:r>
+            <a:r>
+              <a:rPr lang="en-US" sz="1800" dirty="0" err="1">
+                <a:latin typeface="Consolas" panose="020B0609020204030204" pitchFamily="49" charset="0"/>
+                <a:cs typeface="Consolas" panose="020B0609020204030204" pitchFamily="49" charset="0"/>
+              </a:rPr>
+              <a:t>chip_seq_single</a:t>
+            </a:r>
+            <a:r>
+              <a:rPr lang="en-US" sz="1800" dirty="0">
+                <a:latin typeface="Consolas" panose="020B0609020204030204" pitchFamily="49" charset="0"/>
+                <a:cs typeface="Consolas" panose="020B0609020204030204" pitchFamily="49" charset="0"/>
+              </a:rPr>
+              <a:t> -f </a:t>
+            </a:r>
+            <a:r>
+              <a:rPr lang="en-US" sz="1800" dirty="0" err="1">
+                <a:latin typeface="Consolas" panose="020B0609020204030204" pitchFamily="49" charset="0"/>
+                <a:cs typeface="Consolas" panose="020B0609020204030204" pitchFamily="49" charset="0"/>
+              </a:rPr>
+              <a:t>fastq.tsv</a:t>
+            </a:r>
+            <a:r>
+              <a:rPr lang="en-US" sz="1800" dirty="0">
+                <a:latin typeface="Consolas" panose="020B0609020204030204" pitchFamily="49" charset="0"/>
+                <a:cs typeface="Consolas" panose="020B0609020204030204" pitchFamily="49" charset="0"/>
+              </a:rPr>
+              <a:t> -d </a:t>
+            </a:r>
+            <a:r>
+              <a:rPr lang="en-US" sz="1800" dirty="0" err="1">
+                <a:latin typeface="Consolas" panose="020B0609020204030204" pitchFamily="49" charset="0"/>
+                <a:cs typeface="Consolas" panose="020B0609020204030204" pitchFamily="49" charset="0"/>
+              </a:rPr>
+              <a:t>peakcall.tsv</a:t>
+            </a:r>
+            <a:endParaRPr lang="en-US" sz="1800" dirty="0">
+              <a:latin typeface="Consolas" panose="020B0609020204030204" pitchFamily="49" charset="0"/>
+              <a:cs typeface="Consolas" panose="020B0609020204030204" pitchFamily="49" charset="0"/>
+            </a:endParaRPr>
+          </a:p>
+          <a:p>
+            <a:pPr lvl="1"/>
+            <a:r>
+              <a:rPr lang="en-US" sz="1800" dirty="0" err="1">
+                <a:latin typeface="Consolas" panose="020B0609020204030204" pitchFamily="49" charset="0"/>
+                <a:cs typeface="Consolas" panose="020B0609020204030204" pitchFamily="49" charset="0"/>
+              </a:rPr>
+              <a:t>HemTools</a:t>
+            </a:r>
+            <a:r>
+              <a:rPr lang="en-US" sz="1800" dirty="0">
+                <a:latin typeface="Consolas" panose="020B0609020204030204" pitchFamily="49" charset="0"/>
+                <a:cs typeface="Consolas" panose="020B0609020204030204" pitchFamily="49" charset="0"/>
+              </a:rPr>
+              <a:t> </a:t>
+            </a:r>
+            <a:r>
+              <a:rPr lang="en-US" sz="1800" dirty="0" err="1">
+                <a:latin typeface="Consolas" panose="020B0609020204030204" pitchFamily="49" charset="0"/>
+                <a:cs typeface="Consolas" panose="020B0609020204030204" pitchFamily="49" charset="0"/>
+              </a:rPr>
+              <a:t>chip_seq_pair</a:t>
+            </a:r>
+            <a:r>
+              <a:rPr lang="en-US" sz="1800" dirty="0">
+                <a:latin typeface="Consolas" panose="020B0609020204030204" pitchFamily="49" charset="0"/>
+                <a:cs typeface="Consolas" panose="020B0609020204030204" pitchFamily="49" charset="0"/>
+              </a:rPr>
+              <a:t> -f </a:t>
+            </a:r>
+            <a:r>
+              <a:rPr lang="en-US" sz="1800" dirty="0" err="1">
+                <a:latin typeface="Consolas" panose="020B0609020204030204" pitchFamily="49" charset="0"/>
+                <a:cs typeface="Consolas" panose="020B0609020204030204" pitchFamily="49" charset="0"/>
+              </a:rPr>
+              <a:t>fastq.tsv</a:t>
+            </a:r>
+            <a:r>
+              <a:rPr lang="en-US" sz="1800" dirty="0">
+                <a:latin typeface="Consolas" panose="020B0609020204030204" pitchFamily="49" charset="0"/>
+                <a:cs typeface="Consolas" panose="020B0609020204030204" pitchFamily="49" charset="0"/>
+              </a:rPr>
+              <a:t> -d </a:t>
+            </a:r>
+            <a:r>
+              <a:rPr lang="en-US" sz="1800" dirty="0" err="1">
+                <a:latin typeface="Consolas" panose="020B0609020204030204" pitchFamily="49" charset="0"/>
+                <a:cs typeface="Consolas" panose="020B0609020204030204" pitchFamily="49" charset="0"/>
+              </a:rPr>
+              <a:t>peakcall.tsv</a:t>
+            </a:r>
+            <a:endParaRPr lang="en-US" sz="1800" dirty="0">
+              <a:highlight>
+                <a:srgbClr val="C0C0C0"/>
+              </a:highlight>
+              <a:latin typeface="Consolas" panose="020B0609020204030204" pitchFamily="49" charset="0"/>
+              <a:cs typeface="Consolas" panose="020B0609020204030204" pitchFamily="49" charset="0"/>
+            </a:endParaRPr>
+          </a:p>
+          <a:p>
+            <a:r>
+              <a:rPr lang="en-US" dirty="0"/>
+              <a:t>Input format (</a:t>
+            </a:r>
+            <a:r>
+              <a:rPr lang="en-US" dirty="0" err="1"/>
+              <a:t>tsv</a:t>
+            </a:r>
+            <a:r>
+              <a:rPr lang="en-US" dirty="0"/>
+              <a:t>, tab-separated values)</a:t>
+            </a:r>
+          </a:p>
+          <a:p>
+            <a:pPr marL="0" indent="0">
+              <a:buNone/>
+            </a:pPr>
+            <a:endParaRPr lang="en-US" dirty="0"/>
+          </a:p>
+        </p:txBody>
+      </p:sp>
+      <p:pic>
+        <p:nvPicPr>
+          <p:cNvPr id="5" name="Picture 4">
+            <a:extLst>
+              <a:ext uri="{FF2B5EF4-FFF2-40B4-BE49-F238E27FC236}">
+                <a16:creationId xmlns:a16="http://schemas.microsoft.com/office/drawing/2014/main" id="{D5E8DA78-8DF1-4480-8E81-EFE3DA380020}"/>
+              </a:ext>
+            </a:extLst>
+          </p:cNvPr>
+          <p:cNvPicPr>
+            <a:picLocks noChangeAspect="1"/>
+          </p:cNvPicPr>
+          <p:nvPr/>
+        </p:nvPicPr>
+        <p:blipFill>
+          <a:blip r:embed="rId2">
+            <a:extLst>
+              <a:ext uri="{28A0092B-C50C-407E-A947-70E740481C1C}">
+                <a14:useLocalDpi xmlns:a14="http://schemas.microsoft.com/office/drawing/2010/main" val="0"/>
+              </a:ext>
+            </a:extLst>
+          </a:blip>
+          <a:stretch>
+            <a:fillRect/>
+          </a:stretch>
+        </p:blipFill>
         <p:spPr>
           <a:xfrm>
-            <a:off x="838200" y="1825624"/>
-            <a:ext cx="10515600" cy="4944291"/>
+            <a:off x="50334" y="4604391"/>
+            <a:ext cx="7508147" cy="1415868"/>
           </a:xfrm>
+          <a:prstGeom prst="rect">
+            <a:avLst/>
+          </a:prstGeom>
         </p:spPr>
-        <p:txBody>
-          <a:bodyPr>
-            <a:normAutofit lnSpcReduction="10000"/>
+      </p:pic>
+      <p:sp>
+        <p:nvSpPr>
+          <p:cNvPr id="6" name="Rectangle 5">
+            <a:extLst>
+              <a:ext uri="{FF2B5EF4-FFF2-40B4-BE49-F238E27FC236}">
+                <a16:creationId xmlns:a16="http://schemas.microsoft.com/office/drawing/2014/main" id="{7450E78C-F44E-449B-9EE5-8445CA27129B}"/>
+              </a:ext>
+            </a:extLst>
+          </p:cNvPr>
+          <p:cNvSpPr/>
+          <p:nvPr/>
+        </p:nvSpPr>
+        <p:spPr>
+          <a:xfrm>
+            <a:off x="8854622" y="4114926"/>
+            <a:ext cx="2418739" cy="369332"/>
+          </a:xfrm>
+          <a:prstGeom prst="rect">
+            <a:avLst/>
+          </a:prstGeom>
+        </p:spPr>
+        <p:txBody>
+          <a:bodyPr wrap="none">
+            <a:spAutoFit/>
           </a:bodyPr>
           <a:lstStyle/>
           <a:p>
+            <a:pPr lvl="1"/>
             <a:r>
               <a:rPr lang="en-US" dirty="0"/>
-              <a:t>Adapting and automating previous pipelines</a:t>
-            </a:r>
-          </a:p>
-          <a:p>
+              <a:t>-d, --</a:t>
+            </a:r>
+            <a:r>
+              <a:rPr lang="en-US" dirty="0" err="1"/>
+              <a:t>design_matrix</a:t>
+            </a:r>
+            <a:endParaRPr lang="en-US" dirty="0"/>
+          </a:p>
+        </p:txBody>
+      </p:sp>
+      <p:pic>
+        <p:nvPicPr>
+          <p:cNvPr id="7" name="Picture 6">
+            <a:extLst>
+              <a:ext uri="{FF2B5EF4-FFF2-40B4-BE49-F238E27FC236}">
+                <a16:creationId xmlns:a16="http://schemas.microsoft.com/office/drawing/2014/main" id="{24EF94A9-7256-4C7A-9930-6B0E9F79D6E3}"/>
+              </a:ext>
+            </a:extLst>
+          </p:cNvPr>
+          <p:cNvPicPr>
+            <a:picLocks noChangeAspect="1"/>
+          </p:cNvPicPr>
+          <p:nvPr/>
+        </p:nvPicPr>
+        <p:blipFill>
+          <a:blip r:embed="rId3">
+            <a:extLst>
+              <a:ext uri="{28A0092B-C50C-407E-A947-70E740481C1C}">
+                <a14:useLocalDpi xmlns:a14="http://schemas.microsoft.com/office/drawing/2010/main" val="0"/>
+              </a:ext>
+            </a:extLst>
+          </a:blip>
+          <a:stretch>
+            <a:fillRect/>
+          </a:stretch>
+        </p:blipFill>
+        <p:spPr>
+          <a:xfrm>
+            <a:off x="7688061" y="4604391"/>
+            <a:ext cx="4453605" cy="1355802"/>
+          </a:xfrm>
+          <a:prstGeom prst="rect">
+            <a:avLst/>
+          </a:prstGeom>
+        </p:spPr>
+      </p:pic>
+      <p:sp>
+        <p:nvSpPr>
+          <p:cNvPr id="8" name="Rectangle 7">
+            <a:extLst>
+              <a:ext uri="{FF2B5EF4-FFF2-40B4-BE49-F238E27FC236}">
+                <a16:creationId xmlns:a16="http://schemas.microsoft.com/office/drawing/2014/main" id="{827B86C4-4A9A-4EFC-8272-A390A39E32DD}"/>
+              </a:ext>
+            </a:extLst>
+          </p:cNvPr>
+          <p:cNvSpPr/>
+          <p:nvPr/>
+        </p:nvSpPr>
+        <p:spPr>
+          <a:xfrm>
+            <a:off x="2566075" y="4235059"/>
+            <a:ext cx="1520224" cy="369332"/>
+          </a:xfrm>
+          <a:prstGeom prst="rect">
+            <a:avLst/>
+          </a:prstGeom>
+        </p:spPr>
+        <p:txBody>
+          <a:bodyPr wrap="none">
+            <a:spAutoFit/>
+          </a:bodyPr>
+          <a:lstStyle/>
+          <a:p>
+            <a:pPr lvl="1"/>
             <a:r>
               <a:rPr lang="en-US" dirty="0"/>
-              <a:t>Minimizing computation time</a:t>
-            </a:r>
-          </a:p>
-          <a:p>
-            <a:r>
-              <a:rPr lang="en-US" dirty="0"/>
-              <a:t>Creating user-friendly interface</a:t>
-            </a:r>
-          </a:p>
-          <a:p>
-            <a:pPr lvl="1"/>
-            <a:r>
-              <a:rPr lang="en-US" dirty="0"/>
-              <a:t>Online end-user documentation</a:t>
-            </a:r>
-          </a:p>
-          <a:p>
-            <a:pPr lvl="1"/>
-            <a:r>
-              <a:rPr lang="en-US" dirty="0"/>
-              <a:t>Email notification system</a:t>
-            </a:r>
-          </a:p>
-          <a:p>
-            <a:pPr lvl="1"/>
-            <a:r>
-              <a:rPr lang="en-US" dirty="0"/>
-              <a:t>Bug/Error notification system</a:t>
-            </a:r>
-          </a:p>
-          <a:p>
-            <a:pPr lvl="1"/>
-            <a:r>
-              <a:rPr lang="en-US" dirty="0"/>
-              <a:t>Visually-appealing reports</a:t>
-            </a:r>
-          </a:p>
-          <a:p>
-            <a:pPr lvl="1"/>
-            <a:endParaRPr lang="en-US" dirty="0"/>
-          </a:p>
-          <a:p>
-            <a:r>
-              <a:rPr lang="en-US" dirty="0"/>
-              <a:t>Reducing user’s mental effort  </a:t>
-            </a:r>
-          </a:p>
-          <a:p>
-            <a:pPr lvl="1"/>
-            <a:r>
-              <a:rPr lang="en-US" dirty="0"/>
-              <a:t>Free of installation &amp; ready to use</a:t>
-            </a:r>
-          </a:p>
-          <a:p>
-            <a:pPr lvl="1"/>
-            <a:r>
-              <a:rPr lang="en-US" dirty="0"/>
-              <a:t>Simple input files preparation</a:t>
-            </a:r>
-          </a:p>
-          <a:p>
-            <a:pPr lvl="1"/>
-            <a:r>
-              <a:rPr lang="en-US" dirty="0"/>
-              <a:t>Easy search for appropriate APIs</a:t>
-            </a:r>
-          </a:p>
-          <a:p>
-            <a:pPr lvl="1"/>
-            <a:endParaRPr lang="en-US" dirty="0"/>
-          </a:p>
-          <a:p>
-            <a:pPr lvl="1"/>
-            <a:endParaRPr lang="en-US" dirty="0"/>
+              <a:t>-f, --input</a:t>
+            </a:r>
           </a:p>
         </p:txBody>
       </p:sp>
     </p:spTree>
     <p:extLst>
       <p:ext uri="{BB962C8B-B14F-4D97-AF65-F5344CB8AC3E}">
-        <p14:creationId xmlns:p14="http://schemas.microsoft.com/office/powerpoint/2010/main" val="3943673360"/>
+        <p14:creationId xmlns:p14="http://schemas.microsoft.com/office/powerpoint/2010/main" val="139504804"/>
       </p:ext>
     </p:extLst>
   </p:cSld>
@@ -3816,7 +4698,7 @@
           <p:cNvPr id="2" name="Title 1">
             <a:extLst>
               <a:ext uri="{FF2B5EF4-FFF2-40B4-BE49-F238E27FC236}">
-                <a16:creationId xmlns:a16="http://schemas.microsoft.com/office/drawing/2014/main" id="{9C87775C-559D-4E96-9FAB-9904F9A04E19}"/>
+                <a16:creationId xmlns:a16="http://schemas.microsoft.com/office/drawing/2014/main" id="{15AD1A34-A8B2-48D0-951F-79751EADEEC7}"/>
               </a:ext>
             </a:extLst>
           </p:cNvPr>
@@ -3834,7 +4716,7 @@
           <a:p>
             <a:r>
               <a:rPr lang="en-US" dirty="0"/>
-              <a:t>Linux 101</a:t>
+              <a:t>General principles</a:t>
             </a:r>
           </a:p>
         </p:txBody>
@@ -3844,7 +4726,7 @@
           <p:cNvPr id="3" name="Content Placeholder 2">
             <a:extLst>
               <a:ext uri="{FF2B5EF4-FFF2-40B4-BE49-F238E27FC236}">
-                <a16:creationId xmlns:a16="http://schemas.microsoft.com/office/drawing/2014/main" id="{895A7F71-E7CB-4CD8-A8A1-C163C0F6A6E4}"/>
+                <a16:creationId xmlns:a16="http://schemas.microsoft.com/office/drawing/2014/main" id="{0BBFE8CB-EE31-4B7B-8AD9-AC66241D81BD}"/>
               </a:ext>
             </a:extLst>
           </p:cNvPr>
@@ -3860,14 +4742,53 @@
           <a:bodyPr/>
           <a:lstStyle/>
           <a:p>
-            <a:endParaRPr lang="en-US"/>
-          </a:p>
-        </p:txBody>
-      </p:sp>
+            <a:r>
+              <a:rPr lang="en-US" dirty="0"/>
+              <a:t>Output format</a:t>
+            </a:r>
+          </a:p>
+          <a:p>
+            <a:endParaRPr lang="en-US" dirty="0"/>
+          </a:p>
+          <a:p>
+            <a:endParaRPr lang="en-US" dirty="0"/>
+          </a:p>
+        </p:txBody>
+      </p:sp>
+      <p:pic>
+        <p:nvPicPr>
+          <p:cNvPr id="4" name="Picture 3">
+            <a:extLst>
+              <a:ext uri="{FF2B5EF4-FFF2-40B4-BE49-F238E27FC236}">
+                <a16:creationId xmlns:a16="http://schemas.microsoft.com/office/drawing/2014/main" id="{B5E0D363-4B32-48B9-BC61-37D7B2B36D78}"/>
+              </a:ext>
+            </a:extLst>
+          </p:cNvPr>
+          <p:cNvPicPr>
+            <a:picLocks noChangeAspect="1"/>
+          </p:cNvPicPr>
+          <p:nvPr/>
+        </p:nvPicPr>
+        <p:blipFill>
+          <a:blip r:embed="rId2"/>
+          <a:stretch>
+            <a:fillRect/>
+          </a:stretch>
+        </p:blipFill>
+        <p:spPr>
+          <a:xfrm>
+            <a:off x="1235005" y="2596923"/>
+            <a:ext cx="2965667" cy="1872441"/>
+          </a:xfrm>
+          <a:prstGeom prst="rect">
+            <a:avLst/>
+          </a:prstGeom>
+        </p:spPr>
+      </p:pic>
     </p:spTree>
     <p:extLst>
       <p:ext uri="{BB962C8B-B14F-4D97-AF65-F5344CB8AC3E}">
-        <p14:creationId xmlns:p14="http://schemas.microsoft.com/office/powerpoint/2010/main" val="646229792"/>
+        <p14:creationId xmlns:p14="http://schemas.microsoft.com/office/powerpoint/2010/main" val="141717846"/>
       </p:ext>
     </p:extLst>
   </p:cSld>
@@ -3899,7 +4820,7 @@
           <p:cNvPr id="2" name="Title 1">
             <a:extLst>
               <a:ext uri="{FF2B5EF4-FFF2-40B4-BE49-F238E27FC236}">
-                <a16:creationId xmlns:a16="http://schemas.microsoft.com/office/drawing/2014/main" id="{BF30E243-E41F-4AB6-811E-7D3D625BE204}"/>
+                <a16:creationId xmlns:a16="http://schemas.microsoft.com/office/drawing/2014/main" id="{15AD1A34-A8B2-48D0-951F-79751EADEEC7}"/>
               </a:ext>
             </a:extLst>
           </p:cNvPr>
@@ -3915,7 +4836,10 @@
           <a:bodyPr/>
           <a:lstStyle/>
           <a:p>
-            <a:endParaRPr lang="en-US"/>
+            <a:r>
+              <a:rPr lang="en-US" dirty="0"/>
+              <a:t>General principles</a:t>
+            </a:r>
           </a:p>
         </p:txBody>
       </p:sp>
@@ -3924,7 +4848,7 @@
           <p:cNvPr id="3" name="Content Placeholder 2">
             <a:extLst>
               <a:ext uri="{FF2B5EF4-FFF2-40B4-BE49-F238E27FC236}">
-                <a16:creationId xmlns:a16="http://schemas.microsoft.com/office/drawing/2014/main" id="{B7EFCA1B-4EFB-434E-8F89-D1DB1B0FCB82}"/>
+                <a16:creationId xmlns:a16="http://schemas.microsoft.com/office/drawing/2014/main" id="{0BBFE8CB-EE31-4B7B-8AD9-AC66241D81BD}"/>
               </a:ext>
             </a:extLst>
           </p:cNvPr>
@@ -3940,14 +4864,23 @@
           <a:bodyPr/>
           <a:lstStyle/>
           <a:p>
-            <a:endParaRPr lang="en-US"/>
+            <a:r>
+              <a:rPr lang="en-US" dirty="0"/>
+              <a:t>Report bugs</a:t>
+            </a:r>
+          </a:p>
+          <a:p>
+            <a:endParaRPr lang="en-US" dirty="0"/>
+          </a:p>
+          <a:p>
+            <a:endParaRPr lang="en-US" dirty="0"/>
           </a:p>
         </p:txBody>
       </p:sp>
     </p:spTree>
     <p:extLst>
       <p:ext uri="{BB962C8B-B14F-4D97-AF65-F5344CB8AC3E}">
-        <p14:creationId xmlns:p14="http://schemas.microsoft.com/office/powerpoint/2010/main" val="3678665510"/>
+        <p14:creationId xmlns:p14="http://schemas.microsoft.com/office/powerpoint/2010/main" val="3923719557"/>
       </p:ext>
     </p:extLst>
   </p:cSld>
@@ -4062,7 +4995,7 @@
           <p:cNvPr id="2" name="Title 1">
             <a:extLst>
               <a:ext uri="{FF2B5EF4-FFF2-40B4-BE49-F238E27FC236}">
-                <a16:creationId xmlns:a16="http://schemas.microsoft.com/office/drawing/2014/main" id="{4D1A330E-AB09-43E6-BBA1-E89C7300DB1C}"/>
+                <a16:creationId xmlns:a16="http://schemas.microsoft.com/office/drawing/2014/main" id="{18B92BD7-553C-4A3D-9FE1-4EEC4FD77322}"/>
               </a:ext>
             </a:extLst>
           </p:cNvPr>
@@ -4078,7 +5011,10 @@
           <a:bodyPr/>
           <a:lstStyle/>
           <a:p>
-            <a:endParaRPr lang="en-US"/>
+            <a:r>
+              <a:rPr lang="en-US" dirty="0"/>
+              <a:t>Materials		</a:t>
+            </a:r>
           </a:p>
         </p:txBody>
       </p:sp>
@@ -4087,7 +5023,7 @@
           <p:cNvPr id="3" name="Content Placeholder 2">
             <a:extLst>
               <a:ext uri="{FF2B5EF4-FFF2-40B4-BE49-F238E27FC236}">
-                <a16:creationId xmlns:a16="http://schemas.microsoft.com/office/drawing/2014/main" id="{9579253A-45A7-4238-AAE0-6946A8093D51}"/>
+                <a16:creationId xmlns:a16="http://schemas.microsoft.com/office/drawing/2014/main" id="{CAB31F55-2E83-4FFF-BBF8-F7069746625D}"/>
               </a:ext>
             </a:extLst>
           </p:cNvPr>
@@ -4103,14 +5039,44 @@
           <a:bodyPr/>
           <a:lstStyle/>
           <a:p>
-            <a:endParaRPr lang="en-US"/>
+            <a:r>
+              <a:rPr lang="en-US" dirty="0"/>
+              <a:t>Handouts</a:t>
+            </a:r>
+          </a:p>
+          <a:p>
+            <a:r>
+              <a:rPr lang="en-US" dirty="0"/>
+              <a:t>Questionnaire</a:t>
+            </a:r>
+          </a:p>
+          <a:p>
+            <a:r>
+              <a:rPr lang="en-US" dirty="0"/>
+              <a:t>Online doc</a:t>
+            </a:r>
+          </a:p>
+          <a:p>
+            <a:r>
+              <a:rPr lang="en-US" dirty="0"/>
+              <a:t>Terminal</a:t>
+            </a:r>
+          </a:p>
+          <a:p>
+            <a:r>
+              <a:rPr lang="en-US" dirty="0"/>
+              <a:t>Ppt</a:t>
+            </a:r>
+          </a:p>
+          <a:p>
+            <a:endParaRPr lang="en-US" dirty="0"/>
           </a:p>
         </p:txBody>
       </p:sp>
     </p:spTree>
     <p:extLst>
       <p:ext uri="{BB962C8B-B14F-4D97-AF65-F5344CB8AC3E}">
-        <p14:creationId xmlns:p14="http://schemas.microsoft.com/office/powerpoint/2010/main" val="2195159436"/>
+        <p14:creationId xmlns:p14="http://schemas.microsoft.com/office/powerpoint/2010/main" val="1730204385"/>
       </p:ext>
     </p:extLst>
   </p:cSld>
@@ -4142,7 +5108,7 @@
           <p:cNvPr id="2" name="Title 1">
             <a:extLst>
               <a:ext uri="{FF2B5EF4-FFF2-40B4-BE49-F238E27FC236}">
-                <a16:creationId xmlns:a16="http://schemas.microsoft.com/office/drawing/2014/main" id="{B0E5B5FB-D096-4060-9B99-386CE7229307}"/>
+                <a16:creationId xmlns:a16="http://schemas.microsoft.com/office/drawing/2014/main" id="{2075DC17-8697-49D6-97F8-73889DD435FA}"/>
               </a:ext>
             </a:extLst>
           </p:cNvPr>
@@ -4158,7 +5124,10 @@
           <a:bodyPr/>
           <a:lstStyle/>
           <a:p>
-            <a:endParaRPr lang="en-US"/>
+            <a:r>
+              <a:rPr lang="en-US" dirty="0"/>
+              <a:t>Software requirements analysis</a:t>
+            </a:r>
           </a:p>
         </p:txBody>
       </p:sp>
@@ -4167,7 +5136,7 @@
           <p:cNvPr id="3" name="Content Placeholder 2">
             <a:extLst>
               <a:ext uri="{FF2B5EF4-FFF2-40B4-BE49-F238E27FC236}">
-                <a16:creationId xmlns:a16="http://schemas.microsoft.com/office/drawing/2014/main" id="{9199B12A-1512-4297-8892-AA70B7D7447F}"/>
+                <a16:creationId xmlns:a16="http://schemas.microsoft.com/office/drawing/2014/main" id="{6E7D4C32-4496-4085-BF95-75FF1991E6A6}"/>
               </a:ext>
             </a:extLst>
           </p:cNvPr>
@@ -4178,19 +5147,108 @@
             <p:ph idx="1"/>
           </p:nvPr>
         </p:nvSpPr>
-        <p:spPr/>
-        <p:txBody>
-          <a:bodyPr/>
-          <a:lstStyle/>
-          <a:p>
-            <a:endParaRPr lang="en-US"/>
+        <p:spPr>
+          <a:xfrm>
+            <a:off x="838200" y="1825624"/>
+            <a:ext cx="10515600" cy="4944291"/>
+          </a:xfrm>
+        </p:spPr>
+        <p:txBody>
+          <a:bodyPr>
+            <a:normAutofit lnSpcReduction="10000"/>
+          </a:bodyPr>
+          <a:lstStyle/>
+          <a:p>
+            <a:r>
+              <a:rPr lang="en-US" dirty="0"/>
+              <a:t>Adapting and automating previous pipelines</a:t>
+            </a:r>
+          </a:p>
+          <a:p>
+            <a:r>
+              <a:rPr lang="en-US" dirty="0"/>
+              <a:t>Minimizing computation time</a:t>
+            </a:r>
+          </a:p>
+          <a:p>
+            <a:r>
+              <a:rPr lang="en-US" dirty="0"/>
+              <a:t>Creating user-friendly interface</a:t>
+            </a:r>
+          </a:p>
+          <a:p>
+            <a:pPr lvl="1"/>
+            <a:r>
+              <a:rPr lang="en-US" dirty="0"/>
+              <a:t>Online end-user documentation</a:t>
+            </a:r>
+          </a:p>
+          <a:p>
+            <a:pPr lvl="1"/>
+            <a:r>
+              <a:rPr lang="en-US" dirty="0"/>
+              <a:t>Email notification system</a:t>
+            </a:r>
+          </a:p>
+          <a:p>
+            <a:pPr lvl="1"/>
+            <a:r>
+              <a:rPr lang="en-US" dirty="0"/>
+              <a:t>Bug/Error notification system</a:t>
+            </a:r>
+          </a:p>
+          <a:p>
+            <a:pPr lvl="1"/>
+            <a:r>
+              <a:rPr lang="en-US" dirty="0"/>
+              <a:t>Visually-appealing reports</a:t>
+            </a:r>
+          </a:p>
+          <a:p>
+            <a:pPr lvl="1"/>
+            <a:endParaRPr lang="en-US" dirty="0"/>
+          </a:p>
+          <a:p>
+            <a:r>
+              <a:rPr lang="en-US" dirty="0"/>
+              <a:t>Reducing user’s mental effort  </a:t>
+            </a:r>
+          </a:p>
+          <a:p>
+            <a:pPr lvl="1"/>
+            <a:r>
+              <a:rPr lang="en-US" dirty="0"/>
+              <a:t>Free of installation &amp; ready to use</a:t>
+            </a:r>
+          </a:p>
+          <a:p>
+            <a:pPr lvl="1"/>
+            <a:r>
+              <a:rPr lang="en-US" dirty="0"/>
+              <a:t>Simple input files preparation</a:t>
+            </a:r>
+          </a:p>
+          <a:p>
+            <a:pPr lvl="1"/>
+            <a:r>
+              <a:rPr lang="en-US" dirty="0"/>
+              <a:t>Easy search for appropriate APIs</a:t>
+            </a:r>
+          </a:p>
+          <a:p>
+            <a:pPr lvl="1"/>
+            <a:endParaRPr lang="en-US" dirty="0"/>
+          </a:p>
+          <a:p>
+            <a:pPr lvl="1"/>
+            <a:endParaRPr lang="en-US" dirty="0"/>
           </a:p>
         </p:txBody>
       </p:sp>
     </p:spTree>
     <p:extLst>
       <p:ext uri="{BB962C8B-B14F-4D97-AF65-F5344CB8AC3E}">
-        <p14:creationId xmlns:p14="http://schemas.microsoft.com/office/powerpoint/2010/main" val="997304681"/>
+        <p14:creationId xmlns:p14="http://schemas.microsoft.com/office/powerpoint/2010/main" val="3943673360"/>
       </p:ext>
     </p:extLst>
   </p:cSld>
@@ -4222,7 +5280,7 @@
           <p:cNvPr id="2" name="Title 1">
             <a:extLst>
               <a:ext uri="{FF2B5EF4-FFF2-40B4-BE49-F238E27FC236}">
-                <a16:creationId xmlns:a16="http://schemas.microsoft.com/office/drawing/2014/main" id="{B6380AE6-1C85-4482-BF45-AF5B693B88FE}"/>
+                <a16:creationId xmlns:a16="http://schemas.microsoft.com/office/drawing/2014/main" id="{9C87775C-559D-4E96-9FAB-9904F9A04E19}"/>
               </a:ext>
             </a:extLst>
           </p:cNvPr>
@@ -4238,7 +5296,10 @@
           <a:bodyPr/>
           <a:lstStyle/>
           <a:p>
-            <a:endParaRPr lang="en-US"/>
+            <a:r>
+              <a:rPr lang="en-US" dirty="0"/>
+              <a:t>Linux 101</a:t>
+            </a:r>
           </a:p>
         </p:txBody>
       </p:sp>
@@ -4247,7 +5308,7 @@
           <p:cNvPr id="3" name="Content Placeholder 2">
             <a:extLst>
               <a:ext uri="{FF2B5EF4-FFF2-40B4-BE49-F238E27FC236}">
-                <a16:creationId xmlns:a16="http://schemas.microsoft.com/office/drawing/2014/main" id="{C328AE24-37EF-4B54-9CEA-F816B96C5615}"/>
+                <a16:creationId xmlns:a16="http://schemas.microsoft.com/office/drawing/2014/main" id="{895A7F71-E7CB-4CD8-A8A1-C163C0F6A6E4}"/>
               </a:ext>
             </a:extLst>
           </p:cNvPr>
@@ -4270,7 +5331,7 @@
     </p:spTree>
     <p:extLst>
       <p:ext uri="{BB962C8B-B14F-4D97-AF65-F5344CB8AC3E}">
-        <p14:creationId xmlns:p14="http://schemas.microsoft.com/office/powerpoint/2010/main" val="1048469740"/>
+        <p14:creationId xmlns:p14="http://schemas.microsoft.com/office/powerpoint/2010/main" val="646229792"/>
       </p:ext>
     </p:extLst>
   </p:cSld>
@@ -4302,7 +5363,7 @@
           <p:cNvPr id="2" name="Title 1">
             <a:extLst>
               <a:ext uri="{FF2B5EF4-FFF2-40B4-BE49-F238E27FC236}">
-                <a16:creationId xmlns:a16="http://schemas.microsoft.com/office/drawing/2014/main" id="{0AFD2B6C-3F2D-4A1F-8936-ECA641AD200D}"/>
+                <a16:creationId xmlns:a16="http://schemas.microsoft.com/office/drawing/2014/main" id="{BF30E243-E41F-4AB6-811E-7D3D625BE204}"/>
               </a:ext>
             </a:extLst>
           </p:cNvPr>
@@ -4327,7 +5388,7 @@
           <p:cNvPr id="3" name="Content Placeholder 2">
             <a:extLst>
               <a:ext uri="{FF2B5EF4-FFF2-40B4-BE49-F238E27FC236}">
-                <a16:creationId xmlns:a16="http://schemas.microsoft.com/office/drawing/2014/main" id="{52752CB9-238A-4812-80A8-D4F6AD17F416}"/>
+                <a16:creationId xmlns:a16="http://schemas.microsoft.com/office/drawing/2014/main" id="{B7EFCA1B-4EFB-434E-8F89-D1DB1B0FCB82}"/>
               </a:ext>
             </a:extLst>
           </p:cNvPr>
@@ -4350,7 +5411,7 @@
     </p:spTree>
     <p:extLst>
       <p:ext uri="{BB962C8B-B14F-4D97-AF65-F5344CB8AC3E}">
-        <p14:creationId xmlns:p14="http://schemas.microsoft.com/office/powerpoint/2010/main" val="244501545"/>
+        <p14:creationId xmlns:p14="http://schemas.microsoft.com/office/powerpoint/2010/main" val="3678665510"/>
       </p:ext>
     </p:extLst>
   </p:cSld>
@@ -4512,7 +5573,7 @@
           <p:cNvPr id="2" name="Title 1">
             <a:extLst>
               <a:ext uri="{FF2B5EF4-FFF2-40B4-BE49-F238E27FC236}">
-                <a16:creationId xmlns:a16="http://schemas.microsoft.com/office/drawing/2014/main" id="{A2C5BC2B-DEEC-49EE-B6C5-A26F785C8CAE}"/>
+                <a16:creationId xmlns:a16="http://schemas.microsoft.com/office/drawing/2014/main" id="{4D1A330E-AB09-43E6-BBA1-E89C7300DB1C}"/>
               </a:ext>
             </a:extLst>
           </p:cNvPr>
@@ -4537,7 +5598,7 @@
           <p:cNvPr id="3" name="Content Placeholder 2">
             <a:extLst>
               <a:ext uri="{FF2B5EF4-FFF2-40B4-BE49-F238E27FC236}">
-                <a16:creationId xmlns:a16="http://schemas.microsoft.com/office/drawing/2014/main" id="{FD086441-F7A3-49B4-BB99-64DF26FF8E53}"/>
+                <a16:creationId xmlns:a16="http://schemas.microsoft.com/office/drawing/2014/main" id="{9579253A-45A7-4238-AAE0-6946A8093D51}"/>
               </a:ext>
             </a:extLst>
           </p:cNvPr>
@@ -4560,7 +5621,7 @@
     </p:spTree>
     <p:extLst>
       <p:ext uri="{BB962C8B-B14F-4D97-AF65-F5344CB8AC3E}">
-        <p14:creationId xmlns:p14="http://schemas.microsoft.com/office/powerpoint/2010/main" val="3358588205"/>
+        <p14:creationId xmlns:p14="http://schemas.microsoft.com/office/powerpoint/2010/main" val="2195159436"/>
       </p:ext>
     </p:extLst>
   </p:cSld>
@@ -4592,6 +5653,326 @@
           <p:cNvPr id="2" name="Title 1">
             <a:extLst>
               <a:ext uri="{FF2B5EF4-FFF2-40B4-BE49-F238E27FC236}">
+                <a16:creationId xmlns:a16="http://schemas.microsoft.com/office/drawing/2014/main" id="{B0E5B5FB-D096-4060-9B99-386CE7229307}"/>
+              </a:ext>
+            </a:extLst>
+          </p:cNvPr>
+          <p:cNvSpPr>
+            <a:spLocks noGrp="1"/>
+          </p:cNvSpPr>
+          <p:nvPr>
+            <p:ph type="title"/>
+          </p:nvPr>
+        </p:nvSpPr>
+        <p:spPr/>
+        <p:txBody>
+          <a:bodyPr/>
+          <a:lstStyle/>
+          <a:p>
+            <a:endParaRPr lang="en-US"/>
+          </a:p>
+        </p:txBody>
+      </p:sp>
+      <p:sp>
+        <p:nvSpPr>
+          <p:cNvPr id="3" name="Content Placeholder 2">
+            <a:extLst>
+              <a:ext uri="{FF2B5EF4-FFF2-40B4-BE49-F238E27FC236}">
+                <a16:creationId xmlns:a16="http://schemas.microsoft.com/office/drawing/2014/main" id="{9199B12A-1512-4297-8892-AA70B7D7447F}"/>
+              </a:ext>
+            </a:extLst>
+          </p:cNvPr>
+          <p:cNvSpPr>
+            <a:spLocks noGrp="1"/>
+          </p:cNvSpPr>
+          <p:nvPr>
+            <p:ph idx="1"/>
+          </p:nvPr>
+        </p:nvSpPr>
+        <p:spPr/>
+        <p:txBody>
+          <a:bodyPr/>
+          <a:lstStyle/>
+          <a:p>
+            <a:endParaRPr lang="en-US"/>
+          </a:p>
+        </p:txBody>
+      </p:sp>
+    </p:spTree>
+    <p:extLst>
+      <p:ext uri="{BB962C8B-B14F-4D97-AF65-F5344CB8AC3E}">
+        <p14:creationId xmlns:p14="http://schemas.microsoft.com/office/powerpoint/2010/main" val="997304681"/>
+      </p:ext>
+    </p:extLst>
+  </p:cSld>
+  <p:clrMapOvr>
+    <a:masterClrMapping/>
+  </p:clrMapOvr>
+</p:sld>
+</file>
+
+<file path=ppt/slides/slide22.xml><?xml version="1.0" encoding="utf-8"?>
+<p:sld xmlns:a="http://schemas.openxmlformats.org/drawingml/2006/main" xmlns:r="http://schemas.openxmlformats.org/officeDocument/2006/relationships" xmlns:p="http://schemas.openxmlformats.org/presentationml/2006/main">
+  <p:cSld>
+    <p:spTree>
+      <p:nvGrpSpPr>
+        <p:cNvPr id="1" name=""/>
+        <p:cNvGrpSpPr/>
+        <p:nvPr/>
+      </p:nvGrpSpPr>
+      <p:grpSpPr>
+        <a:xfrm>
+          <a:off x="0" y="0"/>
+          <a:ext cx="0" cy="0"/>
+          <a:chOff x="0" y="0"/>
+          <a:chExt cx="0" cy="0"/>
+        </a:xfrm>
+      </p:grpSpPr>
+      <p:sp>
+        <p:nvSpPr>
+          <p:cNvPr id="2" name="Title 1">
+            <a:extLst>
+              <a:ext uri="{FF2B5EF4-FFF2-40B4-BE49-F238E27FC236}">
+                <a16:creationId xmlns:a16="http://schemas.microsoft.com/office/drawing/2014/main" id="{B6380AE6-1C85-4482-BF45-AF5B693B88FE}"/>
+              </a:ext>
+            </a:extLst>
+          </p:cNvPr>
+          <p:cNvSpPr>
+            <a:spLocks noGrp="1"/>
+          </p:cNvSpPr>
+          <p:nvPr>
+            <p:ph type="title"/>
+          </p:nvPr>
+        </p:nvSpPr>
+        <p:spPr/>
+        <p:txBody>
+          <a:bodyPr/>
+          <a:lstStyle/>
+          <a:p>
+            <a:endParaRPr lang="en-US"/>
+          </a:p>
+        </p:txBody>
+      </p:sp>
+      <p:sp>
+        <p:nvSpPr>
+          <p:cNvPr id="3" name="Content Placeholder 2">
+            <a:extLst>
+              <a:ext uri="{FF2B5EF4-FFF2-40B4-BE49-F238E27FC236}">
+                <a16:creationId xmlns:a16="http://schemas.microsoft.com/office/drawing/2014/main" id="{C328AE24-37EF-4B54-9CEA-F816B96C5615}"/>
+              </a:ext>
+            </a:extLst>
+          </p:cNvPr>
+          <p:cNvSpPr>
+            <a:spLocks noGrp="1"/>
+          </p:cNvSpPr>
+          <p:nvPr>
+            <p:ph idx="1"/>
+          </p:nvPr>
+        </p:nvSpPr>
+        <p:spPr/>
+        <p:txBody>
+          <a:bodyPr/>
+          <a:lstStyle/>
+          <a:p>
+            <a:endParaRPr lang="en-US"/>
+          </a:p>
+        </p:txBody>
+      </p:sp>
+    </p:spTree>
+    <p:extLst>
+      <p:ext uri="{BB962C8B-B14F-4D97-AF65-F5344CB8AC3E}">
+        <p14:creationId xmlns:p14="http://schemas.microsoft.com/office/powerpoint/2010/main" val="1048469740"/>
+      </p:ext>
+    </p:extLst>
+  </p:cSld>
+  <p:clrMapOvr>
+    <a:masterClrMapping/>
+  </p:clrMapOvr>
+</p:sld>
+</file>
+
+<file path=ppt/slides/slide23.xml><?xml version="1.0" encoding="utf-8"?>
+<p:sld xmlns:a="http://schemas.openxmlformats.org/drawingml/2006/main" xmlns:r="http://schemas.openxmlformats.org/officeDocument/2006/relationships" xmlns:p="http://schemas.openxmlformats.org/presentationml/2006/main">
+  <p:cSld>
+    <p:spTree>
+      <p:nvGrpSpPr>
+        <p:cNvPr id="1" name=""/>
+        <p:cNvGrpSpPr/>
+        <p:nvPr/>
+      </p:nvGrpSpPr>
+      <p:grpSpPr>
+        <a:xfrm>
+          <a:off x="0" y="0"/>
+          <a:ext cx="0" cy="0"/>
+          <a:chOff x="0" y="0"/>
+          <a:chExt cx="0" cy="0"/>
+        </a:xfrm>
+      </p:grpSpPr>
+      <p:sp>
+        <p:nvSpPr>
+          <p:cNvPr id="2" name="Title 1">
+            <a:extLst>
+              <a:ext uri="{FF2B5EF4-FFF2-40B4-BE49-F238E27FC236}">
+                <a16:creationId xmlns:a16="http://schemas.microsoft.com/office/drawing/2014/main" id="{0AFD2B6C-3F2D-4A1F-8936-ECA641AD200D}"/>
+              </a:ext>
+            </a:extLst>
+          </p:cNvPr>
+          <p:cNvSpPr>
+            <a:spLocks noGrp="1"/>
+          </p:cNvSpPr>
+          <p:nvPr>
+            <p:ph type="title"/>
+          </p:nvPr>
+        </p:nvSpPr>
+        <p:spPr/>
+        <p:txBody>
+          <a:bodyPr/>
+          <a:lstStyle/>
+          <a:p>
+            <a:endParaRPr lang="en-US"/>
+          </a:p>
+        </p:txBody>
+      </p:sp>
+      <p:sp>
+        <p:nvSpPr>
+          <p:cNvPr id="3" name="Content Placeholder 2">
+            <a:extLst>
+              <a:ext uri="{FF2B5EF4-FFF2-40B4-BE49-F238E27FC236}">
+                <a16:creationId xmlns:a16="http://schemas.microsoft.com/office/drawing/2014/main" id="{52752CB9-238A-4812-80A8-D4F6AD17F416}"/>
+              </a:ext>
+            </a:extLst>
+          </p:cNvPr>
+          <p:cNvSpPr>
+            <a:spLocks noGrp="1"/>
+          </p:cNvSpPr>
+          <p:nvPr>
+            <p:ph idx="1"/>
+          </p:nvPr>
+        </p:nvSpPr>
+        <p:spPr/>
+        <p:txBody>
+          <a:bodyPr/>
+          <a:lstStyle/>
+          <a:p>
+            <a:endParaRPr lang="en-US"/>
+          </a:p>
+        </p:txBody>
+      </p:sp>
+    </p:spTree>
+    <p:extLst>
+      <p:ext uri="{BB962C8B-B14F-4D97-AF65-F5344CB8AC3E}">
+        <p14:creationId xmlns:p14="http://schemas.microsoft.com/office/powerpoint/2010/main" val="244501545"/>
+      </p:ext>
+    </p:extLst>
+  </p:cSld>
+  <p:clrMapOvr>
+    <a:masterClrMapping/>
+  </p:clrMapOvr>
+</p:sld>
+</file>
+
+<file path=ppt/slides/slide24.xml><?xml version="1.0" encoding="utf-8"?>
+<p:sld xmlns:a="http://schemas.openxmlformats.org/drawingml/2006/main" xmlns:r="http://schemas.openxmlformats.org/officeDocument/2006/relationships" xmlns:p="http://schemas.openxmlformats.org/presentationml/2006/main">
+  <p:cSld>
+    <p:spTree>
+      <p:nvGrpSpPr>
+        <p:cNvPr id="1" name=""/>
+        <p:cNvGrpSpPr/>
+        <p:nvPr/>
+      </p:nvGrpSpPr>
+      <p:grpSpPr>
+        <a:xfrm>
+          <a:off x="0" y="0"/>
+          <a:ext cx="0" cy="0"/>
+          <a:chOff x="0" y="0"/>
+          <a:chExt cx="0" cy="0"/>
+        </a:xfrm>
+      </p:grpSpPr>
+      <p:sp>
+        <p:nvSpPr>
+          <p:cNvPr id="2" name="Title 1">
+            <a:extLst>
+              <a:ext uri="{FF2B5EF4-FFF2-40B4-BE49-F238E27FC236}">
+                <a16:creationId xmlns:a16="http://schemas.microsoft.com/office/drawing/2014/main" id="{A2C5BC2B-DEEC-49EE-B6C5-A26F785C8CAE}"/>
+              </a:ext>
+            </a:extLst>
+          </p:cNvPr>
+          <p:cNvSpPr>
+            <a:spLocks noGrp="1"/>
+          </p:cNvSpPr>
+          <p:nvPr>
+            <p:ph type="title"/>
+          </p:nvPr>
+        </p:nvSpPr>
+        <p:spPr/>
+        <p:txBody>
+          <a:bodyPr/>
+          <a:lstStyle/>
+          <a:p>
+            <a:endParaRPr lang="en-US"/>
+          </a:p>
+        </p:txBody>
+      </p:sp>
+      <p:sp>
+        <p:nvSpPr>
+          <p:cNvPr id="3" name="Content Placeholder 2">
+            <a:extLst>
+              <a:ext uri="{FF2B5EF4-FFF2-40B4-BE49-F238E27FC236}">
+                <a16:creationId xmlns:a16="http://schemas.microsoft.com/office/drawing/2014/main" id="{FD086441-F7A3-49B4-BB99-64DF26FF8E53}"/>
+              </a:ext>
+            </a:extLst>
+          </p:cNvPr>
+          <p:cNvSpPr>
+            <a:spLocks noGrp="1"/>
+          </p:cNvSpPr>
+          <p:nvPr>
+            <p:ph idx="1"/>
+          </p:nvPr>
+        </p:nvSpPr>
+        <p:spPr/>
+        <p:txBody>
+          <a:bodyPr/>
+          <a:lstStyle/>
+          <a:p>
+            <a:endParaRPr lang="en-US"/>
+          </a:p>
+        </p:txBody>
+      </p:sp>
+    </p:spTree>
+    <p:extLst>
+      <p:ext uri="{BB962C8B-B14F-4D97-AF65-F5344CB8AC3E}">
+        <p14:creationId xmlns:p14="http://schemas.microsoft.com/office/powerpoint/2010/main" val="3358588205"/>
+      </p:ext>
+    </p:extLst>
+  </p:cSld>
+  <p:clrMapOvr>
+    <a:masterClrMapping/>
+  </p:clrMapOvr>
+</p:sld>
+</file>
+
+<file path=ppt/slides/slide25.xml><?xml version="1.0" encoding="utf-8"?>
+<p:sld xmlns:a="http://schemas.openxmlformats.org/drawingml/2006/main" xmlns:r="http://schemas.openxmlformats.org/officeDocument/2006/relationships" xmlns:p="http://schemas.openxmlformats.org/presentationml/2006/main">
+  <p:cSld>
+    <p:spTree>
+      <p:nvGrpSpPr>
+        <p:cNvPr id="1" name=""/>
+        <p:cNvGrpSpPr/>
+        <p:nvPr/>
+      </p:nvGrpSpPr>
+      <p:grpSpPr>
+        <a:xfrm>
+          <a:off x="0" y="0"/>
+          <a:ext cx="0" cy="0"/>
+          <a:chOff x="0" y="0"/>
+          <a:chExt cx="0" cy="0"/>
+        </a:xfrm>
+      </p:grpSpPr>
+      <p:sp>
+        <p:nvSpPr>
+          <p:cNvPr id="2" name="Title 1">
+            <a:extLst>
+              <a:ext uri="{FF2B5EF4-FFF2-40B4-BE49-F238E27FC236}">
                 <a16:creationId xmlns:a16="http://schemas.microsoft.com/office/drawing/2014/main" id="{471735B4-6033-4727-A189-1D63F97BD785}"/>
               </a:ext>
             </a:extLst>
@@ -4650,7 +6031,7 @@
 </p:sld>
 </file>
 
-<file path=ppt/slides/slide22.xml><?xml version="1.0" encoding="utf-8"?>
+<file path=ppt/slides/slide26.xml><?xml version="1.0" encoding="utf-8"?>
 <p:sld xmlns:a="http://schemas.openxmlformats.org/drawingml/2006/main" xmlns:r="http://schemas.openxmlformats.org/officeDocument/2006/relationships" xmlns:p="http://schemas.openxmlformats.org/presentationml/2006/main">
   <p:cSld>
     <p:spTree>
@@ -5251,20 +6632,6 @@
           </a:p>
           <a:p>
             <a:pPr lvl="1"/>
-            <a:r>
-              <a:rPr lang="en-US" dirty="0"/>
-              <a:t>Bug/Error notification system</a:t>
-            </a:r>
-          </a:p>
-          <a:p>
-            <a:pPr lvl="1"/>
-            <a:r>
-              <a:rPr lang="en-US" dirty="0"/>
-              <a:t>Visually-appealing reports</a:t>
-            </a:r>
-          </a:p>
-          <a:p>
-            <a:pPr lvl="1"/>
             <a:endParaRPr lang="en-US" dirty="0"/>
           </a:p>
           <a:p>
@@ -5298,8 +6665,8 @@
         </p:blipFill>
         <p:spPr>
           <a:xfrm>
-            <a:off x="5392078" y="66385"/>
-            <a:ext cx="6473450" cy="3799972"/>
+            <a:off x="5468778" y="556051"/>
+            <a:ext cx="6952125" cy="4080958"/>
           </a:xfrm>
           <a:prstGeom prst="rect">
             <a:avLst/>
@@ -5308,10 +6675,10 @@
       </p:pic>
       <p:pic>
         <p:nvPicPr>
-          <p:cNvPr id="7" name="Picture 6">
-            <a:extLst>
-              <a:ext uri="{FF2B5EF4-FFF2-40B4-BE49-F238E27FC236}">
-                <a16:creationId xmlns:a16="http://schemas.microsoft.com/office/drawing/2014/main" id="{2827844D-EC35-4324-B56F-6C1758AAF7F3}"/>
+          <p:cNvPr id="8" name="Picture 7">
+            <a:extLst>
+              <a:ext uri="{FF2B5EF4-FFF2-40B4-BE49-F238E27FC236}">
+                <a16:creationId xmlns:a16="http://schemas.microsoft.com/office/drawing/2014/main" id="{F5D3B9FA-0FEC-4092-AB4B-EB8C1D661241}"/>
               </a:ext>
             </a:extLst>
           </p:cNvPr>
@@ -5328,8 +6695,8 @@
         </p:blipFill>
         <p:spPr>
           <a:xfrm>
-            <a:off x="5392078" y="2332603"/>
-            <a:ext cx="4951373" cy="3664987"/>
+            <a:off x="6826477" y="2203414"/>
+            <a:ext cx="5365523" cy="3971540"/>
           </a:xfrm>
           <a:prstGeom prst="rect">
             <a:avLst/>
@@ -5412,13 +6779,13 @@
         </p:nvSpPr>
         <p:spPr>
           <a:xfrm>
-            <a:off x="326472" y="1715855"/>
+            <a:off x="326472" y="1690688"/>
             <a:ext cx="10515600" cy="4351338"/>
           </a:xfrm>
         </p:spPr>
         <p:txBody>
           <a:bodyPr>
-            <a:normAutofit lnSpcReduction="10000"/>
+            <a:normAutofit/>
           </a:bodyPr>
           <a:lstStyle/>
           <a:p>
@@ -5448,113 +6815,39 @@
           </a:p>
           <a:p>
             <a:r>
+              <a:rPr lang="en-US" dirty="0"/>
+              <a:t>Creating user-friendly interface</a:t>
+            </a:r>
+          </a:p>
+          <a:p>
+            <a:pPr lvl="1"/>
+            <a:r>
+              <a:rPr lang="en-US" dirty="0"/>
+              <a:t>Online documentation</a:t>
+            </a:r>
+          </a:p>
+          <a:p>
+            <a:pPr lvl="2"/>
+            <a:r>
               <a:rPr lang="en-US" dirty="0">
-                <a:solidFill>
-                  <a:schemeClr val="bg2">
-                    <a:lumMod val="75000"/>
-                  </a:schemeClr>
-                </a:solidFill>
-              </a:rPr>
-              <a:t>Creating user-friendly interface</a:t>
-            </a:r>
+                <a:hlinkClick r:id="rId2"/>
+              </a:rPr>
+              <a:t>https://hemtools.readthedocs.io</a:t>
+            </a:r>
+            <a:endParaRPr lang="en-US" dirty="0"/>
           </a:p>
           <a:p>
             <a:pPr lvl="1"/>
             <a:r>
-              <a:rPr lang="en-US" dirty="0">
-                <a:solidFill>
-                  <a:schemeClr val="bg2">
-                    <a:lumMod val="75000"/>
-                  </a:schemeClr>
-                </a:solidFill>
-              </a:rPr>
-              <a:t>Online documentation</a:t>
-            </a:r>
-          </a:p>
-          <a:p>
-            <a:pPr lvl="2"/>
-            <a:r>
-              <a:rPr lang="en-US" dirty="0">
-                <a:solidFill>
-                  <a:schemeClr val="bg2">
-                    <a:lumMod val="75000"/>
-                  </a:schemeClr>
-                </a:solidFill>
-                <a:hlinkClick r:id="rId2">
-                  <a:extLst>
-                    <a:ext uri="{A12FA001-AC4F-418D-AE19-62706E023703}">
-                      <ahyp:hlinkClr xmlns:ahyp="http://schemas.microsoft.com/office/drawing/2018/hyperlinkcolor" val="tx"/>
-                    </a:ext>
-                  </a:extLst>
-                </a:hlinkClick>
-              </a:rPr>
-              <a:t>https://hemtools.readthedocs.io</a:t>
-            </a:r>
-            <a:endParaRPr lang="en-US" dirty="0">
-              <a:solidFill>
-                <a:schemeClr val="bg2">
-                  <a:lumMod val="75000"/>
-                </a:schemeClr>
-              </a:solidFill>
-            </a:endParaRPr>
+              <a:rPr lang="en-US" dirty="0"/>
+              <a:t>Email notification system</a:t>
+            </a:r>
           </a:p>
           <a:p>
             <a:pPr lvl="1"/>
             <a:r>
-              <a:rPr lang="en-US" dirty="0">
-                <a:solidFill>
-                  <a:schemeClr val="bg2">
-                    <a:lumMod val="75000"/>
-                  </a:schemeClr>
-                </a:solidFill>
-              </a:rPr>
-              <a:t>Email notification system</a:t>
-            </a:r>
-          </a:p>
-          <a:p>
-            <a:pPr lvl="1"/>
-            <a:r>
-              <a:rPr lang="en-US" dirty="0">
-                <a:solidFill>
-                  <a:schemeClr val="bg2">
-                    <a:lumMod val="75000"/>
-                  </a:schemeClr>
-                </a:solidFill>
-              </a:rPr>
+              <a:rPr lang="en-US" dirty="0"/>
               <a:t>Bug/Error notification system</a:t>
-            </a:r>
-          </a:p>
-          <a:p>
-            <a:pPr lvl="1"/>
-            <a:r>
-              <a:rPr lang="en-US" dirty="0">
-                <a:solidFill>
-                  <a:schemeClr val="bg2">
-                    <a:lumMod val="75000"/>
-                  </a:schemeClr>
-                </a:solidFill>
-              </a:rPr>
-              <a:t>Visually-appealing reports</a:t>
-            </a:r>
-          </a:p>
-          <a:p>
-            <a:r>
-              <a:rPr lang="en-US" dirty="0"/>
-              <a:t>Reducing user’s mental effort  </a:t>
-            </a:r>
-          </a:p>
-          <a:p>
-            <a:pPr lvl="1"/>
-            <a:r>
-              <a:rPr lang="en-US" dirty="0"/>
-              <a:t>Free of installation</a:t>
-            </a:r>
-          </a:p>
-          <a:p>
-            <a:pPr lvl="1"/>
-            <a:r>
-              <a:rPr lang="en-US" dirty="0"/>
-              <a:t>Simple input files preparation</a:t>
             </a:r>
           </a:p>
           <a:p>
@@ -5570,10 +6863,70 @@
           </a:p>
         </p:txBody>
       </p:sp>
+      <p:pic>
+        <p:nvPicPr>
+          <p:cNvPr id="4" name="Picture 3">
+            <a:extLst>
+              <a:ext uri="{FF2B5EF4-FFF2-40B4-BE49-F238E27FC236}">
+                <a16:creationId xmlns:a16="http://schemas.microsoft.com/office/drawing/2014/main" id="{27F20EA1-7E9A-4787-AC0F-CD5D6B971A50}"/>
+              </a:ext>
+            </a:extLst>
+          </p:cNvPr>
+          <p:cNvPicPr>
+            <a:picLocks noChangeAspect="1"/>
+          </p:cNvPicPr>
+          <p:nvPr/>
+        </p:nvPicPr>
+        <p:blipFill>
+          <a:blip r:embed="rId3"/>
+          <a:stretch>
+            <a:fillRect/>
+          </a:stretch>
+        </p:blipFill>
+        <p:spPr>
+          <a:xfrm>
+            <a:off x="5867204" y="2419529"/>
+            <a:ext cx="4829175" cy="3714750"/>
+          </a:xfrm>
+          <a:prstGeom prst="rect">
+            <a:avLst/>
+          </a:prstGeom>
+        </p:spPr>
+      </p:pic>
+      <p:pic>
+        <p:nvPicPr>
+          <p:cNvPr id="6" name="Picture 5">
+            <a:extLst>
+              <a:ext uri="{FF2B5EF4-FFF2-40B4-BE49-F238E27FC236}">
+                <a16:creationId xmlns:a16="http://schemas.microsoft.com/office/drawing/2014/main" id="{0C9BCE36-36EB-43F4-BCCB-2D8E1F8E5F35}"/>
+              </a:ext>
+            </a:extLst>
+          </p:cNvPr>
+          <p:cNvPicPr>
+            <a:picLocks noChangeAspect="1"/>
+          </p:cNvPicPr>
+          <p:nvPr/>
+        </p:nvPicPr>
+        <p:blipFill>
+          <a:blip r:embed="rId4"/>
+          <a:stretch>
+            <a:fillRect/>
+          </a:stretch>
+        </p:blipFill>
+        <p:spPr>
+          <a:xfrm>
+            <a:off x="5846318" y="977249"/>
+            <a:ext cx="5251618" cy="1426877"/>
+          </a:xfrm>
+          <a:prstGeom prst="rect">
+            <a:avLst/>
+          </a:prstGeom>
+        </p:spPr>
+      </p:pic>
     </p:spTree>
     <p:extLst>
       <p:ext uri="{BB962C8B-B14F-4D97-AF65-F5344CB8AC3E}">
-        <p14:creationId xmlns:p14="http://schemas.microsoft.com/office/powerpoint/2010/main" val="456748884"/>
+        <p14:creationId xmlns:p14="http://schemas.microsoft.com/office/powerpoint/2010/main" val="969945745"/>
       </p:ext>
     </p:extLst>
   </p:cSld>
@@ -5605,7 +6958,7 @@
           <p:cNvPr id="2" name="Title 1">
             <a:extLst>
               <a:ext uri="{FF2B5EF4-FFF2-40B4-BE49-F238E27FC236}">
-                <a16:creationId xmlns:a16="http://schemas.microsoft.com/office/drawing/2014/main" id="{15AD1A34-A8B2-48D0-951F-79751EADEEC7}"/>
+                <a16:creationId xmlns:a16="http://schemas.microsoft.com/office/drawing/2014/main" id="{7BCD65A1-C8C9-4466-9317-79343F78ABE5}"/>
               </a:ext>
             </a:extLst>
           </p:cNvPr>
@@ -5623,7 +6976,7 @@
           <a:p>
             <a:r>
               <a:rPr lang="en-US" dirty="0"/>
-              <a:t>General principles</a:t>
+              <a:t>Software overview</a:t>
             </a:r>
           </a:p>
         </p:txBody>
@@ -5633,7 +6986,7 @@
           <p:cNvPr id="3" name="Content Placeholder 2">
             <a:extLst>
               <a:ext uri="{FF2B5EF4-FFF2-40B4-BE49-F238E27FC236}">
-                <a16:creationId xmlns:a16="http://schemas.microsoft.com/office/drawing/2014/main" id="{0BBFE8CB-EE31-4B7B-8AD9-AC66241D81BD}"/>
+                <a16:creationId xmlns:a16="http://schemas.microsoft.com/office/drawing/2014/main" id="{CAFC10A0-D3EE-4689-A712-1066982A2B20}"/>
               </a:ext>
             </a:extLst>
           </p:cNvPr>
@@ -5644,307 +6997,259 @@
             <p:ph idx="1"/>
           </p:nvPr>
         </p:nvSpPr>
-        <p:spPr/>
-        <p:txBody>
-          <a:bodyPr/>
-          <a:lstStyle/>
+        <p:spPr>
+          <a:xfrm>
+            <a:off x="326472" y="1690688"/>
+            <a:ext cx="10515600" cy="4351338"/>
+          </a:xfrm>
+        </p:spPr>
+        <p:txBody>
+          <a:bodyPr>
+            <a:normAutofit/>
+          </a:bodyPr>
+          <a:lstStyle/>
+          <a:p>
+            <a:r>
+              <a:rPr lang="en-US" dirty="0">
+                <a:solidFill>
+                  <a:schemeClr val="bg2">
+                    <a:lumMod val="75000"/>
+                  </a:schemeClr>
+                </a:solidFill>
+              </a:rPr>
+              <a:t>Minimizing computation time</a:t>
+            </a:r>
+          </a:p>
+          <a:p>
+            <a:pPr lvl="1"/>
+            <a:r>
+              <a:rPr lang="en-US" dirty="0">
+                <a:solidFill>
+                  <a:schemeClr val="bg2">
+                    <a:lumMod val="75000"/>
+                  </a:schemeClr>
+                </a:solidFill>
+              </a:rPr>
+              <a:t>A tree of sub-jobs</a:t>
+            </a:r>
+          </a:p>
           <a:p>
             <a:r>
               <a:rPr lang="en-US" dirty="0"/>
-              <a:t>Command format</a:t>
+              <a:t>Creating user-friendly interface</a:t>
             </a:r>
           </a:p>
           <a:p>
             <a:pPr lvl="1"/>
             <a:r>
-              <a:rPr lang="en-US" dirty="0" err="1"/>
-              <a:t>HemTools</a:t>
-            </a:r>
-            <a:r>
               <a:rPr lang="en-US" dirty="0"/>
-              <a:t>   </a:t>
-            </a:r>
-            <a:r>
-              <a:rPr lang="en-US" dirty="0" err="1"/>
-              <a:t>subcmd</a:t>
-            </a:r>
+              <a:t>Online documentation</a:t>
+            </a:r>
+          </a:p>
+          <a:p>
+            <a:pPr lvl="2"/>
+            <a:r>
+              <a:rPr lang="en-US" dirty="0">
+                <a:hlinkClick r:id="rId2"/>
+              </a:rPr>
+              <a:t>https://hemtools.readthedocs.io</a:t>
+            </a:r>
+            <a:endParaRPr lang="en-US" dirty="0"/>
+          </a:p>
+          <a:p>
+            <a:pPr lvl="1"/>
             <a:r>
               <a:rPr lang="en-US" dirty="0"/>
-              <a:t>   </a:t>
-            </a:r>
-            <a:r>
-              <a:rPr lang="en-US" dirty="0" err="1"/>
-              <a:t>some_required_parameters</a:t>
-            </a:r>
-            <a:br>
+              <a:t>Email notification system</a:t>
+            </a:r>
+          </a:p>
+          <a:p>
+            <a:pPr lvl="1"/>
+            <a:r>
               <a:rPr lang="en-US" dirty="0"/>
-            </a:br>
+              <a:t>Bug/Error notification system</a:t>
+            </a:r>
+          </a:p>
+          <a:p>
+            <a:pPr lvl="1"/>
+            <a:r>
+              <a:rPr lang="en-US" dirty="0"/>
+              <a:t>Visually-appealing reports</a:t>
+            </a:r>
+          </a:p>
+          <a:p>
+            <a:pPr lvl="1"/>
             <a:endParaRPr lang="en-US" dirty="0"/>
           </a:p>
           <a:p>
             <a:pPr lvl="1"/>
-            <a:r>
-              <a:rPr lang="en-US" sz="1800" dirty="0" err="1">
-                <a:latin typeface="Consolas" panose="020B0609020204030204" pitchFamily="49" charset="0"/>
-                <a:cs typeface="Consolas" panose="020B0609020204030204" pitchFamily="49" charset="0"/>
-              </a:rPr>
-              <a:t>HemTools</a:t>
-            </a:r>
-            <a:r>
-              <a:rPr lang="en-US" sz="1800" dirty="0">
-                <a:latin typeface="Consolas" panose="020B0609020204030204" pitchFamily="49" charset="0"/>
-                <a:cs typeface="Consolas" panose="020B0609020204030204" pitchFamily="49" charset="0"/>
-              </a:rPr>
-              <a:t> </a:t>
-            </a:r>
-            <a:r>
-              <a:rPr lang="en-US" sz="1800" dirty="0" err="1">
-                <a:latin typeface="Consolas" panose="020B0609020204030204" pitchFamily="49" charset="0"/>
-                <a:cs typeface="Consolas" panose="020B0609020204030204" pitchFamily="49" charset="0"/>
-              </a:rPr>
-              <a:t>atac_seq</a:t>
-            </a:r>
-            <a:r>
-              <a:rPr lang="en-US" sz="1800" dirty="0">
-                <a:latin typeface="Consolas" panose="020B0609020204030204" pitchFamily="49" charset="0"/>
-                <a:cs typeface="Consolas" panose="020B0609020204030204" pitchFamily="49" charset="0"/>
-              </a:rPr>
-              <a:t> -f </a:t>
-            </a:r>
-            <a:r>
-              <a:rPr lang="en-US" sz="1800" dirty="0" err="1">
-                <a:latin typeface="Consolas" panose="020B0609020204030204" pitchFamily="49" charset="0"/>
-                <a:cs typeface="Consolas" panose="020B0609020204030204" pitchFamily="49" charset="0"/>
-              </a:rPr>
-              <a:t>fastq.tsv</a:t>
-            </a:r>
-            <a:br>
-              <a:rPr lang="en-US" sz="1800" dirty="0">
-                <a:latin typeface="Consolas" panose="020B0609020204030204" pitchFamily="49" charset="0"/>
-                <a:cs typeface="Consolas" panose="020B0609020204030204" pitchFamily="49" charset="0"/>
-              </a:rPr>
-            </a:br>
-            <a:endParaRPr lang="en-US" sz="1800" dirty="0">
-              <a:latin typeface="Consolas" panose="020B0609020204030204" pitchFamily="49" charset="0"/>
-              <a:cs typeface="Consolas" panose="020B0609020204030204" pitchFamily="49" charset="0"/>
-            </a:endParaRPr>
-          </a:p>
-          <a:p>
-            <a:pPr lvl="1"/>
-            <a:r>
-              <a:rPr lang="en-US" sz="1800" dirty="0" err="1">
-                <a:latin typeface="Consolas" panose="020B0609020204030204" pitchFamily="49" charset="0"/>
-                <a:cs typeface="Consolas" panose="020B0609020204030204" pitchFamily="49" charset="0"/>
-              </a:rPr>
-              <a:t>HemTools</a:t>
-            </a:r>
-            <a:r>
-              <a:rPr lang="en-US" sz="1800" dirty="0">
-                <a:latin typeface="Consolas" panose="020B0609020204030204" pitchFamily="49" charset="0"/>
-                <a:cs typeface="Consolas" panose="020B0609020204030204" pitchFamily="49" charset="0"/>
-              </a:rPr>
-              <a:t> </a:t>
-            </a:r>
-            <a:r>
-              <a:rPr lang="en-US" sz="1800" dirty="0" err="1">
-                <a:latin typeface="Consolas" panose="020B0609020204030204" pitchFamily="49" charset="0"/>
-                <a:cs typeface="Consolas" panose="020B0609020204030204" pitchFamily="49" charset="0"/>
-              </a:rPr>
-              <a:t>cut_run</a:t>
-            </a:r>
-            <a:r>
-              <a:rPr lang="en-US" sz="1800" dirty="0">
-                <a:latin typeface="Consolas" panose="020B0609020204030204" pitchFamily="49" charset="0"/>
-                <a:cs typeface="Consolas" panose="020B0609020204030204" pitchFamily="49" charset="0"/>
-              </a:rPr>
-              <a:t> -f </a:t>
-            </a:r>
-            <a:r>
-              <a:rPr lang="en-US" sz="1800" dirty="0" err="1">
-                <a:latin typeface="Consolas" panose="020B0609020204030204" pitchFamily="49" charset="0"/>
-                <a:cs typeface="Consolas" panose="020B0609020204030204" pitchFamily="49" charset="0"/>
-              </a:rPr>
-              <a:t>fastq.tsv</a:t>
-            </a:r>
-            <a:r>
-              <a:rPr lang="en-US" sz="1800" dirty="0">
-                <a:latin typeface="Consolas" panose="020B0609020204030204" pitchFamily="49" charset="0"/>
-                <a:cs typeface="Consolas" panose="020B0609020204030204" pitchFamily="49" charset="0"/>
-              </a:rPr>
-              <a:t> -d </a:t>
-            </a:r>
-            <a:r>
-              <a:rPr lang="en-US" sz="1800" dirty="0" err="1">
-                <a:latin typeface="Consolas" panose="020B0609020204030204" pitchFamily="49" charset="0"/>
-                <a:cs typeface="Consolas" panose="020B0609020204030204" pitchFamily="49" charset="0"/>
-              </a:rPr>
-              <a:t>peakcall.tsv</a:t>
-            </a:r>
-            <a:br>
-              <a:rPr lang="en-US" sz="1800" dirty="0">
-                <a:latin typeface="Consolas" panose="020B0609020204030204" pitchFamily="49" charset="0"/>
-                <a:cs typeface="Consolas" panose="020B0609020204030204" pitchFamily="49" charset="0"/>
-              </a:rPr>
-            </a:br>
-            <a:endParaRPr lang="en-US" sz="1800" dirty="0">
-              <a:latin typeface="Consolas" panose="020B0609020204030204" pitchFamily="49" charset="0"/>
-              <a:cs typeface="Consolas" panose="020B0609020204030204" pitchFamily="49" charset="0"/>
-            </a:endParaRPr>
-          </a:p>
-          <a:p>
-            <a:pPr lvl="1"/>
-            <a:r>
-              <a:rPr lang="en-US" sz="1800" dirty="0" err="1">
-                <a:latin typeface="Consolas" panose="020B0609020204030204" pitchFamily="49" charset="0"/>
-                <a:cs typeface="Consolas" panose="020B0609020204030204" pitchFamily="49" charset="0"/>
-              </a:rPr>
-              <a:t>HemTools</a:t>
-            </a:r>
-            <a:r>
-              <a:rPr lang="en-US" sz="1800" dirty="0">
-                <a:latin typeface="Consolas" panose="020B0609020204030204" pitchFamily="49" charset="0"/>
-                <a:cs typeface="Consolas" panose="020B0609020204030204" pitchFamily="49" charset="0"/>
-              </a:rPr>
-              <a:t> </a:t>
-            </a:r>
-            <a:r>
-              <a:rPr lang="en-US" sz="1800" dirty="0" err="1">
-                <a:latin typeface="Consolas" panose="020B0609020204030204" pitchFamily="49" charset="0"/>
-                <a:cs typeface="Consolas" panose="020B0609020204030204" pitchFamily="49" charset="0"/>
-              </a:rPr>
-              <a:t>chip_seq_single</a:t>
-            </a:r>
-            <a:r>
-              <a:rPr lang="en-US" sz="1800" dirty="0">
-                <a:latin typeface="Consolas" panose="020B0609020204030204" pitchFamily="49" charset="0"/>
-                <a:cs typeface="Consolas" panose="020B0609020204030204" pitchFamily="49" charset="0"/>
-              </a:rPr>
-              <a:t> -f </a:t>
-            </a:r>
-            <a:r>
-              <a:rPr lang="en-US" sz="1800" dirty="0" err="1">
-                <a:latin typeface="Consolas" panose="020B0609020204030204" pitchFamily="49" charset="0"/>
-                <a:cs typeface="Consolas" panose="020B0609020204030204" pitchFamily="49" charset="0"/>
-              </a:rPr>
-              <a:t>fastq.tsv</a:t>
-            </a:r>
-            <a:r>
-              <a:rPr lang="en-US" sz="1800" dirty="0">
-                <a:latin typeface="Consolas" panose="020B0609020204030204" pitchFamily="49" charset="0"/>
-                <a:cs typeface="Consolas" panose="020B0609020204030204" pitchFamily="49" charset="0"/>
-              </a:rPr>
-              <a:t> -d </a:t>
-            </a:r>
-            <a:r>
-              <a:rPr lang="en-US" sz="1800" dirty="0" err="1">
-                <a:latin typeface="Consolas" panose="020B0609020204030204" pitchFamily="49" charset="0"/>
-                <a:cs typeface="Consolas" panose="020B0609020204030204" pitchFamily="49" charset="0"/>
-              </a:rPr>
-              <a:t>peakcall.tsv</a:t>
-            </a:r>
-            <a:br>
-              <a:rPr lang="en-US" sz="1800" dirty="0">
-                <a:latin typeface="Consolas" panose="020B0609020204030204" pitchFamily="49" charset="0"/>
-                <a:cs typeface="Consolas" panose="020B0609020204030204" pitchFamily="49" charset="0"/>
-              </a:rPr>
-            </a:br>
-            <a:endParaRPr lang="en-US" sz="1800" dirty="0">
-              <a:latin typeface="Consolas" panose="020B0609020204030204" pitchFamily="49" charset="0"/>
-              <a:cs typeface="Consolas" panose="020B0609020204030204" pitchFamily="49" charset="0"/>
-            </a:endParaRPr>
-          </a:p>
-          <a:p>
-            <a:pPr lvl="1"/>
-            <a:r>
-              <a:rPr lang="en-US" sz="1800" dirty="0" err="1">
-                <a:latin typeface="Consolas" panose="020B0609020204030204" pitchFamily="49" charset="0"/>
-                <a:cs typeface="Consolas" panose="020B0609020204030204" pitchFamily="49" charset="0"/>
-              </a:rPr>
-              <a:t>HemTools</a:t>
-            </a:r>
-            <a:r>
-              <a:rPr lang="en-US" sz="1800" dirty="0">
-                <a:latin typeface="Consolas" panose="020B0609020204030204" pitchFamily="49" charset="0"/>
-                <a:cs typeface="Consolas" panose="020B0609020204030204" pitchFamily="49" charset="0"/>
-              </a:rPr>
-              <a:t> </a:t>
-            </a:r>
-            <a:r>
-              <a:rPr lang="en-US" sz="1800" dirty="0" err="1">
-                <a:latin typeface="Consolas" panose="020B0609020204030204" pitchFamily="49" charset="0"/>
-                <a:cs typeface="Consolas" panose="020B0609020204030204" pitchFamily="49" charset="0"/>
-              </a:rPr>
-              <a:t>chip_seq_pair</a:t>
-            </a:r>
-            <a:r>
-              <a:rPr lang="en-US" sz="1800" dirty="0">
-                <a:latin typeface="Consolas" panose="020B0609020204030204" pitchFamily="49" charset="0"/>
-                <a:cs typeface="Consolas" panose="020B0609020204030204" pitchFamily="49" charset="0"/>
-              </a:rPr>
-              <a:t> -f </a:t>
-            </a:r>
-            <a:r>
-              <a:rPr lang="en-US" sz="1800" dirty="0" err="1">
-                <a:latin typeface="Consolas" panose="020B0609020204030204" pitchFamily="49" charset="0"/>
-                <a:cs typeface="Consolas" panose="020B0609020204030204" pitchFamily="49" charset="0"/>
-              </a:rPr>
-              <a:t>fastq.tsv</a:t>
-            </a:r>
-            <a:r>
-              <a:rPr lang="en-US" sz="1800" dirty="0">
-                <a:latin typeface="Consolas" panose="020B0609020204030204" pitchFamily="49" charset="0"/>
-                <a:cs typeface="Consolas" panose="020B0609020204030204" pitchFamily="49" charset="0"/>
-              </a:rPr>
-              <a:t> -d </a:t>
-            </a:r>
-            <a:r>
-              <a:rPr lang="en-US" sz="1800" dirty="0" err="1">
-                <a:latin typeface="Consolas" panose="020B0609020204030204" pitchFamily="49" charset="0"/>
-                <a:cs typeface="Consolas" panose="020B0609020204030204" pitchFamily="49" charset="0"/>
-              </a:rPr>
-              <a:t>peakcall.tsv</a:t>
-            </a:r>
-            <a:endParaRPr lang="en-US" sz="1800" dirty="0">
-              <a:latin typeface="Consolas" panose="020B0609020204030204" pitchFamily="49" charset="0"/>
-              <a:cs typeface="Consolas" panose="020B0609020204030204" pitchFamily="49" charset="0"/>
-            </a:endParaRPr>
-          </a:p>
-          <a:p>
-            <a:pPr lvl="1"/>
-            <a:endParaRPr lang="en-US" sz="1800" dirty="0">
-              <a:highlight>
-                <a:srgbClr val="C0C0C0"/>
-              </a:highlight>
-              <a:latin typeface="Consolas" panose="020B0609020204030204" pitchFamily="49" charset="0"/>
-              <a:cs typeface="Consolas" panose="020B0609020204030204" pitchFamily="49" charset="0"/>
-            </a:endParaRPr>
-          </a:p>
-          <a:p>
-            <a:pPr lvl="1"/>
-            <a:r>
-              <a:rPr lang="en-US" sz="1800" dirty="0" err="1">
-                <a:latin typeface="Consolas" panose="020B0609020204030204" pitchFamily="49" charset="0"/>
-                <a:cs typeface="Consolas" panose="020B0609020204030204" pitchFamily="49" charset="0"/>
-              </a:rPr>
-              <a:t>Subcmd</a:t>
-            </a:r>
-            <a:r>
-              <a:rPr lang="en-US" sz="1800" dirty="0">
-                <a:latin typeface="Consolas" panose="020B0609020204030204" pitchFamily="49" charset="0"/>
-                <a:cs typeface="Consolas" panose="020B0609020204030204" pitchFamily="49" charset="0"/>
-              </a:rPr>
-              <a:t> is case-insensitive</a:t>
-            </a:r>
-          </a:p>
-          <a:p>
             <a:endParaRPr lang="en-US" dirty="0"/>
+          </a:p>
+          <a:p>
+            <a:endParaRPr lang="en-US" dirty="0"/>
+          </a:p>
+        </p:txBody>
+      </p:sp>
+      <p:pic>
+        <p:nvPicPr>
+          <p:cNvPr id="7" name="Picture 6">
+            <a:extLst>
+              <a:ext uri="{FF2B5EF4-FFF2-40B4-BE49-F238E27FC236}">
+                <a16:creationId xmlns:a16="http://schemas.microsoft.com/office/drawing/2014/main" id="{9B368544-13B5-4F45-B079-5A426A0DB9B7}"/>
+              </a:ext>
+            </a:extLst>
+          </p:cNvPr>
+          <p:cNvPicPr>
+            <a:picLocks noChangeAspect="1"/>
+          </p:cNvPicPr>
+          <p:nvPr/>
+        </p:nvPicPr>
+        <p:blipFill rotWithShape="1">
+          <a:blip r:embed="rId3"/>
+          <a:srcRect t="31912"/>
+          <a:stretch/>
+        </p:blipFill>
+        <p:spPr>
+          <a:xfrm>
+            <a:off x="5539410" y="715"/>
+            <a:ext cx="5558526" cy="3476624"/>
+          </a:xfrm>
+          <a:prstGeom prst="rect">
+            <a:avLst/>
+          </a:prstGeom>
+        </p:spPr>
+      </p:pic>
+      <p:pic>
+        <p:nvPicPr>
+          <p:cNvPr id="8" name="Picture 7">
+            <a:extLst>
+              <a:ext uri="{FF2B5EF4-FFF2-40B4-BE49-F238E27FC236}">
+                <a16:creationId xmlns:a16="http://schemas.microsoft.com/office/drawing/2014/main" id="{432E536E-EF4B-48A1-8A14-8991A9E6E7E2}"/>
+              </a:ext>
+            </a:extLst>
+          </p:cNvPr>
+          <p:cNvPicPr>
+            <a:picLocks noChangeAspect="1"/>
+          </p:cNvPicPr>
+          <p:nvPr/>
+        </p:nvPicPr>
+        <p:blipFill>
+          <a:blip r:embed="rId4"/>
+          <a:stretch>
+            <a:fillRect/>
+          </a:stretch>
+        </p:blipFill>
+        <p:spPr>
+          <a:xfrm>
+            <a:off x="5494002" y="2016087"/>
+            <a:ext cx="5649342" cy="2743596"/>
+          </a:xfrm>
+          <a:prstGeom prst="rect">
+            <a:avLst/>
+          </a:prstGeom>
+        </p:spPr>
+      </p:pic>
+      <p:pic>
+        <p:nvPicPr>
+          <p:cNvPr id="9" name="Picture 8">
+            <a:extLst>
+              <a:ext uri="{FF2B5EF4-FFF2-40B4-BE49-F238E27FC236}">
+                <a16:creationId xmlns:a16="http://schemas.microsoft.com/office/drawing/2014/main" id="{EDC9BACF-99C1-4CA6-8B6D-6657CBE5C8BB}"/>
+              </a:ext>
+            </a:extLst>
+          </p:cNvPr>
+          <p:cNvPicPr>
+            <a:picLocks noChangeAspect="1"/>
+          </p:cNvPicPr>
+          <p:nvPr/>
+        </p:nvPicPr>
+        <p:blipFill>
+          <a:blip r:embed="rId5"/>
+          <a:stretch>
+            <a:fillRect/>
+          </a:stretch>
+        </p:blipFill>
+        <p:spPr>
+          <a:xfrm>
+            <a:off x="5584272" y="4689344"/>
+            <a:ext cx="5649343" cy="2393901"/>
+          </a:xfrm>
+          <a:prstGeom prst="rect">
+            <a:avLst/>
+          </a:prstGeom>
+        </p:spPr>
+      </p:pic>
+      <p:pic>
+        <p:nvPicPr>
+          <p:cNvPr id="10" name="Picture 9">
+            <a:extLst>
+              <a:ext uri="{FF2B5EF4-FFF2-40B4-BE49-F238E27FC236}">
+                <a16:creationId xmlns:a16="http://schemas.microsoft.com/office/drawing/2014/main" id="{7BA515D5-7C97-4C7B-8015-9324BE905B2D}"/>
+              </a:ext>
+            </a:extLst>
+          </p:cNvPr>
+          <p:cNvPicPr>
+            <a:picLocks noChangeAspect="1"/>
+          </p:cNvPicPr>
+          <p:nvPr/>
+        </p:nvPicPr>
+        <p:blipFill>
+          <a:blip r:embed="rId6"/>
+          <a:stretch>
+            <a:fillRect/>
+          </a:stretch>
+        </p:blipFill>
+        <p:spPr>
+          <a:xfrm>
+            <a:off x="203007" y="5167312"/>
+            <a:ext cx="5034585" cy="2084164"/>
+          </a:xfrm>
+          <a:prstGeom prst="rect">
+            <a:avLst/>
+          </a:prstGeom>
+        </p:spPr>
+      </p:pic>
+      <p:sp>
+        <p:nvSpPr>
+          <p:cNvPr id="11" name="Rectangle 10">
+            <a:extLst>
+              <a:ext uri="{FF2B5EF4-FFF2-40B4-BE49-F238E27FC236}">
+                <a16:creationId xmlns:a16="http://schemas.microsoft.com/office/drawing/2014/main" id="{855D192C-F3E5-4DC9-AD3E-50220D1AE622}"/>
+              </a:ext>
+            </a:extLst>
+          </p:cNvPr>
+          <p:cNvSpPr/>
+          <p:nvPr/>
+        </p:nvSpPr>
+        <p:spPr>
+          <a:xfrm>
+            <a:off x="1349928" y="5371346"/>
+            <a:ext cx="3490058" cy="246221"/>
+          </a:xfrm>
+          <a:prstGeom prst="rect">
+            <a:avLst/>
+          </a:prstGeom>
+        </p:spPr>
+        <p:txBody>
+          <a:bodyPr wrap="none">
+            <a:spAutoFit/>
+          </a:bodyPr>
+          <a:lstStyle/>
+          <a:p>
+            <a:r>
+              <a:rPr lang="en-US" sz="1000" dirty="0">
+                <a:hlinkClick r:id="rId7"/>
+              </a:rPr>
+              <a:t>https://www.encodeproject.org/data-standards/terms/#library</a:t>
+            </a:r>
+            <a:endParaRPr lang="en-US" sz="1000" dirty="0"/>
           </a:p>
         </p:txBody>
       </p:sp>
     </p:spTree>
     <p:extLst>
       <p:ext uri="{BB962C8B-B14F-4D97-AF65-F5344CB8AC3E}">
-        <p14:creationId xmlns:p14="http://schemas.microsoft.com/office/powerpoint/2010/main" val="2098964821"/>
+        <p14:creationId xmlns:p14="http://schemas.microsoft.com/office/powerpoint/2010/main" val="4242791898"/>
       </p:ext>
     </p:extLst>
   </p:cSld>
@@ -5976,7 +7281,7 @@
           <p:cNvPr id="2" name="Title 1">
             <a:extLst>
               <a:ext uri="{FF2B5EF4-FFF2-40B4-BE49-F238E27FC236}">
-                <a16:creationId xmlns:a16="http://schemas.microsoft.com/office/drawing/2014/main" id="{15AD1A34-A8B2-48D0-951F-79751EADEEC7}"/>
+                <a16:creationId xmlns:a16="http://schemas.microsoft.com/office/drawing/2014/main" id="{7BCD65A1-C8C9-4466-9317-79343F78ABE5}"/>
               </a:ext>
             </a:extLst>
           </p:cNvPr>
@@ -5994,7 +7299,7 @@
           <a:p>
             <a:r>
               <a:rPr lang="en-US" dirty="0"/>
-              <a:t>General principles</a:t>
+              <a:t>Software overview</a:t>
             </a:r>
           </a:p>
         </p:txBody>
@@ -6004,7 +7309,7 @@
           <p:cNvPr id="3" name="Content Placeholder 2">
             <a:extLst>
               <a:ext uri="{FF2B5EF4-FFF2-40B4-BE49-F238E27FC236}">
-                <a16:creationId xmlns:a16="http://schemas.microsoft.com/office/drawing/2014/main" id="{0BBFE8CB-EE31-4B7B-8AD9-AC66241D81BD}"/>
+                <a16:creationId xmlns:a16="http://schemas.microsoft.com/office/drawing/2014/main" id="{CAFC10A0-D3EE-4689-A712-1066982A2B20}"/>
               </a:ext>
             </a:extLst>
           </p:cNvPr>
@@ -6015,257 +7320,172 @@
             <p:ph idx="1"/>
           </p:nvPr>
         </p:nvSpPr>
-        <p:spPr/>
-        <p:txBody>
-          <a:bodyPr/>
-          <a:lstStyle/>
+        <p:spPr>
+          <a:xfrm>
+            <a:off x="326472" y="1715855"/>
+            <a:ext cx="10515600" cy="4351338"/>
+          </a:xfrm>
+        </p:spPr>
+        <p:txBody>
+          <a:bodyPr>
+            <a:normAutofit lnSpcReduction="10000"/>
+          </a:bodyPr>
+          <a:lstStyle/>
+          <a:p>
+            <a:r>
+              <a:rPr lang="en-US" dirty="0">
+                <a:solidFill>
+                  <a:schemeClr val="bg2">
+                    <a:lumMod val="75000"/>
+                  </a:schemeClr>
+                </a:solidFill>
+              </a:rPr>
+              <a:t>Minimizing computation time</a:t>
+            </a:r>
+          </a:p>
+          <a:p>
+            <a:pPr lvl="1"/>
+            <a:r>
+              <a:rPr lang="en-US" dirty="0">
+                <a:solidFill>
+                  <a:schemeClr val="bg2">
+                    <a:lumMod val="75000"/>
+                  </a:schemeClr>
+                </a:solidFill>
+              </a:rPr>
+              <a:t>A tree of sub-jobs</a:t>
+            </a:r>
+          </a:p>
+          <a:p>
+            <a:r>
+              <a:rPr lang="en-US" dirty="0">
+                <a:solidFill>
+                  <a:schemeClr val="bg2">
+                    <a:lumMod val="75000"/>
+                  </a:schemeClr>
+                </a:solidFill>
+              </a:rPr>
+              <a:t>Creating user-friendly interface</a:t>
+            </a:r>
+          </a:p>
+          <a:p>
+            <a:pPr lvl="1"/>
+            <a:r>
+              <a:rPr lang="en-US" dirty="0">
+                <a:solidFill>
+                  <a:schemeClr val="bg2">
+                    <a:lumMod val="75000"/>
+                  </a:schemeClr>
+                </a:solidFill>
+              </a:rPr>
+              <a:t>Online documentation</a:t>
+            </a:r>
+          </a:p>
+          <a:p>
+            <a:pPr lvl="2"/>
+            <a:r>
+              <a:rPr lang="en-US" dirty="0">
+                <a:solidFill>
+                  <a:schemeClr val="bg2">
+                    <a:lumMod val="75000"/>
+                  </a:schemeClr>
+                </a:solidFill>
+                <a:hlinkClick r:id="rId2">
+                  <a:extLst>
+                    <a:ext uri="{A12FA001-AC4F-418D-AE19-62706E023703}">
+                      <ahyp:hlinkClr xmlns:ahyp="http://schemas.microsoft.com/office/drawing/2018/hyperlinkcolor" val="tx"/>
+                    </a:ext>
+                  </a:extLst>
+                </a:hlinkClick>
+              </a:rPr>
+              <a:t>https://hemtools.readthedocs.io</a:t>
+            </a:r>
+            <a:endParaRPr lang="en-US" dirty="0">
+              <a:solidFill>
+                <a:schemeClr val="bg2">
+                  <a:lumMod val="75000"/>
+                </a:schemeClr>
+              </a:solidFill>
+            </a:endParaRPr>
+          </a:p>
+          <a:p>
+            <a:pPr lvl="1"/>
+            <a:r>
+              <a:rPr lang="en-US" dirty="0">
+                <a:solidFill>
+                  <a:schemeClr val="bg2">
+                    <a:lumMod val="75000"/>
+                  </a:schemeClr>
+                </a:solidFill>
+              </a:rPr>
+              <a:t>Email notification system</a:t>
+            </a:r>
+          </a:p>
+          <a:p>
+            <a:pPr lvl="1"/>
+            <a:r>
+              <a:rPr lang="en-US" dirty="0">
+                <a:solidFill>
+                  <a:schemeClr val="bg2">
+                    <a:lumMod val="75000"/>
+                  </a:schemeClr>
+                </a:solidFill>
+              </a:rPr>
+              <a:t>Bug/Error notification system</a:t>
+            </a:r>
+          </a:p>
+          <a:p>
+            <a:pPr lvl="1"/>
+            <a:r>
+              <a:rPr lang="en-US" dirty="0">
+                <a:solidFill>
+                  <a:schemeClr val="bg2">
+                    <a:lumMod val="75000"/>
+                  </a:schemeClr>
+                </a:solidFill>
+              </a:rPr>
+              <a:t>Visually-appealing reports</a:t>
+            </a:r>
+          </a:p>
           <a:p>
             <a:r>
               <a:rPr lang="en-US" dirty="0"/>
-              <a:t>Command format</a:t>
+              <a:t>Reducing user’s mental effort  </a:t>
             </a:r>
           </a:p>
           <a:p>
             <a:pPr lvl="1"/>
             <a:r>
-              <a:rPr lang="en-US" sz="1800" dirty="0" err="1">
-                <a:latin typeface="Consolas" panose="020B0609020204030204" pitchFamily="49" charset="0"/>
-                <a:cs typeface="Consolas" panose="020B0609020204030204" pitchFamily="49" charset="0"/>
-              </a:rPr>
-              <a:t>HemTools</a:t>
-            </a:r>
-            <a:r>
-              <a:rPr lang="en-US" sz="1800" dirty="0">
-                <a:latin typeface="Consolas" panose="020B0609020204030204" pitchFamily="49" charset="0"/>
-                <a:cs typeface="Consolas" panose="020B0609020204030204" pitchFamily="49" charset="0"/>
-              </a:rPr>
-              <a:t> </a:t>
-            </a:r>
-            <a:r>
-              <a:rPr lang="en-US" sz="1800" dirty="0" err="1">
-                <a:latin typeface="Consolas" panose="020B0609020204030204" pitchFamily="49" charset="0"/>
-                <a:cs typeface="Consolas" panose="020B0609020204030204" pitchFamily="49" charset="0"/>
-              </a:rPr>
-              <a:t>atac_seq</a:t>
-            </a:r>
-            <a:r>
-              <a:rPr lang="en-US" sz="1800" dirty="0">
-                <a:latin typeface="Consolas" panose="020B0609020204030204" pitchFamily="49" charset="0"/>
-                <a:cs typeface="Consolas" panose="020B0609020204030204" pitchFamily="49" charset="0"/>
-              </a:rPr>
-              <a:t> -f </a:t>
-            </a:r>
-            <a:r>
-              <a:rPr lang="en-US" sz="1800" dirty="0" err="1">
-                <a:latin typeface="Consolas" panose="020B0609020204030204" pitchFamily="49" charset="0"/>
-                <a:cs typeface="Consolas" panose="020B0609020204030204" pitchFamily="49" charset="0"/>
-              </a:rPr>
-              <a:t>fastq.tsv</a:t>
-            </a:r>
-            <a:endParaRPr lang="en-US" sz="1800" dirty="0">
-              <a:latin typeface="Consolas" panose="020B0609020204030204" pitchFamily="49" charset="0"/>
-              <a:cs typeface="Consolas" panose="020B0609020204030204" pitchFamily="49" charset="0"/>
-            </a:endParaRPr>
+              <a:rPr lang="en-US" dirty="0"/>
+              <a:t>Free of installation</a:t>
+            </a:r>
           </a:p>
           <a:p>
             <a:pPr lvl="1"/>
             <a:r>
-              <a:rPr lang="en-US" sz="1800" dirty="0" err="1">
-                <a:latin typeface="Consolas" panose="020B0609020204030204" pitchFamily="49" charset="0"/>
-                <a:cs typeface="Consolas" panose="020B0609020204030204" pitchFamily="49" charset="0"/>
-              </a:rPr>
-              <a:t>HemTools</a:t>
-            </a:r>
-            <a:r>
-              <a:rPr lang="en-US" sz="1800" dirty="0">
-                <a:latin typeface="Consolas" panose="020B0609020204030204" pitchFamily="49" charset="0"/>
-                <a:cs typeface="Consolas" panose="020B0609020204030204" pitchFamily="49" charset="0"/>
-              </a:rPr>
-              <a:t> </a:t>
-            </a:r>
-            <a:r>
-              <a:rPr lang="en-US" sz="1800" dirty="0" err="1">
-                <a:latin typeface="Consolas" panose="020B0609020204030204" pitchFamily="49" charset="0"/>
-                <a:cs typeface="Consolas" panose="020B0609020204030204" pitchFamily="49" charset="0"/>
-              </a:rPr>
-              <a:t>cut_run</a:t>
-            </a:r>
-            <a:r>
-              <a:rPr lang="en-US" sz="1800" dirty="0">
-                <a:latin typeface="Consolas" panose="020B0609020204030204" pitchFamily="49" charset="0"/>
-                <a:cs typeface="Consolas" panose="020B0609020204030204" pitchFamily="49" charset="0"/>
-              </a:rPr>
-              <a:t> -f </a:t>
-            </a:r>
-            <a:r>
-              <a:rPr lang="en-US" sz="1800" dirty="0" err="1">
-                <a:latin typeface="Consolas" panose="020B0609020204030204" pitchFamily="49" charset="0"/>
-                <a:cs typeface="Consolas" panose="020B0609020204030204" pitchFamily="49" charset="0"/>
-              </a:rPr>
-              <a:t>fastq.tsv</a:t>
-            </a:r>
-            <a:r>
-              <a:rPr lang="en-US" sz="1800" dirty="0">
-                <a:latin typeface="Consolas" panose="020B0609020204030204" pitchFamily="49" charset="0"/>
-                <a:cs typeface="Consolas" panose="020B0609020204030204" pitchFamily="49" charset="0"/>
-              </a:rPr>
-              <a:t> -d </a:t>
-            </a:r>
-            <a:r>
-              <a:rPr lang="en-US" sz="1800" dirty="0" err="1">
-                <a:latin typeface="Consolas" panose="020B0609020204030204" pitchFamily="49" charset="0"/>
-                <a:cs typeface="Consolas" panose="020B0609020204030204" pitchFamily="49" charset="0"/>
-              </a:rPr>
-              <a:t>peakcall.tsv</a:t>
-            </a:r>
-            <a:endParaRPr lang="en-US" sz="1800" dirty="0">
-              <a:latin typeface="Consolas" panose="020B0609020204030204" pitchFamily="49" charset="0"/>
-              <a:cs typeface="Consolas" panose="020B0609020204030204" pitchFamily="49" charset="0"/>
-            </a:endParaRPr>
+              <a:rPr lang="en-US" dirty="0"/>
+              <a:t>Simple input files preparation</a:t>
+            </a:r>
           </a:p>
           <a:p>
             <a:pPr lvl="1"/>
-            <a:r>
-              <a:rPr lang="en-US" sz="1800" dirty="0" err="1">
-                <a:latin typeface="Consolas" panose="020B0609020204030204" pitchFamily="49" charset="0"/>
-                <a:cs typeface="Consolas" panose="020B0609020204030204" pitchFamily="49" charset="0"/>
-              </a:rPr>
-              <a:t>HemTools</a:t>
-            </a:r>
-            <a:r>
-              <a:rPr lang="en-US" sz="1800" dirty="0">
-                <a:latin typeface="Consolas" panose="020B0609020204030204" pitchFamily="49" charset="0"/>
-                <a:cs typeface="Consolas" panose="020B0609020204030204" pitchFamily="49" charset="0"/>
-              </a:rPr>
-              <a:t> </a:t>
-            </a:r>
-            <a:r>
-              <a:rPr lang="en-US" sz="1800" dirty="0" err="1">
-                <a:latin typeface="Consolas" panose="020B0609020204030204" pitchFamily="49" charset="0"/>
-                <a:cs typeface="Consolas" panose="020B0609020204030204" pitchFamily="49" charset="0"/>
-              </a:rPr>
-              <a:t>chip_seq_single</a:t>
-            </a:r>
-            <a:r>
-              <a:rPr lang="en-US" sz="1800" dirty="0">
-                <a:latin typeface="Consolas" panose="020B0609020204030204" pitchFamily="49" charset="0"/>
-                <a:cs typeface="Consolas" panose="020B0609020204030204" pitchFamily="49" charset="0"/>
-              </a:rPr>
-              <a:t> -f </a:t>
-            </a:r>
-            <a:r>
-              <a:rPr lang="en-US" sz="1800" dirty="0" err="1">
-                <a:latin typeface="Consolas" panose="020B0609020204030204" pitchFamily="49" charset="0"/>
-                <a:cs typeface="Consolas" panose="020B0609020204030204" pitchFamily="49" charset="0"/>
-              </a:rPr>
-              <a:t>fastq.tsv</a:t>
-            </a:r>
-            <a:r>
-              <a:rPr lang="en-US" sz="1800" dirty="0">
-                <a:latin typeface="Consolas" panose="020B0609020204030204" pitchFamily="49" charset="0"/>
-                <a:cs typeface="Consolas" panose="020B0609020204030204" pitchFamily="49" charset="0"/>
-              </a:rPr>
-              <a:t> -d </a:t>
-            </a:r>
-            <a:r>
-              <a:rPr lang="en-US" sz="1800" dirty="0" err="1">
-                <a:latin typeface="Consolas" panose="020B0609020204030204" pitchFamily="49" charset="0"/>
-                <a:cs typeface="Consolas" panose="020B0609020204030204" pitchFamily="49" charset="0"/>
-              </a:rPr>
-              <a:t>peakcall.tsv</a:t>
-            </a:r>
-            <a:endParaRPr lang="en-US" sz="1800" dirty="0">
-              <a:latin typeface="Consolas" panose="020B0609020204030204" pitchFamily="49" charset="0"/>
-              <a:cs typeface="Consolas" panose="020B0609020204030204" pitchFamily="49" charset="0"/>
-            </a:endParaRPr>
+            <a:endParaRPr lang="en-US" dirty="0"/>
           </a:p>
           <a:p>
             <a:pPr lvl="1"/>
-            <a:r>
-              <a:rPr lang="en-US" sz="1800" dirty="0" err="1">
-                <a:latin typeface="Consolas" panose="020B0609020204030204" pitchFamily="49" charset="0"/>
-                <a:cs typeface="Consolas" panose="020B0609020204030204" pitchFamily="49" charset="0"/>
-              </a:rPr>
-              <a:t>HemTools</a:t>
-            </a:r>
-            <a:r>
-              <a:rPr lang="en-US" sz="1800" dirty="0">
-                <a:latin typeface="Consolas" panose="020B0609020204030204" pitchFamily="49" charset="0"/>
-                <a:cs typeface="Consolas" panose="020B0609020204030204" pitchFamily="49" charset="0"/>
-              </a:rPr>
-              <a:t> </a:t>
-            </a:r>
-            <a:r>
-              <a:rPr lang="en-US" sz="1800" dirty="0" err="1">
-                <a:latin typeface="Consolas" panose="020B0609020204030204" pitchFamily="49" charset="0"/>
-                <a:cs typeface="Consolas" panose="020B0609020204030204" pitchFamily="49" charset="0"/>
-              </a:rPr>
-              <a:t>chip_seq_pair</a:t>
-            </a:r>
-            <a:r>
-              <a:rPr lang="en-US" sz="1800" dirty="0">
-                <a:latin typeface="Consolas" panose="020B0609020204030204" pitchFamily="49" charset="0"/>
-                <a:cs typeface="Consolas" panose="020B0609020204030204" pitchFamily="49" charset="0"/>
-              </a:rPr>
-              <a:t> -f </a:t>
-            </a:r>
-            <a:r>
-              <a:rPr lang="en-US" sz="1800" dirty="0" err="1">
-                <a:latin typeface="Consolas" panose="020B0609020204030204" pitchFamily="49" charset="0"/>
-                <a:cs typeface="Consolas" panose="020B0609020204030204" pitchFamily="49" charset="0"/>
-              </a:rPr>
-              <a:t>fastq.tsv</a:t>
-            </a:r>
-            <a:r>
-              <a:rPr lang="en-US" sz="1800" dirty="0">
-                <a:latin typeface="Consolas" panose="020B0609020204030204" pitchFamily="49" charset="0"/>
-                <a:cs typeface="Consolas" panose="020B0609020204030204" pitchFamily="49" charset="0"/>
-              </a:rPr>
-              <a:t> -d </a:t>
-            </a:r>
-            <a:r>
-              <a:rPr lang="en-US" sz="1800" dirty="0" err="1">
-                <a:latin typeface="Consolas" panose="020B0609020204030204" pitchFamily="49" charset="0"/>
-                <a:cs typeface="Consolas" panose="020B0609020204030204" pitchFamily="49" charset="0"/>
-              </a:rPr>
-              <a:t>peakcall.tsv</a:t>
-            </a:r>
-            <a:endParaRPr lang="en-US" sz="1800" dirty="0">
-              <a:highlight>
-                <a:srgbClr val="C0C0C0"/>
-              </a:highlight>
-              <a:latin typeface="Consolas" panose="020B0609020204030204" pitchFamily="49" charset="0"/>
-              <a:cs typeface="Consolas" panose="020B0609020204030204" pitchFamily="49" charset="0"/>
-            </a:endParaRPr>
-          </a:p>
-          <a:p>
-            <a:r>
-              <a:rPr lang="en-US" dirty="0"/>
-              <a:t>Input format (</a:t>
-            </a:r>
-            <a:r>
-              <a:rPr lang="en-US" dirty="0" err="1"/>
-              <a:t>tsv</a:t>
-            </a:r>
-            <a:r>
-              <a:rPr lang="en-US" dirty="0"/>
-              <a:t>, tab-separated values)</a:t>
-            </a:r>
-          </a:p>
-          <a:p>
-            <a:pPr marL="0" indent="0">
-              <a:buNone/>
-            </a:pPr>
+            <a:endParaRPr lang="en-US" dirty="0"/>
+          </a:p>
+          <a:p>
             <a:endParaRPr lang="en-US" dirty="0"/>
           </a:p>
         </p:txBody>
       </p:sp>
       <p:pic>
         <p:nvPicPr>
-          <p:cNvPr id="5" name="Picture 4">
-            <a:extLst>
-              <a:ext uri="{FF2B5EF4-FFF2-40B4-BE49-F238E27FC236}">
-                <a16:creationId xmlns:a16="http://schemas.microsoft.com/office/drawing/2014/main" id="{D5E8DA78-8DF1-4480-8E81-EFE3DA380020}"/>
+          <p:cNvPr id="4" name="Picture 3">
+            <a:extLst>
+              <a:ext uri="{FF2B5EF4-FFF2-40B4-BE49-F238E27FC236}">
+                <a16:creationId xmlns:a16="http://schemas.microsoft.com/office/drawing/2014/main" id="{1B35E6E3-FFA3-460D-8515-6DB04488B3B5}"/>
               </a:ext>
             </a:extLst>
           </p:cNvPr>
@@ -6275,73 +7495,27 @@
           <p:nvPr/>
         </p:nvPicPr>
         <p:blipFill>
-          <a:blip r:embed="rId2">
-            <a:extLst>
-              <a:ext uri="{28A0092B-C50C-407E-A947-70E740481C1C}">
-                <a14:useLocalDpi xmlns:a14="http://schemas.microsoft.com/office/drawing/2010/main" val="0"/>
-              </a:ext>
-            </a:extLst>
-          </a:blip>
+          <a:blip r:embed="rId3"/>
           <a:stretch>
             <a:fillRect/>
           </a:stretch>
         </p:blipFill>
         <p:spPr>
           <a:xfrm>
-            <a:off x="50334" y="4604391"/>
-            <a:ext cx="7508147" cy="1415868"/>
+            <a:off x="5226387" y="2329413"/>
+            <a:ext cx="6829250" cy="1461248"/>
           </a:xfrm>
           <a:prstGeom prst="rect">
             <a:avLst/>
           </a:prstGeom>
         </p:spPr>
       </p:pic>
-      <p:sp>
-        <p:nvSpPr>
-          <p:cNvPr id="6" name="Rectangle 5">
-            <a:extLst>
-              <a:ext uri="{FF2B5EF4-FFF2-40B4-BE49-F238E27FC236}">
-                <a16:creationId xmlns:a16="http://schemas.microsoft.com/office/drawing/2014/main" id="{7450E78C-F44E-449B-9EE5-8445CA27129B}"/>
-              </a:ext>
-            </a:extLst>
-          </p:cNvPr>
-          <p:cNvSpPr/>
-          <p:nvPr/>
-        </p:nvSpPr>
-        <p:spPr>
-          <a:xfrm>
-            <a:off x="8854622" y="4114926"/>
-            <a:ext cx="2418739" cy="369332"/>
-          </a:xfrm>
-          <a:prstGeom prst="rect">
-            <a:avLst/>
-          </a:prstGeom>
-        </p:spPr>
-        <p:txBody>
-          <a:bodyPr wrap="none">
-            <a:spAutoFit/>
-          </a:bodyPr>
-          <a:lstStyle/>
-          <a:p>
-            <a:pPr lvl="1"/>
-            <a:r>
-              <a:rPr lang="en-US" dirty="0"/>
-              <a:t>-d, --</a:t>
-            </a:r>
-            <a:r>
-              <a:rPr lang="en-US" dirty="0" err="1"/>
-              <a:t>design_matrix</a:t>
-            </a:r>
-            <a:endParaRPr lang="en-US" dirty="0"/>
-          </a:p>
-        </p:txBody>
-      </p:sp>
       <p:pic>
         <p:nvPicPr>
-          <p:cNvPr id="7" name="Picture 6">
-            <a:extLst>
-              <a:ext uri="{FF2B5EF4-FFF2-40B4-BE49-F238E27FC236}">
-                <a16:creationId xmlns:a16="http://schemas.microsoft.com/office/drawing/2014/main" id="{24EF94A9-7256-4C7A-9930-6B0E9F79D6E3}"/>
+          <p:cNvPr id="5" name="Picture 4">
+            <a:extLst>
+              <a:ext uri="{FF2B5EF4-FFF2-40B4-BE49-F238E27FC236}">
+                <a16:creationId xmlns:a16="http://schemas.microsoft.com/office/drawing/2014/main" id="{B42416E4-A4AD-4BF3-B374-07D2633E6E53}"/>
               </a:ext>
             </a:extLst>
           </p:cNvPr>
@@ -6350,67 +7524,25 @@
           </p:cNvPicPr>
           <p:nvPr/>
         </p:nvPicPr>
-        <p:blipFill>
-          <a:blip r:embed="rId3">
-            <a:extLst>
-              <a:ext uri="{28A0092B-C50C-407E-A947-70E740481C1C}">
-                <a14:useLocalDpi xmlns:a14="http://schemas.microsoft.com/office/drawing/2010/main" val="0"/>
-              </a:ext>
-            </a:extLst>
-          </a:blip>
-          <a:stretch>
-            <a:fillRect/>
-          </a:stretch>
+        <p:blipFill rotWithShape="1">
+          <a:blip r:embed="rId4"/>
+          <a:srcRect t="39614" b="27490"/>
+          <a:stretch/>
         </p:blipFill>
         <p:spPr>
           <a:xfrm>
-            <a:off x="7688061" y="4604391"/>
-            <a:ext cx="4453605" cy="1355802"/>
+            <a:off x="5369114" y="4429387"/>
+            <a:ext cx="6543796" cy="1258349"/>
           </a:xfrm>
           <a:prstGeom prst="rect">
             <a:avLst/>
           </a:prstGeom>
         </p:spPr>
       </p:pic>
-      <p:sp>
-        <p:nvSpPr>
-          <p:cNvPr id="8" name="Rectangle 7">
-            <a:extLst>
-              <a:ext uri="{FF2B5EF4-FFF2-40B4-BE49-F238E27FC236}">
-                <a16:creationId xmlns:a16="http://schemas.microsoft.com/office/drawing/2014/main" id="{827B86C4-4A9A-4EFC-8272-A390A39E32DD}"/>
-              </a:ext>
-            </a:extLst>
-          </p:cNvPr>
-          <p:cNvSpPr/>
-          <p:nvPr/>
-        </p:nvSpPr>
-        <p:spPr>
-          <a:xfrm>
-            <a:off x="2566075" y="4235059"/>
-            <a:ext cx="1520224" cy="369332"/>
-          </a:xfrm>
-          <a:prstGeom prst="rect">
-            <a:avLst/>
-          </a:prstGeom>
-        </p:spPr>
-        <p:txBody>
-          <a:bodyPr wrap="none">
-            <a:spAutoFit/>
-          </a:bodyPr>
-          <a:lstStyle/>
-          <a:p>
-            <a:pPr lvl="1"/>
-            <a:r>
-              <a:rPr lang="en-US" dirty="0"/>
-              <a:t>-f, --input</a:t>
-            </a:r>
-          </a:p>
-        </p:txBody>
-      </p:sp>
     </p:spTree>
     <p:extLst>
       <p:ext uri="{BB962C8B-B14F-4D97-AF65-F5344CB8AC3E}">
-        <p14:creationId xmlns:p14="http://schemas.microsoft.com/office/powerpoint/2010/main" val="498713462"/>
+        <p14:creationId xmlns:p14="http://schemas.microsoft.com/office/powerpoint/2010/main" val="456748884"/>
       </p:ext>
     </p:extLst>
   </p:cSld>
@@ -6488,21 +7620,368 @@
           <a:p>
             <a:r>
               <a:rPr lang="en-US" dirty="0"/>
-              <a:t>Output format</a:t>
+              <a:t>Workflow</a:t>
             </a:r>
           </a:p>
           <a:p>
             <a:endParaRPr lang="en-US" dirty="0"/>
           </a:p>
-          <a:p>
-            <a:endParaRPr lang="en-US" dirty="0"/>
-          </a:p>
-        </p:txBody>
-      </p:sp>
+        </p:txBody>
+      </p:sp>
+      <p:sp>
+        <p:nvSpPr>
+          <p:cNvPr id="7" name="Rectangle 6">
+            <a:extLst>
+              <a:ext uri="{FF2B5EF4-FFF2-40B4-BE49-F238E27FC236}">
+                <a16:creationId xmlns:a16="http://schemas.microsoft.com/office/drawing/2014/main" id="{6E49B98D-CE15-4D23-B9D8-9E95C7EE587E}"/>
+              </a:ext>
+            </a:extLst>
+          </p:cNvPr>
+          <p:cNvSpPr/>
+          <p:nvPr/>
+        </p:nvSpPr>
+        <p:spPr>
+          <a:xfrm>
+            <a:off x="1384441" y="2923571"/>
+            <a:ext cx="2080726" cy="373225"/>
+          </a:xfrm>
+          <a:prstGeom prst="rect">
+            <a:avLst/>
+          </a:prstGeom>
+          <a:noFill/>
+        </p:spPr>
+        <p:style>
+          <a:lnRef idx="2">
+            <a:schemeClr val="accent1">
+              <a:shade val="50000"/>
+            </a:schemeClr>
+          </a:lnRef>
+          <a:fillRef idx="1">
+            <a:schemeClr val="accent1"/>
+          </a:fillRef>
+          <a:effectRef idx="0">
+            <a:schemeClr val="accent1"/>
+          </a:effectRef>
+          <a:fontRef idx="minor">
+            <a:schemeClr val="lt1"/>
+          </a:fontRef>
+        </p:style>
+        <p:txBody>
+          <a:bodyPr rtlCol="0" anchor="ctr"/>
+          <a:lstStyle/>
+          <a:p>
+            <a:pPr algn="ctr"/>
+            <a:r>
+              <a:rPr lang="en-US" dirty="0">
+                <a:solidFill>
+                  <a:schemeClr val="tx1"/>
+                </a:solidFill>
+              </a:rPr>
+              <a:t>Load Python</a:t>
+            </a:r>
+          </a:p>
+        </p:txBody>
+      </p:sp>
+      <p:sp>
+        <p:nvSpPr>
+          <p:cNvPr id="8" name="Rectangle 7">
+            <a:extLst>
+              <a:ext uri="{FF2B5EF4-FFF2-40B4-BE49-F238E27FC236}">
+                <a16:creationId xmlns:a16="http://schemas.microsoft.com/office/drawing/2014/main" id="{A170486C-4907-421C-8031-4AED436733D5}"/>
+              </a:ext>
+            </a:extLst>
+          </p:cNvPr>
+          <p:cNvSpPr/>
+          <p:nvPr/>
+        </p:nvSpPr>
+        <p:spPr>
+          <a:xfrm>
+            <a:off x="1384441" y="3996306"/>
+            <a:ext cx="2080726" cy="373225"/>
+          </a:xfrm>
+          <a:prstGeom prst="rect">
+            <a:avLst/>
+          </a:prstGeom>
+          <a:noFill/>
+        </p:spPr>
+        <p:style>
+          <a:lnRef idx="2">
+            <a:schemeClr val="accent1">
+              <a:shade val="50000"/>
+            </a:schemeClr>
+          </a:lnRef>
+          <a:fillRef idx="1">
+            <a:schemeClr val="accent1"/>
+          </a:fillRef>
+          <a:effectRef idx="0">
+            <a:schemeClr val="accent1"/>
+          </a:effectRef>
+          <a:fontRef idx="minor">
+            <a:schemeClr val="lt1"/>
+          </a:fontRef>
+        </p:style>
+        <p:txBody>
+          <a:bodyPr rtlCol="0" anchor="ctr"/>
+          <a:lstStyle/>
+          <a:p>
+            <a:pPr algn="ctr"/>
+            <a:r>
+              <a:rPr lang="en-US" dirty="0">
+                <a:solidFill>
+                  <a:schemeClr val="tx1"/>
+                </a:solidFill>
+              </a:rPr>
+              <a:t>Prepare Inputs</a:t>
+            </a:r>
+          </a:p>
+        </p:txBody>
+      </p:sp>
+      <p:sp>
+        <p:nvSpPr>
+          <p:cNvPr id="9" name="Rectangle 8">
+            <a:extLst>
+              <a:ext uri="{FF2B5EF4-FFF2-40B4-BE49-F238E27FC236}">
+                <a16:creationId xmlns:a16="http://schemas.microsoft.com/office/drawing/2014/main" id="{61341791-9DE7-40CD-86E2-9D89D745C065}"/>
+              </a:ext>
+            </a:extLst>
+          </p:cNvPr>
+          <p:cNvSpPr/>
+          <p:nvPr/>
+        </p:nvSpPr>
+        <p:spPr>
+          <a:xfrm>
+            <a:off x="1384441" y="5195691"/>
+            <a:ext cx="2080726" cy="373225"/>
+          </a:xfrm>
+          <a:prstGeom prst="rect">
+            <a:avLst/>
+          </a:prstGeom>
+          <a:noFill/>
+        </p:spPr>
+        <p:style>
+          <a:lnRef idx="2">
+            <a:schemeClr val="accent1">
+              <a:shade val="50000"/>
+            </a:schemeClr>
+          </a:lnRef>
+          <a:fillRef idx="1">
+            <a:schemeClr val="accent1"/>
+          </a:fillRef>
+          <a:effectRef idx="0">
+            <a:schemeClr val="accent1"/>
+          </a:effectRef>
+          <a:fontRef idx="minor">
+            <a:schemeClr val="lt1"/>
+          </a:fontRef>
+        </p:style>
+        <p:txBody>
+          <a:bodyPr rtlCol="0" anchor="ctr"/>
+          <a:lstStyle/>
+          <a:p>
+            <a:pPr algn="ctr"/>
+            <a:r>
+              <a:rPr lang="en-US" dirty="0">
+                <a:solidFill>
+                  <a:schemeClr val="tx1"/>
+                </a:solidFill>
+              </a:rPr>
+              <a:t>Run </a:t>
+            </a:r>
+            <a:r>
+              <a:rPr lang="en-US" dirty="0" err="1">
+                <a:solidFill>
+                  <a:schemeClr val="tx1"/>
+                </a:solidFill>
+              </a:rPr>
+              <a:t>HemTools</a:t>
+            </a:r>
+            <a:endParaRPr lang="en-US" dirty="0">
+              <a:solidFill>
+                <a:schemeClr val="tx1"/>
+              </a:solidFill>
+            </a:endParaRPr>
+          </a:p>
+        </p:txBody>
+      </p:sp>
+      <p:cxnSp>
+        <p:nvCxnSpPr>
+          <p:cNvPr id="12" name="Straight Arrow Connector 11">
+            <a:extLst>
+              <a:ext uri="{FF2B5EF4-FFF2-40B4-BE49-F238E27FC236}">
+                <a16:creationId xmlns:a16="http://schemas.microsoft.com/office/drawing/2014/main" id="{F2246984-3971-4FF8-90D8-696A820615F5}"/>
+              </a:ext>
+            </a:extLst>
+          </p:cNvPr>
+          <p:cNvCxnSpPr>
+            <a:stCxn id="7" idx="2"/>
+            <a:endCxn id="8" idx="0"/>
+          </p:cNvCxnSpPr>
+          <p:nvPr/>
+        </p:nvCxnSpPr>
+        <p:spPr>
+          <a:xfrm>
+            <a:off x="2424804" y="3296796"/>
+            <a:ext cx="0" cy="699510"/>
+          </a:xfrm>
+          <a:prstGeom prst="straightConnector1">
+            <a:avLst/>
+          </a:prstGeom>
+          <a:ln>
+            <a:tailEnd type="triangle"/>
+          </a:ln>
+        </p:spPr>
+        <p:style>
+          <a:lnRef idx="1">
+            <a:schemeClr val="accent1"/>
+          </a:lnRef>
+          <a:fillRef idx="0">
+            <a:schemeClr val="accent1"/>
+          </a:fillRef>
+          <a:effectRef idx="0">
+            <a:schemeClr val="accent1"/>
+          </a:effectRef>
+          <a:fontRef idx="minor">
+            <a:schemeClr val="tx1"/>
+          </a:fontRef>
+        </p:style>
+      </p:cxnSp>
+      <p:cxnSp>
+        <p:nvCxnSpPr>
+          <p:cNvPr id="13" name="Straight Arrow Connector 12">
+            <a:extLst>
+              <a:ext uri="{FF2B5EF4-FFF2-40B4-BE49-F238E27FC236}">
+                <a16:creationId xmlns:a16="http://schemas.microsoft.com/office/drawing/2014/main" id="{0A3B64F4-7AC5-4A93-8BB2-B81DB541DF5C}"/>
+              </a:ext>
+            </a:extLst>
+          </p:cNvPr>
+          <p:cNvCxnSpPr>
+            <a:cxnSpLocks/>
+            <a:stCxn id="8" idx="2"/>
+            <a:endCxn id="9" idx="0"/>
+          </p:cNvCxnSpPr>
+          <p:nvPr/>
+        </p:nvCxnSpPr>
+        <p:spPr>
+          <a:xfrm>
+            <a:off x="2424804" y="4369531"/>
+            <a:ext cx="0" cy="826160"/>
+          </a:xfrm>
+          <a:prstGeom prst="straightConnector1">
+            <a:avLst/>
+          </a:prstGeom>
+          <a:ln>
+            <a:tailEnd type="triangle"/>
+          </a:ln>
+        </p:spPr>
+        <p:style>
+          <a:lnRef idx="1">
+            <a:schemeClr val="accent1"/>
+          </a:lnRef>
+          <a:fillRef idx="0">
+            <a:schemeClr val="accent1"/>
+          </a:fillRef>
+          <a:effectRef idx="0">
+            <a:schemeClr val="accent1"/>
+          </a:effectRef>
+          <a:fontRef idx="minor">
+            <a:schemeClr val="tx1"/>
+          </a:fontRef>
+        </p:style>
+      </p:cxnSp>
+      <p:pic>
+        <p:nvPicPr>
+          <p:cNvPr id="20" name="Picture 19">
+            <a:extLst>
+              <a:ext uri="{FF2B5EF4-FFF2-40B4-BE49-F238E27FC236}">
+                <a16:creationId xmlns:a16="http://schemas.microsoft.com/office/drawing/2014/main" id="{C0646E24-0869-4A22-B6A2-4E1E451E17AA}"/>
+              </a:ext>
+            </a:extLst>
+          </p:cNvPr>
+          <p:cNvPicPr>
+            <a:picLocks noChangeAspect="1"/>
+          </p:cNvPicPr>
+          <p:nvPr/>
+        </p:nvPicPr>
+        <p:blipFill>
+          <a:blip r:embed="rId2"/>
+          <a:stretch>
+            <a:fillRect/>
+          </a:stretch>
+        </p:blipFill>
+        <p:spPr>
+          <a:xfrm>
+            <a:off x="3665872" y="3353861"/>
+            <a:ext cx="8477250" cy="1428750"/>
+          </a:xfrm>
+          <a:prstGeom prst="rect">
+            <a:avLst/>
+          </a:prstGeom>
+        </p:spPr>
+      </p:pic>
+      <p:pic>
+        <p:nvPicPr>
+          <p:cNvPr id="21" name="Picture 20">
+            <a:extLst>
+              <a:ext uri="{FF2B5EF4-FFF2-40B4-BE49-F238E27FC236}">
+                <a16:creationId xmlns:a16="http://schemas.microsoft.com/office/drawing/2014/main" id="{02BD333A-942A-48FC-AD52-4AD4A5E7710A}"/>
+              </a:ext>
+            </a:extLst>
+          </p:cNvPr>
+          <p:cNvPicPr>
+            <a:picLocks noChangeAspect="1"/>
+          </p:cNvPicPr>
+          <p:nvPr/>
+        </p:nvPicPr>
+        <p:blipFill>
+          <a:blip r:embed="rId3"/>
+          <a:stretch>
+            <a:fillRect/>
+          </a:stretch>
+        </p:blipFill>
+        <p:spPr>
+          <a:xfrm>
+            <a:off x="3691039" y="2687196"/>
+            <a:ext cx="8401050" cy="609600"/>
+          </a:xfrm>
+          <a:prstGeom prst="rect">
+            <a:avLst/>
+          </a:prstGeom>
+        </p:spPr>
+      </p:pic>
+      <p:pic>
+        <p:nvPicPr>
+          <p:cNvPr id="22" name="Picture 21">
+            <a:extLst>
+              <a:ext uri="{FF2B5EF4-FFF2-40B4-BE49-F238E27FC236}">
+                <a16:creationId xmlns:a16="http://schemas.microsoft.com/office/drawing/2014/main" id="{D7CA9490-D72C-4D55-B19E-037B9ACC3AC3}"/>
+              </a:ext>
+            </a:extLst>
+          </p:cNvPr>
+          <p:cNvPicPr>
+            <a:picLocks noChangeAspect="1"/>
+          </p:cNvPicPr>
+          <p:nvPr/>
+        </p:nvPicPr>
+        <p:blipFill>
+          <a:blip r:embed="rId4"/>
+          <a:stretch>
+            <a:fillRect/>
+          </a:stretch>
+        </p:blipFill>
+        <p:spPr>
+          <a:xfrm>
+            <a:off x="3691039" y="5067978"/>
+            <a:ext cx="8372475" cy="628650"/>
+          </a:xfrm>
+          <a:prstGeom prst="rect">
+            <a:avLst/>
+          </a:prstGeom>
+        </p:spPr>
+      </p:pic>
     </p:spTree>
     <p:extLst>
       <p:ext uri="{BB962C8B-B14F-4D97-AF65-F5344CB8AC3E}">
-        <p14:creationId xmlns:p14="http://schemas.microsoft.com/office/powerpoint/2010/main" val="141717846"/>
+        <p14:creationId xmlns:p14="http://schemas.microsoft.com/office/powerpoint/2010/main" val="2098964821"/>
       </p:ext>
     </p:extLst>
   </p:cSld>

--- a/HemTools Tutorial.pptx
+++ b/HemTools Tutorial.pptx
@@ -19,18 +19,19 @@
     <p:sldId id="282" r:id="rId13"/>
     <p:sldId id="274" r:id="rId14"/>
     <p:sldId id="275" r:id="rId15"/>
-    <p:sldId id="261" r:id="rId16"/>
-    <p:sldId id="269" r:id="rId17"/>
-    <p:sldId id="257" r:id="rId18"/>
-    <p:sldId id="259" r:id="rId19"/>
-    <p:sldId id="260" r:id="rId20"/>
-    <p:sldId id="262" r:id="rId21"/>
-    <p:sldId id="263" r:id="rId22"/>
-    <p:sldId id="264" r:id="rId23"/>
-    <p:sldId id="265" r:id="rId24"/>
-    <p:sldId id="266" r:id="rId25"/>
-    <p:sldId id="267" r:id="rId26"/>
-    <p:sldId id="268" r:id="rId27"/>
+    <p:sldId id="283" r:id="rId16"/>
+    <p:sldId id="261" r:id="rId17"/>
+    <p:sldId id="269" r:id="rId18"/>
+    <p:sldId id="257" r:id="rId19"/>
+    <p:sldId id="259" r:id="rId20"/>
+    <p:sldId id="260" r:id="rId21"/>
+    <p:sldId id="262" r:id="rId22"/>
+    <p:sldId id="263" r:id="rId23"/>
+    <p:sldId id="264" r:id="rId24"/>
+    <p:sldId id="265" r:id="rId25"/>
+    <p:sldId id="266" r:id="rId26"/>
+    <p:sldId id="267" r:id="rId27"/>
+    <p:sldId id="268" r:id="rId28"/>
   </p:sldIdLst>
   <p:sldSz cx="12192000" cy="6858000"/>
   <p:notesSz cx="6858000" cy="9144000"/>
@@ -3655,7 +3656,7 @@
                 <a:latin typeface="Consolas" panose="020B0609020204030204" pitchFamily="49" charset="0"/>
                 <a:cs typeface="Consolas" panose="020B0609020204030204" pitchFamily="49" charset="0"/>
               </a:rPr>
-              <a:t>chip_sEQ_Single</a:t>
+              <a:t>chip_seq_single</a:t>
             </a:r>
             <a:r>
               <a:rPr lang="en-US" sz="1800" dirty="0">
@@ -3769,7 +3770,7 @@
                 <a:latin typeface="Consolas" panose="020B0609020204030204" pitchFamily="49" charset="0"/>
                 <a:cs typeface="Consolas" panose="020B0609020204030204" pitchFamily="49" charset="0"/>
               </a:rPr>
-              <a:t>SuBcMd</a:t>
+              <a:t>subcmd</a:t>
             </a:r>
             <a:r>
               <a:rPr lang="en-US" sz="1800" dirty="0">
@@ -4777,7 +4778,7 @@
         </p:blipFill>
         <p:spPr>
           <a:xfrm>
-            <a:off x="1235005" y="2596923"/>
+            <a:off x="838200" y="2594607"/>
             <a:ext cx="2965667" cy="1872441"/>
           </a:xfrm>
           <a:prstGeom prst="rect">
@@ -4785,6 +4786,508 @@
           </a:prstGeom>
         </p:spPr>
       </p:pic>
+      <p:pic>
+        <p:nvPicPr>
+          <p:cNvPr id="6" name="Picture 5">
+            <a:extLst>
+              <a:ext uri="{FF2B5EF4-FFF2-40B4-BE49-F238E27FC236}">
+                <a16:creationId xmlns:a16="http://schemas.microsoft.com/office/drawing/2014/main" id="{1E858E28-6FAE-49D6-BCC2-E3668C0AD363}"/>
+              </a:ext>
+            </a:extLst>
+          </p:cNvPr>
+          <p:cNvPicPr>
+            <a:picLocks noChangeAspect="1"/>
+          </p:cNvPicPr>
+          <p:nvPr/>
+        </p:nvPicPr>
+        <p:blipFill rotWithShape="1">
+          <a:blip r:embed="rId3"/>
+          <a:srcRect b="11248"/>
+          <a:stretch/>
+        </p:blipFill>
+        <p:spPr>
+          <a:xfrm>
+            <a:off x="5375141" y="681038"/>
+            <a:ext cx="5695950" cy="1631554"/>
+          </a:xfrm>
+          <a:prstGeom prst="rect">
+            <a:avLst/>
+          </a:prstGeom>
+        </p:spPr>
+      </p:pic>
+      <p:pic>
+        <p:nvPicPr>
+          <p:cNvPr id="8" name="Picture 7">
+            <a:extLst>
+              <a:ext uri="{FF2B5EF4-FFF2-40B4-BE49-F238E27FC236}">
+                <a16:creationId xmlns:a16="http://schemas.microsoft.com/office/drawing/2014/main" id="{E0063A99-D07C-4FB3-8989-1E189E0DE0E1}"/>
+              </a:ext>
+            </a:extLst>
+          </p:cNvPr>
+          <p:cNvPicPr>
+            <a:picLocks noChangeAspect="1"/>
+          </p:cNvPicPr>
+          <p:nvPr/>
+        </p:nvPicPr>
+        <p:blipFill>
+          <a:blip r:embed="rId4"/>
+          <a:stretch>
+            <a:fillRect/>
+          </a:stretch>
+        </p:blipFill>
+        <p:spPr>
+          <a:xfrm>
+            <a:off x="5375141" y="3141265"/>
+            <a:ext cx="3524250" cy="238125"/>
+          </a:xfrm>
+          <a:prstGeom prst="rect">
+            <a:avLst/>
+          </a:prstGeom>
+        </p:spPr>
+      </p:pic>
+      <p:grpSp>
+        <p:nvGrpSpPr>
+          <p:cNvPr id="11" name="Group 10">
+            <a:extLst>
+              <a:ext uri="{FF2B5EF4-FFF2-40B4-BE49-F238E27FC236}">
+                <a16:creationId xmlns:a16="http://schemas.microsoft.com/office/drawing/2014/main" id="{82067721-4813-485A-BC53-4D835B835022}"/>
+              </a:ext>
+            </a:extLst>
+          </p:cNvPr>
+          <p:cNvGrpSpPr/>
+          <p:nvPr/>
+        </p:nvGrpSpPr>
+        <p:grpSpPr>
+          <a:xfrm>
+            <a:off x="5040155" y="4001293"/>
+            <a:ext cx="7000010" cy="2213223"/>
+            <a:chOff x="5551884" y="4505870"/>
+            <a:chExt cx="7000010" cy="2213223"/>
+          </a:xfrm>
+        </p:grpSpPr>
+        <p:pic>
+          <p:nvPicPr>
+            <p:cNvPr id="9" name="Picture 8">
+              <a:extLst>
+                <a:ext uri="{FF2B5EF4-FFF2-40B4-BE49-F238E27FC236}">
+                  <a16:creationId xmlns:a16="http://schemas.microsoft.com/office/drawing/2014/main" id="{F5FA7F39-4419-4ECD-9D95-4C3FC406D2D6}"/>
+                </a:ext>
+              </a:extLst>
+            </p:cNvPr>
+            <p:cNvPicPr>
+              <a:picLocks noChangeAspect="1"/>
+            </p:cNvPicPr>
+            <p:nvPr/>
+          </p:nvPicPr>
+          <p:blipFill rotWithShape="1">
+            <a:blip r:embed="rId5"/>
+            <a:srcRect l="1480" r="93190"/>
+            <a:stretch/>
+          </p:blipFill>
+          <p:spPr>
+            <a:xfrm>
+              <a:off x="5551884" y="4509293"/>
+              <a:ext cx="446243" cy="2209800"/>
+            </a:xfrm>
+            <a:prstGeom prst="rect">
+              <a:avLst/>
+            </a:prstGeom>
+          </p:spPr>
+        </p:pic>
+        <p:pic>
+          <p:nvPicPr>
+            <p:cNvPr id="10" name="Picture 9">
+              <a:extLst>
+                <a:ext uri="{FF2B5EF4-FFF2-40B4-BE49-F238E27FC236}">
+                  <a16:creationId xmlns:a16="http://schemas.microsoft.com/office/drawing/2014/main" id="{DBB8E37A-C52B-4472-A564-D47EFF1D915D}"/>
+                </a:ext>
+              </a:extLst>
+            </p:cNvPr>
+            <p:cNvPicPr>
+              <a:picLocks noChangeAspect="1"/>
+            </p:cNvPicPr>
+            <p:nvPr/>
+          </p:nvPicPr>
+          <p:blipFill rotWithShape="1">
+            <a:blip r:embed="rId5"/>
+            <a:srcRect l="21722"/>
+            <a:stretch/>
+          </p:blipFill>
+          <p:spPr>
+            <a:xfrm>
+              <a:off x="5998127" y="4505870"/>
+              <a:ext cx="6553767" cy="2209800"/>
+            </a:xfrm>
+            <a:prstGeom prst="rect">
+              <a:avLst/>
+            </a:prstGeom>
+          </p:spPr>
+        </p:pic>
+      </p:grpSp>
+      <p:cxnSp>
+        <p:nvCxnSpPr>
+          <p:cNvPr id="13" name="Straight Arrow Connector 12">
+            <a:extLst>
+              <a:ext uri="{FF2B5EF4-FFF2-40B4-BE49-F238E27FC236}">
+                <a16:creationId xmlns:a16="http://schemas.microsoft.com/office/drawing/2014/main" id="{5A744DF2-3213-4A9C-BD6F-2AFCCEB2066C}"/>
+              </a:ext>
+            </a:extLst>
+          </p:cNvPr>
+          <p:cNvCxnSpPr>
+            <a:cxnSpLocks/>
+          </p:cNvCxnSpPr>
+          <p:nvPr/>
+        </p:nvCxnSpPr>
+        <p:spPr>
+          <a:xfrm flipV="1">
+            <a:off x="2248250" y="1283516"/>
+            <a:ext cx="3039469" cy="2095874"/>
+          </a:xfrm>
+          <a:prstGeom prst="straightConnector1">
+            <a:avLst/>
+          </a:prstGeom>
+          <a:ln>
+            <a:tailEnd type="triangle"/>
+          </a:ln>
+        </p:spPr>
+        <p:style>
+          <a:lnRef idx="1">
+            <a:schemeClr val="accent2"/>
+          </a:lnRef>
+          <a:fillRef idx="0">
+            <a:schemeClr val="accent2"/>
+          </a:fillRef>
+          <a:effectRef idx="0">
+            <a:schemeClr val="accent2"/>
+          </a:effectRef>
+          <a:fontRef idx="minor">
+            <a:schemeClr val="tx1"/>
+          </a:fontRef>
+        </p:style>
+      </p:cxnSp>
+      <p:cxnSp>
+        <p:nvCxnSpPr>
+          <p:cNvPr id="14" name="Straight Arrow Connector 13">
+            <a:extLst>
+              <a:ext uri="{FF2B5EF4-FFF2-40B4-BE49-F238E27FC236}">
+                <a16:creationId xmlns:a16="http://schemas.microsoft.com/office/drawing/2014/main" id="{86C08C6D-CBC1-4933-A6F5-4A1DC7374B86}"/>
+              </a:ext>
+            </a:extLst>
+          </p:cNvPr>
+          <p:cNvCxnSpPr>
+            <a:cxnSpLocks/>
+            <a:endCxn id="8" idx="1"/>
+          </p:cNvCxnSpPr>
+          <p:nvPr/>
+        </p:nvCxnSpPr>
+        <p:spPr>
+          <a:xfrm flipV="1">
+            <a:off x="2920732" y="3260328"/>
+            <a:ext cx="2454409" cy="313186"/>
+          </a:xfrm>
+          <a:prstGeom prst="straightConnector1">
+            <a:avLst/>
+          </a:prstGeom>
+          <a:ln>
+            <a:tailEnd type="triangle"/>
+          </a:ln>
+        </p:spPr>
+        <p:style>
+          <a:lnRef idx="1">
+            <a:schemeClr val="accent2"/>
+          </a:lnRef>
+          <a:fillRef idx="0">
+            <a:schemeClr val="accent2"/>
+          </a:fillRef>
+          <a:effectRef idx="0">
+            <a:schemeClr val="accent2"/>
+          </a:effectRef>
+          <a:fontRef idx="minor">
+            <a:schemeClr val="tx1"/>
+          </a:fontRef>
+        </p:style>
+      </p:cxnSp>
+      <p:cxnSp>
+        <p:nvCxnSpPr>
+          <p:cNvPr id="18" name="Straight Arrow Connector 17">
+            <a:extLst>
+              <a:ext uri="{FF2B5EF4-FFF2-40B4-BE49-F238E27FC236}">
+                <a16:creationId xmlns:a16="http://schemas.microsoft.com/office/drawing/2014/main" id="{CCF2D3EC-9A89-49E0-837B-1F8517A93D36}"/>
+              </a:ext>
+            </a:extLst>
+          </p:cNvPr>
+          <p:cNvCxnSpPr>
+            <a:cxnSpLocks/>
+            <a:endCxn id="9" idx="1"/>
+          </p:cNvCxnSpPr>
+          <p:nvPr/>
+        </p:nvCxnSpPr>
+        <p:spPr>
+          <a:xfrm>
+            <a:off x="2508308" y="4120356"/>
+            <a:ext cx="2531847" cy="989260"/>
+          </a:xfrm>
+          <a:prstGeom prst="straightConnector1">
+            <a:avLst/>
+          </a:prstGeom>
+          <a:ln>
+            <a:tailEnd type="triangle"/>
+          </a:ln>
+        </p:spPr>
+        <p:style>
+          <a:lnRef idx="1">
+            <a:schemeClr val="accent2"/>
+          </a:lnRef>
+          <a:fillRef idx="0">
+            <a:schemeClr val="accent2"/>
+          </a:fillRef>
+          <a:effectRef idx="0">
+            <a:schemeClr val="accent2"/>
+          </a:effectRef>
+          <a:fontRef idx="minor">
+            <a:schemeClr val="tx1"/>
+          </a:fontRef>
+        </p:style>
+      </p:cxnSp>
+      <p:sp>
+        <p:nvSpPr>
+          <p:cNvPr id="22" name="TextBox 21">
+            <a:extLst>
+              <a:ext uri="{FF2B5EF4-FFF2-40B4-BE49-F238E27FC236}">
+                <a16:creationId xmlns:a16="http://schemas.microsoft.com/office/drawing/2014/main" id="{C9D0A3C0-AFE1-444E-AA76-88C51A637E31}"/>
+              </a:ext>
+            </a:extLst>
+          </p:cNvPr>
+          <p:cNvSpPr txBox="1"/>
+          <p:nvPr/>
+        </p:nvSpPr>
+        <p:spPr>
+          <a:xfrm>
+            <a:off x="643541" y="4859784"/>
+            <a:ext cx="3778470" cy="923330"/>
+          </a:xfrm>
+          <a:prstGeom prst="rect">
+            <a:avLst/>
+          </a:prstGeom>
+          <a:noFill/>
+        </p:spPr>
+        <p:txBody>
+          <a:bodyPr wrap="none" rtlCol="0">
+            <a:spAutoFit/>
+          </a:bodyPr>
+          <a:lstStyle/>
+          <a:p>
+            <a:r>
+              <a:rPr lang="en-US" dirty="0"/>
+              <a:t>Paired-end data will run MACS2 twice:</a:t>
+            </a:r>
+          </a:p>
+          <a:p>
+            <a:pPr marL="285750" indent="-285750">
+              <a:buFontTx/>
+              <a:buChar char="-"/>
+            </a:pPr>
+            <a:r>
+              <a:rPr lang="en-US" dirty="0" err="1">
+                <a:solidFill>
+                  <a:srgbClr val="FF0000"/>
+                </a:solidFill>
+              </a:rPr>
+              <a:t>rmdup.uq</a:t>
+            </a:r>
+            <a:r>
+              <a:rPr lang="en-US" dirty="0">
+                <a:solidFill>
+                  <a:srgbClr val="FF0000"/>
+                </a:solidFill>
+              </a:rPr>
+              <a:t> bam</a:t>
+            </a:r>
+          </a:p>
+          <a:p>
+            <a:pPr marL="285750" indent="-285750">
+              <a:buFontTx/>
+              <a:buChar char="-"/>
+            </a:pPr>
+            <a:r>
+              <a:rPr lang="en-US" dirty="0"/>
+              <a:t>raw bam</a:t>
+            </a:r>
+          </a:p>
+        </p:txBody>
+      </p:sp>
+      <p:sp>
+        <p:nvSpPr>
+          <p:cNvPr id="23" name="TextBox 22">
+            <a:extLst>
+              <a:ext uri="{FF2B5EF4-FFF2-40B4-BE49-F238E27FC236}">
+                <a16:creationId xmlns:a16="http://schemas.microsoft.com/office/drawing/2014/main" id="{D64B9109-2889-42E9-A030-6FE33E23D6C6}"/>
+              </a:ext>
+            </a:extLst>
+          </p:cNvPr>
+          <p:cNvSpPr txBox="1"/>
+          <p:nvPr/>
+        </p:nvSpPr>
+        <p:spPr>
+          <a:xfrm>
+            <a:off x="643541" y="5950860"/>
+            <a:ext cx="3710249" cy="646331"/>
+          </a:xfrm>
+          <a:prstGeom prst="rect">
+            <a:avLst/>
+          </a:prstGeom>
+          <a:noFill/>
+        </p:spPr>
+        <p:txBody>
+          <a:bodyPr wrap="square" rtlCol="0">
+            <a:spAutoFit/>
+          </a:bodyPr>
+          <a:lstStyle/>
+          <a:p>
+            <a:r>
+              <a:rPr lang="en-US" dirty="0"/>
+              <a:t>Single-end data will just run MACS2 using raw bam</a:t>
+            </a:r>
+          </a:p>
+        </p:txBody>
+      </p:sp>
+      <p:cxnSp>
+        <p:nvCxnSpPr>
+          <p:cNvPr id="24" name="Straight Arrow Connector 23">
+            <a:extLst>
+              <a:ext uri="{FF2B5EF4-FFF2-40B4-BE49-F238E27FC236}">
+                <a16:creationId xmlns:a16="http://schemas.microsoft.com/office/drawing/2014/main" id="{28B6C3E5-DEE0-4B52-A6E0-77E29B37E6DB}"/>
+              </a:ext>
+            </a:extLst>
+          </p:cNvPr>
+          <p:cNvCxnSpPr>
+            <a:cxnSpLocks/>
+          </p:cNvCxnSpPr>
+          <p:nvPr/>
+        </p:nvCxnSpPr>
+        <p:spPr>
+          <a:xfrm flipV="1">
+            <a:off x="2498665" y="4601985"/>
+            <a:ext cx="2531847" cy="719466"/>
+          </a:xfrm>
+          <a:prstGeom prst="straightConnector1">
+            <a:avLst/>
+          </a:prstGeom>
+          <a:ln>
+            <a:tailEnd type="triangle"/>
+          </a:ln>
+        </p:spPr>
+        <p:style>
+          <a:lnRef idx="1">
+            <a:schemeClr val="accent2"/>
+          </a:lnRef>
+          <a:fillRef idx="0">
+            <a:schemeClr val="accent2"/>
+          </a:fillRef>
+          <a:effectRef idx="0">
+            <a:schemeClr val="accent2"/>
+          </a:effectRef>
+          <a:fontRef idx="minor">
+            <a:schemeClr val="tx1"/>
+          </a:fontRef>
+        </p:style>
+      </p:cxnSp>
+      <p:sp>
+        <p:nvSpPr>
+          <p:cNvPr id="27" name="Left Brace 26">
+            <a:extLst>
+              <a:ext uri="{FF2B5EF4-FFF2-40B4-BE49-F238E27FC236}">
+                <a16:creationId xmlns:a16="http://schemas.microsoft.com/office/drawing/2014/main" id="{C0A71E45-0882-4A36-A455-200B53648FAB}"/>
+              </a:ext>
+            </a:extLst>
+          </p:cNvPr>
+          <p:cNvSpPr/>
+          <p:nvPr/>
+        </p:nvSpPr>
+        <p:spPr>
+          <a:xfrm>
+            <a:off x="5108376" y="4060272"/>
+            <a:ext cx="45719" cy="1049344"/>
+          </a:xfrm>
+          <a:prstGeom prst="leftBrace">
+            <a:avLst/>
+          </a:prstGeom>
+        </p:spPr>
+        <p:style>
+          <a:lnRef idx="1">
+            <a:schemeClr val="accent2"/>
+          </a:lnRef>
+          <a:fillRef idx="0">
+            <a:schemeClr val="accent2"/>
+          </a:fillRef>
+          <a:effectRef idx="0">
+            <a:schemeClr val="accent2"/>
+          </a:effectRef>
+          <a:fontRef idx="minor">
+            <a:schemeClr val="tx1"/>
+          </a:fontRef>
+        </p:style>
+        <p:txBody>
+          <a:bodyPr rtlCol="0" anchor="ctr"/>
+          <a:lstStyle/>
+          <a:p>
+            <a:pPr algn="ctr"/>
+            <a:endParaRPr lang="en-US"/>
+          </a:p>
+        </p:txBody>
+      </p:sp>
+      <p:sp>
+        <p:nvSpPr>
+          <p:cNvPr id="29" name="Rectangle 28">
+            <a:extLst>
+              <a:ext uri="{FF2B5EF4-FFF2-40B4-BE49-F238E27FC236}">
+                <a16:creationId xmlns:a16="http://schemas.microsoft.com/office/drawing/2014/main" id="{2B40F47E-D952-457C-B957-EDEDEDB9E905}"/>
+              </a:ext>
+            </a:extLst>
+          </p:cNvPr>
+          <p:cNvSpPr/>
+          <p:nvPr/>
+        </p:nvSpPr>
+        <p:spPr>
+          <a:xfrm>
+            <a:off x="5383529" y="1275127"/>
+            <a:ext cx="5652239" cy="1036867"/>
+          </a:xfrm>
+          <a:prstGeom prst="rect">
+            <a:avLst/>
+          </a:prstGeom>
+          <a:noFill/>
+          <a:ln>
+            <a:solidFill>
+              <a:srgbClr val="FF0000"/>
+            </a:solidFill>
+          </a:ln>
+        </p:spPr>
+        <p:style>
+          <a:lnRef idx="2">
+            <a:schemeClr val="accent1">
+              <a:shade val="50000"/>
+            </a:schemeClr>
+          </a:lnRef>
+          <a:fillRef idx="1">
+            <a:schemeClr val="accent1"/>
+          </a:fillRef>
+          <a:effectRef idx="0">
+            <a:schemeClr val="accent1"/>
+          </a:effectRef>
+          <a:fontRef idx="minor">
+            <a:schemeClr val="lt1"/>
+          </a:fontRef>
+        </p:style>
+        <p:txBody>
+          <a:bodyPr rtlCol="0" anchor="ctr"/>
+          <a:lstStyle/>
+          <a:p>
+            <a:pPr algn="ctr"/>
+            <a:endParaRPr lang="en-US"/>
+          </a:p>
+        </p:txBody>
+      </p:sp>
     </p:spTree>
     <p:extLst>
       <p:ext uri="{BB962C8B-B14F-4D97-AF65-F5344CB8AC3E}">
@@ -4859,7 +5362,12 @@
             <p:ph idx="1"/>
           </p:nvPr>
         </p:nvSpPr>
-        <p:spPr/>
+        <p:spPr>
+          <a:xfrm>
+            <a:off x="838200" y="1825625"/>
+            <a:ext cx="4414935" cy="4351338"/>
+          </a:xfrm>
+        </p:spPr>
         <p:txBody>
           <a:bodyPr/>
           <a:lstStyle/>
@@ -4870,10 +5378,151 @@
             </a:r>
           </a:p>
           <a:p>
+            <a:r>
+              <a:rPr lang="en-US" sz="2000" dirty="0"/>
+              <a:t>If no attachment can be found, it might be caused by an error. In such case, please go to the result directory (above) and do </a:t>
+            </a:r>
+            <a:r>
+              <a:rPr lang="en-US" sz="2000" dirty="0" err="1"/>
+              <a:t>HemTools</a:t>
+            </a:r>
+            <a:r>
+              <a:rPr lang="en-US" sz="2000" dirty="0"/>
+              <a:t> </a:t>
+            </a:r>
+            <a:r>
+              <a:rPr lang="en-US" sz="2000" dirty="0" err="1"/>
+              <a:t>report_bug</a:t>
+            </a:r>
+            <a:r>
+              <a:rPr lang="en-US" sz="2000" dirty="0"/>
+              <a:t>. </a:t>
+            </a:r>
+          </a:p>
+          <a:p>
             <a:endParaRPr lang="en-US" dirty="0"/>
           </a:p>
           <a:p>
             <a:endParaRPr lang="en-US" dirty="0"/>
+          </a:p>
+        </p:txBody>
+      </p:sp>
+      <p:pic>
+        <p:nvPicPr>
+          <p:cNvPr id="4" name="Picture 3">
+            <a:extLst>
+              <a:ext uri="{FF2B5EF4-FFF2-40B4-BE49-F238E27FC236}">
+                <a16:creationId xmlns:a16="http://schemas.microsoft.com/office/drawing/2014/main" id="{A193C647-571F-477E-9720-CEBA172D66FB}"/>
+              </a:ext>
+            </a:extLst>
+          </p:cNvPr>
+          <p:cNvPicPr>
+            <a:picLocks noChangeAspect="1"/>
+          </p:cNvPicPr>
+          <p:nvPr/>
+        </p:nvPicPr>
+        <p:blipFill>
+          <a:blip r:embed="rId2"/>
+          <a:stretch>
+            <a:fillRect/>
+          </a:stretch>
+        </p:blipFill>
+        <p:spPr>
+          <a:xfrm>
+            <a:off x="6096000" y="1045685"/>
+            <a:ext cx="5026098" cy="5131278"/>
+          </a:xfrm>
+          <a:prstGeom prst="rect">
+            <a:avLst/>
+          </a:prstGeom>
+        </p:spPr>
+      </p:pic>
+      <p:pic>
+        <p:nvPicPr>
+          <p:cNvPr id="5" name="Picture 4">
+            <a:extLst>
+              <a:ext uri="{FF2B5EF4-FFF2-40B4-BE49-F238E27FC236}">
+                <a16:creationId xmlns:a16="http://schemas.microsoft.com/office/drawing/2014/main" id="{BD20650B-4B9F-4A97-8D49-F85BC86EFC7F}"/>
+              </a:ext>
+            </a:extLst>
+          </p:cNvPr>
+          <p:cNvPicPr>
+            <a:picLocks noChangeAspect="1"/>
+          </p:cNvPicPr>
+          <p:nvPr/>
+        </p:nvPicPr>
+        <p:blipFill>
+          <a:blip r:embed="rId3"/>
+          <a:stretch>
+            <a:fillRect/>
+          </a:stretch>
+        </p:blipFill>
+        <p:spPr>
+          <a:xfrm>
+            <a:off x="493201" y="4992580"/>
+            <a:ext cx="5251618" cy="1426877"/>
+          </a:xfrm>
+          <a:prstGeom prst="rect">
+            <a:avLst/>
+          </a:prstGeom>
+        </p:spPr>
+      </p:pic>
+      <p:sp>
+        <p:nvSpPr>
+          <p:cNvPr id="6" name="Rectangle 5">
+            <a:extLst>
+              <a:ext uri="{FF2B5EF4-FFF2-40B4-BE49-F238E27FC236}">
+                <a16:creationId xmlns:a16="http://schemas.microsoft.com/office/drawing/2014/main" id="{CA0CDC0F-1D36-4739-A6DF-EFDA6AE3768B}"/>
+              </a:ext>
+            </a:extLst>
+          </p:cNvPr>
+          <p:cNvSpPr/>
+          <p:nvPr/>
+        </p:nvSpPr>
+        <p:spPr>
+          <a:xfrm>
+            <a:off x="6195091" y="1729993"/>
+            <a:ext cx="4827915" cy="191263"/>
+          </a:xfrm>
+          <a:prstGeom prst="rect">
+            <a:avLst/>
+          </a:prstGeom>
+          <a:noFill/>
+          <a:ln>
+            <a:solidFill>
+              <a:srgbClr val="FF0000"/>
+            </a:solidFill>
+          </a:ln>
+        </p:spPr>
+        <p:style>
+          <a:lnRef idx="2">
+            <a:schemeClr val="accent1">
+              <a:shade val="50000"/>
+            </a:schemeClr>
+          </a:lnRef>
+          <a:fillRef idx="1">
+            <a:schemeClr val="accent1"/>
+          </a:fillRef>
+          <a:effectRef idx="0">
+            <a:schemeClr val="accent1"/>
+          </a:effectRef>
+          <a:fontRef idx="minor">
+            <a:schemeClr val="lt1"/>
+          </a:fontRef>
+        </p:style>
+        <p:txBody>
+          <a:bodyPr rtlCol="0" anchor="ctr"/>
+          <a:lstStyle/>
+          <a:p>
+            <a:pPr algn="ctr"/>
+            <a:r>
+              <a:rPr lang="en-US" dirty="0">
+                <a:solidFill>
+                  <a:schemeClr val="tx1"/>
+                </a:solidFill>
+              </a:rPr>
+              <a:t>No Attachments!</a:t>
+            </a:r>
           </a:p>
         </p:txBody>
       </p:sp>
@@ -4930,7 +5579,7 @@
           <a:p>
             <a:r>
               <a:rPr lang="en-US" dirty="0"/>
-              <a:t>CUT &amp; RUN example</a:t>
+              <a:t>ATAC-seq example</a:t>
             </a:r>
           </a:p>
         </p:txBody>
@@ -4963,7 +5612,7 @@
     </p:spTree>
     <p:extLst>
       <p:ext uri="{BB962C8B-B14F-4D97-AF65-F5344CB8AC3E}">
-        <p14:creationId xmlns:p14="http://schemas.microsoft.com/office/powerpoint/2010/main" val="1367050823"/>
+        <p14:creationId xmlns:p14="http://schemas.microsoft.com/office/powerpoint/2010/main" val="721739958"/>
       </p:ext>
     </p:extLst>
   </p:cSld>
@@ -4995,7 +5644,7 @@
           <p:cNvPr id="2" name="Title 1">
             <a:extLst>
               <a:ext uri="{FF2B5EF4-FFF2-40B4-BE49-F238E27FC236}">
-                <a16:creationId xmlns:a16="http://schemas.microsoft.com/office/drawing/2014/main" id="{18B92BD7-553C-4A3D-9FE1-4EEC4FD77322}"/>
+                <a16:creationId xmlns:a16="http://schemas.microsoft.com/office/drawing/2014/main" id="{2410D0D2-75EB-48A5-B504-0D0356EB6C4E}"/>
               </a:ext>
             </a:extLst>
           </p:cNvPr>
@@ -5013,7 +5662,7 @@
           <a:p>
             <a:r>
               <a:rPr lang="en-US" dirty="0"/>
-              <a:t>Materials		</a:t>
+              <a:t>CUT &amp; RUN example</a:t>
             </a:r>
           </a:p>
         </p:txBody>
@@ -5023,7 +5672,7 @@
           <p:cNvPr id="3" name="Content Placeholder 2">
             <a:extLst>
               <a:ext uri="{FF2B5EF4-FFF2-40B4-BE49-F238E27FC236}">
-                <a16:creationId xmlns:a16="http://schemas.microsoft.com/office/drawing/2014/main" id="{CAB31F55-2E83-4FFF-BBF8-F7069746625D}"/>
+                <a16:creationId xmlns:a16="http://schemas.microsoft.com/office/drawing/2014/main" id="{91415104-750D-4A71-81EE-175E2AFCC880}"/>
               </a:ext>
             </a:extLst>
           </p:cNvPr>
@@ -5039,44 +5688,14 @@
           <a:bodyPr/>
           <a:lstStyle/>
           <a:p>
-            <a:r>
-              <a:rPr lang="en-US" dirty="0"/>
-              <a:t>Handouts</a:t>
-            </a:r>
-          </a:p>
-          <a:p>
-            <a:r>
-              <a:rPr lang="en-US" dirty="0"/>
-              <a:t>Questionnaire</a:t>
-            </a:r>
-          </a:p>
-          <a:p>
-            <a:r>
-              <a:rPr lang="en-US" dirty="0"/>
-              <a:t>Online doc</a:t>
-            </a:r>
-          </a:p>
-          <a:p>
-            <a:r>
-              <a:rPr lang="en-US" dirty="0"/>
-              <a:t>Terminal</a:t>
-            </a:r>
-          </a:p>
-          <a:p>
-            <a:r>
-              <a:rPr lang="en-US" dirty="0"/>
-              <a:t>Ppt</a:t>
-            </a:r>
-          </a:p>
-          <a:p>
-            <a:endParaRPr lang="en-US" dirty="0"/>
+            <a:endParaRPr lang="en-US"/>
           </a:p>
         </p:txBody>
       </p:sp>
     </p:spTree>
     <p:extLst>
       <p:ext uri="{BB962C8B-B14F-4D97-AF65-F5344CB8AC3E}">
-        <p14:creationId xmlns:p14="http://schemas.microsoft.com/office/powerpoint/2010/main" val="1730204385"/>
+        <p14:creationId xmlns:p14="http://schemas.microsoft.com/office/powerpoint/2010/main" val="1367050823"/>
       </p:ext>
     </p:extLst>
   </p:cSld>
@@ -5108,7 +5727,7 @@
           <p:cNvPr id="2" name="Title 1">
             <a:extLst>
               <a:ext uri="{FF2B5EF4-FFF2-40B4-BE49-F238E27FC236}">
-                <a16:creationId xmlns:a16="http://schemas.microsoft.com/office/drawing/2014/main" id="{2075DC17-8697-49D6-97F8-73889DD435FA}"/>
+                <a16:creationId xmlns:a16="http://schemas.microsoft.com/office/drawing/2014/main" id="{18B92BD7-553C-4A3D-9FE1-4EEC4FD77322}"/>
               </a:ext>
             </a:extLst>
           </p:cNvPr>
@@ -5126,7 +5745,7 @@
           <a:p>
             <a:r>
               <a:rPr lang="en-US" dirty="0"/>
-              <a:t>Software requirements analysis</a:t>
+              <a:t>Materials		</a:t>
             </a:r>
           </a:p>
         </p:txBody>
@@ -5136,7 +5755,7 @@
           <p:cNvPr id="3" name="Content Placeholder 2">
             <a:extLst>
               <a:ext uri="{FF2B5EF4-FFF2-40B4-BE49-F238E27FC236}">
-                <a16:creationId xmlns:a16="http://schemas.microsoft.com/office/drawing/2014/main" id="{6E7D4C32-4496-4085-BF95-75FF1991E6A6}"/>
+                <a16:creationId xmlns:a16="http://schemas.microsoft.com/office/drawing/2014/main" id="{CAB31F55-2E83-4FFF-BBF8-F7069746625D}"/>
               </a:ext>
             </a:extLst>
           </p:cNvPr>
@@ -5147,100 +5766,41 @@
             <p:ph idx="1"/>
           </p:nvPr>
         </p:nvSpPr>
-        <p:spPr>
-          <a:xfrm>
-            <a:off x="838200" y="1825624"/>
-            <a:ext cx="10515600" cy="4944291"/>
-          </a:xfrm>
-        </p:spPr>
-        <p:txBody>
-          <a:bodyPr>
-            <a:normAutofit lnSpcReduction="10000"/>
-          </a:bodyPr>
+        <p:spPr/>
+        <p:txBody>
+          <a:bodyPr/>
           <a:lstStyle/>
           <a:p>
             <a:r>
               <a:rPr lang="en-US" dirty="0"/>
-              <a:t>Adapting and automating previous pipelines</a:t>
+              <a:t>Handouts</a:t>
             </a:r>
           </a:p>
           <a:p>
             <a:r>
               <a:rPr lang="en-US" dirty="0"/>
-              <a:t>Minimizing computation time</a:t>
+              <a:t>Questionnaire</a:t>
             </a:r>
           </a:p>
           <a:p>
             <a:r>
               <a:rPr lang="en-US" dirty="0"/>
-              <a:t>Creating user-friendly interface</a:t>
-            </a:r>
-          </a:p>
-          <a:p>
-            <a:pPr lvl="1"/>
+              <a:t>Online doc</a:t>
+            </a:r>
+          </a:p>
+          <a:p>
             <a:r>
               <a:rPr lang="en-US" dirty="0"/>
-              <a:t>Online end-user documentation</a:t>
-            </a:r>
-          </a:p>
-          <a:p>
-            <a:pPr lvl="1"/>
+              <a:t>Terminal</a:t>
+            </a:r>
+          </a:p>
+          <a:p>
             <a:r>
               <a:rPr lang="en-US" dirty="0"/>
-              <a:t>Email notification system</a:t>
-            </a:r>
-          </a:p>
-          <a:p>
-            <a:pPr lvl="1"/>
-            <a:r>
-              <a:rPr lang="en-US" dirty="0"/>
-              <a:t>Bug/Error notification system</a:t>
-            </a:r>
-          </a:p>
-          <a:p>
-            <a:pPr lvl="1"/>
-            <a:r>
-              <a:rPr lang="en-US" dirty="0"/>
-              <a:t>Visually-appealing reports</a:t>
-            </a:r>
-          </a:p>
-          <a:p>
-            <a:pPr lvl="1"/>
-            <a:endParaRPr lang="en-US" dirty="0"/>
-          </a:p>
-          <a:p>
-            <a:r>
-              <a:rPr lang="en-US" dirty="0"/>
-              <a:t>Reducing user’s mental effort  </a:t>
-            </a:r>
-          </a:p>
-          <a:p>
-            <a:pPr lvl="1"/>
-            <a:r>
-              <a:rPr lang="en-US" dirty="0"/>
-              <a:t>Free of installation &amp; ready to use</a:t>
-            </a:r>
-          </a:p>
-          <a:p>
-            <a:pPr lvl="1"/>
-            <a:r>
-              <a:rPr lang="en-US" dirty="0"/>
-              <a:t>Simple input files preparation</a:t>
-            </a:r>
-          </a:p>
-          <a:p>
-            <a:pPr lvl="1"/>
-            <a:r>
-              <a:rPr lang="en-US" dirty="0"/>
-              <a:t>Easy search for appropriate APIs</a:t>
-            </a:r>
-          </a:p>
-          <a:p>
-            <a:pPr lvl="1"/>
-            <a:endParaRPr lang="en-US" dirty="0"/>
-          </a:p>
-          <a:p>
-            <a:pPr lvl="1"/>
+              <a:t>Ppt</a:t>
+            </a:r>
+          </a:p>
+          <a:p>
             <a:endParaRPr lang="en-US" dirty="0"/>
           </a:p>
         </p:txBody>
@@ -5248,7 +5808,7 @@
     </p:spTree>
     <p:extLst>
       <p:ext uri="{BB962C8B-B14F-4D97-AF65-F5344CB8AC3E}">
-        <p14:creationId xmlns:p14="http://schemas.microsoft.com/office/powerpoint/2010/main" val="3943673360"/>
+        <p14:creationId xmlns:p14="http://schemas.microsoft.com/office/powerpoint/2010/main" val="1730204385"/>
       </p:ext>
     </p:extLst>
   </p:cSld>
@@ -5280,7 +5840,7 @@
           <p:cNvPr id="2" name="Title 1">
             <a:extLst>
               <a:ext uri="{FF2B5EF4-FFF2-40B4-BE49-F238E27FC236}">
-                <a16:creationId xmlns:a16="http://schemas.microsoft.com/office/drawing/2014/main" id="{9C87775C-559D-4E96-9FAB-9904F9A04E19}"/>
+                <a16:creationId xmlns:a16="http://schemas.microsoft.com/office/drawing/2014/main" id="{2075DC17-8697-49D6-97F8-73889DD435FA}"/>
               </a:ext>
             </a:extLst>
           </p:cNvPr>
@@ -5298,7 +5858,7 @@
           <a:p>
             <a:r>
               <a:rPr lang="en-US" dirty="0"/>
-              <a:t>Linux 101</a:t>
+              <a:t>Software requirements analysis</a:t>
             </a:r>
           </a:p>
         </p:txBody>
@@ -5308,7 +5868,7 @@
           <p:cNvPr id="3" name="Content Placeholder 2">
             <a:extLst>
               <a:ext uri="{FF2B5EF4-FFF2-40B4-BE49-F238E27FC236}">
-                <a16:creationId xmlns:a16="http://schemas.microsoft.com/office/drawing/2014/main" id="{895A7F71-E7CB-4CD8-A8A1-C163C0F6A6E4}"/>
+                <a16:creationId xmlns:a16="http://schemas.microsoft.com/office/drawing/2014/main" id="{6E7D4C32-4496-4085-BF95-75FF1991E6A6}"/>
               </a:ext>
             </a:extLst>
           </p:cNvPr>
@@ -5319,19 +5879,108 @@
             <p:ph idx="1"/>
           </p:nvPr>
         </p:nvSpPr>
-        <p:spPr/>
-        <p:txBody>
-          <a:bodyPr/>
-          <a:lstStyle/>
-          <a:p>
-            <a:endParaRPr lang="en-US"/>
+        <p:spPr>
+          <a:xfrm>
+            <a:off x="838200" y="1825624"/>
+            <a:ext cx="10515600" cy="4944291"/>
+          </a:xfrm>
+        </p:spPr>
+        <p:txBody>
+          <a:bodyPr>
+            <a:normAutofit lnSpcReduction="10000"/>
+          </a:bodyPr>
+          <a:lstStyle/>
+          <a:p>
+            <a:r>
+              <a:rPr lang="en-US" dirty="0"/>
+              <a:t>Adapting and automating previous pipelines</a:t>
+            </a:r>
+          </a:p>
+          <a:p>
+            <a:r>
+              <a:rPr lang="en-US" dirty="0"/>
+              <a:t>Minimizing computation time</a:t>
+            </a:r>
+          </a:p>
+          <a:p>
+            <a:r>
+              <a:rPr lang="en-US" dirty="0"/>
+              <a:t>Creating user-friendly interface</a:t>
+            </a:r>
+          </a:p>
+          <a:p>
+            <a:pPr lvl="1"/>
+            <a:r>
+              <a:rPr lang="en-US" dirty="0"/>
+              <a:t>Online end-user documentation</a:t>
+            </a:r>
+          </a:p>
+          <a:p>
+            <a:pPr lvl="1"/>
+            <a:r>
+              <a:rPr lang="en-US" dirty="0"/>
+              <a:t>Email notification system</a:t>
+            </a:r>
+          </a:p>
+          <a:p>
+            <a:pPr lvl="1"/>
+            <a:r>
+              <a:rPr lang="en-US" dirty="0"/>
+              <a:t>Bug/Error notification system</a:t>
+            </a:r>
+          </a:p>
+          <a:p>
+            <a:pPr lvl="1"/>
+            <a:r>
+              <a:rPr lang="en-US" dirty="0"/>
+              <a:t>Visually-appealing reports</a:t>
+            </a:r>
+          </a:p>
+          <a:p>
+            <a:pPr lvl="1"/>
+            <a:endParaRPr lang="en-US" dirty="0"/>
+          </a:p>
+          <a:p>
+            <a:r>
+              <a:rPr lang="en-US" dirty="0"/>
+              <a:t>Reducing user’s mental effort  </a:t>
+            </a:r>
+          </a:p>
+          <a:p>
+            <a:pPr lvl="1"/>
+            <a:r>
+              <a:rPr lang="en-US" dirty="0"/>
+              <a:t>Free of installation &amp; ready to use</a:t>
+            </a:r>
+          </a:p>
+          <a:p>
+            <a:pPr lvl="1"/>
+            <a:r>
+              <a:rPr lang="en-US" dirty="0"/>
+              <a:t>Simple input files preparation</a:t>
+            </a:r>
+          </a:p>
+          <a:p>
+            <a:pPr lvl="1"/>
+            <a:r>
+              <a:rPr lang="en-US" dirty="0"/>
+              <a:t>Easy search for appropriate APIs</a:t>
+            </a:r>
+          </a:p>
+          <a:p>
+            <a:pPr lvl="1"/>
+            <a:endParaRPr lang="en-US" dirty="0"/>
+          </a:p>
+          <a:p>
+            <a:pPr lvl="1"/>
+            <a:endParaRPr lang="en-US" dirty="0"/>
           </a:p>
         </p:txBody>
       </p:sp>
     </p:spTree>
     <p:extLst>
       <p:ext uri="{BB962C8B-B14F-4D97-AF65-F5344CB8AC3E}">
-        <p14:creationId xmlns:p14="http://schemas.microsoft.com/office/powerpoint/2010/main" val="646229792"/>
+        <p14:creationId xmlns:p14="http://schemas.microsoft.com/office/powerpoint/2010/main" val="3943673360"/>
       </p:ext>
     </p:extLst>
   </p:cSld>
@@ -5363,7 +6012,7 @@
           <p:cNvPr id="2" name="Title 1">
             <a:extLst>
               <a:ext uri="{FF2B5EF4-FFF2-40B4-BE49-F238E27FC236}">
-                <a16:creationId xmlns:a16="http://schemas.microsoft.com/office/drawing/2014/main" id="{BF30E243-E41F-4AB6-811E-7D3D625BE204}"/>
+                <a16:creationId xmlns:a16="http://schemas.microsoft.com/office/drawing/2014/main" id="{9C87775C-559D-4E96-9FAB-9904F9A04E19}"/>
               </a:ext>
             </a:extLst>
           </p:cNvPr>
@@ -5379,7 +6028,10 @@
           <a:bodyPr/>
           <a:lstStyle/>
           <a:p>
-            <a:endParaRPr lang="en-US"/>
+            <a:r>
+              <a:rPr lang="en-US" dirty="0"/>
+              <a:t>Linux 101</a:t>
+            </a:r>
           </a:p>
         </p:txBody>
       </p:sp>
@@ -5388,7 +6040,7 @@
           <p:cNvPr id="3" name="Content Placeholder 2">
             <a:extLst>
               <a:ext uri="{FF2B5EF4-FFF2-40B4-BE49-F238E27FC236}">
-                <a16:creationId xmlns:a16="http://schemas.microsoft.com/office/drawing/2014/main" id="{B7EFCA1B-4EFB-434E-8F89-D1DB1B0FCB82}"/>
+                <a16:creationId xmlns:a16="http://schemas.microsoft.com/office/drawing/2014/main" id="{895A7F71-E7CB-4CD8-A8A1-C163C0F6A6E4}"/>
               </a:ext>
             </a:extLst>
           </p:cNvPr>
@@ -5411,7 +6063,7 @@
     </p:spTree>
     <p:extLst>
       <p:ext uri="{BB962C8B-B14F-4D97-AF65-F5344CB8AC3E}">
-        <p14:creationId xmlns:p14="http://schemas.microsoft.com/office/powerpoint/2010/main" val="3678665510"/>
+        <p14:creationId xmlns:p14="http://schemas.microsoft.com/office/powerpoint/2010/main" val="646229792"/>
       </p:ext>
     </p:extLst>
   </p:cSld>
@@ -5573,7 +6225,7 @@
           <p:cNvPr id="2" name="Title 1">
             <a:extLst>
               <a:ext uri="{FF2B5EF4-FFF2-40B4-BE49-F238E27FC236}">
-                <a16:creationId xmlns:a16="http://schemas.microsoft.com/office/drawing/2014/main" id="{4D1A330E-AB09-43E6-BBA1-E89C7300DB1C}"/>
+                <a16:creationId xmlns:a16="http://schemas.microsoft.com/office/drawing/2014/main" id="{BF30E243-E41F-4AB6-811E-7D3D625BE204}"/>
               </a:ext>
             </a:extLst>
           </p:cNvPr>
@@ -5598,7 +6250,7 @@
           <p:cNvPr id="3" name="Content Placeholder 2">
             <a:extLst>
               <a:ext uri="{FF2B5EF4-FFF2-40B4-BE49-F238E27FC236}">
-                <a16:creationId xmlns:a16="http://schemas.microsoft.com/office/drawing/2014/main" id="{9579253A-45A7-4238-AAE0-6946A8093D51}"/>
+                <a16:creationId xmlns:a16="http://schemas.microsoft.com/office/drawing/2014/main" id="{B7EFCA1B-4EFB-434E-8F89-D1DB1B0FCB82}"/>
               </a:ext>
             </a:extLst>
           </p:cNvPr>
@@ -5621,7 +6273,7 @@
     </p:spTree>
     <p:extLst>
       <p:ext uri="{BB962C8B-B14F-4D97-AF65-F5344CB8AC3E}">
-        <p14:creationId xmlns:p14="http://schemas.microsoft.com/office/powerpoint/2010/main" val="2195159436"/>
+        <p14:creationId xmlns:p14="http://schemas.microsoft.com/office/powerpoint/2010/main" val="3678665510"/>
       </p:ext>
     </p:extLst>
   </p:cSld>
@@ -5653,7 +6305,7 @@
           <p:cNvPr id="2" name="Title 1">
             <a:extLst>
               <a:ext uri="{FF2B5EF4-FFF2-40B4-BE49-F238E27FC236}">
-                <a16:creationId xmlns:a16="http://schemas.microsoft.com/office/drawing/2014/main" id="{B0E5B5FB-D096-4060-9B99-386CE7229307}"/>
+                <a16:creationId xmlns:a16="http://schemas.microsoft.com/office/drawing/2014/main" id="{4D1A330E-AB09-43E6-BBA1-E89C7300DB1C}"/>
               </a:ext>
             </a:extLst>
           </p:cNvPr>
@@ -5678,7 +6330,7 @@
           <p:cNvPr id="3" name="Content Placeholder 2">
             <a:extLst>
               <a:ext uri="{FF2B5EF4-FFF2-40B4-BE49-F238E27FC236}">
-                <a16:creationId xmlns:a16="http://schemas.microsoft.com/office/drawing/2014/main" id="{9199B12A-1512-4297-8892-AA70B7D7447F}"/>
+                <a16:creationId xmlns:a16="http://schemas.microsoft.com/office/drawing/2014/main" id="{9579253A-45A7-4238-AAE0-6946A8093D51}"/>
               </a:ext>
             </a:extLst>
           </p:cNvPr>
@@ -5701,7 +6353,7 @@
     </p:spTree>
     <p:extLst>
       <p:ext uri="{BB962C8B-B14F-4D97-AF65-F5344CB8AC3E}">
-        <p14:creationId xmlns:p14="http://schemas.microsoft.com/office/powerpoint/2010/main" val="997304681"/>
+        <p14:creationId xmlns:p14="http://schemas.microsoft.com/office/powerpoint/2010/main" val="2195159436"/>
       </p:ext>
     </p:extLst>
   </p:cSld>
@@ -5733,7 +6385,7 @@
           <p:cNvPr id="2" name="Title 1">
             <a:extLst>
               <a:ext uri="{FF2B5EF4-FFF2-40B4-BE49-F238E27FC236}">
-                <a16:creationId xmlns:a16="http://schemas.microsoft.com/office/drawing/2014/main" id="{B6380AE6-1C85-4482-BF45-AF5B693B88FE}"/>
+                <a16:creationId xmlns:a16="http://schemas.microsoft.com/office/drawing/2014/main" id="{B0E5B5FB-D096-4060-9B99-386CE7229307}"/>
               </a:ext>
             </a:extLst>
           </p:cNvPr>
@@ -5758,7 +6410,7 @@
           <p:cNvPr id="3" name="Content Placeholder 2">
             <a:extLst>
               <a:ext uri="{FF2B5EF4-FFF2-40B4-BE49-F238E27FC236}">
-                <a16:creationId xmlns:a16="http://schemas.microsoft.com/office/drawing/2014/main" id="{C328AE24-37EF-4B54-9CEA-F816B96C5615}"/>
+                <a16:creationId xmlns:a16="http://schemas.microsoft.com/office/drawing/2014/main" id="{9199B12A-1512-4297-8892-AA70B7D7447F}"/>
               </a:ext>
             </a:extLst>
           </p:cNvPr>
@@ -5781,7 +6433,7 @@
     </p:spTree>
     <p:extLst>
       <p:ext uri="{BB962C8B-B14F-4D97-AF65-F5344CB8AC3E}">
-        <p14:creationId xmlns:p14="http://schemas.microsoft.com/office/powerpoint/2010/main" val="1048469740"/>
+        <p14:creationId xmlns:p14="http://schemas.microsoft.com/office/powerpoint/2010/main" val="997304681"/>
       </p:ext>
     </p:extLst>
   </p:cSld>
@@ -5813,7 +6465,7 @@
           <p:cNvPr id="2" name="Title 1">
             <a:extLst>
               <a:ext uri="{FF2B5EF4-FFF2-40B4-BE49-F238E27FC236}">
-                <a16:creationId xmlns:a16="http://schemas.microsoft.com/office/drawing/2014/main" id="{0AFD2B6C-3F2D-4A1F-8936-ECA641AD200D}"/>
+                <a16:creationId xmlns:a16="http://schemas.microsoft.com/office/drawing/2014/main" id="{B6380AE6-1C85-4482-BF45-AF5B693B88FE}"/>
               </a:ext>
             </a:extLst>
           </p:cNvPr>
@@ -5838,7 +6490,7 @@
           <p:cNvPr id="3" name="Content Placeholder 2">
             <a:extLst>
               <a:ext uri="{FF2B5EF4-FFF2-40B4-BE49-F238E27FC236}">
-                <a16:creationId xmlns:a16="http://schemas.microsoft.com/office/drawing/2014/main" id="{52752CB9-238A-4812-80A8-D4F6AD17F416}"/>
+                <a16:creationId xmlns:a16="http://schemas.microsoft.com/office/drawing/2014/main" id="{C328AE24-37EF-4B54-9CEA-F816B96C5615}"/>
               </a:ext>
             </a:extLst>
           </p:cNvPr>
@@ -5861,7 +6513,7 @@
     </p:spTree>
     <p:extLst>
       <p:ext uri="{BB962C8B-B14F-4D97-AF65-F5344CB8AC3E}">
-        <p14:creationId xmlns:p14="http://schemas.microsoft.com/office/powerpoint/2010/main" val="244501545"/>
+        <p14:creationId xmlns:p14="http://schemas.microsoft.com/office/powerpoint/2010/main" val="1048469740"/>
       </p:ext>
     </p:extLst>
   </p:cSld>
@@ -5893,7 +6545,7 @@
           <p:cNvPr id="2" name="Title 1">
             <a:extLst>
               <a:ext uri="{FF2B5EF4-FFF2-40B4-BE49-F238E27FC236}">
-                <a16:creationId xmlns:a16="http://schemas.microsoft.com/office/drawing/2014/main" id="{A2C5BC2B-DEEC-49EE-B6C5-A26F785C8CAE}"/>
+                <a16:creationId xmlns:a16="http://schemas.microsoft.com/office/drawing/2014/main" id="{0AFD2B6C-3F2D-4A1F-8936-ECA641AD200D}"/>
               </a:ext>
             </a:extLst>
           </p:cNvPr>
@@ -5918,7 +6570,7 @@
           <p:cNvPr id="3" name="Content Placeholder 2">
             <a:extLst>
               <a:ext uri="{FF2B5EF4-FFF2-40B4-BE49-F238E27FC236}">
-                <a16:creationId xmlns:a16="http://schemas.microsoft.com/office/drawing/2014/main" id="{FD086441-F7A3-49B4-BB99-64DF26FF8E53}"/>
+                <a16:creationId xmlns:a16="http://schemas.microsoft.com/office/drawing/2014/main" id="{52752CB9-238A-4812-80A8-D4F6AD17F416}"/>
               </a:ext>
             </a:extLst>
           </p:cNvPr>
@@ -5941,7 +6593,7 @@
     </p:spTree>
     <p:extLst>
       <p:ext uri="{BB962C8B-B14F-4D97-AF65-F5344CB8AC3E}">
-        <p14:creationId xmlns:p14="http://schemas.microsoft.com/office/powerpoint/2010/main" val="3358588205"/>
+        <p14:creationId xmlns:p14="http://schemas.microsoft.com/office/powerpoint/2010/main" val="244501545"/>
       </p:ext>
     </p:extLst>
   </p:cSld>
@@ -5973,6 +6625,86 @@
           <p:cNvPr id="2" name="Title 1">
             <a:extLst>
               <a:ext uri="{FF2B5EF4-FFF2-40B4-BE49-F238E27FC236}">
+                <a16:creationId xmlns:a16="http://schemas.microsoft.com/office/drawing/2014/main" id="{A2C5BC2B-DEEC-49EE-B6C5-A26F785C8CAE}"/>
+              </a:ext>
+            </a:extLst>
+          </p:cNvPr>
+          <p:cNvSpPr>
+            <a:spLocks noGrp="1"/>
+          </p:cNvSpPr>
+          <p:nvPr>
+            <p:ph type="title"/>
+          </p:nvPr>
+        </p:nvSpPr>
+        <p:spPr/>
+        <p:txBody>
+          <a:bodyPr/>
+          <a:lstStyle/>
+          <a:p>
+            <a:endParaRPr lang="en-US"/>
+          </a:p>
+        </p:txBody>
+      </p:sp>
+      <p:sp>
+        <p:nvSpPr>
+          <p:cNvPr id="3" name="Content Placeholder 2">
+            <a:extLst>
+              <a:ext uri="{FF2B5EF4-FFF2-40B4-BE49-F238E27FC236}">
+                <a16:creationId xmlns:a16="http://schemas.microsoft.com/office/drawing/2014/main" id="{FD086441-F7A3-49B4-BB99-64DF26FF8E53}"/>
+              </a:ext>
+            </a:extLst>
+          </p:cNvPr>
+          <p:cNvSpPr>
+            <a:spLocks noGrp="1"/>
+          </p:cNvSpPr>
+          <p:nvPr>
+            <p:ph idx="1"/>
+          </p:nvPr>
+        </p:nvSpPr>
+        <p:spPr/>
+        <p:txBody>
+          <a:bodyPr/>
+          <a:lstStyle/>
+          <a:p>
+            <a:endParaRPr lang="en-US"/>
+          </a:p>
+        </p:txBody>
+      </p:sp>
+    </p:spTree>
+    <p:extLst>
+      <p:ext uri="{BB962C8B-B14F-4D97-AF65-F5344CB8AC3E}">
+        <p14:creationId xmlns:p14="http://schemas.microsoft.com/office/powerpoint/2010/main" val="3358588205"/>
+      </p:ext>
+    </p:extLst>
+  </p:cSld>
+  <p:clrMapOvr>
+    <a:masterClrMapping/>
+  </p:clrMapOvr>
+</p:sld>
+</file>
+
+<file path=ppt/slides/slide26.xml><?xml version="1.0" encoding="utf-8"?>
+<p:sld xmlns:a="http://schemas.openxmlformats.org/drawingml/2006/main" xmlns:r="http://schemas.openxmlformats.org/officeDocument/2006/relationships" xmlns:p="http://schemas.openxmlformats.org/presentationml/2006/main">
+  <p:cSld>
+    <p:spTree>
+      <p:nvGrpSpPr>
+        <p:cNvPr id="1" name=""/>
+        <p:cNvGrpSpPr/>
+        <p:nvPr/>
+      </p:nvGrpSpPr>
+      <p:grpSpPr>
+        <a:xfrm>
+          <a:off x="0" y="0"/>
+          <a:ext cx="0" cy="0"/>
+          <a:chOff x="0" y="0"/>
+          <a:chExt cx="0" cy="0"/>
+        </a:xfrm>
+      </p:grpSpPr>
+      <p:sp>
+        <p:nvSpPr>
+          <p:cNvPr id="2" name="Title 1">
+            <a:extLst>
+              <a:ext uri="{FF2B5EF4-FFF2-40B4-BE49-F238E27FC236}">
                 <a16:creationId xmlns:a16="http://schemas.microsoft.com/office/drawing/2014/main" id="{471735B4-6033-4727-A189-1D63F97BD785}"/>
               </a:ext>
             </a:extLst>
@@ -6031,7 +6763,7 @@
 </p:sld>
 </file>
 
-<file path=ppt/slides/slide26.xml><?xml version="1.0" encoding="utf-8"?>
+<file path=ppt/slides/slide27.xml><?xml version="1.0" encoding="utf-8"?>
 <p:sld xmlns:a="http://schemas.openxmlformats.org/drawingml/2006/main" xmlns:r="http://schemas.openxmlformats.org/officeDocument/2006/relationships" xmlns:p="http://schemas.openxmlformats.org/presentationml/2006/main">
   <p:cSld>
     <p:spTree>

--- a/HemTools Tutorial.pptx
+++ b/HemTools Tutorial.pptx
@@ -21,17 +21,6 @@
     <p:sldId id="275" r:id="rId15"/>
     <p:sldId id="283" r:id="rId16"/>
     <p:sldId id="261" r:id="rId17"/>
-    <p:sldId id="269" r:id="rId18"/>
-    <p:sldId id="257" r:id="rId19"/>
-    <p:sldId id="259" r:id="rId20"/>
-    <p:sldId id="260" r:id="rId21"/>
-    <p:sldId id="262" r:id="rId22"/>
-    <p:sldId id="263" r:id="rId23"/>
-    <p:sldId id="264" r:id="rId24"/>
-    <p:sldId id="265" r:id="rId25"/>
-    <p:sldId id="266" r:id="rId26"/>
-    <p:sldId id="267" r:id="rId27"/>
-    <p:sldId id="268" r:id="rId28"/>
   </p:sldIdLst>
   <p:sldSz cx="12192000" cy="6858000"/>
   <p:notesSz cx="6858000" cy="9144000"/>
@@ -3405,7 +3394,22 @@
           <a:bodyPr/>
           <a:lstStyle/>
           <a:p>
-            <a:endParaRPr lang="en-US" dirty="0"/>
+            <a:r>
+              <a:rPr lang="en-US" dirty="0"/>
+              <a:t>4-18-2019</a:t>
+            </a:r>
+          </a:p>
+          <a:p>
+            <a:r>
+              <a:rPr lang="en-US" dirty="0"/>
+              <a:t>Yichao Li</a:t>
+            </a:r>
+          </a:p>
+          <a:p>
+            <a:r>
+              <a:rPr lang="en-US" dirty="0"/>
+              <a:t>Yichao.Li@stjude.org</a:t>
+            </a:r>
           </a:p>
         </p:txBody>
       </p:sp>
@@ -5705,374 +5709,6 @@
 </p:sld>
 </file>
 
-<file path=ppt/slides/slide17.xml><?xml version="1.0" encoding="utf-8"?>
-<p:sld xmlns:a="http://schemas.openxmlformats.org/drawingml/2006/main" xmlns:r="http://schemas.openxmlformats.org/officeDocument/2006/relationships" xmlns:p="http://schemas.openxmlformats.org/presentationml/2006/main">
-  <p:cSld>
-    <p:spTree>
-      <p:nvGrpSpPr>
-        <p:cNvPr id="1" name=""/>
-        <p:cNvGrpSpPr/>
-        <p:nvPr/>
-      </p:nvGrpSpPr>
-      <p:grpSpPr>
-        <a:xfrm>
-          <a:off x="0" y="0"/>
-          <a:ext cx="0" cy="0"/>
-          <a:chOff x="0" y="0"/>
-          <a:chExt cx="0" cy="0"/>
-        </a:xfrm>
-      </p:grpSpPr>
-      <p:sp>
-        <p:nvSpPr>
-          <p:cNvPr id="2" name="Title 1">
-            <a:extLst>
-              <a:ext uri="{FF2B5EF4-FFF2-40B4-BE49-F238E27FC236}">
-                <a16:creationId xmlns:a16="http://schemas.microsoft.com/office/drawing/2014/main" id="{18B92BD7-553C-4A3D-9FE1-4EEC4FD77322}"/>
-              </a:ext>
-            </a:extLst>
-          </p:cNvPr>
-          <p:cNvSpPr>
-            <a:spLocks noGrp="1"/>
-          </p:cNvSpPr>
-          <p:nvPr>
-            <p:ph type="title"/>
-          </p:nvPr>
-        </p:nvSpPr>
-        <p:spPr/>
-        <p:txBody>
-          <a:bodyPr/>
-          <a:lstStyle/>
-          <a:p>
-            <a:r>
-              <a:rPr lang="en-US" dirty="0"/>
-              <a:t>Materials		</a:t>
-            </a:r>
-          </a:p>
-        </p:txBody>
-      </p:sp>
-      <p:sp>
-        <p:nvSpPr>
-          <p:cNvPr id="3" name="Content Placeholder 2">
-            <a:extLst>
-              <a:ext uri="{FF2B5EF4-FFF2-40B4-BE49-F238E27FC236}">
-                <a16:creationId xmlns:a16="http://schemas.microsoft.com/office/drawing/2014/main" id="{CAB31F55-2E83-4FFF-BBF8-F7069746625D}"/>
-              </a:ext>
-            </a:extLst>
-          </p:cNvPr>
-          <p:cNvSpPr>
-            <a:spLocks noGrp="1"/>
-          </p:cNvSpPr>
-          <p:nvPr>
-            <p:ph idx="1"/>
-          </p:nvPr>
-        </p:nvSpPr>
-        <p:spPr/>
-        <p:txBody>
-          <a:bodyPr/>
-          <a:lstStyle/>
-          <a:p>
-            <a:r>
-              <a:rPr lang="en-US" dirty="0"/>
-              <a:t>Handouts</a:t>
-            </a:r>
-          </a:p>
-          <a:p>
-            <a:r>
-              <a:rPr lang="en-US" dirty="0"/>
-              <a:t>Questionnaire</a:t>
-            </a:r>
-          </a:p>
-          <a:p>
-            <a:r>
-              <a:rPr lang="en-US" dirty="0"/>
-              <a:t>Online doc</a:t>
-            </a:r>
-          </a:p>
-          <a:p>
-            <a:r>
-              <a:rPr lang="en-US" dirty="0"/>
-              <a:t>Terminal</a:t>
-            </a:r>
-          </a:p>
-          <a:p>
-            <a:r>
-              <a:rPr lang="en-US" dirty="0"/>
-              <a:t>Ppt</a:t>
-            </a:r>
-          </a:p>
-          <a:p>
-            <a:endParaRPr lang="en-US" dirty="0"/>
-          </a:p>
-        </p:txBody>
-      </p:sp>
-    </p:spTree>
-    <p:extLst>
-      <p:ext uri="{BB962C8B-B14F-4D97-AF65-F5344CB8AC3E}">
-        <p14:creationId xmlns:p14="http://schemas.microsoft.com/office/powerpoint/2010/main" val="1730204385"/>
-      </p:ext>
-    </p:extLst>
-  </p:cSld>
-  <p:clrMapOvr>
-    <a:masterClrMapping/>
-  </p:clrMapOvr>
-</p:sld>
-</file>
-
-<file path=ppt/slides/slide18.xml><?xml version="1.0" encoding="utf-8"?>
-<p:sld xmlns:a="http://schemas.openxmlformats.org/drawingml/2006/main" xmlns:r="http://schemas.openxmlformats.org/officeDocument/2006/relationships" xmlns:p="http://schemas.openxmlformats.org/presentationml/2006/main">
-  <p:cSld>
-    <p:spTree>
-      <p:nvGrpSpPr>
-        <p:cNvPr id="1" name=""/>
-        <p:cNvGrpSpPr/>
-        <p:nvPr/>
-      </p:nvGrpSpPr>
-      <p:grpSpPr>
-        <a:xfrm>
-          <a:off x="0" y="0"/>
-          <a:ext cx="0" cy="0"/>
-          <a:chOff x="0" y="0"/>
-          <a:chExt cx="0" cy="0"/>
-        </a:xfrm>
-      </p:grpSpPr>
-      <p:sp>
-        <p:nvSpPr>
-          <p:cNvPr id="2" name="Title 1">
-            <a:extLst>
-              <a:ext uri="{FF2B5EF4-FFF2-40B4-BE49-F238E27FC236}">
-                <a16:creationId xmlns:a16="http://schemas.microsoft.com/office/drawing/2014/main" id="{2075DC17-8697-49D6-97F8-73889DD435FA}"/>
-              </a:ext>
-            </a:extLst>
-          </p:cNvPr>
-          <p:cNvSpPr>
-            <a:spLocks noGrp="1"/>
-          </p:cNvSpPr>
-          <p:nvPr>
-            <p:ph type="title"/>
-          </p:nvPr>
-        </p:nvSpPr>
-        <p:spPr/>
-        <p:txBody>
-          <a:bodyPr/>
-          <a:lstStyle/>
-          <a:p>
-            <a:r>
-              <a:rPr lang="en-US" dirty="0"/>
-              <a:t>Software requirements analysis</a:t>
-            </a:r>
-          </a:p>
-        </p:txBody>
-      </p:sp>
-      <p:sp>
-        <p:nvSpPr>
-          <p:cNvPr id="3" name="Content Placeholder 2">
-            <a:extLst>
-              <a:ext uri="{FF2B5EF4-FFF2-40B4-BE49-F238E27FC236}">
-                <a16:creationId xmlns:a16="http://schemas.microsoft.com/office/drawing/2014/main" id="{6E7D4C32-4496-4085-BF95-75FF1991E6A6}"/>
-              </a:ext>
-            </a:extLst>
-          </p:cNvPr>
-          <p:cNvSpPr>
-            <a:spLocks noGrp="1"/>
-          </p:cNvSpPr>
-          <p:nvPr>
-            <p:ph idx="1"/>
-          </p:nvPr>
-        </p:nvSpPr>
-        <p:spPr>
-          <a:xfrm>
-            <a:off x="838200" y="1825624"/>
-            <a:ext cx="10515600" cy="4944291"/>
-          </a:xfrm>
-        </p:spPr>
-        <p:txBody>
-          <a:bodyPr>
-            <a:normAutofit lnSpcReduction="10000"/>
-          </a:bodyPr>
-          <a:lstStyle/>
-          <a:p>
-            <a:r>
-              <a:rPr lang="en-US" dirty="0"/>
-              <a:t>Adapting and automating previous pipelines</a:t>
-            </a:r>
-          </a:p>
-          <a:p>
-            <a:r>
-              <a:rPr lang="en-US" dirty="0"/>
-              <a:t>Minimizing computation time</a:t>
-            </a:r>
-          </a:p>
-          <a:p>
-            <a:r>
-              <a:rPr lang="en-US" dirty="0"/>
-              <a:t>Creating user-friendly interface</a:t>
-            </a:r>
-          </a:p>
-          <a:p>
-            <a:pPr lvl="1"/>
-            <a:r>
-              <a:rPr lang="en-US" dirty="0"/>
-              <a:t>Online end-user documentation</a:t>
-            </a:r>
-          </a:p>
-          <a:p>
-            <a:pPr lvl="1"/>
-            <a:r>
-              <a:rPr lang="en-US" dirty="0"/>
-              <a:t>Email notification system</a:t>
-            </a:r>
-          </a:p>
-          <a:p>
-            <a:pPr lvl="1"/>
-            <a:r>
-              <a:rPr lang="en-US" dirty="0"/>
-              <a:t>Bug/Error notification system</a:t>
-            </a:r>
-          </a:p>
-          <a:p>
-            <a:pPr lvl="1"/>
-            <a:r>
-              <a:rPr lang="en-US" dirty="0"/>
-              <a:t>Visually-appealing reports</a:t>
-            </a:r>
-          </a:p>
-          <a:p>
-            <a:pPr lvl="1"/>
-            <a:endParaRPr lang="en-US" dirty="0"/>
-          </a:p>
-          <a:p>
-            <a:r>
-              <a:rPr lang="en-US" dirty="0"/>
-              <a:t>Reducing user’s mental effort  </a:t>
-            </a:r>
-          </a:p>
-          <a:p>
-            <a:pPr lvl="1"/>
-            <a:r>
-              <a:rPr lang="en-US" dirty="0"/>
-              <a:t>Free of installation &amp; ready to use</a:t>
-            </a:r>
-          </a:p>
-          <a:p>
-            <a:pPr lvl="1"/>
-            <a:r>
-              <a:rPr lang="en-US" dirty="0"/>
-              <a:t>Simple input files preparation</a:t>
-            </a:r>
-          </a:p>
-          <a:p>
-            <a:pPr lvl="1"/>
-            <a:r>
-              <a:rPr lang="en-US" dirty="0"/>
-              <a:t>Easy search for appropriate APIs</a:t>
-            </a:r>
-          </a:p>
-          <a:p>
-            <a:pPr lvl="1"/>
-            <a:endParaRPr lang="en-US" dirty="0"/>
-          </a:p>
-          <a:p>
-            <a:pPr lvl="1"/>
-            <a:endParaRPr lang="en-US" dirty="0"/>
-          </a:p>
-        </p:txBody>
-      </p:sp>
-    </p:spTree>
-    <p:extLst>
-      <p:ext uri="{BB962C8B-B14F-4D97-AF65-F5344CB8AC3E}">
-        <p14:creationId xmlns:p14="http://schemas.microsoft.com/office/powerpoint/2010/main" val="3943673360"/>
-      </p:ext>
-    </p:extLst>
-  </p:cSld>
-  <p:clrMapOvr>
-    <a:masterClrMapping/>
-  </p:clrMapOvr>
-</p:sld>
-</file>
-
-<file path=ppt/slides/slide19.xml><?xml version="1.0" encoding="utf-8"?>
-<p:sld xmlns:a="http://schemas.openxmlformats.org/drawingml/2006/main" xmlns:r="http://schemas.openxmlformats.org/officeDocument/2006/relationships" xmlns:p="http://schemas.openxmlformats.org/presentationml/2006/main">
-  <p:cSld>
-    <p:spTree>
-      <p:nvGrpSpPr>
-        <p:cNvPr id="1" name=""/>
-        <p:cNvGrpSpPr/>
-        <p:nvPr/>
-      </p:nvGrpSpPr>
-      <p:grpSpPr>
-        <a:xfrm>
-          <a:off x="0" y="0"/>
-          <a:ext cx="0" cy="0"/>
-          <a:chOff x="0" y="0"/>
-          <a:chExt cx="0" cy="0"/>
-        </a:xfrm>
-      </p:grpSpPr>
-      <p:sp>
-        <p:nvSpPr>
-          <p:cNvPr id="2" name="Title 1">
-            <a:extLst>
-              <a:ext uri="{FF2B5EF4-FFF2-40B4-BE49-F238E27FC236}">
-                <a16:creationId xmlns:a16="http://schemas.microsoft.com/office/drawing/2014/main" id="{9C87775C-559D-4E96-9FAB-9904F9A04E19}"/>
-              </a:ext>
-            </a:extLst>
-          </p:cNvPr>
-          <p:cNvSpPr>
-            <a:spLocks noGrp="1"/>
-          </p:cNvSpPr>
-          <p:nvPr>
-            <p:ph type="title"/>
-          </p:nvPr>
-        </p:nvSpPr>
-        <p:spPr/>
-        <p:txBody>
-          <a:bodyPr/>
-          <a:lstStyle/>
-          <a:p>
-            <a:r>
-              <a:rPr lang="en-US" dirty="0"/>
-              <a:t>Linux 101</a:t>
-            </a:r>
-          </a:p>
-        </p:txBody>
-      </p:sp>
-      <p:sp>
-        <p:nvSpPr>
-          <p:cNvPr id="3" name="Content Placeholder 2">
-            <a:extLst>
-              <a:ext uri="{FF2B5EF4-FFF2-40B4-BE49-F238E27FC236}">
-                <a16:creationId xmlns:a16="http://schemas.microsoft.com/office/drawing/2014/main" id="{895A7F71-E7CB-4CD8-A8A1-C163C0F6A6E4}"/>
-              </a:ext>
-            </a:extLst>
-          </p:cNvPr>
-          <p:cNvSpPr>
-            <a:spLocks noGrp="1"/>
-          </p:cNvSpPr>
-          <p:nvPr>
-            <p:ph idx="1"/>
-          </p:nvPr>
-        </p:nvSpPr>
-        <p:spPr/>
-        <p:txBody>
-          <a:bodyPr/>
-          <a:lstStyle/>
-          <a:p>
-            <a:endParaRPr lang="en-US"/>
-          </a:p>
-        </p:txBody>
-      </p:sp>
-    </p:spTree>
-    <p:extLst>
-      <p:ext uri="{BB962C8B-B14F-4D97-AF65-F5344CB8AC3E}">
-        <p14:creationId xmlns:p14="http://schemas.microsoft.com/office/powerpoint/2010/main" val="646229792"/>
-      </p:ext>
-    </p:extLst>
-  </p:cSld>
-  <p:clrMapOvr>
-    <a:masterClrMapping/>
-  </p:clrMapOvr>
-</p:sld>
-</file>
-
 <file path=ppt/slides/slide2.xml><?xml version="1.0" encoding="utf-8"?>
 <p:sld xmlns:a="http://schemas.openxmlformats.org/drawingml/2006/main" xmlns:r="http://schemas.openxmlformats.org/officeDocument/2006/relationships" xmlns:p="http://schemas.openxmlformats.org/presentationml/2006/main">
   <p:cSld>
@@ -6181,659 +5817,12 @@
               <a:t>CUT &amp; RUN</a:t>
             </a:r>
           </a:p>
-          <a:p>
-            <a:pPr lvl="1"/>
-            <a:r>
-              <a:rPr lang="en-US" dirty="0"/>
-              <a:t>CRISPR-seq</a:t>
-            </a:r>
-          </a:p>
         </p:txBody>
       </p:sp>
     </p:spTree>
     <p:extLst>
       <p:ext uri="{BB962C8B-B14F-4D97-AF65-F5344CB8AC3E}">
         <p14:creationId xmlns:p14="http://schemas.microsoft.com/office/powerpoint/2010/main" val="984044736"/>
-      </p:ext>
-    </p:extLst>
-  </p:cSld>
-  <p:clrMapOvr>
-    <a:masterClrMapping/>
-  </p:clrMapOvr>
-</p:sld>
-</file>
-
-<file path=ppt/slides/slide20.xml><?xml version="1.0" encoding="utf-8"?>
-<p:sld xmlns:a="http://schemas.openxmlformats.org/drawingml/2006/main" xmlns:r="http://schemas.openxmlformats.org/officeDocument/2006/relationships" xmlns:p="http://schemas.openxmlformats.org/presentationml/2006/main">
-  <p:cSld>
-    <p:spTree>
-      <p:nvGrpSpPr>
-        <p:cNvPr id="1" name=""/>
-        <p:cNvGrpSpPr/>
-        <p:nvPr/>
-      </p:nvGrpSpPr>
-      <p:grpSpPr>
-        <a:xfrm>
-          <a:off x="0" y="0"/>
-          <a:ext cx="0" cy="0"/>
-          <a:chOff x="0" y="0"/>
-          <a:chExt cx="0" cy="0"/>
-        </a:xfrm>
-      </p:grpSpPr>
-      <p:sp>
-        <p:nvSpPr>
-          <p:cNvPr id="2" name="Title 1">
-            <a:extLst>
-              <a:ext uri="{FF2B5EF4-FFF2-40B4-BE49-F238E27FC236}">
-                <a16:creationId xmlns:a16="http://schemas.microsoft.com/office/drawing/2014/main" id="{BF30E243-E41F-4AB6-811E-7D3D625BE204}"/>
-              </a:ext>
-            </a:extLst>
-          </p:cNvPr>
-          <p:cNvSpPr>
-            <a:spLocks noGrp="1"/>
-          </p:cNvSpPr>
-          <p:nvPr>
-            <p:ph type="title"/>
-          </p:nvPr>
-        </p:nvSpPr>
-        <p:spPr/>
-        <p:txBody>
-          <a:bodyPr/>
-          <a:lstStyle/>
-          <a:p>
-            <a:endParaRPr lang="en-US"/>
-          </a:p>
-        </p:txBody>
-      </p:sp>
-      <p:sp>
-        <p:nvSpPr>
-          <p:cNvPr id="3" name="Content Placeholder 2">
-            <a:extLst>
-              <a:ext uri="{FF2B5EF4-FFF2-40B4-BE49-F238E27FC236}">
-                <a16:creationId xmlns:a16="http://schemas.microsoft.com/office/drawing/2014/main" id="{B7EFCA1B-4EFB-434E-8F89-D1DB1B0FCB82}"/>
-              </a:ext>
-            </a:extLst>
-          </p:cNvPr>
-          <p:cNvSpPr>
-            <a:spLocks noGrp="1"/>
-          </p:cNvSpPr>
-          <p:nvPr>
-            <p:ph idx="1"/>
-          </p:nvPr>
-        </p:nvSpPr>
-        <p:spPr/>
-        <p:txBody>
-          <a:bodyPr/>
-          <a:lstStyle/>
-          <a:p>
-            <a:endParaRPr lang="en-US"/>
-          </a:p>
-        </p:txBody>
-      </p:sp>
-    </p:spTree>
-    <p:extLst>
-      <p:ext uri="{BB962C8B-B14F-4D97-AF65-F5344CB8AC3E}">
-        <p14:creationId xmlns:p14="http://schemas.microsoft.com/office/powerpoint/2010/main" val="3678665510"/>
-      </p:ext>
-    </p:extLst>
-  </p:cSld>
-  <p:clrMapOvr>
-    <a:masterClrMapping/>
-  </p:clrMapOvr>
-</p:sld>
-</file>
-
-<file path=ppt/slides/slide21.xml><?xml version="1.0" encoding="utf-8"?>
-<p:sld xmlns:a="http://schemas.openxmlformats.org/drawingml/2006/main" xmlns:r="http://schemas.openxmlformats.org/officeDocument/2006/relationships" xmlns:p="http://schemas.openxmlformats.org/presentationml/2006/main">
-  <p:cSld>
-    <p:spTree>
-      <p:nvGrpSpPr>
-        <p:cNvPr id="1" name=""/>
-        <p:cNvGrpSpPr/>
-        <p:nvPr/>
-      </p:nvGrpSpPr>
-      <p:grpSpPr>
-        <a:xfrm>
-          <a:off x="0" y="0"/>
-          <a:ext cx="0" cy="0"/>
-          <a:chOff x="0" y="0"/>
-          <a:chExt cx="0" cy="0"/>
-        </a:xfrm>
-      </p:grpSpPr>
-      <p:sp>
-        <p:nvSpPr>
-          <p:cNvPr id="2" name="Title 1">
-            <a:extLst>
-              <a:ext uri="{FF2B5EF4-FFF2-40B4-BE49-F238E27FC236}">
-                <a16:creationId xmlns:a16="http://schemas.microsoft.com/office/drawing/2014/main" id="{4D1A330E-AB09-43E6-BBA1-E89C7300DB1C}"/>
-              </a:ext>
-            </a:extLst>
-          </p:cNvPr>
-          <p:cNvSpPr>
-            <a:spLocks noGrp="1"/>
-          </p:cNvSpPr>
-          <p:nvPr>
-            <p:ph type="title"/>
-          </p:nvPr>
-        </p:nvSpPr>
-        <p:spPr/>
-        <p:txBody>
-          <a:bodyPr/>
-          <a:lstStyle/>
-          <a:p>
-            <a:endParaRPr lang="en-US"/>
-          </a:p>
-        </p:txBody>
-      </p:sp>
-      <p:sp>
-        <p:nvSpPr>
-          <p:cNvPr id="3" name="Content Placeholder 2">
-            <a:extLst>
-              <a:ext uri="{FF2B5EF4-FFF2-40B4-BE49-F238E27FC236}">
-                <a16:creationId xmlns:a16="http://schemas.microsoft.com/office/drawing/2014/main" id="{9579253A-45A7-4238-AAE0-6946A8093D51}"/>
-              </a:ext>
-            </a:extLst>
-          </p:cNvPr>
-          <p:cNvSpPr>
-            <a:spLocks noGrp="1"/>
-          </p:cNvSpPr>
-          <p:nvPr>
-            <p:ph idx="1"/>
-          </p:nvPr>
-        </p:nvSpPr>
-        <p:spPr/>
-        <p:txBody>
-          <a:bodyPr/>
-          <a:lstStyle/>
-          <a:p>
-            <a:endParaRPr lang="en-US"/>
-          </a:p>
-        </p:txBody>
-      </p:sp>
-    </p:spTree>
-    <p:extLst>
-      <p:ext uri="{BB962C8B-B14F-4D97-AF65-F5344CB8AC3E}">
-        <p14:creationId xmlns:p14="http://schemas.microsoft.com/office/powerpoint/2010/main" val="2195159436"/>
-      </p:ext>
-    </p:extLst>
-  </p:cSld>
-  <p:clrMapOvr>
-    <a:masterClrMapping/>
-  </p:clrMapOvr>
-</p:sld>
-</file>
-
-<file path=ppt/slides/slide22.xml><?xml version="1.0" encoding="utf-8"?>
-<p:sld xmlns:a="http://schemas.openxmlformats.org/drawingml/2006/main" xmlns:r="http://schemas.openxmlformats.org/officeDocument/2006/relationships" xmlns:p="http://schemas.openxmlformats.org/presentationml/2006/main">
-  <p:cSld>
-    <p:spTree>
-      <p:nvGrpSpPr>
-        <p:cNvPr id="1" name=""/>
-        <p:cNvGrpSpPr/>
-        <p:nvPr/>
-      </p:nvGrpSpPr>
-      <p:grpSpPr>
-        <a:xfrm>
-          <a:off x="0" y="0"/>
-          <a:ext cx="0" cy="0"/>
-          <a:chOff x="0" y="0"/>
-          <a:chExt cx="0" cy="0"/>
-        </a:xfrm>
-      </p:grpSpPr>
-      <p:sp>
-        <p:nvSpPr>
-          <p:cNvPr id="2" name="Title 1">
-            <a:extLst>
-              <a:ext uri="{FF2B5EF4-FFF2-40B4-BE49-F238E27FC236}">
-                <a16:creationId xmlns:a16="http://schemas.microsoft.com/office/drawing/2014/main" id="{B0E5B5FB-D096-4060-9B99-386CE7229307}"/>
-              </a:ext>
-            </a:extLst>
-          </p:cNvPr>
-          <p:cNvSpPr>
-            <a:spLocks noGrp="1"/>
-          </p:cNvSpPr>
-          <p:nvPr>
-            <p:ph type="title"/>
-          </p:nvPr>
-        </p:nvSpPr>
-        <p:spPr/>
-        <p:txBody>
-          <a:bodyPr/>
-          <a:lstStyle/>
-          <a:p>
-            <a:endParaRPr lang="en-US"/>
-          </a:p>
-        </p:txBody>
-      </p:sp>
-      <p:sp>
-        <p:nvSpPr>
-          <p:cNvPr id="3" name="Content Placeholder 2">
-            <a:extLst>
-              <a:ext uri="{FF2B5EF4-FFF2-40B4-BE49-F238E27FC236}">
-                <a16:creationId xmlns:a16="http://schemas.microsoft.com/office/drawing/2014/main" id="{9199B12A-1512-4297-8892-AA70B7D7447F}"/>
-              </a:ext>
-            </a:extLst>
-          </p:cNvPr>
-          <p:cNvSpPr>
-            <a:spLocks noGrp="1"/>
-          </p:cNvSpPr>
-          <p:nvPr>
-            <p:ph idx="1"/>
-          </p:nvPr>
-        </p:nvSpPr>
-        <p:spPr/>
-        <p:txBody>
-          <a:bodyPr/>
-          <a:lstStyle/>
-          <a:p>
-            <a:endParaRPr lang="en-US"/>
-          </a:p>
-        </p:txBody>
-      </p:sp>
-    </p:spTree>
-    <p:extLst>
-      <p:ext uri="{BB962C8B-B14F-4D97-AF65-F5344CB8AC3E}">
-        <p14:creationId xmlns:p14="http://schemas.microsoft.com/office/powerpoint/2010/main" val="997304681"/>
-      </p:ext>
-    </p:extLst>
-  </p:cSld>
-  <p:clrMapOvr>
-    <a:masterClrMapping/>
-  </p:clrMapOvr>
-</p:sld>
-</file>
-
-<file path=ppt/slides/slide23.xml><?xml version="1.0" encoding="utf-8"?>
-<p:sld xmlns:a="http://schemas.openxmlformats.org/drawingml/2006/main" xmlns:r="http://schemas.openxmlformats.org/officeDocument/2006/relationships" xmlns:p="http://schemas.openxmlformats.org/presentationml/2006/main">
-  <p:cSld>
-    <p:spTree>
-      <p:nvGrpSpPr>
-        <p:cNvPr id="1" name=""/>
-        <p:cNvGrpSpPr/>
-        <p:nvPr/>
-      </p:nvGrpSpPr>
-      <p:grpSpPr>
-        <a:xfrm>
-          <a:off x="0" y="0"/>
-          <a:ext cx="0" cy="0"/>
-          <a:chOff x="0" y="0"/>
-          <a:chExt cx="0" cy="0"/>
-        </a:xfrm>
-      </p:grpSpPr>
-      <p:sp>
-        <p:nvSpPr>
-          <p:cNvPr id="2" name="Title 1">
-            <a:extLst>
-              <a:ext uri="{FF2B5EF4-FFF2-40B4-BE49-F238E27FC236}">
-                <a16:creationId xmlns:a16="http://schemas.microsoft.com/office/drawing/2014/main" id="{B6380AE6-1C85-4482-BF45-AF5B693B88FE}"/>
-              </a:ext>
-            </a:extLst>
-          </p:cNvPr>
-          <p:cNvSpPr>
-            <a:spLocks noGrp="1"/>
-          </p:cNvSpPr>
-          <p:nvPr>
-            <p:ph type="title"/>
-          </p:nvPr>
-        </p:nvSpPr>
-        <p:spPr/>
-        <p:txBody>
-          <a:bodyPr/>
-          <a:lstStyle/>
-          <a:p>
-            <a:endParaRPr lang="en-US"/>
-          </a:p>
-        </p:txBody>
-      </p:sp>
-      <p:sp>
-        <p:nvSpPr>
-          <p:cNvPr id="3" name="Content Placeholder 2">
-            <a:extLst>
-              <a:ext uri="{FF2B5EF4-FFF2-40B4-BE49-F238E27FC236}">
-                <a16:creationId xmlns:a16="http://schemas.microsoft.com/office/drawing/2014/main" id="{C328AE24-37EF-4B54-9CEA-F816B96C5615}"/>
-              </a:ext>
-            </a:extLst>
-          </p:cNvPr>
-          <p:cNvSpPr>
-            <a:spLocks noGrp="1"/>
-          </p:cNvSpPr>
-          <p:nvPr>
-            <p:ph idx="1"/>
-          </p:nvPr>
-        </p:nvSpPr>
-        <p:spPr/>
-        <p:txBody>
-          <a:bodyPr/>
-          <a:lstStyle/>
-          <a:p>
-            <a:endParaRPr lang="en-US"/>
-          </a:p>
-        </p:txBody>
-      </p:sp>
-    </p:spTree>
-    <p:extLst>
-      <p:ext uri="{BB962C8B-B14F-4D97-AF65-F5344CB8AC3E}">
-        <p14:creationId xmlns:p14="http://schemas.microsoft.com/office/powerpoint/2010/main" val="1048469740"/>
-      </p:ext>
-    </p:extLst>
-  </p:cSld>
-  <p:clrMapOvr>
-    <a:masterClrMapping/>
-  </p:clrMapOvr>
-</p:sld>
-</file>
-
-<file path=ppt/slides/slide24.xml><?xml version="1.0" encoding="utf-8"?>
-<p:sld xmlns:a="http://schemas.openxmlformats.org/drawingml/2006/main" xmlns:r="http://schemas.openxmlformats.org/officeDocument/2006/relationships" xmlns:p="http://schemas.openxmlformats.org/presentationml/2006/main">
-  <p:cSld>
-    <p:spTree>
-      <p:nvGrpSpPr>
-        <p:cNvPr id="1" name=""/>
-        <p:cNvGrpSpPr/>
-        <p:nvPr/>
-      </p:nvGrpSpPr>
-      <p:grpSpPr>
-        <a:xfrm>
-          <a:off x="0" y="0"/>
-          <a:ext cx="0" cy="0"/>
-          <a:chOff x="0" y="0"/>
-          <a:chExt cx="0" cy="0"/>
-        </a:xfrm>
-      </p:grpSpPr>
-      <p:sp>
-        <p:nvSpPr>
-          <p:cNvPr id="2" name="Title 1">
-            <a:extLst>
-              <a:ext uri="{FF2B5EF4-FFF2-40B4-BE49-F238E27FC236}">
-                <a16:creationId xmlns:a16="http://schemas.microsoft.com/office/drawing/2014/main" id="{0AFD2B6C-3F2D-4A1F-8936-ECA641AD200D}"/>
-              </a:ext>
-            </a:extLst>
-          </p:cNvPr>
-          <p:cNvSpPr>
-            <a:spLocks noGrp="1"/>
-          </p:cNvSpPr>
-          <p:nvPr>
-            <p:ph type="title"/>
-          </p:nvPr>
-        </p:nvSpPr>
-        <p:spPr/>
-        <p:txBody>
-          <a:bodyPr/>
-          <a:lstStyle/>
-          <a:p>
-            <a:endParaRPr lang="en-US"/>
-          </a:p>
-        </p:txBody>
-      </p:sp>
-      <p:sp>
-        <p:nvSpPr>
-          <p:cNvPr id="3" name="Content Placeholder 2">
-            <a:extLst>
-              <a:ext uri="{FF2B5EF4-FFF2-40B4-BE49-F238E27FC236}">
-                <a16:creationId xmlns:a16="http://schemas.microsoft.com/office/drawing/2014/main" id="{52752CB9-238A-4812-80A8-D4F6AD17F416}"/>
-              </a:ext>
-            </a:extLst>
-          </p:cNvPr>
-          <p:cNvSpPr>
-            <a:spLocks noGrp="1"/>
-          </p:cNvSpPr>
-          <p:nvPr>
-            <p:ph idx="1"/>
-          </p:nvPr>
-        </p:nvSpPr>
-        <p:spPr/>
-        <p:txBody>
-          <a:bodyPr/>
-          <a:lstStyle/>
-          <a:p>
-            <a:endParaRPr lang="en-US"/>
-          </a:p>
-        </p:txBody>
-      </p:sp>
-    </p:spTree>
-    <p:extLst>
-      <p:ext uri="{BB962C8B-B14F-4D97-AF65-F5344CB8AC3E}">
-        <p14:creationId xmlns:p14="http://schemas.microsoft.com/office/powerpoint/2010/main" val="244501545"/>
-      </p:ext>
-    </p:extLst>
-  </p:cSld>
-  <p:clrMapOvr>
-    <a:masterClrMapping/>
-  </p:clrMapOvr>
-</p:sld>
-</file>
-
-<file path=ppt/slides/slide25.xml><?xml version="1.0" encoding="utf-8"?>
-<p:sld xmlns:a="http://schemas.openxmlformats.org/drawingml/2006/main" xmlns:r="http://schemas.openxmlformats.org/officeDocument/2006/relationships" xmlns:p="http://schemas.openxmlformats.org/presentationml/2006/main">
-  <p:cSld>
-    <p:spTree>
-      <p:nvGrpSpPr>
-        <p:cNvPr id="1" name=""/>
-        <p:cNvGrpSpPr/>
-        <p:nvPr/>
-      </p:nvGrpSpPr>
-      <p:grpSpPr>
-        <a:xfrm>
-          <a:off x="0" y="0"/>
-          <a:ext cx="0" cy="0"/>
-          <a:chOff x="0" y="0"/>
-          <a:chExt cx="0" cy="0"/>
-        </a:xfrm>
-      </p:grpSpPr>
-      <p:sp>
-        <p:nvSpPr>
-          <p:cNvPr id="2" name="Title 1">
-            <a:extLst>
-              <a:ext uri="{FF2B5EF4-FFF2-40B4-BE49-F238E27FC236}">
-                <a16:creationId xmlns:a16="http://schemas.microsoft.com/office/drawing/2014/main" id="{A2C5BC2B-DEEC-49EE-B6C5-A26F785C8CAE}"/>
-              </a:ext>
-            </a:extLst>
-          </p:cNvPr>
-          <p:cNvSpPr>
-            <a:spLocks noGrp="1"/>
-          </p:cNvSpPr>
-          <p:nvPr>
-            <p:ph type="title"/>
-          </p:nvPr>
-        </p:nvSpPr>
-        <p:spPr/>
-        <p:txBody>
-          <a:bodyPr/>
-          <a:lstStyle/>
-          <a:p>
-            <a:endParaRPr lang="en-US"/>
-          </a:p>
-        </p:txBody>
-      </p:sp>
-      <p:sp>
-        <p:nvSpPr>
-          <p:cNvPr id="3" name="Content Placeholder 2">
-            <a:extLst>
-              <a:ext uri="{FF2B5EF4-FFF2-40B4-BE49-F238E27FC236}">
-                <a16:creationId xmlns:a16="http://schemas.microsoft.com/office/drawing/2014/main" id="{FD086441-F7A3-49B4-BB99-64DF26FF8E53}"/>
-              </a:ext>
-            </a:extLst>
-          </p:cNvPr>
-          <p:cNvSpPr>
-            <a:spLocks noGrp="1"/>
-          </p:cNvSpPr>
-          <p:nvPr>
-            <p:ph idx="1"/>
-          </p:nvPr>
-        </p:nvSpPr>
-        <p:spPr/>
-        <p:txBody>
-          <a:bodyPr/>
-          <a:lstStyle/>
-          <a:p>
-            <a:endParaRPr lang="en-US"/>
-          </a:p>
-        </p:txBody>
-      </p:sp>
-    </p:spTree>
-    <p:extLst>
-      <p:ext uri="{BB962C8B-B14F-4D97-AF65-F5344CB8AC3E}">
-        <p14:creationId xmlns:p14="http://schemas.microsoft.com/office/powerpoint/2010/main" val="3358588205"/>
-      </p:ext>
-    </p:extLst>
-  </p:cSld>
-  <p:clrMapOvr>
-    <a:masterClrMapping/>
-  </p:clrMapOvr>
-</p:sld>
-</file>
-
-<file path=ppt/slides/slide26.xml><?xml version="1.0" encoding="utf-8"?>
-<p:sld xmlns:a="http://schemas.openxmlformats.org/drawingml/2006/main" xmlns:r="http://schemas.openxmlformats.org/officeDocument/2006/relationships" xmlns:p="http://schemas.openxmlformats.org/presentationml/2006/main">
-  <p:cSld>
-    <p:spTree>
-      <p:nvGrpSpPr>
-        <p:cNvPr id="1" name=""/>
-        <p:cNvGrpSpPr/>
-        <p:nvPr/>
-      </p:nvGrpSpPr>
-      <p:grpSpPr>
-        <a:xfrm>
-          <a:off x="0" y="0"/>
-          <a:ext cx="0" cy="0"/>
-          <a:chOff x="0" y="0"/>
-          <a:chExt cx="0" cy="0"/>
-        </a:xfrm>
-      </p:grpSpPr>
-      <p:sp>
-        <p:nvSpPr>
-          <p:cNvPr id="2" name="Title 1">
-            <a:extLst>
-              <a:ext uri="{FF2B5EF4-FFF2-40B4-BE49-F238E27FC236}">
-                <a16:creationId xmlns:a16="http://schemas.microsoft.com/office/drawing/2014/main" id="{471735B4-6033-4727-A189-1D63F97BD785}"/>
-              </a:ext>
-            </a:extLst>
-          </p:cNvPr>
-          <p:cNvSpPr>
-            <a:spLocks noGrp="1"/>
-          </p:cNvSpPr>
-          <p:nvPr>
-            <p:ph type="title"/>
-          </p:nvPr>
-        </p:nvSpPr>
-        <p:spPr/>
-        <p:txBody>
-          <a:bodyPr/>
-          <a:lstStyle/>
-          <a:p>
-            <a:endParaRPr lang="en-US"/>
-          </a:p>
-        </p:txBody>
-      </p:sp>
-      <p:sp>
-        <p:nvSpPr>
-          <p:cNvPr id="3" name="Content Placeholder 2">
-            <a:extLst>
-              <a:ext uri="{FF2B5EF4-FFF2-40B4-BE49-F238E27FC236}">
-                <a16:creationId xmlns:a16="http://schemas.microsoft.com/office/drawing/2014/main" id="{B720DC06-4000-4238-BE83-1C35DF886A93}"/>
-              </a:ext>
-            </a:extLst>
-          </p:cNvPr>
-          <p:cNvSpPr>
-            <a:spLocks noGrp="1"/>
-          </p:cNvSpPr>
-          <p:nvPr>
-            <p:ph idx="1"/>
-          </p:nvPr>
-        </p:nvSpPr>
-        <p:spPr/>
-        <p:txBody>
-          <a:bodyPr/>
-          <a:lstStyle/>
-          <a:p>
-            <a:endParaRPr lang="en-US"/>
-          </a:p>
-        </p:txBody>
-      </p:sp>
-    </p:spTree>
-    <p:extLst>
-      <p:ext uri="{BB962C8B-B14F-4D97-AF65-F5344CB8AC3E}">
-        <p14:creationId xmlns:p14="http://schemas.microsoft.com/office/powerpoint/2010/main" val="191438340"/>
-      </p:ext>
-    </p:extLst>
-  </p:cSld>
-  <p:clrMapOvr>
-    <a:masterClrMapping/>
-  </p:clrMapOvr>
-</p:sld>
-</file>
-
-<file path=ppt/slides/slide27.xml><?xml version="1.0" encoding="utf-8"?>
-<p:sld xmlns:a="http://schemas.openxmlformats.org/drawingml/2006/main" xmlns:r="http://schemas.openxmlformats.org/officeDocument/2006/relationships" xmlns:p="http://schemas.openxmlformats.org/presentationml/2006/main">
-  <p:cSld>
-    <p:spTree>
-      <p:nvGrpSpPr>
-        <p:cNvPr id="1" name=""/>
-        <p:cNvGrpSpPr/>
-        <p:nvPr/>
-      </p:nvGrpSpPr>
-      <p:grpSpPr>
-        <a:xfrm>
-          <a:off x="0" y="0"/>
-          <a:ext cx="0" cy="0"/>
-          <a:chOff x="0" y="0"/>
-          <a:chExt cx="0" cy="0"/>
-        </a:xfrm>
-      </p:grpSpPr>
-      <p:sp>
-        <p:nvSpPr>
-          <p:cNvPr id="2" name="Title 1">
-            <a:extLst>
-              <a:ext uri="{FF2B5EF4-FFF2-40B4-BE49-F238E27FC236}">
-                <a16:creationId xmlns:a16="http://schemas.microsoft.com/office/drawing/2014/main" id="{19D7858D-73B5-451D-AFC2-7D386720412C}"/>
-              </a:ext>
-            </a:extLst>
-          </p:cNvPr>
-          <p:cNvSpPr>
-            <a:spLocks noGrp="1"/>
-          </p:cNvSpPr>
-          <p:nvPr>
-            <p:ph type="title"/>
-          </p:nvPr>
-        </p:nvSpPr>
-        <p:spPr/>
-        <p:txBody>
-          <a:bodyPr/>
-          <a:lstStyle/>
-          <a:p>
-            <a:endParaRPr lang="en-US"/>
-          </a:p>
-        </p:txBody>
-      </p:sp>
-      <p:sp>
-        <p:nvSpPr>
-          <p:cNvPr id="3" name="Content Placeholder 2">
-            <a:extLst>
-              <a:ext uri="{FF2B5EF4-FFF2-40B4-BE49-F238E27FC236}">
-                <a16:creationId xmlns:a16="http://schemas.microsoft.com/office/drawing/2014/main" id="{CF7A41FB-E544-49F5-857D-92FF76C45E42}"/>
-              </a:ext>
-            </a:extLst>
-          </p:cNvPr>
-          <p:cNvSpPr>
-            <a:spLocks noGrp="1"/>
-          </p:cNvSpPr>
-          <p:nvPr>
-            <p:ph idx="1"/>
-          </p:nvPr>
-        </p:nvSpPr>
-        <p:spPr/>
-        <p:txBody>
-          <a:bodyPr/>
-          <a:lstStyle/>
-          <a:p>
-            <a:endParaRPr lang="en-US"/>
-          </a:p>
-        </p:txBody>
-      </p:sp>
-    </p:spTree>
-    <p:extLst>
-      <p:ext uri="{BB962C8B-B14F-4D97-AF65-F5344CB8AC3E}">
-        <p14:creationId xmlns:p14="http://schemas.microsoft.com/office/powerpoint/2010/main" val="1484918750"/>
       </p:ext>
     </p:extLst>
   </p:cSld>

--- a/HemTools Tutorial.pptx
+++ b/HemTools Tutorial.pptx
@@ -14,13 +14,16 @@
     <p:sldId id="280" r:id="rId8"/>
     <p:sldId id="271" r:id="rId9"/>
     <p:sldId id="272" r:id="rId10"/>
-    <p:sldId id="281" r:id="rId11"/>
-    <p:sldId id="273" r:id="rId12"/>
-    <p:sldId id="282" r:id="rId13"/>
-    <p:sldId id="274" r:id="rId14"/>
-    <p:sldId id="275" r:id="rId15"/>
-    <p:sldId id="283" r:id="rId16"/>
-    <p:sldId id="261" r:id="rId17"/>
+    <p:sldId id="286" r:id="rId11"/>
+    <p:sldId id="283" r:id="rId12"/>
+    <p:sldId id="284" r:id="rId13"/>
+    <p:sldId id="285" r:id="rId14"/>
+    <p:sldId id="281" r:id="rId15"/>
+    <p:sldId id="273" r:id="rId16"/>
+    <p:sldId id="282" r:id="rId17"/>
+    <p:sldId id="274" r:id="rId18"/>
+    <p:sldId id="275" r:id="rId19"/>
+    <p:sldId id="287" r:id="rId20"/>
   </p:sldIdLst>
   <p:sldSz cx="12192000" cy="6858000"/>
   <p:notesSz cx="6858000" cy="9144000"/>
@@ -3413,6 +3416,44 @@
           </a:p>
         </p:txBody>
       </p:sp>
+      <p:sp>
+        <p:nvSpPr>
+          <p:cNvPr id="4" name="Rectangle 3">
+            <a:extLst>
+              <a:ext uri="{FF2B5EF4-FFF2-40B4-BE49-F238E27FC236}">
+                <a16:creationId xmlns:a16="http://schemas.microsoft.com/office/drawing/2014/main" id="{3125CA15-A866-491C-8936-0881888CA52B}"/>
+              </a:ext>
+            </a:extLst>
+          </p:cNvPr>
+          <p:cNvSpPr/>
+          <p:nvPr/>
+        </p:nvSpPr>
+        <p:spPr>
+          <a:xfrm>
+            <a:off x="3783573" y="6458273"/>
+            <a:ext cx="4171848" cy="369332"/>
+          </a:xfrm>
+          <a:prstGeom prst="rect">
+            <a:avLst/>
+          </a:prstGeom>
+        </p:spPr>
+        <p:txBody>
+          <a:bodyPr wrap="none">
+            <a:spAutoFit/>
+          </a:bodyPr>
+          <a:lstStyle/>
+          <a:p>
+            <a:pPr lvl="2"/>
+            <a:r>
+              <a:rPr lang="en-US" dirty="0">
+                <a:hlinkClick r:id="rId2"/>
+              </a:rPr>
+              <a:t>https://hemtools.readthedocs.io</a:t>
+            </a:r>
+            <a:endParaRPr lang="en-US" dirty="0"/>
+          </a:p>
+        </p:txBody>
+      </p:sp>
     </p:spTree>
     <p:extLst>
       <p:ext uri="{BB962C8B-B14F-4D97-AF65-F5344CB8AC3E}">
@@ -3448,7 +3489,7 @@
           <p:cNvPr id="2" name="Title 1">
             <a:extLst>
               <a:ext uri="{FF2B5EF4-FFF2-40B4-BE49-F238E27FC236}">
-                <a16:creationId xmlns:a16="http://schemas.microsoft.com/office/drawing/2014/main" id="{15AD1A34-A8B2-48D0-951F-79751EADEEC7}"/>
+                <a16:creationId xmlns:a16="http://schemas.microsoft.com/office/drawing/2014/main" id="{2410D0D2-75EB-48A5-B504-0D0356EB6C4E}"/>
               </a:ext>
             </a:extLst>
           </p:cNvPr>
@@ -3466,333 +3507,82 @@
           <a:p>
             <a:r>
               <a:rPr lang="en-US" dirty="0"/>
-              <a:t>General principles</a:t>
-            </a:r>
-          </a:p>
-        </p:txBody>
-      </p:sp>
-      <p:sp>
-        <p:nvSpPr>
-          <p:cNvPr id="3" name="Content Placeholder 2">
-            <a:extLst>
-              <a:ext uri="{FF2B5EF4-FFF2-40B4-BE49-F238E27FC236}">
-                <a16:creationId xmlns:a16="http://schemas.microsoft.com/office/drawing/2014/main" id="{0BBFE8CB-EE31-4B7B-8AD9-AC66241D81BD}"/>
-              </a:ext>
-            </a:extLst>
-          </p:cNvPr>
-          <p:cNvSpPr>
-            <a:spLocks noGrp="1"/>
-          </p:cNvSpPr>
-          <p:nvPr>
-            <p:ph idx="1"/>
-          </p:nvPr>
-        </p:nvSpPr>
-        <p:spPr>
-          <a:xfrm>
-            <a:off x="838200" y="1825625"/>
-            <a:ext cx="10515600" cy="4351338"/>
-          </a:xfrm>
-        </p:spPr>
-        <p:txBody>
-          <a:bodyPr/>
-          <a:lstStyle/>
-          <a:p>
-            <a:r>
-              <a:rPr lang="en-US" dirty="0"/>
-              <a:t>Command format</a:t>
-            </a:r>
-          </a:p>
-          <a:p>
-            <a:pPr lvl="1"/>
-            <a:r>
-              <a:rPr lang="en-US" dirty="0" err="1"/>
-              <a:t>HemTools</a:t>
-            </a:r>
-            <a:r>
-              <a:rPr lang="en-US" dirty="0"/>
-              <a:t>   </a:t>
-            </a:r>
-            <a:r>
-              <a:rPr lang="en-US" dirty="0" err="1"/>
-              <a:t>subcmd</a:t>
-            </a:r>
-            <a:r>
-              <a:rPr lang="en-US" dirty="0"/>
-              <a:t>   </a:t>
-            </a:r>
-            <a:r>
-              <a:rPr lang="en-US" dirty="0" err="1"/>
-              <a:t>some_required_parameters</a:t>
-            </a:r>
-            <a:br>
-              <a:rPr lang="en-US" dirty="0"/>
-            </a:br>
+              <a:t>ATAC-seq example</a:t>
+            </a:r>
+          </a:p>
+        </p:txBody>
+      </p:sp>
+      <p:sp>
+        <p:nvSpPr>
+          <p:cNvPr id="4" name="Rectangle 3">
+            <a:extLst>
+              <a:ext uri="{FF2B5EF4-FFF2-40B4-BE49-F238E27FC236}">
+                <a16:creationId xmlns:a16="http://schemas.microsoft.com/office/drawing/2014/main" id="{FB8DFCC4-92EE-4B25-B0D9-2C0381055F6C}"/>
+              </a:ext>
+            </a:extLst>
+          </p:cNvPr>
+          <p:cNvSpPr/>
+          <p:nvPr/>
+        </p:nvSpPr>
+        <p:spPr>
+          <a:xfrm>
+            <a:off x="1781263" y="6444626"/>
+            <a:ext cx="9144000" cy="369332"/>
+          </a:xfrm>
+          <a:prstGeom prst="rect">
+            <a:avLst/>
+          </a:prstGeom>
+        </p:spPr>
+        <p:txBody>
+          <a:bodyPr wrap="square">
+            <a:spAutoFit/>
+          </a:bodyPr>
+          <a:lstStyle/>
+          <a:p>
+            <a:r>
+              <a:rPr lang="en-US" dirty="0">
+                <a:hlinkClick r:id="rId2"/>
+              </a:rPr>
+              <a:t>https://hemtools.readthedocs.io/en/latest/content/NGS_pipelines/tutorial.html</a:t>
+            </a:r>
             <a:endParaRPr lang="en-US" dirty="0"/>
           </a:p>
-          <a:p>
-            <a:pPr lvl="1"/>
-            <a:r>
-              <a:rPr lang="en-US" sz="1800" dirty="0" err="1">
-                <a:latin typeface="Consolas" panose="020B0609020204030204" pitchFamily="49" charset="0"/>
-                <a:cs typeface="Consolas" panose="020B0609020204030204" pitchFamily="49" charset="0"/>
-              </a:rPr>
-              <a:t>HemTools</a:t>
-            </a:r>
-            <a:r>
-              <a:rPr lang="en-US" sz="1800" dirty="0">
-                <a:latin typeface="Consolas" panose="020B0609020204030204" pitchFamily="49" charset="0"/>
-                <a:cs typeface="Consolas" panose="020B0609020204030204" pitchFamily="49" charset="0"/>
-              </a:rPr>
-              <a:t> </a:t>
-            </a:r>
-            <a:r>
-              <a:rPr lang="en-US" sz="1800" dirty="0" err="1">
-                <a:latin typeface="Consolas" panose="020B0609020204030204" pitchFamily="49" charset="0"/>
-                <a:cs typeface="Consolas" panose="020B0609020204030204" pitchFamily="49" charset="0"/>
-              </a:rPr>
-              <a:t>atac_seq</a:t>
-            </a:r>
-            <a:r>
-              <a:rPr lang="en-US" sz="1800" dirty="0">
-                <a:latin typeface="Consolas" panose="020B0609020204030204" pitchFamily="49" charset="0"/>
-                <a:cs typeface="Consolas" panose="020B0609020204030204" pitchFamily="49" charset="0"/>
-              </a:rPr>
-              <a:t> -f </a:t>
-            </a:r>
-            <a:r>
-              <a:rPr lang="en-US" sz="1800" dirty="0" err="1">
-                <a:latin typeface="Consolas" panose="020B0609020204030204" pitchFamily="49" charset="0"/>
-                <a:cs typeface="Consolas" panose="020B0609020204030204" pitchFamily="49" charset="0"/>
-              </a:rPr>
-              <a:t>fastq.tsv</a:t>
-            </a:r>
-            <a:br>
-              <a:rPr lang="en-US" sz="1800" dirty="0">
-                <a:latin typeface="Consolas" panose="020B0609020204030204" pitchFamily="49" charset="0"/>
-                <a:cs typeface="Consolas" panose="020B0609020204030204" pitchFamily="49" charset="0"/>
-              </a:rPr>
-            </a:br>
-            <a:endParaRPr lang="en-US" sz="1800" dirty="0">
-              <a:latin typeface="Consolas" panose="020B0609020204030204" pitchFamily="49" charset="0"/>
-              <a:cs typeface="Consolas" panose="020B0609020204030204" pitchFamily="49" charset="0"/>
-            </a:endParaRPr>
-          </a:p>
-          <a:p>
-            <a:pPr lvl="1"/>
-            <a:r>
-              <a:rPr lang="en-US" sz="1800" dirty="0" err="1">
-                <a:latin typeface="Consolas" panose="020B0609020204030204" pitchFamily="49" charset="0"/>
-                <a:cs typeface="Consolas" panose="020B0609020204030204" pitchFamily="49" charset="0"/>
-              </a:rPr>
-              <a:t>HemTools</a:t>
-            </a:r>
-            <a:r>
-              <a:rPr lang="en-US" sz="1800" dirty="0">
-                <a:latin typeface="Consolas" panose="020B0609020204030204" pitchFamily="49" charset="0"/>
-                <a:cs typeface="Consolas" panose="020B0609020204030204" pitchFamily="49" charset="0"/>
-              </a:rPr>
-              <a:t> </a:t>
-            </a:r>
-            <a:r>
-              <a:rPr lang="en-US" sz="1800" dirty="0" err="1">
-                <a:latin typeface="Consolas" panose="020B0609020204030204" pitchFamily="49" charset="0"/>
-                <a:cs typeface="Consolas" panose="020B0609020204030204" pitchFamily="49" charset="0"/>
-              </a:rPr>
-              <a:t>cut_run</a:t>
-            </a:r>
-            <a:r>
-              <a:rPr lang="en-US" sz="1800" dirty="0">
-                <a:latin typeface="Consolas" panose="020B0609020204030204" pitchFamily="49" charset="0"/>
-                <a:cs typeface="Consolas" panose="020B0609020204030204" pitchFamily="49" charset="0"/>
-              </a:rPr>
-              <a:t> -f </a:t>
-            </a:r>
-            <a:r>
-              <a:rPr lang="en-US" sz="1800" dirty="0" err="1">
-                <a:latin typeface="Consolas" panose="020B0609020204030204" pitchFamily="49" charset="0"/>
-                <a:cs typeface="Consolas" panose="020B0609020204030204" pitchFamily="49" charset="0"/>
-              </a:rPr>
-              <a:t>fastq.tsv</a:t>
-            </a:r>
-            <a:r>
-              <a:rPr lang="en-US" sz="1800" dirty="0">
-                <a:latin typeface="Consolas" panose="020B0609020204030204" pitchFamily="49" charset="0"/>
-                <a:cs typeface="Consolas" panose="020B0609020204030204" pitchFamily="49" charset="0"/>
-              </a:rPr>
-              <a:t> -d </a:t>
-            </a:r>
-            <a:r>
-              <a:rPr lang="en-US" sz="1800" dirty="0" err="1">
-                <a:latin typeface="Consolas" panose="020B0609020204030204" pitchFamily="49" charset="0"/>
-                <a:cs typeface="Consolas" panose="020B0609020204030204" pitchFamily="49" charset="0"/>
-              </a:rPr>
-              <a:t>peakcall.tsv</a:t>
-            </a:r>
-            <a:br>
-              <a:rPr lang="en-US" sz="1800" dirty="0">
-                <a:latin typeface="Consolas" panose="020B0609020204030204" pitchFamily="49" charset="0"/>
-                <a:cs typeface="Consolas" panose="020B0609020204030204" pitchFamily="49" charset="0"/>
-              </a:rPr>
-            </a:br>
-            <a:endParaRPr lang="en-US" sz="1800" dirty="0">
-              <a:latin typeface="Consolas" panose="020B0609020204030204" pitchFamily="49" charset="0"/>
-              <a:cs typeface="Consolas" panose="020B0609020204030204" pitchFamily="49" charset="0"/>
-            </a:endParaRPr>
-          </a:p>
-          <a:p>
-            <a:pPr lvl="1"/>
-            <a:r>
-              <a:rPr lang="en-US" sz="1800" dirty="0" err="1">
-                <a:latin typeface="Consolas" panose="020B0609020204030204" pitchFamily="49" charset="0"/>
-                <a:cs typeface="Consolas" panose="020B0609020204030204" pitchFamily="49" charset="0"/>
-              </a:rPr>
-              <a:t>HemTools</a:t>
-            </a:r>
-            <a:r>
-              <a:rPr lang="en-US" sz="1800" dirty="0">
-                <a:latin typeface="Consolas" panose="020B0609020204030204" pitchFamily="49" charset="0"/>
-                <a:cs typeface="Consolas" panose="020B0609020204030204" pitchFamily="49" charset="0"/>
-              </a:rPr>
-              <a:t> </a:t>
-            </a:r>
-            <a:r>
-              <a:rPr lang="en-US" sz="1800" dirty="0" err="1">
-                <a:latin typeface="Consolas" panose="020B0609020204030204" pitchFamily="49" charset="0"/>
-                <a:cs typeface="Consolas" panose="020B0609020204030204" pitchFamily="49" charset="0"/>
-              </a:rPr>
-              <a:t>chip_seq_single</a:t>
-            </a:r>
-            <a:r>
-              <a:rPr lang="en-US" sz="1800" dirty="0">
-                <a:latin typeface="Consolas" panose="020B0609020204030204" pitchFamily="49" charset="0"/>
-                <a:cs typeface="Consolas" panose="020B0609020204030204" pitchFamily="49" charset="0"/>
-              </a:rPr>
-              <a:t> -f </a:t>
-            </a:r>
-            <a:r>
-              <a:rPr lang="en-US" sz="1800" dirty="0" err="1">
-                <a:latin typeface="Consolas" panose="020B0609020204030204" pitchFamily="49" charset="0"/>
-                <a:cs typeface="Consolas" panose="020B0609020204030204" pitchFamily="49" charset="0"/>
-              </a:rPr>
-              <a:t>fastq.tsv</a:t>
-            </a:r>
-            <a:r>
-              <a:rPr lang="en-US" sz="1800" dirty="0">
-                <a:latin typeface="Consolas" panose="020B0609020204030204" pitchFamily="49" charset="0"/>
-                <a:cs typeface="Consolas" panose="020B0609020204030204" pitchFamily="49" charset="0"/>
-              </a:rPr>
-              <a:t> -d </a:t>
-            </a:r>
-            <a:r>
-              <a:rPr lang="en-US" sz="1800" dirty="0" err="1">
-                <a:latin typeface="Consolas" panose="020B0609020204030204" pitchFamily="49" charset="0"/>
-                <a:cs typeface="Consolas" panose="020B0609020204030204" pitchFamily="49" charset="0"/>
-              </a:rPr>
-              <a:t>peakcall.tsv</a:t>
-            </a:r>
-            <a:br>
-              <a:rPr lang="en-US" sz="1800" dirty="0">
-                <a:latin typeface="Consolas" panose="020B0609020204030204" pitchFamily="49" charset="0"/>
-                <a:cs typeface="Consolas" panose="020B0609020204030204" pitchFamily="49" charset="0"/>
-              </a:rPr>
-            </a:br>
-            <a:endParaRPr lang="en-US" sz="1800" dirty="0">
-              <a:latin typeface="Consolas" panose="020B0609020204030204" pitchFamily="49" charset="0"/>
-              <a:cs typeface="Consolas" panose="020B0609020204030204" pitchFamily="49" charset="0"/>
-            </a:endParaRPr>
-          </a:p>
-          <a:p>
-            <a:pPr lvl="1"/>
-            <a:r>
-              <a:rPr lang="en-US" sz="1800" dirty="0" err="1">
-                <a:latin typeface="Consolas" panose="020B0609020204030204" pitchFamily="49" charset="0"/>
-                <a:cs typeface="Consolas" panose="020B0609020204030204" pitchFamily="49" charset="0"/>
-              </a:rPr>
-              <a:t>HemTools</a:t>
-            </a:r>
-            <a:r>
-              <a:rPr lang="en-US" sz="1800" dirty="0">
-                <a:latin typeface="Consolas" panose="020B0609020204030204" pitchFamily="49" charset="0"/>
-                <a:cs typeface="Consolas" panose="020B0609020204030204" pitchFamily="49" charset="0"/>
-              </a:rPr>
-              <a:t> </a:t>
-            </a:r>
-            <a:r>
-              <a:rPr lang="en-US" sz="1800" dirty="0" err="1">
-                <a:latin typeface="Consolas" panose="020B0609020204030204" pitchFamily="49" charset="0"/>
-                <a:cs typeface="Consolas" panose="020B0609020204030204" pitchFamily="49" charset="0"/>
-              </a:rPr>
-              <a:t>chip_seq_pair</a:t>
-            </a:r>
-            <a:r>
-              <a:rPr lang="en-US" sz="1800" dirty="0">
-                <a:latin typeface="Consolas" panose="020B0609020204030204" pitchFamily="49" charset="0"/>
-                <a:cs typeface="Consolas" panose="020B0609020204030204" pitchFamily="49" charset="0"/>
-              </a:rPr>
-              <a:t> -f </a:t>
-            </a:r>
-            <a:r>
-              <a:rPr lang="en-US" sz="1800" dirty="0" err="1">
-                <a:latin typeface="Consolas" panose="020B0609020204030204" pitchFamily="49" charset="0"/>
-                <a:cs typeface="Consolas" panose="020B0609020204030204" pitchFamily="49" charset="0"/>
-              </a:rPr>
-              <a:t>fastq.tsv</a:t>
-            </a:r>
-            <a:r>
-              <a:rPr lang="en-US" sz="1800" dirty="0">
-                <a:latin typeface="Consolas" panose="020B0609020204030204" pitchFamily="49" charset="0"/>
-                <a:cs typeface="Consolas" panose="020B0609020204030204" pitchFamily="49" charset="0"/>
-              </a:rPr>
-              <a:t> -d </a:t>
-            </a:r>
-            <a:r>
-              <a:rPr lang="en-US" sz="1800" dirty="0" err="1">
-                <a:latin typeface="Consolas" panose="020B0609020204030204" pitchFamily="49" charset="0"/>
-                <a:cs typeface="Consolas" panose="020B0609020204030204" pitchFamily="49" charset="0"/>
-              </a:rPr>
-              <a:t>peakcall.tsv</a:t>
-            </a:r>
-            <a:endParaRPr lang="en-US" sz="1800" dirty="0">
-              <a:latin typeface="Consolas" panose="020B0609020204030204" pitchFamily="49" charset="0"/>
-              <a:cs typeface="Consolas" panose="020B0609020204030204" pitchFamily="49" charset="0"/>
-            </a:endParaRPr>
-          </a:p>
-          <a:p>
-            <a:pPr lvl="1"/>
-            <a:endParaRPr lang="en-US" sz="1800" dirty="0">
-              <a:highlight>
-                <a:srgbClr val="C0C0C0"/>
-              </a:highlight>
-              <a:latin typeface="Consolas" panose="020B0609020204030204" pitchFamily="49" charset="0"/>
-              <a:cs typeface="Consolas" panose="020B0609020204030204" pitchFamily="49" charset="0"/>
-            </a:endParaRPr>
-          </a:p>
-          <a:p>
-            <a:pPr lvl="1"/>
-            <a:r>
-              <a:rPr lang="en-US" sz="1800" dirty="0" err="1">
-                <a:latin typeface="Consolas" panose="020B0609020204030204" pitchFamily="49" charset="0"/>
-                <a:cs typeface="Consolas" panose="020B0609020204030204" pitchFamily="49" charset="0"/>
-              </a:rPr>
-              <a:t>subcmd</a:t>
-            </a:r>
-            <a:r>
-              <a:rPr lang="en-US" sz="1800" dirty="0">
-                <a:latin typeface="Consolas" panose="020B0609020204030204" pitchFamily="49" charset="0"/>
-                <a:cs typeface="Consolas" panose="020B0609020204030204" pitchFamily="49" charset="0"/>
-              </a:rPr>
-              <a:t> is case-insensitive</a:t>
-            </a:r>
-          </a:p>
-          <a:p>
-            <a:endParaRPr lang="en-US" dirty="0"/>
-          </a:p>
-        </p:txBody>
-      </p:sp>
+        </p:txBody>
+      </p:sp>
+      <p:pic>
+        <p:nvPicPr>
+          <p:cNvPr id="5" name="Picture 4">
+            <a:extLst>
+              <a:ext uri="{FF2B5EF4-FFF2-40B4-BE49-F238E27FC236}">
+                <a16:creationId xmlns:a16="http://schemas.microsoft.com/office/drawing/2014/main" id="{5D80AD49-FD22-4060-ADBB-1CE1A0DB51CA}"/>
+              </a:ext>
+            </a:extLst>
+          </p:cNvPr>
+          <p:cNvPicPr>
+            <a:picLocks noChangeAspect="1"/>
+          </p:cNvPicPr>
+          <p:nvPr/>
+        </p:nvPicPr>
+        <p:blipFill>
+          <a:blip r:embed="rId3"/>
+          <a:stretch>
+            <a:fillRect/>
+          </a:stretch>
+        </p:blipFill>
+        <p:spPr>
+          <a:xfrm>
+            <a:off x="1336340" y="1690688"/>
+            <a:ext cx="8562975" cy="4181475"/>
+          </a:xfrm>
+          <a:prstGeom prst="rect">
+            <a:avLst/>
+          </a:prstGeom>
+        </p:spPr>
+      </p:pic>
     </p:spTree>
     <p:extLst>
       <p:ext uri="{BB962C8B-B14F-4D97-AF65-F5344CB8AC3E}">
-        <p14:creationId xmlns:p14="http://schemas.microsoft.com/office/powerpoint/2010/main" val="1781342097"/>
+        <p14:creationId xmlns:p14="http://schemas.microsoft.com/office/powerpoint/2010/main" val="3061191392"/>
       </p:ext>
     </p:extLst>
   </p:cSld>
@@ -3824,7 +3614,7 @@
           <p:cNvPr id="2" name="Title 1">
             <a:extLst>
               <a:ext uri="{FF2B5EF4-FFF2-40B4-BE49-F238E27FC236}">
-                <a16:creationId xmlns:a16="http://schemas.microsoft.com/office/drawing/2014/main" id="{15AD1A34-A8B2-48D0-951F-79751EADEEC7}"/>
+                <a16:creationId xmlns:a16="http://schemas.microsoft.com/office/drawing/2014/main" id="{2410D0D2-75EB-48A5-B504-0D0356EB6C4E}"/>
               </a:ext>
             </a:extLst>
           </p:cNvPr>
@@ -3842,290 +3632,62 @@
           <a:p>
             <a:r>
               <a:rPr lang="en-US" dirty="0"/>
-              <a:t>General principles</a:t>
-            </a:r>
-          </a:p>
-        </p:txBody>
-      </p:sp>
-      <p:sp>
-        <p:nvSpPr>
-          <p:cNvPr id="3" name="Content Placeholder 2">
-            <a:extLst>
-              <a:ext uri="{FF2B5EF4-FFF2-40B4-BE49-F238E27FC236}">
-                <a16:creationId xmlns:a16="http://schemas.microsoft.com/office/drawing/2014/main" id="{0BBFE8CB-EE31-4B7B-8AD9-AC66241D81BD}"/>
-              </a:ext>
-            </a:extLst>
-          </p:cNvPr>
-          <p:cNvSpPr>
-            <a:spLocks noGrp="1"/>
-          </p:cNvSpPr>
-          <p:nvPr>
-            <p:ph idx="1"/>
-          </p:nvPr>
-        </p:nvSpPr>
-        <p:spPr>
-          <a:xfrm>
-            <a:off x="838200" y="1825625"/>
-            <a:ext cx="4642757" cy="4351338"/>
-          </a:xfrm>
-        </p:spPr>
-        <p:txBody>
-          <a:bodyPr/>
-          <a:lstStyle/>
-          <a:p>
+              <a:t>Single-end </a:t>
+            </a:r>
+            <a:r>
+              <a:rPr lang="en-US" dirty="0" err="1"/>
+              <a:t>ChIP</a:t>
+            </a:r>
             <a:r>
               <a:rPr lang="en-US" dirty="0"/>
-              <a:t>Required parameters</a:t>
-            </a:r>
-          </a:p>
-          <a:p>
-            <a:pPr lvl="1"/>
-            <a:r>
-              <a:rPr lang="en-US" sz="1800" dirty="0" err="1">
-                <a:latin typeface="Consolas" panose="020B0609020204030204" pitchFamily="49" charset="0"/>
-                <a:cs typeface="Consolas" panose="020B0609020204030204" pitchFamily="49" charset="0"/>
-              </a:rPr>
-              <a:t>HemTools</a:t>
-            </a:r>
-            <a:r>
-              <a:rPr lang="en-US" sz="1800" dirty="0">
-                <a:latin typeface="Consolas" panose="020B0609020204030204" pitchFamily="49" charset="0"/>
-                <a:cs typeface="Consolas" panose="020B0609020204030204" pitchFamily="49" charset="0"/>
-              </a:rPr>
-              <a:t> </a:t>
-            </a:r>
-            <a:r>
-              <a:rPr lang="en-US" sz="1800" dirty="0" err="1">
-                <a:latin typeface="Consolas" panose="020B0609020204030204" pitchFamily="49" charset="0"/>
-                <a:cs typeface="Consolas" panose="020B0609020204030204" pitchFamily="49" charset="0"/>
-              </a:rPr>
-              <a:t>atac_seq</a:t>
-            </a:r>
-            <a:r>
-              <a:rPr lang="en-US" sz="1800" dirty="0">
-                <a:latin typeface="Consolas" panose="020B0609020204030204" pitchFamily="49" charset="0"/>
-                <a:cs typeface="Consolas" panose="020B0609020204030204" pitchFamily="49" charset="0"/>
-              </a:rPr>
-              <a:t> -f </a:t>
-            </a:r>
-            <a:r>
-              <a:rPr lang="en-US" sz="1800" dirty="0" err="1">
-                <a:latin typeface="Consolas" panose="020B0609020204030204" pitchFamily="49" charset="0"/>
-                <a:cs typeface="Consolas" panose="020B0609020204030204" pitchFamily="49" charset="0"/>
-              </a:rPr>
-              <a:t>fastq.tsv</a:t>
-            </a:r>
-            <a:endParaRPr lang="en-US" sz="1800" dirty="0">
-              <a:latin typeface="Consolas" panose="020B0609020204030204" pitchFamily="49" charset="0"/>
-              <a:cs typeface="Consolas" panose="020B0609020204030204" pitchFamily="49" charset="0"/>
-            </a:endParaRPr>
-          </a:p>
-          <a:p>
-            <a:pPr lvl="1"/>
-            <a:endParaRPr lang="en-US" sz="1800" dirty="0">
-              <a:latin typeface="Consolas" panose="020B0609020204030204" pitchFamily="49" charset="0"/>
-              <a:cs typeface="Consolas" panose="020B0609020204030204" pitchFamily="49" charset="0"/>
-            </a:endParaRPr>
-          </a:p>
-          <a:p>
-            <a:pPr lvl="1"/>
-            <a:r>
-              <a:rPr lang="en-US" sz="1800" dirty="0" err="1">
-                <a:latin typeface="Consolas" panose="020B0609020204030204" pitchFamily="49" charset="0"/>
-                <a:cs typeface="Consolas" panose="020B0609020204030204" pitchFamily="49" charset="0"/>
-              </a:rPr>
-              <a:t>HemTools</a:t>
-            </a:r>
-            <a:r>
-              <a:rPr lang="en-US" sz="1800" dirty="0">
-                <a:latin typeface="Consolas" panose="020B0609020204030204" pitchFamily="49" charset="0"/>
-                <a:cs typeface="Consolas" panose="020B0609020204030204" pitchFamily="49" charset="0"/>
-              </a:rPr>
-              <a:t> </a:t>
-            </a:r>
-            <a:r>
-              <a:rPr lang="en-US" sz="1800" dirty="0" err="1">
-                <a:latin typeface="Consolas" panose="020B0609020204030204" pitchFamily="49" charset="0"/>
-                <a:cs typeface="Consolas" panose="020B0609020204030204" pitchFamily="49" charset="0"/>
-              </a:rPr>
-              <a:t>cut_run</a:t>
-            </a:r>
-            <a:r>
-              <a:rPr lang="en-US" sz="1800" dirty="0">
-                <a:latin typeface="Consolas" panose="020B0609020204030204" pitchFamily="49" charset="0"/>
-                <a:cs typeface="Consolas" panose="020B0609020204030204" pitchFamily="49" charset="0"/>
-              </a:rPr>
-              <a:t> -f </a:t>
-            </a:r>
-            <a:r>
-              <a:rPr lang="en-US" sz="1800" dirty="0" err="1">
-                <a:latin typeface="Consolas" panose="020B0609020204030204" pitchFamily="49" charset="0"/>
-                <a:cs typeface="Consolas" panose="020B0609020204030204" pitchFamily="49" charset="0"/>
-              </a:rPr>
-              <a:t>fastq.tsv</a:t>
-            </a:r>
-            <a:r>
-              <a:rPr lang="en-US" sz="1800" dirty="0">
-                <a:latin typeface="Consolas" panose="020B0609020204030204" pitchFamily="49" charset="0"/>
-                <a:cs typeface="Consolas" panose="020B0609020204030204" pitchFamily="49" charset="0"/>
-              </a:rPr>
-              <a:t> -d </a:t>
-            </a:r>
-            <a:r>
-              <a:rPr lang="en-US" sz="1800" dirty="0" err="1">
-                <a:latin typeface="Consolas" panose="020B0609020204030204" pitchFamily="49" charset="0"/>
-                <a:cs typeface="Consolas" panose="020B0609020204030204" pitchFamily="49" charset="0"/>
-              </a:rPr>
-              <a:t>peakcall.tsv</a:t>
-            </a:r>
-            <a:endParaRPr lang="en-US" sz="1800" dirty="0">
-              <a:latin typeface="Consolas" panose="020B0609020204030204" pitchFamily="49" charset="0"/>
-              <a:cs typeface="Consolas" panose="020B0609020204030204" pitchFamily="49" charset="0"/>
-            </a:endParaRPr>
-          </a:p>
-          <a:p>
-            <a:pPr lvl="1"/>
-            <a:endParaRPr lang="en-US" sz="1800" dirty="0">
-              <a:latin typeface="Consolas" panose="020B0609020204030204" pitchFamily="49" charset="0"/>
-              <a:cs typeface="Consolas" panose="020B0609020204030204" pitchFamily="49" charset="0"/>
-            </a:endParaRPr>
-          </a:p>
-          <a:p>
-            <a:pPr lvl="1"/>
-            <a:r>
-              <a:rPr lang="en-US" sz="1800" dirty="0" err="1">
-                <a:latin typeface="Consolas" panose="020B0609020204030204" pitchFamily="49" charset="0"/>
-                <a:cs typeface="Consolas" panose="020B0609020204030204" pitchFamily="49" charset="0"/>
-              </a:rPr>
-              <a:t>HemTools</a:t>
-            </a:r>
-            <a:r>
-              <a:rPr lang="en-US" sz="1800" dirty="0">
-                <a:latin typeface="Consolas" panose="020B0609020204030204" pitchFamily="49" charset="0"/>
-                <a:cs typeface="Consolas" panose="020B0609020204030204" pitchFamily="49" charset="0"/>
-              </a:rPr>
-              <a:t> </a:t>
-            </a:r>
-            <a:r>
-              <a:rPr lang="en-US" sz="1800" dirty="0" err="1">
-                <a:latin typeface="Consolas" panose="020B0609020204030204" pitchFamily="49" charset="0"/>
-                <a:cs typeface="Consolas" panose="020B0609020204030204" pitchFamily="49" charset="0"/>
-              </a:rPr>
-              <a:t>chip_seq_single</a:t>
-            </a:r>
-            <a:r>
-              <a:rPr lang="en-US" sz="1800" dirty="0">
-                <a:latin typeface="Consolas" panose="020B0609020204030204" pitchFamily="49" charset="0"/>
-                <a:cs typeface="Consolas" panose="020B0609020204030204" pitchFamily="49" charset="0"/>
-              </a:rPr>
-              <a:t> -f </a:t>
-            </a:r>
-            <a:r>
-              <a:rPr lang="en-US" sz="1800" dirty="0" err="1">
-                <a:latin typeface="Consolas" panose="020B0609020204030204" pitchFamily="49" charset="0"/>
-                <a:cs typeface="Consolas" panose="020B0609020204030204" pitchFamily="49" charset="0"/>
-              </a:rPr>
-              <a:t>fastq.tsv</a:t>
-            </a:r>
-            <a:r>
-              <a:rPr lang="en-US" sz="1800" dirty="0">
-                <a:latin typeface="Consolas" panose="020B0609020204030204" pitchFamily="49" charset="0"/>
-                <a:cs typeface="Consolas" panose="020B0609020204030204" pitchFamily="49" charset="0"/>
-              </a:rPr>
-              <a:t> -d </a:t>
-            </a:r>
-            <a:r>
-              <a:rPr lang="en-US" sz="1800" dirty="0" err="1">
-                <a:latin typeface="Consolas" panose="020B0609020204030204" pitchFamily="49" charset="0"/>
-                <a:cs typeface="Consolas" panose="020B0609020204030204" pitchFamily="49" charset="0"/>
-              </a:rPr>
-              <a:t>peakcall.tsv</a:t>
-            </a:r>
-            <a:endParaRPr lang="en-US" sz="1800" dirty="0">
-              <a:latin typeface="Consolas" panose="020B0609020204030204" pitchFamily="49" charset="0"/>
-              <a:cs typeface="Consolas" panose="020B0609020204030204" pitchFamily="49" charset="0"/>
-            </a:endParaRPr>
-          </a:p>
-          <a:p>
-            <a:pPr lvl="1"/>
-            <a:endParaRPr lang="en-US" sz="1800" dirty="0">
-              <a:latin typeface="Consolas" panose="020B0609020204030204" pitchFamily="49" charset="0"/>
-              <a:cs typeface="Consolas" panose="020B0609020204030204" pitchFamily="49" charset="0"/>
-            </a:endParaRPr>
-          </a:p>
-          <a:p>
-            <a:pPr lvl="1"/>
-            <a:r>
-              <a:rPr lang="en-US" sz="1800" dirty="0" err="1">
-                <a:latin typeface="Consolas" panose="020B0609020204030204" pitchFamily="49" charset="0"/>
-                <a:cs typeface="Consolas" panose="020B0609020204030204" pitchFamily="49" charset="0"/>
-              </a:rPr>
-              <a:t>HemTools</a:t>
-            </a:r>
-            <a:r>
-              <a:rPr lang="en-US" sz="1800" dirty="0">
-                <a:latin typeface="Consolas" panose="020B0609020204030204" pitchFamily="49" charset="0"/>
-                <a:cs typeface="Consolas" panose="020B0609020204030204" pitchFamily="49" charset="0"/>
-              </a:rPr>
-              <a:t> </a:t>
-            </a:r>
-            <a:r>
-              <a:rPr lang="en-US" sz="1800" dirty="0" err="1">
-                <a:latin typeface="Consolas" panose="020B0609020204030204" pitchFamily="49" charset="0"/>
-                <a:cs typeface="Consolas" panose="020B0609020204030204" pitchFamily="49" charset="0"/>
-              </a:rPr>
-              <a:t>chip_seq_pair</a:t>
-            </a:r>
-            <a:r>
-              <a:rPr lang="en-US" sz="1800" dirty="0">
-                <a:latin typeface="Consolas" panose="020B0609020204030204" pitchFamily="49" charset="0"/>
-                <a:cs typeface="Consolas" panose="020B0609020204030204" pitchFamily="49" charset="0"/>
-              </a:rPr>
-              <a:t> -f </a:t>
-            </a:r>
-            <a:r>
-              <a:rPr lang="en-US" sz="1800" dirty="0" err="1">
-                <a:latin typeface="Consolas" panose="020B0609020204030204" pitchFamily="49" charset="0"/>
-                <a:cs typeface="Consolas" panose="020B0609020204030204" pitchFamily="49" charset="0"/>
-              </a:rPr>
-              <a:t>fastq.tsv</a:t>
-            </a:r>
-            <a:r>
-              <a:rPr lang="en-US" sz="1800" dirty="0">
-                <a:latin typeface="Consolas" panose="020B0609020204030204" pitchFamily="49" charset="0"/>
-                <a:cs typeface="Consolas" panose="020B0609020204030204" pitchFamily="49" charset="0"/>
-              </a:rPr>
-              <a:t> -d </a:t>
-            </a:r>
-            <a:r>
-              <a:rPr lang="en-US" sz="1800" dirty="0" err="1">
-                <a:latin typeface="Consolas" panose="020B0609020204030204" pitchFamily="49" charset="0"/>
-                <a:cs typeface="Consolas" panose="020B0609020204030204" pitchFamily="49" charset="0"/>
-              </a:rPr>
-              <a:t>peakcall.tsv</a:t>
-            </a:r>
-            <a:endParaRPr lang="en-US" sz="1800" dirty="0">
-              <a:highlight>
-                <a:srgbClr val="C0C0C0"/>
-              </a:highlight>
-              <a:latin typeface="Consolas" panose="020B0609020204030204" pitchFamily="49" charset="0"/>
-              <a:cs typeface="Consolas" panose="020B0609020204030204" pitchFamily="49" charset="0"/>
-            </a:endParaRPr>
-          </a:p>
-          <a:p>
-            <a:pPr marL="0" indent="0">
-              <a:buNone/>
-            </a:pPr>
+              <a:t>-seq example</a:t>
+            </a:r>
+          </a:p>
+        </p:txBody>
+      </p:sp>
+      <p:sp>
+        <p:nvSpPr>
+          <p:cNvPr id="4" name="Rectangle 3">
+            <a:extLst>
+              <a:ext uri="{FF2B5EF4-FFF2-40B4-BE49-F238E27FC236}">
+                <a16:creationId xmlns:a16="http://schemas.microsoft.com/office/drawing/2014/main" id="{FB8DFCC4-92EE-4B25-B0D9-2C0381055F6C}"/>
+              </a:ext>
+            </a:extLst>
+          </p:cNvPr>
+          <p:cNvSpPr/>
+          <p:nvPr/>
+        </p:nvSpPr>
+        <p:spPr>
+          <a:xfrm>
+            <a:off x="1781263" y="6444626"/>
+            <a:ext cx="9144000" cy="369332"/>
+          </a:xfrm>
+          <a:prstGeom prst="rect">
+            <a:avLst/>
+          </a:prstGeom>
+        </p:spPr>
+        <p:txBody>
+          <a:bodyPr wrap="square">
+            <a:spAutoFit/>
+          </a:bodyPr>
+          <a:lstStyle/>
+          <a:p>
+            <a:r>
+              <a:rPr lang="en-US" dirty="0">
+                <a:hlinkClick r:id="rId2"/>
+              </a:rPr>
+              <a:t>https://hemtools.readthedocs.io/en/latest/content/NGS_pipelines/tutorial.html</a:t>
+            </a:r>
             <a:endParaRPr lang="en-US" dirty="0"/>
           </a:p>
         </p:txBody>
       </p:sp>
       <p:pic>
         <p:nvPicPr>
-          <p:cNvPr id="9" name="Picture 8">
-            <a:extLst>
-              <a:ext uri="{FF2B5EF4-FFF2-40B4-BE49-F238E27FC236}">
-                <a16:creationId xmlns:a16="http://schemas.microsoft.com/office/drawing/2014/main" id="{AE9236BD-9307-4323-9EBF-AD6C140C9E7A}"/>
+          <p:cNvPr id="3" name="Picture 2">
+            <a:extLst>
+              <a:ext uri="{FF2B5EF4-FFF2-40B4-BE49-F238E27FC236}">
+                <a16:creationId xmlns:a16="http://schemas.microsoft.com/office/drawing/2014/main" id="{59A2606C-D698-4ACD-B24B-05B6EE427E02}"/>
               </a:ext>
             </a:extLst>
           </p:cNvPr>
@@ -4135,77 +3697,25 @@
           <p:nvPr/>
         </p:nvPicPr>
         <p:blipFill>
-          <a:blip r:embed="rId2"/>
+          <a:blip r:embed="rId3"/>
           <a:stretch>
             <a:fillRect/>
           </a:stretch>
         </p:blipFill>
         <p:spPr>
           <a:xfrm>
-            <a:off x="5480957" y="505748"/>
-            <a:ext cx="6563936" cy="5987127"/>
+            <a:off x="1337257" y="1556770"/>
+            <a:ext cx="8477250" cy="4667250"/>
           </a:xfrm>
           <a:prstGeom prst="rect">
             <a:avLst/>
           </a:prstGeom>
         </p:spPr>
       </p:pic>
-      <p:sp>
-        <p:nvSpPr>
-          <p:cNvPr id="4" name="Rectangle 3">
-            <a:extLst>
-              <a:ext uri="{FF2B5EF4-FFF2-40B4-BE49-F238E27FC236}">
-                <a16:creationId xmlns:a16="http://schemas.microsoft.com/office/drawing/2014/main" id="{EFE7B173-0803-4D86-B053-2F94F2B47CE3}"/>
-              </a:ext>
-            </a:extLst>
-          </p:cNvPr>
-          <p:cNvSpPr/>
-          <p:nvPr/>
-        </p:nvSpPr>
-        <p:spPr>
-          <a:xfrm>
-            <a:off x="5589037" y="4683967"/>
-            <a:ext cx="6307494" cy="942392"/>
-          </a:xfrm>
-          <a:prstGeom prst="rect">
-            <a:avLst/>
-          </a:prstGeom>
-          <a:noFill/>
-          <a:ln>
-            <a:solidFill>
-              <a:srgbClr val="FF0000"/>
-            </a:solidFill>
-          </a:ln>
-        </p:spPr>
-        <p:style>
-          <a:lnRef idx="2">
-            <a:schemeClr val="accent1">
-              <a:shade val="50000"/>
-            </a:schemeClr>
-          </a:lnRef>
-          <a:fillRef idx="1">
-            <a:schemeClr val="accent1"/>
-          </a:fillRef>
-          <a:effectRef idx="0">
-            <a:schemeClr val="accent1"/>
-          </a:effectRef>
-          <a:fontRef idx="minor">
-            <a:schemeClr val="lt1"/>
-          </a:fontRef>
-        </p:style>
-        <p:txBody>
-          <a:bodyPr rtlCol="0" anchor="ctr"/>
-          <a:lstStyle/>
-          <a:p>
-            <a:pPr algn="ctr"/>
-            <a:endParaRPr lang="en-US"/>
-          </a:p>
-        </p:txBody>
-      </p:sp>
     </p:spTree>
     <p:extLst>
       <p:ext uri="{BB962C8B-B14F-4D97-AF65-F5344CB8AC3E}">
-        <p14:creationId xmlns:p14="http://schemas.microsoft.com/office/powerpoint/2010/main" val="498713462"/>
+        <p14:creationId xmlns:p14="http://schemas.microsoft.com/office/powerpoint/2010/main" val="327586922"/>
       </p:ext>
     </p:extLst>
   </p:cSld>
@@ -4237,6 +3747,1053 @@
           <p:cNvPr id="2" name="Title 1">
             <a:extLst>
               <a:ext uri="{FF2B5EF4-FFF2-40B4-BE49-F238E27FC236}">
+                <a16:creationId xmlns:a16="http://schemas.microsoft.com/office/drawing/2014/main" id="{2410D0D2-75EB-48A5-B504-0D0356EB6C4E}"/>
+              </a:ext>
+            </a:extLst>
+          </p:cNvPr>
+          <p:cNvSpPr>
+            <a:spLocks noGrp="1"/>
+          </p:cNvSpPr>
+          <p:nvPr>
+            <p:ph type="title"/>
+          </p:nvPr>
+        </p:nvSpPr>
+        <p:spPr/>
+        <p:txBody>
+          <a:bodyPr/>
+          <a:lstStyle/>
+          <a:p>
+            <a:r>
+              <a:rPr lang="en-US" dirty="0"/>
+              <a:t>Paired-end </a:t>
+            </a:r>
+            <a:r>
+              <a:rPr lang="en-US" dirty="0" err="1"/>
+              <a:t>ChIP</a:t>
+            </a:r>
+            <a:r>
+              <a:rPr lang="en-US" dirty="0"/>
+              <a:t>-seq example</a:t>
+            </a:r>
+          </a:p>
+        </p:txBody>
+      </p:sp>
+      <p:sp>
+        <p:nvSpPr>
+          <p:cNvPr id="4" name="Rectangle 3">
+            <a:extLst>
+              <a:ext uri="{FF2B5EF4-FFF2-40B4-BE49-F238E27FC236}">
+                <a16:creationId xmlns:a16="http://schemas.microsoft.com/office/drawing/2014/main" id="{FB8DFCC4-92EE-4B25-B0D9-2C0381055F6C}"/>
+              </a:ext>
+            </a:extLst>
+          </p:cNvPr>
+          <p:cNvSpPr/>
+          <p:nvPr/>
+        </p:nvSpPr>
+        <p:spPr>
+          <a:xfrm>
+            <a:off x="1781263" y="6444626"/>
+            <a:ext cx="9144000" cy="369332"/>
+          </a:xfrm>
+          <a:prstGeom prst="rect">
+            <a:avLst/>
+          </a:prstGeom>
+        </p:spPr>
+        <p:txBody>
+          <a:bodyPr wrap="square">
+            <a:spAutoFit/>
+          </a:bodyPr>
+          <a:lstStyle/>
+          <a:p>
+            <a:r>
+              <a:rPr lang="en-US" dirty="0">
+                <a:hlinkClick r:id="rId2"/>
+              </a:rPr>
+              <a:t>https://hemtools.readthedocs.io/en/latest/content/NGS_pipelines/tutorial.html</a:t>
+            </a:r>
+            <a:endParaRPr lang="en-US" dirty="0"/>
+          </a:p>
+        </p:txBody>
+      </p:sp>
+      <p:pic>
+        <p:nvPicPr>
+          <p:cNvPr id="3" name="Picture 2">
+            <a:extLst>
+              <a:ext uri="{FF2B5EF4-FFF2-40B4-BE49-F238E27FC236}">
+                <a16:creationId xmlns:a16="http://schemas.microsoft.com/office/drawing/2014/main" id="{D9E35EBD-9C22-4F59-BF49-06A2ED94D472}"/>
+              </a:ext>
+            </a:extLst>
+          </p:cNvPr>
+          <p:cNvPicPr>
+            <a:picLocks noChangeAspect="1"/>
+          </p:cNvPicPr>
+          <p:nvPr/>
+        </p:nvPicPr>
+        <p:blipFill>
+          <a:blip r:embed="rId3"/>
+          <a:stretch>
+            <a:fillRect/>
+          </a:stretch>
+        </p:blipFill>
+        <p:spPr>
+          <a:xfrm>
+            <a:off x="1627245" y="1609156"/>
+            <a:ext cx="8467725" cy="4562475"/>
+          </a:xfrm>
+          <a:prstGeom prst="rect">
+            <a:avLst/>
+          </a:prstGeom>
+        </p:spPr>
+      </p:pic>
+    </p:spTree>
+    <p:extLst>
+      <p:ext uri="{BB962C8B-B14F-4D97-AF65-F5344CB8AC3E}">
+        <p14:creationId xmlns:p14="http://schemas.microsoft.com/office/powerpoint/2010/main" val="3061217495"/>
+      </p:ext>
+    </p:extLst>
+  </p:cSld>
+  <p:clrMapOvr>
+    <a:masterClrMapping/>
+  </p:clrMapOvr>
+</p:sld>
+</file>
+
+<file path=ppt/slides/slide13.xml><?xml version="1.0" encoding="utf-8"?>
+<p:sld xmlns:a="http://schemas.openxmlformats.org/drawingml/2006/main" xmlns:r="http://schemas.openxmlformats.org/officeDocument/2006/relationships" xmlns:p="http://schemas.openxmlformats.org/presentationml/2006/main">
+  <p:cSld>
+    <p:spTree>
+      <p:nvGrpSpPr>
+        <p:cNvPr id="1" name=""/>
+        <p:cNvGrpSpPr/>
+        <p:nvPr/>
+      </p:nvGrpSpPr>
+      <p:grpSpPr>
+        <a:xfrm>
+          <a:off x="0" y="0"/>
+          <a:ext cx="0" cy="0"/>
+          <a:chOff x="0" y="0"/>
+          <a:chExt cx="0" cy="0"/>
+        </a:xfrm>
+      </p:grpSpPr>
+      <p:sp>
+        <p:nvSpPr>
+          <p:cNvPr id="2" name="Title 1">
+            <a:extLst>
+              <a:ext uri="{FF2B5EF4-FFF2-40B4-BE49-F238E27FC236}">
+                <a16:creationId xmlns:a16="http://schemas.microsoft.com/office/drawing/2014/main" id="{2410D0D2-75EB-48A5-B504-0D0356EB6C4E}"/>
+              </a:ext>
+            </a:extLst>
+          </p:cNvPr>
+          <p:cNvSpPr>
+            <a:spLocks noGrp="1"/>
+          </p:cNvSpPr>
+          <p:nvPr>
+            <p:ph type="title"/>
+          </p:nvPr>
+        </p:nvSpPr>
+        <p:spPr/>
+        <p:txBody>
+          <a:bodyPr/>
+          <a:lstStyle/>
+          <a:p>
+            <a:r>
+              <a:rPr lang="en-US" dirty="0"/>
+              <a:t>CUT &amp; RUN example</a:t>
+            </a:r>
+          </a:p>
+        </p:txBody>
+      </p:sp>
+      <p:sp>
+        <p:nvSpPr>
+          <p:cNvPr id="4" name="Rectangle 3">
+            <a:extLst>
+              <a:ext uri="{FF2B5EF4-FFF2-40B4-BE49-F238E27FC236}">
+                <a16:creationId xmlns:a16="http://schemas.microsoft.com/office/drawing/2014/main" id="{FB8DFCC4-92EE-4B25-B0D9-2C0381055F6C}"/>
+              </a:ext>
+            </a:extLst>
+          </p:cNvPr>
+          <p:cNvSpPr/>
+          <p:nvPr/>
+        </p:nvSpPr>
+        <p:spPr>
+          <a:xfrm>
+            <a:off x="1781263" y="6444626"/>
+            <a:ext cx="9144000" cy="369332"/>
+          </a:xfrm>
+          <a:prstGeom prst="rect">
+            <a:avLst/>
+          </a:prstGeom>
+        </p:spPr>
+        <p:txBody>
+          <a:bodyPr wrap="square">
+            <a:spAutoFit/>
+          </a:bodyPr>
+          <a:lstStyle/>
+          <a:p>
+            <a:r>
+              <a:rPr lang="en-US" dirty="0">
+                <a:hlinkClick r:id="rId2"/>
+              </a:rPr>
+              <a:t>https://hemtools.readthedocs.io/en/latest/content/NGS_pipelines/tutorial.html</a:t>
+            </a:r>
+            <a:endParaRPr lang="en-US" dirty="0"/>
+          </a:p>
+        </p:txBody>
+      </p:sp>
+      <p:pic>
+        <p:nvPicPr>
+          <p:cNvPr id="3" name="Picture 2">
+            <a:extLst>
+              <a:ext uri="{FF2B5EF4-FFF2-40B4-BE49-F238E27FC236}">
+                <a16:creationId xmlns:a16="http://schemas.microsoft.com/office/drawing/2014/main" id="{533B4F16-33D3-404F-836D-D946C57C9CC8}"/>
+              </a:ext>
+            </a:extLst>
+          </p:cNvPr>
+          <p:cNvPicPr>
+            <a:picLocks noChangeAspect="1"/>
+          </p:cNvPicPr>
+          <p:nvPr/>
+        </p:nvPicPr>
+        <p:blipFill>
+          <a:blip r:embed="rId3"/>
+          <a:stretch>
+            <a:fillRect/>
+          </a:stretch>
+        </p:blipFill>
+        <p:spPr>
+          <a:xfrm>
+            <a:off x="1682342" y="1690688"/>
+            <a:ext cx="8458200" cy="4562475"/>
+          </a:xfrm>
+          <a:prstGeom prst="rect">
+            <a:avLst/>
+          </a:prstGeom>
+        </p:spPr>
+      </p:pic>
+    </p:spTree>
+    <p:extLst>
+      <p:ext uri="{BB962C8B-B14F-4D97-AF65-F5344CB8AC3E}">
+        <p14:creationId xmlns:p14="http://schemas.microsoft.com/office/powerpoint/2010/main" val="3978130672"/>
+      </p:ext>
+    </p:extLst>
+  </p:cSld>
+  <p:clrMapOvr>
+    <a:masterClrMapping/>
+  </p:clrMapOvr>
+</p:sld>
+</file>
+
+<file path=ppt/slides/slide14.xml><?xml version="1.0" encoding="utf-8"?>
+<p:sld xmlns:a="http://schemas.openxmlformats.org/drawingml/2006/main" xmlns:r="http://schemas.openxmlformats.org/officeDocument/2006/relationships" xmlns:p="http://schemas.openxmlformats.org/presentationml/2006/main">
+  <p:cSld>
+    <p:spTree>
+      <p:nvGrpSpPr>
+        <p:cNvPr id="1" name=""/>
+        <p:cNvGrpSpPr/>
+        <p:nvPr/>
+      </p:nvGrpSpPr>
+      <p:grpSpPr>
+        <a:xfrm>
+          <a:off x="0" y="0"/>
+          <a:ext cx="0" cy="0"/>
+          <a:chOff x="0" y="0"/>
+          <a:chExt cx="0" cy="0"/>
+        </a:xfrm>
+      </p:grpSpPr>
+      <p:sp>
+        <p:nvSpPr>
+          <p:cNvPr id="2" name="Title 1">
+            <a:extLst>
+              <a:ext uri="{FF2B5EF4-FFF2-40B4-BE49-F238E27FC236}">
+                <a16:creationId xmlns:a16="http://schemas.microsoft.com/office/drawing/2014/main" id="{15AD1A34-A8B2-48D0-951F-79751EADEEC7}"/>
+              </a:ext>
+            </a:extLst>
+          </p:cNvPr>
+          <p:cNvSpPr>
+            <a:spLocks noGrp="1"/>
+          </p:cNvSpPr>
+          <p:nvPr>
+            <p:ph type="title"/>
+          </p:nvPr>
+        </p:nvSpPr>
+        <p:spPr/>
+        <p:txBody>
+          <a:bodyPr/>
+          <a:lstStyle/>
+          <a:p>
+            <a:r>
+              <a:rPr lang="en-US" dirty="0"/>
+              <a:t>General principles</a:t>
+            </a:r>
+          </a:p>
+        </p:txBody>
+      </p:sp>
+      <p:sp>
+        <p:nvSpPr>
+          <p:cNvPr id="3" name="Content Placeholder 2">
+            <a:extLst>
+              <a:ext uri="{FF2B5EF4-FFF2-40B4-BE49-F238E27FC236}">
+                <a16:creationId xmlns:a16="http://schemas.microsoft.com/office/drawing/2014/main" id="{0BBFE8CB-EE31-4B7B-8AD9-AC66241D81BD}"/>
+              </a:ext>
+            </a:extLst>
+          </p:cNvPr>
+          <p:cNvSpPr>
+            <a:spLocks noGrp="1"/>
+          </p:cNvSpPr>
+          <p:nvPr>
+            <p:ph idx="1"/>
+          </p:nvPr>
+        </p:nvSpPr>
+        <p:spPr>
+          <a:xfrm>
+            <a:off x="838200" y="1825625"/>
+            <a:ext cx="10515600" cy="4351338"/>
+          </a:xfrm>
+        </p:spPr>
+        <p:txBody>
+          <a:bodyPr/>
+          <a:lstStyle/>
+          <a:p>
+            <a:r>
+              <a:rPr lang="en-US" dirty="0"/>
+              <a:t>Command format</a:t>
+            </a:r>
+          </a:p>
+          <a:p>
+            <a:pPr lvl="1"/>
+            <a:r>
+              <a:rPr lang="en-US" dirty="0" err="1"/>
+              <a:t>HemTools</a:t>
+            </a:r>
+            <a:r>
+              <a:rPr lang="en-US" dirty="0"/>
+              <a:t>   </a:t>
+            </a:r>
+            <a:r>
+              <a:rPr lang="en-US" dirty="0" err="1"/>
+              <a:t>subcmd</a:t>
+            </a:r>
+            <a:r>
+              <a:rPr lang="en-US" dirty="0"/>
+              <a:t>   </a:t>
+            </a:r>
+            <a:r>
+              <a:rPr lang="en-US" dirty="0" err="1"/>
+              <a:t>some_required_parameters</a:t>
+            </a:r>
+            <a:br>
+              <a:rPr lang="en-US" dirty="0"/>
+            </a:br>
+            <a:endParaRPr lang="en-US" dirty="0"/>
+          </a:p>
+          <a:p>
+            <a:pPr lvl="1"/>
+            <a:r>
+              <a:rPr lang="en-US" sz="1800" dirty="0" err="1">
+                <a:latin typeface="Consolas" panose="020B0609020204030204" pitchFamily="49" charset="0"/>
+                <a:cs typeface="Consolas" panose="020B0609020204030204" pitchFamily="49" charset="0"/>
+              </a:rPr>
+              <a:t>HemTools</a:t>
+            </a:r>
+            <a:r>
+              <a:rPr lang="en-US" sz="1800" dirty="0">
+                <a:latin typeface="Consolas" panose="020B0609020204030204" pitchFamily="49" charset="0"/>
+                <a:cs typeface="Consolas" panose="020B0609020204030204" pitchFamily="49" charset="0"/>
+              </a:rPr>
+              <a:t> </a:t>
+            </a:r>
+            <a:r>
+              <a:rPr lang="en-US" sz="1800" dirty="0" err="1">
+                <a:latin typeface="Consolas" panose="020B0609020204030204" pitchFamily="49" charset="0"/>
+                <a:cs typeface="Consolas" panose="020B0609020204030204" pitchFamily="49" charset="0"/>
+              </a:rPr>
+              <a:t>atac_seq</a:t>
+            </a:r>
+            <a:r>
+              <a:rPr lang="en-US" sz="1800" dirty="0">
+                <a:latin typeface="Consolas" panose="020B0609020204030204" pitchFamily="49" charset="0"/>
+                <a:cs typeface="Consolas" panose="020B0609020204030204" pitchFamily="49" charset="0"/>
+              </a:rPr>
+              <a:t> -f </a:t>
+            </a:r>
+            <a:r>
+              <a:rPr lang="en-US" sz="1800" dirty="0" err="1">
+                <a:latin typeface="Consolas" panose="020B0609020204030204" pitchFamily="49" charset="0"/>
+                <a:cs typeface="Consolas" panose="020B0609020204030204" pitchFamily="49" charset="0"/>
+              </a:rPr>
+              <a:t>fastq.tsv</a:t>
+            </a:r>
+            <a:br>
+              <a:rPr lang="en-US" sz="1800" dirty="0">
+                <a:latin typeface="Consolas" panose="020B0609020204030204" pitchFamily="49" charset="0"/>
+                <a:cs typeface="Consolas" panose="020B0609020204030204" pitchFamily="49" charset="0"/>
+              </a:rPr>
+            </a:br>
+            <a:endParaRPr lang="en-US" sz="1800" dirty="0">
+              <a:latin typeface="Consolas" panose="020B0609020204030204" pitchFamily="49" charset="0"/>
+              <a:cs typeface="Consolas" panose="020B0609020204030204" pitchFamily="49" charset="0"/>
+            </a:endParaRPr>
+          </a:p>
+          <a:p>
+            <a:pPr lvl="1"/>
+            <a:r>
+              <a:rPr lang="en-US" sz="1800" dirty="0" err="1">
+                <a:latin typeface="Consolas" panose="020B0609020204030204" pitchFamily="49" charset="0"/>
+                <a:cs typeface="Consolas" panose="020B0609020204030204" pitchFamily="49" charset="0"/>
+              </a:rPr>
+              <a:t>HemTools</a:t>
+            </a:r>
+            <a:r>
+              <a:rPr lang="en-US" sz="1800" dirty="0">
+                <a:latin typeface="Consolas" panose="020B0609020204030204" pitchFamily="49" charset="0"/>
+                <a:cs typeface="Consolas" panose="020B0609020204030204" pitchFamily="49" charset="0"/>
+              </a:rPr>
+              <a:t> </a:t>
+            </a:r>
+            <a:r>
+              <a:rPr lang="en-US" sz="1800" dirty="0" err="1">
+                <a:latin typeface="Consolas" panose="020B0609020204030204" pitchFamily="49" charset="0"/>
+                <a:cs typeface="Consolas" panose="020B0609020204030204" pitchFamily="49" charset="0"/>
+              </a:rPr>
+              <a:t>cut_run</a:t>
+            </a:r>
+            <a:r>
+              <a:rPr lang="en-US" sz="1800" dirty="0">
+                <a:latin typeface="Consolas" panose="020B0609020204030204" pitchFamily="49" charset="0"/>
+                <a:cs typeface="Consolas" panose="020B0609020204030204" pitchFamily="49" charset="0"/>
+              </a:rPr>
+              <a:t> -f </a:t>
+            </a:r>
+            <a:r>
+              <a:rPr lang="en-US" sz="1800" dirty="0" err="1">
+                <a:latin typeface="Consolas" panose="020B0609020204030204" pitchFamily="49" charset="0"/>
+                <a:cs typeface="Consolas" panose="020B0609020204030204" pitchFamily="49" charset="0"/>
+              </a:rPr>
+              <a:t>fastq.tsv</a:t>
+            </a:r>
+            <a:r>
+              <a:rPr lang="en-US" sz="1800" dirty="0">
+                <a:latin typeface="Consolas" panose="020B0609020204030204" pitchFamily="49" charset="0"/>
+                <a:cs typeface="Consolas" panose="020B0609020204030204" pitchFamily="49" charset="0"/>
+              </a:rPr>
+              <a:t> -d </a:t>
+            </a:r>
+            <a:r>
+              <a:rPr lang="en-US" sz="1800" dirty="0" err="1">
+                <a:latin typeface="Consolas" panose="020B0609020204030204" pitchFamily="49" charset="0"/>
+                <a:cs typeface="Consolas" panose="020B0609020204030204" pitchFamily="49" charset="0"/>
+              </a:rPr>
+              <a:t>peakcall.tsv</a:t>
+            </a:r>
+            <a:br>
+              <a:rPr lang="en-US" sz="1800" dirty="0">
+                <a:latin typeface="Consolas" panose="020B0609020204030204" pitchFamily="49" charset="0"/>
+                <a:cs typeface="Consolas" panose="020B0609020204030204" pitchFamily="49" charset="0"/>
+              </a:rPr>
+            </a:br>
+            <a:endParaRPr lang="en-US" sz="1800" dirty="0">
+              <a:latin typeface="Consolas" panose="020B0609020204030204" pitchFamily="49" charset="0"/>
+              <a:cs typeface="Consolas" panose="020B0609020204030204" pitchFamily="49" charset="0"/>
+            </a:endParaRPr>
+          </a:p>
+          <a:p>
+            <a:pPr lvl="1"/>
+            <a:r>
+              <a:rPr lang="en-US" sz="1800" dirty="0" err="1">
+                <a:latin typeface="Consolas" panose="020B0609020204030204" pitchFamily="49" charset="0"/>
+                <a:cs typeface="Consolas" panose="020B0609020204030204" pitchFamily="49" charset="0"/>
+              </a:rPr>
+              <a:t>HemTools</a:t>
+            </a:r>
+            <a:r>
+              <a:rPr lang="en-US" sz="1800" dirty="0">
+                <a:latin typeface="Consolas" panose="020B0609020204030204" pitchFamily="49" charset="0"/>
+                <a:cs typeface="Consolas" panose="020B0609020204030204" pitchFamily="49" charset="0"/>
+              </a:rPr>
+              <a:t> </a:t>
+            </a:r>
+            <a:r>
+              <a:rPr lang="en-US" sz="1800" dirty="0" err="1">
+                <a:latin typeface="Consolas" panose="020B0609020204030204" pitchFamily="49" charset="0"/>
+                <a:cs typeface="Consolas" panose="020B0609020204030204" pitchFamily="49" charset="0"/>
+              </a:rPr>
+              <a:t>chip_seq_single</a:t>
+            </a:r>
+            <a:r>
+              <a:rPr lang="en-US" sz="1800" dirty="0">
+                <a:latin typeface="Consolas" panose="020B0609020204030204" pitchFamily="49" charset="0"/>
+                <a:cs typeface="Consolas" panose="020B0609020204030204" pitchFamily="49" charset="0"/>
+              </a:rPr>
+              <a:t> -f </a:t>
+            </a:r>
+            <a:r>
+              <a:rPr lang="en-US" sz="1800" dirty="0" err="1">
+                <a:latin typeface="Consolas" panose="020B0609020204030204" pitchFamily="49" charset="0"/>
+                <a:cs typeface="Consolas" panose="020B0609020204030204" pitchFamily="49" charset="0"/>
+              </a:rPr>
+              <a:t>fastq.tsv</a:t>
+            </a:r>
+            <a:r>
+              <a:rPr lang="en-US" sz="1800" dirty="0">
+                <a:latin typeface="Consolas" panose="020B0609020204030204" pitchFamily="49" charset="0"/>
+                <a:cs typeface="Consolas" panose="020B0609020204030204" pitchFamily="49" charset="0"/>
+              </a:rPr>
+              <a:t> -d </a:t>
+            </a:r>
+            <a:r>
+              <a:rPr lang="en-US" sz="1800" dirty="0" err="1">
+                <a:latin typeface="Consolas" panose="020B0609020204030204" pitchFamily="49" charset="0"/>
+                <a:cs typeface="Consolas" panose="020B0609020204030204" pitchFamily="49" charset="0"/>
+              </a:rPr>
+              <a:t>peakcall.tsv</a:t>
+            </a:r>
+            <a:br>
+              <a:rPr lang="en-US" sz="1800" dirty="0">
+                <a:latin typeface="Consolas" panose="020B0609020204030204" pitchFamily="49" charset="0"/>
+                <a:cs typeface="Consolas" panose="020B0609020204030204" pitchFamily="49" charset="0"/>
+              </a:rPr>
+            </a:br>
+            <a:endParaRPr lang="en-US" sz="1800" dirty="0">
+              <a:latin typeface="Consolas" panose="020B0609020204030204" pitchFamily="49" charset="0"/>
+              <a:cs typeface="Consolas" panose="020B0609020204030204" pitchFamily="49" charset="0"/>
+            </a:endParaRPr>
+          </a:p>
+          <a:p>
+            <a:pPr lvl="1"/>
+            <a:r>
+              <a:rPr lang="en-US" sz="1800" dirty="0" err="1">
+                <a:latin typeface="Consolas" panose="020B0609020204030204" pitchFamily="49" charset="0"/>
+                <a:cs typeface="Consolas" panose="020B0609020204030204" pitchFamily="49" charset="0"/>
+              </a:rPr>
+              <a:t>HemTools</a:t>
+            </a:r>
+            <a:r>
+              <a:rPr lang="en-US" sz="1800" dirty="0">
+                <a:latin typeface="Consolas" panose="020B0609020204030204" pitchFamily="49" charset="0"/>
+                <a:cs typeface="Consolas" panose="020B0609020204030204" pitchFamily="49" charset="0"/>
+              </a:rPr>
+              <a:t> </a:t>
+            </a:r>
+            <a:r>
+              <a:rPr lang="en-US" sz="1800" dirty="0" err="1">
+                <a:latin typeface="Consolas" panose="020B0609020204030204" pitchFamily="49" charset="0"/>
+                <a:cs typeface="Consolas" panose="020B0609020204030204" pitchFamily="49" charset="0"/>
+              </a:rPr>
+              <a:t>chip_seq_pair</a:t>
+            </a:r>
+            <a:r>
+              <a:rPr lang="en-US" sz="1800" dirty="0">
+                <a:latin typeface="Consolas" panose="020B0609020204030204" pitchFamily="49" charset="0"/>
+                <a:cs typeface="Consolas" panose="020B0609020204030204" pitchFamily="49" charset="0"/>
+              </a:rPr>
+              <a:t> -f </a:t>
+            </a:r>
+            <a:r>
+              <a:rPr lang="en-US" sz="1800" dirty="0" err="1">
+                <a:latin typeface="Consolas" panose="020B0609020204030204" pitchFamily="49" charset="0"/>
+                <a:cs typeface="Consolas" panose="020B0609020204030204" pitchFamily="49" charset="0"/>
+              </a:rPr>
+              <a:t>fastq.tsv</a:t>
+            </a:r>
+            <a:r>
+              <a:rPr lang="en-US" sz="1800" dirty="0">
+                <a:latin typeface="Consolas" panose="020B0609020204030204" pitchFamily="49" charset="0"/>
+                <a:cs typeface="Consolas" panose="020B0609020204030204" pitchFamily="49" charset="0"/>
+              </a:rPr>
+              <a:t> -d </a:t>
+            </a:r>
+            <a:r>
+              <a:rPr lang="en-US" sz="1800" dirty="0" err="1">
+                <a:latin typeface="Consolas" panose="020B0609020204030204" pitchFamily="49" charset="0"/>
+                <a:cs typeface="Consolas" panose="020B0609020204030204" pitchFamily="49" charset="0"/>
+              </a:rPr>
+              <a:t>peakcall.tsv</a:t>
+            </a:r>
+            <a:endParaRPr lang="en-US" sz="1800" dirty="0">
+              <a:latin typeface="Consolas" panose="020B0609020204030204" pitchFamily="49" charset="0"/>
+              <a:cs typeface="Consolas" panose="020B0609020204030204" pitchFamily="49" charset="0"/>
+            </a:endParaRPr>
+          </a:p>
+          <a:p>
+            <a:pPr lvl="1"/>
+            <a:endParaRPr lang="en-US" sz="1800" dirty="0">
+              <a:highlight>
+                <a:srgbClr val="C0C0C0"/>
+              </a:highlight>
+              <a:latin typeface="Consolas" panose="020B0609020204030204" pitchFamily="49" charset="0"/>
+              <a:cs typeface="Consolas" panose="020B0609020204030204" pitchFamily="49" charset="0"/>
+            </a:endParaRPr>
+          </a:p>
+          <a:p>
+            <a:pPr lvl="1"/>
+            <a:r>
+              <a:rPr lang="en-US" sz="1800" dirty="0" err="1">
+                <a:latin typeface="Consolas" panose="020B0609020204030204" pitchFamily="49" charset="0"/>
+                <a:cs typeface="Consolas" panose="020B0609020204030204" pitchFamily="49" charset="0"/>
+              </a:rPr>
+              <a:t>subcmd</a:t>
+            </a:r>
+            <a:r>
+              <a:rPr lang="en-US" sz="1800" dirty="0">
+                <a:latin typeface="Consolas" panose="020B0609020204030204" pitchFamily="49" charset="0"/>
+                <a:cs typeface="Consolas" panose="020B0609020204030204" pitchFamily="49" charset="0"/>
+              </a:rPr>
+              <a:t> is case-insensitive</a:t>
+            </a:r>
+          </a:p>
+          <a:p>
+            <a:endParaRPr lang="en-US" dirty="0"/>
+          </a:p>
+        </p:txBody>
+      </p:sp>
+    </p:spTree>
+    <p:extLst>
+      <p:ext uri="{BB962C8B-B14F-4D97-AF65-F5344CB8AC3E}">
+        <p14:creationId xmlns:p14="http://schemas.microsoft.com/office/powerpoint/2010/main" val="1781342097"/>
+      </p:ext>
+    </p:extLst>
+  </p:cSld>
+  <p:clrMapOvr>
+    <a:masterClrMapping/>
+  </p:clrMapOvr>
+</p:sld>
+</file>
+
+<file path=ppt/slides/slide15.xml><?xml version="1.0" encoding="utf-8"?>
+<p:sld xmlns:a="http://schemas.openxmlformats.org/drawingml/2006/main" xmlns:r="http://schemas.openxmlformats.org/officeDocument/2006/relationships" xmlns:p="http://schemas.openxmlformats.org/presentationml/2006/main">
+  <p:cSld>
+    <p:spTree>
+      <p:nvGrpSpPr>
+        <p:cNvPr id="1" name=""/>
+        <p:cNvGrpSpPr/>
+        <p:nvPr/>
+      </p:nvGrpSpPr>
+      <p:grpSpPr>
+        <a:xfrm>
+          <a:off x="0" y="0"/>
+          <a:ext cx="0" cy="0"/>
+          <a:chOff x="0" y="0"/>
+          <a:chExt cx="0" cy="0"/>
+        </a:xfrm>
+      </p:grpSpPr>
+      <p:sp>
+        <p:nvSpPr>
+          <p:cNvPr id="2" name="Title 1">
+            <a:extLst>
+              <a:ext uri="{FF2B5EF4-FFF2-40B4-BE49-F238E27FC236}">
+                <a16:creationId xmlns:a16="http://schemas.microsoft.com/office/drawing/2014/main" id="{15AD1A34-A8B2-48D0-951F-79751EADEEC7}"/>
+              </a:ext>
+            </a:extLst>
+          </p:cNvPr>
+          <p:cNvSpPr>
+            <a:spLocks noGrp="1"/>
+          </p:cNvSpPr>
+          <p:nvPr>
+            <p:ph type="title"/>
+          </p:nvPr>
+        </p:nvSpPr>
+        <p:spPr/>
+        <p:txBody>
+          <a:bodyPr/>
+          <a:lstStyle/>
+          <a:p>
+            <a:r>
+              <a:rPr lang="en-US" dirty="0"/>
+              <a:t>General principles</a:t>
+            </a:r>
+          </a:p>
+        </p:txBody>
+      </p:sp>
+      <p:sp>
+        <p:nvSpPr>
+          <p:cNvPr id="3" name="Content Placeholder 2">
+            <a:extLst>
+              <a:ext uri="{FF2B5EF4-FFF2-40B4-BE49-F238E27FC236}">
+                <a16:creationId xmlns:a16="http://schemas.microsoft.com/office/drawing/2014/main" id="{0BBFE8CB-EE31-4B7B-8AD9-AC66241D81BD}"/>
+              </a:ext>
+            </a:extLst>
+          </p:cNvPr>
+          <p:cNvSpPr>
+            <a:spLocks noGrp="1"/>
+          </p:cNvSpPr>
+          <p:nvPr>
+            <p:ph idx="1"/>
+          </p:nvPr>
+        </p:nvSpPr>
+        <p:spPr>
+          <a:xfrm>
+            <a:off x="838200" y="1825625"/>
+            <a:ext cx="4642757" cy="4351338"/>
+          </a:xfrm>
+        </p:spPr>
+        <p:txBody>
+          <a:bodyPr/>
+          <a:lstStyle/>
+          <a:p>
+            <a:r>
+              <a:rPr lang="en-US" dirty="0"/>
+              <a:t>Required parameters</a:t>
+            </a:r>
+          </a:p>
+          <a:p>
+            <a:pPr lvl="1"/>
+            <a:r>
+              <a:rPr lang="en-US" sz="1800" dirty="0" err="1">
+                <a:latin typeface="Consolas" panose="020B0609020204030204" pitchFamily="49" charset="0"/>
+                <a:cs typeface="Consolas" panose="020B0609020204030204" pitchFamily="49" charset="0"/>
+              </a:rPr>
+              <a:t>HemTools</a:t>
+            </a:r>
+            <a:r>
+              <a:rPr lang="en-US" sz="1800" dirty="0">
+                <a:latin typeface="Consolas" panose="020B0609020204030204" pitchFamily="49" charset="0"/>
+                <a:cs typeface="Consolas" panose="020B0609020204030204" pitchFamily="49" charset="0"/>
+              </a:rPr>
+              <a:t> </a:t>
+            </a:r>
+            <a:r>
+              <a:rPr lang="en-US" sz="1800" dirty="0" err="1">
+                <a:latin typeface="Consolas" panose="020B0609020204030204" pitchFamily="49" charset="0"/>
+                <a:cs typeface="Consolas" panose="020B0609020204030204" pitchFamily="49" charset="0"/>
+              </a:rPr>
+              <a:t>atac_seq</a:t>
+            </a:r>
+            <a:r>
+              <a:rPr lang="en-US" sz="1800" dirty="0">
+                <a:latin typeface="Consolas" panose="020B0609020204030204" pitchFamily="49" charset="0"/>
+                <a:cs typeface="Consolas" panose="020B0609020204030204" pitchFamily="49" charset="0"/>
+              </a:rPr>
+              <a:t> -f </a:t>
+            </a:r>
+            <a:r>
+              <a:rPr lang="en-US" sz="1800" dirty="0" err="1">
+                <a:latin typeface="Consolas" panose="020B0609020204030204" pitchFamily="49" charset="0"/>
+                <a:cs typeface="Consolas" panose="020B0609020204030204" pitchFamily="49" charset="0"/>
+              </a:rPr>
+              <a:t>fastq.tsv</a:t>
+            </a:r>
+            <a:endParaRPr lang="en-US" sz="1800" dirty="0">
+              <a:latin typeface="Consolas" panose="020B0609020204030204" pitchFamily="49" charset="0"/>
+              <a:cs typeface="Consolas" panose="020B0609020204030204" pitchFamily="49" charset="0"/>
+            </a:endParaRPr>
+          </a:p>
+          <a:p>
+            <a:pPr lvl="1"/>
+            <a:endParaRPr lang="en-US" sz="1800" dirty="0">
+              <a:latin typeface="Consolas" panose="020B0609020204030204" pitchFamily="49" charset="0"/>
+              <a:cs typeface="Consolas" panose="020B0609020204030204" pitchFamily="49" charset="0"/>
+            </a:endParaRPr>
+          </a:p>
+          <a:p>
+            <a:pPr lvl="1"/>
+            <a:r>
+              <a:rPr lang="en-US" sz="1800" dirty="0" err="1">
+                <a:latin typeface="Consolas" panose="020B0609020204030204" pitchFamily="49" charset="0"/>
+                <a:cs typeface="Consolas" panose="020B0609020204030204" pitchFamily="49" charset="0"/>
+              </a:rPr>
+              <a:t>HemTools</a:t>
+            </a:r>
+            <a:r>
+              <a:rPr lang="en-US" sz="1800" dirty="0">
+                <a:latin typeface="Consolas" panose="020B0609020204030204" pitchFamily="49" charset="0"/>
+                <a:cs typeface="Consolas" panose="020B0609020204030204" pitchFamily="49" charset="0"/>
+              </a:rPr>
+              <a:t> </a:t>
+            </a:r>
+            <a:r>
+              <a:rPr lang="en-US" sz="1800" dirty="0" err="1">
+                <a:latin typeface="Consolas" panose="020B0609020204030204" pitchFamily="49" charset="0"/>
+                <a:cs typeface="Consolas" panose="020B0609020204030204" pitchFamily="49" charset="0"/>
+              </a:rPr>
+              <a:t>cut_run</a:t>
+            </a:r>
+            <a:r>
+              <a:rPr lang="en-US" sz="1800" dirty="0">
+                <a:latin typeface="Consolas" panose="020B0609020204030204" pitchFamily="49" charset="0"/>
+                <a:cs typeface="Consolas" panose="020B0609020204030204" pitchFamily="49" charset="0"/>
+              </a:rPr>
+              <a:t> -f </a:t>
+            </a:r>
+            <a:r>
+              <a:rPr lang="en-US" sz="1800" dirty="0" err="1">
+                <a:latin typeface="Consolas" panose="020B0609020204030204" pitchFamily="49" charset="0"/>
+                <a:cs typeface="Consolas" panose="020B0609020204030204" pitchFamily="49" charset="0"/>
+              </a:rPr>
+              <a:t>fastq.tsv</a:t>
+            </a:r>
+            <a:r>
+              <a:rPr lang="en-US" sz="1800" dirty="0">
+                <a:latin typeface="Consolas" panose="020B0609020204030204" pitchFamily="49" charset="0"/>
+                <a:cs typeface="Consolas" panose="020B0609020204030204" pitchFamily="49" charset="0"/>
+              </a:rPr>
+              <a:t> -d </a:t>
+            </a:r>
+            <a:r>
+              <a:rPr lang="en-US" sz="1800" dirty="0" err="1">
+                <a:latin typeface="Consolas" panose="020B0609020204030204" pitchFamily="49" charset="0"/>
+                <a:cs typeface="Consolas" panose="020B0609020204030204" pitchFamily="49" charset="0"/>
+              </a:rPr>
+              <a:t>peakcall.tsv</a:t>
+            </a:r>
+            <a:endParaRPr lang="en-US" sz="1800" dirty="0">
+              <a:latin typeface="Consolas" panose="020B0609020204030204" pitchFamily="49" charset="0"/>
+              <a:cs typeface="Consolas" panose="020B0609020204030204" pitchFamily="49" charset="0"/>
+            </a:endParaRPr>
+          </a:p>
+          <a:p>
+            <a:pPr lvl="1"/>
+            <a:endParaRPr lang="en-US" sz="1800" dirty="0">
+              <a:latin typeface="Consolas" panose="020B0609020204030204" pitchFamily="49" charset="0"/>
+              <a:cs typeface="Consolas" panose="020B0609020204030204" pitchFamily="49" charset="0"/>
+            </a:endParaRPr>
+          </a:p>
+          <a:p>
+            <a:pPr lvl="1"/>
+            <a:r>
+              <a:rPr lang="en-US" sz="1800" dirty="0" err="1">
+                <a:latin typeface="Consolas" panose="020B0609020204030204" pitchFamily="49" charset="0"/>
+                <a:cs typeface="Consolas" panose="020B0609020204030204" pitchFamily="49" charset="0"/>
+              </a:rPr>
+              <a:t>HemTools</a:t>
+            </a:r>
+            <a:r>
+              <a:rPr lang="en-US" sz="1800" dirty="0">
+                <a:latin typeface="Consolas" panose="020B0609020204030204" pitchFamily="49" charset="0"/>
+                <a:cs typeface="Consolas" panose="020B0609020204030204" pitchFamily="49" charset="0"/>
+              </a:rPr>
+              <a:t> </a:t>
+            </a:r>
+            <a:r>
+              <a:rPr lang="en-US" sz="1800" dirty="0" err="1">
+                <a:latin typeface="Consolas" panose="020B0609020204030204" pitchFamily="49" charset="0"/>
+                <a:cs typeface="Consolas" panose="020B0609020204030204" pitchFamily="49" charset="0"/>
+              </a:rPr>
+              <a:t>chip_seq_single</a:t>
+            </a:r>
+            <a:r>
+              <a:rPr lang="en-US" sz="1800" dirty="0">
+                <a:latin typeface="Consolas" panose="020B0609020204030204" pitchFamily="49" charset="0"/>
+                <a:cs typeface="Consolas" panose="020B0609020204030204" pitchFamily="49" charset="0"/>
+              </a:rPr>
+              <a:t> -f </a:t>
+            </a:r>
+            <a:r>
+              <a:rPr lang="en-US" sz="1800" dirty="0" err="1">
+                <a:latin typeface="Consolas" panose="020B0609020204030204" pitchFamily="49" charset="0"/>
+                <a:cs typeface="Consolas" panose="020B0609020204030204" pitchFamily="49" charset="0"/>
+              </a:rPr>
+              <a:t>fastq.tsv</a:t>
+            </a:r>
+            <a:r>
+              <a:rPr lang="en-US" sz="1800" dirty="0">
+                <a:latin typeface="Consolas" panose="020B0609020204030204" pitchFamily="49" charset="0"/>
+                <a:cs typeface="Consolas" panose="020B0609020204030204" pitchFamily="49" charset="0"/>
+              </a:rPr>
+              <a:t> -d </a:t>
+            </a:r>
+            <a:r>
+              <a:rPr lang="en-US" sz="1800" dirty="0" err="1">
+                <a:latin typeface="Consolas" panose="020B0609020204030204" pitchFamily="49" charset="0"/>
+                <a:cs typeface="Consolas" panose="020B0609020204030204" pitchFamily="49" charset="0"/>
+              </a:rPr>
+              <a:t>peakcall.tsv</a:t>
+            </a:r>
+            <a:endParaRPr lang="en-US" sz="1800" dirty="0">
+              <a:latin typeface="Consolas" panose="020B0609020204030204" pitchFamily="49" charset="0"/>
+              <a:cs typeface="Consolas" panose="020B0609020204030204" pitchFamily="49" charset="0"/>
+            </a:endParaRPr>
+          </a:p>
+          <a:p>
+            <a:pPr lvl="1"/>
+            <a:endParaRPr lang="en-US" sz="1800" dirty="0">
+              <a:latin typeface="Consolas" panose="020B0609020204030204" pitchFamily="49" charset="0"/>
+              <a:cs typeface="Consolas" panose="020B0609020204030204" pitchFamily="49" charset="0"/>
+            </a:endParaRPr>
+          </a:p>
+          <a:p>
+            <a:pPr lvl="1"/>
+            <a:r>
+              <a:rPr lang="en-US" sz="1800" dirty="0" err="1">
+                <a:latin typeface="Consolas" panose="020B0609020204030204" pitchFamily="49" charset="0"/>
+                <a:cs typeface="Consolas" panose="020B0609020204030204" pitchFamily="49" charset="0"/>
+              </a:rPr>
+              <a:t>HemTools</a:t>
+            </a:r>
+            <a:r>
+              <a:rPr lang="en-US" sz="1800" dirty="0">
+                <a:latin typeface="Consolas" panose="020B0609020204030204" pitchFamily="49" charset="0"/>
+                <a:cs typeface="Consolas" panose="020B0609020204030204" pitchFamily="49" charset="0"/>
+              </a:rPr>
+              <a:t> </a:t>
+            </a:r>
+            <a:r>
+              <a:rPr lang="en-US" sz="1800" dirty="0" err="1">
+                <a:latin typeface="Consolas" panose="020B0609020204030204" pitchFamily="49" charset="0"/>
+                <a:cs typeface="Consolas" panose="020B0609020204030204" pitchFamily="49" charset="0"/>
+              </a:rPr>
+              <a:t>chip_seq_pair</a:t>
+            </a:r>
+            <a:r>
+              <a:rPr lang="en-US" sz="1800" dirty="0">
+                <a:latin typeface="Consolas" panose="020B0609020204030204" pitchFamily="49" charset="0"/>
+                <a:cs typeface="Consolas" panose="020B0609020204030204" pitchFamily="49" charset="0"/>
+              </a:rPr>
+              <a:t> -f </a:t>
+            </a:r>
+            <a:r>
+              <a:rPr lang="en-US" sz="1800" dirty="0" err="1">
+                <a:latin typeface="Consolas" panose="020B0609020204030204" pitchFamily="49" charset="0"/>
+                <a:cs typeface="Consolas" panose="020B0609020204030204" pitchFamily="49" charset="0"/>
+              </a:rPr>
+              <a:t>fastq.tsv</a:t>
+            </a:r>
+            <a:r>
+              <a:rPr lang="en-US" sz="1800" dirty="0">
+                <a:latin typeface="Consolas" panose="020B0609020204030204" pitchFamily="49" charset="0"/>
+                <a:cs typeface="Consolas" panose="020B0609020204030204" pitchFamily="49" charset="0"/>
+              </a:rPr>
+              <a:t> -d </a:t>
+            </a:r>
+            <a:r>
+              <a:rPr lang="en-US" sz="1800" dirty="0" err="1">
+                <a:latin typeface="Consolas" panose="020B0609020204030204" pitchFamily="49" charset="0"/>
+                <a:cs typeface="Consolas" panose="020B0609020204030204" pitchFamily="49" charset="0"/>
+              </a:rPr>
+              <a:t>peakcall.tsv</a:t>
+            </a:r>
+            <a:endParaRPr lang="en-US" sz="1800" dirty="0">
+              <a:highlight>
+                <a:srgbClr val="C0C0C0"/>
+              </a:highlight>
+              <a:latin typeface="Consolas" panose="020B0609020204030204" pitchFamily="49" charset="0"/>
+              <a:cs typeface="Consolas" panose="020B0609020204030204" pitchFamily="49" charset="0"/>
+            </a:endParaRPr>
+          </a:p>
+          <a:p>
+            <a:pPr marL="0" indent="0">
+              <a:buNone/>
+            </a:pPr>
+            <a:endParaRPr lang="en-US" dirty="0"/>
+          </a:p>
+        </p:txBody>
+      </p:sp>
+      <p:pic>
+        <p:nvPicPr>
+          <p:cNvPr id="9" name="Picture 8">
+            <a:extLst>
+              <a:ext uri="{FF2B5EF4-FFF2-40B4-BE49-F238E27FC236}">
+                <a16:creationId xmlns:a16="http://schemas.microsoft.com/office/drawing/2014/main" id="{AE9236BD-9307-4323-9EBF-AD6C140C9E7A}"/>
+              </a:ext>
+            </a:extLst>
+          </p:cNvPr>
+          <p:cNvPicPr>
+            <a:picLocks noChangeAspect="1"/>
+          </p:cNvPicPr>
+          <p:nvPr/>
+        </p:nvPicPr>
+        <p:blipFill>
+          <a:blip r:embed="rId2"/>
+          <a:stretch>
+            <a:fillRect/>
+          </a:stretch>
+        </p:blipFill>
+        <p:spPr>
+          <a:xfrm>
+            <a:off x="5480957" y="505748"/>
+            <a:ext cx="6563936" cy="5987127"/>
+          </a:xfrm>
+          <a:prstGeom prst="rect">
+            <a:avLst/>
+          </a:prstGeom>
+        </p:spPr>
+      </p:pic>
+      <p:sp>
+        <p:nvSpPr>
+          <p:cNvPr id="4" name="Rectangle 3">
+            <a:extLst>
+              <a:ext uri="{FF2B5EF4-FFF2-40B4-BE49-F238E27FC236}">
+                <a16:creationId xmlns:a16="http://schemas.microsoft.com/office/drawing/2014/main" id="{EFE7B173-0803-4D86-B053-2F94F2B47CE3}"/>
+              </a:ext>
+            </a:extLst>
+          </p:cNvPr>
+          <p:cNvSpPr/>
+          <p:nvPr/>
+        </p:nvSpPr>
+        <p:spPr>
+          <a:xfrm>
+            <a:off x="5589037" y="4683967"/>
+            <a:ext cx="6307494" cy="942392"/>
+          </a:xfrm>
+          <a:prstGeom prst="rect">
+            <a:avLst/>
+          </a:prstGeom>
+          <a:noFill/>
+          <a:ln>
+            <a:solidFill>
+              <a:srgbClr val="FF0000"/>
+            </a:solidFill>
+          </a:ln>
+        </p:spPr>
+        <p:style>
+          <a:lnRef idx="2">
+            <a:schemeClr val="accent1">
+              <a:shade val="50000"/>
+            </a:schemeClr>
+          </a:lnRef>
+          <a:fillRef idx="1">
+            <a:schemeClr val="accent1"/>
+          </a:fillRef>
+          <a:effectRef idx="0">
+            <a:schemeClr val="accent1"/>
+          </a:effectRef>
+          <a:fontRef idx="minor">
+            <a:schemeClr val="lt1"/>
+          </a:fontRef>
+        </p:style>
+        <p:txBody>
+          <a:bodyPr rtlCol="0" anchor="ctr"/>
+          <a:lstStyle/>
+          <a:p>
+            <a:pPr algn="ctr"/>
+            <a:endParaRPr lang="en-US"/>
+          </a:p>
+        </p:txBody>
+      </p:sp>
+    </p:spTree>
+    <p:extLst>
+      <p:ext uri="{BB962C8B-B14F-4D97-AF65-F5344CB8AC3E}">
+        <p14:creationId xmlns:p14="http://schemas.microsoft.com/office/powerpoint/2010/main" val="498713462"/>
+      </p:ext>
+    </p:extLst>
+  </p:cSld>
+  <p:clrMapOvr>
+    <a:masterClrMapping/>
+  </p:clrMapOvr>
+</p:sld>
+</file>
+
+<file path=ppt/slides/slide16.xml><?xml version="1.0" encoding="utf-8"?>
+<p:sld xmlns:a="http://schemas.openxmlformats.org/drawingml/2006/main" xmlns:r="http://schemas.openxmlformats.org/officeDocument/2006/relationships" xmlns:p="http://schemas.openxmlformats.org/presentationml/2006/main">
+  <p:cSld>
+    <p:spTree>
+      <p:nvGrpSpPr>
+        <p:cNvPr id="1" name=""/>
+        <p:cNvGrpSpPr/>
+        <p:nvPr/>
+      </p:nvGrpSpPr>
+      <p:grpSpPr>
+        <a:xfrm>
+          <a:off x="0" y="0"/>
+          <a:ext cx="0" cy="0"/>
+          <a:chOff x="0" y="0"/>
+          <a:chExt cx="0" cy="0"/>
+        </a:xfrm>
+      </p:grpSpPr>
+      <p:sp>
+        <p:nvSpPr>
+          <p:cNvPr id="2" name="Title 1">
+            <a:extLst>
+              <a:ext uri="{FF2B5EF4-FFF2-40B4-BE49-F238E27FC236}">
                 <a16:creationId xmlns:a16="http://schemas.microsoft.com/office/drawing/2014/main" id="{15AD1A34-A8B2-48D0-951F-79751EADEEC7}"/>
               </a:ext>
             </a:extLst>
@@ -4681,7 +5238,7 @@
 </p:sld>
 </file>
 
-<file path=ppt/slides/slide13.xml><?xml version="1.0" encoding="utf-8"?>
+<file path=ppt/slides/slide17.xml><?xml version="1.0" encoding="utf-8"?>
 <p:sld xmlns:a="http://schemas.openxmlformats.org/drawingml/2006/main" xmlns:r="http://schemas.openxmlformats.org/officeDocument/2006/relationships" xmlns:p="http://schemas.openxmlformats.org/presentationml/2006/main">
   <p:cSld>
     <p:spTree>
@@ -5305,7 +5862,7 @@
 </p:sld>
 </file>
 
-<file path=ppt/slides/slide14.xml><?xml version="1.0" encoding="utf-8"?>
+<file path=ppt/slides/slide18.xml><?xml version="1.0" encoding="utf-8"?>
 <p:sld xmlns:a="http://schemas.openxmlformats.org/drawingml/2006/main" xmlns:r="http://schemas.openxmlformats.org/officeDocument/2006/relationships" xmlns:p="http://schemas.openxmlformats.org/presentationml/2006/main">
   <p:cSld>
     <p:spTree>
@@ -5463,7 +6020,7 @@
         </p:blipFill>
         <p:spPr>
           <a:xfrm>
-            <a:off x="493201" y="4992580"/>
+            <a:off x="612680" y="4564741"/>
             <a:ext cx="5251618" cy="1426877"/>
           </a:xfrm>
           <a:prstGeom prst="rect">
@@ -5543,7 +6100,7 @@
 </p:sld>
 </file>
 
-<file path=ppt/slides/slide15.xml><?xml version="1.0" encoding="utf-8"?>
+<file path=ppt/slides/slide19.xml><?xml version="1.0" encoding="utf-8"?>
 <p:sld xmlns:a="http://schemas.openxmlformats.org/drawingml/2006/main" xmlns:r="http://schemas.openxmlformats.org/officeDocument/2006/relationships" xmlns:p="http://schemas.openxmlformats.org/presentationml/2006/main">
   <p:cSld>
     <p:spTree>
@@ -5565,7 +6122,7 @@
           <p:cNvPr id="2" name="Title 1">
             <a:extLst>
               <a:ext uri="{FF2B5EF4-FFF2-40B4-BE49-F238E27FC236}">
-                <a16:creationId xmlns:a16="http://schemas.microsoft.com/office/drawing/2014/main" id="{2410D0D2-75EB-48A5-B504-0D0356EB6C4E}"/>
+                <a16:creationId xmlns:a16="http://schemas.microsoft.com/office/drawing/2014/main" id="{80C7B5B1-17C4-41B9-B7CF-19BCC47A85D5}"/>
               </a:ext>
             </a:extLst>
           </p:cNvPr>
@@ -5583,123 +6140,114 @@
           <a:p>
             <a:r>
               <a:rPr lang="en-US" dirty="0"/>
-              <a:t>ATAC-seq example</a:t>
-            </a:r>
-          </a:p>
-        </p:txBody>
-      </p:sp>
-      <p:sp>
-        <p:nvSpPr>
-          <p:cNvPr id="3" name="Content Placeholder 2">
-            <a:extLst>
-              <a:ext uri="{FF2B5EF4-FFF2-40B4-BE49-F238E27FC236}">
-                <a16:creationId xmlns:a16="http://schemas.microsoft.com/office/drawing/2014/main" id="{91415104-750D-4A71-81EE-175E2AFCC880}"/>
-              </a:ext>
-            </a:extLst>
-          </p:cNvPr>
-          <p:cNvSpPr>
-            <a:spLocks noGrp="1"/>
-          </p:cNvSpPr>
+              <a:t>Questionnaire</a:t>
+            </a:r>
+          </a:p>
+        </p:txBody>
+      </p:sp>
+      <p:pic>
+        <p:nvPicPr>
+          <p:cNvPr id="4" name="Content Placeholder 3">
+            <a:extLst>
+              <a:ext uri="{FF2B5EF4-FFF2-40B4-BE49-F238E27FC236}">
+                <a16:creationId xmlns:a16="http://schemas.microsoft.com/office/drawing/2014/main" id="{8F3FD6B1-4B9E-4C99-AAE6-981839139BF5}"/>
+              </a:ext>
+            </a:extLst>
+          </p:cNvPr>
+          <p:cNvPicPr>
+            <a:picLocks noGrp="1" noChangeAspect="1"/>
+          </p:cNvPicPr>
           <p:nvPr>
             <p:ph idx="1"/>
           </p:nvPr>
-        </p:nvSpPr>
-        <p:spPr/>
-        <p:txBody>
-          <a:bodyPr/>
-          <a:lstStyle/>
-          <a:p>
-            <a:endParaRPr lang="en-US"/>
+        </p:nvPicPr>
+        <p:blipFill>
+          <a:blip r:embed="rId2"/>
+          <a:stretch>
+            <a:fillRect/>
+          </a:stretch>
+        </p:blipFill>
+        <p:spPr>
+          <a:xfrm>
+            <a:off x="3678549" y="1430171"/>
+            <a:ext cx="5001659" cy="4695279"/>
+          </a:xfrm>
+          <a:prstGeom prst="rect">
+            <a:avLst/>
+          </a:prstGeom>
+        </p:spPr>
+      </p:pic>
+      <p:pic>
+        <p:nvPicPr>
+          <p:cNvPr id="5" name="Picture 4">
+            <a:extLst>
+              <a:ext uri="{FF2B5EF4-FFF2-40B4-BE49-F238E27FC236}">
+                <a16:creationId xmlns:a16="http://schemas.microsoft.com/office/drawing/2014/main" id="{98652CB3-9F55-43B6-B9ED-8E5760354EE4}"/>
+              </a:ext>
+            </a:extLst>
+          </p:cNvPr>
+          <p:cNvPicPr>
+            <a:picLocks noChangeAspect="1"/>
+          </p:cNvPicPr>
+          <p:nvPr/>
+        </p:nvPicPr>
+        <p:blipFill>
+          <a:blip r:embed="rId3"/>
+          <a:stretch>
+            <a:fillRect/>
+          </a:stretch>
+        </p:blipFill>
+        <p:spPr>
+          <a:xfrm>
+            <a:off x="3416998" y="5882093"/>
+            <a:ext cx="5568382" cy="845279"/>
+          </a:xfrm>
+          <a:prstGeom prst="rect">
+            <a:avLst/>
+          </a:prstGeom>
+        </p:spPr>
+      </p:pic>
+      <p:sp>
+        <p:nvSpPr>
+          <p:cNvPr id="6" name="Rectangle 5">
+            <a:extLst>
+              <a:ext uri="{FF2B5EF4-FFF2-40B4-BE49-F238E27FC236}">
+                <a16:creationId xmlns:a16="http://schemas.microsoft.com/office/drawing/2014/main" id="{FEFF0A69-9553-43F6-86A2-F9D065115146}"/>
+              </a:ext>
+            </a:extLst>
+          </p:cNvPr>
+          <p:cNvSpPr/>
+          <p:nvPr/>
+        </p:nvSpPr>
+        <p:spPr>
+          <a:xfrm>
+            <a:off x="8578664" y="5381402"/>
+            <a:ext cx="3487024" cy="923330"/>
+          </a:xfrm>
+          <a:prstGeom prst="rect">
+            <a:avLst/>
+          </a:prstGeom>
+        </p:spPr>
+        <p:txBody>
+          <a:bodyPr wrap="square">
+            <a:spAutoFit/>
+          </a:bodyPr>
+          <a:lstStyle/>
+          <a:p>
+            <a:r>
+              <a:rPr lang="en-US" dirty="0">
+                <a:hlinkClick r:id="rId4"/>
+              </a:rPr>
+              <a:t>https://hemtools.readthedocs.io/en/latest/content/NGS_pipelines/tutorial.html#id4</a:t>
+            </a:r>
+            <a:endParaRPr lang="en-US" dirty="0"/>
           </a:p>
         </p:txBody>
       </p:sp>
     </p:spTree>
     <p:extLst>
       <p:ext uri="{BB962C8B-B14F-4D97-AF65-F5344CB8AC3E}">
-        <p14:creationId xmlns:p14="http://schemas.microsoft.com/office/powerpoint/2010/main" val="721739958"/>
-      </p:ext>
-    </p:extLst>
-  </p:cSld>
-  <p:clrMapOvr>
-    <a:masterClrMapping/>
-  </p:clrMapOvr>
-</p:sld>
-</file>
-
-<file path=ppt/slides/slide16.xml><?xml version="1.0" encoding="utf-8"?>
-<p:sld xmlns:a="http://schemas.openxmlformats.org/drawingml/2006/main" xmlns:r="http://schemas.openxmlformats.org/officeDocument/2006/relationships" xmlns:p="http://schemas.openxmlformats.org/presentationml/2006/main">
-  <p:cSld>
-    <p:spTree>
-      <p:nvGrpSpPr>
-        <p:cNvPr id="1" name=""/>
-        <p:cNvGrpSpPr/>
-        <p:nvPr/>
-      </p:nvGrpSpPr>
-      <p:grpSpPr>
-        <a:xfrm>
-          <a:off x="0" y="0"/>
-          <a:ext cx="0" cy="0"/>
-          <a:chOff x="0" y="0"/>
-          <a:chExt cx="0" cy="0"/>
-        </a:xfrm>
-      </p:grpSpPr>
-      <p:sp>
-        <p:nvSpPr>
-          <p:cNvPr id="2" name="Title 1">
-            <a:extLst>
-              <a:ext uri="{FF2B5EF4-FFF2-40B4-BE49-F238E27FC236}">
-                <a16:creationId xmlns:a16="http://schemas.microsoft.com/office/drawing/2014/main" id="{2410D0D2-75EB-48A5-B504-0D0356EB6C4E}"/>
-              </a:ext>
-            </a:extLst>
-          </p:cNvPr>
-          <p:cNvSpPr>
-            <a:spLocks noGrp="1"/>
-          </p:cNvSpPr>
-          <p:nvPr>
-            <p:ph type="title"/>
-          </p:nvPr>
-        </p:nvSpPr>
-        <p:spPr/>
-        <p:txBody>
-          <a:bodyPr/>
-          <a:lstStyle/>
-          <a:p>
-            <a:r>
-              <a:rPr lang="en-US" dirty="0"/>
-              <a:t>CUT &amp; RUN example</a:t>
-            </a:r>
-          </a:p>
-        </p:txBody>
-      </p:sp>
-      <p:sp>
-        <p:nvSpPr>
-          <p:cNvPr id="3" name="Content Placeholder 2">
-            <a:extLst>
-              <a:ext uri="{FF2B5EF4-FFF2-40B4-BE49-F238E27FC236}">
-                <a16:creationId xmlns:a16="http://schemas.microsoft.com/office/drawing/2014/main" id="{91415104-750D-4A71-81EE-175E2AFCC880}"/>
-              </a:ext>
-            </a:extLst>
-          </p:cNvPr>
-          <p:cNvSpPr>
-            <a:spLocks noGrp="1"/>
-          </p:cNvSpPr>
-          <p:nvPr>
-            <p:ph idx="1"/>
-          </p:nvPr>
-        </p:nvSpPr>
-        <p:spPr/>
-        <p:txBody>
-          <a:bodyPr/>
-          <a:lstStyle/>
-          <a:p>
-            <a:endParaRPr lang="en-US"/>
-          </a:p>
-        </p:txBody>
-      </p:sp>
-    </p:spTree>
-    <p:extLst>
-      <p:ext uri="{BB962C8B-B14F-4D97-AF65-F5344CB8AC3E}">
-        <p14:creationId xmlns:p14="http://schemas.microsoft.com/office/powerpoint/2010/main" val="1367050823"/>
+        <p14:creationId xmlns:p14="http://schemas.microsoft.com/office/powerpoint/2010/main" val="3333764292"/>
       </p:ext>
     </p:extLst>
   </p:cSld>
@@ -5726,6 +6274,56 @@
           <a:chExt cx="0" cy="0"/>
         </a:xfrm>
       </p:grpSpPr>
+      <p:pic>
+        <p:nvPicPr>
+          <p:cNvPr id="6" name="Picture 5" descr="A screenshot of a cell phone&#10;&#10;Description generated with high confidence">
+            <a:extLst>
+              <a:ext uri="{FF2B5EF4-FFF2-40B4-BE49-F238E27FC236}">
+                <a16:creationId xmlns:a16="http://schemas.microsoft.com/office/drawing/2014/main" id="{7429BC35-C978-4DFD-875C-F25B63CE7106}"/>
+              </a:ext>
+            </a:extLst>
+          </p:cNvPr>
+          <p:cNvPicPr>
+            <a:picLocks noChangeAspect="1"/>
+          </p:cNvPicPr>
+          <p:nvPr/>
+        </p:nvPicPr>
+        <p:blipFill>
+          <a:blip r:embed="rId2">
+            <a:extLst>
+              <a:ext uri="{28A0092B-C50C-407E-A947-70E740481C1C}">
+                <a14:useLocalDpi xmlns:a14="http://schemas.microsoft.com/office/drawing/2010/main" val="0"/>
+              </a:ext>
+            </a:extLst>
+          </a:blip>
+          <a:stretch>
+            <a:fillRect/>
+          </a:stretch>
+        </p:blipFill>
+        <p:spPr>
+          <a:xfrm>
+            <a:off x="8029862" y="3563936"/>
+            <a:ext cx="3124039" cy="3249000"/>
+          </a:xfrm>
+          <a:prstGeom prst="rect">
+            <a:avLst/>
+          </a:prstGeom>
+          <a:ln w="38100" cap="sq">
+            <a:solidFill>
+              <a:srgbClr val="000000"/>
+            </a:solidFill>
+            <a:prstDash val="solid"/>
+            <a:miter lim="800000"/>
+          </a:ln>
+          <a:effectLst>
+            <a:outerShdw blurRad="50800" dist="38100" dir="2700000" algn="tl" rotWithShape="0">
+              <a:srgbClr val="000000">
+                <a:alpha val="43000"/>
+              </a:srgbClr>
+            </a:outerShdw>
+          </a:effectLst>
+        </p:spPr>
+      </p:pic>
       <p:sp>
         <p:nvSpPr>
           <p:cNvPr id="2" name="Title 1">
@@ -5742,7 +6340,12 @@
             <p:ph type="title"/>
           </p:nvPr>
         </p:nvSpPr>
-        <p:spPr/>
+        <p:spPr>
+          <a:xfrm>
+            <a:off x="838200" y="365125"/>
+            <a:ext cx="10515600" cy="1325563"/>
+          </a:xfrm>
+        </p:spPr>
         <p:txBody>
           <a:bodyPr/>
           <a:lstStyle/>
@@ -5770,7 +6373,12 @@
             <p:ph idx="1"/>
           </p:nvPr>
         </p:nvSpPr>
-        <p:spPr/>
+        <p:spPr>
+          <a:xfrm>
+            <a:off x="838200" y="1825625"/>
+            <a:ext cx="10515600" cy="4351338"/>
+          </a:xfrm>
+        </p:spPr>
         <p:txBody>
           <a:bodyPr/>
           <a:lstStyle/>
@@ -5783,12 +6391,6 @@
           <a:p>
             <a:r>
               <a:rPr lang="en-US" dirty="0"/>
-              <a:t>General principles</a:t>
-            </a:r>
-          </a:p>
-          <a:p>
-            <a:r>
-              <a:rPr lang="en-US" dirty="0"/>
               <a:t>Examples</a:t>
             </a:r>
           </a:p>
@@ -5815,6 +6417,230 @@
             <a:r>
               <a:rPr lang="en-US" dirty="0"/>
               <a:t>CUT &amp; RUN</a:t>
+            </a:r>
+          </a:p>
+          <a:p>
+            <a:r>
+              <a:rPr lang="en-US" dirty="0"/>
+              <a:t>General principles</a:t>
+            </a:r>
+          </a:p>
+          <a:p>
+            <a:r>
+              <a:rPr lang="en-US" dirty="0"/>
+              <a:t>Questionnaire</a:t>
+            </a:r>
+          </a:p>
+          <a:p>
+            <a:endParaRPr lang="en-US" dirty="0"/>
+          </a:p>
+        </p:txBody>
+      </p:sp>
+      <p:pic>
+        <p:nvPicPr>
+          <p:cNvPr id="8" name="Picture 7">
+            <a:extLst>
+              <a:ext uri="{FF2B5EF4-FFF2-40B4-BE49-F238E27FC236}">
+                <a16:creationId xmlns:a16="http://schemas.microsoft.com/office/drawing/2014/main" id="{493AAE56-F30E-4CA1-A347-5DBB2856B69D}"/>
+              </a:ext>
+            </a:extLst>
+          </p:cNvPr>
+          <p:cNvPicPr>
+            <a:picLocks noChangeAspect="1"/>
+          </p:cNvPicPr>
+          <p:nvPr/>
+        </p:nvPicPr>
+        <p:blipFill>
+          <a:blip r:embed="rId3">
+            <a:extLst>
+              <a:ext uri="{28A0092B-C50C-407E-A947-70E740481C1C}">
+                <a14:useLocalDpi xmlns:a14="http://schemas.microsoft.com/office/drawing/2010/main" val="0"/>
+              </a:ext>
+            </a:extLst>
+          </a:blip>
+          <a:stretch>
+            <a:fillRect/>
+          </a:stretch>
+        </p:blipFill>
+        <p:spPr>
+          <a:xfrm>
+            <a:off x="4524115" y="105697"/>
+            <a:ext cx="2943871" cy="6646605"/>
+          </a:xfrm>
+          <a:prstGeom prst="rect">
+            <a:avLst/>
+          </a:prstGeom>
+          <a:ln w="38100" cap="sq">
+            <a:solidFill>
+              <a:srgbClr val="000000"/>
+            </a:solidFill>
+            <a:prstDash val="solid"/>
+            <a:miter lim="800000"/>
+          </a:ln>
+          <a:effectLst>
+            <a:outerShdw blurRad="50800" dist="38100" dir="2700000" algn="tl" rotWithShape="0">
+              <a:srgbClr val="000000">
+                <a:alpha val="43000"/>
+              </a:srgbClr>
+            </a:outerShdw>
+          </a:effectLst>
+        </p:spPr>
+      </p:pic>
+      <p:pic>
+        <p:nvPicPr>
+          <p:cNvPr id="10" name="Picture 9">
+            <a:extLst>
+              <a:ext uri="{FF2B5EF4-FFF2-40B4-BE49-F238E27FC236}">
+                <a16:creationId xmlns:a16="http://schemas.microsoft.com/office/drawing/2014/main" id="{9EFC7C57-305E-45AC-B225-DB9C1B52394E}"/>
+              </a:ext>
+            </a:extLst>
+          </p:cNvPr>
+          <p:cNvPicPr>
+            <a:picLocks noChangeAspect="1"/>
+          </p:cNvPicPr>
+          <p:nvPr/>
+        </p:nvPicPr>
+        <p:blipFill>
+          <a:blip r:embed="rId4">
+            <a:extLst>
+              <a:ext uri="{28A0092B-C50C-407E-A947-70E740481C1C}">
+                <a14:useLocalDpi xmlns:a14="http://schemas.microsoft.com/office/drawing/2010/main" val="0"/>
+              </a:ext>
+            </a:extLst>
+          </a:blip>
+          <a:stretch>
+            <a:fillRect/>
+          </a:stretch>
+        </p:blipFill>
+        <p:spPr>
+          <a:xfrm>
+            <a:off x="8074772" y="81255"/>
+            <a:ext cx="2713470" cy="3347744"/>
+          </a:xfrm>
+          <a:prstGeom prst="rect">
+            <a:avLst/>
+          </a:prstGeom>
+          <a:ln w="38100" cap="sq">
+            <a:solidFill>
+              <a:srgbClr val="000000"/>
+            </a:solidFill>
+            <a:prstDash val="solid"/>
+            <a:miter lim="800000"/>
+          </a:ln>
+          <a:effectLst>
+            <a:outerShdw blurRad="50800" dist="38100" dir="2700000" algn="tl" rotWithShape="0">
+              <a:srgbClr val="000000">
+                <a:alpha val="43000"/>
+              </a:srgbClr>
+            </a:outerShdw>
+          </a:effectLst>
+        </p:spPr>
+      </p:pic>
+      <p:sp>
+        <p:nvSpPr>
+          <p:cNvPr id="11" name="Rectangle 10">
+            <a:extLst>
+              <a:ext uri="{FF2B5EF4-FFF2-40B4-BE49-F238E27FC236}">
+                <a16:creationId xmlns:a16="http://schemas.microsoft.com/office/drawing/2014/main" id="{03831D85-E99B-4D71-9B42-B70DA4CD04CD}"/>
+              </a:ext>
+            </a:extLst>
+          </p:cNvPr>
+          <p:cNvSpPr/>
+          <p:nvPr/>
+        </p:nvSpPr>
+        <p:spPr>
+          <a:xfrm>
+            <a:off x="10389874" y="105697"/>
+            <a:ext cx="1713931" cy="369332"/>
+          </a:xfrm>
+          <a:prstGeom prst="rect">
+            <a:avLst/>
+          </a:prstGeom>
+        </p:spPr>
+        <p:txBody>
+          <a:bodyPr wrap="none">
+            <a:spAutoFit/>
+          </a:bodyPr>
+          <a:lstStyle/>
+          <a:p>
+            <a:pPr lvl="1"/>
+            <a:r>
+              <a:rPr lang="en-US" dirty="0"/>
+              <a:t>CUT &amp; RUN</a:t>
+            </a:r>
+          </a:p>
+        </p:txBody>
+      </p:sp>
+      <p:sp>
+        <p:nvSpPr>
+          <p:cNvPr id="12" name="Rectangle 11">
+            <a:extLst>
+              <a:ext uri="{FF2B5EF4-FFF2-40B4-BE49-F238E27FC236}">
+                <a16:creationId xmlns:a16="http://schemas.microsoft.com/office/drawing/2014/main" id="{41703C8E-6899-4375-84CF-C8C1E6EAA584}"/>
+              </a:ext>
+            </a:extLst>
+          </p:cNvPr>
+          <p:cNvSpPr/>
+          <p:nvPr/>
+        </p:nvSpPr>
+        <p:spPr>
+          <a:xfrm>
+            <a:off x="10699793" y="3734965"/>
+            <a:ext cx="1507913" cy="369332"/>
+          </a:xfrm>
+          <a:prstGeom prst="rect">
+            <a:avLst/>
+          </a:prstGeom>
+        </p:spPr>
+        <p:txBody>
+          <a:bodyPr wrap="none">
+            <a:spAutoFit/>
+          </a:bodyPr>
+          <a:lstStyle/>
+          <a:p>
+            <a:pPr lvl="1"/>
+            <a:r>
+              <a:rPr lang="en-US" dirty="0"/>
+              <a:t>ATAC-seq</a:t>
+            </a:r>
+          </a:p>
+        </p:txBody>
+      </p:sp>
+      <p:sp>
+        <p:nvSpPr>
+          <p:cNvPr id="13" name="Rectangle 12">
+            <a:extLst>
+              <a:ext uri="{FF2B5EF4-FFF2-40B4-BE49-F238E27FC236}">
+                <a16:creationId xmlns:a16="http://schemas.microsoft.com/office/drawing/2014/main" id="{5202B4B3-DB1B-4413-BBE8-081DF0AD69BB}"/>
+              </a:ext>
+            </a:extLst>
+          </p:cNvPr>
+          <p:cNvSpPr/>
+          <p:nvPr/>
+        </p:nvSpPr>
+        <p:spPr>
+          <a:xfrm>
+            <a:off x="4281087" y="1130309"/>
+            <a:ext cx="1465466" cy="369332"/>
+          </a:xfrm>
+          <a:prstGeom prst="rect">
+            <a:avLst/>
+          </a:prstGeom>
+        </p:spPr>
+        <p:txBody>
+          <a:bodyPr wrap="none">
+            <a:spAutoFit/>
+          </a:bodyPr>
+          <a:lstStyle/>
+          <a:p>
+            <a:pPr lvl="1"/>
+            <a:r>
+              <a:rPr lang="en-US" dirty="0" err="1"/>
+              <a:t>ChIP</a:t>
+            </a:r>
+            <a:r>
+              <a:rPr lang="en-US" dirty="0"/>
+              <a:t>-seq</a:t>
             </a:r>
           </a:p>
         </p:txBody>

--- a/HemTools Tutorial.pptx
+++ b/HemTools Tutorial.pptx
@@ -8,22 +8,28 @@
     <p:sldId id="256" r:id="rId2"/>
     <p:sldId id="276" r:id="rId3"/>
     <p:sldId id="258" r:id="rId4"/>
-    <p:sldId id="270" r:id="rId5"/>
-    <p:sldId id="277" r:id="rId6"/>
-    <p:sldId id="278" r:id="rId7"/>
-    <p:sldId id="280" r:id="rId8"/>
-    <p:sldId id="271" r:id="rId9"/>
-    <p:sldId id="272" r:id="rId10"/>
-    <p:sldId id="286" r:id="rId11"/>
+    <p:sldId id="288" r:id="rId5"/>
+    <p:sldId id="270" r:id="rId6"/>
+    <p:sldId id="277" r:id="rId7"/>
+    <p:sldId id="278" r:id="rId8"/>
+    <p:sldId id="280" r:id="rId9"/>
+    <p:sldId id="271" r:id="rId10"/>
+    <p:sldId id="272" r:id="rId11"/>
     <p:sldId id="283" r:id="rId12"/>
-    <p:sldId id="284" r:id="rId13"/>
-    <p:sldId id="285" r:id="rId14"/>
-    <p:sldId id="281" r:id="rId15"/>
-    <p:sldId id="273" r:id="rId16"/>
-    <p:sldId id="282" r:id="rId17"/>
-    <p:sldId id="274" r:id="rId18"/>
-    <p:sldId id="275" r:id="rId19"/>
-    <p:sldId id="287" r:id="rId20"/>
+    <p:sldId id="290" r:id="rId13"/>
+    <p:sldId id="289" r:id="rId14"/>
+    <p:sldId id="286" r:id="rId15"/>
+    <p:sldId id="285" r:id="rId16"/>
+    <p:sldId id="284" r:id="rId17"/>
+    <p:sldId id="281" r:id="rId18"/>
+    <p:sldId id="273" r:id="rId19"/>
+    <p:sldId id="282" r:id="rId20"/>
+    <p:sldId id="274" r:id="rId21"/>
+    <p:sldId id="275" r:id="rId22"/>
+    <p:sldId id="291" r:id="rId23"/>
+    <p:sldId id="292" r:id="rId24"/>
+    <p:sldId id="293" r:id="rId25"/>
+    <p:sldId id="287" r:id="rId26"/>
   </p:sldIdLst>
   <p:sldSz cx="12192000" cy="6858000"/>
   <p:notesSz cx="6858000" cy="9144000"/>
@@ -277,7 +283,7 @@
           <a:p>
             <a:fld id="{B06731B9-2535-4D77-BE06-7E4BBBA09F2A}" type="datetimeFigureOut">
               <a:rPr lang="en-US" smtClean="0"/>
-              <a:t>4/17/2019</a:t>
+              <a:t>4/18/2019</a:t>
             </a:fld>
             <a:endParaRPr lang="en-US"/>
           </a:p>
@@ -475,7 +481,7 @@
           <a:p>
             <a:fld id="{B06731B9-2535-4D77-BE06-7E4BBBA09F2A}" type="datetimeFigureOut">
               <a:rPr lang="en-US" smtClean="0"/>
-              <a:t>4/17/2019</a:t>
+              <a:t>4/18/2019</a:t>
             </a:fld>
             <a:endParaRPr lang="en-US"/>
           </a:p>
@@ -683,7 +689,7 @@
           <a:p>
             <a:fld id="{B06731B9-2535-4D77-BE06-7E4BBBA09F2A}" type="datetimeFigureOut">
               <a:rPr lang="en-US" smtClean="0"/>
-              <a:t>4/17/2019</a:t>
+              <a:t>4/18/2019</a:t>
             </a:fld>
             <a:endParaRPr lang="en-US"/>
           </a:p>
@@ -881,7 +887,7 @@
           <a:p>
             <a:fld id="{B06731B9-2535-4D77-BE06-7E4BBBA09F2A}" type="datetimeFigureOut">
               <a:rPr lang="en-US" smtClean="0"/>
-              <a:t>4/17/2019</a:t>
+              <a:t>4/18/2019</a:t>
             </a:fld>
             <a:endParaRPr lang="en-US"/>
           </a:p>
@@ -1156,7 +1162,7 @@
           <a:p>
             <a:fld id="{B06731B9-2535-4D77-BE06-7E4BBBA09F2A}" type="datetimeFigureOut">
               <a:rPr lang="en-US" smtClean="0"/>
-              <a:t>4/17/2019</a:t>
+              <a:t>4/18/2019</a:t>
             </a:fld>
             <a:endParaRPr lang="en-US"/>
           </a:p>
@@ -1421,7 +1427,7 @@
           <a:p>
             <a:fld id="{B06731B9-2535-4D77-BE06-7E4BBBA09F2A}" type="datetimeFigureOut">
               <a:rPr lang="en-US" smtClean="0"/>
-              <a:t>4/17/2019</a:t>
+              <a:t>4/18/2019</a:t>
             </a:fld>
             <a:endParaRPr lang="en-US"/>
           </a:p>
@@ -1833,7 +1839,7 @@
           <a:p>
             <a:fld id="{B06731B9-2535-4D77-BE06-7E4BBBA09F2A}" type="datetimeFigureOut">
               <a:rPr lang="en-US" smtClean="0"/>
-              <a:t>4/17/2019</a:t>
+              <a:t>4/18/2019</a:t>
             </a:fld>
             <a:endParaRPr lang="en-US"/>
           </a:p>
@@ -1974,7 +1980,7 @@
           <a:p>
             <a:fld id="{B06731B9-2535-4D77-BE06-7E4BBBA09F2A}" type="datetimeFigureOut">
               <a:rPr lang="en-US" smtClean="0"/>
-              <a:t>4/17/2019</a:t>
+              <a:t>4/18/2019</a:t>
             </a:fld>
             <a:endParaRPr lang="en-US"/>
           </a:p>
@@ -2087,7 +2093,7 @@
           <a:p>
             <a:fld id="{B06731B9-2535-4D77-BE06-7E4BBBA09F2A}" type="datetimeFigureOut">
               <a:rPr lang="en-US" smtClean="0"/>
-              <a:t>4/17/2019</a:t>
+              <a:t>4/18/2019</a:t>
             </a:fld>
             <a:endParaRPr lang="en-US"/>
           </a:p>
@@ -2398,7 +2404,7 @@
           <a:p>
             <a:fld id="{B06731B9-2535-4D77-BE06-7E4BBBA09F2A}" type="datetimeFigureOut">
               <a:rPr lang="en-US" smtClean="0"/>
-              <a:t>4/17/2019</a:t>
+              <a:t>4/18/2019</a:t>
             </a:fld>
             <a:endParaRPr lang="en-US"/>
           </a:p>
@@ -2686,7 +2692,7 @@
           <a:p>
             <a:fld id="{B06731B9-2535-4D77-BE06-7E4BBBA09F2A}" type="datetimeFigureOut">
               <a:rPr lang="en-US" smtClean="0"/>
-              <a:t>4/17/2019</a:t>
+              <a:t>4/18/2019</a:t>
             </a:fld>
             <a:endParaRPr lang="en-US"/>
           </a:p>
@@ -2927,7 +2933,7 @@
           <a:p>
             <a:fld id="{B06731B9-2535-4D77-BE06-7E4BBBA09F2A}" type="datetimeFigureOut">
               <a:rPr lang="en-US" smtClean="0"/>
-              <a:t>4/17/2019</a:t>
+              <a:t>4/18/2019</a:t>
             </a:fld>
             <a:endParaRPr lang="en-US"/>
           </a:p>
@@ -3489,7 +3495,7 @@
           <p:cNvPr id="2" name="Title 1">
             <a:extLst>
               <a:ext uri="{FF2B5EF4-FFF2-40B4-BE49-F238E27FC236}">
-                <a16:creationId xmlns:a16="http://schemas.microsoft.com/office/drawing/2014/main" id="{2410D0D2-75EB-48A5-B504-0D0356EB6C4E}"/>
+                <a16:creationId xmlns:a16="http://schemas.microsoft.com/office/drawing/2014/main" id="{15AD1A34-A8B2-48D0-951F-79751EADEEC7}"/>
               </a:ext>
             </a:extLst>
           </p:cNvPr>
@@ -3507,17 +3513,17 @@
           <a:p>
             <a:r>
               <a:rPr lang="en-US" dirty="0"/>
-              <a:t>ATAC-seq example</a:t>
-            </a:r>
-          </a:p>
-        </p:txBody>
-      </p:sp>
-      <p:sp>
-        <p:nvSpPr>
-          <p:cNvPr id="4" name="Rectangle 3">
-            <a:extLst>
-              <a:ext uri="{FF2B5EF4-FFF2-40B4-BE49-F238E27FC236}">
-                <a16:creationId xmlns:a16="http://schemas.microsoft.com/office/drawing/2014/main" id="{FB8DFCC4-92EE-4B25-B0D9-2C0381055F6C}"/>
+              <a:t>General principles: workflow</a:t>
+            </a:r>
+          </a:p>
+        </p:txBody>
+      </p:sp>
+      <p:sp>
+        <p:nvSpPr>
+          <p:cNvPr id="7" name="Rectangle 6">
+            <a:extLst>
+              <a:ext uri="{FF2B5EF4-FFF2-40B4-BE49-F238E27FC236}">
+                <a16:creationId xmlns:a16="http://schemas.microsoft.com/office/drawing/2014/main" id="{6E49B98D-CE15-4D23-B9D8-9E95C7EE587E}"/>
               </a:ext>
             </a:extLst>
           </p:cNvPr>
@@ -3526,35 +3532,288 @@
         </p:nvSpPr>
         <p:spPr>
           <a:xfrm>
-            <a:off x="1781263" y="6444626"/>
-            <a:ext cx="9144000" cy="369332"/>
+            <a:off x="1038425" y="1950133"/>
+            <a:ext cx="2080726" cy="373225"/>
           </a:xfrm>
           <a:prstGeom prst="rect">
             <a:avLst/>
           </a:prstGeom>
-        </p:spPr>
-        <p:txBody>
-          <a:bodyPr wrap="square">
-            <a:spAutoFit/>
-          </a:bodyPr>
-          <a:lstStyle/>
-          <a:p>
+          <a:noFill/>
+        </p:spPr>
+        <p:style>
+          <a:lnRef idx="2">
+            <a:schemeClr val="accent1">
+              <a:shade val="50000"/>
+            </a:schemeClr>
+          </a:lnRef>
+          <a:fillRef idx="1">
+            <a:schemeClr val="accent1"/>
+          </a:fillRef>
+          <a:effectRef idx="0">
+            <a:schemeClr val="accent1"/>
+          </a:effectRef>
+          <a:fontRef idx="minor">
+            <a:schemeClr val="lt1"/>
+          </a:fontRef>
+        </p:style>
+        <p:txBody>
+          <a:bodyPr rtlCol="0" anchor="ctr"/>
+          <a:lstStyle/>
+          <a:p>
+            <a:pPr algn="ctr"/>
             <a:r>
               <a:rPr lang="en-US" dirty="0">
-                <a:hlinkClick r:id="rId2"/>
-              </a:rPr>
-              <a:t>https://hemtools.readthedocs.io/en/latest/content/NGS_pipelines/tutorial.html</a:t>
-            </a:r>
-            <a:endParaRPr lang="en-US" dirty="0"/>
-          </a:p>
-        </p:txBody>
-      </p:sp>
+                <a:solidFill>
+                  <a:schemeClr val="tx1"/>
+                </a:solidFill>
+              </a:rPr>
+              <a:t>Load Python</a:t>
+            </a:r>
+          </a:p>
+        </p:txBody>
+      </p:sp>
+      <p:sp>
+        <p:nvSpPr>
+          <p:cNvPr id="8" name="Rectangle 7">
+            <a:extLst>
+              <a:ext uri="{FF2B5EF4-FFF2-40B4-BE49-F238E27FC236}">
+                <a16:creationId xmlns:a16="http://schemas.microsoft.com/office/drawing/2014/main" id="{A170486C-4907-421C-8031-4AED436733D5}"/>
+              </a:ext>
+            </a:extLst>
+          </p:cNvPr>
+          <p:cNvSpPr/>
+          <p:nvPr/>
+        </p:nvSpPr>
+        <p:spPr>
+          <a:xfrm>
+            <a:off x="1038425" y="3022868"/>
+            <a:ext cx="2080726" cy="373225"/>
+          </a:xfrm>
+          <a:prstGeom prst="rect">
+            <a:avLst/>
+          </a:prstGeom>
+          <a:noFill/>
+        </p:spPr>
+        <p:style>
+          <a:lnRef idx="2">
+            <a:schemeClr val="accent1">
+              <a:shade val="50000"/>
+            </a:schemeClr>
+          </a:lnRef>
+          <a:fillRef idx="1">
+            <a:schemeClr val="accent1"/>
+          </a:fillRef>
+          <a:effectRef idx="0">
+            <a:schemeClr val="accent1"/>
+          </a:effectRef>
+          <a:fontRef idx="minor">
+            <a:schemeClr val="lt1"/>
+          </a:fontRef>
+        </p:style>
+        <p:txBody>
+          <a:bodyPr rtlCol="0" anchor="ctr"/>
+          <a:lstStyle/>
+          <a:p>
+            <a:pPr algn="ctr"/>
+            <a:r>
+              <a:rPr lang="en-US" dirty="0">
+                <a:solidFill>
+                  <a:schemeClr val="tx1"/>
+                </a:solidFill>
+              </a:rPr>
+              <a:t>Prepare Inputs</a:t>
+            </a:r>
+          </a:p>
+        </p:txBody>
+      </p:sp>
+      <p:sp>
+        <p:nvSpPr>
+          <p:cNvPr id="9" name="Rectangle 8">
+            <a:extLst>
+              <a:ext uri="{FF2B5EF4-FFF2-40B4-BE49-F238E27FC236}">
+                <a16:creationId xmlns:a16="http://schemas.microsoft.com/office/drawing/2014/main" id="{61341791-9DE7-40CD-86E2-9D89D745C065}"/>
+              </a:ext>
+            </a:extLst>
+          </p:cNvPr>
+          <p:cNvSpPr/>
+          <p:nvPr/>
+        </p:nvSpPr>
+        <p:spPr>
+          <a:xfrm>
+            <a:off x="1038425" y="4222253"/>
+            <a:ext cx="2080726" cy="373225"/>
+          </a:xfrm>
+          <a:prstGeom prst="rect">
+            <a:avLst/>
+          </a:prstGeom>
+          <a:noFill/>
+        </p:spPr>
+        <p:style>
+          <a:lnRef idx="2">
+            <a:schemeClr val="accent1">
+              <a:shade val="50000"/>
+            </a:schemeClr>
+          </a:lnRef>
+          <a:fillRef idx="1">
+            <a:schemeClr val="accent1"/>
+          </a:fillRef>
+          <a:effectRef idx="0">
+            <a:schemeClr val="accent1"/>
+          </a:effectRef>
+          <a:fontRef idx="minor">
+            <a:schemeClr val="lt1"/>
+          </a:fontRef>
+        </p:style>
+        <p:txBody>
+          <a:bodyPr rtlCol="0" anchor="ctr"/>
+          <a:lstStyle/>
+          <a:p>
+            <a:pPr algn="ctr"/>
+            <a:r>
+              <a:rPr lang="en-US" dirty="0">
+                <a:solidFill>
+                  <a:schemeClr val="tx1"/>
+                </a:solidFill>
+              </a:rPr>
+              <a:t>Run </a:t>
+            </a:r>
+            <a:r>
+              <a:rPr lang="en-US" dirty="0" err="1">
+                <a:solidFill>
+                  <a:schemeClr val="tx1"/>
+                </a:solidFill>
+              </a:rPr>
+              <a:t>HemTools</a:t>
+            </a:r>
+            <a:endParaRPr lang="en-US" dirty="0">
+              <a:solidFill>
+                <a:schemeClr val="tx1"/>
+              </a:solidFill>
+            </a:endParaRPr>
+          </a:p>
+        </p:txBody>
+      </p:sp>
+      <p:cxnSp>
+        <p:nvCxnSpPr>
+          <p:cNvPr id="12" name="Straight Arrow Connector 11">
+            <a:extLst>
+              <a:ext uri="{FF2B5EF4-FFF2-40B4-BE49-F238E27FC236}">
+                <a16:creationId xmlns:a16="http://schemas.microsoft.com/office/drawing/2014/main" id="{F2246984-3971-4FF8-90D8-696A820615F5}"/>
+              </a:ext>
+            </a:extLst>
+          </p:cNvPr>
+          <p:cNvCxnSpPr>
+            <a:stCxn id="7" idx="2"/>
+            <a:endCxn id="8" idx="0"/>
+          </p:cNvCxnSpPr>
+          <p:nvPr/>
+        </p:nvCxnSpPr>
+        <p:spPr>
+          <a:xfrm>
+            <a:off x="2078788" y="2323358"/>
+            <a:ext cx="0" cy="699510"/>
+          </a:xfrm>
+          <a:prstGeom prst="straightConnector1">
+            <a:avLst/>
+          </a:prstGeom>
+          <a:ln>
+            <a:tailEnd type="triangle"/>
+          </a:ln>
+        </p:spPr>
+        <p:style>
+          <a:lnRef idx="1">
+            <a:schemeClr val="accent1"/>
+          </a:lnRef>
+          <a:fillRef idx="0">
+            <a:schemeClr val="accent1"/>
+          </a:fillRef>
+          <a:effectRef idx="0">
+            <a:schemeClr val="accent1"/>
+          </a:effectRef>
+          <a:fontRef idx="minor">
+            <a:schemeClr val="tx1"/>
+          </a:fontRef>
+        </p:style>
+      </p:cxnSp>
+      <p:cxnSp>
+        <p:nvCxnSpPr>
+          <p:cNvPr id="13" name="Straight Arrow Connector 12">
+            <a:extLst>
+              <a:ext uri="{FF2B5EF4-FFF2-40B4-BE49-F238E27FC236}">
+                <a16:creationId xmlns:a16="http://schemas.microsoft.com/office/drawing/2014/main" id="{0A3B64F4-7AC5-4A93-8BB2-B81DB541DF5C}"/>
+              </a:ext>
+            </a:extLst>
+          </p:cNvPr>
+          <p:cNvCxnSpPr>
+            <a:cxnSpLocks/>
+            <a:stCxn id="8" idx="2"/>
+            <a:endCxn id="9" idx="0"/>
+          </p:cNvCxnSpPr>
+          <p:nvPr/>
+        </p:nvCxnSpPr>
+        <p:spPr>
+          <a:xfrm>
+            <a:off x="2078788" y="3396093"/>
+            <a:ext cx="0" cy="826160"/>
+          </a:xfrm>
+          <a:prstGeom prst="straightConnector1">
+            <a:avLst/>
+          </a:prstGeom>
+          <a:ln>
+            <a:tailEnd type="triangle"/>
+          </a:ln>
+        </p:spPr>
+        <p:style>
+          <a:lnRef idx="1">
+            <a:schemeClr val="accent1"/>
+          </a:lnRef>
+          <a:fillRef idx="0">
+            <a:schemeClr val="accent1"/>
+          </a:fillRef>
+          <a:effectRef idx="0">
+            <a:schemeClr val="accent1"/>
+          </a:effectRef>
+          <a:fontRef idx="minor">
+            <a:schemeClr val="tx1"/>
+          </a:fontRef>
+        </p:style>
+      </p:cxnSp>
       <p:pic>
         <p:nvPicPr>
-          <p:cNvPr id="5" name="Picture 4">
-            <a:extLst>
-              <a:ext uri="{FF2B5EF4-FFF2-40B4-BE49-F238E27FC236}">
-                <a16:creationId xmlns:a16="http://schemas.microsoft.com/office/drawing/2014/main" id="{5D80AD49-FD22-4060-ADBB-1CE1A0DB51CA}"/>
+          <p:cNvPr id="20" name="Picture 19">
+            <a:extLst>
+              <a:ext uri="{FF2B5EF4-FFF2-40B4-BE49-F238E27FC236}">
+                <a16:creationId xmlns:a16="http://schemas.microsoft.com/office/drawing/2014/main" id="{C0646E24-0869-4A22-B6A2-4E1E451E17AA}"/>
+              </a:ext>
+            </a:extLst>
+          </p:cNvPr>
+          <p:cNvPicPr>
+            <a:picLocks noChangeAspect="1"/>
+          </p:cNvPicPr>
+          <p:nvPr/>
+        </p:nvPicPr>
+        <p:blipFill>
+          <a:blip r:embed="rId2"/>
+          <a:stretch>
+            <a:fillRect/>
+          </a:stretch>
+        </p:blipFill>
+        <p:spPr>
+          <a:xfrm>
+            <a:off x="3319856" y="2380423"/>
+            <a:ext cx="8477250" cy="1428750"/>
+          </a:xfrm>
+          <a:prstGeom prst="rect">
+            <a:avLst/>
+          </a:prstGeom>
+        </p:spPr>
+      </p:pic>
+      <p:pic>
+        <p:nvPicPr>
+          <p:cNvPr id="21" name="Picture 20">
+            <a:extLst>
+              <a:ext uri="{FF2B5EF4-FFF2-40B4-BE49-F238E27FC236}">
+                <a16:creationId xmlns:a16="http://schemas.microsoft.com/office/drawing/2014/main" id="{02BD333A-942A-48FC-AD52-4AD4A5E7710A}"/>
               </a:ext>
             </a:extLst>
           </p:cNvPr>
@@ -3571,18 +3830,195 @@
         </p:blipFill>
         <p:spPr>
           <a:xfrm>
-            <a:off x="1336340" y="1690688"/>
-            <a:ext cx="8562975" cy="4181475"/>
+            <a:off x="3345023" y="1713758"/>
+            <a:ext cx="8401050" cy="609600"/>
           </a:xfrm>
           <a:prstGeom prst="rect">
             <a:avLst/>
           </a:prstGeom>
         </p:spPr>
       </p:pic>
+      <p:pic>
+        <p:nvPicPr>
+          <p:cNvPr id="22" name="Picture 21">
+            <a:extLst>
+              <a:ext uri="{FF2B5EF4-FFF2-40B4-BE49-F238E27FC236}">
+                <a16:creationId xmlns:a16="http://schemas.microsoft.com/office/drawing/2014/main" id="{D7CA9490-D72C-4D55-B19E-037B9ACC3AC3}"/>
+              </a:ext>
+            </a:extLst>
+          </p:cNvPr>
+          <p:cNvPicPr>
+            <a:picLocks noChangeAspect="1"/>
+          </p:cNvPicPr>
+          <p:nvPr/>
+        </p:nvPicPr>
+        <p:blipFill>
+          <a:blip r:embed="rId4"/>
+          <a:stretch>
+            <a:fillRect/>
+          </a:stretch>
+        </p:blipFill>
+        <p:spPr>
+          <a:xfrm>
+            <a:off x="3345023" y="4094540"/>
+            <a:ext cx="8372475" cy="628650"/>
+          </a:xfrm>
+          <a:prstGeom prst="rect">
+            <a:avLst/>
+          </a:prstGeom>
+        </p:spPr>
+      </p:pic>
+      <p:pic>
+        <p:nvPicPr>
+          <p:cNvPr id="14" name="Picture 13">
+            <a:extLst>
+              <a:ext uri="{FF2B5EF4-FFF2-40B4-BE49-F238E27FC236}">
+                <a16:creationId xmlns:a16="http://schemas.microsoft.com/office/drawing/2014/main" id="{F546A52F-806F-4871-A339-39CD282394AF}"/>
+              </a:ext>
+            </a:extLst>
+          </p:cNvPr>
+          <p:cNvPicPr>
+            <a:picLocks noChangeAspect="1"/>
+          </p:cNvPicPr>
+          <p:nvPr/>
+        </p:nvPicPr>
+        <p:blipFill>
+          <a:blip r:embed="rId5">
+            <a:extLst>
+              <a:ext uri="{28A0092B-C50C-407E-A947-70E740481C1C}">
+                <a14:useLocalDpi xmlns:a14="http://schemas.microsoft.com/office/drawing/2010/main" val="0"/>
+              </a:ext>
+            </a:extLst>
+          </a:blip>
+          <a:stretch>
+            <a:fillRect/>
+          </a:stretch>
+        </p:blipFill>
+        <p:spPr>
+          <a:xfrm>
+            <a:off x="50334" y="5366980"/>
+            <a:ext cx="7508147" cy="1415868"/>
+          </a:xfrm>
+          <a:prstGeom prst="rect">
+            <a:avLst/>
+          </a:prstGeom>
+        </p:spPr>
+      </p:pic>
+      <p:sp>
+        <p:nvSpPr>
+          <p:cNvPr id="15" name="Rectangle 14">
+            <a:extLst>
+              <a:ext uri="{FF2B5EF4-FFF2-40B4-BE49-F238E27FC236}">
+                <a16:creationId xmlns:a16="http://schemas.microsoft.com/office/drawing/2014/main" id="{C53EF559-CD7B-432E-B0B6-A546F5F1D145}"/>
+              </a:ext>
+            </a:extLst>
+          </p:cNvPr>
+          <p:cNvSpPr/>
+          <p:nvPr/>
+        </p:nvSpPr>
+        <p:spPr>
+          <a:xfrm>
+            <a:off x="8705493" y="4959576"/>
+            <a:ext cx="2418739" cy="369332"/>
+          </a:xfrm>
+          <a:prstGeom prst="rect">
+            <a:avLst/>
+          </a:prstGeom>
+        </p:spPr>
+        <p:txBody>
+          <a:bodyPr wrap="none">
+            <a:spAutoFit/>
+          </a:bodyPr>
+          <a:lstStyle/>
+          <a:p>
+            <a:pPr lvl="1"/>
+            <a:r>
+              <a:rPr lang="en-US" dirty="0"/>
+              <a:t>-d, --</a:t>
+            </a:r>
+            <a:r>
+              <a:rPr lang="en-US" dirty="0" err="1"/>
+              <a:t>design_matrix</a:t>
+            </a:r>
+            <a:endParaRPr lang="en-US" dirty="0"/>
+          </a:p>
+        </p:txBody>
+      </p:sp>
+      <p:pic>
+        <p:nvPicPr>
+          <p:cNvPr id="16" name="Picture 15">
+            <a:extLst>
+              <a:ext uri="{FF2B5EF4-FFF2-40B4-BE49-F238E27FC236}">
+                <a16:creationId xmlns:a16="http://schemas.microsoft.com/office/drawing/2014/main" id="{55525640-6B37-4C61-9319-94373B9A5D26}"/>
+              </a:ext>
+            </a:extLst>
+          </p:cNvPr>
+          <p:cNvPicPr>
+            <a:picLocks noChangeAspect="1"/>
+          </p:cNvPicPr>
+          <p:nvPr/>
+        </p:nvPicPr>
+        <p:blipFill>
+          <a:blip r:embed="rId6">
+            <a:extLst>
+              <a:ext uri="{28A0092B-C50C-407E-A947-70E740481C1C}">
+                <a14:useLocalDpi xmlns:a14="http://schemas.microsoft.com/office/drawing/2010/main" val="0"/>
+              </a:ext>
+            </a:extLst>
+          </a:blip>
+          <a:stretch>
+            <a:fillRect/>
+          </a:stretch>
+        </p:blipFill>
+        <p:spPr>
+          <a:xfrm>
+            <a:off x="7688061" y="5366980"/>
+            <a:ext cx="4453605" cy="1355802"/>
+          </a:xfrm>
+          <a:prstGeom prst="rect">
+            <a:avLst/>
+          </a:prstGeom>
+        </p:spPr>
+      </p:pic>
+      <p:sp>
+        <p:nvSpPr>
+          <p:cNvPr id="17" name="Rectangle 16">
+            <a:extLst>
+              <a:ext uri="{FF2B5EF4-FFF2-40B4-BE49-F238E27FC236}">
+                <a16:creationId xmlns:a16="http://schemas.microsoft.com/office/drawing/2014/main" id="{05CB6408-8F4E-4B76-A835-3C8933AB779B}"/>
+              </a:ext>
+            </a:extLst>
+          </p:cNvPr>
+          <p:cNvSpPr/>
+          <p:nvPr/>
+        </p:nvSpPr>
+        <p:spPr>
+          <a:xfrm>
+            <a:off x="2284183" y="4925371"/>
+            <a:ext cx="1520224" cy="369332"/>
+          </a:xfrm>
+          <a:prstGeom prst="rect">
+            <a:avLst/>
+          </a:prstGeom>
+        </p:spPr>
+        <p:txBody>
+          <a:bodyPr wrap="none">
+            <a:spAutoFit/>
+          </a:bodyPr>
+          <a:lstStyle/>
+          <a:p>
+            <a:pPr lvl="1"/>
+            <a:r>
+              <a:rPr lang="en-US" dirty="0"/>
+              <a:t>-f, --input</a:t>
+            </a:r>
+          </a:p>
+        </p:txBody>
+      </p:sp>
     </p:spTree>
     <p:extLst>
       <p:ext uri="{BB962C8B-B14F-4D97-AF65-F5344CB8AC3E}">
-        <p14:creationId xmlns:p14="http://schemas.microsoft.com/office/powerpoint/2010/main" val="3061191392"/>
+        <p14:creationId xmlns:p14="http://schemas.microsoft.com/office/powerpoint/2010/main" val="2098964821"/>
       </p:ext>
     </p:extLst>
   </p:cSld>
@@ -3625,22 +4061,19 @@
             <p:ph type="title"/>
           </p:nvPr>
         </p:nvSpPr>
-        <p:spPr/>
+        <p:spPr>
+          <a:xfrm>
+            <a:off x="838200" y="142509"/>
+            <a:ext cx="10515600" cy="1325563"/>
+          </a:xfrm>
+        </p:spPr>
         <p:txBody>
           <a:bodyPr/>
           <a:lstStyle/>
           <a:p>
             <a:r>
               <a:rPr lang="en-US" dirty="0"/>
-              <a:t>Single-end </a:t>
-            </a:r>
-            <a:r>
-              <a:rPr lang="en-US" dirty="0" err="1"/>
-              <a:t>ChIP</a:t>
-            </a:r>
-            <a:r>
-              <a:rPr lang="en-US" dirty="0"/>
-              <a:t>-seq example</a:t>
+              <a:t>Hands on exercises</a:t>
             </a:r>
           </a:p>
         </p:txBody>
@@ -3684,10 +4117,10 @@
       </p:sp>
       <p:pic>
         <p:nvPicPr>
-          <p:cNvPr id="3" name="Picture 2">
-            <a:extLst>
-              <a:ext uri="{FF2B5EF4-FFF2-40B4-BE49-F238E27FC236}">
-                <a16:creationId xmlns:a16="http://schemas.microsoft.com/office/drawing/2014/main" id="{59A2606C-D698-4ACD-B24B-05B6EE427E02}"/>
+          <p:cNvPr id="5" name="Picture 4">
+            <a:extLst>
+              <a:ext uri="{FF2B5EF4-FFF2-40B4-BE49-F238E27FC236}">
+                <a16:creationId xmlns:a16="http://schemas.microsoft.com/office/drawing/2014/main" id="{1B2CC4C1-4E05-4088-856C-5D927D0E19BC}"/>
               </a:ext>
             </a:extLst>
           </p:cNvPr>
@@ -3704,8 +4137,8 @@
         </p:blipFill>
         <p:spPr>
           <a:xfrm>
-            <a:off x="1337257" y="1556770"/>
-            <a:ext cx="8477250" cy="4667250"/>
+            <a:off x="2689246" y="1291903"/>
+            <a:ext cx="5806991" cy="4853031"/>
           </a:xfrm>
           <a:prstGeom prst="rect">
             <a:avLst/>
@@ -3758,22 +4191,19 @@
             <p:ph type="title"/>
           </p:nvPr>
         </p:nvSpPr>
-        <p:spPr/>
+        <p:spPr>
+          <a:xfrm>
+            <a:off x="838200" y="142509"/>
+            <a:ext cx="10515600" cy="1325563"/>
+          </a:xfrm>
+        </p:spPr>
         <p:txBody>
           <a:bodyPr/>
           <a:lstStyle/>
           <a:p>
             <a:r>
               <a:rPr lang="en-US" dirty="0"/>
-              <a:t>Paired-end </a:t>
-            </a:r>
-            <a:r>
-              <a:rPr lang="en-US" dirty="0" err="1"/>
-              <a:t>ChIP</a:t>
-            </a:r>
-            <a:r>
-              <a:rPr lang="en-US" dirty="0"/>
-              <a:t>-seq example</a:t>
+              <a:t>Hands on exercises</a:t>
             </a:r>
           </a:p>
         </p:txBody>
@@ -3817,10 +4247,10 @@
       </p:sp>
       <p:pic>
         <p:nvPicPr>
-          <p:cNvPr id="3" name="Picture 2">
-            <a:extLst>
-              <a:ext uri="{FF2B5EF4-FFF2-40B4-BE49-F238E27FC236}">
-                <a16:creationId xmlns:a16="http://schemas.microsoft.com/office/drawing/2014/main" id="{D9E35EBD-9C22-4F59-BF49-06A2ED94D472}"/>
+          <p:cNvPr id="6" name="Picture 5">
+            <a:extLst>
+              <a:ext uri="{FF2B5EF4-FFF2-40B4-BE49-F238E27FC236}">
+                <a16:creationId xmlns:a16="http://schemas.microsoft.com/office/drawing/2014/main" id="{A96FF465-4E8D-4CE9-AF50-F7DA8FAEFB5E}"/>
               </a:ext>
             </a:extLst>
           </p:cNvPr>
@@ -3837,8 +4267,8 @@
         </p:blipFill>
         <p:spPr>
           <a:xfrm>
-            <a:off x="1627245" y="1609156"/>
-            <a:ext cx="8467725" cy="4562475"/>
+            <a:off x="1312528" y="2032146"/>
+            <a:ext cx="8610600" cy="3448050"/>
           </a:xfrm>
           <a:prstGeom prst="rect">
             <a:avLst/>
@@ -3848,7 +4278,7 @@
     </p:spTree>
     <p:extLst>
       <p:ext uri="{BB962C8B-B14F-4D97-AF65-F5344CB8AC3E}">
-        <p14:creationId xmlns:p14="http://schemas.microsoft.com/office/powerpoint/2010/main" val="3061217495"/>
+        <p14:creationId xmlns:p14="http://schemas.microsoft.com/office/powerpoint/2010/main" val="3243084039"/>
       </p:ext>
     </p:extLst>
   </p:cSld>
@@ -3898,7 +4328,15 @@
           <a:p>
             <a:r>
               <a:rPr lang="en-US" dirty="0"/>
-              <a:t>CUT &amp; RUN example</a:t>
+              <a:t>Single-end </a:t>
+            </a:r>
+            <a:r>
+              <a:rPr lang="en-US" dirty="0" err="1"/>
+              <a:t>ChIP</a:t>
+            </a:r>
+            <a:r>
+              <a:rPr lang="en-US" dirty="0"/>
+              <a:t>-seq example</a:t>
             </a:r>
           </a:p>
         </p:txBody>
@@ -3945,7 +4383,7 @@
           <p:cNvPr id="3" name="Picture 2">
             <a:extLst>
               <a:ext uri="{FF2B5EF4-FFF2-40B4-BE49-F238E27FC236}">
-                <a16:creationId xmlns:a16="http://schemas.microsoft.com/office/drawing/2014/main" id="{533B4F16-33D3-404F-836D-D946C57C9CC8}"/>
+                <a16:creationId xmlns:a16="http://schemas.microsoft.com/office/drawing/2014/main" id="{59A2606C-D698-4ACD-B24B-05B6EE427E02}"/>
               </a:ext>
             </a:extLst>
           </p:cNvPr>
@@ -3962,18 +4400,278 @@
         </p:blipFill>
         <p:spPr>
           <a:xfrm>
-            <a:off x="1682342" y="1690688"/>
-            <a:ext cx="8458200" cy="4562475"/>
+            <a:off x="464802" y="1556770"/>
+            <a:ext cx="8477250" cy="4667250"/>
           </a:xfrm>
           <a:prstGeom prst="rect">
             <a:avLst/>
           </a:prstGeom>
         </p:spPr>
       </p:pic>
+      <p:sp>
+        <p:nvSpPr>
+          <p:cNvPr id="5" name="Rectangle 4">
+            <a:extLst>
+              <a:ext uri="{FF2B5EF4-FFF2-40B4-BE49-F238E27FC236}">
+                <a16:creationId xmlns:a16="http://schemas.microsoft.com/office/drawing/2014/main" id="{992E529E-D2E5-4CB6-8279-870A02EDD9C3}"/>
+              </a:ext>
+            </a:extLst>
+          </p:cNvPr>
+          <p:cNvSpPr/>
+          <p:nvPr/>
+        </p:nvSpPr>
+        <p:spPr>
+          <a:xfrm>
+            <a:off x="9273074" y="3242387"/>
+            <a:ext cx="2080726" cy="373225"/>
+          </a:xfrm>
+          <a:prstGeom prst="rect">
+            <a:avLst/>
+          </a:prstGeom>
+          <a:noFill/>
+        </p:spPr>
+        <p:style>
+          <a:lnRef idx="2">
+            <a:schemeClr val="accent1">
+              <a:shade val="50000"/>
+            </a:schemeClr>
+          </a:lnRef>
+          <a:fillRef idx="1">
+            <a:schemeClr val="accent1"/>
+          </a:fillRef>
+          <a:effectRef idx="0">
+            <a:schemeClr val="accent1"/>
+          </a:effectRef>
+          <a:fontRef idx="minor">
+            <a:schemeClr val="lt1"/>
+          </a:fontRef>
+        </p:style>
+        <p:txBody>
+          <a:bodyPr rtlCol="0" anchor="ctr"/>
+          <a:lstStyle/>
+          <a:p>
+            <a:pPr algn="ctr"/>
+            <a:r>
+              <a:rPr lang="en-US" dirty="0">
+                <a:solidFill>
+                  <a:schemeClr val="tx1"/>
+                </a:solidFill>
+              </a:rPr>
+              <a:t>Load Python</a:t>
+            </a:r>
+          </a:p>
+        </p:txBody>
+      </p:sp>
+      <p:sp>
+        <p:nvSpPr>
+          <p:cNvPr id="6" name="Rectangle 5">
+            <a:extLst>
+              <a:ext uri="{FF2B5EF4-FFF2-40B4-BE49-F238E27FC236}">
+                <a16:creationId xmlns:a16="http://schemas.microsoft.com/office/drawing/2014/main" id="{354EA416-4D73-439D-8179-4A26929C094F}"/>
+              </a:ext>
+            </a:extLst>
+          </p:cNvPr>
+          <p:cNvSpPr/>
+          <p:nvPr/>
+        </p:nvSpPr>
+        <p:spPr>
+          <a:xfrm>
+            <a:off x="9273074" y="4315122"/>
+            <a:ext cx="2080726" cy="373225"/>
+          </a:xfrm>
+          <a:prstGeom prst="rect">
+            <a:avLst/>
+          </a:prstGeom>
+          <a:noFill/>
+        </p:spPr>
+        <p:style>
+          <a:lnRef idx="2">
+            <a:schemeClr val="accent1">
+              <a:shade val="50000"/>
+            </a:schemeClr>
+          </a:lnRef>
+          <a:fillRef idx="1">
+            <a:schemeClr val="accent1"/>
+          </a:fillRef>
+          <a:effectRef idx="0">
+            <a:schemeClr val="accent1"/>
+          </a:effectRef>
+          <a:fontRef idx="minor">
+            <a:schemeClr val="lt1"/>
+          </a:fontRef>
+        </p:style>
+        <p:txBody>
+          <a:bodyPr rtlCol="0" anchor="ctr"/>
+          <a:lstStyle/>
+          <a:p>
+            <a:pPr algn="ctr"/>
+            <a:r>
+              <a:rPr lang="en-US" dirty="0">
+                <a:solidFill>
+                  <a:schemeClr val="tx1"/>
+                </a:solidFill>
+              </a:rPr>
+              <a:t>Prepare Inputs</a:t>
+            </a:r>
+          </a:p>
+        </p:txBody>
+      </p:sp>
+      <p:sp>
+        <p:nvSpPr>
+          <p:cNvPr id="7" name="Rectangle 6">
+            <a:extLst>
+              <a:ext uri="{FF2B5EF4-FFF2-40B4-BE49-F238E27FC236}">
+                <a16:creationId xmlns:a16="http://schemas.microsoft.com/office/drawing/2014/main" id="{921D53B3-9A64-4FA1-B7FC-64576C17764C}"/>
+              </a:ext>
+            </a:extLst>
+          </p:cNvPr>
+          <p:cNvSpPr/>
+          <p:nvPr/>
+        </p:nvSpPr>
+        <p:spPr>
+          <a:xfrm>
+            <a:off x="9273074" y="5514507"/>
+            <a:ext cx="2080726" cy="373225"/>
+          </a:xfrm>
+          <a:prstGeom prst="rect">
+            <a:avLst/>
+          </a:prstGeom>
+          <a:noFill/>
+        </p:spPr>
+        <p:style>
+          <a:lnRef idx="2">
+            <a:schemeClr val="accent1">
+              <a:shade val="50000"/>
+            </a:schemeClr>
+          </a:lnRef>
+          <a:fillRef idx="1">
+            <a:schemeClr val="accent1"/>
+          </a:fillRef>
+          <a:effectRef idx="0">
+            <a:schemeClr val="accent1"/>
+          </a:effectRef>
+          <a:fontRef idx="minor">
+            <a:schemeClr val="lt1"/>
+          </a:fontRef>
+        </p:style>
+        <p:txBody>
+          <a:bodyPr rtlCol="0" anchor="ctr"/>
+          <a:lstStyle/>
+          <a:p>
+            <a:pPr algn="ctr"/>
+            <a:r>
+              <a:rPr lang="en-US" dirty="0">
+                <a:solidFill>
+                  <a:schemeClr val="tx1"/>
+                </a:solidFill>
+              </a:rPr>
+              <a:t>Run </a:t>
+            </a:r>
+            <a:r>
+              <a:rPr lang="en-US" dirty="0" err="1">
+                <a:solidFill>
+                  <a:schemeClr val="tx1"/>
+                </a:solidFill>
+              </a:rPr>
+              <a:t>HemTools</a:t>
+            </a:r>
+            <a:endParaRPr lang="en-US" dirty="0">
+              <a:solidFill>
+                <a:schemeClr val="tx1"/>
+              </a:solidFill>
+            </a:endParaRPr>
+          </a:p>
+        </p:txBody>
+      </p:sp>
+      <p:cxnSp>
+        <p:nvCxnSpPr>
+          <p:cNvPr id="8" name="Straight Arrow Connector 7">
+            <a:extLst>
+              <a:ext uri="{FF2B5EF4-FFF2-40B4-BE49-F238E27FC236}">
+                <a16:creationId xmlns:a16="http://schemas.microsoft.com/office/drawing/2014/main" id="{F34FB0F6-331F-4462-951F-CFA5A6BF9BED}"/>
+              </a:ext>
+            </a:extLst>
+          </p:cNvPr>
+          <p:cNvCxnSpPr>
+            <a:stCxn id="5" idx="2"/>
+            <a:endCxn id="6" idx="0"/>
+          </p:cNvCxnSpPr>
+          <p:nvPr/>
+        </p:nvCxnSpPr>
+        <p:spPr>
+          <a:xfrm>
+            <a:off x="10313437" y="3615612"/>
+            <a:ext cx="0" cy="699510"/>
+          </a:xfrm>
+          <a:prstGeom prst="straightConnector1">
+            <a:avLst/>
+          </a:prstGeom>
+          <a:ln>
+            <a:tailEnd type="triangle"/>
+          </a:ln>
+        </p:spPr>
+        <p:style>
+          <a:lnRef idx="1">
+            <a:schemeClr val="accent1"/>
+          </a:lnRef>
+          <a:fillRef idx="0">
+            <a:schemeClr val="accent1"/>
+          </a:fillRef>
+          <a:effectRef idx="0">
+            <a:schemeClr val="accent1"/>
+          </a:effectRef>
+          <a:fontRef idx="minor">
+            <a:schemeClr val="tx1"/>
+          </a:fontRef>
+        </p:style>
+      </p:cxnSp>
+      <p:cxnSp>
+        <p:nvCxnSpPr>
+          <p:cNvPr id="9" name="Straight Arrow Connector 8">
+            <a:extLst>
+              <a:ext uri="{FF2B5EF4-FFF2-40B4-BE49-F238E27FC236}">
+                <a16:creationId xmlns:a16="http://schemas.microsoft.com/office/drawing/2014/main" id="{D5AB3587-E715-453E-A290-36811AAF3FD1}"/>
+              </a:ext>
+            </a:extLst>
+          </p:cNvPr>
+          <p:cNvCxnSpPr>
+            <a:cxnSpLocks/>
+            <a:stCxn id="6" idx="2"/>
+            <a:endCxn id="7" idx="0"/>
+          </p:cNvCxnSpPr>
+          <p:nvPr/>
+        </p:nvCxnSpPr>
+        <p:spPr>
+          <a:xfrm>
+            <a:off x="10313437" y="4688347"/>
+            <a:ext cx="0" cy="826160"/>
+          </a:xfrm>
+          <a:prstGeom prst="straightConnector1">
+            <a:avLst/>
+          </a:prstGeom>
+          <a:ln>
+            <a:tailEnd type="triangle"/>
+          </a:ln>
+        </p:spPr>
+        <p:style>
+          <a:lnRef idx="1">
+            <a:schemeClr val="accent1"/>
+          </a:lnRef>
+          <a:fillRef idx="0">
+            <a:schemeClr val="accent1"/>
+          </a:fillRef>
+          <a:effectRef idx="0">
+            <a:schemeClr val="accent1"/>
+          </a:effectRef>
+          <a:fontRef idx="minor">
+            <a:schemeClr val="tx1"/>
+          </a:fontRef>
+        </p:style>
+      </p:cxnSp>
     </p:spTree>
     <p:extLst>
       <p:ext uri="{BB962C8B-B14F-4D97-AF65-F5344CB8AC3E}">
-        <p14:creationId xmlns:p14="http://schemas.microsoft.com/office/powerpoint/2010/main" val="3978130672"/>
+        <p14:creationId xmlns:p14="http://schemas.microsoft.com/office/powerpoint/2010/main" val="4285237059"/>
       </p:ext>
     </p:extLst>
   </p:cSld>
@@ -4005,7 +4703,7 @@
           <p:cNvPr id="2" name="Title 1">
             <a:extLst>
               <a:ext uri="{FF2B5EF4-FFF2-40B4-BE49-F238E27FC236}">
-                <a16:creationId xmlns:a16="http://schemas.microsoft.com/office/drawing/2014/main" id="{15AD1A34-A8B2-48D0-951F-79751EADEEC7}"/>
+                <a16:creationId xmlns:a16="http://schemas.microsoft.com/office/drawing/2014/main" id="{2410D0D2-75EB-48A5-B504-0D0356EB6C4E}"/>
               </a:ext>
             </a:extLst>
           </p:cNvPr>
@@ -4023,333 +4721,342 @@
           <a:p>
             <a:r>
               <a:rPr lang="en-US" dirty="0"/>
-              <a:t>General principles</a:t>
-            </a:r>
-          </a:p>
-        </p:txBody>
-      </p:sp>
-      <p:sp>
-        <p:nvSpPr>
-          <p:cNvPr id="3" name="Content Placeholder 2">
-            <a:extLst>
-              <a:ext uri="{FF2B5EF4-FFF2-40B4-BE49-F238E27FC236}">
-                <a16:creationId xmlns:a16="http://schemas.microsoft.com/office/drawing/2014/main" id="{0BBFE8CB-EE31-4B7B-8AD9-AC66241D81BD}"/>
-              </a:ext>
-            </a:extLst>
-          </p:cNvPr>
-          <p:cNvSpPr>
-            <a:spLocks noGrp="1"/>
-          </p:cNvSpPr>
-          <p:nvPr>
-            <p:ph idx="1"/>
-          </p:nvPr>
-        </p:nvSpPr>
-        <p:spPr>
-          <a:xfrm>
-            <a:off x="838200" y="1825625"/>
-            <a:ext cx="10515600" cy="4351338"/>
-          </a:xfrm>
-        </p:spPr>
-        <p:txBody>
-          <a:bodyPr/>
-          <a:lstStyle/>
-          <a:p>
-            <a:r>
-              <a:rPr lang="en-US" dirty="0"/>
-              <a:t>Command format</a:t>
-            </a:r>
-          </a:p>
-          <a:p>
-            <a:pPr lvl="1"/>
-            <a:r>
-              <a:rPr lang="en-US" dirty="0" err="1"/>
+              <a:t>ATAC-seq example</a:t>
+            </a:r>
+          </a:p>
+        </p:txBody>
+      </p:sp>
+      <p:sp>
+        <p:nvSpPr>
+          <p:cNvPr id="4" name="Rectangle 3">
+            <a:extLst>
+              <a:ext uri="{FF2B5EF4-FFF2-40B4-BE49-F238E27FC236}">
+                <a16:creationId xmlns:a16="http://schemas.microsoft.com/office/drawing/2014/main" id="{FB8DFCC4-92EE-4B25-B0D9-2C0381055F6C}"/>
+              </a:ext>
+            </a:extLst>
+          </p:cNvPr>
+          <p:cNvSpPr/>
+          <p:nvPr/>
+        </p:nvSpPr>
+        <p:spPr>
+          <a:xfrm>
+            <a:off x="1781263" y="6444626"/>
+            <a:ext cx="9144000" cy="369332"/>
+          </a:xfrm>
+          <a:prstGeom prst="rect">
+            <a:avLst/>
+          </a:prstGeom>
+        </p:spPr>
+        <p:txBody>
+          <a:bodyPr wrap="square">
+            <a:spAutoFit/>
+          </a:bodyPr>
+          <a:lstStyle/>
+          <a:p>
+            <a:r>
+              <a:rPr lang="en-US" dirty="0">
+                <a:hlinkClick r:id="rId2"/>
+              </a:rPr>
+              <a:t>https://hemtools.readthedocs.io/en/latest/content/NGS_pipelines/tutorial.html</a:t>
+            </a:r>
+            <a:endParaRPr lang="en-US" dirty="0"/>
+          </a:p>
+        </p:txBody>
+      </p:sp>
+      <p:pic>
+        <p:nvPicPr>
+          <p:cNvPr id="5" name="Picture 4">
+            <a:extLst>
+              <a:ext uri="{FF2B5EF4-FFF2-40B4-BE49-F238E27FC236}">
+                <a16:creationId xmlns:a16="http://schemas.microsoft.com/office/drawing/2014/main" id="{5D80AD49-FD22-4060-ADBB-1CE1A0DB51CA}"/>
+              </a:ext>
+            </a:extLst>
+          </p:cNvPr>
+          <p:cNvPicPr>
+            <a:picLocks noChangeAspect="1"/>
+          </p:cNvPicPr>
+          <p:nvPr/>
+        </p:nvPicPr>
+        <p:blipFill>
+          <a:blip r:embed="rId3"/>
+          <a:stretch>
+            <a:fillRect/>
+          </a:stretch>
+        </p:blipFill>
+        <p:spPr>
+          <a:xfrm>
+            <a:off x="296105" y="1690688"/>
+            <a:ext cx="8562975" cy="4181475"/>
+          </a:xfrm>
+          <a:prstGeom prst="rect">
+            <a:avLst/>
+          </a:prstGeom>
+        </p:spPr>
+      </p:pic>
+      <p:sp>
+        <p:nvSpPr>
+          <p:cNvPr id="11" name="Rectangle 10">
+            <a:extLst>
+              <a:ext uri="{FF2B5EF4-FFF2-40B4-BE49-F238E27FC236}">
+                <a16:creationId xmlns:a16="http://schemas.microsoft.com/office/drawing/2014/main" id="{0C909C85-F110-46CE-BA9B-BE09A5FE39C8}"/>
+              </a:ext>
+            </a:extLst>
+          </p:cNvPr>
+          <p:cNvSpPr/>
+          <p:nvPr/>
+        </p:nvSpPr>
+        <p:spPr>
+          <a:xfrm>
+            <a:off x="9603584" y="3226818"/>
+            <a:ext cx="2080726" cy="373225"/>
+          </a:xfrm>
+          <a:prstGeom prst="rect">
+            <a:avLst/>
+          </a:prstGeom>
+          <a:noFill/>
+        </p:spPr>
+        <p:style>
+          <a:lnRef idx="2">
+            <a:schemeClr val="accent1">
+              <a:shade val="50000"/>
+            </a:schemeClr>
+          </a:lnRef>
+          <a:fillRef idx="1">
+            <a:schemeClr val="accent1"/>
+          </a:fillRef>
+          <a:effectRef idx="0">
+            <a:schemeClr val="accent1"/>
+          </a:effectRef>
+          <a:fontRef idx="minor">
+            <a:schemeClr val="lt1"/>
+          </a:fontRef>
+        </p:style>
+        <p:txBody>
+          <a:bodyPr rtlCol="0" anchor="ctr"/>
+          <a:lstStyle/>
+          <a:p>
+            <a:pPr algn="ctr"/>
+            <a:r>
+              <a:rPr lang="en-US" dirty="0">
+                <a:solidFill>
+                  <a:schemeClr val="tx1"/>
+                </a:solidFill>
+              </a:rPr>
+              <a:t>Load Python</a:t>
+            </a:r>
+          </a:p>
+        </p:txBody>
+      </p:sp>
+      <p:sp>
+        <p:nvSpPr>
+          <p:cNvPr id="12" name="Rectangle 11">
+            <a:extLst>
+              <a:ext uri="{FF2B5EF4-FFF2-40B4-BE49-F238E27FC236}">
+                <a16:creationId xmlns:a16="http://schemas.microsoft.com/office/drawing/2014/main" id="{22C0E33D-5E97-4CC5-B039-FFFC138207B6}"/>
+              </a:ext>
+            </a:extLst>
+          </p:cNvPr>
+          <p:cNvSpPr/>
+          <p:nvPr/>
+        </p:nvSpPr>
+        <p:spPr>
+          <a:xfrm>
+            <a:off x="9603584" y="4299553"/>
+            <a:ext cx="2080726" cy="373225"/>
+          </a:xfrm>
+          <a:prstGeom prst="rect">
+            <a:avLst/>
+          </a:prstGeom>
+          <a:noFill/>
+        </p:spPr>
+        <p:style>
+          <a:lnRef idx="2">
+            <a:schemeClr val="accent1">
+              <a:shade val="50000"/>
+            </a:schemeClr>
+          </a:lnRef>
+          <a:fillRef idx="1">
+            <a:schemeClr val="accent1"/>
+          </a:fillRef>
+          <a:effectRef idx="0">
+            <a:schemeClr val="accent1"/>
+          </a:effectRef>
+          <a:fontRef idx="minor">
+            <a:schemeClr val="lt1"/>
+          </a:fontRef>
+        </p:style>
+        <p:txBody>
+          <a:bodyPr rtlCol="0" anchor="ctr"/>
+          <a:lstStyle/>
+          <a:p>
+            <a:pPr algn="ctr"/>
+            <a:r>
+              <a:rPr lang="en-US" dirty="0">
+                <a:solidFill>
+                  <a:schemeClr val="tx1"/>
+                </a:solidFill>
+              </a:rPr>
+              <a:t>Prepare Inputs</a:t>
+            </a:r>
+          </a:p>
+        </p:txBody>
+      </p:sp>
+      <p:sp>
+        <p:nvSpPr>
+          <p:cNvPr id="13" name="Rectangle 12">
+            <a:extLst>
+              <a:ext uri="{FF2B5EF4-FFF2-40B4-BE49-F238E27FC236}">
+                <a16:creationId xmlns:a16="http://schemas.microsoft.com/office/drawing/2014/main" id="{EF8EB75C-57A1-4553-8032-7E137C84B2F9}"/>
+              </a:ext>
+            </a:extLst>
+          </p:cNvPr>
+          <p:cNvSpPr/>
+          <p:nvPr/>
+        </p:nvSpPr>
+        <p:spPr>
+          <a:xfrm>
+            <a:off x="9603584" y="5498938"/>
+            <a:ext cx="2080726" cy="373225"/>
+          </a:xfrm>
+          <a:prstGeom prst="rect">
+            <a:avLst/>
+          </a:prstGeom>
+          <a:noFill/>
+        </p:spPr>
+        <p:style>
+          <a:lnRef idx="2">
+            <a:schemeClr val="accent1">
+              <a:shade val="50000"/>
+            </a:schemeClr>
+          </a:lnRef>
+          <a:fillRef idx="1">
+            <a:schemeClr val="accent1"/>
+          </a:fillRef>
+          <a:effectRef idx="0">
+            <a:schemeClr val="accent1"/>
+          </a:effectRef>
+          <a:fontRef idx="minor">
+            <a:schemeClr val="lt1"/>
+          </a:fontRef>
+        </p:style>
+        <p:txBody>
+          <a:bodyPr rtlCol="0" anchor="ctr"/>
+          <a:lstStyle/>
+          <a:p>
+            <a:pPr algn="ctr"/>
+            <a:r>
+              <a:rPr lang="en-US" dirty="0">
+                <a:solidFill>
+                  <a:schemeClr val="tx1"/>
+                </a:solidFill>
+              </a:rPr>
+              <a:t>Run </a:t>
+            </a:r>
+            <a:r>
+              <a:rPr lang="en-US" dirty="0" err="1">
+                <a:solidFill>
+                  <a:schemeClr val="tx1"/>
+                </a:solidFill>
+              </a:rPr>
               <a:t>HemTools</a:t>
             </a:r>
-            <a:r>
-              <a:rPr lang="en-US" dirty="0"/>
-              <a:t>   </a:t>
-            </a:r>
-            <a:r>
-              <a:rPr lang="en-US" dirty="0" err="1"/>
-              <a:t>subcmd</a:t>
-            </a:r>
-            <a:r>
-              <a:rPr lang="en-US" dirty="0"/>
-              <a:t>   </a:t>
-            </a:r>
-            <a:r>
-              <a:rPr lang="en-US" dirty="0" err="1"/>
-              <a:t>some_required_parameters</a:t>
-            </a:r>
-            <a:br>
-              <a:rPr lang="en-US" dirty="0"/>
-            </a:br>
-            <a:endParaRPr lang="en-US" dirty="0"/>
-          </a:p>
-          <a:p>
-            <a:pPr lvl="1"/>
-            <a:r>
-              <a:rPr lang="en-US" sz="1800" dirty="0" err="1">
-                <a:latin typeface="Consolas" panose="020B0609020204030204" pitchFamily="49" charset="0"/>
-                <a:cs typeface="Consolas" panose="020B0609020204030204" pitchFamily="49" charset="0"/>
-              </a:rPr>
-              <a:t>HemTools</a:t>
-            </a:r>
-            <a:r>
-              <a:rPr lang="en-US" sz="1800" dirty="0">
-                <a:latin typeface="Consolas" panose="020B0609020204030204" pitchFamily="49" charset="0"/>
-                <a:cs typeface="Consolas" panose="020B0609020204030204" pitchFamily="49" charset="0"/>
-              </a:rPr>
-              <a:t> </a:t>
-            </a:r>
-            <a:r>
-              <a:rPr lang="en-US" sz="1800" dirty="0" err="1">
-                <a:latin typeface="Consolas" panose="020B0609020204030204" pitchFamily="49" charset="0"/>
-                <a:cs typeface="Consolas" panose="020B0609020204030204" pitchFamily="49" charset="0"/>
-              </a:rPr>
-              <a:t>atac_seq</a:t>
-            </a:r>
-            <a:r>
-              <a:rPr lang="en-US" sz="1800" dirty="0">
-                <a:latin typeface="Consolas" panose="020B0609020204030204" pitchFamily="49" charset="0"/>
-                <a:cs typeface="Consolas" panose="020B0609020204030204" pitchFamily="49" charset="0"/>
-              </a:rPr>
-              <a:t> -f </a:t>
-            </a:r>
-            <a:r>
-              <a:rPr lang="en-US" sz="1800" dirty="0" err="1">
-                <a:latin typeface="Consolas" panose="020B0609020204030204" pitchFamily="49" charset="0"/>
-                <a:cs typeface="Consolas" panose="020B0609020204030204" pitchFamily="49" charset="0"/>
-              </a:rPr>
-              <a:t>fastq.tsv</a:t>
-            </a:r>
-            <a:br>
-              <a:rPr lang="en-US" sz="1800" dirty="0">
-                <a:latin typeface="Consolas" panose="020B0609020204030204" pitchFamily="49" charset="0"/>
-                <a:cs typeface="Consolas" panose="020B0609020204030204" pitchFamily="49" charset="0"/>
-              </a:rPr>
-            </a:br>
-            <a:endParaRPr lang="en-US" sz="1800" dirty="0">
-              <a:latin typeface="Consolas" panose="020B0609020204030204" pitchFamily="49" charset="0"/>
-              <a:cs typeface="Consolas" panose="020B0609020204030204" pitchFamily="49" charset="0"/>
+            <a:endParaRPr lang="en-US" dirty="0">
+              <a:solidFill>
+                <a:schemeClr val="tx1"/>
+              </a:solidFill>
             </a:endParaRPr>
           </a:p>
-          <a:p>
-            <a:pPr lvl="1"/>
-            <a:r>
-              <a:rPr lang="en-US" sz="1800" dirty="0" err="1">
-                <a:latin typeface="Consolas" panose="020B0609020204030204" pitchFamily="49" charset="0"/>
-                <a:cs typeface="Consolas" panose="020B0609020204030204" pitchFamily="49" charset="0"/>
-              </a:rPr>
-              <a:t>HemTools</a:t>
-            </a:r>
-            <a:r>
-              <a:rPr lang="en-US" sz="1800" dirty="0">
-                <a:latin typeface="Consolas" panose="020B0609020204030204" pitchFamily="49" charset="0"/>
-                <a:cs typeface="Consolas" panose="020B0609020204030204" pitchFamily="49" charset="0"/>
-              </a:rPr>
-              <a:t> </a:t>
-            </a:r>
-            <a:r>
-              <a:rPr lang="en-US" sz="1800" dirty="0" err="1">
-                <a:latin typeface="Consolas" panose="020B0609020204030204" pitchFamily="49" charset="0"/>
-                <a:cs typeface="Consolas" panose="020B0609020204030204" pitchFamily="49" charset="0"/>
-              </a:rPr>
-              <a:t>cut_run</a:t>
-            </a:r>
-            <a:r>
-              <a:rPr lang="en-US" sz="1800" dirty="0">
-                <a:latin typeface="Consolas" panose="020B0609020204030204" pitchFamily="49" charset="0"/>
-                <a:cs typeface="Consolas" panose="020B0609020204030204" pitchFamily="49" charset="0"/>
-              </a:rPr>
-              <a:t> -f </a:t>
-            </a:r>
-            <a:r>
-              <a:rPr lang="en-US" sz="1800" dirty="0" err="1">
-                <a:latin typeface="Consolas" panose="020B0609020204030204" pitchFamily="49" charset="0"/>
-                <a:cs typeface="Consolas" panose="020B0609020204030204" pitchFamily="49" charset="0"/>
-              </a:rPr>
-              <a:t>fastq.tsv</a:t>
-            </a:r>
-            <a:r>
-              <a:rPr lang="en-US" sz="1800" dirty="0">
-                <a:latin typeface="Consolas" panose="020B0609020204030204" pitchFamily="49" charset="0"/>
-                <a:cs typeface="Consolas" panose="020B0609020204030204" pitchFamily="49" charset="0"/>
-              </a:rPr>
-              <a:t> -d </a:t>
-            </a:r>
-            <a:r>
-              <a:rPr lang="en-US" sz="1800" dirty="0" err="1">
-                <a:latin typeface="Consolas" panose="020B0609020204030204" pitchFamily="49" charset="0"/>
-                <a:cs typeface="Consolas" panose="020B0609020204030204" pitchFamily="49" charset="0"/>
-              </a:rPr>
-              <a:t>peakcall.tsv</a:t>
-            </a:r>
-            <a:br>
-              <a:rPr lang="en-US" sz="1800" dirty="0">
-                <a:latin typeface="Consolas" panose="020B0609020204030204" pitchFamily="49" charset="0"/>
-                <a:cs typeface="Consolas" panose="020B0609020204030204" pitchFamily="49" charset="0"/>
-              </a:rPr>
-            </a:br>
-            <a:endParaRPr lang="en-US" sz="1800" dirty="0">
-              <a:latin typeface="Consolas" panose="020B0609020204030204" pitchFamily="49" charset="0"/>
-              <a:cs typeface="Consolas" panose="020B0609020204030204" pitchFamily="49" charset="0"/>
-            </a:endParaRPr>
-          </a:p>
-          <a:p>
-            <a:pPr lvl="1"/>
-            <a:r>
-              <a:rPr lang="en-US" sz="1800" dirty="0" err="1">
-                <a:latin typeface="Consolas" panose="020B0609020204030204" pitchFamily="49" charset="0"/>
-                <a:cs typeface="Consolas" panose="020B0609020204030204" pitchFamily="49" charset="0"/>
-              </a:rPr>
-              <a:t>HemTools</a:t>
-            </a:r>
-            <a:r>
-              <a:rPr lang="en-US" sz="1800" dirty="0">
-                <a:latin typeface="Consolas" panose="020B0609020204030204" pitchFamily="49" charset="0"/>
-                <a:cs typeface="Consolas" panose="020B0609020204030204" pitchFamily="49" charset="0"/>
-              </a:rPr>
-              <a:t> </a:t>
-            </a:r>
-            <a:r>
-              <a:rPr lang="en-US" sz="1800" dirty="0" err="1">
-                <a:latin typeface="Consolas" panose="020B0609020204030204" pitchFamily="49" charset="0"/>
-                <a:cs typeface="Consolas" panose="020B0609020204030204" pitchFamily="49" charset="0"/>
-              </a:rPr>
-              <a:t>chip_seq_single</a:t>
-            </a:r>
-            <a:r>
-              <a:rPr lang="en-US" sz="1800" dirty="0">
-                <a:latin typeface="Consolas" panose="020B0609020204030204" pitchFamily="49" charset="0"/>
-                <a:cs typeface="Consolas" panose="020B0609020204030204" pitchFamily="49" charset="0"/>
-              </a:rPr>
-              <a:t> -f </a:t>
-            </a:r>
-            <a:r>
-              <a:rPr lang="en-US" sz="1800" dirty="0" err="1">
-                <a:latin typeface="Consolas" panose="020B0609020204030204" pitchFamily="49" charset="0"/>
-                <a:cs typeface="Consolas" panose="020B0609020204030204" pitchFamily="49" charset="0"/>
-              </a:rPr>
-              <a:t>fastq.tsv</a:t>
-            </a:r>
-            <a:r>
-              <a:rPr lang="en-US" sz="1800" dirty="0">
-                <a:latin typeface="Consolas" panose="020B0609020204030204" pitchFamily="49" charset="0"/>
-                <a:cs typeface="Consolas" panose="020B0609020204030204" pitchFamily="49" charset="0"/>
-              </a:rPr>
-              <a:t> -d </a:t>
-            </a:r>
-            <a:r>
-              <a:rPr lang="en-US" sz="1800" dirty="0" err="1">
-                <a:latin typeface="Consolas" panose="020B0609020204030204" pitchFamily="49" charset="0"/>
-                <a:cs typeface="Consolas" panose="020B0609020204030204" pitchFamily="49" charset="0"/>
-              </a:rPr>
-              <a:t>peakcall.tsv</a:t>
-            </a:r>
-            <a:br>
-              <a:rPr lang="en-US" sz="1800" dirty="0">
-                <a:latin typeface="Consolas" panose="020B0609020204030204" pitchFamily="49" charset="0"/>
-                <a:cs typeface="Consolas" panose="020B0609020204030204" pitchFamily="49" charset="0"/>
-              </a:rPr>
-            </a:br>
-            <a:endParaRPr lang="en-US" sz="1800" dirty="0">
-              <a:latin typeface="Consolas" panose="020B0609020204030204" pitchFamily="49" charset="0"/>
-              <a:cs typeface="Consolas" panose="020B0609020204030204" pitchFamily="49" charset="0"/>
-            </a:endParaRPr>
-          </a:p>
-          <a:p>
-            <a:pPr lvl="1"/>
-            <a:r>
-              <a:rPr lang="en-US" sz="1800" dirty="0" err="1">
-                <a:latin typeface="Consolas" panose="020B0609020204030204" pitchFamily="49" charset="0"/>
-                <a:cs typeface="Consolas" panose="020B0609020204030204" pitchFamily="49" charset="0"/>
-              </a:rPr>
-              <a:t>HemTools</a:t>
-            </a:r>
-            <a:r>
-              <a:rPr lang="en-US" sz="1800" dirty="0">
-                <a:latin typeface="Consolas" panose="020B0609020204030204" pitchFamily="49" charset="0"/>
-                <a:cs typeface="Consolas" panose="020B0609020204030204" pitchFamily="49" charset="0"/>
-              </a:rPr>
-              <a:t> </a:t>
-            </a:r>
-            <a:r>
-              <a:rPr lang="en-US" sz="1800" dirty="0" err="1">
-                <a:latin typeface="Consolas" panose="020B0609020204030204" pitchFamily="49" charset="0"/>
-                <a:cs typeface="Consolas" panose="020B0609020204030204" pitchFamily="49" charset="0"/>
-              </a:rPr>
-              <a:t>chip_seq_pair</a:t>
-            </a:r>
-            <a:r>
-              <a:rPr lang="en-US" sz="1800" dirty="0">
-                <a:latin typeface="Consolas" panose="020B0609020204030204" pitchFamily="49" charset="0"/>
-                <a:cs typeface="Consolas" panose="020B0609020204030204" pitchFamily="49" charset="0"/>
-              </a:rPr>
-              <a:t> -f </a:t>
-            </a:r>
-            <a:r>
-              <a:rPr lang="en-US" sz="1800" dirty="0" err="1">
-                <a:latin typeface="Consolas" panose="020B0609020204030204" pitchFamily="49" charset="0"/>
-                <a:cs typeface="Consolas" panose="020B0609020204030204" pitchFamily="49" charset="0"/>
-              </a:rPr>
-              <a:t>fastq.tsv</a:t>
-            </a:r>
-            <a:r>
-              <a:rPr lang="en-US" sz="1800" dirty="0">
-                <a:latin typeface="Consolas" panose="020B0609020204030204" pitchFamily="49" charset="0"/>
-                <a:cs typeface="Consolas" panose="020B0609020204030204" pitchFamily="49" charset="0"/>
-              </a:rPr>
-              <a:t> -d </a:t>
-            </a:r>
-            <a:r>
-              <a:rPr lang="en-US" sz="1800" dirty="0" err="1">
-                <a:latin typeface="Consolas" panose="020B0609020204030204" pitchFamily="49" charset="0"/>
-                <a:cs typeface="Consolas" panose="020B0609020204030204" pitchFamily="49" charset="0"/>
-              </a:rPr>
-              <a:t>peakcall.tsv</a:t>
-            </a:r>
-            <a:endParaRPr lang="en-US" sz="1800" dirty="0">
-              <a:latin typeface="Consolas" panose="020B0609020204030204" pitchFamily="49" charset="0"/>
-              <a:cs typeface="Consolas" panose="020B0609020204030204" pitchFamily="49" charset="0"/>
-            </a:endParaRPr>
-          </a:p>
-          <a:p>
-            <a:pPr lvl="1"/>
-            <a:endParaRPr lang="en-US" sz="1800" dirty="0">
-              <a:highlight>
-                <a:srgbClr val="C0C0C0"/>
-              </a:highlight>
-              <a:latin typeface="Consolas" panose="020B0609020204030204" pitchFamily="49" charset="0"/>
-              <a:cs typeface="Consolas" panose="020B0609020204030204" pitchFamily="49" charset="0"/>
-            </a:endParaRPr>
-          </a:p>
-          <a:p>
-            <a:pPr lvl="1"/>
-            <a:r>
-              <a:rPr lang="en-US" sz="1800" dirty="0" err="1">
-                <a:latin typeface="Consolas" panose="020B0609020204030204" pitchFamily="49" charset="0"/>
-                <a:cs typeface="Consolas" panose="020B0609020204030204" pitchFamily="49" charset="0"/>
-              </a:rPr>
-              <a:t>subcmd</a:t>
-            </a:r>
-            <a:r>
-              <a:rPr lang="en-US" sz="1800" dirty="0">
-                <a:latin typeface="Consolas" panose="020B0609020204030204" pitchFamily="49" charset="0"/>
-                <a:cs typeface="Consolas" panose="020B0609020204030204" pitchFamily="49" charset="0"/>
-              </a:rPr>
-              <a:t> is case-insensitive</a:t>
-            </a:r>
-          </a:p>
-          <a:p>
-            <a:endParaRPr lang="en-US" dirty="0"/>
-          </a:p>
-        </p:txBody>
-      </p:sp>
+        </p:txBody>
+      </p:sp>
+      <p:cxnSp>
+        <p:nvCxnSpPr>
+          <p:cNvPr id="14" name="Straight Arrow Connector 13">
+            <a:extLst>
+              <a:ext uri="{FF2B5EF4-FFF2-40B4-BE49-F238E27FC236}">
+                <a16:creationId xmlns:a16="http://schemas.microsoft.com/office/drawing/2014/main" id="{6DFE5328-441C-4C49-87CE-77533427456F}"/>
+              </a:ext>
+            </a:extLst>
+          </p:cNvPr>
+          <p:cNvCxnSpPr>
+            <a:stCxn id="11" idx="2"/>
+            <a:endCxn id="12" idx="0"/>
+          </p:cNvCxnSpPr>
+          <p:nvPr/>
+        </p:nvCxnSpPr>
+        <p:spPr>
+          <a:xfrm>
+            <a:off x="10643947" y="3600043"/>
+            <a:ext cx="0" cy="699510"/>
+          </a:xfrm>
+          <a:prstGeom prst="straightConnector1">
+            <a:avLst/>
+          </a:prstGeom>
+          <a:ln>
+            <a:tailEnd type="triangle"/>
+          </a:ln>
+        </p:spPr>
+        <p:style>
+          <a:lnRef idx="1">
+            <a:schemeClr val="accent1"/>
+          </a:lnRef>
+          <a:fillRef idx="0">
+            <a:schemeClr val="accent1"/>
+          </a:fillRef>
+          <a:effectRef idx="0">
+            <a:schemeClr val="accent1"/>
+          </a:effectRef>
+          <a:fontRef idx="minor">
+            <a:schemeClr val="tx1"/>
+          </a:fontRef>
+        </p:style>
+      </p:cxnSp>
+      <p:cxnSp>
+        <p:nvCxnSpPr>
+          <p:cNvPr id="15" name="Straight Arrow Connector 14">
+            <a:extLst>
+              <a:ext uri="{FF2B5EF4-FFF2-40B4-BE49-F238E27FC236}">
+                <a16:creationId xmlns:a16="http://schemas.microsoft.com/office/drawing/2014/main" id="{31E907A3-0A60-4031-9606-9FB24C547C84}"/>
+              </a:ext>
+            </a:extLst>
+          </p:cNvPr>
+          <p:cNvCxnSpPr>
+            <a:cxnSpLocks/>
+            <a:stCxn id="12" idx="2"/>
+            <a:endCxn id="13" idx="0"/>
+          </p:cNvCxnSpPr>
+          <p:nvPr/>
+        </p:nvCxnSpPr>
+        <p:spPr>
+          <a:xfrm>
+            <a:off x="10643947" y="4672778"/>
+            <a:ext cx="0" cy="826160"/>
+          </a:xfrm>
+          <a:prstGeom prst="straightConnector1">
+            <a:avLst/>
+          </a:prstGeom>
+          <a:ln>
+            <a:tailEnd type="triangle"/>
+          </a:ln>
+        </p:spPr>
+        <p:style>
+          <a:lnRef idx="1">
+            <a:schemeClr val="accent1"/>
+          </a:lnRef>
+          <a:fillRef idx="0">
+            <a:schemeClr val="accent1"/>
+          </a:fillRef>
+          <a:effectRef idx="0">
+            <a:schemeClr val="accent1"/>
+          </a:effectRef>
+          <a:fontRef idx="minor">
+            <a:schemeClr val="tx1"/>
+          </a:fontRef>
+        </p:style>
+      </p:cxnSp>
     </p:spTree>
     <p:extLst>
       <p:ext uri="{BB962C8B-B14F-4D97-AF65-F5344CB8AC3E}">
-        <p14:creationId xmlns:p14="http://schemas.microsoft.com/office/powerpoint/2010/main" val="1781342097"/>
+        <p14:creationId xmlns:p14="http://schemas.microsoft.com/office/powerpoint/2010/main" val="3061191392"/>
       </p:ext>
     </p:extLst>
   </p:cSld>
@@ -4381,7 +5088,7 @@
           <p:cNvPr id="2" name="Title 1">
             <a:extLst>
               <a:ext uri="{FF2B5EF4-FFF2-40B4-BE49-F238E27FC236}">
-                <a16:creationId xmlns:a16="http://schemas.microsoft.com/office/drawing/2014/main" id="{15AD1A34-A8B2-48D0-951F-79751EADEEC7}"/>
+                <a16:creationId xmlns:a16="http://schemas.microsoft.com/office/drawing/2014/main" id="{2410D0D2-75EB-48A5-B504-0D0356EB6C4E}"/>
               </a:ext>
             </a:extLst>
           </p:cNvPr>
@@ -4399,290 +5106,54 @@
           <a:p>
             <a:r>
               <a:rPr lang="en-US" dirty="0"/>
-              <a:t>General principles</a:t>
-            </a:r>
-          </a:p>
-        </p:txBody>
-      </p:sp>
-      <p:sp>
-        <p:nvSpPr>
-          <p:cNvPr id="3" name="Content Placeholder 2">
-            <a:extLst>
-              <a:ext uri="{FF2B5EF4-FFF2-40B4-BE49-F238E27FC236}">
-                <a16:creationId xmlns:a16="http://schemas.microsoft.com/office/drawing/2014/main" id="{0BBFE8CB-EE31-4B7B-8AD9-AC66241D81BD}"/>
-              </a:ext>
-            </a:extLst>
-          </p:cNvPr>
-          <p:cNvSpPr>
-            <a:spLocks noGrp="1"/>
-          </p:cNvSpPr>
-          <p:nvPr>
-            <p:ph idx="1"/>
-          </p:nvPr>
-        </p:nvSpPr>
-        <p:spPr>
-          <a:xfrm>
-            <a:off x="838200" y="1825625"/>
-            <a:ext cx="4642757" cy="4351338"/>
-          </a:xfrm>
-        </p:spPr>
-        <p:txBody>
-          <a:bodyPr/>
-          <a:lstStyle/>
-          <a:p>
-            <a:r>
-              <a:rPr lang="en-US" dirty="0"/>
-              <a:t>Required parameters</a:t>
-            </a:r>
-          </a:p>
-          <a:p>
-            <a:pPr lvl="1"/>
-            <a:r>
-              <a:rPr lang="en-US" sz="1800" dirty="0" err="1">
-                <a:latin typeface="Consolas" panose="020B0609020204030204" pitchFamily="49" charset="0"/>
-                <a:cs typeface="Consolas" panose="020B0609020204030204" pitchFamily="49" charset="0"/>
-              </a:rPr>
-              <a:t>HemTools</a:t>
-            </a:r>
-            <a:r>
-              <a:rPr lang="en-US" sz="1800" dirty="0">
-                <a:latin typeface="Consolas" panose="020B0609020204030204" pitchFamily="49" charset="0"/>
-                <a:cs typeface="Consolas" panose="020B0609020204030204" pitchFamily="49" charset="0"/>
-              </a:rPr>
-              <a:t> </a:t>
-            </a:r>
-            <a:r>
-              <a:rPr lang="en-US" sz="1800" dirty="0" err="1">
-                <a:latin typeface="Consolas" panose="020B0609020204030204" pitchFamily="49" charset="0"/>
-                <a:cs typeface="Consolas" panose="020B0609020204030204" pitchFamily="49" charset="0"/>
-              </a:rPr>
-              <a:t>atac_seq</a:t>
-            </a:r>
-            <a:r>
-              <a:rPr lang="en-US" sz="1800" dirty="0">
-                <a:latin typeface="Consolas" panose="020B0609020204030204" pitchFamily="49" charset="0"/>
-                <a:cs typeface="Consolas" panose="020B0609020204030204" pitchFamily="49" charset="0"/>
-              </a:rPr>
-              <a:t> -f </a:t>
-            </a:r>
-            <a:r>
-              <a:rPr lang="en-US" sz="1800" dirty="0" err="1">
-                <a:latin typeface="Consolas" panose="020B0609020204030204" pitchFamily="49" charset="0"/>
-                <a:cs typeface="Consolas" panose="020B0609020204030204" pitchFamily="49" charset="0"/>
-              </a:rPr>
-              <a:t>fastq.tsv</a:t>
-            </a:r>
-            <a:endParaRPr lang="en-US" sz="1800" dirty="0">
-              <a:latin typeface="Consolas" panose="020B0609020204030204" pitchFamily="49" charset="0"/>
-              <a:cs typeface="Consolas" panose="020B0609020204030204" pitchFamily="49" charset="0"/>
-            </a:endParaRPr>
-          </a:p>
-          <a:p>
-            <a:pPr lvl="1"/>
-            <a:endParaRPr lang="en-US" sz="1800" dirty="0">
-              <a:latin typeface="Consolas" panose="020B0609020204030204" pitchFamily="49" charset="0"/>
-              <a:cs typeface="Consolas" panose="020B0609020204030204" pitchFamily="49" charset="0"/>
-            </a:endParaRPr>
-          </a:p>
-          <a:p>
-            <a:pPr lvl="1"/>
-            <a:r>
-              <a:rPr lang="en-US" sz="1800" dirty="0" err="1">
-                <a:latin typeface="Consolas" panose="020B0609020204030204" pitchFamily="49" charset="0"/>
-                <a:cs typeface="Consolas" panose="020B0609020204030204" pitchFamily="49" charset="0"/>
-              </a:rPr>
-              <a:t>HemTools</a:t>
-            </a:r>
-            <a:r>
-              <a:rPr lang="en-US" sz="1800" dirty="0">
-                <a:latin typeface="Consolas" panose="020B0609020204030204" pitchFamily="49" charset="0"/>
-                <a:cs typeface="Consolas" panose="020B0609020204030204" pitchFamily="49" charset="0"/>
-              </a:rPr>
-              <a:t> </a:t>
-            </a:r>
-            <a:r>
-              <a:rPr lang="en-US" sz="1800" dirty="0" err="1">
-                <a:latin typeface="Consolas" panose="020B0609020204030204" pitchFamily="49" charset="0"/>
-                <a:cs typeface="Consolas" panose="020B0609020204030204" pitchFamily="49" charset="0"/>
-              </a:rPr>
-              <a:t>cut_run</a:t>
-            </a:r>
-            <a:r>
-              <a:rPr lang="en-US" sz="1800" dirty="0">
-                <a:latin typeface="Consolas" panose="020B0609020204030204" pitchFamily="49" charset="0"/>
-                <a:cs typeface="Consolas" panose="020B0609020204030204" pitchFamily="49" charset="0"/>
-              </a:rPr>
-              <a:t> -f </a:t>
-            </a:r>
-            <a:r>
-              <a:rPr lang="en-US" sz="1800" dirty="0" err="1">
-                <a:latin typeface="Consolas" panose="020B0609020204030204" pitchFamily="49" charset="0"/>
-                <a:cs typeface="Consolas" panose="020B0609020204030204" pitchFamily="49" charset="0"/>
-              </a:rPr>
-              <a:t>fastq.tsv</a:t>
-            </a:r>
-            <a:r>
-              <a:rPr lang="en-US" sz="1800" dirty="0">
-                <a:latin typeface="Consolas" panose="020B0609020204030204" pitchFamily="49" charset="0"/>
-                <a:cs typeface="Consolas" panose="020B0609020204030204" pitchFamily="49" charset="0"/>
-              </a:rPr>
-              <a:t> -d </a:t>
-            </a:r>
-            <a:r>
-              <a:rPr lang="en-US" sz="1800" dirty="0" err="1">
-                <a:latin typeface="Consolas" panose="020B0609020204030204" pitchFamily="49" charset="0"/>
-                <a:cs typeface="Consolas" panose="020B0609020204030204" pitchFamily="49" charset="0"/>
-              </a:rPr>
-              <a:t>peakcall.tsv</a:t>
-            </a:r>
-            <a:endParaRPr lang="en-US" sz="1800" dirty="0">
-              <a:latin typeface="Consolas" panose="020B0609020204030204" pitchFamily="49" charset="0"/>
-              <a:cs typeface="Consolas" panose="020B0609020204030204" pitchFamily="49" charset="0"/>
-            </a:endParaRPr>
-          </a:p>
-          <a:p>
-            <a:pPr lvl="1"/>
-            <a:endParaRPr lang="en-US" sz="1800" dirty="0">
-              <a:latin typeface="Consolas" panose="020B0609020204030204" pitchFamily="49" charset="0"/>
-              <a:cs typeface="Consolas" panose="020B0609020204030204" pitchFamily="49" charset="0"/>
-            </a:endParaRPr>
-          </a:p>
-          <a:p>
-            <a:pPr lvl="1"/>
-            <a:r>
-              <a:rPr lang="en-US" sz="1800" dirty="0" err="1">
-                <a:latin typeface="Consolas" panose="020B0609020204030204" pitchFamily="49" charset="0"/>
-                <a:cs typeface="Consolas" panose="020B0609020204030204" pitchFamily="49" charset="0"/>
-              </a:rPr>
-              <a:t>HemTools</a:t>
-            </a:r>
-            <a:r>
-              <a:rPr lang="en-US" sz="1800" dirty="0">
-                <a:latin typeface="Consolas" panose="020B0609020204030204" pitchFamily="49" charset="0"/>
-                <a:cs typeface="Consolas" panose="020B0609020204030204" pitchFamily="49" charset="0"/>
-              </a:rPr>
-              <a:t> </a:t>
-            </a:r>
-            <a:r>
-              <a:rPr lang="en-US" sz="1800" dirty="0" err="1">
-                <a:latin typeface="Consolas" panose="020B0609020204030204" pitchFamily="49" charset="0"/>
-                <a:cs typeface="Consolas" panose="020B0609020204030204" pitchFamily="49" charset="0"/>
-              </a:rPr>
-              <a:t>chip_seq_single</a:t>
-            </a:r>
-            <a:r>
-              <a:rPr lang="en-US" sz="1800" dirty="0">
-                <a:latin typeface="Consolas" panose="020B0609020204030204" pitchFamily="49" charset="0"/>
-                <a:cs typeface="Consolas" panose="020B0609020204030204" pitchFamily="49" charset="0"/>
-              </a:rPr>
-              <a:t> -f </a:t>
-            </a:r>
-            <a:r>
-              <a:rPr lang="en-US" sz="1800" dirty="0" err="1">
-                <a:latin typeface="Consolas" panose="020B0609020204030204" pitchFamily="49" charset="0"/>
-                <a:cs typeface="Consolas" panose="020B0609020204030204" pitchFamily="49" charset="0"/>
-              </a:rPr>
-              <a:t>fastq.tsv</a:t>
-            </a:r>
-            <a:r>
-              <a:rPr lang="en-US" sz="1800" dirty="0">
-                <a:latin typeface="Consolas" panose="020B0609020204030204" pitchFamily="49" charset="0"/>
-                <a:cs typeface="Consolas" panose="020B0609020204030204" pitchFamily="49" charset="0"/>
-              </a:rPr>
-              <a:t> -d </a:t>
-            </a:r>
-            <a:r>
-              <a:rPr lang="en-US" sz="1800" dirty="0" err="1">
-                <a:latin typeface="Consolas" panose="020B0609020204030204" pitchFamily="49" charset="0"/>
-                <a:cs typeface="Consolas" panose="020B0609020204030204" pitchFamily="49" charset="0"/>
-              </a:rPr>
-              <a:t>peakcall.tsv</a:t>
-            </a:r>
-            <a:endParaRPr lang="en-US" sz="1800" dirty="0">
-              <a:latin typeface="Consolas" panose="020B0609020204030204" pitchFamily="49" charset="0"/>
-              <a:cs typeface="Consolas" panose="020B0609020204030204" pitchFamily="49" charset="0"/>
-            </a:endParaRPr>
-          </a:p>
-          <a:p>
-            <a:pPr lvl="1"/>
-            <a:endParaRPr lang="en-US" sz="1800" dirty="0">
-              <a:latin typeface="Consolas" panose="020B0609020204030204" pitchFamily="49" charset="0"/>
-              <a:cs typeface="Consolas" panose="020B0609020204030204" pitchFamily="49" charset="0"/>
-            </a:endParaRPr>
-          </a:p>
-          <a:p>
-            <a:pPr lvl="1"/>
-            <a:r>
-              <a:rPr lang="en-US" sz="1800" dirty="0" err="1">
-                <a:latin typeface="Consolas" panose="020B0609020204030204" pitchFamily="49" charset="0"/>
-                <a:cs typeface="Consolas" panose="020B0609020204030204" pitchFamily="49" charset="0"/>
-              </a:rPr>
-              <a:t>HemTools</a:t>
-            </a:r>
-            <a:r>
-              <a:rPr lang="en-US" sz="1800" dirty="0">
-                <a:latin typeface="Consolas" panose="020B0609020204030204" pitchFamily="49" charset="0"/>
-                <a:cs typeface="Consolas" panose="020B0609020204030204" pitchFamily="49" charset="0"/>
-              </a:rPr>
-              <a:t> </a:t>
-            </a:r>
-            <a:r>
-              <a:rPr lang="en-US" sz="1800" dirty="0" err="1">
-                <a:latin typeface="Consolas" panose="020B0609020204030204" pitchFamily="49" charset="0"/>
-                <a:cs typeface="Consolas" panose="020B0609020204030204" pitchFamily="49" charset="0"/>
-              </a:rPr>
-              <a:t>chip_seq_pair</a:t>
-            </a:r>
-            <a:r>
-              <a:rPr lang="en-US" sz="1800" dirty="0">
-                <a:latin typeface="Consolas" panose="020B0609020204030204" pitchFamily="49" charset="0"/>
-                <a:cs typeface="Consolas" panose="020B0609020204030204" pitchFamily="49" charset="0"/>
-              </a:rPr>
-              <a:t> -f </a:t>
-            </a:r>
-            <a:r>
-              <a:rPr lang="en-US" sz="1800" dirty="0" err="1">
-                <a:latin typeface="Consolas" panose="020B0609020204030204" pitchFamily="49" charset="0"/>
-                <a:cs typeface="Consolas" panose="020B0609020204030204" pitchFamily="49" charset="0"/>
-              </a:rPr>
-              <a:t>fastq.tsv</a:t>
-            </a:r>
-            <a:r>
-              <a:rPr lang="en-US" sz="1800" dirty="0">
-                <a:latin typeface="Consolas" panose="020B0609020204030204" pitchFamily="49" charset="0"/>
-                <a:cs typeface="Consolas" panose="020B0609020204030204" pitchFamily="49" charset="0"/>
-              </a:rPr>
-              <a:t> -d </a:t>
-            </a:r>
-            <a:r>
-              <a:rPr lang="en-US" sz="1800" dirty="0" err="1">
-                <a:latin typeface="Consolas" panose="020B0609020204030204" pitchFamily="49" charset="0"/>
-                <a:cs typeface="Consolas" panose="020B0609020204030204" pitchFamily="49" charset="0"/>
-              </a:rPr>
-              <a:t>peakcall.tsv</a:t>
-            </a:r>
-            <a:endParaRPr lang="en-US" sz="1800" dirty="0">
-              <a:highlight>
-                <a:srgbClr val="C0C0C0"/>
-              </a:highlight>
-              <a:latin typeface="Consolas" panose="020B0609020204030204" pitchFamily="49" charset="0"/>
-              <a:cs typeface="Consolas" panose="020B0609020204030204" pitchFamily="49" charset="0"/>
-            </a:endParaRPr>
-          </a:p>
-          <a:p>
-            <a:pPr marL="0" indent="0">
-              <a:buNone/>
-            </a:pPr>
+              <a:t>CUT &amp; RUN example</a:t>
+            </a:r>
+          </a:p>
+        </p:txBody>
+      </p:sp>
+      <p:sp>
+        <p:nvSpPr>
+          <p:cNvPr id="4" name="Rectangle 3">
+            <a:extLst>
+              <a:ext uri="{FF2B5EF4-FFF2-40B4-BE49-F238E27FC236}">
+                <a16:creationId xmlns:a16="http://schemas.microsoft.com/office/drawing/2014/main" id="{FB8DFCC4-92EE-4B25-B0D9-2C0381055F6C}"/>
+              </a:ext>
+            </a:extLst>
+          </p:cNvPr>
+          <p:cNvSpPr/>
+          <p:nvPr/>
+        </p:nvSpPr>
+        <p:spPr>
+          <a:xfrm>
+            <a:off x="1781263" y="6444626"/>
+            <a:ext cx="9144000" cy="369332"/>
+          </a:xfrm>
+          <a:prstGeom prst="rect">
+            <a:avLst/>
+          </a:prstGeom>
+        </p:spPr>
+        <p:txBody>
+          <a:bodyPr wrap="square">
+            <a:spAutoFit/>
+          </a:bodyPr>
+          <a:lstStyle/>
+          <a:p>
+            <a:r>
+              <a:rPr lang="en-US" dirty="0">
+                <a:hlinkClick r:id="rId2"/>
+              </a:rPr>
+              <a:t>https://hemtools.readthedocs.io/en/latest/content/NGS_pipelines/tutorial.html</a:t>
+            </a:r>
             <a:endParaRPr lang="en-US" dirty="0"/>
           </a:p>
         </p:txBody>
       </p:sp>
       <p:pic>
         <p:nvPicPr>
-          <p:cNvPr id="9" name="Picture 8">
-            <a:extLst>
-              <a:ext uri="{FF2B5EF4-FFF2-40B4-BE49-F238E27FC236}">
-                <a16:creationId xmlns:a16="http://schemas.microsoft.com/office/drawing/2014/main" id="{AE9236BD-9307-4323-9EBF-AD6C140C9E7A}"/>
+          <p:cNvPr id="3" name="Picture 2">
+            <a:extLst>
+              <a:ext uri="{FF2B5EF4-FFF2-40B4-BE49-F238E27FC236}">
+                <a16:creationId xmlns:a16="http://schemas.microsoft.com/office/drawing/2014/main" id="{533B4F16-33D3-404F-836D-D946C57C9CC8}"/>
               </a:ext>
             </a:extLst>
           </p:cNvPr>
@@ -4692,15 +5163,15 @@
           <p:nvPr/>
         </p:nvPicPr>
         <p:blipFill>
-          <a:blip r:embed="rId2"/>
+          <a:blip r:embed="rId3"/>
           <a:stretch>
             <a:fillRect/>
           </a:stretch>
         </p:blipFill>
         <p:spPr>
           <a:xfrm>
-            <a:off x="5480957" y="505748"/>
-            <a:ext cx="6563936" cy="5987127"/>
+            <a:off x="415605" y="1690688"/>
+            <a:ext cx="8458200" cy="4562475"/>
           </a:xfrm>
           <a:prstGeom prst="rect">
             <a:avLst/>
@@ -4709,10 +5180,10 @@
       </p:pic>
       <p:sp>
         <p:nvSpPr>
-          <p:cNvPr id="4" name="Rectangle 3">
-            <a:extLst>
-              <a:ext uri="{FF2B5EF4-FFF2-40B4-BE49-F238E27FC236}">
-                <a16:creationId xmlns:a16="http://schemas.microsoft.com/office/drawing/2014/main" id="{EFE7B173-0803-4D86-B053-2F94F2B47CE3}"/>
+          <p:cNvPr id="5" name="Rectangle 4">
+            <a:extLst>
+              <a:ext uri="{FF2B5EF4-FFF2-40B4-BE49-F238E27FC236}">
+                <a16:creationId xmlns:a16="http://schemas.microsoft.com/office/drawing/2014/main" id="{8C011697-F462-450D-A049-76223728F7F9}"/>
               </a:ext>
             </a:extLst>
           </p:cNvPr>
@@ -4721,18 +5192,13 @@
         </p:nvSpPr>
         <p:spPr>
           <a:xfrm>
-            <a:off x="5589037" y="4683967"/>
-            <a:ext cx="6307494" cy="942392"/>
+            <a:off x="9460972" y="3373294"/>
+            <a:ext cx="2080726" cy="373225"/>
           </a:xfrm>
           <a:prstGeom prst="rect">
             <a:avLst/>
           </a:prstGeom>
           <a:noFill/>
-          <a:ln>
-            <a:solidFill>
-              <a:srgbClr val="FF0000"/>
-            </a:solidFill>
-          </a:ln>
         </p:spPr>
         <p:style>
           <a:lnRef idx="2">
@@ -4755,14 +5221,227 @@
           <a:lstStyle/>
           <a:p>
             <a:pPr algn="ctr"/>
-            <a:endParaRPr lang="en-US"/>
-          </a:p>
-        </p:txBody>
-      </p:sp>
+            <a:r>
+              <a:rPr lang="en-US" dirty="0">
+                <a:solidFill>
+                  <a:schemeClr val="tx1"/>
+                </a:solidFill>
+              </a:rPr>
+              <a:t>Load Python</a:t>
+            </a:r>
+          </a:p>
+        </p:txBody>
+      </p:sp>
+      <p:sp>
+        <p:nvSpPr>
+          <p:cNvPr id="6" name="Rectangle 5">
+            <a:extLst>
+              <a:ext uri="{FF2B5EF4-FFF2-40B4-BE49-F238E27FC236}">
+                <a16:creationId xmlns:a16="http://schemas.microsoft.com/office/drawing/2014/main" id="{A4F49B39-EC15-45AA-849E-EA2CA7173463}"/>
+              </a:ext>
+            </a:extLst>
+          </p:cNvPr>
+          <p:cNvSpPr/>
+          <p:nvPr/>
+        </p:nvSpPr>
+        <p:spPr>
+          <a:xfrm>
+            <a:off x="9460972" y="4446029"/>
+            <a:ext cx="2080726" cy="373225"/>
+          </a:xfrm>
+          <a:prstGeom prst="rect">
+            <a:avLst/>
+          </a:prstGeom>
+          <a:noFill/>
+        </p:spPr>
+        <p:style>
+          <a:lnRef idx="2">
+            <a:schemeClr val="accent1">
+              <a:shade val="50000"/>
+            </a:schemeClr>
+          </a:lnRef>
+          <a:fillRef idx="1">
+            <a:schemeClr val="accent1"/>
+          </a:fillRef>
+          <a:effectRef idx="0">
+            <a:schemeClr val="accent1"/>
+          </a:effectRef>
+          <a:fontRef idx="minor">
+            <a:schemeClr val="lt1"/>
+          </a:fontRef>
+        </p:style>
+        <p:txBody>
+          <a:bodyPr rtlCol="0" anchor="ctr"/>
+          <a:lstStyle/>
+          <a:p>
+            <a:pPr algn="ctr"/>
+            <a:r>
+              <a:rPr lang="en-US" dirty="0">
+                <a:solidFill>
+                  <a:schemeClr val="tx1"/>
+                </a:solidFill>
+              </a:rPr>
+              <a:t>Prepare Inputs</a:t>
+            </a:r>
+          </a:p>
+        </p:txBody>
+      </p:sp>
+      <p:sp>
+        <p:nvSpPr>
+          <p:cNvPr id="7" name="Rectangle 6">
+            <a:extLst>
+              <a:ext uri="{FF2B5EF4-FFF2-40B4-BE49-F238E27FC236}">
+                <a16:creationId xmlns:a16="http://schemas.microsoft.com/office/drawing/2014/main" id="{78CC2C64-FCCD-4C75-95D8-CBC97439BD6F}"/>
+              </a:ext>
+            </a:extLst>
+          </p:cNvPr>
+          <p:cNvSpPr/>
+          <p:nvPr/>
+        </p:nvSpPr>
+        <p:spPr>
+          <a:xfrm>
+            <a:off x="9460972" y="5645414"/>
+            <a:ext cx="2080726" cy="373225"/>
+          </a:xfrm>
+          <a:prstGeom prst="rect">
+            <a:avLst/>
+          </a:prstGeom>
+          <a:noFill/>
+        </p:spPr>
+        <p:style>
+          <a:lnRef idx="2">
+            <a:schemeClr val="accent1">
+              <a:shade val="50000"/>
+            </a:schemeClr>
+          </a:lnRef>
+          <a:fillRef idx="1">
+            <a:schemeClr val="accent1"/>
+          </a:fillRef>
+          <a:effectRef idx="0">
+            <a:schemeClr val="accent1"/>
+          </a:effectRef>
+          <a:fontRef idx="minor">
+            <a:schemeClr val="lt1"/>
+          </a:fontRef>
+        </p:style>
+        <p:txBody>
+          <a:bodyPr rtlCol="0" anchor="ctr"/>
+          <a:lstStyle/>
+          <a:p>
+            <a:pPr algn="ctr"/>
+            <a:r>
+              <a:rPr lang="en-US" dirty="0">
+                <a:solidFill>
+                  <a:schemeClr val="tx1"/>
+                </a:solidFill>
+              </a:rPr>
+              <a:t>Run </a:t>
+            </a:r>
+            <a:r>
+              <a:rPr lang="en-US" dirty="0" err="1">
+                <a:solidFill>
+                  <a:schemeClr val="tx1"/>
+                </a:solidFill>
+              </a:rPr>
+              <a:t>HemTools</a:t>
+            </a:r>
+            <a:endParaRPr lang="en-US" dirty="0">
+              <a:solidFill>
+                <a:schemeClr val="tx1"/>
+              </a:solidFill>
+            </a:endParaRPr>
+          </a:p>
+        </p:txBody>
+      </p:sp>
+      <p:cxnSp>
+        <p:nvCxnSpPr>
+          <p:cNvPr id="8" name="Straight Arrow Connector 7">
+            <a:extLst>
+              <a:ext uri="{FF2B5EF4-FFF2-40B4-BE49-F238E27FC236}">
+                <a16:creationId xmlns:a16="http://schemas.microsoft.com/office/drawing/2014/main" id="{09776046-9B78-4492-B3E9-779FA17C0B8B}"/>
+              </a:ext>
+            </a:extLst>
+          </p:cNvPr>
+          <p:cNvCxnSpPr>
+            <a:stCxn id="5" idx="2"/>
+            <a:endCxn id="6" idx="0"/>
+          </p:cNvCxnSpPr>
+          <p:nvPr/>
+        </p:nvCxnSpPr>
+        <p:spPr>
+          <a:xfrm>
+            <a:off x="10501335" y="3746519"/>
+            <a:ext cx="0" cy="699510"/>
+          </a:xfrm>
+          <a:prstGeom prst="straightConnector1">
+            <a:avLst/>
+          </a:prstGeom>
+          <a:ln>
+            <a:tailEnd type="triangle"/>
+          </a:ln>
+        </p:spPr>
+        <p:style>
+          <a:lnRef idx="1">
+            <a:schemeClr val="accent1"/>
+          </a:lnRef>
+          <a:fillRef idx="0">
+            <a:schemeClr val="accent1"/>
+          </a:fillRef>
+          <a:effectRef idx="0">
+            <a:schemeClr val="accent1"/>
+          </a:effectRef>
+          <a:fontRef idx="minor">
+            <a:schemeClr val="tx1"/>
+          </a:fontRef>
+        </p:style>
+      </p:cxnSp>
+      <p:cxnSp>
+        <p:nvCxnSpPr>
+          <p:cNvPr id="9" name="Straight Arrow Connector 8">
+            <a:extLst>
+              <a:ext uri="{FF2B5EF4-FFF2-40B4-BE49-F238E27FC236}">
+                <a16:creationId xmlns:a16="http://schemas.microsoft.com/office/drawing/2014/main" id="{EA7E9025-9B13-4CDF-8DA9-D9A0F3773D6B}"/>
+              </a:ext>
+            </a:extLst>
+          </p:cNvPr>
+          <p:cNvCxnSpPr>
+            <a:cxnSpLocks/>
+            <a:stCxn id="6" idx="2"/>
+            <a:endCxn id="7" idx="0"/>
+          </p:cNvCxnSpPr>
+          <p:nvPr/>
+        </p:nvCxnSpPr>
+        <p:spPr>
+          <a:xfrm>
+            <a:off x="10501335" y="4819254"/>
+            <a:ext cx="0" cy="826160"/>
+          </a:xfrm>
+          <a:prstGeom prst="straightConnector1">
+            <a:avLst/>
+          </a:prstGeom>
+          <a:ln>
+            <a:tailEnd type="triangle"/>
+          </a:ln>
+        </p:spPr>
+        <p:style>
+          <a:lnRef idx="1">
+            <a:schemeClr val="accent1"/>
+          </a:lnRef>
+          <a:fillRef idx="0">
+            <a:schemeClr val="accent1"/>
+          </a:fillRef>
+          <a:effectRef idx="0">
+            <a:schemeClr val="accent1"/>
+          </a:effectRef>
+          <a:fontRef idx="minor">
+            <a:schemeClr val="tx1"/>
+          </a:fontRef>
+        </p:style>
+      </p:cxnSp>
     </p:spTree>
     <p:extLst>
       <p:ext uri="{BB962C8B-B14F-4D97-AF65-F5344CB8AC3E}">
-        <p14:creationId xmlns:p14="http://schemas.microsoft.com/office/powerpoint/2010/main" val="498713462"/>
+        <p14:creationId xmlns:p14="http://schemas.microsoft.com/office/powerpoint/2010/main" val="3978130672"/>
       </p:ext>
     </p:extLst>
   </p:cSld>
@@ -4794,6 +5473,1188 @@
           <p:cNvPr id="2" name="Title 1">
             <a:extLst>
               <a:ext uri="{FF2B5EF4-FFF2-40B4-BE49-F238E27FC236}">
+                <a16:creationId xmlns:a16="http://schemas.microsoft.com/office/drawing/2014/main" id="{2410D0D2-75EB-48A5-B504-0D0356EB6C4E}"/>
+              </a:ext>
+            </a:extLst>
+          </p:cNvPr>
+          <p:cNvSpPr>
+            <a:spLocks noGrp="1"/>
+          </p:cNvSpPr>
+          <p:nvPr>
+            <p:ph type="title"/>
+          </p:nvPr>
+        </p:nvSpPr>
+        <p:spPr/>
+        <p:txBody>
+          <a:bodyPr/>
+          <a:lstStyle/>
+          <a:p>
+            <a:r>
+              <a:rPr lang="en-US" dirty="0"/>
+              <a:t>Paired-end </a:t>
+            </a:r>
+            <a:r>
+              <a:rPr lang="en-US" dirty="0" err="1"/>
+              <a:t>ChIP</a:t>
+            </a:r>
+            <a:r>
+              <a:rPr lang="en-US" dirty="0"/>
+              <a:t>-seq example</a:t>
+            </a:r>
+          </a:p>
+        </p:txBody>
+      </p:sp>
+      <p:sp>
+        <p:nvSpPr>
+          <p:cNvPr id="4" name="Rectangle 3">
+            <a:extLst>
+              <a:ext uri="{FF2B5EF4-FFF2-40B4-BE49-F238E27FC236}">
+                <a16:creationId xmlns:a16="http://schemas.microsoft.com/office/drawing/2014/main" id="{FB8DFCC4-92EE-4B25-B0D9-2C0381055F6C}"/>
+              </a:ext>
+            </a:extLst>
+          </p:cNvPr>
+          <p:cNvSpPr/>
+          <p:nvPr/>
+        </p:nvSpPr>
+        <p:spPr>
+          <a:xfrm>
+            <a:off x="1781263" y="6444626"/>
+            <a:ext cx="9144000" cy="369332"/>
+          </a:xfrm>
+          <a:prstGeom prst="rect">
+            <a:avLst/>
+          </a:prstGeom>
+        </p:spPr>
+        <p:txBody>
+          <a:bodyPr wrap="square">
+            <a:spAutoFit/>
+          </a:bodyPr>
+          <a:lstStyle/>
+          <a:p>
+            <a:r>
+              <a:rPr lang="en-US" dirty="0">
+                <a:hlinkClick r:id="rId2"/>
+              </a:rPr>
+              <a:t>https://hemtools.readthedocs.io/en/latest/content/NGS_pipelines/tutorial.html</a:t>
+            </a:r>
+            <a:endParaRPr lang="en-US" dirty="0"/>
+          </a:p>
+        </p:txBody>
+      </p:sp>
+      <p:pic>
+        <p:nvPicPr>
+          <p:cNvPr id="3" name="Picture 2">
+            <a:extLst>
+              <a:ext uri="{FF2B5EF4-FFF2-40B4-BE49-F238E27FC236}">
+                <a16:creationId xmlns:a16="http://schemas.microsoft.com/office/drawing/2014/main" id="{D9E35EBD-9C22-4F59-BF49-06A2ED94D472}"/>
+              </a:ext>
+            </a:extLst>
+          </p:cNvPr>
+          <p:cNvPicPr>
+            <a:picLocks noChangeAspect="1"/>
+          </p:cNvPicPr>
+          <p:nvPr/>
+        </p:nvPicPr>
+        <p:blipFill>
+          <a:blip r:embed="rId3"/>
+          <a:stretch>
+            <a:fillRect/>
+          </a:stretch>
+        </p:blipFill>
+        <p:spPr>
+          <a:xfrm>
+            <a:off x="410842" y="1690688"/>
+            <a:ext cx="8467725" cy="4562475"/>
+          </a:xfrm>
+          <a:prstGeom prst="rect">
+            <a:avLst/>
+          </a:prstGeom>
+        </p:spPr>
+      </p:pic>
+      <p:sp>
+        <p:nvSpPr>
+          <p:cNvPr id="5" name="Rectangle 4">
+            <a:extLst>
+              <a:ext uri="{FF2B5EF4-FFF2-40B4-BE49-F238E27FC236}">
+                <a16:creationId xmlns:a16="http://schemas.microsoft.com/office/drawing/2014/main" id="{0DC6D9E3-187E-4450-AB5C-289B7976E0B8}"/>
+              </a:ext>
+            </a:extLst>
+          </p:cNvPr>
+          <p:cNvSpPr/>
+          <p:nvPr/>
+        </p:nvSpPr>
+        <p:spPr>
+          <a:xfrm>
+            <a:off x="9419027" y="3334316"/>
+            <a:ext cx="2080726" cy="373225"/>
+          </a:xfrm>
+          <a:prstGeom prst="rect">
+            <a:avLst/>
+          </a:prstGeom>
+          <a:noFill/>
+        </p:spPr>
+        <p:style>
+          <a:lnRef idx="2">
+            <a:schemeClr val="accent1">
+              <a:shade val="50000"/>
+            </a:schemeClr>
+          </a:lnRef>
+          <a:fillRef idx="1">
+            <a:schemeClr val="accent1"/>
+          </a:fillRef>
+          <a:effectRef idx="0">
+            <a:schemeClr val="accent1"/>
+          </a:effectRef>
+          <a:fontRef idx="minor">
+            <a:schemeClr val="lt1"/>
+          </a:fontRef>
+        </p:style>
+        <p:txBody>
+          <a:bodyPr rtlCol="0" anchor="ctr"/>
+          <a:lstStyle/>
+          <a:p>
+            <a:pPr algn="ctr"/>
+            <a:r>
+              <a:rPr lang="en-US" dirty="0">
+                <a:solidFill>
+                  <a:schemeClr val="tx1"/>
+                </a:solidFill>
+              </a:rPr>
+              <a:t>Load Python</a:t>
+            </a:r>
+          </a:p>
+        </p:txBody>
+      </p:sp>
+      <p:sp>
+        <p:nvSpPr>
+          <p:cNvPr id="6" name="Rectangle 5">
+            <a:extLst>
+              <a:ext uri="{FF2B5EF4-FFF2-40B4-BE49-F238E27FC236}">
+                <a16:creationId xmlns:a16="http://schemas.microsoft.com/office/drawing/2014/main" id="{171348A0-927F-4474-ABF8-6ACB8DE4B44E}"/>
+              </a:ext>
+            </a:extLst>
+          </p:cNvPr>
+          <p:cNvSpPr/>
+          <p:nvPr/>
+        </p:nvSpPr>
+        <p:spPr>
+          <a:xfrm>
+            <a:off x="9419027" y="4407051"/>
+            <a:ext cx="2080726" cy="373225"/>
+          </a:xfrm>
+          <a:prstGeom prst="rect">
+            <a:avLst/>
+          </a:prstGeom>
+          <a:noFill/>
+        </p:spPr>
+        <p:style>
+          <a:lnRef idx="2">
+            <a:schemeClr val="accent1">
+              <a:shade val="50000"/>
+            </a:schemeClr>
+          </a:lnRef>
+          <a:fillRef idx="1">
+            <a:schemeClr val="accent1"/>
+          </a:fillRef>
+          <a:effectRef idx="0">
+            <a:schemeClr val="accent1"/>
+          </a:effectRef>
+          <a:fontRef idx="minor">
+            <a:schemeClr val="lt1"/>
+          </a:fontRef>
+        </p:style>
+        <p:txBody>
+          <a:bodyPr rtlCol="0" anchor="ctr"/>
+          <a:lstStyle/>
+          <a:p>
+            <a:pPr algn="ctr"/>
+            <a:r>
+              <a:rPr lang="en-US" dirty="0">
+                <a:solidFill>
+                  <a:schemeClr val="tx1"/>
+                </a:solidFill>
+              </a:rPr>
+              <a:t>Prepare Inputs</a:t>
+            </a:r>
+          </a:p>
+        </p:txBody>
+      </p:sp>
+      <p:sp>
+        <p:nvSpPr>
+          <p:cNvPr id="7" name="Rectangle 6">
+            <a:extLst>
+              <a:ext uri="{FF2B5EF4-FFF2-40B4-BE49-F238E27FC236}">
+                <a16:creationId xmlns:a16="http://schemas.microsoft.com/office/drawing/2014/main" id="{B3420CE5-9094-45F3-8B33-980F5879ECB2}"/>
+              </a:ext>
+            </a:extLst>
+          </p:cNvPr>
+          <p:cNvSpPr/>
+          <p:nvPr/>
+        </p:nvSpPr>
+        <p:spPr>
+          <a:xfrm>
+            <a:off x="9419027" y="5606436"/>
+            <a:ext cx="2080726" cy="373225"/>
+          </a:xfrm>
+          <a:prstGeom prst="rect">
+            <a:avLst/>
+          </a:prstGeom>
+          <a:noFill/>
+        </p:spPr>
+        <p:style>
+          <a:lnRef idx="2">
+            <a:schemeClr val="accent1">
+              <a:shade val="50000"/>
+            </a:schemeClr>
+          </a:lnRef>
+          <a:fillRef idx="1">
+            <a:schemeClr val="accent1"/>
+          </a:fillRef>
+          <a:effectRef idx="0">
+            <a:schemeClr val="accent1"/>
+          </a:effectRef>
+          <a:fontRef idx="minor">
+            <a:schemeClr val="lt1"/>
+          </a:fontRef>
+        </p:style>
+        <p:txBody>
+          <a:bodyPr rtlCol="0" anchor="ctr"/>
+          <a:lstStyle/>
+          <a:p>
+            <a:pPr algn="ctr"/>
+            <a:r>
+              <a:rPr lang="en-US" dirty="0">
+                <a:solidFill>
+                  <a:schemeClr val="tx1"/>
+                </a:solidFill>
+              </a:rPr>
+              <a:t>Run </a:t>
+            </a:r>
+            <a:r>
+              <a:rPr lang="en-US" dirty="0" err="1">
+                <a:solidFill>
+                  <a:schemeClr val="tx1"/>
+                </a:solidFill>
+              </a:rPr>
+              <a:t>HemTools</a:t>
+            </a:r>
+            <a:endParaRPr lang="en-US" dirty="0">
+              <a:solidFill>
+                <a:schemeClr val="tx1"/>
+              </a:solidFill>
+            </a:endParaRPr>
+          </a:p>
+        </p:txBody>
+      </p:sp>
+      <p:cxnSp>
+        <p:nvCxnSpPr>
+          <p:cNvPr id="8" name="Straight Arrow Connector 7">
+            <a:extLst>
+              <a:ext uri="{FF2B5EF4-FFF2-40B4-BE49-F238E27FC236}">
+                <a16:creationId xmlns:a16="http://schemas.microsoft.com/office/drawing/2014/main" id="{44ED0FD2-FBBF-4BA5-9AA6-397ED08D70EE}"/>
+              </a:ext>
+            </a:extLst>
+          </p:cNvPr>
+          <p:cNvCxnSpPr>
+            <a:stCxn id="5" idx="2"/>
+            <a:endCxn id="6" idx="0"/>
+          </p:cNvCxnSpPr>
+          <p:nvPr/>
+        </p:nvCxnSpPr>
+        <p:spPr>
+          <a:xfrm>
+            <a:off x="10459390" y="3707541"/>
+            <a:ext cx="0" cy="699510"/>
+          </a:xfrm>
+          <a:prstGeom prst="straightConnector1">
+            <a:avLst/>
+          </a:prstGeom>
+          <a:ln>
+            <a:tailEnd type="triangle"/>
+          </a:ln>
+        </p:spPr>
+        <p:style>
+          <a:lnRef idx="1">
+            <a:schemeClr val="accent1"/>
+          </a:lnRef>
+          <a:fillRef idx="0">
+            <a:schemeClr val="accent1"/>
+          </a:fillRef>
+          <a:effectRef idx="0">
+            <a:schemeClr val="accent1"/>
+          </a:effectRef>
+          <a:fontRef idx="minor">
+            <a:schemeClr val="tx1"/>
+          </a:fontRef>
+        </p:style>
+      </p:cxnSp>
+      <p:cxnSp>
+        <p:nvCxnSpPr>
+          <p:cNvPr id="9" name="Straight Arrow Connector 8">
+            <a:extLst>
+              <a:ext uri="{FF2B5EF4-FFF2-40B4-BE49-F238E27FC236}">
+                <a16:creationId xmlns:a16="http://schemas.microsoft.com/office/drawing/2014/main" id="{399E0575-F0B7-464F-8898-BAC357106CC7}"/>
+              </a:ext>
+            </a:extLst>
+          </p:cNvPr>
+          <p:cNvCxnSpPr>
+            <a:cxnSpLocks/>
+            <a:stCxn id="6" idx="2"/>
+            <a:endCxn id="7" idx="0"/>
+          </p:cNvCxnSpPr>
+          <p:nvPr/>
+        </p:nvCxnSpPr>
+        <p:spPr>
+          <a:xfrm>
+            <a:off x="10459390" y="4780276"/>
+            <a:ext cx="0" cy="826160"/>
+          </a:xfrm>
+          <a:prstGeom prst="straightConnector1">
+            <a:avLst/>
+          </a:prstGeom>
+          <a:ln>
+            <a:tailEnd type="triangle"/>
+          </a:ln>
+        </p:spPr>
+        <p:style>
+          <a:lnRef idx="1">
+            <a:schemeClr val="accent1"/>
+          </a:lnRef>
+          <a:fillRef idx="0">
+            <a:schemeClr val="accent1"/>
+          </a:fillRef>
+          <a:effectRef idx="0">
+            <a:schemeClr val="accent1"/>
+          </a:effectRef>
+          <a:fontRef idx="minor">
+            <a:schemeClr val="tx1"/>
+          </a:fontRef>
+        </p:style>
+      </p:cxnSp>
+    </p:spTree>
+    <p:extLst>
+      <p:ext uri="{BB962C8B-B14F-4D97-AF65-F5344CB8AC3E}">
+        <p14:creationId xmlns:p14="http://schemas.microsoft.com/office/powerpoint/2010/main" val="3061217495"/>
+      </p:ext>
+    </p:extLst>
+  </p:cSld>
+  <p:clrMapOvr>
+    <a:masterClrMapping/>
+  </p:clrMapOvr>
+</p:sld>
+</file>
+
+<file path=ppt/slides/slide17.xml><?xml version="1.0" encoding="utf-8"?>
+<p:sld xmlns:a="http://schemas.openxmlformats.org/drawingml/2006/main" xmlns:r="http://schemas.openxmlformats.org/officeDocument/2006/relationships" xmlns:p="http://schemas.openxmlformats.org/presentationml/2006/main">
+  <p:cSld>
+    <p:spTree>
+      <p:nvGrpSpPr>
+        <p:cNvPr id="1" name=""/>
+        <p:cNvGrpSpPr/>
+        <p:nvPr/>
+      </p:nvGrpSpPr>
+      <p:grpSpPr>
+        <a:xfrm>
+          <a:off x="0" y="0"/>
+          <a:ext cx="0" cy="0"/>
+          <a:chOff x="0" y="0"/>
+          <a:chExt cx="0" cy="0"/>
+        </a:xfrm>
+      </p:grpSpPr>
+      <p:sp>
+        <p:nvSpPr>
+          <p:cNvPr id="2" name="Title 1">
+            <a:extLst>
+              <a:ext uri="{FF2B5EF4-FFF2-40B4-BE49-F238E27FC236}">
+                <a16:creationId xmlns:a16="http://schemas.microsoft.com/office/drawing/2014/main" id="{15AD1A34-A8B2-48D0-951F-79751EADEEC7}"/>
+              </a:ext>
+            </a:extLst>
+          </p:cNvPr>
+          <p:cNvSpPr>
+            <a:spLocks noGrp="1"/>
+          </p:cNvSpPr>
+          <p:nvPr>
+            <p:ph type="title"/>
+          </p:nvPr>
+        </p:nvSpPr>
+        <p:spPr/>
+        <p:txBody>
+          <a:bodyPr/>
+          <a:lstStyle/>
+          <a:p>
+            <a:r>
+              <a:rPr lang="en-US" dirty="0"/>
+              <a:t>General principles</a:t>
+            </a:r>
+          </a:p>
+        </p:txBody>
+      </p:sp>
+      <p:sp>
+        <p:nvSpPr>
+          <p:cNvPr id="3" name="Content Placeholder 2">
+            <a:extLst>
+              <a:ext uri="{FF2B5EF4-FFF2-40B4-BE49-F238E27FC236}">
+                <a16:creationId xmlns:a16="http://schemas.microsoft.com/office/drawing/2014/main" id="{0BBFE8CB-EE31-4B7B-8AD9-AC66241D81BD}"/>
+              </a:ext>
+            </a:extLst>
+          </p:cNvPr>
+          <p:cNvSpPr>
+            <a:spLocks noGrp="1"/>
+          </p:cNvSpPr>
+          <p:nvPr>
+            <p:ph idx="1"/>
+          </p:nvPr>
+        </p:nvSpPr>
+        <p:spPr>
+          <a:xfrm>
+            <a:off x="838200" y="1825625"/>
+            <a:ext cx="10515600" cy="4351338"/>
+          </a:xfrm>
+        </p:spPr>
+        <p:txBody>
+          <a:bodyPr/>
+          <a:lstStyle/>
+          <a:p>
+            <a:r>
+              <a:rPr lang="en-US" dirty="0"/>
+              <a:t>Command format</a:t>
+            </a:r>
+          </a:p>
+          <a:p>
+            <a:pPr lvl="1"/>
+            <a:r>
+              <a:rPr lang="en-US" dirty="0" err="1"/>
+              <a:t>HemTools</a:t>
+            </a:r>
+            <a:r>
+              <a:rPr lang="en-US" dirty="0"/>
+              <a:t>   </a:t>
+            </a:r>
+            <a:r>
+              <a:rPr lang="en-US" dirty="0" err="1"/>
+              <a:t>subcmd</a:t>
+            </a:r>
+            <a:r>
+              <a:rPr lang="en-US" dirty="0"/>
+              <a:t>   </a:t>
+            </a:r>
+            <a:r>
+              <a:rPr lang="en-US" dirty="0" err="1"/>
+              <a:t>some_required_parameters</a:t>
+            </a:r>
+            <a:br>
+              <a:rPr lang="en-US" dirty="0"/>
+            </a:br>
+            <a:endParaRPr lang="en-US" dirty="0"/>
+          </a:p>
+          <a:p>
+            <a:pPr lvl="1"/>
+            <a:r>
+              <a:rPr lang="en-US" sz="1800" dirty="0" err="1">
+                <a:latin typeface="Consolas" panose="020B0609020204030204" pitchFamily="49" charset="0"/>
+                <a:cs typeface="Consolas" panose="020B0609020204030204" pitchFamily="49" charset="0"/>
+              </a:rPr>
+              <a:t>HemTools</a:t>
+            </a:r>
+            <a:r>
+              <a:rPr lang="en-US" sz="1800" dirty="0">
+                <a:latin typeface="Consolas" panose="020B0609020204030204" pitchFamily="49" charset="0"/>
+                <a:cs typeface="Consolas" panose="020B0609020204030204" pitchFamily="49" charset="0"/>
+              </a:rPr>
+              <a:t> </a:t>
+            </a:r>
+            <a:r>
+              <a:rPr lang="en-US" sz="1800" dirty="0" err="1">
+                <a:latin typeface="Consolas" panose="020B0609020204030204" pitchFamily="49" charset="0"/>
+                <a:cs typeface="Consolas" panose="020B0609020204030204" pitchFamily="49" charset="0"/>
+              </a:rPr>
+              <a:t>atac_seq</a:t>
+            </a:r>
+            <a:r>
+              <a:rPr lang="en-US" sz="1800" dirty="0">
+                <a:latin typeface="Consolas" panose="020B0609020204030204" pitchFamily="49" charset="0"/>
+                <a:cs typeface="Consolas" panose="020B0609020204030204" pitchFamily="49" charset="0"/>
+              </a:rPr>
+              <a:t> -f </a:t>
+            </a:r>
+            <a:r>
+              <a:rPr lang="en-US" sz="1800" dirty="0" err="1">
+                <a:latin typeface="Consolas" panose="020B0609020204030204" pitchFamily="49" charset="0"/>
+                <a:cs typeface="Consolas" panose="020B0609020204030204" pitchFamily="49" charset="0"/>
+              </a:rPr>
+              <a:t>fastq.tsv</a:t>
+            </a:r>
+            <a:br>
+              <a:rPr lang="en-US" sz="1800" dirty="0">
+                <a:latin typeface="Consolas" panose="020B0609020204030204" pitchFamily="49" charset="0"/>
+                <a:cs typeface="Consolas" panose="020B0609020204030204" pitchFamily="49" charset="0"/>
+              </a:rPr>
+            </a:br>
+            <a:endParaRPr lang="en-US" sz="1800" dirty="0">
+              <a:latin typeface="Consolas" panose="020B0609020204030204" pitchFamily="49" charset="0"/>
+              <a:cs typeface="Consolas" panose="020B0609020204030204" pitchFamily="49" charset="0"/>
+            </a:endParaRPr>
+          </a:p>
+          <a:p>
+            <a:pPr lvl="1"/>
+            <a:r>
+              <a:rPr lang="en-US" sz="1800" dirty="0" err="1">
+                <a:latin typeface="Consolas" panose="020B0609020204030204" pitchFamily="49" charset="0"/>
+                <a:cs typeface="Consolas" panose="020B0609020204030204" pitchFamily="49" charset="0"/>
+              </a:rPr>
+              <a:t>HemTools</a:t>
+            </a:r>
+            <a:r>
+              <a:rPr lang="en-US" sz="1800" dirty="0">
+                <a:latin typeface="Consolas" panose="020B0609020204030204" pitchFamily="49" charset="0"/>
+                <a:cs typeface="Consolas" panose="020B0609020204030204" pitchFamily="49" charset="0"/>
+              </a:rPr>
+              <a:t> </a:t>
+            </a:r>
+            <a:r>
+              <a:rPr lang="en-US" sz="1800" dirty="0" err="1">
+                <a:latin typeface="Consolas" panose="020B0609020204030204" pitchFamily="49" charset="0"/>
+                <a:cs typeface="Consolas" panose="020B0609020204030204" pitchFamily="49" charset="0"/>
+              </a:rPr>
+              <a:t>cut_run</a:t>
+            </a:r>
+            <a:r>
+              <a:rPr lang="en-US" sz="1800" dirty="0">
+                <a:latin typeface="Consolas" panose="020B0609020204030204" pitchFamily="49" charset="0"/>
+                <a:cs typeface="Consolas" panose="020B0609020204030204" pitchFamily="49" charset="0"/>
+              </a:rPr>
+              <a:t> -f </a:t>
+            </a:r>
+            <a:r>
+              <a:rPr lang="en-US" sz="1800" dirty="0" err="1">
+                <a:latin typeface="Consolas" panose="020B0609020204030204" pitchFamily="49" charset="0"/>
+                <a:cs typeface="Consolas" panose="020B0609020204030204" pitchFamily="49" charset="0"/>
+              </a:rPr>
+              <a:t>fastq.tsv</a:t>
+            </a:r>
+            <a:r>
+              <a:rPr lang="en-US" sz="1800" dirty="0">
+                <a:latin typeface="Consolas" panose="020B0609020204030204" pitchFamily="49" charset="0"/>
+                <a:cs typeface="Consolas" panose="020B0609020204030204" pitchFamily="49" charset="0"/>
+              </a:rPr>
+              <a:t> -d </a:t>
+            </a:r>
+            <a:r>
+              <a:rPr lang="en-US" sz="1800" dirty="0" err="1">
+                <a:latin typeface="Consolas" panose="020B0609020204030204" pitchFamily="49" charset="0"/>
+                <a:cs typeface="Consolas" panose="020B0609020204030204" pitchFamily="49" charset="0"/>
+              </a:rPr>
+              <a:t>peakcall.tsv</a:t>
+            </a:r>
+            <a:br>
+              <a:rPr lang="en-US" sz="1800" dirty="0">
+                <a:latin typeface="Consolas" panose="020B0609020204030204" pitchFamily="49" charset="0"/>
+                <a:cs typeface="Consolas" panose="020B0609020204030204" pitchFamily="49" charset="0"/>
+              </a:rPr>
+            </a:br>
+            <a:endParaRPr lang="en-US" sz="1800" dirty="0">
+              <a:latin typeface="Consolas" panose="020B0609020204030204" pitchFamily="49" charset="0"/>
+              <a:cs typeface="Consolas" panose="020B0609020204030204" pitchFamily="49" charset="0"/>
+            </a:endParaRPr>
+          </a:p>
+          <a:p>
+            <a:pPr lvl="1"/>
+            <a:r>
+              <a:rPr lang="en-US" sz="1800" dirty="0" err="1">
+                <a:latin typeface="Consolas" panose="020B0609020204030204" pitchFamily="49" charset="0"/>
+                <a:cs typeface="Consolas" panose="020B0609020204030204" pitchFamily="49" charset="0"/>
+              </a:rPr>
+              <a:t>HemTools</a:t>
+            </a:r>
+            <a:r>
+              <a:rPr lang="en-US" sz="1800" dirty="0">
+                <a:latin typeface="Consolas" panose="020B0609020204030204" pitchFamily="49" charset="0"/>
+                <a:cs typeface="Consolas" panose="020B0609020204030204" pitchFamily="49" charset="0"/>
+              </a:rPr>
+              <a:t> </a:t>
+            </a:r>
+            <a:r>
+              <a:rPr lang="en-US" sz="1800" dirty="0" err="1">
+                <a:latin typeface="Consolas" panose="020B0609020204030204" pitchFamily="49" charset="0"/>
+                <a:cs typeface="Consolas" panose="020B0609020204030204" pitchFamily="49" charset="0"/>
+              </a:rPr>
+              <a:t>chip_seq_single</a:t>
+            </a:r>
+            <a:r>
+              <a:rPr lang="en-US" sz="1800" dirty="0">
+                <a:latin typeface="Consolas" panose="020B0609020204030204" pitchFamily="49" charset="0"/>
+                <a:cs typeface="Consolas" panose="020B0609020204030204" pitchFamily="49" charset="0"/>
+              </a:rPr>
+              <a:t> -f </a:t>
+            </a:r>
+            <a:r>
+              <a:rPr lang="en-US" sz="1800" dirty="0" err="1">
+                <a:latin typeface="Consolas" panose="020B0609020204030204" pitchFamily="49" charset="0"/>
+                <a:cs typeface="Consolas" panose="020B0609020204030204" pitchFamily="49" charset="0"/>
+              </a:rPr>
+              <a:t>fastq.tsv</a:t>
+            </a:r>
+            <a:r>
+              <a:rPr lang="en-US" sz="1800" dirty="0">
+                <a:latin typeface="Consolas" panose="020B0609020204030204" pitchFamily="49" charset="0"/>
+                <a:cs typeface="Consolas" panose="020B0609020204030204" pitchFamily="49" charset="0"/>
+              </a:rPr>
+              <a:t> -d </a:t>
+            </a:r>
+            <a:r>
+              <a:rPr lang="en-US" sz="1800" dirty="0" err="1">
+                <a:latin typeface="Consolas" panose="020B0609020204030204" pitchFamily="49" charset="0"/>
+                <a:cs typeface="Consolas" panose="020B0609020204030204" pitchFamily="49" charset="0"/>
+              </a:rPr>
+              <a:t>peakcall.tsv</a:t>
+            </a:r>
+            <a:br>
+              <a:rPr lang="en-US" sz="1800" dirty="0">
+                <a:latin typeface="Consolas" panose="020B0609020204030204" pitchFamily="49" charset="0"/>
+                <a:cs typeface="Consolas" panose="020B0609020204030204" pitchFamily="49" charset="0"/>
+              </a:rPr>
+            </a:br>
+            <a:endParaRPr lang="en-US" sz="1800" dirty="0">
+              <a:latin typeface="Consolas" panose="020B0609020204030204" pitchFamily="49" charset="0"/>
+              <a:cs typeface="Consolas" panose="020B0609020204030204" pitchFamily="49" charset="0"/>
+            </a:endParaRPr>
+          </a:p>
+          <a:p>
+            <a:pPr lvl="1"/>
+            <a:r>
+              <a:rPr lang="en-US" sz="1800" dirty="0" err="1">
+                <a:latin typeface="Consolas" panose="020B0609020204030204" pitchFamily="49" charset="0"/>
+                <a:cs typeface="Consolas" panose="020B0609020204030204" pitchFamily="49" charset="0"/>
+              </a:rPr>
+              <a:t>HemTools</a:t>
+            </a:r>
+            <a:r>
+              <a:rPr lang="en-US" sz="1800" dirty="0">
+                <a:latin typeface="Consolas" panose="020B0609020204030204" pitchFamily="49" charset="0"/>
+                <a:cs typeface="Consolas" panose="020B0609020204030204" pitchFamily="49" charset="0"/>
+              </a:rPr>
+              <a:t> </a:t>
+            </a:r>
+            <a:r>
+              <a:rPr lang="en-US" sz="1800" dirty="0" err="1">
+                <a:latin typeface="Consolas" panose="020B0609020204030204" pitchFamily="49" charset="0"/>
+                <a:cs typeface="Consolas" panose="020B0609020204030204" pitchFamily="49" charset="0"/>
+              </a:rPr>
+              <a:t>chip_seq_pair</a:t>
+            </a:r>
+            <a:r>
+              <a:rPr lang="en-US" sz="1800" dirty="0">
+                <a:latin typeface="Consolas" panose="020B0609020204030204" pitchFamily="49" charset="0"/>
+                <a:cs typeface="Consolas" panose="020B0609020204030204" pitchFamily="49" charset="0"/>
+              </a:rPr>
+              <a:t> -f </a:t>
+            </a:r>
+            <a:r>
+              <a:rPr lang="en-US" sz="1800" dirty="0" err="1">
+                <a:latin typeface="Consolas" panose="020B0609020204030204" pitchFamily="49" charset="0"/>
+                <a:cs typeface="Consolas" panose="020B0609020204030204" pitchFamily="49" charset="0"/>
+              </a:rPr>
+              <a:t>fastq.tsv</a:t>
+            </a:r>
+            <a:r>
+              <a:rPr lang="en-US" sz="1800" dirty="0">
+                <a:latin typeface="Consolas" panose="020B0609020204030204" pitchFamily="49" charset="0"/>
+                <a:cs typeface="Consolas" panose="020B0609020204030204" pitchFamily="49" charset="0"/>
+              </a:rPr>
+              <a:t> -d </a:t>
+            </a:r>
+            <a:r>
+              <a:rPr lang="en-US" sz="1800" dirty="0" err="1">
+                <a:latin typeface="Consolas" panose="020B0609020204030204" pitchFamily="49" charset="0"/>
+                <a:cs typeface="Consolas" panose="020B0609020204030204" pitchFamily="49" charset="0"/>
+              </a:rPr>
+              <a:t>peakcall.tsv</a:t>
+            </a:r>
+            <a:endParaRPr lang="en-US" sz="1800" dirty="0">
+              <a:latin typeface="Consolas" panose="020B0609020204030204" pitchFamily="49" charset="0"/>
+              <a:cs typeface="Consolas" panose="020B0609020204030204" pitchFamily="49" charset="0"/>
+            </a:endParaRPr>
+          </a:p>
+          <a:p>
+            <a:pPr lvl="1"/>
+            <a:endParaRPr lang="en-US" sz="1800" dirty="0">
+              <a:highlight>
+                <a:srgbClr val="C0C0C0"/>
+              </a:highlight>
+              <a:latin typeface="Consolas" panose="020B0609020204030204" pitchFamily="49" charset="0"/>
+              <a:cs typeface="Consolas" panose="020B0609020204030204" pitchFamily="49" charset="0"/>
+            </a:endParaRPr>
+          </a:p>
+          <a:p>
+            <a:pPr lvl="1"/>
+            <a:r>
+              <a:rPr lang="en-US" sz="1800" dirty="0" err="1">
+                <a:latin typeface="Consolas" panose="020B0609020204030204" pitchFamily="49" charset="0"/>
+                <a:cs typeface="Consolas" panose="020B0609020204030204" pitchFamily="49" charset="0"/>
+              </a:rPr>
+              <a:t>subcmd</a:t>
+            </a:r>
+            <a:r>
+              <a:rPr lang="en-US" sz="1800" dirty="0">
+                <a:latin typeface="Consolas" panose="020B0609020204030204" pitchFamily="49" charset="0"/>
+                <a:cs typeface="Consolas" panose="020B0609020204030204" pitchFamily="49" charset="0"/>
+              </a:rPr>
+              <a:t> is case-sensitive</a:t>
+            </a:r>
+          </a:p>
+          <a:p>
+            <a:endParaRPr lang="en-US" dirty="0"/>
+          </a:p>
+        </p:txBody>
+      </p:sp>
+    </p:spTree>
+    <p:extLst>
+      <p:ext uri="{BB962C8B-B14F-4D97-AF65-F5344CB8AC3E}">
+        <p14:creationId xmlns:p14="http://schemas.microsoft.com/office/powerpoint/2010/main" val="1781342097"/>
+      </p:ext>
+    </p:extLst>
+  </p:cSld>
+  <p:clrMapOvr>
+    <a:masterClrMapping/>
+  </p:clrMapOvr>
+</p:sld>
+</file>
+
+<file path=ppt/slides/slide18.xml><?xml version="1.0" encoding="utf-8"?>
+<p:sld xmlns:a="http://schemas.openxmlformats.org/drawingml/2006/main" xmlns:r="http://schemas.openxmlformats.org/officeDocument/2006/relationships" xmlns:p="http://schemas.openxmlformats.org/presentationml/2006/main">
+  <p:cSld>
+    <p:spTree>
+      <p:nvGrpSpPr>
+        <p:cNvPr id="1" name=""/>
+        <p:cNvGrpSpPr/>
+        <p:nvPr/>
+      </p:nvGrpSpPr>
+      <p:grpSpPr>
+        <a:xfrm>
+          <a:off x="0" y="0"/>
+          <a:ext cx="0" cy="0"/>
+          <a:chOff x="0" y="0"/>
+          <a:chExt cx="0" cy="0"/>
+        </a:xfrm>
+      </p:grpSpPr>
+      <p:sp>
+        <p:nvSpPr>
+          <p:cNvPr id="2" name="Title 1">
+            <a:extLst>
+              <a:ext uri="{FF2B5EF4-FFF2-40B4-BE49-F238E27FC236}">
+                <a16:creationId xmlns:a16="http://schemas.microsoft.com/office/drawing/2014/main" id="{15AD1A34-A8B2-48D0-951F-79751EADEEC7}"/>
+              </a:ext>
+            </a:extLst>
+          </p:cNvPr>
+          <p:cNvSpPr>
+            <a:spLocks noGrp="1"/>
+          </p:cNvSpPr>
+          <p:nvPr>
+            <p:ph type="title"/>
+          </p:nvPr>
+        </p:nvSpPr>
+        <p:spPr/>
+        <p:txBody>
+          <a:bodyPr/>
+          <a:lstStyle/>
+          <a:p>
+            <a:r>
+              <a:rPr lang="en-US" dirty="0"/>
+              <a:t>General principles</a:t>
+            </a:r>
+          </a:p>
+        </p:txBody>
+      </p:sp>
+      <p:sp>
+        <p:nvSpPr>
+          <p:cNvPr id="3" name="Content Placeholder 2">
+            <a:extLst>
+              <a:ext uri="{FF2B5EF4-FFF2-40B4-BE49-F238E27FC236}">
+                <a16:creationId xmlns:a16="http://schemas.microsoft.com/office/drawing/2014/main" id="{0BBFE8CB-EE31-4B7B-8AD9-AC66241D81BD}"/>
+              </a:ext>
+            </a:extLst>
+          </p:cNvPr>
+          <p:cNvSpPr>
+            <a:spLocks noGrp="1"/>
+          </p:cNvSpPr>
+          <p:nvPr>
+            <p:ph idx="1"/>
+          </p:nvPr>
+        </p:nvSpPr>
+        <p:spPr>
+          <a:xfrm>
+            <a:off x="838200" y="1825625"/>
+            <a:ext cx="4642757" cy="4351338"/>
+          </a:xfrm>
+        </p:spPr>
+        <p:txBody>
+          <a:bodyPr/>
+          <a:lstStyle/>
+          <a:p>
+            <a:r>
+              <a:rPr lang="en-US" dirty="0"/>
+              <a:t>Required parameters</a:t>
+            </a:r>
+          </a:p>
+          <a:p>
+            <a:pPr lvl="1"/>
+            <a:r>
+              <a:rPr lang="en-US" sz="1800" dirty="0" err="1">
+                <a:latin typeface="Consolas" panose="020B0609020204030204" pitchFamily="49" charset="0"/>
+                <a:cs typeface="Consolas" panose="020B0609020204030204" pitchFamily="49" charset="0"/>
+              </a:rPr>
+              <a:t>HemTools</a:t>
+            </a:r>
+            <a:r>
+              <a:rPr lang="en-US" sz="1800" dirty="0">
+                <a:latin typeface="Consolas" panose="020B0609020204030204" pitchFamily="49" charset="0"/>
+                <a:cs typeface="Consolas" panose="020B0609020204030204" pitchFamily="49" charset="0"/>
+              </a:rPr>
+              <a:t> </a:t>
+            </a:r>
+            <a:r>
+              <a:rPr lang="en-US" sz="1800" dirty="0" err="1">
+                <a:latin typeface="Consolas" panose="020B0609020204030204" pitchFamily="49" charset="0"/>
+                <a:cs typeface="Consolas" panose="020B0609020204030204" pitchFamily="49" charset="0"/>
+              </a:rPr>
+              <a:t>atac_seq</a:t>
+            </a:r>
+            <a:r>
+              <a:rPr lang="en-US" sz="1800" dirty="0">
+                <a:latin typeface="Consolas" panose="020B0609020204030204" pitchFamily="49" charset="0"/>
+                <a:cs typeface="Consolas" panose="020B0609020204030204" pitchFamily="49" charset="0"/>
+              </a:rPr>
+              <a:t> -f </a:t>
+            </a:r>
+            <a:r>
+              <a:rPr lang="en-US" sz="1800" dirty="0" err="1">
+                <a:latin typeface="Consolas" panose="020B0609020204030204" pitchFamily="49" charset="0"/>
+                <a:cs typeface="Consolas" panose="020B0609020204030204" pitchFamily="49" charset="0"/>
+              </a:rPr>
+              <a:t>fastq.tsv</a:t>
+            </a:r>
+            <a:endParaRPr lang="en-US" sz="1800" dirty="0">
+              <a:latin typeface="Consolas" panose="020B0609020204030204" pitchFamily="49" charset="0"/>
+              <a:cs typeface="Consolas" panose="020B0609020204030204" pitchFamily="49" charset="0"/>
+            </a:endParaRPr>
+          </a:p>
+          <a:p>
+            <a:pPr lvl="1"/>
+            <a:endParaRPr lang="en-US" sz="1800" dirty="0">
+              <a:latin typeface="Consolas" panose="020B0609020204030204" pitchFamily="49" charset="0"/>
+              <a:cs typeface="Consolas" panose="020B0609020204030204" pitchFamily="49" charset="0"/>
+            </a:endParaRPr>
+          </a:p>
+          <a:p>
+            <a:pPr lvl="1"/>
+            <a:r>
+              <a:rPr lang="en-US" sz="1800" dirty="0" err="1">
+                <a:latin typeface="Consolas" panose="020B0609020204030204" pitchFamily="49" charset="0"/>
+                <a:cs typeface="Consolas" panose="020B0609020204030204" pitchFamily="49" charset="0"/>
+              </a:rPr>
+              <a:t>HemTools</a:t>
+            </a:r>
+            <a:r>
+              <a:rPr lang="en-US" sz="1800" dirty="0">
+                <a:latin typeface="Consolas" panose="020B0609020204030204" pitchFamily="49" charset="0"/>
+                <a:cs typeface="Consolas" panose="020B0609020204030204" pitchFamily="49" charset="0"/>
+              </a:rPr>
+              <a:t> </a:t>
+            </a:r>
+            <a:r>
+              <a:rPr lang="en-US" sz="1800" dirty="0" err="1">
+                <a:latin typeface="Consolas" panose="020B0609020204030204" pitchFamily="49" charset="0"/>
+                <a:cs typeface="Consolas" panose="020B0609020204030204" pitchFamily="49" charset="0"/>
+              </a:rPr>
+              <a:t>cut_run</a:t>
+            </a:r>
+            <a:r>
+              <a:rPr lang="en-US" sz="1800" dirty="0">
+                <a:latin typeface="Consolas" panose="020B0609020204030204" pitchFamily="49" charset="0"/>
+                <a:cs typeface="Consolas" panose="020B0609020204030204" pitchFamily="49" charset="0"/>
+              </a:rPr>
+              <a:t> -f </a:t>
+            </a:r>
+            <a:r>
+              <a:rPr lang="en-US" sz="1800" dirty="0" err="1">
+                <a:latin typeface="Consolas" panose="020B0609020204030204" pitchFamily="49" charset="0"/>
+                <a:cs typeface="Consolas" panose="020B0609020204030204" pitchFamily="49" charset="0"/>
+              </a:rPr>
+              <a:t>fastq.tsv</a:t>
+            </a:r>
+            <a:r>
+              <a:rPr lang="en-US" sz="1800" dirty="0">
+                <a:latin typeface="Consolas" panose="020B0609020204030204" pitchFamily="49" charset="0"/>
+                <a:cs typeface="Consolas" panose="020B0609020204030204" pitchFamily="49" charset="0"/>
+              </a:rPr>
+              <a:t> -d </a:t>
+            </a:r>
+            <a:r>
+              <a:rPr lang="en-US" sz="1800" dirty="0" err="1">
+                <a:latin typeface="Consolas" panose="020B0609020204030204" pitchFamily="49" charset="0"/>
+                <a:cs typeface="Consolas" panose="020B0609020204030204" pitchFamily="49" charset="0"/>
+              </a:rPr>
+              <a:t>peakcall.tsv</a:t>
+            </a:r>
+            <a:endParaRPr lang="en-US" sz="1800" dirty="0">
+              <a:latin typeface="Consolas" panose="020B0609020204030204" pitchFamily="49" charset="0"/>
+              <a:cs typeface="Consolas" panose="020B0609020204030204" pitchFamily="49" charset="0"/>
+            </a:endParaRPr>
+          </a:p>
+          <a:p>
+            <a:pPr lvl="1"/>
+            <a:endParaRPr lang="en-US" sz="1800" dirty="0">
+              <a:latin typeface="Consolas" panose="020B0609020204030204" pitchFamily="49" charset="0"/>
+              <a:cs typeface="Consolas" panose="020B0609020204030204" pitchFamily="49" charset="0"/>
+            </a:endParaRPr>
+          </a:p>
+          <a:p>
+            <a:pPr lvl="1"/>
+            <a:r>
+              <a:rPr lang="en-US" sz="1800" dirty="0" err="1">
+                <a:latin typeface="Consolas" panose="020B0609020204030204" pitchFamily="49" charset="0"/>
+                <a:cs typeface="Consolas" panose="020B0609020204030204" pitchFamily="49" charset="0"/>
+              </a:rPr>
+              <a:t>HemTools</a:t>
+            </a:r>
+            <a:r>
+              <a:rPr lang="en-US" sz="1800" dirty="0">
+                <a:latin typeface="Consolas" panose="020B0609020204030204" pitchFamily="49" charset="0"/>
+                <a:cs typeface="Consolas" panose="020B0609020204030204" pitchFamily="49" charset="0"/>
+              </a:rPr>
+              <a:t> </a:t>
+            </a:r>
+            <a:r>
+              <a:rPr lang="en-US" sz="1800" dirty="0" err="1">
+                <a:latin typeface="Consolas" panose="020B0609020204030204" pitchFamily="49" charset="0"/>
+                <a:cs typeface="Consolas" panose="020B0609020204030204" pitchFamily="49" charset="0"/>
+              </a:rPr>
+              <a:t>chip_seq_single</a:t>
+            </a:r>
+            <a:r>
+              <a:rPr lang="en-US" sz="1800" dirty="0">
+                <a:latin typeface="Consolas" panose="020B0609020204030204" pitchFamily="49" charset="0"/>
+                <a:cs typeface="Consolas" panose="020B0609020204030204" pitchFamily="49" charset="0"/>
+              </a:rPr>
+              <a:t> -f </a:t>
+            </a:r>
+            <a:r>
+              <a:rPr lang="en-US" sz="1800" dirty="0" err="1">
+                <a:latin typeface="Consolas" panose="020B0609020204030204" pitchFamily="49" charset="0"/>
+                <a:cs typeface="Consolas" panose="020B0609020204030204" pitchFamily="49" charset="0"/>
+              </a:rPr>
+              <a:t>fastq.tsv</a:t>
+            </a:r>
+            <a:r>
+              <a:rPr lang="en-US" sz="1800" dirty="0">
+                <a:latin typeface="Consolas" panose="020B0609020204030204" pitchFamily="49" charset="0"/>
+                <a:cs typeface="Consolas" panose="020B0609020204030204" pitchFamily="49" charset="0"/>
+              </a:rPr>
+              <a:t> -d </a:t>
+            </a:r>
+            <a:r>
+              <a:rPr lang="en-US" sz="1800" dirty="0" err="1">
+                <a:latin typeface="Consolas" panose="020B0609020204030204" pitchFamily="49" charset="0"/>
+                <a:cs typeface="Consolas" panose="020B0609020204030204" pitchFamily="49" charset="0"/>
+              </a:rPr>
+              <a:t>peakcall.tsv</a:t>
+            </a:r>
+            <a:endParaRPr lang="en-US" sz="1800" dirty="0">
+              <a:latin typeface="Consolas" panose="020B0609020204030204" pitchFamily="49" charset="0"/>
+              <a:cs typeface="Consolas" panose="020B0609020204030204" pitchFamily="49" charset="0"/>
+            </a:endParaRPr>
+          </a:p>
+          <a:p>
+            <a:pPr lvl="1"/>
+            <a:endParaRPr lang="en-US" sz="1800" dirty="0">
+              <a:latin typeface="Consolas" panose="020B0609020204030204" pitchFamily="49" charset="0"/>
+              <a:cs typeface="Consolas" panose="020B0609020204030204" pitchFamily="49" charset="0"/>
+            </a:endParaRPr>
+          </a:p>
+          <a:p>
+            <a:pPr lvl="1"/>
+            <a:r>
+              <a:rPr lang="en-US" sz="1800" dirty="0" err="1">
+                <a:latin typeface="Consolas" panose="020B0609020204030204" pitchFamily="49" charset="0"/>
+                <a:cs typeface="Consolas" panose="020B0609020204030204" pitchFamily="49" charset="0"/>
+              </a:rPr>
+              <a:t>HemTools</a:t>
+            </a:r>
+            <a:r>
+              <a:rPr lang="en-US" sz="1800" dirty="0">
+                <a:latin typeface="Consolas" panose="020B0609020204030204" pitchFamily="49" charset="0"/>
+                <a:cs typeface="Consolas" panose="020B0609020204030204" pitchFamily="49" charset="0"/>
+              </a:rPr>
+              <a:t> </a:t>
+            </a:r>
+            <a:r>
+              <a:rPr lang="en-US" sz="1800" dirty="0" err="1">
+                <a:latin typeface="Consolas" panose="020B0609020204030204" pitchFamily="49" charset="0"/>
+                <a:cs typeface="Consolas" panose="020B0609020204030204" pitchFamily="49" charset="0"/>
+              </a:rPr>
+              <a:t>chip_seq_pair</a:t>
+            </a:r>
+            <a:r>
+              <a:rPr lang="en-US" sz="1800" dirty="0">
+                <a:latin typeface="Consolas" panose="020B0609020204030204" pitchFamily="49" charset="0"/>
+                <a:cs typeface="Consolas" panose="020B0609020204030204" pitchFamily="49" charset="0"/>
+              </a:rPr>
+              <a:t> -f </a:t>
+            </a:r>
+            <a:r>
+              <a:rPr lang="en-US" sz="1800" dirty="0" err="1">
+                <a:latin typeface="Consolas" panose="020B0609020204030204" pitchFamily="49" charset="0"/>
+                <a:cs typeface="Consolas" panose="020B0609020204030204" pitchFamily="49" charset="0"/>
+              </a:rPr>
+              <a:t>fastq.tsv</a:t>
+            </a:r>
+            <a:r>
+              <a:rPr lang="en-US" sz="1800" dirty="0">
+                <a:latin typeface="Consolas" panose="020B0609020204030204" pitchFamily="49" charset="0"/>
+                <a:cs typeface="Consolas" panose="020B0609020204030204" pitchFamily="49" charset="0"/>
+              </a:rPr>
+              <a:t> -d </a:t>
+            </a:r>
+            <a:r>
+              <a:rPr lang="en-US" sz="1800" dirty="0" err="1">
+                <a:latin typeface="Consolas" panose="020B0609020204030204" pitchFamily="49" charset="0"/>
+                <a:cs typeface="Consolas" panose="020B0609020204030204" pitchFamily="49" charset="0"/>
+              </a:rPr>
+              <a:t>peakcall.tsv</a:t>
+            </a:r>
+            <a:endParaRPr lang="en-US" sz="1800" dirty="0">
+              <a:highlight>
+                <a:srgbClr val="C0C0C0"/>
+              </a:highlight>
+              <a:latin typeface="Consolas" panose="020B0609020204030204" pitchFamily="49" charset="0"/>
+              <a:cs typeface="Consolas" panose="020B0609020204030204" pitchFamily="49" charset="0"/>
+            </a:endParaRPr>
+          </a:p>
+          <a:p>
+            <a:pPr marL="0" indent="0">
+              <a:buNone/>
+            </a:pPr>
+            <a:endParaRPr lang="en-US" dirty="0"/>
+          </a:p>
+        </p:txBody>
+      </p:sp>
+      <p:pic>
+        <p:nvPicPr>
+          <p:cNvPr id="9" name="Picture 8">
+            <a:extLst>
+              <a:ext uri="{FF2B5EF4-FFF2-40B4-BE49-F238E27FC236}">
+                <a16:creationId xmlns:a16="http://schemas.microsoft.com/office/drawing/2014/main" id="{AE9236BD-9307-4323-9EBF-AD6C140C9E7A}"/>
+              </a:ext>
+            </a:extLst>
+          </p:cNvPr>
+          <p:cNvPicPr>
+            <a:picLocks noChangeAspect="1"/>
+          </p:cNvPicPr>
+          <p:nvPr/>
+        </p:nvPicPr>
+        <p:blipFill>
+          <a:blip r:embed="rId2"/>
+          <a:stretch>
+            <a:fillRect/>
+          </a:stretch>
+        </p:blipFill>
+        <p:spPr>
+          <a:xfrm>
+            <a:off x="5480957" y="505748"/>
+            <a:ext cx="6563936" cy="5987127"/>
+          </a:xfrm>
+          <a:prstGeom prst="rect">
+            <a:avLst/>
+          </a:prstGeom>
+        </p:spPr>
+      </p:pic>
+      <p:sp>
+        <p:nvSpPr>
+          <p:cNvPr id="4" name="Rectangle 3">
+            <a:extLst>
+              <a:ext uri="{FF2B5EF4-FFF2-40B4-BE49-F238E27FC236}">
+                <a16:creationId xmlns:a16="http://schemas.microsoft.com/office/drawing/2014/main" id="{EFE7B173-0803-4D86-B053-2F94F2B47CE3}"/>
+              </a:ext>
+            </a:extLst>
+          </p:cNvPr>
+          <p:cNvSpPr/>
+          <p:nvPr/>
+        </p:nvSpPr>
+        <p:spPr>
+          <a:xfrm>
+            <a:off x="5589037" y="4683967"/>
+            <a:ext cx="6307494" cy="942392"/>
+          </a:xfrm>
+          <a:prstGeom prst="rect">
+            <a:avLst/>
+          </a:prstGeom>
+          <a:noFill/>
+          <a:ln>
+            <a:solidFill>
+              <a:srgbClr val="FF0000"/>
+            </a:solidFill>
+          </a:ln>
+        </p:spPr>
+        <p:style>
+          <a:lnRef idx="2">
+            <a:schemeClr val="accent1">
+              <a:shade val="50000"/>
+            </a:schemeClr>
+          </a:lnRef>
+          <a:fillRef idx="1">
+            <a:schemeClr val="accent1"/>
+          </a:fillRef>
+          <a:effectRef idx="0">
+            <a:schemeClr val="accent1"/>
+          </a:effectRef>
+          <a:fontRef idx="minor">
+            <a:schemeClr val="lt1"/>
+          </a:fontRef>
+        </p:style>
+        <p:txBody>
+          <a:bodyPr rtlCol="0" anchor="ctr"/>
+          <a:lstStyle/>
+          <a:p>
+            <a:pPr algn="ctr"/>
+            <a:endParaRPr lang="en-US"/>
+          </a:p>
+        </p:txBody>
+      </p:sp>
+    </p:spTree>
+    <p:extLst>
+      <p:ext uri="{BB962C8B-B14F-4D97-AF65-F5344CB8AC3E}">
+        <p14:creationId xmlns:p14="http://schemas.microsoft.com/office/powerpoint/2010/main" val="498713462"/>
+      </p:ext>
+    </p:extLst>
+  </p:cSld>
+  <p:clrMapOvr>
+    <a:masterClrMapping/>
+  </p:clrMapOvr>
+</p:sld>
+</file>
+
+<file path=ppt/slides/slide19.xml><?xml version="1.0" encoding="utf-8"?>
+<p:sld xmlns:a="http://schemas.openxmlformats.org/drawingml/2006/main" xmlns:r="http://schemas.openxmlformats.org/officeDocument/2006/relationships" xmlns:p="http://schemas.openxmlformats.org/presentationml/2006/main">
+  <p:cSld>
+    <p:spTree>
+      <p:nvGrpSpPr>
+        <p:cNvPr id="1" name=""/>
+        <p:cNvGrpSpPr/>
+        <p:nvPr/>
+      </p:nvGrpSpPr>
+      <p:grpSpPr>
+        <a:xfrm>
+          <a:off x="0" y="0"/>
+          <a:ext cx="0" cy="0"/>
+          <a:chOff x="0" y="0"/>
+          <a:chExt cx="0" cy="0"/>
+        </a:xfrm>
+      </p:grpSpPr>
+      <p:sp>
+        <p:nvSpPr>
+          <p:cNvPr id="2" name="Title 1">
+            <a:extLst>
+              <a:ext uri="{FF2B5EF4-FFF2-40B4-BE49-F238E27FC236}">
                 <a16:creationId xmlns:a16="http://schemas.microsoft.com/office/drawing/2014/main" id="{15AD1A34-A8B2-48D0-951F-79751EADEEC7}"/>
               </a:ext>
             </a:extLst>
@@ -5238,7 +7099,478 @@
 </p:sld>
 </file>
 
-<file path=ppt/slides/slide17.xml><?xml version="1.0" encoding="utf-8"?>
+<file path=ppt/slides/slide2.xml><?xml version="1.0" encoding="utf-8"?>
+<p:sld xmlns:a="http://schemas.openxmlformats.org/drawingml/2006/main" xmlns:r="http://schemas.openxmlformats.org/officeDocument/2006/relationships" xmlns:p="http://schemas.openxmlformats.org/presentationml/2006/main">
+  <p:cSld>
+    <p:spTree>
+      <p:nvGrpSpPr>
+        <p:cNvPr id="1" name=""/>
+        <p:cNvGrpSpPr/>
+        <p:nvPr/>
+      </p:nvGrpSpPr>
+      <p:grpSpPr>
+        <a:xfrm>
+          <a:off x="0" y="0"/>
+          <a:ext cx="0" cy="0"/>
+          <a:chOff x="0" y="0"/>
+          <a:chExt cx="0" cy="0"/>
+        </a:xfrm>
+      </p:grpSpPr>
+      <p:pic>
+        <p:nvPicPr>
+          <p:cNvPr id="6" name="Picture 5" descr="A screenshot of a cell phone&#10;&#10;Description generated with high confidence">
+            <a:extLst>
+              <a:ext uri="{FF2B5EF4-FFF2-40B4-BE49-F238E27FC236}">
+                <a16:creationId xmlns:a16="http://schemas.microsoft.com/office/drawing/2014/main" id="{7429BC35-C978-4DFD-875C-F25B63CE7106}"/>
+              </a:ext>
+            </a:extLst>
+          </p:cNvPr>
+          <p:cNvPicPr>
+            <a:picLocks noChangeAspect="1"/>
+          </p:cNvPicPr>
+          <p:nvPr/>
+        </p:nvPicPr>
+        <p:blipFill>
+          <a:blip r:embed="rId2">
+            <a:extLst>
+              <a:ext uri="{28A0092B-C50C-407E-A947-70E740481C1C}">
+                <a14:useLocalDpi xmlns:a14="http://schemas.microsoft.com/office/drawing/2010/main" val="0"/>
+              </a:ext>
+            </a:extLst>
+          </a:blip>
+          <a:stretch>
+            <a:fillRect/>
+          </a:stretch>
+        </p:blipFill>
+        <p:spPr>
+          <a:xfrm>
+            <a:off x="8029862" y="3563936"/>
+            <a:ext cx="3124039" cy="3249000"/>
+          </a:xfrm>
+          <a:prstGeom prst="rect">
+            <a:avLst/>
+          </a:prstGeom>
+          <a:ln w="38100" cap="sq">
+            <a:solidFill>
+              <a:srgbClr val="000000"/>
+            </a:solidFill>
+            <a:prstDash val="solid"/>
+            <a:miter lim="800000"/>
+          </a:ln>
+          <a:effectLst>
+            <a:outerShdw blurRad="50800" dist="38100" dir="2700000" algn="tl" rotWithShape="0">
+              <a:srgbClr val="000000">
+                <a:alpha val="43000"/>
+              </a:srgbClr>
+            </a:outerShdw>
+          </a:effectLst>
+        </p:spPr>
+      </p:pic>
+      <p:sp>
+        <p:nvSpPr>
+          <p:cNvPr id="2" name="Title 1">
+            <a:extLst>
+              <a:ext uri="{FF2B5EF4-FFF2-40B4-BE49-F238E27FC236}">
+                <a16:creationId xmlns:a16="http://schemas.microsoft.com/office/drawing/2014/main" id="{D8F610CE-BE7A-44A6-B054-D1D2AFFDF021}"/>
+              </a:ext>
+            </a:extLst>
+          </p:cNvPr>
+          <p:cNvSpPr>
+            <a:spLocks noGrp="1"/>
+          </p:cNvSpPr>
+          <p:nvPr>
+            <p:ph type="title"/>
+          </p:nvPr>
+        </p:nvSpPr>
+        <p:spPr>
+          <a:xfrm>
+            <a:off x="838200" y="365125"/>
+            <a:ext cx="10515600" cy="1325563"/>
+          </a:xfrm>
+        </p:spPr>
+        <p:txBody>
+          <a:bodyPr/>
+          <a:lstStyle/>
+          <a:p>
+            <a:r>
+              <a:rPr lang="en-US" dirty="0"/>
+              <a:t>Outline</a:t>
+            </a:r>
+          </a:p>
+        </p:txBody>
+      </p:sp>
+      <p:sp>
+        <p:nvSpPr>
+          <p:cNvPr id="3" name="Content Placeholder 2">
+            <a:extLst>
+              <a:ext uri="{FF2B5EF4-FFF2-40B4-BE49-F238E27FC236}">
+                <a16:creationId xmlns:a16="http://schemas.microsoft.com/office/drawing/2014/main" id="{5036624E-8899-4554-8B13-DBBDE6E3E18B}"/>
+              </a:ext>
+            </a:extLst>
+          </p:cNvPr>
+          <p:cNvSpPr>
+            <a:spLocks noGrp="1"/>
+          </p:cNvSpPr>
+          <p:nvPr>
+            <p:ph idx="1"/>
+          </p:nvPr>
+        </p:nvSpPr>
+        <p:spPr>
+          <a:xfrm>
+            <a:off x="738250" y="1774116"/>
+            <a:ext cx="10515600" cy="4351338"/>
+          </a:xfrm>
+        </p:spPr>
+        <p:txBody>
+          <a:bodyPr>
+            <a:normAutofit fontScale="92500" lnSpcReduction="10000"/>
+          </a:bodyPr>
+          <a:lstStyle/>
+          <a:p>
+            <a:r>
+              <a:rPr lang="en-US" dirty="0"/>
+              <a:t>Software overview</a:t>
+            </a:r>
+          </a:p>
+          <a:p>
+            <a:r>
+              <a:rPr lang="en-US" dirty="0"/>
+              <a:t>Examples</a:t>
+            </a:r>
+          </a:p>
+          <a:p>
+            <a:pPr lvl="1"/>
+            <a:r>
+              <a:rPr lang="en-US" dirty="0"/>
+              <a:t>ATAC-seq</a:t>
+            </a:r>
+          </a:p>
+          <a:p>
+            <a:pPr lvl="1"/>
+            <a:r>
+              <a:rPr lang="en-US" dirty="0" err="1"/>
+              <a:t>ChIP</a:t>
+            </a:r>
+            <a:r>
+              <a:rPr lang="en-US" dirty="0"/>
+              <a:t>-seq</a:t>
+            </a:r>
+          </a:p>
+          <a:p>
+            <a:pPr lvl="1"/>
+            <a:r>
+              <a:rPr lang="en-US" dirty="0"/>
+              <a:t>CUT &amp; RUN</a:t>
+            </a:r>
+          </a:p>
+          <a:p>
+            <a:r>
+              <a:rPr lang="en-US" dirty="0"/>
+              <a:t>General principles</a:t>
+            </a:r>
+          </a:p>
+          <a:p>
+            <a:r>
+              <a:rPr lang="en-US" dirty="0"/>
+              <a:t>Other functionalities</a:t>
+            </a:r>
+          </a:p>
+          <a:p>
+            <a:pPr lvl="1"/>
+            <a:r>
+              <a:rPr lang="en-US" dirty="0"/>
+              <a:t>RNA-seq</a:t>
+            </a:r>
+          </a:p>
+          <a:p>
+            <a:pPr lvl="1"/>
+            <a:r>
+              <a:rPr lang="en-US" dirty="0"/>
+              <a:t>CRISPR screening</a:t>
+            </a:r>
+          </a:p>
+          <a:p>
+            <a:pPr lvl="1"/>
+            <a:r>
+              <a:rPr lang="en-US" dirty="0"/>
+              <a:t>Volcano plot</a:t>
+            </a:r>
+          </a:p>
+          <a:p>
+            <a:r>
+              <a:rPr lang="en-US" dirty="0"/>
+              <a:t>Questionnaire</a:t>
+            </a:r>
+          </a:p>
+          <a:p>
+            <a:endParaRPr lang="en-US" dirty="0"/>
+          </a:p>
+          <a:p>
+            <a:endParaRPr lang="en-US" dirty="0"/>
+          </a:p>
+        </p:txBody>
+      </p:sp>
+      <p:pic>
+        <p:nvPicPr>
+          <p:cNvPr id="8" name="Picture 7">
+            <a:extLst>
+              <a:ext uri="{FF2B5EF4-FFF2-40B4-BE49-F238E27FC236}">
+                <a16:creationId xmlns:a16="http://schemas.microsoft.com/office/drawing/2014/main" id="{493AAE56-F30E-4CA1-A347-5DBB2856B69D}"/>
+              </a:ext>
+            </a:extLst>
+          </p:cNvPr>
+          <p:cNvPicPr>
+            <a:picLocks noChangeAspect="1"/>
+          </p:cNvPicPr>
+          <p:nvPr/>
+        </p:nvPicPr>
+        <p:blipFill>
+          <a:blip r:embed="rId3">
+            <a:extLst>
+              <a:ext uri="{28A0092B-C50C-407E-A947-70E740481C1C}">
+                <a14:useLocalDpi xmlns:a14="http://schemas.microsoft.com/office/drawing/2010/main" val="0"/>
+              </a:ext>
+            </a:extLst>
+          </a:blip>
+          <a:stretch>
+            <a:fillRect/>
+          </a:stretch>
+        </p:blipFill>
+        <p:spPr>
+          <a:xfrm>
+            <a:off x="4524115" y="105697"/>
+            <a:ext cx="2943871" cy="6646605"/>
+          </a:xfrm>
+          <a:prstGeom prst="rect">
+            <a:avLst/>
+          </a:prstGeom>
+          <a:ln w="38100" cap="sq">
+            <a:solidFill>
+              <a:srgbClr val="000000"/>
+            </a:solidFill>
+            <a:prstDash val="solid"/>
+            <a:miter lim="800000"/>
+          </a:ln>
+          <a:effectLst>
+            <a:outerShdw blurRad="50800" dist="38100" dir="2700000" algn="tl" rotWithShape="0">
+              <a:srgbClr val="000000">
+                <a:alpha val="43000"/>
+              </a:srgbClr>
+            </a:outerShdw>
+          </a:effectLst>
+        </p:spPr>
+      </p:pic>
+      <p:pic>
+        <p:nvPicPr>
+          <p:cNvPr id="10" name="Picture 9">
+            <a:extLst>
+              <a:ext uri="{FF2B5EF4-FFF2-40B4-BE49-F238E27FC236}">
+                <a16:creationId xmlns:a16="http://schemas.microsoft.com/office/drawing/2014/main" id="{9EFC7C57-305E-45AC-B225-DB9C1B52394E}"/>
+              </a:ext>
+            </a:extLst>
+          </p:cNvPr>
+          <p:cNvPicPr>
+            <a:picLocks noChangeAspect="1"/>
+          </p:cNvPicPr>
+          <p:nvPr/>
+        </p:nvPicPr>
+        <p:blipFill>
+          <a:blip r:embed="rId4">
+            <a:extLst>
+              <a:ext uri="{28A0092B-C50C-407E-A947-70E740481C1C}">
+                <a14:useLocalDpi xmlns:a14="http://schemas.microsoft.com/office/drawing/2010/main" val="0"/>
+              </a:ext>
+            </a:extLst>
+          </a:blip>
+          <a:stretch>
+            <a:fillRect/>
+          </a:stretch>
+        </p:blipFill>
+        <p:spPr>
+          <a:xfrm>
+            <a:off x="8074772" y="81255"/>
+            <a:ext cx="2713470" cy="3347744"/>
+          </a:xfrm>
+          <a:prstGeom prst="rect">
+            <a:avLst/>
+          </a:prstGeom>
+          <a:ln w="38100" cap="sq">
+            <a:solidFill>
+              <a:srgbClr val="000000"/>
+            </a:solidFill>
+            <a:prstDash val="solid"/>
+            <a:miter lim="800000"/>
+          </a:ln>
+          <a:effectLst>
+            <a:outerShdw blurRad="50800" dist="38100" dir="2700000" algn="tl" rotWithShape="0">
+              <a:srgbClr val="000000">
+                <a:alpha val="43000"/>
+              </a:srgbClr>
+            </a:outerShdw>
+          </a:effectLst>
+        </p:spPr>
+      </p:pic>
+      <p:sp>
+        <p:nvSpPr>
+          <p:cNvPr id="11" name="Rectangle 10">
+            <a:extLst>
+              <a:ext uri="{FF2B5EF4-FFF2-40B4-BE49-F238E27FC236}">
+                <a16:creationId xmlns:a16="http://schemas.microsoft.com/office/drawing/2014/main" id="{03831D85-E99B-4D71-9B42-B70DA4CD04CD}"/>
+              </a:ext>
+            </a:extLst>
+          </p:cNvPr>
+          <p:cNvSpPr/>
+          <p:nvPr/>
+        </p:nvSpPr>
+        <p:spPr>
+          <a:xfrm>
+            <a:off x="10389874" y="105697"/>
+            <a:ext cx="1713931" cy="369332"/>
+          </a:xfrm>
+          <a:prstGeom prst="rect">
+            <a:avLst/>
+          </a:prstGeom>
+        </p:spPr>
+        <p:txBody>
+          <a:bodyPr wrap="none">
+            <a:spAutoFit/>
+          </a:bodyPr>
+          <a:lstStyle/>
+          <a:p>
+            <a:pPr lvl="1"/>
+            <a:r>
+              <a:rPr lang="en-US" dirty="0"/>
+              <a:t>CUT &amp; RUN</a:t>
+            </a:r>
+          </a:p>
+        </p:txBody>
+      </p:sp>
+      <p:sp>
+        <p:nvSpPr>
+          <p:cNvPr id="12" name="Rectangle 11">
+            <a:extLst>
+              <a:ext uri="{FF2B5EF4-FFF2-40B4-BE49-F238E27FC236}">
+                <a16:creationId xmlns:a16="http://schemas.microsoft.com/office/drawing/2014/main" id="{41703C8E-6899-4375-84CF-C8C1E6EAA584}"/>
+              </a:ext>
+            </a:extLst>
+          </p:cNvPr>
+          <p:cNvSpPr/>
+          <p:nvPr/>
+        </p:nvSpPr>
+        <p:spPr>
+          <a:xfrm>
+            <a:off x="10699793" y="3734965"/>
+            <a:ext cx="1507913" cy="369332"/>
+          </a:xfrm>
+          <a:prstGeom prst="rect">
+            <a:avLst/>
+          </a:prstGeom>
+        </p:spPr>
+        <p:txBody>
+          <a:bodyPr wrap="none">
+            <a:spAutoFit/>
+          </a:bodyPr>
+          <a:lstStyle/>
+          <a:p>
+            <a:pPr lvl="1"/>
+            <a:r>
+              <a:rPr lang="en-US" dirty="0"/>
+              <a:t>ATAC-seq</a:t>
+            </a:r>
+          </a:p>
+        </p:txBody>
+      </p:sp>
+      <p:sp>
+        <p:nvSpPr>
+          <p:cNvPr id="13" name="Rectangle 12">
+            <a:extLst>
+              <a:ext uri="{FF2B5EF4-FFF2-40B4-BE49-F238E27FC236}">
+                <a16:creationId xmlns:a16="http://schemas.microsoft.com/office/drawing/2014/main" id="{5202B4B3-DB1B-4413-BBE8-081DF0AD69BB}"/>
+              </a:ext>
+            </a:extLst>
+          </p:cNvPr>
+          <p:cNvSpPr/>
+          <p:nvPr/>
+        </p:nvSpPr>
+        <p:spPr>
+          <a:xfrm>
+            <a:off x="4281087" y="1130309"/>
+            <a:ext cx="1465466" cy="369332"/>
+          </a:xfrm>
+          <a:prstGeom prst="rect">
+            <a:avLst/>
+          </a:prstGeom>
+        </p:spPr>
+        <p:txBody>
+          <a:bodyPr wrap="none">
+            <a:spAutoFit/>
+          </a:bodyPr>
+          <a:lstStyle/>
+          <a:p>
+            <a:pPr lvl="1"/>
+            <a:r>
+              <a:rPr lang="en-US" dirty="0" err="1"/>
+              <a:t>ChIP</a:t>
+            </a:r>
+            <a:r>
+              <a:rPr lang="en-US" dirty="0"/>
+              <a:t>-seq</a:t>
+            </a:r>
+          </a:p>
+        </p:txBody>
+      </p:sp>
+      <p:sp>
+        <p:nvSpPr>
+          <p:cNvPr id="15" name="Rectangle 14">
+            <a:extLst>
+              <a:ext uri="{FF2B5EF4-FFF2-40B4-BE49-F238E27FC236}">
+                <a16:creationId xmlns:a16="http://schemas.microsoft.com/office/drawing/2014/main" id="{AEB158C7-0F65-41DC-96E6-9066492B7D5D}"/>
+              </a:ext>
+            </a:extLst>
+          </p:cNvPr>
+          <p:cNvSpPr/>
+          <p:nvPr/>
+        </p:nvSpPr>
+        <p:spPr>
+          <a:xfrm>
+            <a:off x="-254519" y="6192922"/>
+            <a:ext cx="4171848" cy="369332"/>
+          </a:xfrm>
+          <a:prstGeom prst="rect">
+            <a:avLst/>
+          </a:prstGeom>
+        </p:spPr>
+        <p:txBody>
+          <a:bodyPr wrap="none">
+            <a:spAutoFit/>
+          </a:bodyPr>
+          <a:lstStyle/>
+          <a:p>
+            <a:pPr lvl="2"/>
+            <a:r>
+              <a:rPr lang="en-US" dirty="0">
+                <a:hlinkClick r:id="rId5"/>
+              </a:rPr>
+              <a:t>https://hemtools.readthedocs.io</a:t>
+            </a:r>
+            <a:endParaRPr lang="en-US" dirty="0"/>
+          </a:p>
+        </p:txBody>
+      </p:sp>
+    </p:spTree>
+    <p:extLst>
+      <p:ext uri="{BB962C8B-B14F-4D97-AF65-F5344CB8AC3E}">
+        <p14:creationId xmlns:p14="http://schemas.microsoft.com/office/powerpoint/2010/main" val="984044736"/>
+      </p:ext>
+    </p:extLst>
+  </p:cSld>
+  <p:clrMapOvr>
+    <a:masterClrMapping/>
+  </p:clrMapOvr>
+</p:sld>
+</file>
+
+<file path=ppt/slides/slide20.xml><?xml version="1.0" encoding="utf-8"?>
 <p:sld xmlns:a="http://schemas.openxmlformats.org/drawingml/2006/main" xmlns:r="http://schemas.openxmlformats.org/officeDocument/2006/relationships" xmlns:p="http://schemas.openxmlformats.org/presentationml/2006/main">
   <p:cSld>
     <p:spTree>
@@ -5862,7 +8194,7 @@
 </p:sld>
 </file>
 
-<file path=ppt/slides/slide18.xml><?xml version="1.0" encoding="utf-8"?>
+<file path=ppt/slides/slide21.xml><?xml version="1.0" encoding="utf-8"?>
 <p:sld xmlns:a="http://schemas.openxmlformats.org/drawingml/2006/main" xmlns:r="http://schemas.openxmlformats.org/officeDocument/2006/relationships" xmlns:p="http://schemas.openxmlformats.org/presentationml/2006/main">
   <p:cSld>
     <p:spTree>
@@ -6100,7 +8432,7 @@
 </p:sld>
 </file>
 
-<file path=ppt/slides/slide19.xml><?xml version="1.0" encoding="utf-8"?>
+<file path=ppt/slides/slide22.xml><?xml version="1.0" encoding="utf-8"?>
 <p:sld xmlns:a="http://schemas.openxmlformats.org/drawingml/2006/main" xmlns:r="http://schemas.openxmlformats.org/officeDocument/2006/relationships" xmlns:p="http://schemas.openxmlformats.org/presentationml/2006/main">
   <p:cSld>
     <p:spTree>
@@ -6122,7 +8454,7 @@
           <p:cNvPr id="2" name="Title 1">
             <a:extLst>
               <a:ext uri="{FF2B5EF4-FFF2-40B4-BE49-F238E27FC236}">
-                <a16:creationId xmlns:a16="http://schemas.microsoft.com/office/drawing/2014/main" id="{80C7B5B1-17C4-41B9-B7CF-19BCC47A85D5}"/>
+                <a16:creationId xmlns:a16="http://schemas.microsoft.com/office/drawing/2014/main" id="{A23E269F-0EF7-4440-A536-FD6D79F7B7D9}"/>
               </a:ext>
             </a:extLst>
           </p:cNvPr>
@@ -6140,26 +8472,49 @@
           <a:p>
             <a:r>
               <a:rPr lang="en-US" dirty="0"/>
-              <a:t>Questionnaire</a:t>
-            </a:r>
-          </a:p>
-        </p:txBody>
-      </p:sp>
-      <p:pic>
-        <p:nvPicPr>
-          <p:cNvPr id="4" name="Content Placeholder 3">
-            <a:extLst>
-              <a:ext uri="{FF2B5EF4-FFF2-40B4-BE49-F238E27FC236}">
-                <a16:creationId xmlns:a16="http://schemas.microsoft.com/office/drawing/2014/main" id="{8F3FD6B1-4B9E-4C99-AAE6-981839139BF5}"/>
-              </a:ext>
-            </a:extLst>
-          </p:cNvPr>
-          <p:cNvPicPr>
-            <a:picLocks noGrp="1" noChangeAspect="1"/>
-          </p:cNvPicPr>
+              <a:t>Other functionalities</a:t>
+            </a:r>
+          </a:p>
+        </p:txBody>
+      </p:sp>
+      <p:sp>
+        <p:nvSpPr>
+          <p:cNvPr id="3" name="Content Placeholder 2">
+            <a:extLst>
+              <a:ext uri="{FF2B5EF4-FFF2-40B4-BE49-F238E27FC236}">
+                <a16:creationId xmlns:a16="http://schemas.microsoft.com/office/drawing/2014/main" id="{293B8006-460B-4BAE-89F2-F3C0219BC8F3}"/>
+              </a:ext>
+            </a:extLst>
+          </p:cNvPr>
+          <p:cNvSpPr>
+            <a:spLocks noGrp="1"/>
+          </p:cNvSpPr>
           <p:nvPr>
             <p:ph idx="1"/>
           </p:nvPr>
+        </p:nvSpPr>
+        <p:spPr/>
+        <p:txBody>
+          <a:bodyPr/>
+          <a:lstStyle/>
+          <a:p>
+            <a:endParaRPr lang="en-US"/>
+          </a:p>
+        </p:txBody>
+      </p:sp>
+      <p:pic>
+        <p:nvPicPr>
+          <p:cNvPr id="4" name="Picture 3">
+            <a:extLst>
+              <a:ext uri="{FF2B5EF4-FFF2-40B4-BE49-F238E27FC236}">
+                <a16:creationId xmlns:a16="http://schemas.microsoft.com/office/drawing/2014/main" id="{5FC9431A-0799-440C-A336-049C81318DF9}"/>
+              </a:ext>
+            </a:extLst>
+          </p:cNvPr>
+          <p:cNvPicPr>
+            <a:picLocks noChangeAspect="1"/>
+          </p:cNvPicPr>
+          <p:nvPr/>
         </p:nvPicPr>
         <p:blipFill>
           <a:blip r:embed="rId2"/>
@@ -6169,8 +8524,8 @@
         </p:blipFill>
         <p:spPr>
           <a:xfrm>
-            <a:off x="3678549" y="1430171"/>
-            <a:ext cx="5001659" cy="4695279"/>
+            <a:off x="637562" y="1433214"/>
+            <a:ext cx="8534400" cy="1647825"/>
           </a:xfrm>
           <a:prstGeom prst="rect">
             <a:avLst/>
@@ -6179,10 +8534,10 @@
       </p:pic>
       <p:pic>
         <p:nvPicPr>
-          <p:cNvPr id="5" name="Picture 4">
-            <a:extLst>
-              <a:ext uri="{FF2B5EF4-FFF2-40B4-BE49-F238E27FC236}">
-                <a16:creationId xmlns:a16="http://schemas.microsoft.com/office/drawing/2014/main" id="{98652CB3-9F55-43B6-B9ED-8E5760354EE4}"/>
+          <p:cNvPr id="6" name="Picture 5">
+            <a:extLst>
+              <a:ext uri="{FF2B5EF4-FFF2-40B4-BE49-F238E27FC236}">
+                <a16:creationId xmlns:a16="http://schemas.microsoft.com/office/drawing/2014/main" id="{0143DA0F-E24A-4E38-BC2F-0938EFEB5C2F}"/>
               </a:ext>
             </a:extLst>
           </p:cNvPr>
@@ -6199,55 +8554,78 @@
         </p:blipFill>
         <p:spPr>
           <a:xfrm>
-            <a:off x="3416998" y="5882093"/>
-            <a:ext cx="5568382" cy="845279"/>
+            <a:off x="580412" y="1913607"/>
+            <a:ext cx="8591550" cy="3286125"/>
           </a:xfrm>
           <a:prstGeom prst="rect">
             <a:avLst/>
           </a:prstGeom>
         </p:spPr>
       </p:pic>
-      <p:sp>
-        <p:nvSpPr>
-          <p:cNvPr id="6" name="Rectangle 5">
-            <a:extLst>
-              <a:ext uri="{FF2B5EF4-FFF2-40B4-BE49-F238E27FC236}">
-                <a16:creationId xmlns:a16="http://schemas.microsoft.com/office/drawing/2014/main" id="{FEFF0A69-9553-43F6-86A2-F9D065115146}"/>
-              </a:ext>
-            </a:extLst>
-          </p:cNvPr>
-          <p:cNvSpPr/>
+      <p:pic>
+        <p:nvPicPr>
+          <p:cNvPr id="7" name="Picture 6">
+            <a:extLst>
+              <a:ext uri="{FF2B5EF4-FFF2-40B4-BE49-F238E27FC236}">
+                <a16:creationId xmlns:a16="http://schemas.microsoft.com/office/drawing/2014/main" id="{07A7775C-11EC-48CE-A3FE-EA8A9D447C75}"/>
+              </a:ext>
+            </a:extLst>
+          </p:cNvPr>
+          <p:cNvPicPr>
+            <a:picLocks noChangeAspect="1"/>
+          </p:cNvPicPr>
           <p:nvPr/>
-        </p:nvSpPr>
-        <p:spPr>
-          <a:xfrm>
-            <a:off x="8578664" y="5381402"/>
-            <a:ext cx="3487024" cy="923330"/>
+        </p:nvPicPr>
+        <p:blipFill>
+          <a:blip r:embed="rId4"/>
+          <a:stretch>
+            <a:fillRect/>
+          </a:stretch>
+        </p:blipFill>
+        <p:spPr>
+          <a:xfrm>
+            <a:off x="637562" y="4309394"/>
+            <a:ext cx="8477250" cy="1362075"/>
           </a:xfrm>
           <a:prstGeom prst="rect">
             <a:avLst/>
           </a:prstGeom>
         </p:spPr>
-        <p:txBody>
-          <a:bodyPr wrap="square">
-            <a:spAutoFit/>
-          </a:bodyPr>
-          <a:lstStyle/>
-          <a:p>
-            <a:r>
-              <a:rPr lang="en-US" dirty="0">
-                <a:hlinkClick r:id="rId4"/>
-              </a:rPr>
-              <a:t>https://hemtools.readthedocs.io/en/latest/content/NGS_pipelines/tutorial.html#id4</a:t>
-            </a:r>
-            <a:endParaRPr lang="en-US" dirty="0"/>
-          </a:p>
-        </p:txBody>
-      </p:sp>
+      </p:pic>
+      <p:pic>
+        <p:nvPicPr>
+          <p:cNvPr id="5" name="Picture 4">
+            <a:extLst>
+              <a:ext uri="{FF2B5EF4-FFF2-40B4-BE49-F238E27FC236}">
+                <a16:creationId xmlns:a16="http://schemas.microsoft.com/office/drawing/2014/main" id="{A8A1D0EB-8453-4435-84A7-D9465DC94BE5}"/>
+              </a:ext>
+            </a:extLst>
+          </p:cNvPr>
+          <p:cNvPicPr>
+            <a:picLocks noChangeAspect="1"/>
+          </p:cNvPicPr>
+          <p:nvPr/>
+        </p:nvPicPr>
+        <p:blipFill>
+          <a:blip r:embed="rId5"/>
+          <a:stretch>
+            <a:fillRect/>
+          </a:stretch>
+        </p:blipFill>
+        <p:spPr>
+          <a:xfrm>
+            <a:off x="651849" y="5519738"/>
+            <a:ext cx="8448675" cy="1314450"/>
+          </a:xfrm>
+          <a:prstGeom prst="rect">
+            <a:avLst/>
+          </a:prstGeom>
+        </p:spPr>
+      </p:pic>
     </p:spTree>
     <p:extLst>
       <p:ext uri="{BB962C8B-B14F-4D97-AF65-F5344CB8AC3E}">
-        <p14:creationId xmlns:p14="http://schemas.microsoft.com/office/powerpoint/2010/main" val="3333764292"/>
+        <p14:creationId xmlns:p14="http://schemas.microsoft.com/office/powerpoint/2010/main" val="1460200645"/>
       </p:ext>
     </p:extLst>
   </p:cSld>
@@ -6257,7 +8635,7 @@
 </p:sld>
 </file>
 
-<file path=ppt/slides/slide2.xml><?xml version="1.0" encoding="utf-8"?>
+<file path=ppt/slides/slide23.xml><?xml version="1.0" encoding="utf-8"?>
 <p:sld xmlns:a="http://schemas.openxmlformats.org/drawingml/2006/main" xmlns:r="http://schemas.openxmlformats.org/officeDocument/2006/relationships" xmlns:p="http://schemas.openxmlformats.org/presentationml/2006/main">
   <p:cSld>
     <p:spTree>
@@ -6274,12 +8652,65 @@
           <a:chExt cx="0" cy="0"/>
         </a:xfrm>
       </p:grpSpPr>
+      <p:sp>
+        <p:nvSpPr>
+          <p:cNvPr id="2" name="Title 1">
+            <a:extLst>
+              <a:ext uri="{FF2B5EF4-FFF2-40B4-BE49-F238E27FC236}">
+                <a16:creationId xmlns:a16="http://schemas.microsoft.com/office/drawing/2014/main" id="{A23E269F-0EF7-4440-A536-FD6D79F7B7D9}"/>
+              </a:ext>
+            </a:extLst>
+          </p:cNvPr>
+          <p:cNvSpPr>
+            <a:spLocks noGrp="1"/>
+          </p:cNvSpPr>
+          <p:nvPr>
+            <p:ph type="title"/>
+          </p:nvPr>
+        </p:nvSpPr>
+        <p:spPr/>
+        <p:txBody>
+          <a:bodyPr/>
+          <a:lstStyle/>
+          <a:p>
+            <a:r>
+              <a:rPr lang="en-US" dirty="0"/>
+              <a:t>Other functionalities</a:t>
+            </a:r>
+          </a:p>
+        </p:txBody>
+      </p:sp>
+      <p:sp>
+        <p:nvSpPr>
+          <p:cNvPr id="3" name="Content Placeholder 2">
+            <a:extLst>
+              <a:ext uri="{FF2B5EF4-FFF2-40B4-BE49-F238E27FC236}">
+                <a16:creationId xmlns:a16="http://schemas.microsoft.com/office/drawing/2014/main" id="{293B8006-460B-4BAE-89F2-F3C0219BC8F3}"/>
+              </a:ext>
+            </a:extLst>
+          </p:cNvPr>
+          <p:cNvSpPr>
+            <a:spLocks noGrp="1"/>
+          </p:cNvSpPr>
+          <p:nvPr>
+            <p:ph idx="1"/>
+          </p:nvPr>
+        </p:nvSpPr>
+        <p:spPr/>
+        <p:txBody>
+          <a:bodyPr/>
+          <a:lstStyle/>
+          <a:p>
+            <a:endParaRPr lang="en-US"/>
+          </a:p>
+        </p:txBody>
+      </p:sp>
       <p:pic>
         <p:nvPicPr>
-          <p:cNvPr id="6" name="Picture 5" descr="A screenshot of a cell phone&#10;&#10;Description generated with high confidence">
-            <a:extLst>
-              <a:ext uri="{FF2B5EF4-FFF2-40B4-BE49-F238E27FC236}">
-                <a16:creationId xmlns:a16="http://schemas.microsoft.com/office/drawing/2014/main" id="{7429BC35-C978-4DFD-875C-F25B63CE7106}"/>
+          <p:cNvPr id="8" name="Picture 7">
+            <a:extLst>
+              <a:ext uri="{FF2B5EF4-FFF2-40B4-BE49-F238E27FC236}">
+                <a16:creationId xmlns:a16="http://schemas.microsoft.com/office/drawing/2014/main" id="{E2697C89-A435-4850-9847-9A65291B3696}"/>
               </a:ext>
             </a:extLst>
           </p:cNvPr>
@@ -6289,47 +8720,87 @@
           <p:nvPr/>
         </p:nvPicPr>
         <p:blipFill>
-          <a:blip r:embed="rId2">
-            <a:extLst>
-              <a:ext uri="{28A0092B-C50C-407E-A947-70E740481C1C}">
-                <a14:useLocalDpi xmlns:a14="http://schemas.microsoft.com/office/drawing/2010/main" val="0"/>
-              </a:ext>
-            </a:extLst>
-          </a:blip>
+          <a:blip r:embed="rId2"/>
           <a:stretch>
             <a:fillRect/>
           </a:stretch>
         </p:blipFill>
         <p:spPr>
           <a:xfrm>
-            <a:off x="8029862" y="3563936"/>
-            <a:ext cx="3124039" cy="3249000"/>
+            <a:off x="687898" y="1591243"/>
+            <a:ext cx="8534400" cy="2752725"/>
           </a:xfrm>
           <a:prstGeom prst="rect">
             <a:avLst/>
           </a:prstGeom>
-          <a:ln w="38100" cap="sq">
-            <a:solidFill>
-              <a:srgbClr val="000000"/>
-            </a:solidFill>
-            <a:prstDash val="solid"/>
-            <a:miter lim="800000"/>
-          </a:ln>
-          <a:effectLst>
-            <a:outerShdw blurRad="50800" dist="38100" dir="2700000" algn="tl" rotWithShape="0">
-              <a:srgbClr val="000000">
-                <a:alpha val="43000"/>
-              </a:srgbClr>
-            </a:outerShdw>
-          </a:effectLst>
         </p:spPr>
       </p:pic>
+      <p:pic>
+        <p:nvPicPr>
+          <p:cNvPr id="9" name="Picture 8">
+            <a:extLst>
+              <a:ext uri="{FF2B5EF4-FFF2-40B4-BE49-F238E27FC236}">
+                <a16:creationId xmlns:a16="http://schemas.microsoft.com/office/drawing/2014/main" id="{8B33BBED-49D5-4A4C-ADCB-D300F39C49F7}"/>
+              </a:ext>
+            </a:extLst>
+          </p:cNvPr>
+          <p:cNvPicPr>
+            <a:picLocks noChangeAspect="1"/>
+          </p:cNvPicPr>
+          <p:nvPr/>
+        </p:nvPicPr>
+        <p:blipFill>
+          <a:blip r:embed="rId3"/>
+          <a:stretch>
+            <a:fillRect/>
+          </a:stretch>
+        </p:blipFill>
+        <p:spPr>
+          <a:xfrm>
+            <a:off x="746621" y="2916806"/>
+            <a:ext cx="7592036" cy="3925760"/>
+          </a:xfrm>
+          <a:prstGeom prst="rect">
+            <a:avLst/>
+          </a:prstGeom>
+        </p:spPr>
+      </p:pic>
+    </p:spTree>
+    <p:extLst>
+      <p:ext uri="{BB962C8B-B14F-4D97-AF65-F5344CB8AC3E}">
+        <p14:creationId xmlns:p14="http://schemas.microsoft.com/office/powerpoint/2010/main" val="1895116316"/>
+      </p:ext>
+    </p:extLst>
+  </p:cSld>
+  <p:clrMapOvr>
+    <a:masterClrMapping/>
+  </p:clrMapOvr>
+</p:sld>
+</file>
+
+<file path=ppt/slides/slide24.xml><?xml version="1.0" encoding="utf-8"?>
+<p:sld xmlns:a="http://schemas.openxmlformats.org/drawingml/2006/main" xmlns:r="http://schemas.openxmlformats.org/officeDocument/2006/relationships" xmlns:p="http://schemas.openxmlformats.org/presentationml/2006/main">
+  <p:cSld>
+    <p:spTree>
+      <p:nvGrpSpPr>
+        <p:cNvPr id="1" name=""/>
+        <p:cNvGrpSpPr/>
+        <p:nvPr/>
+      </p:nvGrpSpPr>
+      <p:grpSpPr>
+        <a:xfrm>
+          <a:off x="0" y="0"/>
+          <a:ext cx="0" cy="0"/>
+          <a:chOff x="0" y="0"/>
+          <a:chExt cx="0" cy="0"/>
+        </a:xfrm>
+      </p:grpSpPr>
       <p:sp>
         <p:nvSpPr>
           <p:cNvPr id="2" name="Title 1">
             <a:extLst>
               <a:ext uri="{FF2B5EF4-FFF2-40B4-BE49-F238E27FC236}">
-                <a16:creationId xmlns:a16="http://schemas.microsoft.com/office/drawing/2014/main" id="{D8F610CE-BE7A-44A6-B054-D1D2AFFDF021}"/>
+                <a16:creationId xmlns:a16="http://schemas.microsoft.com/office/drawing/2014/main" id="{A23E269F-0EF7-4440-A536-FD6D79F7B7D9}"/>
               </a:ext>
             </a:extLst>
           </p:cNvPr>
@@ -6340,19 +8811,14 @@
             <p:ph type="title"/>
           </p:nvPr>
         </p:nvSpPr>
-        <p:spPr>
-          <a:xfrm>
-            <a:off x="838200" y="365125"/>
-            <a:ext cx="10515600" cy="1325563"/>
-          </a:xfrm>
-        </p:spPr>
+        <p:spPr/>
         <p:txBody>
           <a:bodyPr/>
           <a:lstStyle/>
           <a:p>
             <a:r>
               <a:rPr lang="en-US" dirty="0"/>
-              <a:t>Outline</a:t>
+              <a:t>Other functionalities</a:t>
             </a:r>
           </a:p>
         </p:txBody>
@@ -6362,7 +8828,7 @@
           <p:cNvPr id="3" name="Content Placeholder 2">
             <a:extLst>
               <a:ext uri="{FF2B5EF4-FFF2-40B4-BE49-F238E27FC236}">
-                <a16:creationId xmlns:a16="http://schemas.microsoft.com/office/drawing/2014/main" id="{5036624E-8899-4554-8B13-DBBDE6E3E18B}"/>
+                <a16:creationId xmlns:a16="http://schemas.microsoft.com/office/drawing/2014/main" id="{293B8006-460B-4BAE-89F2-F3C0219BC8F3}"/>
               </a:ext>
             </a:extLst>
           </p:cNvPr>
@@ -6373,75 +8839,21 @@
             <p:ph idx="1"/>
           </p:nvPr>
         </p:nvSpPr>
-        <p:spPr>
-          <a:xfrm>
-            <a:off x="838200" y="1825625"/>
-            <a:ext cx="10515600" cy="4351338"/>
-          </a:xfrm>
-        </p:spPr>
+        <p:spPr/>
         <p:txBody>
           <a:bodyPr/>
           <a:lstStyle/>
           <a:p>
-            <a:r>
-              <a:rPr lang="en-US" dirty="0"/>
-              <a:t>Software overview</a:t>
-            </a:r>
-          </a:p>
-          <a:p>
-            <a:r>
-              <a:rPr lang="en-US" dirty="0"/>
-              <a:t>Examples</a:t>
-            </a:r>
-          </a:p>
-          <a:p>
-            <a:pPr lvl="1"/>
-            <a:r>
-              <a:rPr lang="en-US" dirty="0"/>
-              <a:t>ATAC-seq</a:t>
-            </a:r>
-          </a:p>
-          <a:p>
-            <a:pPr lvl="1"/>
-            <a:r>
-              <a:rPr lang="en-US" dirty="0" err="1"/>
-              <a:t>ChIP</a:t>
-            </a:r>
-            <a:r>
-              <a:rPr lang="en-US" dirty="0"/>
-              <a:t>-seq</a:t>
-            </a:r>
-          </a:p>
-          <a:p>
-            <a:pPr lvl="1"/>
-            <a:r>
-              <a:rPr lang="en-US" dirty="0"/>
-              <a:t>CUT &amp; RUN</a:t>
-            </a:r>
-          </a:p>
-          <a:p>
-            <a:r>
-              <a:rPr lang="en-US" dirty="0"/>
-              <a:t>General principles</a:t>
-            </a:r>
-          </a:p>
-          <a:p>
-            <a:r>
-              <a:rPr lang="en-US" dirty="0"/>
-              <a:t>Questionnaire</a:t>
-            </a:r>
-          </a:p>
-          <a:p>
-            <a:endParaRPr lang="en-US" dirty="0"/>
+            <a:endParaRPr lang="en-US"/>
           </a:p>
         </p:txBody>
       </p:sp>
       <p:pic>
         <p:nvPicPr>
-          <p:cNvPr id="8" name="Picture 7">
-            <a:extLst>
-              <a:ext uri="{FF2B5EF4-FFF2-40B4-BE49-F238E27FC236}">
-                <a16:creationId xmlns:a16="http://schemas.microsoft.com/office/drawing/2014/main" id="{493AAE56-F30E-4CA1-A347-5DBB2856B69D}"/>
+          <p:cNvPr id="4" name="Picture 3">
+            <a:extLst>
+              <a:ext uri="{FF2B5EF4-FFF2-40B4-BE49-F238E27FC236}">
+                <a16:creationId xmlns:a16="http://schemas.microsoft.com/office/drawing/2014/main" id="{D411523F-9F57-4E7A-81D0-50E6266530B1}"/>
               </a:ext>
             </a:extLst>
           </p:cNvPr>
@@ -6451,47 +8863,27 @@
           <p:nvPr/>
         </p:nvPicPr>
         <p:blipFill>
-          <a:blip r:embed="rId3">
-            <a:extLst>
-              <a:ext uri="{28A0092B-C50C-407E-A947-70E740481C1C}">
-                <a14:useLocalDpi xmlns:a14="http://schemas.microsoft.com/office/drawing/2010/main" val="0"/>
-              </a:ext>
-            </a:extLst>
-          </a:blip>
+          <a:blip r:embed="rId2"/>
           <a:stretch>
             <a:fillRect/>
           </a:stretch>
         </p:blipFill>
         <p:spPr>
           <a:xfrm>
-            <a:off x="4524115" y="105697"/>
-            <a:ext cx="2943871" cy="6646605"/>
+            <a:off x="709656" y="1556900"/>
+            <a:ext cx="8591550" cy="1781175"/>
           </a:xfrm>
           <a:prstGeom prst="rect">
             <a:avLst/>
           </a:prstGeom>
-          <a:ln w="38100" cap="sq">
-            <a:solidFill>
-              <a:srgbClr val="000000"/>
-            </a:solidFill>
-            <a:prstDash val="solid"/>
-            <a:miter lim="800000"/>
-          </a:ln>
-          <a:effectLst>
-            <a:outerShdw blurRad="50800" dist="38100" dir="2700000" algn="tl" rotWithShape="0">
-              <a:srgbClr val="000000">
-                <a:alpha val="43000"/>
-              </a:srgbClr>
-            </a:outerShdw>
-          </a:effectLst>
         </p:spPr>
       </p:pic>
       <p:pic>
         <p:nvPicPr>
-          <p:cNvPr id="10" name="Picture 9">
-            <a:extLst>
-              <a:ext uri="{FF2B5EF4-FFF2-40B4-BE49-F238E27FC236}">
-                <a16:creationId xmlns:a16="http://schemas.microsoft.com/office/drawing/2014/main" id="{9EFC7C57-305E-45AC-B225-DB9C1B52394E}"/>
+          <p:cNvPr id="5" name="Picture 4">
+            <a:extLst>
+              <a:ext uri="{FF2B5EF4-FFF2-40B4-BE49-F238E27FC236}">
+                <a16:creationId xmlns:a16="http://schemas.microsoft.com/office/drawing/2014/main" id="{20D1EAD9-EF36-4445-9038-9A6392EFF25A}"/>
               </a:ext>
             </a:extLst>
           </p:cNvPr>
@@ -6501,154 +8893,302 @@
           <p:nvPr/>
         </p:nvPicPr>
         <p:blipFill>
-          <a:blip r:embed="rId4">
-            <a:extLst>
-              <a:ext uri="{28A0092B-C50C-407E-A947-70E740481C1C}">
-                <a14:useLocalDpi xmlns:a14="http://schemas.microsoft.com/office/drawing/2010/main" val="0"/>
-              </a:ext>
-            </a:extLst>
-          </a:blip>
+          <a:blip r:embed="rId3"/>
           <a:stretch>
             <a:fillRect/>
           </a:stretch>
         </p:blipFill>
         <p:spPr>
           <a:xfrm>
-            <a:off x="8074772" y="81255"/>
-            <a:ext cx="2713470" cy="3347744"/>
+            <a:off x="97045" y="3429000"/>
+            <a:ext cx="5131870" cy="2410249"/>
           </a:xfrm>
           <a:prstGeom prst="rect">
             <a:avLst/>
           </a:prstGeom>
-          <a:ln w="38100" cap="sq">
-            <a:solidFill>
-              <a:srgbClr val="000000"/>
-            </a:solidFill>
-            <a:prstDash val="solid"/>
-            <a:miter lim="800000"/>
-          </a:ln>
-          <a:effectLst>
-            <a:outerShdw blurRad="50800" dist="38100" dir="2700000" algn="tl" rotWithShape="0">
-              <a:srgbClr val="000000">
-                <a:alpha val="43000"/>
-              </a:srgbClr>
-            </a:outerShdw>
-          </a:effectLst>
         </p:spPr>
       </p:pic>
-      <p:sp>
-        <p:nvSpPr>
-          <p:cNvPr id="11" name="Rectangle 10">
-            <a:extLst>
-              <a:ext uri="{FF2B5EF4-FFF2-40B4-BE49-F238E27FC236}">
-                <a16:creationId xmlns:a16="http://schemas.microsoft.com/office/drawing/2014/main" id="{03831D85-E99B-4D71-9B42-B70DA4CD04CD}"/>
-              </a:ext>
-            </a:extLst>
-          </p:cNvPr>
-          <p:cNvSpPr/>
+      <p:pic>
+        <p:nvPicPr>
+          <p:cNvPr id="6" name="Picture 5">
+            <a:extLst>
+              <a:ext uri="{FF2B5EF4-FFF2-40B4-BE49-F238E27FC236}">
+                <a16:creationId xmlns:a16="http://schemas.microsoft.com/office/drawing/2014/main" id="{46DD66C7-8ADD-483D-81A3-3267D0ABEEF3}"/>
+              </a:ext>
+            </a:extLst>
+          </p:cNvPr>
+          <p:cNvPicPr>
+            <a:picLocks noChangeAspect="1"/>
+          </p:cNvPicPr>
           <p:nvPr/>
-        </p:nvSpPr>
-        <p:spPr>
-          <a:xfrm>
-            <a:off x="10389874" y="105697"/>
-            <a:ext cx="1713931" cy="369332"/>
+        </p:nvPicPr>
+        <p:blipFill>
+          <a:blip r:embed="rId4"/>
+          <a:stretch>
+            <a:fillRect/>
+          </a:stretch>
+        </p:blipFill>
+        <p:spPr>
+          <a:xfrm>
+            <a:off x="3036165" y="3582124"/>
+            <a:ext cx="5655928" cy="1826915"/>
           </a:xfrm>
           <a:prstGeom prst="rect">
             <a:avLst/>
           </a:prstGeom>
         </p:spPr>
-        <p:txBody>
-          <a:bodyPr wrap="none">
-            <a:spAutoFit/>
-          </a:bodyPr>
-          <a:lstStyle/>
-          <a:p>
-            <a:pPr lvl="1"/>
-            <a:r>
-              <a:rPr lang="en-US" dirty="0"/>
-              <a:t>CUT &amp; RUN</a:t>
-            </a:r>
-          </a:p>
-        </p:txBody>
-      </p:sp>
-      <p:sp>
-        <p:nvSpPr>
-          <p:cNvPr id="12" name="Rectangle 11">
-            <a:extLst>
-              <a:ext uri="{FF2B5EF4-FFF2-40B4-BE49-F238E27FC236}">
-                <a16:creationId xmlns:a16="http://schemas.microsoft.com/office/drawing/2014/main" id="{41703C8E-6899-4375-84CF-C8C1E6EAA584}"/>
-              </a:ext>
-            </a:extLst>
-          </p:cNvPr>
-          <p:cNvSpPr/>
+      </p:pic>
+      <p:pic>
+        <p:nvPicPr>
+          <p:cNvPr id="7" name="Picture 6">
+            <a:extLst>
+              <a:ext uri="{FF2B5EF4-FFF2-40B4-BE49-F238E27FC236}">
+                <a16:creationId xmlns:a16="http://schemas.microsoft.com/office/drawing/2014/main" id="{8C3ED0E7-AE0F-4C0B-AA96-45A48DDCF001}"/>
+              </a:ext>
+            </a:extLst>
+          </p:cNvPr>
+          <p:cNvPicPr>
+            <a:picLocks noChangeAspect="1"/>
+          </p:cNvPicPr>
           <p:nvPr/>
-        </p:nvSpPr>
-        <p:spPr>
-          <a:xfrm>
-            <a:off x="10699793" y="3734965"/>
-            <a:ext cx="1507913" cy="369332"/>
+        </p:nvPicPr>
+        <p:blipFill>
+          <a:blip r:embed="rId5"/>
+          <a:stretch>
+            <a:fillRect/>
+          </a:stretch>
+        </p:blipFill>
+        <p:spPr>
+          <a:xfrm>
+            <a:off x="4718282" y="4028115"/>
+            <a:ext cx="5793123" cy="1924473"/>
           </a:xfrm>
           <a:prstGeom prst="rect">
             <a:avLst/>
           </a:prstGeom>
         </p:spPr>
-        <p:txBody>
-          <a:bodyPr wrap="none">
-            <a:spAutoFit/>
-          </a:bodyPr>
-          <a:lstStyle/>
-          <a:p>
-            <a:pPr lvl="1"/>
-            <a:r>
-              <a:rPr lang="en-US" dirty="0"/>
-              <a:t>ATAC-seq</a:t>
-            </a:r>
-          </a:p>
-        </p:txBody>
-      </p:sp>
-      <p:sp>
-        <p:nvSpPr>
-          <p:cNvPr id="13" name="Rectangle 12">
-            <a:extLst>
-              <a:ext uri="{FF2B5EF4-FFF2-40B4-BE49-F238E27FC236}">
-                <a16:creationId xmlns:a16="http://schemas.microsoft.com/office/drawing/2014/main" id="{5202B4B3-DB1B-4413-BBE8-081DF0AD69BB}"/>
-              </a:ext>
-            </a:extLst>
-          </p:cNvPr>
-          <p:cNvSpPr/>
+      </p:pic>
+      <p:pic>
+        <p:nvPicPr>
+          <p:cNvPr id="10" name="Picture 9">
+            <a:extLst>
+              <a:ext uri="{FF2B5EF4-FFF2-40B4-BE49-F238E27FC236}">
+                <a16:creationId xmlns:a16="http://schemas.microsoft.com/office/drawing/2014/main" id="{1EEF1E8D-8306-44B6-8B59-DAB45A72CA9D}"/>
+              </a:ext>
+            </a:extLst>
+          </p:cNvPr>
+          <p:cNvPicPr>
+            <a:picLocks noChangeAspect="1"/>
+          </p:cNvPicPr>
           <p:nvPr/>
-        </p:nvSpPr>
-        <p:spPr>
-          <a:xfrm>
-            <a:off x="4281087" y="1130309"/>
-            <a:ext cx="1465466" cy="369332"/>
+        </p:nvPicPr>
+        <p:blipFill>
+          <a:blip r:embed="rId6"/>
+          <a:stretch>
+            <a:fillRect/>
+          </a:stretch>
+        </p:blipFill>
+        <p:spPr>
+          <a:xfrm>
+            <a:off x="6233507" y="4595300"/>
+            <a:ext cx="5793123" cy="1878674"/>
           </a:xfrm>
           <a:prstGeom prst="rect">
             <a:avLst/>
           </a:prstGeom>
         </p:spPr>
-        <p:txBody>
-          <a:bodyPr wrap="none">
-            <a:spAutoFit/>
-          </a:bodyPr>
-          <a:lstStyle/>
-          <a:p>
-            <a:pPr lvl="1"/>
-            <a:r>
-              <a:rPr lang="en-US" dirty="0" err="1"/>
-              <a:t>ChIP</a:t>
-            </a:r>
-            <a:r>
-              <a:rPr lang="en-US" dirty="0"/>
-              <a:t>-seq</a:t>
-            </a:r>
-          </a:p>
-        </p:txBody>
-      </p:sp>
+      </p:pic>
+      <p:pic>
+        <p:nvPicPr>
+          <p:cNvPr id="11" name="Picture 10">
+            <a:extLst>
+              <a:ext uri="{FF2B5EF4-FFF2-40B4-BE49-F238E27FC236}">
+                <a16:creationId xmlns:a16="http://schemas.microsoft.com/office/drawing/2014/main" id="{9205CEC4-F8AD-4241-97A3-72A80FB16A59}"/>
+              </a:ext>
+            </a:extLst>
+          </p:cNvPr>
+          <p:cNvPicPr>
+            <a:picLocks noChangeAspect="1"/>
+          </p:cNvPicPr>
+          <p:nvPr/>
+        </p:nvPicPr>
+        <p:blipFill>
+          <a:blip r:embed="rId7"/>
+          <a:stretch>
+            <a:fillRect/>
+          </a:stretch>
+        </p:blipFill>
+        <p:spPr>
+          <a:xfrm>
+            <a:off x="498926" y="4931865"/>
+            <a:ext cx="5597074" cy="1962926"/>
+          </a:xfrm>
+          <a:prstGeom prst="rect">
+            <a:avLst/>
+          </a:prstGeom>
+        </p:spPr>
+      </p:pic>
     </p:spTree>
     <p:extLst>
       <p:ext uri="{BB962C8B-B14F-4D97-AF65-F5344CB8AC3E}">
-        <p14:creationId xmlns:p14="http://schemas.microsoft.com/office/powerpoint/2010/main" val="984044736"/>
+        <p14:creationId xmlns:p14="http://schemas.microsoft.com/office/powerpoint/2010/main" val="1678320733"/>
+      </p:ext>
+    </p:extLst>
+  </p:cSld>
+  <p:clrMapOvr>
+    <a:masterClrMapping/>
+  </p:clrMapOvr>
+</p:sld>
+</file>
+
+<file path=ppt/slides/slide25.xml><?xml version="1.0" encoding="utf-8"?>
+<p:sld xmlns:a="http://schemas.openxmlformats.org/drawingml/2006/main" xmlns:r="http://schemas.openxmlformats.org/officeDocument/2006/relationships" xmlns:p="http://schemas.openxmlformats.org/presentationml/2006/main">
+  <p:cSld>
+    <p:spTree>
+      <p:nvGrpSpPr>
+        <p:cNvPr id="1" name=""/>
+        <p:cNvGrpSpPr/>
+        <p:nvPr/>
+      </p:nvGrpSpPr>
+      <p:grpSpPr>
+        <a:xfrm>
+          <a:off x="0" y="0"/>
+          <a:ext cx="0" cy="0"/>
+          <a:chOff x="0" y="0"/>
+          <a:chExt cx="0" cy="0"/>
+        </a:xfrm>
+      </p:grpSpPr>
+      <p:sp>
+        <p:nvSpPr>
+          <p:cNvPr id="2" name="Title 1">
+            <a:extLst>
+              <a:ext uri="{FF2B5EF4-FFF2-40B4-BE49-F238E27FC236}">
+                <a16:creationId xmlns:a16="http://schemas.microsoft.com/office/drawing/2014/main" id="{80C7B5B1-17C4-41B9-B7CF-19BCC47A85D5}"/>
+              </a:ext>
+            </a:extLst>
+          </p:cNvPr>
+          <p:cNvSpPr>
+            <a:spLocks noGrp="1"/>
+          </p:cNvSpPr>
+          <p:nvPr>
+            <p:ph type="title"/>
+          </p:nvPr>
+        </p:nvSpPr>
+        <p:spPr/>
+        <p:txBody>
+          <a:bodyPr/>
+          <a:lstStyle/>
+          <a:p>
+            <a:r>
+              <a:rPr lang="en-US" dirty="0"/>
+              <a:t>Questionnaire</a:t>
+            </a:r>
+          </a:p>
+        </p:txBody>
+      </p:sp>
+      <p:pic>
+        <p:nvPicPr>
+          <p:cNvPr id="4" name="Content Placeholder 3">
+            <a:extLst>
+              <a:ext uri="{FF2B5EF4-FFF2-40B4-BE49-F238E27FC236}">
+                <a16:creationId xmlns:a16="http://schemas.microsoft.com/office/drawing/2014/main" id="{8F3FD6B1-4B9E-4C99-AAE6-981839139BF5}"/>
+              </a:ext>
+            </a:extLst>
+          </p:cNvPr>
+          <p:cNvPicPr>
+            <a:picLocks noGrp="1" noChangeAspect="1"/>
+          </p:cNvPicPr>
+          <p:nvPr>
+            <p:ph idx="1"/>
+          </p:nvPr>
+        </p:nvPicPr>
+        <p:blipFill>
+          <a:blip r:embed="rId2"/>
+          <a:stretch>
+            <a:fillRect/>
+          </a:stretch>
+        </p:blipFill>
+        <p:spPr>
+          <a:xfrm>
+            <a:off x="3678549" y="1430171"/>
+            <a:ext cx="5001659" cy="4695279"/>
+          </a:xfrm>
+          <a:prstGeom prst="rect">
+            <a:avLst/>
+          </a:prstGeom>
+        </p:spPr>
+      </p:pic>
+      <p:pic>
+        <p:nvPicPr>
+          <p:cNvPr id="5" name="Picture 4">
+            <a:extLst>
+              <a:ext uri="{FF2B5EF4-FFF2-40B4-BE49-F238E27FC236}">
+                <a16:creationId xmlns:a16="http://schemas.microsoft.com/office/drawing/2014/main" id="{98652CB3-9F55-43B6-B9ED-8E5760354EE4}"/>
+              </a:ext>
+            </a:extLst>
+          </p:cNvPr>
+          <p:cNvPicPr>
+            <a:picLocks noChangeAspect="1"/>
+          </p:cNvPicPr>
+          <p:nvPr/>
+        </p:nvPicPr>
+        <p:blipFill>
+          <a:blip r:embed="rId3"/>
+          <a:stretch>
+            <a:fillRect/>
+          </a:stretch>
+        </p:blipFill>
+        <p:spPr>
+          <a:xfrm>
+            <a:off x="3416998" y="5882093"/>
+            <a:ext cx="5568382" cy="845279"/>
+          </a:xfrm>
+          <a:prstGeom prst="rect">
+            <a:avLst/>
+          </a:prstGeom>
+        </p:spPr>
+      </p:pic>
+      <p:sp>
+        <p:nvSpPr>
+          <p:cNvPr id="6" name="Rectangle 5">
+            <a:extLst>
+              <a:ext uri="{FF2B5EF4-FFF2-40B4-BE49-F238E27FC236}">
+                <a16:creationId xmlns:a16="http://schemas.microsoft.com/office/drawing/2014/main" id="{FEFF0A69-9553-43F6-86A2-F9D065115146}"/>
+              </a:ext>
+            </a:extLst>
+          </p:cNvPr>
+          <p:cNvSpPr/>
+          <p:nvPr/>
+        </p:nvSpPr>
+        <p:spPr>
+          <a:xfrm>
+            <a:off x="8578664" y="5381402"/>
+            <a:ext cx="3487024" cy="923330"/>
+          </a:xfrm>
+          <a:prstGeom prst="rect">
+            <a:avLst/>
+          </a:prstGeom>
+        </p:spPr>
+        <p:txBody>
+          <a:bodyPr wrap="square">
+            <a:spAutoFit/>
+          </a:bodyPr>
+          <a:lstStyle/>
+          <a:p>
+            <a:r>
+              <a:rPr lang="en-US" dirty="0">
+                <a:hlinkClick r:id="rId4"/>
+              </a:rPr>
+              <a:t>https://hemtools.readthedocs.io/en/latest/content/NGS_pipelines/tutorial.html#id4</a:t>
+            </a:r>
+            <a:endParaRPr lang="en-US" dirty="0"/>
+          </a:p>
+        </p:txBody>
+      </p:sp>
+    </p:spTree>
+    <p:extLst>
+      <p:ext uri="{BB962C8B-B14F-4D97-AF65-F5344CB8AC3E}">
+        <p14:creationId xmlns:p14="http://schemas.microsoft.com/office/powerpoint/2010/main" val="3333764292"/>
       </p:ext>
     </p:extLst>
   </p:cSld>
@@ -6675,12 +9215,86 @@
           <a:chExt cx="0" cy="0"/>
         </a:xfrm>
       </p:grpSpPr>
+      <p:sp>
+        <p:nvSpPr>
+          <p:cNvPr id="2" name="Title 1">
+            <a:extLst>
+              <a:ext uri="{FF2B5EF4-FFF2-40B4-BE49-F238E27FC236}">
+                <a16:creationId xmlns:a16="http://schemas.microsoft.com/office/drawing/2014/main" id="{7BCD65A1-C8C9-4466-9317-79343F78ABE5}"/>
+              </a:ext>
+            </a:extLst>
+          </p:cNvPr>
+          <p:cNvSpPr>
+            <a:spLocks noGrp="1"/>
+          </p:cNvSpPr>
+          <p:nvPr>
+            <p:ph type="title"/>
+          </p:nvPr>
+        </p:nvSpPr>
+        <p:spPr/>
+        <p:txBody>
+          <a:bodyPr/>
+          <a:lstStyle/>
+          <a:p>
+            <a:r>
+              <a:rPr lang="en-US" dirty="0"/>
+              <a:t>Software overview</a:t>
+            </a:r>
+          </a:p>
+        </p:txBody>
+      </p:sp>
+      <p:sp>
+        <p:nvSpPr>
+          <p:cNvPr id="3" name="Content Placeholder 2">
+            <a:extLst>
+              <a:ext uri="{FF2B5EF4-FFF2-40B4-BE49-F238E27FC236}">
+                <a16:creationId xmlns:a16="http://schemas.microsoft.com/office/drawing/2014/main" id="{CAFC10A0-D3EE-4689-A712-1066982A2B20}"/>
+              </a:ext>
+            </a:extLst>
+          </p:cNvPr>
+          <p:cNvSpPr>
+            <a:spLocks noGrp="1"/>
+          </p:cNvSpPr>
+          <p:nvPr>
+            <p:ph idx="1"/>
+          </p:nvPr>
+        </p:nvSpPr>
+        <p:spPr>
+          <a:xfrm>
+            <a:off x="326472" y="1690688"/>
+            <a:ext cx="10515600" cy="4351338"/>
+          </a:xfrm>
+        </p:spPr>
+        <p:txBody>
+          <a:bodyPr>
+            <a:normAutofit/>
+          </a:bodyPr>
+          <a:lstStyle/>
+          <a:p>
+            <a:r>
+              <a:rPr lang="en-US" dirty="0"/>
+              <a:t>Minimizing computation time</a:t>
+            </a:r>
+          </a:p>
+          <a:p>
+            <a:pPr lvl="1"/>
+            <a:endParaRPr lang="en-US" dirty="0"/>
+          </a:p>
+          <a:p>
+            <a:pPr lvl="1"/>
+            <a:endParaRPr lang="en-US" dirty="0"/>
+          </a:p>
+          <a:p>
+            <a:endParaRPr lang="en-US" dirty="0"/>
+          </a:p>
+        </p:txBody>
+      </p:sp>
       <p:pic>
         <p:nvPicPr>
-          <p:cNvPr id="6" name="Content Placeholder 10">
-            <a:extLst>
-              <a:ext uri="{FF2B5EF4-FFF2-40B4-BE49-F238E27FC236}">
-                <a16:creationId xmlns:a16="http://schemas.microsoft.com/office/drawing/2014/main" id="{B25E8274-5791-414B-88BB-53AED94BF6B8}"/>
+          <p:cNvPr id="7" name="Picture 6">
+            <a:extLst>
+              <a:ext uri="{FF2B5EF4-FFF2-40B4-BE49-F238E27FC236}">
+                <a16:creationId xmlns:a16="http://schemas.microsoft.com/office/drawing/2014/main" id="{26EF1E42-80D2-43A5-92BF-36BBA92D25B0}"/>
               </a:ext>
             </a:extLst>
           </p:cNvPr>
@@ -6695,9 +9309,6 @@
               <a:ext uri="{28A0092B-C50C-407E-A947-70E740481C1C}">
                 <a14:useLocalDpi xmlns:a14="http://schemas.microsoft.com/office/drawing/2010/main" val="0"/>
               </a:ext>
-              <a:ext uri="{96DAC541-7B7A-43D3-8B79-37D633B846F1}">
-                <asvg:svgBlip xmlns:asvg="http://schemas.microsoft.com/office/drawing/2016/SVG/main" r:embed="rId3"/>
-              </a:ext>
             </a:extLst>
           </a:blip>
           <a:stretch>
@@ -6706,155 +9317,8 @@
         </p:blipFill>
         <p:spPr>
           <a:xfrm>
-            <a:off x="20591" y="3659656"/>
-            <a:ext cx="12195876" cy="3707933"/>
-          </a:xfrm>
-          <a:prstGeom prst="rect">
-            <a:avLst/>
-          </a:prstGeom>
-        </p:spPr>
-      </p:pic>
-      <p:sp>
-        <p:nvSpPr>
-          <p:cNvPr id="2" name="Title 1">
-            <a:extLst>
-              <a:ext uri="{FF2B5EF4-FFF2-40B4-BE49-F238E27FC236}">
-                <a16:creationId xmlns:a16="http://schemas.microsoft.com/office/drawing/2014/main" id="{7BCD65A1-C8C9-4466-9317-79343F78ABE5}"/>
-              </a:ext>
-            </a:extLst>
-          </p:cNvPr>
-          <p:cNvSpPr>
-            <a:spLocks noGrp="1"/>
-          </p:cNvSpPr>
-          <p:nvPr>
-            <p:ph type="title"/>
-          </p:nvPr>
-        </p:nvSpPr>
-        <p:spPr/>
-        <p:txBody>
-          <a:bodyPr/>
-          <a:lstStyle/>
-          <a:p>
-            <a:r>
-              <a:rPr lang="en-US" dirty="0"/>
-              <a:t>Software overview</a:t>
-            </a:r>
-          </a:p>
-        </p:txBody>
-      </p:sp>
-      <p:sp>
-        <p:nvSpPr>
-          <p:cNvPr id="3" name="Content Placeholder 2">
-            <a:extLst>
-              <a:ext uri="{FF2B5EF4-FFF2-40B4-BE49-F238E27FC236}">
-                <a16:creationId xmlns:a16="http://schemas.microsoft.com/office/drawing/2014/main" id="{CAFC10A0-D3EE-4689-A712-1066982A2B20}"/>
-              </a:ext>
-            </a:extLst>
-          </p:cNvPr>
-          <p:cNvSpPr>
-            <a:spLocks noGrp="1"/>
-          </p:cNvSpPr>
-          <p:nvPr>
-            <p:ph idx="1"/>
-          </p:nvPr>
-        </p:nvSpPr>
-        <p:spPr>
-          <a:xfrm>
-            <a:off x="326472" y="1690688"/>
-            <a:ext cx="10515600" cy="4351338"/>
-          </a:xfrm>
-        </p:spPr>
-        <p:txBody>
-          <a:bodyPr>
-            <a:normAutofit/>
-          </a:bodyPr>
-          <a:lstStyle/>
-          <a:p>
-            <a:r>
-              <a:rPr lang="en-US" dirty="0"/>
-              <a:t>Minimizing computation time</a:t>
-            </a:r>
-          </a:p>
-          <a:p>
-            <a:pPr lvl="1"/>
-            <a:r>
-              <a:rPr lang="en-US" dirty="0"/>
-              <a:t>A tree of jobs</a:t>
-            </a:r>
-          </a:p>
-          <a:p>
-            <a:pPr lvl="1"/>
-            <a:endParaRPr lang="en-US" dirty="0"/>
-          </a:p>
-          <a:p>
-            <a:pPr lvl="1"/>
-            <a:endParaRPr lang="en-US" dirty="0"/>
-          </a:p>
-          <a:p>
-            <a:endParaRPr lang="en-US" dirty="0"/>
-          </a:p>
-        </p:txBody>
-      </p:sp>
-      <p:pic>
-        <p:nvPicPr>
-          <p:cNvPr id="7" name="Picture 6">
-            <a:extLst>
-              <a:ext uri="{FF2B5EF4-FFF2-40B4-BE49-F238E27FC236}">
-                <a16:creationId xmlns:a16="http://schemas.microsoft.com/office/drawing/2014/main" id="{26EF1E42-80D2-43A5-92BF-36BBA92D25B0}"/>
-              </a:ext>
-            </a:extLst>
-          </p:cNvPr>
-          <p:cNvPicPr>
-            <a:picLocks noChangeAspect="1"/>
-          </p:cNvPicPr>
-          <p:nvPr/>
-        </p:nvPicPr>
-        <p:blipFill>
-          <a:blip r:embed="rId4">
-            <a:extLst>
-              <a:ext uri="{28A0092B-C50C-407E-A947-70E740481C1C}">
-                <a14:useLocalDpi xmlns:a14="http://schemas.microsoft.com/office/drawing/2010/main" val="0"/>
-              </a:ext>
-            </a:extLst>
-          </a:blip>
-          <a:stretch>
-            <a:fillRect/>
-          </a:stretch>
-        </p:blipFill>
-        <p:spPr>
-          <a:xfrm>
-            <a:off x="5523809" y="1220852"/>
+            <a:off x="2512161" y="2680536"/>
             <a:ext cx="6517189" cy="3029975"/>
-          </a:xfrm>
-          <a:prstGeom prst="rect">
-            <a:avLst/>
-          </a:prstGeom>
-        </p:spPr>
-      </p:pic>
-      <p:pic>
-        <p:nvPicPr>
-          <p:cNvPr id="8" name="Content Placeholder 3">
-            <a:extLst>
-              <a:ext uri="{FF2B5EF4-FFF2-40B4-BE49-F238E27FC236}">
-                <a16:creationId xmlns:a16="http://schemas.microsoft.com/office/drawing/2014/main" id="{C248C636-3C56-4888-B43D-0C7744801B97}"/>
-              </a:ext>
-            </a:extLst>
-          </p:cNvPr>
-          <p:cNvPicPr>
-            <a:picLocks noChangeAspect="1"/>
-          </p:cNvPicPr>
-          <p:nvPr/>
-        </p:nvPicPr>
-        <p:blipFill>
-          <a:blip r:embed="rId5"/>
-          <a:stretch>
-            <a:fillRect/>
-          </a:stretch>
-        </p:blipFill>
-        <p:spPr>
-          <a:xfrm>
-            <a:off x="838200" y="2665988"/>
-            <a:ext cx="3812438" cy="1987335"/>
           </a:xfrm>
           <a:prstGeom prst="rect">
             <a:avLst/>
@@ -6891,6 +9355,45 @@
           <a:chExt cx="0" cy="0"/>
         </a:xfrm>
       </p:grpSpPr>
+      <p:pic>
+        <p:nvPicPr>
+          <p:cNvPr id="6" name="Content Placeholder 10">
+            <a:extLst>
+              <a:ext uri="{FF2B5EF4-FFF2-40B4-BE49-F238E27FC236}">
+                <a16:creationId xmlns:a16="http://schemas.microsoft.com/office/drawing/2014/main" id="{B25E8274-5791-414B-88BB-53AED94BF6B8}"/>
+              </a:ext>
+            </a:extLst>
+          </p:cNvPr>
+          <p:cNvPicPr>
+            <a:picLocks noChangeAspect="1"/>
+          </p:cNvPicPr>
+          <p:nvPr/>
+        </p:nvPicPr>
+        <p:blipFill>
+          <a:blip r:embed="rId2">
+            <a:extLst>
+              <a:ext uri="{28A0092B-C50C-407E-A947-70E740481C1C}">
+                <a14:useLocalDpi xmlns:a14="http://schemas.microsoft.com/office/drawing/2010/main" val="0"/>
+              </a:ext>
+              <a:ext uri="{96DAC541-7B7A-43D3-8B79-37D633B846F1}">
+                <asvg:svgBlip xmlns:asvg="http://schemas.microsoft.com/office/drawing/2016/SVG/main" r:embed="rId3"/>
+              </a:ext>
+            </a:extLst>
+          </a:blip>
+          <a:stretch>
+            <a:fillRect/>
+          </a:stretch>
+        </p:blipFill>
+        <p:spPr>
+          <a:xfrm>
+            <a:off x="45758" y="3688867"/>
+            <a:ext cx="12195876" cy="3707933"/>
+          </a:xfrm>
+          <a:prstGeom prst="rect">
+            <a:avLst/>
+          </a:prstGeom>
+        </p:spPr>
+      </p:pic>
       <p:sp>
         <p:nvSpPr>
           <p:cNvPr id="2" name="Title 1">
@@ -6948,51 +9451,16 @@
           <a:lstStyle/>
           <a:p>
             <a:r>
-              <a:rPr lang="en-US" dirty="0">
-                <a:solidFill>
-                  <a:schemeClr val="bg2">
-                    <a:lumMod val="75000"/>
-                  </a:schemeClr>
-                </a:solidFill>
-              </a:rPr>
+              <a:rPr lang="en-US" dirty="0"/>
               <a:t>Minimizing computation time</a:t>
             </a:r>
           </a:p>
           <a:p>
             <a:pPr lvl="1"/>
             <a:r>
-              <a:rPr lang="en-US" dirty="0">
-                <a:solidFill>
-                  <a:schemeClr val="bg2">
-                    <a:lumMod val="75000"/>
-                  </a:schemeClr>
-                </a:solidFill>
-              </a:rPr>
-              <a:t>A tree of sub-jobs</a:t>
-            </a:r>
-          </a:p>
-          <a:p>
-            <a:r>
               <a:rPr lang="en-US" dirty="0"/>
-              <a:t>Creating user-friendly interface</a:t>
-            </a:r>
-          </a:p>
-          <a:p>
-            <a:pPr lvl="1"/>
-            <a:r>
-              <a:rPr lang="en-US" dirty="0"/>
-              <a:t>Online documentation</a:t>
-            </a:r>
-          </a:p>
-          <a:p>
-            <a:pPr lvl="2"/>
-            <a:r>
-              <a:rPr lang="en-US" dirty="0">
-                <a:hlinkClick r:id="rId2"/>
-              </a:rPr>
-              <a:t>https://hemtools.readthedocs.io</a:t>
-            </a:r>
-            <a:endParaRPr lang="en-US" dirty="0"/>
+              <a:t>A tree of jobs</a:t>
+            </a:r>
           </a:p>
           <a:p>
             <a:pPr lvl="1"/>
@@ -7009,10 +9477,10 @@
       </p:sp>
       <p:pic>
         <p:nvPicPr>
-          <p:cNvPr id="6" name="Picture 5">
-            <a:extLst>
-              <a:ext uri="{FF2B5EF4-FFF2-40B4-BE49-F238E27FC236}">
-                <a16:creationId xmlns:a16="http://schemas.microsoft.com/office/drawing/2014/main" id="{C4BC0805-761C-48CC-9798-69B82DD7EE93}"/>
+          <p:cNvPr id="7" name="Picture 6">
+            <a:extLst>
+              <a:ext uri="{FF2B5EF4-FFF2-40B4-BE49-F238E27FC236}">
+                <a16:creationId xmlns:a16="http://schemas.microsoft.com/office/drawing/2014/main" id="{26EF1E42-80D2-43A5-92BF-36BBA92D25B0}"/>
               </a:ext>
             </a:extLst>
           </p:cNvPr>
@@ -7022,15 +9490,51 @@
           <p:nvPr/>
         </p:nvPicPr>
         <p:blipFill>
-          <a:blip r:embed="rId3"/>
+          <a:blip r:embed="rId4">
+            <a:extLst>
+              <a:ext uri="{28A0092B-C50C-407E-A947-70E740481C1C}">
+                <a14:useLocalDpi xmlns:a14="http://schemas.microsoft.com/office/drawing/2010/main" val="0"/>
+              </a:ext>
+            </a:extLst>
+          </a:blip>
           <a:stretch>
             <a:fillRect/>
           </a:stretch>
         </p:blipFill>
         <p:spPr>
           <a:xfrm>
-            <a:off x="5402510" y="1265999"/>
-            <a:ext cx="6604932" cy="4776027"/>
+            <a:off x="5523809" y="1220852"/>
+            <a:ext cx="6517189" cy="3029975"/>
+          </a:xfrm>
+          <a:prstGeom prst="rect">
+            <a:avLst/>
+          </a:prstGeom>
+        </p:spPr>
+      </p:pic>
+      <p:pic>
+        <p:nvPicPr>
+          <p:cNvPr id="8" name="Content Placeholder 3">
+            <a:extLst>
+              <a:ext uri="{FF2B5EF4-FFF2-40B4-BE49-F238E27FC236}">
+                <a16:creationId xmlns:a16="http://schemas.microsoft.com/office/drawing/2014/main" id="{C248C636-3C56-4888-B43D-0C7744801B97}"/>
+              </a:ext>
+            </a:extLst>
+          </p:cNvPr>
+          <p:cNvPicPr>
+            <a:picLocks noChangeAspect="1"/>
+          </p:cNvPicPr>
+          <p:nvPr/>
+        </p:nvPicPr>
+        <p:blipFill>
+          <a:blip r:embed="rId5"/>
+          <a:stretch>
+            <a:fillRect/>
+          </a:stretch>
+        </p:blipFill>
+        <p:spPr>
+          <a:xfrm>
+            <a:off x="838200" y="2665988"/>
+            <a:ext cx="3812438" cy="1987335"/>
           </a:xfrm>
           <a:prstGeom prst="rect">
             <a:avLst/>
@@ -7040,7 +9544,7 @@
     </p:spTree>
     <p:extLst>
       <p:ext uri="{BB962C8B-B14F-4D97-AF65-F5344CB8AC3E}">
-        <p14:creationId xmlns:p14="http://schemas.microsoft.com/office/powerpoint/2010/main" val="199578239"/>
+        <p14:creationId xmlns:p14="http://schemas.microsoft.com/office/powerpoint/2010/main" val="3796289330"/>
       </p:ext>
     </p:extLst>
   </p:cSld>
@@ -7172,30 +9676,23 @@
           </a:p>
           <a:p>
             <a:pPr lvl="1"/>
-            <a:r>
-              <a:rPr lang="en-US" dirty="0"/>
-              <a:t>Email notification system</a:t>
-            </a:r>
+            <a:endParaRPr lang="en-US" dirty="0"/>
           </a:p>
           <a:p>
             <a:pPr lvl="1"/>
             <a:endParaRPr lang="en-US" dirty="0"/>
           </a:p>
           <a:p>
-            <a:pPr lvl="1"/>
-            <a:endParaRPr lang="en-US" dirty="0"/>
-          </a:p>
-          <a:p>
             <a:endParaRPr lang="en-US" dirty="0"/>
           </a:p>
         </p:txBody>
       </p:sp>
       <p:pic>
         <p:nvPicPr>
-          <p:cNvPr id="5" name="Picture 4">
-            <a:extLst>
-              <a:ext uri="{FF2B5EF4-FFF2-40B4-BE49-F238E27FC236}">
-                <a16:creationId xmlns:a16="http://schemas.microsoft.com/office/drawing/2014/main" id="{45100F05-DBEB-4AF0-909C-6DC8BEBF016D}"/>
+          <p:cNvPr id="6" name="Picture 5">
+            <a:extLst>
+              <a:ext uri="{FF2B5EF4-FFF2-40B4-BE49-F238E27FC236}">
+                <a16:creationId xmlns:a16="http://schemas.microsoft.com/office/drawing/2014/main" id="{C4BC0805-761C-48CC-9798-69B82DD7EE93}"/>
               </a:ext>
             </a:extLst>
           </p:cNvPr>
@@ -7212,38 +9709,8 @@
         </p:blipFill>
         <p:spPr>
           <a:xfrm>
-            <a:off x="5468778" y="556051"/>
-            <a:ext cx="6952125" cy="4080958"/>
-          </a:xfrm>
-          <a:prstGeom prst="rect">
-            <a:avLst/>
-          </a:prstGeom>
-        </p:spPr>
-      </p:pic>
-      <p:pic>
-        <p:nvPicPr>
-          <p:cNvPr id="8" name="Picture 7">
-            <a:extLst>
-              <a:ext uri="{FF2B5EF4-FFF2-40B4-BE49-F238E27FC236}">
-                <a16:creationId xmlns:a16="http://schemas.microsoft.com/office/drawing/2014/main" id="{F5D3B9FA-0FEC-4092-AB4B-EB8C1D661241}"/>
-              </a:ext>
-            </a:extLst>
-          </p:cNvPr>
-          <p:cNvPicPr>
-            <a:picLocks noChangeAspect="1"/>
-          </p:cNvPicPr>
-          <p:nvPr/>
-        </p:nvPicPr>
-        <p:blipFill>
-          <a:blip r:embed="rId4"/>
-          <a:stretch>
-            <a:fillRect/>
-          </a:stretch>
-        </p:blipFill>
-        <p:spPr>
-          <a:xfrm>
-            <a:off x="6826477" y="2203414"/>
-            <a:ext cx="5365523" cy="3971540"/>
+            <a:off x="5402510" y="1265999"/>
+            <a:ext cx="6604932" cy="4776027"/>
           </a:xfrm>
           <a:prstGeom prst="rect">
             <a:avLst/>
@@ -7253,7 +9720,7 @@
     </p:spTree>
     <p:extLst>
       <p:ext uri="{BB962C8B-B14F-4D97-AF65-F5344CB8AC3E}">
-        <p14:creationId xmlns:p14="http://schemas.microsoft.com/office/powerpoint/2010/main" val="2244302008"/>
+        <p14:creationId xmlns:p14="http://schemas.microsoft.com/office/powerpoint/2010/main" val="199578239"/>
       </p:ext>
     </p:extLst>
   </p:cSld>
@@ -7392,30 +9859,23 @@
           </a:p>
           <a:p>
             <a:pPr lvl="1"/>
-            <a:r>
-              <a:rPr lang="en-US" dirty="0"/>
-              <a:t>Bug/Error notification system</a:t>
-            </a:r>
+            <a:endParaRPr lang="en-US" dirty="0"/>
           </a:p>
           <a:p>
             <a:pPr lvl="1"/>
             <a:endParaRPr lang="en-US" dirty="0"/>
           </a:p>
           <a:p>
-            <a:pPr lvl="1"/>
-            <a:endParaRPr lang="en-US" dirty="0"/>
-          </a:p>
-          <a:p>
             <a:endParaRPr lang="en-US" dirty="0"/>
           </a:p>
         </p:txBody>
       </p:sp>
       <p:pic>
         <p:nvPicPr>
-          <p:cNvPr id="4" name="Picture 3">
-            <a:extLst>
-              <a:ext uri="{FF2B5EF4-FFF2-40B4-BE49-F238E27FC236}">
-                <a16:creationId xmlns:a16="http://schemas.microsoft.com/office/drawing/2014/main" id="{27F20EA1-7E9A-4787-AC0F-CD5D6B971A50}"/>
+          <p:cNvPr id="5" name="Picture 4">
+            <a:extLst>
+              <a:ext uri="{FF2B5EF4-FFF2-40B4-BE49-F238E27FC236}">
+                <a16:creationId xmlns:a16="http://schemas.microsoft.com/office/drawing/2014/main" id="{45100F05-DBEB-4AF0-909C-6DC8BEBF016D}"/>
               </a:ext>
             </a:extLst>
           </p:cNvPr>
@@ -7432,8 +9892,8 @@
         </p:blipFill>
         <p:spPr>
           <a:xfrm>
-            <a:off x="5867204" y="2419529"/>
-            <a:ext cx="4829175" cy="3714750"/>
+            <a:off x="5468778" y="556051"/>
+            <a:ext cx="6952125" cy="4080958"/>
           </a:xfrm>
           <a:prstGeom prst="rect">
             <a:avLst/>
@@ -7442,10 +9902,10 @@
       </p:pic>
       <p:pic>
         <p:nvPicPr>
-          <p:cNvPr id="6" name="Picture 5">
-            <a:extLst>
-              <a:ext uri="{FF2B5EF4-FFF2-40B4-BE49-F238E27FC236}">
-                <a16:creationId xmlns:a16="http://schemas.microsoft.com/office/drawing/2014/main" id="{0C9BCE36-36EB-43F4-BCCB-2D8E1F8E5F35}"/>
+          <p:cNvPr id="8" name="Picture 7">
+            <a:extLst>
+              <a:ext uri="{FF2B5EF4-FFF2-40B4-BE49-F238E27FC236}">
+                <a16:creationId xmlns:a16="http://schemas.microsoft.com/office/drawing/2014/main" id="{F5D3B9FA-0FEC-4092-AB4B-EB8C1D661241}"/>
               </a:ext>
             </a:extLst>
           </p:cNvPr>
@@ -7462,8 +9922,8 @@
         </p:blipFill>
         <p:spPr>
           <a:xfrm>
-            <a:off x="5846318" y="977249"/>
-            <a:ext cx="5251618" cy="1426877"/>
+            <a:off x="6826477" y="2203414"/>
+            <a:ext cx="5365523" cy="3971540"/>
           </a:xfrm>
           <a:prstGeom prst="rect">
             <a:avLst/>
@@ -7473,7 +9933,7 @@
     </p:spTree>
     <p:extLst>
       <p:ext uri="{BB962C8B-B14F-4D97-AF65-F5344CB8AC3E}">
-        <p14:creationId xmlns:p14="http://schemas.microsoft.com/office/powerpoint/2010/main" val="969945745"/>
+        <p14:creationId xmlns:p14="http://schemas.microsoft.com/office/powerpoint/2010/main" val="2244302008"/>
       </p:ext>
     </p:extLst>
   </p:cSld>
@@ -7614,14 +10074,7 @@
             <a:pPr lvl="1"/>
             <a:r>
               <a:rPr lang="en-US" dirty="0"/>
-              <a:t>Bug/Error notification system</a:t>
-            </a:r>
-          </a:p>
-          <a:p>
-            <a:pPr lvl="1"/>
-            <a:r>
-              <a:rPr lang="en-US" dirty="0"/>
-              <a:t>Visually-appealing reports</a:t>
+              <a:t>Bug/Error reporting system</a:t>
             </a:r>
           </a:p>
           <a:p>
@@ -7639,10 +10092,10 @@
       </p:sp>
       <p:pic>
         <p:nvPicPr>
-          <p:cNvPr id="7" name="Picture 6">
-            <a:extLst>
-              <a:ext uri="{FF2B5EF4-FFF2-40B4-BE49-F238E27FC236}">
-                <a16:creationId xmlns:a16="http://schemas.microsoft.com/office/drawing/2014/main" id="{9B368544-13B5-4F45-B079-5A426A0DB9B7}"/>
+          <p:cNvPr id="4" name="Picture 3">
+            <a:extLst>
+              <a:ext uri="{FF2B5EF4-FFF2-40B4-BE49-F238E27FC236}">
+                <a16:creationId xmlns:a16="http://schemas.microsoft.com/office/drawing/2014/main" id="{27F20EA1-7E9A-4787-AC0F-CD5D6B971A50}"/>
               </a:ext>
             </a:extLst>
           </p:cNvPr>
@@ -7651,15 +10104,16 @@
           </p:cNvPicPr>
           <p:nvPr/>
         </p:nvPicPr>
-        <p:blipFill rotWithShape="1">
+        <p:blipFill>
           <a:blip r:embed="rId3"/>
-          <a:srcRect t="31912"/>
-          <a:stretch/>
+          <a:stretch>
+            <a:fillRect/>
+          </a:stretch>
         </p:blipFill>
         <p:spPr>
           <a:xfrm>
-            <a:off x="5539410" y="715"/>
-            <a:ext cx="5558526" cy="3476624"/>
+            <a:off x="5867204" y="2419529"/>
+            <a:ext cx="4829175" cy="3714750"/>
           </a:xfrm>
           <a:prstGeom prst="rect">
             <a:avLst/>
@@ -7668,10 +10122,10 @@
       </p:pic>
       <p:pic>
         <p:nvPicPr>
-          <p:cNvPr id="8" name="Picture 7">
-            <a:extLst>
-              <a:ext uri="{FF2B5EF4-FFF2-40B4-BE49-F238E27FC236}">
-                <a16:creationId xmlns:a16="http://schemas.microsoft.com/office/drawing/2014/main" id="{432E536E-EF4B-48A1-8A14-8991A9E6E7E2}"/>
+          <p:cNvPr id="6" name="Picture 5">
+            <a:extLst>
+              <a:ext uri="{FF2B5EF4-FFF2-40B4-BE49-F238E27FC236}">
+                <a16:creationId xmlns:a16="http://schemas.microsoft.com/office/drawing/2014/main" id="{0C9BCE36-36EB-43F4-BCCB-2D8E1F8E5F35}"/>
               </a:ext>
             </a:extLst>
           </p:cNvPr>
@@ -7688,115 +10142,18 @@
         </p:blipFill>
         <p:spPr>
           <a:xfrm>
-            <a:off x="5494002" y="2016087"/>
-            <a:ext cx="5649342" cy="2743596"/>
+            <a:off x="5846318" y="977249"/>
+            <a:ext cx="5251618" cy="1426877"/>
           </a:xfrm>
           <a:prstGeom prst="rect">
             <a:avLst/>
           </a:prstGeom>
         </p:spPr>
       </p:pic>
-      <p:pic>
-        <p:nvPicPr>
-          <p:cNvPr id="9" name="Picture 8">
-            <a:extLst>
-              <a:ext uri="{FF2B5EF4-FFF2-40B4-BE49-F238E27FC236}">
-                <a16:creationId xmlns:a16="http://schemas.microsoft.com/office/drawing/2014/main" id="{EDC9BACF-99C1-4CA6-8B6D-6657CBE5C8BB}"/>
-              </a:ext>
-            </a:extLst>
-          </p:cNvPr>
-          <p:cNvPicPr>
-            <a:picLocks noChangeAspect="1"/>
-          </p:cNvPicPr>
-          <p:nvPr/>
-        </p:nvPicPr>
-        <p:blipFill>
-          <a:blip r:embed="rId5"/>
-          <a:stretch>
-            <a:fillRect/>
-          </a:stretch>
-        </p:blipFill>
-        <p:spPr>
-          <a:xfrm>
-            <a:off x="5584272" y="4689344"/>
-            <a:ext cx="5649343" cy="2393901"/>
-          </a:xfrm>
-          <a:prstGeom prst="rect">
-            <a:avLst/>
-          </a:prstGeom>
-        </p:spPr>
-      </p:pic>
-      <p:pic>
-        <p:nvPicPr>
-          <p:cNvPr id="10" name="Picture 9">
-            <a:extLst>
-              <a:ext uri="{FF2B5EF4-FFF2-40B4-BE49-F238E27FC236}">
-                <a16:creationId xmlns:a16="http://schemas.microsoft.com/office/drawing/2014/main" id="{7BA515D5-7C97-4C7B-8015-9324BE905B2D}"/>
-              </a:ext>
-            </a:extLst>
-          </p:cNvPr>
-          <p:cNvPicPr>
-            <a:picLocks noChangeAspect="1"/>
-          </p:cNvPicPr>
-          <p:nvPr/>
-        </p:nvPicPr>
-        <p:blipFill>
-          <a:blip r:embed="rId6"/>
-          <a:stretch>
-            <a:fillRect/>
-          </a:stretch>
-        </p:blipFill>
-        <p:spPr>
-          <a:xfrm>
-            <a:off x="203007" y="5167312"/>
-            <a:ext cx="5034585" cy="2084164"/>
-          </a:xfrm>
-          <a:prstGeom prst="rect">
-            <a:avLst/>
-          </a:prstGeom>
-        </p:spPr>
-      </p:pic>
-      <p:sp>
-        <p:nvSpPr>
-          <p:cNvPr id="11" name="Rectangle 10">
-            <a:extLst>
-              <a:ext uri="{FF2B5EF4-FFF2-40B4-BE49-F238E27FC236}">
-                <a16:creationId xmlns:a16="http://schemas.microsoft.com/office/drawing/2014/main" id="{855D192C-F3E5-4DC9-AD3E-50220D1AE622}"/>
-              </a:ext>
-            </a:extLst>
-          </p:cNvPr>
-          <p:cNvSpPr/>
-          <p:nvPr/>
-        </p:nvSpPr>
-        <p:spPr>
-          <a:xfrm>
-            <a:off x="1349928" y="5371346"/>
-            <a:ext cx="3490058" cy="246221"/>
-          </a:xfrm>
-          <a:prstGeom prst="rect">
-            <a:avLst/>
-          </a:prstGeom>
-        </p:spPr>
-        <p:txBody>
-          <a:bodyPr wrap="none">
-            <a:spAutoFit/>
-          </a:bodyPr>
-          <a:lstStyle/>
-          <a:p>
-            <a:r>
-              <a:rPr lang="en-US" sz="1000" dirty="0">
-                <a:hlinkClick r:id="rId7"/>
-              </a:rPr>
-              <a:t>https://www.encodeproject.org/data-standards/terms/#library</a:t>
-            </a:r>
-            <a:endParaRPr lang="en-US" sz="1000" dirty="0"/>
-          </a:p>
-        </p:txBody>
-      </p:sp>
     </p:spTree>
     <p:extLst>
       <p:ext uri="{BB962C8B-B14F-4D97-AF65-F5344CB8AC3E}">
-        <p14:creationId xmlns:p14="http://schemas.microsoft.com/office/powerpoint/2010/main" val="4242791898"/>
+        <p14:creationId xmlns:p14="http://schemas.microsoft.com/office/powerpoint/2010/main" val="969945745"/>
       </p:ext>
     </p:extLst>
   </p:cSld>
@@ -7869,13 +10226,13 @@
         </p:nvSpPr>
         <p:spPr>
           <a:xfrm>
-            <a:off x="326472" y="1715855"/>
+            <a:off x="326472" y="1690688"/>
             <a:ext cx="10515600" cy="4351338"/>
           </a:xfrm>
         </p:spPr>
         <p:txBody>
           <a:bodyPr>
-            <a:normAutofit lnSpcReduction="10000"/>
+            <a:normAutofit/>
           </a:bodyPr>
           <a:lstStyle/>
           <a:p>
@@ -7905,113 +10262,46 @@
           </a:p>
           <a:p>
             <a:r>
+              <a:rPr lang="en-US" dirty="0"/>
+              <a:t>Creating user-friendly interface</a:t>
+            </a:r>
+          </a:p>
+          <a:p>
+            <a:pPr lvl="1"/>
+            <a:r>
+              <a:rPr lang="en-US" dirty="0"/>
+              <a:t>Online documentation</a:t>
+            </a:r>
+          </a:p>
+          <a:p>
+            <a:pPr lvl="2"/>
+            <a:r>
               <a:rPr lang="en-US" dirty="0">
-                <a:solidFill>
-                  <a:schemeClr val="bg2">
-                    <a:lumMod val="75000"/>
-                  </a:schemeClr>
-                </a:solidFill>
-              </a:rPr>
-              <a:t>Creating user-friendly interface</a:t>
-            </a:r>
+                <a:hlinkClick r:id="rId2"/>
+              </a:rPr>
+              <a:t>https://hemtools.readthedocs.io</a:t>
+            </a:r>
+            <a:endParaRPr lang="en-US" dirty="0"/>
           </a:p>
           <a:p>
             <a:pPr lvl="1"/>
             <a:r>
-              <a:rPr lang="en-US" dirty="0">
-                <a:solidFill>
-                  <a:schemeClr val="bg2">
-                    <a:lumMod val="75000"/>
-                  </a:schemeClr>
-                </a:solidFill>
-              </a:rPr>
-              <a:t>Online documentation</a:t>
-            </a:r>
-          </a:p>
-          <a:p>
-            <a:pPr lvl="2"/>
-            <a:r>
-              <a:rPr lang="en-US" dirty="0">
-                <a:solidFill>
-                  <a:schemeClr val="bg2">
-                    <a:lumMod val="75000"/>
-                  </a:schemeClr>
-                </a:solidFill>
-                <a:hlinkClick r:id="rId2">
-                  <a:extLst>
-                    <a:ext uri="{A12FA001-AC4F-418D-AE19-62706E023703}">
-                      <ahyp:hlinkClr xmlns:ahyp="http://schemas.microsoft.com/office/drawing/2018/hyperlinkcolor" val="tx"/>
-                    </a:ext>
-                  </a:extLst>
-                </a:hlinkClick>
-              </a:rPr>
-              <a:t>https://hemtools.readthedocs.io</a:t>
-            </a:r>
-            <a:endParaRPr lang="en-US" dirty="0">
-              <a:solidFill>
-                <a:schemeClr val="bg2">
-                  <a:lumMod val="75000"/>
-                </a:schemeClr>
-              </a:solidFill>
-            </a:endParaRPr>
+              <a:rPr lang="en-US" dirty="0"/>
+              <a:t>Email notification system</a:t>
+            </a:r>
           </a:p>
           <a:p>
             <a:pPr lvl="1"/>
             <a:r>
-              <a:rPr lang="en-US" dirty="0">
-                <a:solidFill>
-                  <a:schemeClr val="bg2">
-                    <a:lumMod val="75000"/>
-                  </a:schemeClr>
-                </a:solidFill>
-              </a:rPr>
-              <a:t>Email notification system</a:t>
+              <a:rPr lang="en-US" dirty="0"/>
+              <a:t>Bug/Error reporting system</a:t>
             </a:r>
           </a:p>
           <a:p>
             <a:pPr lvl="1"/>
             <a:r>
-              <a:rPr lang="en-US" dirty="0">
-                <a:solidFill>
-                  <a:schemeClr val="bg2">
-                    <a:lumMod val="75000"/>
-                  </a:schemeClr>
-                </a:solidFill>
-              </a:rPr>
-              <a:t>Bug/Error notification system</a:t>
-            </a:r>
-          </a:p>
-          <a:p>
-            <a:pPr lvl="1"/>
-            <a:r>
-              <a:rPr lang="en-US" dirty="0">
-                <a:solidFill>
-                  <a:schemeClr val="bg2">
-                    <a:lumMod val="75000"/>
-                  </a:schemeClr>
-                </a:solidFill>
-              </a:rPr>
+              <a:rPr lang="en-US" dirty="0"/>
               <a:t>Visually-appealing reports</a:t>
-            </a:r>
-          </a:p>
-          <a:p>
-            <a:r>
-              <a:rPr lang="en-US" dirty="0"/>
-              <a:t>Reducing user’s mental effort  </a:t>
-            </a:r>
-          </a:p>
-          <a:p>
-            <a:pPr lvl="1"/>
-            <a:r>
-              <a:rPr lang="en-US" dirty="0"/>
-              <a:t>Free of installation</a:t>
-            </a:r>
-          </a:p>
-          <a:p>
-            <a:pPr lvl="1"/>
-            <a:r>
-              <a:rPr lang="en-US" dirty="0"/>
-              <a:t>Simple input files preparation</a:t>
             </a:r>
           </a:p>
           <a:p>
@@ -8029,10 +10319,39 @@
       </p:sp>
       <p:pic>
         <p:nvPicPr>
-          <p:cNvPr id="4" name="Picture 3">
-            <a:extLst>
-              <a:ext uri="{FF2B5EF4-FFF2-40B4-BE49-F238E27FC236}">
-                <a16:creationId xmlns:a16="http://schemas.microsoft.com/office/drawing/2014/main" id="{1B35E6E3-FFA3-460D-8515-6DB04488B3B5}"/>
+          <p:cNvPr id="7" name="Picture 6">
+            <a:extLst>
+              <a:ext uri="{FF2B5EF4-FFF2-40B4-BE49-F238E27FC236}">
+                <a16:creationId xmlns:a16="http://schemas.microsoft.com/office/drawing/2014/main" id="{9B368544-13B5-4F45-B079-5A426A0DB9B7}"/>
+              </a:ext>
+            </a:extLst>
+          </p:cNvPr>
+          <p:cNvPicPr>
+            <a:picLocks noChangeAspect="1"/>
+          </p:cNvPicPr>
+          <p:nvPr/>
+        </p:nvPicPr>
+        <p:blipFill rotWithShape="1">
+          <a:blip r:embed="rId3"/>
+          <a:srcRect t="31912"/>
+          <a:stretch/>
+        </p:blipFill>
+        <p:spPr>
+          <a:xfrm>
+            <a:off x="5539410" y="715"/>
+            <a:ext cx="5558526" cy="3476624"/>
+          </a:xfrm>
+          <a:prstGeom prst="rect">
+            <a:avLst/>
+          </a:prstGeom>
+        </p:spPr>
+      </p:pic>
+      <p:pic>
+        <p:nvPicPr>
+          <p:cNvPr id="8" name="Picture 7">
+            <a:extLst>
+              <a:ext uri="{FF2B5EF4-FFF2-40B4-BE49-F238E27FC236}">
+                <a16:creationId xmlns:a16="http://schemas.microsoft.com/office/drawing/2014/main" id="{432E536E-EF4B-48A1-8A14-8991A9E6E7E2}"/>
               </a:ext>
             </a:extLst>
           </p:cNvPr>
@@ -8042,15 +10361,15 @@
           <p:nvPr/>
         </p:nvPicPr>
         <p:blipFill>
-          <a:blip r:embed="rId3"/>
+          <a:blip r:embed="rId4"/>
           <a:stretch>
             <a:fillRect/>
           </a:stretch>
         </p:blipFill>
         <p:spPr>
           <a:xfrm>
-            <a:off x="5226387" y="2329413"/>
-            <a:ext cx="6829250" cy="1461248"/>
+            <a:off x="5494002" y="2016087"/>
+            <a:ext cx="5649342" cy="2743596"/>
           </a:xfrm>
           <a:prstGeom prst="rect">
             <a:avLst/>
@@ -8059,10 +10378,10 @@
       </p:pic>
       <p:pic>
         <p:nvPicPr>
-          <p:cNvPr id="5" name="Picture 4">
-            <a:extLst>
-              <a:ext uri="{FF2B5EF4-FFF2-40B4-BE49-F238E27FC236}">
-                <a16:creationId xmlns:a16="http://schemas.microsoft.com/office/drawing/2014/main" id="{B42416E4-A4AD-4BF3-B374-07D2633E6E53}"/>
+          <p:cNvPr id="9" name="Picture 8">
+            <a:extLst>
+              <a:ext uri="{FF2B5EF4-FFF2-40B4-BE49-F238E27FC236}">
+                <a16:creationId xmlns:a16="http://schemas.microsoft.com/office/drawing/2014/main" id="{EDC9BACF-99C1-4CA6-8B6D-6657CBE5C8BB}"/>
               </a:ext>
             </a:extLst>
           </p:cNvPr>
@@ -8071,25 +10390,93 @@
           </p:cNvPicPr>
           <p:nvPr/>
         </p:nvPicPr>
-        <p:blipFill rotWithShape="1">
-          <a:blip r:embed="rId4"/>
-          <a:srcRect t="39614" b="27490"/>
-          <a:stretch/>
+        <p:blipFill>
+          <a:blip r:embed="rId5"/>
+          <a:stretch>
+            <a:fillRect/>
+          </a:stretch>
         </p:blipFill>
         <p:spPr>
           <a:xfrm>
-            <a:off x="5369114" y="4429387"/>
-            <a:ext cx="6543796" cy="1258349"/>
+            <a:off x="5584272" y="4689344"/>
+            <a:ext cx="5649343" cy="2393901"/>
           </a:xfrm>
           <a:prstGeom prst="rect">
             <a:avLst/>
           </a:prstGeom>
         </p:spPr>
       </p:pic>
+      <p:pic>
+        <p:nvPicPr>
+          <p:cNvPr id="10" name="Picture 9">
+            <a:extLst>
+              <a:ext uri="{FF2B5EF4-FFF2-40B4-BE49-F238E27FC236}">
+                <a16:creationId xmlns:a16="http://schemas.microsoft.com/office/drawing/2014/main" id="{7BA515D5-7C97-4C7B-8015-9324BE905B2D}"/>
+              </a:ext>
+            </a:extLst>
+          </p:cNvPr>
+          <p:cNvPicPr>
+            <a:picLocks noChangeAspect="1"/>
+          </p:cNvPicPr>
+          <p:nvPr/>
+        </p:nvPicPr>
+        <p:blipFill>
+          <a:blip r:embed="rId6"/>
+          <a:stretch>
+            <a:fillRect/>
+          </a:stretch>
+        </p:blipFill>
+        <p:spPr>
+          <a:xfrm>
+            <a:off x="203007" y="5167312"/>
+            <a:ext cx="5034585" cy="2084164"/>
+          </a:xfrm>
+          <a:prstGeom prst="rect">
+            <a:avLst/>
+          </a:prstGeom>
+        </p:spPr>
+      </p:pic>
+      <p:sp>
+        <p:nvSpPr>
+          <p:cNvPr id="11" name="Rectangle 10">
+            <a:extLst>
+              <a:ext uri="{FF2B5EF4-FFF2-40B4-BE49-F238E27FC236}">
+                <a16:creationId xmlns:a16="http://schemas.microsoft.com/office/drawing/2014/main" id="{855D192C-F3E5-4DC9-AD3E-50220D1AE622}"/>
+              </a:ext>
+            </a:extLst>
+          </p:cNvPr>
+          <p:cNvSpPr/>
+          <p:nvPr/>
+        </p:nvSpPr>
+        <p:spPr>
+          <a:xfrm>
+            <a:off x="1349928" y="5371346"/>
+            <a:ext cx="3490058" cy="246221"/>
+          </a:xfrm>
+          <a:prstGeom prst="rect">
+            <a:avLst/>
+          </a:prstGeom>
+        </p:spPr>
+        <p:txBody>
+          <a:bodyPr wrap="none">
+            <a:spAutoFit/>
+          </a:bodyPr>
+          <a:lstStyle/>
+          <a:p>
+            <a:r>
+              <a:rPr lang="en-US" sz="1000" dirty="0">
+                <a:hlinkClick r:id="rId7"/>
+              </a:rPr>
+              <a:t>https://www.encodeproject.org/data-standards/terms/#library</a:t>
+            </a:r>
+            <a:endParaRPr lang="en-US" sz="1000" dirty="0"/>
+          </a:p>
+        </p:txBody>
+      </p:sp>
     </p:spTree>
     <p:extLst>
       <p:ext uri="{BB962C8B-B14F-4D97-AF65-F5344CB8AC3E}">
-        <p14:creationId xmlns:p14="http://schemas.microsoft.com/office/powerpoint/2010/main" val="456748884"/>
+        <p14:creationId xmlns:p14="http://schemas.microsoft.com/office/powerpoint/2010/main" val="4242791898"/>
       </p:ext>
     </p:extLst>
   </p:cSld>
@@ -8121,7 +10508,7 @@
           <p:cNvPr id="2" name="Title 1">
             <a:extLst>
               <a:ext uri="{FF2B5EF4-FFF2-40B4-BE49-F238E27FC236}">
-                <a16:creationId xmlns:a16="http://schemas.microsoft.com/office/drawing/2014/main" id="{15AD1A34-A8B2-48D0-951F-79751EADEEC7}"/>
+                <a16:creationId xmlns:a16="http://schemas.microsoft.com/office/drawing/2014/main" id="{7BCD65A1-C8C9-4466-9317-79343F78ABE5}"/>
               </a:ext>
             </a:extLst>
           </p:cNvPr>
@@ -8139,7 +10526,7 @@
           <a:p>
             <a:r>
               <a:rPr lang="en-US" dirty="0"/>
-              <a:t>General principles</a:t>
+              <a:t>Software overview</a:t>
             </a:r>
           </a:p>
         </p:txBody>
@@ -8149,7 +10536,7 @@
           <p:cNvPr id="3" name="Content Placeholder 2">
             <a:extLst>
               <a:ext uri="{FF2B5EF4-FFF2-40B4-BE49-F238E27FC236}">
-                <a16:creationId xmlns:a16="http://schemas.microsoft.com/office/drawing/2014/main" id="{0BBFE8CB-EE31-4B7B-8AD9-AC66241D81BD}"/>
+                <a16:creationId xmlns:a16="http://schemas.microsoft.com/office/drawing/2014/main" id="{CAFC10A0-D3EE-4689-A712-1066982A2B20}"/>
               </a:ext>
             </a:extLst>
           </p:cNvPr>
@@ -8160,317 +10547,172 @@
             <p:ph idx="1"/>
           </p:nvPr>
         </p:nvSpPr>
-        <p:spPr/>
-        <p:txBody>
-          <a:bodyPr/>
-          <a:lstStyle/>
-          <a:p>
-            <a:r>
-              <a:rPr lang="en-US" dirty="0"/>
-              <a:t>Workflow</a:t>
-            </a:r>
-          </a:p>
-          <a:p>
-            <a:endParaRPr lang="en-US" dirty="0"/>
-          </a:p>
-        </p:txBody>
-      </p:sp>
-      <p:sp>
-        <p:nvSpPr>
-          <p:cNvPr id="7" name="Rectangle 6">
-            <a:extLst>
-              <a:ext uri="{FF2B5EF4-FFF2-40B4-BE49-F238E27FC236}">
-                <a16:creationId xmlns:a16="http://schemas.microsoft.com/office/drawing/2014/main" id="{6E49B98D-CE15-4D23-B9D8-9E95C7EE587E}"/>
-              </a:ext>
-            </a:extLst>
-          </p:cNvPr>
-          <p:cNvSpPr/>
-          <p:nvPr/>
-        </p:nvSpPr>
-        <p:spPr>
-          <a:xfrm>
-            <a:off x="1384441" y="2923571"/>
-            <a:ext cx="2080726" cy="373225"/>
-          </a:xfrm>
-          <a:prstGeom prst="rect">
-            <a:avLst/>
-          </a:prstGeom>
-          <a:noFill/>
-        </p:spPr>
-        <p:style>
-          <a:lnRef idx="2">
-            <a:schemeClr val="accent1">
-              <a:shade val="50000"/>
-            </a:schemeClr>
-          </a:lnRef>
-          <a:fillRef idx="1">
-            <a:schemeClr val="accent1"/>
-          </a:fillRef>
-          <a:effectRef idx="0">
-            <a:schemeClr val="accent1"/>
-          </a:effectRef>
-          <a:fontRef idx="minor">
-            <a:schemeClr val="lt1"/>
-          </a:fontRef>
-        </p:style>
-        <p:txBody>
-          <a:bodyPr rtlCol="0" anchor="ctr"/>
-          <a:lstStyle/>
-          <a:p>
-            <a:pPr algn="ctr"/>
+        <p:spPr>
+          <a:xfrm>
+            <a:off x="326472" y="1715855"/>
+            <a:ext cx="10515600" cy="4351338"/>
+          </a:xfrm>
+        </p:spPr>
+        <p:txBody>
+          <a:bodyPr>
+            <a:normAutofit lnSpcReduction="10000"/>
+          </a:bodyPr>
+          <a:lstStyle/>
+          <a:p>
             <a:r>
               <a:rPr lang="en-US" dirty="0">
                 <a:solidFill>
-                  <a:schemeClr val="tx1"/>
+                  <a:schemeClr val="bg2">
+                    <a:lumMod val="75000"/>
+                  </a:schemeClr>
                 </a:solidFill>
               </a:rPr>
-              <a:t>Load Python</a:t>
-            </a:r>
-          </a:p>
-        </p:txBody>
-      </p:sp>
-      <p:sp>
-        <p:nvSpPr>
-          <p:cNvPr id="8" name="Rectangle 7">
-            <a:extLst>
-              <a:ext uri="{FF2B5EF4-FFF2-40B4-BE49-F238E27FC236}">
-                <a16:creationId xmlns:a16="http://schemas.microsoft.com/office/drawing/2014/main" id="{A170486C-4907-421C-8031-4AED436733D5}"/>
-              </a:ext>
-            </a:extLst>
-          </p:cNvPr>
-          <p:cNvSpPr/>
-          <p:nvPr/>
-        </p:nvSpPr>
-        <p:spPr>
-          <a:xfrm>
-            <a:off x="1384441" y="3996306"/>
-            <a:ext cx="2080726" cy="373225"/>
-          </a:xfrm>
-          <a:prstGeom prst="rect">
-            <a:avLst/>
-          </a:prstGeom>
-          <a:noFill/>
-        </p:spPr>
-        <p:style>
-          <a:lnRef idx="2">
-            <a:schemeClr val="accent1">
-              <a:shade val="50000"/>
-            </a:schemeClr>
-          </a:lnRef>
-          <a:fillRef idx="1">
-            <a:schemeClr val="accent1"/>
-          </a:fillRef>
-          <a:effectRef idx="0">
-            <a:schemeClr val="accent1"/>
-          </a:effectRef>
-          <a:fontRef idx="minor">
-            <a:schemeClr val="lt1"/>
-          </a:fontRef>
-        </p:style>
-        <p:txBody>
-          <a:bodyPr rtlCol="0" anchor="ctr"/>
-          <a:lstStyle/>
-          <a:p>
-            <a:pPr algn="ctr"/>
+              <a:t>Minimizing computation time</a:t>
+            </a:r>
+          </a:p>
+          <a:p>
+            <a:pPr lvl="1"/>
             <a:r>
               <a:rPr lang="en-US" dirty="0">
                 <a:solidFill>
-                  <a:schemeClr val="tx1"/>
+                  <a:schemeClr val="bg2">
+                    <a:lumMod val="75000"/>
+                  </a:schemeClr>
                 </a:solidFill>
               </a:rPr>
-              <a:t>Prepare Inputs</a:t>
-            </a:r>
-          </a:p>
-        </p:txBody>
-      </p:sp>
-      <p:sp>
-        <p:nvSpPr>
-          <p:cNvPr id="9" name="Rectangle 8">
-            <a:extLst>
-              <a:ext uri="{FF2B5EF4-FFF2-40B4-BE49-F238E27FC236}">
-                <a16:creationId xmlns:a16="http://schemas.microsoft.com/office/drawing/2014/main" id="{61341791-9DE7-40CD-86E2-9D89D745C065}"/>
-              </a:ext>
-            </a:extLst>
-          </p:cNvPr>
-          <p:cNvSpPr/>
-          <p:nvPr/>
-        </p:nvSpPr>
-        <p:spPr>
-          <a:xfrm>
-            <a:off x="1384441" y="5195691"/>
-            <a:ext cx="2080726" cy="373225"/>
-          </a:xfrm>
-          <a:prstGeom prst="rect">
-            <a:avLst/>
-          </a:prstGeom>
-          <a:noFill/>
-        </p:spPr>
-        <p:style>
-          <a:lnRef idx="2">
-            <a:schemeClr val="accent1">
-              <a:shade val="50000"/>
-            </a:schemeClr>
-          </a:lnRef>
-          <a:fillRef idx="1">
-            <a:schemeClr val="accent1"/>
-          </a:fillRef>
-          <a:effectRef idx="0">
-            <a:schemeClr val="accent1"/>
-          </a:effectRef>
-          <a:fontRef idx="minor">
-            <a:schemeClr val="lt1"/>
-          </a:fontRef>
-        </p:style>
-        <p:txBody>
-          <a:bodyPr rtlCol="0" anchor="ctr"/>
-          <a:lstStyle/>
-          <a:p>
-            <a:pPr algn="ctr"/>
+              <a:t>A tree of sub-jobs</a:t>
+            </a:r>
+          </a:p>
+          <a:p>
             <a:r>
               <a:rPr lang="en-US" dirty="0">
                 <a:solidFill>
-                  <a:schemeClr val="tx1"/>
+                  <a:schemeClr val="bg2">
+                    <a:lumMod val="75000"/>
+                  </a:schemeClr>
                 </a:solidFill>
               </a:rPr>
-              <a:t>Run </a:t>
-            </a:r>
-            <a:r>
-              <a:rPr lang="en-US" dirty="0" err="1">
+              <a:t>Creating user-friendly interface</a:t>
+            </a:r>
+          </a:p>
+          <a:p>
+            <a:pPr lvl="1"/>
+            <a:r>
+              <a:rPr lang="en-US" dirty="0">
                 <a:solidFill>
-                  <a:schemeClr val="tx1"/>
+                  <a:schemeClr val="bg2">
+                    <a:lumMod val="75000"/>
+                  </a:schemeClr>
                 </a:solidFill>
               </a:rPr>
-              <a:t>HemTools</a:t>
+              <a:t>Online documentation</a:t>
+            </a:r>
+          </a:p>
+          <a:p>
+            <a:pPr lvl="2"/>
+            <a:r>
+              <a:rPr lang="en-US" dirty="0">
+                <a:solidFill>
+                  <a:schemeClr val="bg2">
+                    <a:lumMod val="75000"/>
+                  </a:schemeClr>
+                </a:solidFill>
+                <a:hlinkClick r:id="rId2">
+                  <a:extLst>
+                    <a:ext uri="{A12FA001-AC4F-418D-AE19-62706E023703}">
+                      <ahyp:hlinkClr xmlns:ahyp="http://schemas.microsoft.com/office/drawing/2018/hyperlinkcolor" val="tx"/>
+                    </a:ext>
+                  </a:extLst>
+                </a:hlinkClick>
+              </a:rPr>
+              <a:t>https://hemtools.readthedocs.io</a:t>
             </a:r>
             <a:endParaRPr lang="en-US" dirty="0">
               <a:solidFill>
-                <a:schemeClr val="tx1"/>
+                <a:schemeClr val="bg2">
+                  <a:lumMod val="75000"/>
+                </a:schemeClr>
               </a:solidFill>
             </a:endParaRPr>
           </a:p>
-        </p:txBody>
-      </p:sp>
-      <p:cxnSp>
-        <p:nvCxnSpPr>
-          <p:cNvPr id="12" name="Straight Arrow Connector 11">
-            <a:extLst>
-              <a:ext uri="{FF2B5EF4-FFF2-40B4-BE49-F238E27FC236}">
-                <a16:creationId xmlns:a16="http://schemas.microsoft.com/office/drawing/2014/main" id="{F2246984-3971-4FF8-90D8-696A820615F5}"/>
-              </a:ext>
-            </a:extLst>
-          </p:cNvPr>
-          <p:cNvCxnSpPr>
-            <a:stCxn id="7" idx="2"/>
-            <a:endCxn id="8" idx="0"/>
-          </p:cNvCxnSpPr>
-          <p:nvPr/>
-        </p:nvCxnSpPr>
-        <p:spPr>
-          <a:xfrm>
-            <a:off x="2424804" y="3296796"/>
-            <a:ext cx="0" cy="699510"/>
-          </a:xfrm>
-          <a:prstGeom prst="straightConnector1">
-            <a:avLst/>
-          </a:prstGeom>
-          <a:ln>
-            <a:tailEnd type="triangle"/>
-          </a:ln>
-        </p:spPr>
-        <p:style>
-          <a:lnRef idx="1">
-            <a:schemeClr val="accent1"/>
-          </a:lnRef>
-          <a:fillRef idx="0">
-            <a:schemeClr val="accent1"/>
-          </a:fillRef>
-          <a:effectRef idx="0">
-            <a:schemeClr val="accent1"/>
-          </a:effectRef>
-          <a:fontRef idx="minor">
-            <a:schemeClr val="tx1"/>
-          </a:fontRef>
-        </p:style>
-      </p:cxnSp>
-      <p:cxnSp>
-        <p:nvCxnSpPr>
-          <p:cNvPr id="13" name="Straight Arrow Connector 12">
-            <a:extLst>
-              <a:ext uri="{FF2B5EF4-FFF2-40B4-BE49-F238E27FC236}">
-                <a16:creationId xmlns:a16="http://schemas.microsoft.com/office/drawing/2014/main" id="{0A3B64F4-7AC5-4A93-8BB2-B81DB541DF5C}"/>
-              </a:ext>
-            </a:extLst>
-          </p:cNvPr>
-          <p:cNvCxnSpPr>
-            <a:cxnSpLocks/>
-            <a:stCxn id="8" idx="2"/>
-            <a:endCxn id="9" idx="0"/>
-          </p:cNvCxnSpPr>
-          <p:nvPr/>
-        </p:nvCxnSpPr>
-        <p:spPr>
-          <a:xfrm>
-            <a:off x="2424804" y="4369531"/>
-            <a:ext cx="0" cy="826160"/>
-          </a:xfrm>
-          <a:prstGeom prst="straightConnector1">
-            <a:avLst/>
-          </a:prstGeom>
-          <a:ln>
-            <a:tailEnd type="triangle"/>
-          </a:ln>
-        </p:spPr>
-        <p:style>
-          <a:lnRef idx="1">
-            <a:schemeClr val="accent1"/>
-          </a:lnRef>
-          <a:fillRef idx="0">
-            <a:schemeClr val="accent1"/>
-          </a:fillRef>
-          <a:effectRef idx="0">
-            <a:schemeClr val="accent1"/>
-          </a:effectRef>
-          <a:fontRef idx="minor">
-            <a:schemeClr val="tx1"/>
-          </a:fontRef>
-        </p:style>
-      </p:cxnSp>
+          <a:p>
+            <a:pPr lvl="1"/>
+            <a:r>
+              <a:rPr lang="en-US" dirty="0">
+                <a:solidFill>
+                  <a:schemeClr val="bg2">
+                    <a:lumMod val="75000"/>
+                  </a:schemeClr>
+                </a:solidFill>
+              </a:rPr>
+              <a:t>Email notification system</a:t>
+            </a:r>
+          </a:p>
+          <a:p>
+            <a:pPr lvl="1"/>
+            <a:r>
+              <a:rPr lang="en-US" dirty="0">
+                <a:solidFill>
+                  <a:schemeClr val="bg2">
+                    <a:lumMod val="75000"/>
+                  </a:schemeClr>
+                </a:solidFill>
+              </a:rPr>
+              <a:t>Bug/Error notification system</a:t>
+            </a:r>
+          </a:p>
+          <a:p>
+            <a:pPr lvl="1"/>
+            <a:r>
+              <a:rPr lang="en-US" dirty="0">
+                <a:solidFill>
+                  <a:schemeClr val="bg2">
+                    <a:lumMod val="75000"/>
+                  </a:schemeClr>
+                </a:solidFill>
+              </a:rPr>
+              <a:t>Visually-appealing reports</a:t>
+            </a:r>
+          </a:p>
+          <a:p>
+            <a:r>
+              <a:rPr lang="en-US" dirty="0"/>
+              <a:t>Reducing user’s mental effort  </a:t>
+            </a:r>
+          </a:p>
+          <a:p>
+            <a:pPr lvl="1"/>
+            <a:r>
+              <a:rPr lang="en-US" dirty="0"/>
+              <a:t>Free of installation</a:t>
+            </a:r>
+          </a:p>
+          <a:p>
+            <a:pPr lvl="1"/>
+            <a:r>
+              <a:rPr lang="en-US" dirty="0"/>
+              <a:t>Simple input files preparation</a:t>
+            </a:r>
+          </a:p>
+          <a:p>
+            <a:pPr lvl="1"/>
+            <a:endParaRPr lang="en-US" dirty="0"/>
+          </a:p>
+          <a:p>
+            <a:pPr lvl="1"/>
+            <a:endParaRPr lang="en-US" dirty="0"/>
+          </a:p>
+          <a:p>
+            <a:endParaRPr lang="en-US" dirty="0"/>
+          </a:p>
+        </p:txBody>
+      </p:sp>
       <p:pic>
         <p:nvPicPr>
-          <p:cNvPr id="20" name="Picture 19">
-            <a:extLst>
-              <a:ext uri="{FF2B5EF4-FFF2-40B4-BE49-F238E27FC236}">
-                <a16:creationId xmlns:a16="http://schemas.microsoft.com/office/drawing/2014/main" id="{C0646E24-0869-4A22-B6A2-4E1E451E17AA}"/>
-              </a:ext>
-            </a:extLst>
-          </p:cNvPr>
-          <p:cNvPicPr>
-            <a:picLocks noChangeAspect="1"/>
-          </p:cNvPicPr>
-          <p:nvPr/>
-        </p:nvPicPr>
-        <p:blipFill>
-          <a:blip r:embed="rId2"/>
-          <a:stretch>
-            <a:fillRect/>
-          </a:stretch>
-        </p:blipFill>
-        <p:spPr>
-          <a:xfrm>
-            <a:off x="3665872" y="3353861"/>
-            <a:ext cx="8477250" cy="1428750"/>
-          </a:xfrm>
-          <a:prstGeom prst="rect">
-            <a:avLst/>
-          </a:prstGeom>
-        </p:spPr>
-      </p:pic>
-      <p:pic>
-        <p:nvPicPr>
-          <p:cNvPr id="21" name="Picture 20">
-            <a:extLst>
-              <a:ext uri="{FF2B5EF4-FFF2-40B4-BE49-F238E27FC236}">
-                <a16:creationId xmlns:a16="http://schemas.microsoft.com/office/drawing/2014/main" id="{02BD333A-942A-48FC-AD52-4AD4A5E7710A}"/>
+          <p:cNvPr id="4" name="Picture 3">
+            <a:extLst>
+              <a:ext uri="{FF2B5EF4-FFF2-40B4-BE49-F238E27FC236}">
+                <a16:creationId xmlns:a16="http://schemas.microsoft.com/office/drawing/2014/main" id="{1B35E6E3-FFA3-460D-8515-6DB04488B3B5}"/>
               </a:ext>
             </a:extLst>
           </p:cNvPr>
@@ -8487,8 +10729,8 @@
         </p:blipFill>
         <p:spPr>
           <a:xfrm>
-            <a:off x="3691039" y="2687196"/>
-            <a:ext cx="8401050" cy="609600"/>
+            <a:off x="5226387" y="2329413"/>
+            <a:ext cx="6829250" cy="1461248"/>
           </a:xfrm>
           <a:prstGeom prst="rect">
             <a:avLst/>
@@ -8497,10 +10739,10 @@
       </p:pic>
       <p:pic>
         <p:nvPicPr>
-          <p:cNvPr id="22" name="Picture 21">
-            <a:extLst>
-              <a:ext uri="{FF2B5EF4-FFF2-40B4-BE49-F238E27FC236}">
-                <a16:creationId xmlns:a16="http://schemas.microsoft.com/office/drawing/2014/main" id="{D7CA9490-D72C-4D55-B19E-037B9ACC3AC3}"/>
+          <p:cNvPr id="5" name="Picture 4">
+            <a:extLst>
+              <a:ext uri="{FF2B5EF4-FFF2-40B4-BE49-F238E27FC236}">
+                <a16:creationId xmlns:a16="http://schemas.microsoft.com/office/drawing/2014/main" id="{B42416E4-A4AD-4BF3-B374-07D2633E6E53}"/>
               </a:ext>
             </a:extLst>
           </p:cNvPr>
@@ -8509,16 +10751,15 @@
           </p:cNvPicPr>
           <p:nvPr/>
         </p:nvPicPr>
-        <p:blipFill>
+        <p:blipFill rotWithShape="1">
           <a:blip r:embed="rId4"/>
-          <a:stretch>
-            <a:fillRect/>
-          </a:stretch>
+          <a:srcRect t="39614" b="27490"/>
+          <a:stretch/>
         </p:blipFill>
         <p:spPr>
           <a:xfrm>
-            <a:off x="3691039" y="5067978"/>
-            <a:ext cx="8372475" cy="628650"/>
+            <a:off x="5369114" y="4429387"/>
+            <a:ext cx="6543796" cy="1258349"/>
           </a:xfrm>
           <a:prstGeom prst="rect">
             <a:avLst/>
@@ -8528,7 +10769,7 @@
     </p:spTree>
     <p:extLst>
       <p:ext uri="{BB962C8B-B14F-4D97-AF65-F5344CB8AC3E}">
-        <p14:creationId xmlns:p14="http://schemas.microsoft.com/office/powerpoint/2010/main" val="2098964821"/>
+        <p14:creationId xmlns:p14="http://schemas.microsoft.com/office/powerpoint/2010/main" val="456748884"/>
       </p:ext>
     </p:extLst>
   </p:cSld>

--- a/HemTools Tutorial.pptx
+++ b/HemTools Tutorial.pptx
@@ -17,8 +17,8 @@
     <p:sldId id="272" r:id="rId11"/>
     <p:sldId id="283" r:id="rId12"/>
     <p:sldId id="290" r:id="rId13"/>
-    <p:sldId id="289" r:id="rId14"/>
-    <p:sldId id="286" r:id="rId15"/>
+    <p:sldId id="286" r:id="rId14"/>
+    <p:sldId id="289" r:id="rId15"/>
     <p:sldId id="285" r:id="rId16"/>
     <p:sldId id="284" r:id="rId17"/>
     <p:sldId id="281" r:id="rId18"/>
@@ -4328,15 +4328,7 @@
           <a:p>
             <a:r>
               <a:rPr lang="en-US" dirty="0"/>
-              <a:t>Single-end </a:t>
-            </a:r>
-            <a:r>
-              <a:rPr lang="en-US" dirty="0" err="1"/>
-              <a:t>ChIP</a:t>
-            </a:r>
-            <a:r>
-              <a:rPr lang="en-US" dirty="0"/>
-              <a:t>-seq example</a:t>
+              <a:t>ATAC-seq example</a:t>
             </a:r>
           </a:p>
         </p:txBody>
@@ -4380,10 +4372,10 @@
       </p:sp>
       <p:pic>
         <p:nvPicPr>
-          <p:cNvPr id="3" name="Picture 2">
-            <a:extLst>
-              <a:ext uri="{FF2B5EF4-FFF2-40B4-BE49-F238E27FC236}">
-                <a16:creationId xmlns:a16="http://schemas.microsoft.com/office/drawing/2014/main" id="{59A2606C-D698-4ACD-B24B-05B6EE427E02}"/>
+          <p:cNvPr id="5" name="Picture 4">
+            <a:extLst>
+              <a:ext uri="{FF2B5EF4-FFF2-40B4-BE49-F238E27FC236}">
+                <a16:creationId xmlns:a16="http://schemas.microsoft.com/office/drawing/2014/main" id="{5D80AD49-FD22-4060-ADBB-1CE1A0DB51CA}"/>
               </a:ext>
             </a:extLst>
           </p:cNvPr>
@@ -4400,8 +4392,8 @@
         </p:blipFill>
         <p:spPr>
           <a:xfrm>
-            <a:off x="464802" y="1556770"/>
-            <a:ext cx="8477250" cy="4667250"/>
+            <a:off x="296105" y="1690688"/>
+            <a:ext cx="8562975" cy="4181475"/>
           </a:xfrm>
           <a:prstGeom prst="rect">
             <a:avLst/>
@@ -4410,10 +4402,10 @@
       </p:pic>
       <p:sp>
         <p:nvSpPr>
-          <p:cNvPr id="5" name="Rectangle 4">
-            <a:extLst>
-              <a:ext uri="{FF2B5EF4-FFF2-40B4-BE49-F238E27FC236}">
-                <a16:creationId xmlns:a16="http://schemas.microsoft.com/office/drawing/2014/main" id="{992E529E-D2E5-4CB6-8279-870A02EDD9C3}"/>
+          <p:cNvPr id="11" name="Rectangle 10">
+            <a:extLst>
+              <a:ext uri="{FF2B5EF4-FFF2-40B4-BE49-F238E27FC236}">
+                <a16:creationId xmlns:a16="http://schemas.microsoft.com/office/drawing/2014/main" id="{0C909C85-F110-46CE-BA9B-BE09A5FE39C8}"/>
               </a:ext>
             </a:extLst>
           </p:cNvPr>
@@ -4422,7 +4414,7 @@
         </p:nvSpPr>
         <p:spPr>
           <a:xfrm>
-            <a:off x="9273074" y="3242387"/>
+            <a:off x="9603584" y="3226818"/>
             <a:ext cx="2080726" cy="373225"/>
           </a:xfrm>
           <a:prstGeom prst="rect">
@@ -4464,10 +4456,10 @@
       </p:sp>
       <p:sp>
         <p:nvSpPr>
-          <p:cNvPr id="6" name="Rectangle 5">
-            <a:extLst>
-              <a:ext uri="{FF2B5EF4-FFF2-40B4-BE49-F238E27FC236}">
-                <a16:creationId xmlns:a16="http://schemas.microsoft.com/office/drawing/2014/main" id="{354EA416-4D73-439D-8179-4A26929C094F}"/>
+          <p:cNvPr id="12" name="Rectangle 11">
+            <a:extLst>
+              <a:ext uri="{FF2B5EF4-FFF2-40B4-BE49-F238E27FC236}">
+                <a16:creationId xmlns:a16="http://schemas.microsoft.com/office/drawing/2014/main" id="{22C0E33D-5E97-4CC5-B039-FFFC138207B6}"/>
               </a:ext>
             </a:extLst>
           </p:cNvPr>
@@ -4476,7 +4468,7 @@
         </p:nvSpPr>
         <p:spPr>
           <a:xfrm>
-            <a:off x="9273074" y="4315122"/>
+            <a:off x="9603584" y="4299553"/>
             <a:ext cx="2080726" cy="373225"/>
           </a:xfrm>
           <a:prstGeom prst="rect">
@@ -4518,10 +4510,10 @@
       </p:sp>
       <p:sp>
         <p:nvSpPr>
-          <p:cNvPr id="7" name="Rectangle 6">
-            <a:extLst>
-              <a:ext uri="{FF2B5EF4-FFF2-40B4-BE49-F238E27FC236}">
-                <a16:creationId xmlns:a16="http://schemas.microsoft.com/office/drawing/2014/main" id="{921D53B3-9A64-4FA1-B7FC-64576C17764C}"/>
+          <p:cNvPr id="13" name="Rectangle 12">
+            <a:extLst>
+              <a:ext uri="{FF2B5EF4-FFF2-40B4-BE49-F238E27FC236}">
+                <a16:creationId xmlns:a16="http://schemas.microsoft.com/office/drawing/2014/main" id="{EF8EB75C-57A1-4553-8032-7E137C84B2F9}"/>
               </a:ext>
             </a:extLst>
           </p:cNvPr>
@@ -4530,7 +4522,7 @@
         </p:nvSpPr>
         <p:spPr>
           <a:xfrm>
-            <a:off x="9273074" y="5514507"/>
+            <a:off x="9603584" y="5498938"/>
             <a:ext cx="2080726" cy="373225"/>
           </a:xfrm>
           <a:prstGeom prst="rect">
@@ -4585,22 +4577,22 @@
       </p:sp>
       <p:cxnSp>
         <p:nvCxnSpPr>
-          <p:cNvPr id="8" name="Straight Arrow Connector 7">
-            <a:extLst>
-              <a:ext uri="{FF2B5EF4-FFF2-40B4-BE49-F238E27FC236}">
-                <a16:creationId xmlns:a16="http://schemas.microsoft.com/office/drawing/2014/main" id="{F34FB0F6-331F-4462-951F-CFA5A6BF9BED}"/>
+          <p:cNvPr id="14" name="Straight Arrow Connector 13">
+            <a:extLst>
+              <a:ext uri="{FF2B5EF4-FFF2-40B4-BE49-F238E27FC236}">
+                <a16:creationId xmlns:a16="http://schemas.microsoft.com/office/drawing/2014/main" id="{6DFE5328-441C-4C49-87CE-77533427456F}"/>
               </a:ext>
             </a:extLst>
           </p:cNvPr>
           <p:cNvCxnSpPr>
-            <a:stCxn id="5" idx="2"/>
-            <a:endCxn id="6" idx="0"/>
+            <a:stCxn id="11" idx="2"/>
+            <a:endCxn id="12" idx="0"/>
           </p:cNvCxnSpPr>
           <p:nvPr/>
         </p:nvCxnSpPr>
         <p:spPr>
           <a:xfrm>
-            <a:off x="10313437" y="3615612"/>
+            <a:off x="10643947" y="3600043"/>
             <a:ext cx="0" cy="699510"/>
           </a:xfrm>
           <a:prstGeom prst="straightConnector1">
@@ -4627,23 +4619,23 @@
       </p:cxnSp>
       <p:cxnSp>
         <p:nvCxnSpPr>
-          <p:cNvPr id="9" name="Straight Arrow Connector 8">
-            <a:extLst>
-              <a:ext uri="{FF2B5EF4-FFF2-40B4-BE49-F238E27FC236}">
-                <a16:creationId xmlns:a16="http://schemas.microsoft.com/office/drawing/2014/main" id="{D5AB3587-E715-453E-A290-36811AAF3FD1}"/>
+          <p:cNvPr id="15" name="Straight Arrow Connector 14">
+            <a:extLst>
+              <a:ext uri="{FF2B5EF4-FFF2-40B4-BE49-F238E27FC236}">
+                <a16:creationId xmlns:a16="http://schemas.microsoft.com/office/drawing/2014/main" id="{31E907A3-0A60-4031-9606-9FB24C547C84}"/>
               </a:ext>
             </a:extLst>
           </p:cNvPr>
           <p:cNvCxnSpPr>
             <a:cxnSpLocks/>
-            <a:stCxn id="6" idx="2"/>
-            <a:endCxn id="7" idx="0"/>
+            <a:stCxn id="12" idx="2"/>
+            <a:endCxn id="13" idx="0"/>
           </p:cNvCxnSpPr>
           <p:nvPr/>
         </p:nvCxnSpPr>
         <p:spPr>
           <a:xfrm>
-            <a:off x="10313437" y="4688347"/>
+            <a:off x="10643947" y="4672778"/>
             <a:ext cx="0" cy="826160"/>
           </a:xfrm>
           <a:prstGeom prst="straightConnector1">
@@ -4671,7 +4663,7 @@
     </p:spTree>
     <p:extLst>
       <p:ext uri="{BB962C8B-B14F-4D97-AF65-F5344CB8AC3E}">
-        <p14:creationId xmlns:p14="http://schemas.microsoft.com/office/powerpoint/2010/main" val="4285237059"/>
+        <p14:creationId xmlns:p14="http://schemas.microsoft.com/office/powerpoint/2010/main" val="3061191392"/>
       </p:ext>
     </p:extLst>
   </p:cSld>
@@ -4721,7 +4713,15 @@
           <a:p>
             <a:r>
               <a:rPr lang="en-US" dirty="0"/>
-              <a:t>ATAC-seq example</a:t>
+              <a:t>Single-end </a:t>
+            </a:r>
+            <a:r>
+              <a:rPr lang="en-US" dirty="0" err="1"/>
+              <a:t>ChIP</a:t>
+            </a:r>
+            <a:r>
+              <a:rPr lang="en-US" dirty="0"/>
+              <a:t>-seq example</a:t>
             </a:r>
           </a:p>
         </p:txBody>
@@ -4765,10 +4765,10 @@
       </p:sp>
       <p:pic>
         <p:nvPicPr>
-          <p:cNvPr id="5" name="Picture 4">
-            <a:extLst>
-              <a:ext uri="{FF2B5EF4-FFF2-40B4-BE49-F238E27FC236}">
-                <a16:creationId xmlns:a16="http://schemas.microsoft.com/office/drawing/2014/main" id="{5D80AD49-FD22-4060-ADBB-1CE1A0DB51CA}"/>
+          <p:cNvPr id="3" name="Picture 2">
+            <a:extLst>
+              <a:ext uri="{FF2B5EF4-FFF2-40B4-BE49-F238E27FC236}">
+                <a16:creationId xmlns:a16="http://schemas.microsoft.com/office/drawing/2014/main" id="{59A2606C-D698-4ACD-B24B-05B6EE427E02}"/>
               </a:ext>
             </a:extLst>
           </p:cNvPr>
@@ -4785,8 +4785,8 @@
         </p:blipFill>
         <p:spPr>
           <a:xfrm>
-            <a:off x="296105" y="1690688"/>
-            <a:ext cx="8562975" cy="4181475"/>
+            <a:off x="464802" y="1556770"/>
+            <a:ext cx="8477250" cy="4667250"/>
           </a:xfrm>
           <a:prstGeom prst="rect">
             <a:avLst/>
@@ -4795,10 +4795,10 @@
       </p:pic>
       <p:sp>
         <p:nvSpPr>
-          <p:cNvPr id="11" name="Rectangle 10">
-            <a:extLst>
-              <a:ext uri="{FF2B5EF4-FFF2-40B4-BE49-F238E27FC236}">
-                <a16:creationId xmlns:a16="http://schemas.microsoft.com/office/drawing/2014/main" id="{0C909C85-F110-46CE-BA9B-BE09A5FE39C8}"/>
+          <p:cNvPr id="5" name="Rectangle 4">
+            <a:extLst>
+              <a:ext uri="{FF2B5EF4-FFF2-40B4-BE49-F238E27FC236}">
+                <a16:creationId xmlns:a16="http://schemas.microsoft.com/office/drawing/2014/main" id="{992E529E-D2E5-4CB6-8279-870A02EDD9C3}"/>
               </a:ext>
             </a:extLst>
           </p:cNvPr>
@@ -4807,7 +4807,7 @@
         </p:nvSpPr>
         <p:spPr>
           <a:xfrm>
-            <a:off x="9603584" y="3226818"/>
+            <a:off x="9273074" y="3242387"/>
             <a:ext cx="2080726" cy="373225"/>
           </a:xfrm>
           <a:prstGeom prst="rect">
@@ -4849,10 +4849,10 @@
       </p:sp>
       <p:sp>
         <p:nvSpPr>
-          <p:cNvPr id="12" name="Rectangle 11">
-            <a:extLst>
-              <a:ext uri="{FF2B5EF4-FFF2-40B4-BE49-F238E27FC236}">
-                <a16:creationId xmlns:a16="http://schemas.microsoft.com/office/drawing/2014/main" id="{22C0E33D-5E97-4CC5-B039-FFFC138207B6}"/>
+          <p:cNvPr id="6" name="Rectangle 5">
+            <a:extLst>
+              <a:ext uri="{FF2B5EF4-FFF2-40B4-BE49-F238E27FC236}">
+                <a16:creationId xmlns:a16="http://schemas.microsoft.com/office/drawing/2014/main" id="{354EA416-4D73-439D-8179-4A26929C094F}"/>
               </a:ext>
             </a:extLst>
           </p:cNvPr>
@@ -4861,7 +4861,7 @@
         </p:nvSpPr>
         <p:spPr>
           <a:xfrm>
-            <a:off x="9603584" y="4299553"/>
+            <a:off x="9273074" y="4315122"/>
             <a:ext cx="2080726" cy="373225"/>
           </a:xfrm>
           <a:prstGeom prst="rect">
@@ -4903,10 +4903,10 @@
       </p:sp>
       <p:sp>
         <p:nvSpPr>
-          <p:cNvPr id="13" name="Rectangle 12">
-            <a:extLst>
-              <a:ext uri="{FF2B5EF4-FFF2-40B4-BE49-F238E27FC236}">
-                <a16:creationId xmlns:a16="http://schemas.microsoft.com/office/drawing/2014/main" id="{EF8EB75C-57A1-4553-8032-7E137C84B2F9}"/>
+          <p:cNvPr id="7" name="Rectangle 6">
+            <a:extLst>
+              <a:ext uri="{FF2B5EF4-FFF2-40B4-BE49-F238E27FC236}">
+                <a16:creationId xmlns:a16="http://schemas.microsoft.com/office/drawing/2014/main" id="{921D53B3-9A64-4FA1-B7FC-64576C17764C}"/>
               </a:ext>
             </a:extLst>
           </p:cNvPr>
@@ -4915,7 +4915,7 @@
         </p:nvSpPr>
         <p:spPr>
           <a:xfrm>
-            <a:off x="9603584" y="5498938"/>
+            <a:off x="9273074" y="5514507"/>
             <a:ext cx="2080726" cy="373225"/>
           </a:xfrm>
           <a:prstGeom prst="rect">
@@ -4970,22 +4970,22 @@
       </p:sp>
       <p:cxnSp>
         <p:nvCxnSpPr>
-          <p:cNvPr id="14" name="Straight Arrow Connector 13">
-            <a:extLst>
-              <a:ext uri="{FF2B5EF4-FFF2-40B4-BE49-F238E27FC236}">
-                <a16:creationId xmlns:a16="http://schemas.microsoft.com/office/drawing/2014/main" id="{6DFE5328-441C-4C49-87CE-77533427456F}"/>
+          <p:cNvPr id="8" name="Straight Arrow Connector 7">
+            <a:extLst>
+              <a:ext uri="{FF2B5EF4-FFF2-40B4-BE49-F238E27FC236}">
+                <a16:creationId xmlns:a16="http://schemas.microsoft.com/office/drawing/2014/main" id="{F34FB0F6-331F-4462-951F-CFA5A6BF9BED}"/>
               </a:ext>
             </a:extLst>
           </p:cNvPr>
           <p:cNvCxnSpPr>
-            <a:stCxn id="11" idx="2"/>
-            <a:endCxn id="12" idx="0"/>
+            <a:stCxn id="5" idx="2"/>
+            <a:endCxn id="6" idx="0"/>
           </p:cNvCxnSpPr>
           <p:nvPr/>
         </p:nvCxnSpPr>
         <p:spPr>
           <a:xfrm>
-            <a:off x="10643947" y="3600043"/>
+            <a:off x="10313437" y="3615612"/>
             <a:ext cx="0" cy="699510"/>
           </a:xfrm>
           <a:prstGeom prst="straightConnector1">
@@ -5012,23 +5012,23 @@
       </p:cxnSp>
       <p:cxnSp>
         <p:nvCxnSpPr>
-          <p:cNvPr id="15" name="Straight Arrow Connector 14">
-            <a:extLst>
-              <a:ext uri="{FF2B5EF4-FFF2-40B4-BE49-F238E27FC236}">
-                <a16:creationId xmlns:a16="http://schemas.microsoft.com/office/drawing/2014/main" id="{31E907A3-0A60-4031-9606-9FB24C547C84}"/>
+          <p:cNvPr id="9" name="Straight Arrow Connector 8">
+            <a:extLst>
+              <a:ext uri="{FF2B5EF4-FFF2-40B4-BE49-F238E27FC236}">
+                <a16:creationId xmlns:a16="http://schemas.microsoft.com/office/drawing/2014/main" id="{D5AB3587-E715-453E-A290-36811AAF3FD1}"/>
               </a:ext>
             </a:extLst>
           </p:cNvPr>
           <p:cNvCxnSpPr>
             <a:cxnSpLocks/>
-            <a:stCxn id="12" idx="2"/>
-            <a:endCxn id="13" idx="0"/>
+            <a:stCxn id="6" idx="2"/>
+            <a:endCxn id="7" idx="0"/>
           </p:cNvCxnSpPr>
           <p:nvPr/>
         </p:nvCxnSpPr>
         <p:spPr>
           <a:xfrm>
-            <a:off x="10643947" y="4672778"/>
+            <a:off x="10313437" y="4688347"/>
             <a:ext cx="0" cy="826160"/>
           </a:xfrm>
           <a:prstGeom prst="straightConnector1">
@@ -5056,7 +5056,7 @@
     </p:spTree>
     <p:extLst>
       <p:ext uri="{BB962C8B-B14F-4D97-AF65-F5344CB8AC3E}">
-        <p14:creationId xmlns:p14="http://schemas.microsoft.com/office/powerpoint/2010/main" val="3061191392"/>
+        <p14:creationId xmlns:p14="http://schemas.microsoft.com/office/powerpoint/2010/main" val="4285237059"/>
       </p:ext>
     </p:extLst>
   </p:cSld>
@@ -7144,7 +7144,7 @@
         </p:blipFill>
         <p:spPr>
           <a:xfrm>
-            <a:off x="8029862" y="3563936"/>
+            <a:off x="7960532" y="3422229"/>
             <a:ext cx="3124039" cy="3249000"/>
           </a:xfrm>
           <a:prstGeom prst="rect">
@@ -7360,12 +7360,159 @@
           </a:effectLst>
         </p:spPr>
       </p:pic>
+      <p:sp>
+        <p:nvSpPr>
+          <p:cNvPr id="11" name="Rectangle 10">
+            <a:extLst>
+              <a:ext uri="{FF2B5EF4-FFF2-40B4-BE49-F238E27FC236}">
+                <a16:creationId xmlns:a16="http://schemas.microsoft.com/office/drawing/2014/main" id="{03831D85-E99B-4D71-9B42-B70DA4CD04CD}"/>
+              </a:ext>
+            </a:extLst>
+          </p:cNvPr>
+          <p:cNvSpPr/>
+          <p:nvPr/>
+        </p:nvSpPr>
+        <p:spPr>
+          <a:xfrm>
+            <a:off x="10478069" y="180459"/>
+            <a:ext cx="1713931" cy="369332"/>
+          </a:xfrm>
+          <a:prstGeom prst="rect">
+            <a:avLst/>
+          </a:prstGeom>
+        </p:spPr>
+        <p:txBody>
+          <a:bodyPr wrap="none">
+            <a:spAutoFit/>
+          </a:bodyPr>
+          <a:lstStyle/>
+          <a:p>
+            <a:pPr lvl="1"/>
+            <a:r>
+              <a:rPr lang="en-US" dirty="0"/>
+              <a:t>CUT &amp; RUN</a:t>
+            </a:r>
+          </a:p>
+        </p:txBody>
+      </p:sp>
+      <p:sp>
+        <p:nvSpPr>
+          <p:cNvPr id="12" name="Rectangle 11">
+            <a:extLst>
+              <a:ext uri="{FF2B5EF4-FFF2-40B4-BE49-F238E27FC236}">
+                <a16:creationId xmlns:a16="http://schemas.microsoft.com/office/drawing/2014/main" id="{41703C8E-6899-4375-84CF-C8C1E6EAA584}"/>
+              </a:ext>
+            </a:extLst>
+          </p:cNvPr>
+          <p:cNvSpPr/>
+          <p:nvPr/>
+        </p:nvSpPr>
+        <p:spPr>
+          <a:xfrm>
+            <a:off x="10699793" y="3734965"/>
+            <a:ext cx="1507913" cy="369332"/>
+          </a:xfrm>
+          <a:prstGeom prst="rect">
+            <a:avLst/>
+          </a:prstGeom>
+        </p:spPr>
+        <p:txBody>
+          <a:bodyPr wrap="none">
+            <a:spAutoFit/>
+          </a:bodyPr>
+          <a:lstStyle/>
+          <a:p>
+            <a:pPr lvl="1"/>
+            <a:r>
+              <a:rPr lang="en-US" dirty="0"/>
+              <a:t>ATAC-seq</a:t>
+            </a:r>
+          </a:p>
+        </p:txBody>
+      </p:sp>
+      <p:sp>
+        <p:nvSpPr>
+          <p:cNvPr id="13" name="Rectangle 12">
+            <a:extLst>
+              <a:ext uri="{FF2B5EF4-FFF2-40B4-BE49-F238E27FC236}">
+                <a16:creationId xmlns:a16="http://schemas.microsoft.com/office/drawing/2014/main" id="{5202B4B3-DB1B-4413-BBE8-081DF0AD69BB}"/>
+              </a:ext>
+            </a:extLst>
+          </p:cNvPr>
+          <p:cNvSpPr/>
+          <p:nvPr/>
+        </p:nvSpPr>
+        <p:spPr>
+          <a:xfrm>
+            <a:off x="4281087" y="1130309"/>
+            <a:ext cx="1465466" cy="369332"/>
+          </a:xfrm>
+          <a:prstGeom prst="rect">
+            <a:avLst/>
+          </a:prstGeom>
+        </p:spPr>
+        <p:txBody>
+          <a:bodyPr wrap="none">
+            <a:spAutoFit/>
+          </a:bodyPr>
+          <a:lstStyle/>
+          <a:p>
+            <a:pPr lvl="1"/>
+            <a:r>
+              <a:rPr lang="en-US" dirty="0" err="1"/>
+              <a:t>ChIP</a:t>
+            </a:r>
+            <a:r>
+              <a:rPr lang="en-US" dirty="0"/>
+              <a:t>-seq</a:t>
+            </a:r>
+          </a:p>
+        </p:txBody>
+      </p:sp>
+      <p:sp>
+        <p:nvSpPr>
+          <p:cNvPr id="15" name="Rectangle 14">
+            <a:extLst>
+              <a:ext uri="{FF2B5EF4-FFF2-40B4-BE49-F238E27FC236}">
+                <a16:creationId xmlns:a16="http://schemas.microsoft.com/office/drawing/2014/main" id="{AEB158C7-0F65-41DC-96E6-9066492B7D5D}"/>
+              </a:ext>
+            </a:extLst>
+          </p:cNvPr>
+          <p:cNvSpPr/>
+          <p:nvPr/>
+        </p:nvSpPr>
+        <p:spPr>
+          <a:xfrm>
+            <a:off x="-254519" y="6192922"/>
+            <a:ext cx="4171848" cy="369332"/>
+          </a:xfrm>
+          <a:prstGeom prst="rect">
+            <a:avLst/>
+          </a:prstGeom>
+        </p:spPr>
+        <p:txBody>
+          <a:bodyPr wrap="none">
+            <a:spAutoFit/>
+          </a:bodyPr>
+          <a:lstStyle/>
+          <a:p>
+            <a:pPr lvl="2"/>
+            <a:r>
+              <a:rPr lang="en-US" dirty="0">
+                <a:hlinkClick r:id="rId4"/>
+              </a:rPr>
+              <a:t>https://hemtools.readthedocs.io</a:t>
+            </a:r>
+            <a:endParaRPr lang="en-US" dirty="0"/>
+          </a:p>
+        </p:txBody>
+      </p:sp>
       <p:pic>
         <p:nvPicPr>
-          <p:cNvPr id="10" name="Picture 9">
-            <a:extLst>
-              <a:ext uri="{FF2B5EF4-FFF2-40B4-BE49-F238E27FC236}">
-                <a16:creationId xmlns:a16="http://schemas.microsoft.com/office/drawing/2014/main" id="{9EFC7C57-305E-45AC-B225-DB9C1B52394E}"/>
+          <p:cNvPr id="4" name="Picture 3">
+            <a:extLst>
+              <a:ext uri="{FF2B5EF4-FFF2-40B4-BE49-F238E27FC236}">
+                <a16:creationId xmlns:a16="http://schemas.microsoft.com/office/drawing/2014/main" id="{342A47CF-E824-4186-9660-D831026495F1}"/>
               </a:ext>
             </a:extLst>
           </p:cNvPr>
@@ -7375,21 +7522,15 @@
           <p:nvPr/>
         </p:nvPicPr>
         <p:blipFill>
-          <a:blip r:embed="rId4">
-            <a:extLst>
-              <a:ext uri="{28A0092B-C50C-407E-A947-70E740481C1C}">
-                <a14:useLocalDpi xmlns:a14="http://schemas.microsoft.com/office/drawing/2010/main" val="0"/>
-              </a:ext>
-            </a:extLst>
-          </a:blip>
+          <a:blip r:embed="rId5"/>
           <a:stretch>
             <a:fillRect/>
           </a:stretch>
         </p:blipFill>
         <p:spPr>
           <a:xfrm>
-            <a:off x="8074772" y="81255"/>
-            <a:ext cx="2713470" cy="3347744"/>
+            <a:off x="7960532" y="226484"/>
+            <a:ext cx="2943871" cy="2881633"/>
           </a:xfrm>
           <a:prstGeom prst="rect">
             <a:avLst/>
@@ -7410,153 +7551,6 @@
           </a:effectLst>
         </p:spPr>
       </p:pic>
-      <p:sp>
-        <p:nvSpPr>
-          <p:cNvPr id="11" name="Rectangle 10">
-            <a:extLst>
-              <a:ext uri="{FF2B5EF4-FFF2-40B4-BE49-F238E27FC236}">
-                <a16:creationId xmlns:a16="http://schemas.microsoft.com/office/drawing/2014/main" id="{03831D85-E99B-4D71-9B42-B70DA4CD04CD}"/>
-              </a:ext>
-            </a:extLst>
-          </p:cNvPr>
-          <p:cNvSpPr/>
-          <p:nvPr/>
-        </p:nvSpPr>
-        <p:spPr>
-          <a:xfrm>
-            <a:off x="10389874" y="105697"/>
-            <a:ext cx="1713931" cy="369332"/>
-          </a:xfrm>
-          <a:prstGeom prst="rect">
-            <a:avLst/>
-          </a:prstGeom>
-        </p:spPr>
-        <p:txBody>
-          <a:bodyPr wrap="none">
-            <a:spAutoFit/>
-          </a:bodyPr>
-          <a:lstStyle/>
-          <a:p>
-            <a:pPr lvl="1"/>
-            <a:r>
-              <a:rPr lang="en-US" dirty="0"/>
-              <a:t>CUT &amp; RUN</a:t>
-            </a:r>
-          </a:p>
-        </p:txBody>
-      </p:sp>
-      <p:sp>
-        <p:nvSpPr>
-          <p:cNvPr id="12" name="Rectangle 11">
-            <a:extLst>
-              <a:ext uri="{FF2B5EF4-FFF2-40B4-BE49-F238E27FC236}">
-                <a16:creationId xmlns:a16="http://schemas.microsoft.com/office/drawing/2014/main" id="{41703C8E-6899-4375-84CF-C8C1E6EAA584}"/>
-              </a:ext>
-            </a:extLst>
-          </p:cNvPr>
-          <p:cNvSpPr/>
-          <p:nvPr/>
-        </p:nvSpPr>
-        <p:spPr>
-          <a:xfrm>
-            <a:off x="10699793" y="3734965"/>
-            <a:ext cx="1507913" cy="369332"/>
-          </a:xfrm>
-          <a:prstGeom prst="rect">
-            <a:avLst/>
-          </a:prstGeom>
-        </p:spPr>
-        <p:txBody>
-          <a:bodyPr wrap="none">
-            <a:spAutoFit/>
-          </a:bodyPr>
-          <a:lstStyle/>
-          <a:p>
-            <a:pPr lvl="1"/>
-            <a:r>
-              <a:rPr lang="en-US" dirty="0"/>
-              <a:t>ATAC-seq</a:t>
-            </a:r>
-          </a:p>
-        </p:txBody>
-      </p:sp>
-      <p:sp>
-        <p:nvSpPr>
-          <p:cNvPr id="13" name="Rectangle 12">
-            <a:extLst>
-              <a:ext uri="{FF2B5EF4-FFF2-40B4-BE49-F238E27FC236}">
-                <a16:creationId xmlns:a16="http://schemas.microsoft.com/office/drawing/2014/main" id="{5202B4B3-DB1B-4413-BBE8-081DF0AD69BB}"/>
-              </a:ext>
-            </a:extLst>
-          </p:cNvPr>
-          <p:cNvSpPr/>
-          <p:nvPr/>
-        </p:nvSpPr>
-        <p:spPr>
-          <a:xfrm>
-            <a:off x="4281087" y="1130309"/>
-            <a:ext cx="1465466" cy="369332"/>
-          </a:xfrm>
-          <a:prstGeom prst="rect">
-            <a:avLst/>
-          </a:prstGeom>
-        </p:spPr>
-        <p:txBody>
-          <a:bodyPr wrap="none">
-            <a:spAutoFit/>
-          </a:bodyPr>
-          <a:lstStyle/>
-          <a:p>
-            <a:pPr lvl="1"/>
-            <a:r>
-              <a:rPr lang="en-US" dirty="0" err="1"/>
-              <a:t>ChIP</a:t>
-            </a:r>
-            <a:r>
-              <a:rPr lang="en-US" dirty="0"/>
-              <a:t>-seq</a:t>
-            </a:r>
-          </a:p>
-        </p:txBody>
-      </p:sp>
-      <p:sp>
-        <p:nvSpPr>
-          <p:cNvPr id="15" name="Rectangle 14">
-            <a:extLst>
-              <a:ext uri="{FF2B5EF4-FFF2-40B4-BE49-F238E27FC236}">
-                <a16:creationId xmlns:a16="http://schemas.microsoft.com/office/drawing/2014/main" id="{AEB158C7-0F65-41DC-96E6-9066492B7D5D}"/>
-              </a:ext>
-            </a:extLst>
-          </p:cNvPr>
-          <p:cNvSpPr/>
-          <p:nvPr/>
-        </p:nvSpPr>
-        <p:spPr>
-          <a:xfrm>
-            <a:off x="-254519" y="6192922"/>
-            <a:ext cx="4171848" cy="369332"/>
-          </a:xfrm>
-          <a:prstGeom prst="rect">
-            <a:avLst/>
-          </a:prstGeom>
-        </p:spPr>
-        <p:txBody>
-          <a:bodyPr wrap="none">
-            <a:spAutoFit/>
-          </a:bodyPr>
-          <a:lstStyle/>
-          <a:p>
-            <a:pPr lvl="2"/>
-            <a:r>
-              <a:rPr lang="en-US" dirty="0">
-                <a:hlinkClick r:id="rId5"/>
-              </a:rPr>
-              <a:t>https://hemtools.readthedocs.io</a:t>
-            </a:r>
-            <a:endParaRPr lang="en-US" dirty="0"/>
-          </a:p>
-        </p:txBody>
-      </p:sp>
     </p:spTree>
     <p:extLst>
       <p:ext uri="{BB962C8B-B14F-4D97-AF65-F5344CB8AC3E}">
@@ -9902,10 +9896,10 @@
       </p:pic>
       <p:pic>
         <p:nvPicPr>
-          <p:cNvPr id="8" name="Picture 7">
-            <a:extLst>
-              <a:ext uri="{FF2B5EF4-FFF2-40B4-BE49-F238E27FC236}">
-                <a16:creationId xmlns:a16="http://schemas.microsoft.com/office/drawing/2014/main" id="{F5D3B9FA-0FEC-4092-AB4B-EB8C1D661241}"/>
+          <p:cNvPr id="4" name="Picture 3">
+            <a:extLst>
+              <a:ext uri="{FF2B5EF4-FFF2-40B4-BE49-F238E27FC236}">
+                <a16:creationId xmlns:a16="http://schemas.microsoft.com/office/drawing/2014/main" id="{9E2D386A-D7B1-4EF0-A5E2-C9BEA754BC53}"/>
               </a:ext>
             </a:extLst>
           </p:cNvPr>
@@ -9922,8 +9916,38 @@
         </p:blipFill>
         <p:spPr>
           <a:xfrm>
-            <a:off x="6826477" y="2203414"/>
-            <a:ext cx="5365523" cy="3971540"/>
+            <a:off x="6064191" y="2967402"/>
+            <a:ext cx="6127809" cy="3721065"/>
+          </a:xfrm>
+          <a:prstGeom prst="rect">
+            <a:avLst/>
+          </a:prstGeom>
+        </p:spPr>
+      </p:pic>
+      <p:pic>
+        <p:nvPicPr>
+          <p:cNvPr id="6" name="Picture 5">
+            <a:extLst>
+              <a:ext uri="{FF2B5EF4-FFF2-40B4-BE49-F238E27FC236}">
+                <a16:creationId xmlns:a16="http://schemas.microsoft.com/office/drawing/2014/main" id="{9255F310-6BC5-4C85-91FE-32DB4EF4EF2D}"/>
+              </a:ext>
+            </a:extLst>
+          </p:cNvPr>
+          <p:cNvPicPr>
+            <a:picLocks noChangeAspect="1"/>
+          </p:cNvPicPr>
+          <p:nvPr/>
+        </p:nvPicPr>
+        <p:blipFill>
+          <a:blip r:embed="rId5"/>
+          <a:stretch>
+            <a:fillRect/>
+          </a:stretch>
+        </p:blipFill>
+        <p:spPr>
+          <a:xfrm>
+            <a:off x="6316727" y="4291984"/>
+            <a:ext cx="1670268" cy="1750655"/>
           </a:xfrm>
           <a:prstGeom prst="rect">
             <a:avLst/>
